--- a/HorrorscopesFinal.pptx
+++ b/HorrorscopesFinal.pptx
@@ -17,6 +17,17 @@
     <p:sldId id="262" r:id="rId12"/>
     <p:sldId id="263" r:id="rId13"/>
     <p:sldId id="264" r:id="rId14"/>
+    <p:sldId id="265" r:id="rId15"/>
+    <p:sldId id="266" r:id="rId16"/>
+    <p:sldId id="267" r:id="rId17"/>
+    <p:sldId id="268" r:id="rId18"/>
+    <p:sldId id="269" r:id="rId19"/>
+    <p:sldId id="270" r:id="rId20"/>
+    <p:sldId id="271" r:id="rId21"/>
+    <p:sldId id="272" r:id="rId22"/>
+    <p:sldId id="273" r:id="rId23"/>
+    <p:sldId id="274" r:id="rId24"/>
+    <p:sldId id="275" r:id="rId25"/>
   </p:sldIdLst>
   <p:sldSz cy="5143500" cx="9144000"/>
   <p:notesSz cx="6858000" cy="9144000"/>
@@ -793,6 +804,1189 @@
 </p:notes>
 </file>
 
+<file path=ppt/notesSlides/notesSlide10.xml><?xml version="1.0" encoding="utf-8"?>
+<p:notes xmlns:a="http://schemas.openxmlformats.org/drawingml/2006/main" xmlns:r="http://schemas.openxmlformats.org/officeDocument/2006/relationships" xmlns:mc="http://schemas.openxmlformats.org/markup-compatibility/2006" xmlns:mv="urn:schemas-microsoft-com:mac:vml" xmlns:p="http://schemas.openxmlformats.org/presentationml/2006/main" xmlns:c="http://schemas.openxmlformats.org/drawingml/2006/chart" xmlns:dgm="http://schemas.openxmlformats.org/drawingml/2006/diagram" xmlns:o="urn:schemas-microsoft-com:office:office" xmlns:v="urn:schemas-microsoft-com:vml" xmlns:pvml="urn:schemas-microsoft-com:office:powerpoint" xmlns:com="http://schemas.openxmlformats.org/drawingml/2006/compatibility" xmlns:p14="http://schemas.microsoft.com/office/powerpoint/2010/main" xmlns:p15="http://schemas.microsoft.com/office/powerpoint/2012/main" xmlns:ahyp="http://schemas.microsoft.com/office/drawing/2018/hyperlinkcolor" showMasterPhAnim="0" showMasterSp="0">
+  <p:cSld>
+    <p:spTree>
+      <p:nvGrpSpPr>
+        <p:cNvPr id="216" name="Shape 216"/>
+        <p:cNvGrpSpPr/>
+        <p:nvPr/>
+      </p:nvGrpSpPr>
+      <p:grpSpPr>
+        <a:xfrm>
+          <a:off x="0" y="0"/>
+          <a:ext cx="0" cy="0"/>
+          <a:chOff x="0" y="0"/>
+          <a:chExt cx="0" cy="0"/>
+        </a:xfrm>
+      </p:grpSpPr>
+      <p:sp>
+        <p:nvSpPr>
+          <p:cNvPr id="217" name="Google Shape;217;g152175e3203_0_139:notes"/>
+          <p:cNvSpPr/>
+          <p:nvPr>
+            <p:ph idx="2" type="sldImg"/>
+          </p:nvPr>
+        </p:nvSpPr>
+        <p:spPr>
+          <a:xfrm>
+            <a:off x="381300" y="685800"/>
+            <a:ext cx="6096000" cy="3429000"/>
+          </a:xfrm>
+          <a:custGeom>
+            <a:rect b="b" l="l" r="r" t="t"/>
+            <a:pathLst>
+              <a:path extrusionOk="0" h="120000" w="120000">
+                <a:moveTo>
+                  <a:pt x="0" y="0"/>
+                </a:moveTo>
+                <a:lnTo>
+                  <a:pt x="120000" y="0"/>
+                </a:lnTo>
+                <a:lnTo>
+                  <a:pt x="120000" y="120000"/>
+                </a:lnTo>
+                <a:lnTo>
+                  <a:pt x="0" y="120000"/>
+                </a:lnTo>
+                <a:close/>
+              </a:path>
+            </a:pathLst>
+          </a:custGeom>
+        </p:spPr>
+      </p:sp>
+      <p:sp>
+        <p:nvSpPr>
+          <p:cNvPr id="218" name="Google Shape;218;g152175e3203_0_139:notes"/>
+          <p:cNvSpPr txBox="1"/>
+          <p:nvPr>
+            <p:ph idx="1" type="body"/>
+          </p:nvPr>
+        </p:nvSpPr>
+        <p:spPr>
+          <a:xfrm>
+            <a:off x="685800" y="4343400"/>
+            <a:ext cx="5486400" cy="4114800"/>
+          </a:xfrm>
+          <a:prstGeom prst="rect">
+            <a:avLst/>
+          </a:prstGeom>
+        </p:spPr>
+        <p:txBody>
+          <a:bodyPr anchorCtr="0" anchor="t" bIns="91425" lIns="91425" spcFirstLastPara="1" rIns="91425" wrap="square" tIns="91425">
+            <a:noAutofit/>
+          </a:bodyPr>
+          <a:lstStyle/>
+          <a:p>
+            <a:pPr indent="0" lvl="0" marL="0" rtl="0" algn="l">
+              <a:spcBef>
+                <a:spcPts val="0"/>
+              </a:spcBef>
+              <a:spcAft>
+                <a:spcPts val="0"/>
+              </a:spcAft>
+              <a:buNone/>
+            </a:pPr>
+            <a:r>
+              <a:rPr lang="en"/>
+              <a:t>Angelique: Elaborate on some of the struggles we had with the Database and </a:t>
+            </a:r>
+            <a:r>
+              <a:rPr lang="en"/>
+              <a:t>describe</a:t>
+            </a:r>
+            <a:r>
+              <a:rPr lang="en"/>
+              <a:t> how we were finally able to perform an inner join after formatting the date columns for the full moon chart and the KCPD Crime data.</a:t>
+            </a:r>
+            <a:endParaRPr/>
+          </a:p>
+        </p:txBody>
+      </p:sp>
+    </p:spTree>
+  </p:cSld>
+  <p:clrMapOvr>
+    <a:masterClrMapping/>
+  </p:clrMapOvr>
+</p:notes>
+</file>
+
+<file path=ppt/notesSlides/notesSlide11.xml><?xml version="1.0" encoding="utf-8"?>
+<p:notes xmlns:a="http://schemas.openxmlformats.org/drawingml/2006/main" xmlns:r="http://schemas.openxmlformats.org/officeDocument/2006/relationships" xmlns:mc="http://schemas.openxmlformats.org/markup-compatibility/2006" xmlns:mv="urn:schemas-microsoft-com:mac:vml" xmlns:p="http://schemas.openxmlformats.org/presentationml/2006/main" xmlns:c="http://schemas.openxmlformats.org/drawingml/2006/chart" xmlns:dgm="http://schemas.openxmlformats.org/drawingml/2006/diagram" xmlns:o="urn:schemas-microsoft-com:office:office" xmlns:v="urn:schemas-microsoft-com:vml" xmlns:pvml="urn:schemas-microsoft-com:office:powerpoint" xmlns:com="http://schemas.openxmlformats.org/drawingml/2006/compatibility" xmlns:p14="http://schemas.microsoft.com/office/powerpoint/2010/main" xmlns:p15="http://schemas.microsoft.com/office/powerpoint/2012/main" xmlns:ahyp="http://schemas.microsoft.com/office/drawing/2018/hyperlinkcolor" showMasterPhAnim="0" showMasterSp="0">
+  <p:cSld>
+    <p:spTree>
+      <p:nvGrpSpPr>
+        <p:cNvPr id="236" name="Shape 236"/>
+        <p:cNvGrpSpPr/>
+        <p:nvPr/>
+      </p:nvGrpSpPr>
+      <p:grpSpPr>
+        <a:xfrm>
+          <a:off x="0" y="0"/>
+          <a:ext cx="0" cy="0"/>
+          <a:chOff x="0" y="0"/>
+          <a:chExt cx="0" cy="0"/>
+        </a:xfrm>
+      </p:grpSpPr>
+      <p:sp>
+        <p:nvSpPr>
+          <p:cNvPr id="237" name="Google Shape;237;g152175e3203_0_158:notes"/>
+          <p:cNvSpPr/>
+          <p:nvPr>
+            <p:ph idx="2" type="sldImg"/>
+          </p:nvPr>
+        </p:nvSpPr>
+        <p:spPr>
+          <a:xfrm>
+            <a:off x="381300" y="685800"/>
+            <a:ext cx="6096000" cy="3429000"/>
+          </a:xfrm>
+          <a:custGeom>
+            <a:rect b="b" l="l" r="r" t="t"/>
+            <a:pathLst>
+              <a:path extrusionOk="0" h="120000" w="120000">
+                <a:moveTo>
+                  <a:pt x="0" y="0"/>
+                </a:moveTo>
+                <a:lnTo>
+                  <a:pt x="120000" y="0"/>
+                </a:lnTo>
+                <a:lnTo>
+                  <a:pt x="120000" y="120000"/>
+                </a:lnTo>
+                <a:lnTo>
+                  <a:pt x="0" y="120000"/>
+                </a:lnTo>
+                <a:close/>
+              </a:path>
+            </a:pathLst>
+          </a:custGeom>
+        </p:spPr>
+      </p:sp>
+      <p:sp>
+        <p:nvSpPr>
+          <p:cNvPr id="238" name="Google Shape;238;g152175e3203_0_158:notes"/>
+          <p:cNvSpPr txBox="1"/>
+          <p:nvPr>
+            <p:ph idx="1" type="body"/>
+          </p:nvPr>
+        </p:nvSpPr>
+        <p:spPr>
+          <a:xfrm>
+            <a:off x="685800" y="4343400"/>
+            <a:ext cx="5486400" cy="4114800"/>
+          </a:xfrm>
+          <a:prstGeom prst="rect">
+            <a:avLst/>
+          </a:prstGeom>
+        </p:spPr>
+        <p:txBody>
+          <a:bodyPr anchorCtr="0" anchor="t" bIns="91425" lIns="91425" spcFirstLastPara="1" rIns="91425" wrap="square" tIns="91425">
+            <a:noAutofit/>
+          </a:bodyPr>
+          <a:lstStyle/>
+          <a:p>
+            <a:pPr indent="0" lvl="0" marL="0" rtl="0" algn="l">
+              <a:spcBef>
+                <a:spcPts val="0"/>
+              </a:spcBef>
+              <a:spcAft>
+                <a:spcPts val="0"/>
+              </a:spcAft>
+              <a:buNone/>
+            </a:pPr>
+            <a:r>
+              <a:rPr lang="en"/>
+              <a:t>Lauren: </a:t>
+            </a:r>
+            <a:r>
+              <a:rPr lang="en" sz="1200">
+                <a:solidFill>
+                  <a:srgbClr val="24292F"/>
+                </a:solidFill>
+                <a:highlight>
+                  <a:srgbClr val="FFFFFF"/>
+                </a:highlight>
+              </a:rPr>
+              <a:t>We put the data into tableau and excel pivot tables to examine any trends between astrological sign and the number of serial killers. We found there were more aquarius killer than other types.</a:t>
+            </a:r>
+            <a:endParaRPr/>
+          </a:p>
+        </p:txBody>
+      </p:sp>
+    </p:spTree>
+  </p:cSld>
+  <p:clrMapOvr>
+    <a:masterClrMapping/>
+  </p:clrMapOvr>
+</p:notes>
+</file>
+
+<file path=ppt/notesSlides/notesSlide12.xml><?xml version="1.0" encoding="utf-8"?>
+<p:notes xmlns:a="http://schemas.openxmlformats.org/drawingml/2006/main" xmlns:r="http://schemas.openxmlformats.org/officeDocument/2006/relationships" xmlns:mc="http://schemas.openxmlformats.org/markup-compatibility/2006" xmlns:mv="urn:schemas-microsoft-com:mac:vml" xmlns:p="http://schemas.openxmlformats.org/presentationml/2006/main" xmlns:c="http://schemas.openxmlformats.org/drawingml/2006/chart" xmlns:dgm="http://schemas.openxmlformats.org/drawingml/2006/diagram" xmlns:o="urn:schemas-microsoft-com:office:office" xmlns:v="urn:schemas-microsoft-com:vml" xmlns:pvml="urn:schemas-microsoft-com:office:powerpoint" xmlns:com="http://schemas.openxmlformats.org/drawingml/2006/compatibility" xmlns:p14="http://schemas.microsoft.com/office/powerpoint/2010/main" xmlns:p15="http://schemas.microsoft.com/office/powerpoint/2012/main" xmlns:ahyp="http://schemas.microsoft.com/office/drawing/2018/hyperlinkcolor" showMasterPhAnim="0" showMasterSp="0">
+  <p:cSld>
+    <p:spTree>
+      <p:nvGrpSpPr>
+        <p:cNvPr id="242" name="Shape 242"/>
+        <p:cNvGrpSpPr/>
+        <p:nvPr/>
+      </p:nvGrpSpPr>
+      <p:grpSpPr>
+        <a:xfrm>
+          <a:off x="0" y="0"/>
+          <a:ext cx="0" cy="0"/>
+          <a:chOff x="0" y="0"/>
+          <a:chExt cx="0" cy="0"/>
+        </a:xfrm>
+      </p:grpSpPr>
+      <p:sp>
+        <p:nvSpPr>
+          <p:cNvPr id="243" name="Google Shape;243;g152175e3203_0_165:notes"/>
+          <p:cNvSpPr/>
+          <p:nvPr>
+            <p:ph idx="2" type="sldImg"/>
+          </p:nvPr>
+        </p:nvSpPr>
+        <p:spPr>
+          <a:xfrm>
+            <a:off x="381300" y="685800"/>
+            <a:ext cx="6096000" cy="3429000"/>
+          </a:xfrm>
+          <a:custGeom>
+            <a:rect b="b" l="l" r="r" t="t"/>
+            <a:pathLst>
+              <a:path extrusionOk="0" h="120000" w="120000">
+                <a:moveTo>
+                  <a:pt x="0" y="0"/>
+                </a:moveTo>
+                <a:lnTo>
+                  <a:pt x="120000" y="0"/>
+                </a:lnTo>
+                <a:lnTo>
+                  <a:pt x="120000" y="120000"/>
+                </a:lnTo>
+                <a:lnTo>
+                  <a:pt x="0" y="120000"/>
+                </a:lnTo>
+                <a:close/>
+              </a:path>
+            </a:pathLst>
+          </a:custGeom>
+        </p:spPr>
+      </p:sp>
+      <p:sp>
+        <p:nvSpPr>
+          <p:cNvPr id="244" name="Google Shape;244;g152175e3203_0_165:notes"/>
+          <p:cNvSpPr txBox="1"/>
+          <p:nvPr>
+            <p:ph idx="1" type="body"/>
+          </p:nvPr>
+        </p:nvSpPr>
+        <p:spPr>
+          <a:xfrm>
+            <a:off x="685800" y="4343400"/>
+            <a:ext cx="5486400" cy="4114800"/>
+          </a:xfrm>
+          <a:prstGeom prst="rect">
+            <a:avLst/>
+          </a:prstGeom>
+        </p:spPr>
+        <p:txBody>
+          <a:bodyPr anchorCtr="0" anchor="t" bIns="91425" lIns="91425" spcFirstLastPara="1" rIns="91425" wrap="square" tIns="91425">
+            <a:noAutofit/>
+          </a:bodyPr>
+          <a:lstStyle/>
+          <a:p>
+            <a:pPr indent="0" lvl="0" marL="0" rtl="0" algn="l">
+              <a:spcBef>
+                <a:spcPts val="0"/>
+              </a:spcBef>
+              <a:spcAft>
+                <a:spcPts val="0"/>
+              </a:spcAft>
+              <a:buNone/>
+            </a:pPr>
+            <a:r>
+              <a:rPr lang="en"/>
+              <a:t>Lauren: </a:t>
+            </a:r>
+            <a:r>
+              <a:rPr lang="en" sz="1200">
+                <a:solidFill>
+                  <a:srgbClr val="24292F"/>
+                </a:solidFill>
+                <a:highlight>
+                  <a:srgbClr val="FFFFFF"/>
+                </a:highlight>
+              </a:rPr>
+              <a:t>Then, we analyzed number of victims (confirmed) by Killer's astrological sign. Again, the highest number was from aquarius.</a:t>
+            </a:r>
+            <a:endParaRPr/>
+          </a:p>
+        </p:txBody>
+      </p:sp>
+    </p:spTree>
+  </p:cSld>
+  <p:clrMapOvr>
+    <a:masterClrMapping/>
+  </p:clrMapOvr>
+</p:notes>
+</file>
+
+<file path=ppt/notesSlides/notesSlide13.xml><?xml version="1.0" encoding="utf-8"?>
+<p:notes xmlns:a="http://schemas.openxmlformats.org/drawingml/2006/main" xmlns:r="http://schemas.openxmlformats.org/officeDocument/2006/relationships" xmlns:mc="http://schemas.openxmlformats.org/markup-compatibility/2006" xmlns:mv="urn:schemas-microsoft-com:mac:vml" xmlns:p="http://schemas.openxmlformats.org/presentationml/2006/main" xmlns:c="http://schemas.openxmlformats.org/drawingml/2006/chart" xmlns:dgm="http://schemas.openxmlformats.org/drawingml/2006/diagram" xmlns:o="urn:schemas-microsoft-com:office:office" xmlns:v="urn:schemas-microsoft-com:vml" xmlns:pvml="urn:schemas-microsoft-com:office:powerpoint" xmlns:com="http://schemas.openxmlformats.org/drawingml/2006/compatibility" xmlns:p14="http://schemas.microsoft.com/office/powerpoint/2010/main" xmlns:p15="http://schemas.microsoft.com/office/powerpoint/2012/main" xmlns:ahyp="http://schemas.microsoft.com/office/drawing/2018/hyperlinkcolor" showMasterPhAnim="0" showMasterSp="0">
+  <p:cSld>
+    <p:spTree>
+      <p:nvGrpSpPr>
+        <p:cNvPr id="248" name="Shape 248"/>
+        <p:cNvGrpSpPr/>
+        <p:nvPr/>
+      </p:nvGrpSpPr>
+      <p:grpSpPr>
+        <a:xfrm>
+          <a:off x="0" y="0"/>
+          <a:ext cx="0" cy="0"/>
+          <a:chOff x="0" y="0"/>
+          <a:chExt cx="0" cy="0"/>
+        </a:xfrm>
+      </p:grpSpPr>
+      <p:sp>
+        <p:nvSpPr>
+          <p:cNvPr id="249" name="Google Shape;249;g152175e3203_0_171:notes"/>
+          <p:cNvSpPr/>
+          <p:nvPr>
+            <p:ph idx="2" type="sldImg"/>
+          </p:nvPr>
+        </p:nvSpPr>
+        <p:spPr>
+          <a:xfrm>
+            <a:off x="381300" y="685800"/>
+            <a:ext cx="6096000" cy="3429000"/>
+          </a:xfrm>
+          <a:custGeom>
+            <a:rect b="b" l="l" r="r" t="t"/>
+            <a:pathLst>
+              <a:path extrusionOk="0" h="120000" w="120000">
+                <a:moveTo>
+                  <a:pt x="0" y="0"/>
+                </a:moveTo>
+                <a:lnTo>
+                  <a:pt x="120000" y="0"/>
+                </a:lnTo>
+                <a:lnTo>
+                  <a:pt x="120000" y="120000"/>
+                </a:lnTo>
+                <a:lnTo>
+                  <a:pt x="0" y="120000"/>
+                </a:lnTo>
+                <a:close/>
+              </a:path>
+            </a:pathLst>
+          </a:custGeom>
+        </p:spPr>
+      </p:sp>
+      <p:sp>
+        <p:nvSpPr>
+          <p:cNvPr id="250" name="Google Shape;250;g152175e3203_0_171:notes"/>
+          <p:cNvSpPr txBox="1"/>
+          <p:nvPr>
+            <p:ph idx="1" type="body"/>
+          </p:nvPr>
+        </p:nvSpPr>
+        <p:spPr>
+          <a:xfrm>
+            <a:off x="685800" y="4343400"/>
+            <a:ext cx="5486400" cy="4114800"/>
+          </a:xfrm>
+          <a:prstGeom prst="rect">
+            <a:avLst/>
+          </a:prstGeom>
+        </p:spPr>
+        <p:txBody>
+          <a:bodyPr anchorCtr="0" anchor="t" bIns="91425" lIns="91425" spcFirstLastPara="1" rIns="91425" wrap="square" tIns="91425">
+            <a:noAutofit/>
+          </a:bodyPr>
+          <a:lstStyle/>
+          <a:p>
+            <a:pPr indent="0" lvl="0" marL="0" rtl="0" algn="l">
+              <a:spcBef>
+                <a:spcPts val="0"/>
+              </a:spcBef>
+              <a:spcAft>
+                <a:spcPts val="0"/>
+              </a:spcAft>
+              <a:buNone/>
+            </a:pPr>
+            <a:r>
+              <a:rPr lang="en"/>
+              <a:t>Lauren: </a:t>
+            </a:r>
+            <a:r>
+              <a:rPr lang="en" sz="1200">
+                <a:solidFill>
+                  <a:srgbClr val="24292F"/>
+                </a:solidFill>
+                <a:highlight>
+                  <a:srgbClr val="FFFFFF"/>
+                </a:highlight>
+              </a:rPr>
+              <a:t>Next, we separated the killers by their birth year. We found that the highest number of serial killers were born between 1946-1964 (with the most being in 1953). This generation definition comes from the Pew Research Center.</a:t>
+            </a:r>
+            <a:endParaRPr/>
+          </a:p>
+        </p:txBody>
+      </p:sp>
+    </p:spTree>
+  </p:cSld>
+  <p:clrMapOvr>
+    <a:masterClrMapping/>
+  </p:clrMapOvr>
+</p:notes>
+</file>
+
+<file path=ppt/notesSlides/notesSlide14.xml><?xml version="1.0" encoding="utf-8"?>
+<p:notes xmlns:a="http://schemas.openxmlformats.org/drawingml/2006/main" xmlns:r="http://schemas.openxmlformats.org/officeDocument/2006/relationships" xmlns:mc="http://schemas.openxmlformats.org/markup-compatibility/2006" xmlns:mv="urn:schemas-microsoft-com:mac:vml" xmlns:p="http://schemas.openxmlformats.org/presentationml/2006/main" xmlns:c="http://schemas.openxmlformats.org/drawingml/2006/chart" xmlns:dgm="http://schemas.openxmlformats.org/drawingml/2006/diagram" xmlns:o="urn:schemas-microsoft-com:office:office" xmlns:v="urn:schemas-microsoft-com:vml" xmlns:pvml="urn:schemas-microsoft-com:office:powerpoint" xmlns:com="http://schemas.openxmlformats.org/drawingml/2006/compatibility" xmlns:p14="http://schemas.microsoft.com/office/powerpoint/2010/main" xmlns:p15="http://schemas.microsoft.com/office/powerpoint/2012/main" xmlns:ahyp="http://schemas.microsoft.com/office/drawing/2018/hyperlinkcolor" showMasterPhAnim="0" showMasterSp="0">
+  <p:cSld>
+    <p:spTree>
+      <p:nvGrpSpPr>
+        <p:cNvPr id="254" name="Shape 254"/>
+        <p:cNvGrpSpPr/>
+        <p:nvPr/>
+      </p:nvGrpSpPr>
+      <p:grpSpPr>
+        <a:xfrm>
+          <a:off x="0" y="0"/>
+          <a:ext cx="0" cy="0"/>
+          <a:chOff x="0" y="0"/>
+          <a:chExt cx="0" cy="0"/>
+        </a:xfrm>
+      </p:grpSpPr>
+      <p:sp>
+        <p:nvSpPr>
+          <p:cNvPr id="255" name="Google Shape;255;g152175e3203_0_175:notes"/>
+          <p:cNvSpPr/>
+          <p:nvPr>
+            <p:ph idx="2" type="sldImg"/>
+          </p:nvPr>
+        </p:nvSpPr>
+        <p:spPr>
+          <a:xfrm>
+            <a:off x="381300" y="685800"/>
+            <a:ext cx="6096000" cy="3429000"/>
+          </a:xfrm>
+          <a:custGeom>
+            <a:rect b="b" l="l" r="r" t="t"/>
+            <a:pathLst>
+              <a:path extrusionOk="0" h="120000" w="120000">
+                <a:moveTo>
+                  <a:pt x="0" y="0"/>
+                </a:moveTo>
+                <a:lnTo>
+                  <a:pt x="120000" y="0"/>
+                </a:lnTo>
+                <a:lnTo>
+                  <a:pt x="120000" y="120000"/>
+                </a:lnTo>
+                <a:lnTo>
+                  <a:pt x="0" y="120000"/>
+                </a:lnTo>
+                <a:close/>
+              </a:path>
+            </a:pathLst>
+          </a:custGeom>
+        </p:spPr>
+      </p:sp>
+      <p:sp>
+        <p:nvSpPr>
+          <p:cNvPr id="256" name="Google Shape;256;g152175e3203_0_175:notes"/>
+          <p:cNvSpPr txBox="1"/>
+          <p:nvPr>
+            <p:ph idx="1" type="body"/>
+          </p:nvPr>
+        </p:nvSpPr>
+        <p:spPr>
+          <a:xfrm>
+            <a:off x="685800" y="4343400"/>
+            <a:ext cx="5486400" cy="4114800"/>
+          </a:xfrm>
+          <a:prstGeom prst="rect">
+            <a:avLst/>
+          </a:prstGeom>
+        </p:spPr>
+        <p:txBody>
+          <a:bodyPr anchorCtr="0" anchor="t" bIns="91425" lIns="91425" spcFirstLastPara="1" rIns="91425" wrap="square" tIns="91425">
+            <a:noAutofit/>
+          </a:bodyPr>
+          <a:lstStyle/>
+          <a:p>
+            <a:pPr indent="0" lvl="0" marL="0" rtl="0" algn="l">
+              <a:spcBef>
+                <a:spcPts val="0"/>
+              </a:spcBef>
+              <a:spcAft>
+                <a:spcPts val="0"/>
+              </a:spcAft>
+              <a:buNone/>
+            </a:pPr>
+            <a:r>
+              <a:rPr lang="en" sz="1200">
+                <a:solidFill>
+                  <a:srgbClr val="24292F"/>
+                </a:solidFill>
+                <a:highlight>
+                  <a:srgbClr val="FFFFFF"/>
+                </a:highlight>
+              </a:rPr>
+              <a:t>Last, we looked at the average number of victims associated with each generation of killer. The average highest number of victims (6.907) came from the silent generation, which were individuals born between 1928-1945.</a:t>
+            </a:r>
+            <a:endParaRPr/>
+          </a:p>
+        </p:txBody>
+      </p:sp>
+    </p:spTree>
+  </p:cSld>
+  <p:clrMapOvr>
+    <a:masterClrMapping/>
+  </p:clrMapOvr>
+</p:notes>
+</file>
+
+<file path=ppt/notesSlides/notesSlide15.xml><?xml version="1.0" encoding="utf-8"?>
+<p:notes xmlns:a="http://schemas.openxmlformats.org/drawingml/2006/main" xmlns:r="http://schemas.openxmlformats.org/officeDocument/2006/relationships" xmlns:mc="http://schemas.openxmlformats.org/markup-compatibility/2006" xmlns:mv="urn:schemas-microsoft-com:mac:vml" xmlns:p="http://schemas.openxmlformats.org/presentationml/2006/main" xmlns:c="http://schemas.openxmlformats.org/drawingml/2006/chart" xmlns:dgm="http://schemas.openxmlformats.org/drawingml/2006/diagram" xmlns:o="urn:schemas-microsoft-com:office:office" xmlns:v="urn:schemas-microsoft-com:vml" xmlns:pvml="urn:schemas-microsoft-com:office:powerpoint" xmlns:com="http://schemas.openxmlformats.org/drawingml/2006/compatibility" xmlns:p14="http://schemas.microsoft.com/office/powerpoint/2010/main" xmlns:p15="http://schemas.microsoft.com/office/powerpoint/2012/main" xmlns:ahyp="http://schemas.microsoft.com/office/drawing/2018/hyperlinkcolor" showMasterPhAnim="0" showMasterSp="0">
+  <p:cSld>
+    <p:spTree>
+      <p:nvGrpSpPr>
+        <p:cNvPr id="260" name="Shape 260"/>
+        <p:cNvGrpSpPr/>
+        <p:nvPr/>
+      </p:nvGrpSpPr>
+      <p:grpSpPr>
+        <a:xfrm>
+          <a:off x="0" y="0"/>
+          <a:ext cx="0" cy="0"/>
+          <a:chOff x="0" y="0"/>
+          <a:chExt cx="0" cy="0"/>
+        </a:xfrm>
+      </p:grpSpPr>
+      <p:sp>
+        <p:nvSpPr>
+          <p:cNvPr id="261" name="Google Shape;261;g152175e3203_0_179:notes"/>
+          <p:cNvSpPr/>
+          <p:nvPr>
+            <p:ph idx="2" type="sldImg"/>
+          </p:nvPr>
+        </p:nvSpPr>
+        <p:spPr>
+          <a:xfrm>
+            <a:off x="381300" y="685800"/>
+            <a:ext cx="6096000" cy="3429000"/>
+          </a:xfrm>
+          <a:custGeom>
+            <a:rect b="b" l="l" r="r" t="t"/>
+            <a:pathLst>
+              <a:path extrusionOk="0" h="120000" w="120000">
+                <a:moveTo>
+                  <a:pt x="0" y="0"/>
+                </a:moveTo>
+                <a:lnTo>
+                  <a:pt x="120000" y="0"/>
+                </a:lnTo>
+                <a:lnTo>
+                  <a:pt x="120000" y="120000"/>
+                </a:lnTo>
+                <a:lnTo>
+                  <a:pt x="0" y="120000"/>
+                </a:lnTo>
+                <a:close/>
+              </a:path>
+            </a:pathLst>
+          </a:custGeom>
+        </p:spPr>
+      </p:sp>
+      <p:sp>
+        <p:nvSpPr>
+          <p:cNvPr id="262" name="Google Shape;262;g152175e3203_0_179:notes"/>
+          <p:cNvSpPr txBox="1"/>
+          <p:nvPr>
+            <p:ph idx="1" type="body"/>
+          </p:nvPr>
+        </p:nvSpPr>
+        <p:spPr>
+          <a:xfrm>
+            <a:off x="685800" y="4343400"/>
+            <a:ext cx="5486400" cy="4114800"/>
+          </a:xfrm>
+          <a:prstGeom prst="rect">
+            <a:avLst/>
+          </a:prstGeom>
+        </p:spPr>
+        <p:txBody>
+          <a:bodyPr anchorCtr="0" anchor="t" bIns="91425" lIns="91425" spcFirstLastPara="1" rIns="91425" wrap="square" tIns="91425">
+            <a:noAutofit/>
+          </a:bodyPr>
+          <a:lstStyle/>
+          <a:p>
+            <a:pPr indent="0" lvl="0" marL="0" rtl="0" algn="l">
+              <a:spcBef>
+                <a:spcPts val="0"/>
+              </a:spcBef>
+              <a:spcAft>
+                <a:spcPts val="0"/>
+              </a:spcAft>
+              <a:buNone/>
+            </a:pPr>
+            <a:r>
+              <a:rPr lang="en"/>
+              <a:t>Lauren: </a:t>
+            </a:r>
+            <a:r>
+              <a:rPr lang="en" sz="1200">
+                <a:solidFill>
+                  <a:srgbClr val="24292F"/>
+                </a:solidFill>
+                <a:highlight>
+                  <a:srgbClr val="FFFFFF"/>
+                </a:highlight>
+              </a:rPr>
+              <a:t>First, we looked to see which astrological season full moon was associated with the highest number of crime reports for 2009. Virgo full moon (associated with September) had the highest number of reports.</a:t>
+            </a:r>
+            <a:endParaRPr/>
+          </a:p>
+        </p:txBody>
+      </p:sp>
+    </p:spTree>
+  </p:cSld>
+  <p:clrMapOvr>
+    <a:masterClrMapping/>
+  </p:clrMapOvr>
+</p:notes>
+</file>
+
+<file path=ppt/notesSlides/notesSlide16.xml><?xml version="1.0" encoding="utf-8"?>
+<p:notes xmlns:a="http://schemas.openxmlformats.org/drawingml/2006/main" xmlns:r="http://schemas.openxmlformats.org/officeDocument/2006/relationships" xmlns:mc="http://schemas.openxmlformats.org/markup-compatibility/2006" xmlns:mv="urn:schemas-microsoft-com:mac:vml" xmlns:p="http://schemas.openxmlformats.org/presentationml/2006/main" xmlns:c="http://schemas.openxmlformats.org/drawingml/2006/chart" xmlns:dgm="http://schemas.openxmlformats.org/drawingml/2006/diagram" xmlns:o="urn:schemas-microsoft-com:office:office" xmlns:v="urn:schemas-microsoft-com:vml" xmlns:pvml="urn:schemas-microsoft-com:office:powerpoint" xmlns:com="http://schemas.openxmlformats.org/drawingml/2006/compatibility" xmlns:p14="http://schemas.microsoft.com/office/powerpoint/2010/main" xmlns:p15="http://schemas.microsoft.com/office/powerpoint/2012/main" xmlns:ahyp="http://schemas.microsoft.com/office/drawing/2018/hyperlinkcolor" showMasterPhAnim="0" showMasterSp="0">
+  <p:cSld>
+    <p:spTree>
+      <p:nvGrpSpPr>
+        <p:cNvPr id="266" name="Shape 266"/>
+        <p:cNvGrpSpPr/>
+        <p:nvPr/>
+      </p:nvGrpSpPr>
+      <p:grpSpPr>
+        <a:xfrm>
+          <a:off x="0" y="0"/>
+          <a:ext cx="0" cy="0"/>
+          <a:chOff x="0" y="0"/>
+          <a:chExt cx="0" cy="0"/>
+        </a:xfrm>
+      </p:grpSpPr>
+      <p:sp>
+        <p:nvSpPr>
+          <p:cNvPr id="267" name="Google Shape;267;g152175e3203_0_183:notes"/>
+          <p:cNvSpPr/>
+          <p:nvPr>
+            <p:ph idx="2" type="sldImg"/>
+          </p:nvPr>
+        </p:nvSpPr>
+        <p:spPr>
+          <a:xfrm>
+            <a:off x="381300" y="685800"/>
+            <a:ext cx="6096000" cy="3429000"/>
+          </a:xfrm>
+          <a:custGeom>
+            <a:rect b="b" l="l" r="r" t="t"/>
+            <a:pathLst>
+              <a:path extrusionOk="0" h="120000" w="120000">
+                <a:moveTo>
+                  <a:pt x="0" y="0"/>
+                </a:moveTo>
+                <a:lnTo>
+                  <a:pt x="120000" y="0"/>
+                </a:lnTo>
+                <a:lnTo>
+                  <a:pt x="120000" y="120000"/>
+                </a:lnTo>
+                <a:lnTo>
+                  <a:pt x="0" y="120000"/>
+                </a:lnTo>
+                <a:close/>
+              </a:path>
+            </a:pathLst>
+          </a:custGeom>
+        </p:spPr>
+      </p:sp>
+      <p:sp>
+        <p:nvSpPr>
+          <p:cNvPr id="268" name="Google Shape;268;g152175e3203_0_183:notes"/>
+          <p:cNvSpPr txBox="1"/>
+          <p:nvPr>
+            <p:ph idx="1" type="body"/>
+          </p:nvPr>
+        </p:nvSpPr>
+        <p:spPr>
+          <a:xfrm>
+            <a:off x="685800" y="4343400"/>
+            <a:ext cx="5486400" cy="4114800"/>
+          </a:xfrm>
+          <a:prstGeom prst="rect">
+            <a:avLst/>
+          </a:prstGeom>
+        </p:spPr>
+        <p:txBody>
+          <a:bodyPr anchorCtr="0" anchor="t" bIns="91425" lIns="91425" spcFirstLastPara="1" rIns="91425" wrap="square" tIns="91425">
+            <a:noAutofit/>
+          </a:bodyPr>
+          <a:lstStyle/>
+          <a:p>
+            <a:pPr indent="0" lvl="0" marL="0" rtl="0" algn="l">
+              <a:spcBef>
+                <a:spcPts val="0"/>
+              </a:spcBef>
+              <a:spcAft>
+                <a:spcPts val="0"/>
+              </a:spcAft>
+              <a:buNone/>
+            </a:pPr>
+            <a:r>
+              <a:rPr lang="en" sz="1200">
+                <a:solidFill>
+                  <a:srgbClr val="24292F"/>
+                </a:solidFill>
+                <a:highlight>
+                  <a:srgbClr val="FFFFFF"/>
+                </a:highlight>
+              </a:rPr>
+              <a:t>Then, the reports were separated by crime type to see which astrological season had the most for each crime type. Crimes categorized as "misconduct" were most often </a:t>
+            </a:r>
+            <a:r>
+              <a:rPr lang="en" sz="1200">
+                <a:solidFill>
+                  <a:srgbClr val="24292F"/>
+                </a:solidFill>
+                <a:highlight>
+                  <a:srgbClr val="FFFFFF"/>
+                </a:highlight>
+              </a:rPr>
+              <a:t>committed</a:t>
+            </a:r>
+            <a:r>
+              <a:rPr lang="en" sz="1200">
+                <a:solidFill>
+                  <a:srgbClr val="24292F"/>
+                </a:solidFill>
+                <a:highlight>
+                  <a:srgbClr val="FFFFFF"/>
+                </a:highlight>
+              </a:rPr>
+              <a:t> during the Taurus full moon, theft was </a:t>
+            </a:r>
+            <a:r>
+              <a:rPr lang="en" sz="1200">
+                <a:solidFill>
+                  <a:srgbClr val="24292F"/>
+                </a:solidFill>
+                <a:highlight>
+                  <a:srgbClr val="FFFFFF"/>
+                </a:highlight>
+              </a:rPr>
+              <a:t>committed</a:t>
+            </a:r>
+            <a:r>
+              <a:rPr lang="en" sz="1200">
+                <a:solidFill>
+                  <a:srgbClr val="24292F"/>
+                </a:solidFill>
+                <a:highlight>
+                  <a:srgbClr val="FFFFFF"/>
+                </a:highlight>
+              </a:rPr>
+              <a:t> most during the Aries full moon, and violent crimes </a:t>
+            </a:r>
+            <a:r>
+              <a:rPr lang="en" sz="1200">
+                <a:solidFill>
+                  <a:srgbClr val="24292F"/>
+                </a:solidFill>
+                <a:highlight>
+                  <a:srgbClr val="FFFFFF"/>
+                </a:highlight>
+              </a:rPr>
+              <a:t>occur</a:t>
+            </a:r>
+            <a:r>
+              <a:rPr lang="en" sz="1200">
+                <a:solidFill>
+                  <a:srgbClr val="24292F"/>
+                </a:solidFill>
+                <a:highlight>
+                  <a:srgbClr val="FFFFFF"/>
+                </a:highlight>
+              </a:rPr>
+              <a:t> most often during the Gemini moon.</a:t>
+            </a:r>
+            <a:endParaRPr/>
+          </a:p>
+        </p:txBody>
+      </p:sp>
+    </p:spTree>
+  </p:cSld>
+  <p:clrMapOvr>
+    <a:masterClrMapping/>
+  </p:clrMapOvr>
+</p:notes>
+</file>
+
+<file path=ppt/notesSlides/notesSlide17.xml><?xml version="1.0" encoding="utf-8"?>
+<p:notes xmlns:a="http://schemas.openxmlformats.org/drawingml/2006/main" xmlns:r="http://schemas.openxmlformats.org/officeDocument/2006/relationships" xmlns:mc="http://schemas.openxmlformats.org/markup-compatibility/2006" xmlns:mv="urn:schemas-microsoft-com:mac:vml" xmlns:p="http://schemas.openxmlformats.org/presentationml/2006/main" xmlns:c="http://schemas.openxmlformats.org/drawingml/2006/chart" xmlns:dgm="http://schemas.openxmlformats.org/drawingml/2006/diagram" xmlns:o="urn:schemas-microsoft-com:office:office" xmlns:v="urn:schemas-microsoft-com:vml" xmlns:pvml="urn:schemas-microsoft-com:office:powerpoint" xmlns:com="http://schemas.openxmlformats.org/drawingml/2006/compatibility" xmlns:p14="http://schemas.microsoft.com/office/powerpoint/2010/main" xmlns:p15="http://schemas.microsoft.com/office/powerpoint/2012/main" xmlns:ahyp="http://schemas.microsoft.com/office/drawing/2018/hyperlinkcolor" showMasterPhAnim="0" showMasterSp="0">
+  <p:cSld>
+    <p:spTree>
+      <p:nvGrpSpPr>
+        <p:cNvPr id="272" name="Shape 272"/>
+        <p:cNvGrpSpPr/>
+        <p:nvPr/>
+      </p:nvGrpSpPr>
+      <p:grpSpPr>
+        <a:xfrm>
+          <a:off x="0" y="0"/>
+          <a:ext cx="0" cy="0"/>
+          <a:chOff x="0" y="0"/>
+          <a:chExt cx="0" cy="0"/>
+        </a:xfrm>
+      </p:grpSpPr>
+      <p:sp>
+        <p:nvSpPr>
+          <p:cNvPr id="273" name="Google Shape;273;g152175e3203_0_187:notes"/>
+          <p:cNvSpPr/>
+          <p:nvPr>
+            <p:ph idx="2" type="sldImg"/>
+          </p:nvPr>
+        </p:nvSpPr>
+        <p:spPr>
+          <a:xfrm>
+            <a:off x="381300" y="685800"/>
+            <a:ext cx="6096000" cy="3429000"/>
+          </a:xfrm>
+          <a:custGeom>
+            <a:rect b="b" l="l" r="r" t="t"/>
+            <a:pathLst>
+              <a:path extrusionOk="0" h="120000" w="120000">
+                <a:moveTo>
+                  <a:pt x="0" y="0"/>
+                </a:moveTo>
+                <a:lnTo>
+                  <a:pt x="120000" y="0"/>
+                </a:lnTo>
+                <a:lnTo>
+                  <a:pt x="120000" y="120000"/>
+                </a:lnTo>
+                <a:lnTo>
+                  <a:pt x="0" y="120000"/>
+                </a:lnTo>
+                <a:close/>
+              </a:path>
+            </a:pathLst>
+          </a:custGeom>
+        </p:spPr>
+      </p:sp>
+      <p:sp>
+        <p:nvSpPr>
+          <p:cNvPr id="274" name="Google Shape;274;g152175e3203_0_187:notes"/>
+          <p:cNvSpPr txBox="1"/>
+          <p:nvPr>
+            <p:ph idx="1" type="body"/>
+          </p:nvPr>
+        </p:nvSpPr>
+        <p:spPr>
+          <a:xfrm>
+            <a:off x="685800" y="4343400"/>
+            <a:ext cx="5486400" cy="4114800"/>
+          </a:xfrm>
+          <a:prstGeom prst="rect">
+            <a:avLst/>
+          </a:prstGeom>
+        </p:spPr>
+        <p:txBody>
+          <a:bodyPr anchorCtr="0" anchor="t" bIns="91425" lIns="91425" spcFirstLastPara="1" rIns="91425" wrap="square" tIns="91425">
+            <a:noAutofit/>
+          </a:bodyPr>
+          <a:lstStyle/>
+          <a:p>
+            <a:pPr indent="0" lvl="0" marL="0" rtl="0" algn="l">
+              <a:spcBef>
+                <a:spcPts val="0"/>
+              </a:spcBef>
+              <a:spcAft>
+                <a:spcPts val="0"/>
+              </a:spcAft>
+              <a:buNone/>
+            </a:pPr>
+            <a:r>
+              <a:rPr lang="en"/>
+              <a:t>Lauren: </a:t>
+            </a:r>
+            <a:r>
+              <a:rPr lang="en" sz="1200">
+                <a:solidFill>
+                  <a:srgbClr val="24292F"/>
+                </a:solidFill>
+                <a:highlight>
+                  <a:srgbClr val="FFFFFF"/>
+                </a:highlight>
+              </a:rPr>
+              <a:t>Next, we looked to see which full moon sign had the most reports associated with firearms. Pisces full moon had the most firearms.</a:t>
+            </a:r>
+            <a:endParaRPr/>
+          </a:p>
+        </p:txBody>
+      </p:sp>
+    </p:spTree>
+  </p:cSld>
+  <p:clrMapOvr>
+    <a:masterClrMapping/>
+  </p:clrMapOvr>
+</p:notes>
+</file>
+
+<file path=ppt/notesSlides/notesSlide18.xml><?xml version="1.0" encoding="utf-8"?>
+<p:notes xmlns:a="http://schemas.openxmlformats.org/drawingml/2006/main" xmlns:r="http://schemas.openxmlformats.org/officeDocument/2006/relationships" xmlns:mc="http://schemas.openxmlformats.org/markup-compatibility/2006" xmlns:mv="urn:schemas-microsoft-com:mac:vml" xmlns:p="http://schemas.openxmlformats.org/presentationml/2006/main" xmlns:c="http://schemas.openxmlformats.org/drawingml/2006/chart" xmlns:dgm="http://schemas.openxmlformats.org/drawingml/2006/diagram" xmlns:o="urn:schemas-microsoft-com:office:office" xmlns:v="urn:schemas-microsoft-com:vml" xmlns:pvml="urn:schemas-microsoft-com:office:powerpoint" xmlns:com="http://schemas.openxmlformats.org/drawingml/2006/compatibility" xmlns:p14="http://schemas.microsoft.com/office/powerpoint/2010/main" xmlns:p15="http://schemas.microsoft.com/office/powerpoint/2012/main" xmlns:ahyp="http://schemas.microsoft.com/office/drawing/2018/hyperlinkcolor" showMasterPhAnim="0" showMasterSp="0">
+  <p:cSld>
+    <p:spTree>
+      <p:nvGrpSpPr>
+        <p:cNvPr id="278" name="Shape 278"/>
+        <p:cNvGrpSpPr/>
+        <p:nvPr/>
+      </p:nvGrpSpPr>
+      <p:grpSpPr>
+        <a:xfrm>
+          <a:off x="0" y="0"/>
+          <a:ext cx="0" cy="0"/>
+          <a:chOff x="0" y="0"/>
+          <a:chExt cx="0" cy="0"/>
+        </a:xfrm>
+      </p:grpSpPr>
+      <p:sp>
+        <p:nvSpPr>
+          <p:cNvPr id="279" name="Google Shape;279;g152175e3203_0_199:notes"/>
+          <p:cNvSpPr/>
+          <p:nvPr>
+            <p:ph idx="2" type="sldImg"/>
+          </p:nvPr>
+        </p:nvSpPr>
+        <p:spPr>
+          <a:xfrm>
+            <a:off x="381300" y="685800"/>
+            <a:ext cx="6096000" cy="3429000"/>
+          </a:xfrm>
+          <a:custGeom>
+            <a:rect b="b" l="l" r="r" t="t"/>
+            <a:pathLst>
+              <a:path extrusionOk="0" h="120000" w="120000">
+                <a:moveTo>
+                  <a:pt x="0" y="0"/>
+                </a:moveTo>
+                <a:lnTo>
+                  <a:pt x="120000" y="0"/>
+                </a:lnTo>
+                <a:lnTo>
+                  <a:pt x="120000" y="120000"/>
+                </a:lnTo>
+                <a:lnTo>
+                  <a:pt x="0" y="120000"/>
+                </a:lnTo>
+                <a:close/>
+              </a:path>
+            </a:pathLst>
+          </a:custGeom>
+        </p:spPr>
+      </p:sp>
+      <p:sp>
+        <p:nvSpPr>
+          <p:cNvPr id="280" name="Google Shape;280;g152175e3203_0_199:notes"/>
+          <p:cNvSpPr txBox="1"/>
+          <p:nvPr>
+            <p:ph idx="1" type="body"/>
+          </p:nvPr>
+        </p:nvSpPr>
+        <p:spPr>
+          <a:xfrm>
+            <a:off x="685800" y="4343400"/>
+            <a:ext cx="5486400" cy="4114800"/>
+          </a:xfrm>
+          <a:prstGeom prst="rect">
+            <a:avLst/>
+          </a:prstGeom>
+        </p:spPr>
+        <p:txBody>
+          <a:bodyPr anchorCtr="0" anchor="t" bIns="91425" lIns="91425" spcFirstLastPara="1" rIns="91425" wrap="square" tIns="91425">
+            <a:noAutofit/>
+          </a:bodyPr>
+          <a:lstStyle/>
+          <a:p>
+            <a:pPr indent="0" lvl="0" marL="0" rtl="0" algn="l">
+              <a:spcBef>
+                <a:spcPts val="0"/>
+              </a:spcBef>
+              <a:spcAft>
+                <a:spcPts val="0"/>
+              </a:spcAft>
+              <a:buNone/>
+            </a:pPr>
+            <a:r>
+              <a:rPr lang="en"/>
+              <a:t>Lauren: </a:t>
+            </a:r>
+            <a:r>
+              <a:rPr lang="en" sz="1200">
+                <a:solidFill>
+                  <a:srgbClr val="24292F"/>
+                </a:solidFill>
+                <a:highlight>
+                  <a:srgbClr val="FFFFFF"/>
+                </a:highlight>
+              </a:rPr>
+              <a:t>Then to better see if there were spikes during full moons, all of the crimes were placed on a line chart with the X-axis being the date the crime was </a:t>
+            </a:r>
+            <a:r>
+              <a:rPr lang="en" sz="1200">
+                <a:solidFill>
+                  <a:srgbClr val="24292F"/>
+                </a:solidFill>
+                <a:highlight>
+                  <a:srgbClr val="FFFFFF"/>
+                </a:highlight>
+              </a:rPr>
+              <a:t>committed</a:t>
+            </a:r>
+            <a:r>
+              <a:rPr lang="en" sz="1200">
+                <a:solidFill>
+                  <a:srgbClr val="24292F"/>
+                </a:solidFill>
+                <a:highlight>
+                  <a:srgbClr val="FFFFFF"/>
+                </a:highlight>
+              </a:rPr>
+              <a:t> and the Y axis being the number of reports. The graph could be filtered to show each month individually. In general, there did not appear to be a major uptick in reported crimes on full moons.</a:t>
+            </a:r>
+            <a:endParaRPr/>
+          </a:p>
+        </p:txBody>
+      </p:sp>
+    </p:spTree>
+  </p:cSld>
+  <p:clrMapOvr>
+    <a:masterClrMapping/>
+  </p:clrMapOvr>
+</p:notes>
+</file>
+
+<file path=ppt/notesSlides/notesSlide19.xml><?xml version="1.0" encoding="utf-8"?>
+<p:notes xmlns:a="http://schemas.openxmlformats.org/drawingml/2006/main" xmlns:r="http://schemas.openxmlformats.org/officeDocument/2006/relationships" xmlns:mc="http://schemas.openxmlformats.org/markup-compatibility/2006" xmlns:mv="urn:schemas-microsoft-com:mac:vml" xmlns:p="http://schemas.openxmlformats.org/presentationml/2006/main" xmlns:c="http://schemas.openxmlformats.org/drawingml/2006/chart" xmlns:dgm="http://schemas.openxmlformats.org/drawingml/2006/diagram" xmlns:o="urn:schemas-microsoft-com:office:office" xmlns:v="urn:schemas-microsoft-com:vml" xmlns:pvml="urn:schemas-microsoft-com:office:powerpoint" xmlns:com="http://schemas.openxmlformats.org/drawingml/2006/compatibility" xmlns:p14="http://schemas.microsoft.com/office/powerpoint/2010/main" xmlns:p15="http://schemas.microsoft.com/office/powerpoint/2012/main" xmlns:ahyp="http://schemas.microsoft.com/office/drawing/2018/hyperlinkcolor" showMasterPhAnim="0" showMasterSp="0">
+  <p:cSld>
+    <p:spTree>
+      <p:nvGrpSpPr>
+        <p:cNvPr id="284" name="Shape 284"/>
+        <p:cNvGrpSpPr/>
+        <p:nvPr/>
+      </p:nvGrpSpPr>
+      <p:grpSpPr>
+        <a:xfrm>
+          <a:off x="0" y="0"/>
+          <a:ext cx="0" cy="0"/>
+          <a:chOff x="0" y="0"/>
+          <a:chExt cx="0" cy="0"/>
+        </a:xfrm>
+      </p:grpSpPr>
+      <p:sp>
+        <p:nvSpPr>
+          <p:cNvPr id="285" name="Google Shape;285;g152175e3203_0_203:notes"/>
+          <p:cNvSpPr/>
+          <p:nvPr>
+            <p:ph idx="2" type="sldImg"/>
+          </p:nvPr>
+        </p:nvSpPr>
+        <p:spPr>
+          <a:xfrm>
+            <a:off x="381300" y="685800"/>
+            <a:ext cx="6096000" cy="3429000"/>
+          </a:xfrm>
+          <a:custGeom>
+            <a:rect b="b" l="l" r="r" t="t"/>
+            <a:pathLst>
+              <a:path extrusionOk="0" h="120000" w="120000">
+                <a:moveTo>
+                  <a:pt x="0" y="0"/>
+                </a:moveTo>
+                <a:lnTo>
+                  <a:pt x="120000" y="0"/>
+                </a:lnTo>
+                <a:lnTo>
+                  <a:pt x="120000" y="120000"/>
+                </a:lnTo>
+                <a:lnTo>
+                  <a:pt x="0" y="120000"/>
+                </a:lnTo>
+                <a:close/>
+              </a:path>
+            </a:pathLst>
+          </a:custGeom>
+        </p:spPr>
+      </p:sp>
+      <p:sp>
+        <p:nvSpPr>
+          <p:cNvPr id="286" name="Google Shape;286;g152175e3203_0_203:notes"/>
+          <p:cNvSpPr txBox="1"/>
+          <p:nvPr>
+            <p:ph idx="1" type="body"/>
+          </p:nvPr>
+        </p:nvSpPr>
+        <p:spPr>
+          <a:xfrm>
+            <a:off x="685800" y="4343400"/>
+            <a:ext cx="5486400" cy="4114800"/>
+          </a:xfrm>
+          <a:prstGeom prst="rect">
+            <a:avLst/>
+          </a:prstGeom>
+        </p:spPr>
+        <p:txBody>
+          <a:bodyPr anchorCtr="0" anchor="t" bIns="91425" lIns="91425" spcFirstLastPara="1" rIns="91425" wrap="square" tIns="91425">
+            <a:noAutofit/>
+          </a:bodyPr>
+          <a:lstStyle/>
+          <a:p>
+            <a:pPr indent="0" lvl="0" marL="0" rtl="0" algn="l">
+              <a:spcBef>
+                <a:spcPts val="0"/>
+              </a:spcBef>
+              <a:spcAft>
+                <a:spcPts val="0"/>
+              </a:spcAft>
+              <a:buNone/>
+            </a:pPr>
+            <a:r>
+              <a:rPr lang="en" sz="1200">
+                <a:solidFill>
+                  <a:srgbClr val="24292F"/>
+                </a:solidFill>
+                <a:highlight>
+                  <a:srgbClr val="FFFFFF"/>
+                </a:highlight>
+              </a:rPr>
+              <a:t>Lauren: Last, the same line chart was created to see if more firearms were used during full moons. Again, in general there did not seem to be a major increase.</a:t>
+            </a:r>
+            <a:endParaRPr/>
+          </a:p>
+        </p:txBody>
+      </p:sp>
+    </p:spTree>
+  </p:cSld>
+  <p:clrMapOvr>
+    <a:masterClrMapping/>
+  </p:clrMapOvr>
+</p:notes>
+</file>
+
 <file path=ppt/notesSlides/notesSlide2.xml><?xml version="1.0" encoding="utf-8"?>
 <p:notes xmlns:a="http://schemas.openxmlformats.org/drawingml/2006/main" xmlns:r="http://schemas.openxmlformats.org/officeDocument/2006/relationships" xmlns:mc="http://schemas.openxmlformats.org/markup-compatibility/2006" xmlns:mv="urn:schemas-microsoft-com:mac:vml" xmlns:p="http://schemas.openxmlformats.org/presentationml/2006/main" xmlns:c="http://schemas.openxmlformats.org/drawingml/2006/chart" xmlns:dgm="http://schemas.openxmlformats.org/drawingml/2006/diagram" xmlns:o="urn:schemas-microsoft-com:office:office" xmlns:v="urn:schemas-microsoft-com:vml" xmlns:pvml="urn:schemas-microsoft-com:office:powerpoint" xmlns:com="http://schemas.openxmlformats.org/drawingml/2006/compatibility" xmlns:p14="http://schemas.microsoft.com/office/powerpoint/2010/main" xmlns:p15="http://schemas.microsoft.com/office/powerpoint/2012/main" xmlns:ahyp="http://schemas.microsoft.com/office/drawing/2018/hyperlinkcolor" showMasterPhAnim="0" showMasterSp="0">
   <p:cSld>
@@ -888,6 +2082,105 @@
             <a:r>
               <a:rPr lang="en"/>
               <a:t> nature of astrology, and how people often search for an explanation as to why crime happens.</a:t>
+            </a:r>
+            <a:endParaRPr/>
+          </a:p>
+        </p:txBody>
+      </p:sp>
+    </p:spTree>
+  </p:cSld>
+  <p:clrMapOvr>
+    <a:masterClrMapping/>
+  </p:clrMapOvr>
+</p:notes>
+</file>
+
+<file path=ppt/notesSlides/notesSlide20.xml><?xml version="1.0" encoding="utf-8"?>
+<p:notes xmlns:a="http://schemas.openxmlformats.org/drawingml/2006/main" xmlns:r="http://schemas.openxmlformats.org/officeDocument/2006/relationships" xmlns:mc="http://schemas.openxmlformats.org/markup-compatibility/2006" xmlns:mv="urn:schemas-microsoft-com:mac:vml" xmlns:p="http://schemas.openxmlformats.org/presentationml/2006/main" xmlns:c="http://schemas.openxmlformats.org/drawingml/2006/chart" xmlns:dgm="http://schemas.openxmlformats.org/drawingml/2006/diagram" xmlns:o="urn:schemas-microsoft-com:office:office" xmlns:v="urn:schemas-microsoft-com:vml" xmlns:pvml="urn:schemas-microsoft-com:office:powerpoint" xmlns:com="http://schemas.openxmlformats.org/drawingml/2006/compatibility" xmlns:p14="http://schemas.microsoft.com/office/powerpoint/2010/main" xmlns:p15="http://schemas.microsoft.com/office/powerpoint/2012/main" xmlns:ahyp="http://schemas.microsoft.com/office/drawing/2018/hyperlinkcolor" showMasterPhAnim="0" showMasterSp="0">
+  <p:cSld>
+    <p:spTree>
+      <p:nvGrpSpPr>
+        <p:cNvPr id="290" name="Shape 290"/>
+        <p:cNvGrpSpPr/>
+        <p:nvPr/>
+      </p:nvGrpSpPr>
+      <p:grpSpPr>
+        <a:xfrm>
+          <a:off x="0" y="0"/>
+          <a:ext cx="0" cy="0"/>
+          <a:chOff x="0" y="0"/>
+          <a:chExt cx="0" cy="0"/>
+        </a:xfrm>
+      </p:grpSpPr>
+      <p:sp>
+        <p:nvSpPr>
+          <p:cNvPr id="291" name="Google Shape;291;g152175e3203_0_213:notes"/>
+          <p:cNvSpPr/>
+          <p:nvPr>
+            <p:ph idx="2" type="sldImg"/>
+          </p:nvPr>
+        </p:nvSpPr>
+        <p:spPr>
+          <a:xfrm>
+            <a:off x="381300" y="685800"/>
+            <a:ext cx="6096000" cy="3429000"/>
+          </a:xfrm>
+          <a:custGeom>
+            <a:rect b="b" l="l" r="r" t="t"/>
+            <a:pathLst>
+              <a:path extrusionOk="0" h="120000" w="120000">
+                <a:moveTo>
+                  <a:pt x="0" y="0"/>
+                </a:moveTo>
+                <a:lnTo>
+                  <a:pt x="120000" y="0"/>
+                </a:lnTo>
+                <a:lnTo>
+                  <a:pt x="120000" y="120000"/>
+                </a:lnTo>
+                <a:lnTo>
+                  <a:pt x="0" y="120000"/>
+                </a:lnTo>
+                <a:close/>
+              </a:path>
+            </a:pathLst>
+          </a:custGeom>
+        </p:spPr>
+      </p:sp>
+      <p:sp>
+        <p:nvSpPr>
+          <p:cNvPr id="292" name="Google Shape;292;g152175e3203_0_213:notes"/>
+          <p:cNvSpPr txBox="1"/>
+          <p:nvPr>
+            <p:ph idx="1" type="body"/>
+          </p:nvPr>
+        </p:nvSpPr>
+        <p:spPr>
+          <a:xfrm>
+            <a:off x="685800" y="4343400"/>
+            <a:ext cx="5486400" cy="4114800"/>
+          </a:xfrm>
+          <a:prstGeom prst="rect">
+            <a:avLst/>
+          </a:prstGeom>
+        </p:spPr>
+        <p:txBody>
+          <a:bodyPr anchorCtr="0" anchor="t" bIns="91425" lIns="91425" spcFirstLastPara="1" rIns="91425" wrap="square" tIns="91425">
+            <a:noAutofit/>
+          </a:bodyPr>
+          <a:lstStyle/>
+          <a:p>
+            <a:pPr indent="0" lvl="0" marL="0" rtl="0" algn="l">
+              <a:spcBef>
+                <a:spcPts val="0"/>
+              </a:spcBef>
+              <a:spcAft>
+                <a:spcPts val="0"/>
+              </a:spcAft>
+              <a:buNone/>
+            </a:pPr>
+            <a:r>
+              <a:t/>
             </a:r>
             <a:endParaRPr/>
           </a:p>
@@ -1486,7 +2779,8 @@
               <a:buNone/>
             </a:pPr>
             <a:r>
-              <a:t/>
+              <a:rPr lang="en"/>
+              <a:t>Angelique: Discuss our initial debate between what database type to go with, and why we chose an AWS PostgreSQL database.</a:t>
             </a:r>
             <a:endParaRPr/>
           </a:p>
@@ -1505,7 +2799,7 @@
   <p:cSld>
     <p:spTree>
       <p:nvGrpSpPr>
-        <p:cNvPr id="181" name="Shape 181"/>
+        <p:cNvPr id="196" name="Shape 196"/>
         <p:cNvGrpSpPr/>
         <p:nvPr/>
       </p:nvGrpSpPr>
@@ -1519,7 +2813,7 @@
       </p:grpSpPr>
       <p:sp>
         <p:nvSpPr>
-          <p:cNvPr id="182" name="Google Shape;182;g152175e3203_0_90:notes"/>
+          <p:cNvPr id="197" name="Google Shape;197;g152175e3203_0_90:notes"/>
           <p:cNvSpPr/>
           <p:nvPr>
             <p:ph idx="2" type="sldImg"/>
@@ -1554,7 +2848,7 @@
       </p:sp>
       <p:sp>
         <p:nvSpPr>
-          <p:cNvPr id="183" name="Google Shape;183;g152175e3203_0_90:notes"/>
+          <p:cNvPr id="198" name="Google Shape;198;g152175e3203_0_90:notes"/>
           <p:cNvSpPr txBox="1"/>
           <p:nvPr>
             <p:ph idx="1" type="body"/>
@@ -6427,6 +7721,1762 @@
 </p:sld>
 </file>
 
+<file path=ppt/slides/slide10.xml><?xml version="1.0" encoding="utf-8"?>
+<p:sld xmlns:a="http://schemas.openxmlformats.org/drawingml/2006/main" xmlns:r="http://schemas.openxmlformats.org/officeDocument/2006/relationships" xmlns:mc="http://schemas.openxmlformats.org/markup-compatibility/2006" xmlns:mv="urn:schemas-microsoft-com:mac:vml" xmlns:p="http://schemas.openxmlformats.org/presentationml/2006/main" xmlns:c="http://schemas.openxmlformats.org/drawingml/2006/chart" xmlns:dgm="http://schemas.openxmlformats.org/drawingml/2006/diagram" xmlns:o="urn:schemas-microsoft-com:office:office" xmlns:v="urn:schemas-microsoft-com:vml" xmlns:pvml="urn:schemas-microsoft-com:office:powerpoint" xmlns:com="http://schemas.openxmlformats.org/drawingml/2006/compatibility" xmlns:p14="http://schemas.microsoft.com/office/powerpoint/2010/main" xmlns:p15="http://schemas.microsoft.com/office/powerpoint/2012/main" xmlns:ahyp="http://schemas.microsoft.com/office/drawing/2018/hyperlinkcolor">
+  <p:cSld>
+    <p:bg>
+      <p:bgPr>
+        <a:solidFill>
+          <a:srgbClr val="75CEDE"/>
+        </a:solidFill>
+      </p:bgPr>
+    </p:bg>
+    <p:spTree>
+      <p:nvGrpSpPr>
+        <p:cNvPr id="219" name="Shape 219"/>
+        <p:cNvGrpSpPr/>
+        <p:nvPr/>
+      </p:nvGrpSpPr>
+      <p:grpSpPr>
+        <a:xfrm>
+          <a:off x="0" y="0"/>
+          <a:ext cx="0" cy="0"/>
+          <a:chOff x="0" y="0"/>
+          <a:chExt cx="0" cy="0"/>
+        </a:xfrm>
+      </p:grpSpPr>
+      <p:sp>
+        <p:nvSpPr>
+          <p:cNvPr id="220" name="Google Shape;220;p22"/>
+          <p:cNvSpPr txBox="1"/>
+          <p:nvPr>
+            <p:ph type="title"/>
+          </p:nvPr>
+        </p:nvSpPr>
+        <p:spPr>
+          <a:xfrm>
+            <a:off x="311700" y="1131600"/>
+            <a:ext cx="8520600" cy="572700"/>
+          </a:xfrm>
+          <a:prstGeom prst="rect">
+            <a:avLst/>
+          </a:prstGeom>
+        </p:spPr>
+        <p:txBody>
+          <a:bodyPr anchorCtr="0" anchor="t" bIns="91425" lIns="91425" spcFirstLastPara="1" rIns="91425" wrap="square" tIns="91425">
+            <a:normAutofit fontScale="90000"/>
+          </a:bodyPr>
+          <a:lstStyle/>
+          <a:p>
+            <a:pPr indent="0" lvl="0" marL="0" rtl="0" algn="l">
+              <a:spcBef>
+                <a:spcPts val="0"/>
+              </a:spcBef>
+              <a:spcAft>
+                <a:spcPts val="0"/>
+              </a:spcAft>
+              <a:buNone/>
+            </a:pPr>
+            <a:r>
+              <a:rPr b="1" lang="en">
+                <a:solidFill>
+                  <a:schemeClr val="lt1"/>
+                </a:solidFill>
+                <a:latin typeface="Times New Roman"/>
+                <a:ea typeface="Times New Roman"/>
+                <a:cs typeface="Times New Roman"/>
+                <a:sym typeface="Times New Roman"/>
+              </a:rPr>
+              <a:t>Database - Challenges and Successes</a:t>
+            </a:r>
+            <a:endParaRPr b="1">
+              <a:solidFill>
+                <a:schemeClr val="lt1"/>
+              </a:solidFill>
+              <a:latin typeface="Times New Roman"/>
+              <a:ea typeface="Times New Roman"/>
+              <a:cs typeface="Times New Roman"/>
+              <a:sym typeface="Times New Roman"/>
+            </a:endParaRPr>
+          </a:p>
+        </p:txBody>
+      </p:sp>
+      <p:sp>
+        <p:nvSpPr>
+          <p:cNvPr id="221" name="Google Shape;221;p22"/>
+          <p:cNvSpPr txBox="1"/>
+          <p:nvPr>
+            <p:ph idx="1" type="body"/>
+          </p:nvPr>
+        </p:nvSpPr>
+        <p:spPr>
+          <a:xfrm>
+            <a:off x="311700" y="1727100"/>
+            <a:ext cx="8520600" cy="3416400"/>
+          </a:xfrm>
+          <a:prstGeom prst="rect">
+            <a:avLst/>
+          </a:prstGeom>
+        </p:spPr>
+        <p:txBody>
+          <a:bodyPr anchorCtr="0" anchor="t" bIns="91425" lIns="91425" spcFirstLastPara="1" rIns="91425" wrap="square" tIns="91425">
+            <a:normAutofit/>
+          </a:bodyPr>
+          <a:lstStyle/>
+          <a:p>
+            <a:pPr indent="-342900" lvl="0" marL="457200" rtl="0" algn="l">
+              <a:spcBef>
+                <a:spcPts val="0"/>
+              </a:spcBef>
+              <a:spcAft>
+                <a:spcPts val="0"/>
+              </a:spcAft>
+              <a:buClr>
+                <a:schemeClr val="lt1"/>
+              </a:buClr>
+              <a:buSzPts val="1800"/>
+              <a:buFont typeface="Times New Roman"/>
+              <a:buChar char="●"/>
+            </a:pPr>
+            <a:r>
+              <a:rPr lang="en">
+                <a:solidFill>
+                  <a:schemeClr val="lt1"/>
+                </a:solidFill>
+                <a:latin typeface="Times New Roman"/>
+                <a:ea typeface="Times New Roman"/>
+                <a:cs typeface="Times New Roman"/>
+                <a:sym typeface="Times New Roman"/>
+              </a:rPr>
+              <a:t>Planning - better planning, ie: data types at each step, format of data or documents when they are to be passed to another team member, etc.</a:t>
+            </a:r>
+            <a:endParaRPr>
+              <a:solidFill>
+                <a:schemeClr val="lt1"/>
+              </a:solidFill>
+              <a:latin typeface="Times New Roman"/>
+              <a:ea typeface="Times New Roman"/>
+              <a:cs typeface="Times New Roman"/>
+              <a:sym typeface="Times New Roman"/>
+            </a:endParaRPr>
+          </a:p>
+          <a:p>
+            <a:pPr indent="-317500" lvl="1" marL="914400" rtl="0" algn="l">
+              <a:spcBef>
+                <a:spcPts val="0"/>
+              </a:spcBef>
+              <a:spcAft>
+                <a:spcPts val="0"/>
+              </a:spcAft>
+              <a:buClr>
+                <a:schemeClr val="lt1"/>
+              </a:buClr>
+              <a:buSzPts val="1400"/>
+              <a:buFont typeface="Times New Roman"/>
+              <a:buChar char="○"/>
+            </a:pPr>
+            <a:r>
+              <a:rPr lang="en">
+                <a:solidFill>
+                  <a:schemeClr val="lt1"/>
+                </a:solidFill>
+                <a:latin typeface="Times New Roman"/>
+                <a:ea typeface="Times New Roman"/>
+                <a:cs typeface="Times New Roman"/>
+                <a:sym typeface="Times New Roman"/>
+              </a:rPr>
+              <a:t>Prevents </a:t>
+            </a:r>
+            <a:r>
+              <a:rPr lang="en">
+                <a:solidFill>
+                  <a:schemeClr val="lt1"/>
+                </a:solidFill>
+                <a:latin typeface="Times New Roman"/>
+                <a:ea typeface="Times New Roman"/>
+                <a:cs typeface="Times New Roman"/>
+                <a:sym typeface="Times New Roman"/>
+              </a:rPr>
+              <a:t>overlapping</a:t>
+            </a:r>
+            <a:r>
+              <a:rPr lang="en">
+                <a:solidFill>
+                  <a:schemeClr val="lt1"/>
+                </a:solidFill>
+                <a:latin typeface="Times New Roman"/>
+                <a:ea typeface="Times New Roman"/>
+                <a:cs typeface="Times New Roman"/>
+                <a:sym typeface="Times New Roman"/>
+              </a:rPr>
+              <a:t> labor</a:t>
+            </a:r>
+            <a:endParaRPr>
+              <a:solidFill>
+                <a:schemeClr val="lt1"/>
+              </a:solidFill>
+              <a:latin typeface="Times New Roman"/>
+              <a:ea typeface="Times New Roman"/>
+              <a:cs typeface="Times New Roman"/>
+              <a:sym typeface="Times New Roman"/>
+            </a:endParaRPr>
+          </a:p>
+          <a:p>
+            <a:pPr indent="-317500" lvl="1" marL="914400" rtl="0" algn="l">
+              <a:spcBef>
+                <a:spcPts val="0"/>
+              </a:spcBef>
+              <a:spcAft>
+                <a:spcPts val="0"/>
+              </a:spcAft>
+              <a:buClr>
+                <a:schemeClr val="lt1"/>
+              </a:buClr>
+              <a:buSzPts val="1400"/>
+              <a:buFont typeface="Times New Roman"/>
+              <a:buChar char="○"/>
+            </a:pPr>
+            <a:r>
+              <a:rPr lang="en">
+                <a:solidFill>
+                  <a:schemeClr val="lt1"/>
+                </a:solidFill>
+                <a:latin typeface="Times New Roman"/>
+                <a:ea typeface="Times New Roman"/>
+                <a:cs typeface="Times New Roman"/>
+                <a:sym typeface="Times New Roman"/>
+              </a:rPr>
+              <a:t>Provides better structure and expectations</a:t>
+            </a:r>
+            <a:endParaRPr>
+              <a:solidFill>
+                <a:schemeClr val="lt1"/>
+              </a:solidFill>
+              <a:latin typeface="Times New Roman"/>
+              <a:ea typeface="Times New Roman"/>
+              <a:cs typeface="Times New Roman"/>
+              <a:sym typeface="Times New Roman"/>
+            </a:endParaRPr>
+          </a:p>
+          <a:p>
+            <a:pPr indent="-342900" lvl="0" marL="457200" rtl="0" algn="l">
+              <a:spcBef>
+                <a:spcPts val="0"/>
+              </a:spcBef>
+              <a:spcAft>
+                <a:spcPts val="0"/>
+              </a:spcAft>
+              <a:buClr>
+                <a:schemeClr val="lt1"/>
+              </a:buClr>
+              <a:buSzPts val="1800"/>
+              <a:buFont typeface="Times New Roman"/>
+              <a:buChar char="●"/>
+            </a:pPr>
+            <a:r>
+              <a:rPr lang="en">
+                <a:solidFill>
+                  <a:schemeClr val="lt1"/>
+                </a:solidFill>
+                <a:latin typeface="Times New Roman"/>
+                <a:ea typeface="Times New Roman"/>
+                <a:cs typeface="Times New Roman"/>
+                <a:sym typeface="Times New Roman"/>
+              </a:rPr>
+              <a:t>Learning by doing - gaining a perspective of real project-driven scenarios</a:t>
+            </a:r>
+            <a:endParaRPr>
+              <a:solidFill>
+                <a:schemeClr val="lt1"/>
+              </a:solidFill>
+              <a:latin typeface="Times New Roman"/>
+              <a:ea typeface="Times New Roman"/>
+              <a:cs typeface="Times New Roman"/>
+              <a:sym typeface="Times New Roman"/>
+            </a:endParaRPr>
+          </a:p>
+          <a:p>
+            <a:pPr indent="-317500" lvl="1" marL="914400" rtl="0" algn="l">
+              <a:spcBef>
+                <a:spcPts val="0"/>
+              </a:spcBef>
+              <a:spcAft>
+                <a:spcPts val="0"/>
+              </a:spcAft>
+              <a:buClr>
+                <a:schemeClr val="lt1"/>
+              </a:buClr>
+              <a:buSzPts val="1400"/>
+              <a:buFont typeface="Times New Roman"/>
+              <a:buChar char="○"/>
+            </a:pPr>
+            <a:r>
+              <a:rPr lang="en">
+                <a:solidFill>
+                  <a:schemeClr val="lt1"/>
+                </a:solidFill>
+                <a:latin typeface="Times New Roman"/>
+                <a:ea typeface="Times New Roman"/>
+                <a:cs typeface="Times New Roman"/>
+                <a:sym typeface="Times New Roman"/>
+              </a:rPr>
+              <a:t>Better insight into what questions need to be asked</a:t>
+            </a:r>
+            <a:endParaRPr>
+              <a:solidFill>
+                <a:schemeClr val="lt1"/>
+              </a:solidFill>
+              <a:latin typeface="Times New Roman"/>
+              <a:ea typeface="Times New Roman"/>
+              <a:cs typeface="Times New Roman"/>
+              <a:sym typeface="Times New Roman"/>
+            </a:endParaRPr>
+          </a:p>
+          <a:p>
+            <a:pPr indent="-317500" lvl="1" marL="914400" rtl="0" algn="l">
+              <a:spcBef>
+                <a:spcPts val="0"/>
+              </a:spcBef>
+              <a:spcAft>
+                <a:spcPts val="0"/>
+              </a:spcAft>
+              <a:buClr>
+                <a:schemeClr val="lt1"/>
+              </a:buClr>
+              <a:buSzPts val="1400"/>
+              <a:buFont typeface="Times New Roman"/>
+              <a:buChar char="○"/>
+            </a:pPr>
+            <a:r>
+              <a:rPr lang="en">
+                <a:solidFill>
+                  <a:schemeClr val="lt1"/>
+                </a:solidFill>
+                <a:latin typeface="Times New Roman"/>
+                <a:ea typeface="Times New Roman"/>
+                <a:cs typeface="Times New Roman"/>
+                <a:sym typeface="Times New Roman"/>
+              </a:rPr>
+              <a:t>Better techniques to process information in the quest for understanding</a:t>
+            </a:r>
+            <a:endParaRPr>
+              <a:solidFill>
+                <a:schemeClr val="lt1"/>
+              </a:solidFill>
+              <a:latin typeface="Times New Roman"/>
+              <a:ea typeface="Times New Roman"/>
+              <a:cs typeface="Times New Roman"/>
+              <a:sym typeface="Times New Roman"/>
+            </a:endParaRPr>
+          </a:p>
+        </p:txBody>
+      </p:sp>
+      <p:grpSp>
+        <p:nvGrpSpPr>
+          <p:cNvPr id="222" name="Google Shape;222;p22"/>
+          <p:cNvGrpSpPr/>
+          <p:nvPr/>
+        </p:nvGrpSpPr>
+        <p:grpSpPr>
+          <a:xfrm>
+            <a:off x="18500" y="47675"/>
+            <a:ext cx="9106999" cy="1083925"/>
+            <a:chOff x="0" y="-14750"/>
+            <a:chExt cx="9106999" cy="1083925"/>
+          </a:xfrm>
+        </p:grpSpPr>
+        <p:pic>
+          <p:nvPicPr>
+            <p:cNvPr id="223" name="Google Shape;223;p22"/>
+            <p:cNvPicPr preferRelativeResize="0"/>
+            <p:nvPr/>
+          </p:nvPicPr>
+          <p:blipFill rotWithShape="1">
+            <a:blip r:embed="rId3">
+              <a:alphaModFix/>
+            </a:blip>
+            <a:srcRect b="9755" l="0" r="0" t="0"/>
+            <a:stretch/>
+          </p:blipFill>
+          <p:spPr>
+            <a:xfrm>
+              <a:off x="0" y="-14750"/>
+              <a:ext cx="1022125" cy="1029574"/>
+            </a:xfrm>
+            <a:prstGeom prst="rect">
+              <a:avLst/>
+            </a:prstGeom>
+            <a:noFill/>
+            <a:ln>
+              <a:noFill/>
+            </a:ln>
+          </p:spPr>
+        </p:pic>
+        <p:pic>
+          <p:nvPicPr>
+            <p:cNvPr id="224" name="Google Shape;224;p22"/>
+            <p:cNvPicPr preferRelativeResize="0"/>
+            <p:nvPr/>
+          </p:nvPicPr>
+          <p:blipFill rotWithShape="1">
+            <a:blip r:embed="rId4">
+              <a:alphaModFix/>
+            </a:blip>
+            <a:srcRect b="8700" l="0" r="0" t="0"/>
+            <a:stretch/>
+          </p:blipFill>
+          <p:spPr>
+            <a:xfrm>
+              <a:off x="1471076" y="-14750"/>
+              <a:ext cx="673249" cy="1029575"/>
+            </a:xfrm>
+            <a:prstGeom prst="rect">
+              <a:avLst/>
+            </a:prstGeom>
+            <a:noFill/>
+            <a:ln>
+              <a:noFill/>
+            </a:ln>
+          </p:spPr>
+        </p:pic>
+        <p:pic>
+          <p:nvPicPr>
+            <p:cNvPr id="225" name="Google Shape;225;p22"/>
+            <p:cNvPicPr preferRelativeResize="0"/>
+            <p:nvPr/>
+          </p:nvPicPr>
+          <p:blipFill rotWithShape="1">
+            <a:blip r:embed="rId5">
+              <a:alphaModFix/>
+            </a:blip>
+            <a:srcRect b="9041" l="0" r="0" t="0"/>
+            <a:stretch/>
+          </p:blipFill>
+          <p:spPr>
+            <a:xfrm>
+              <a:off x="4061899" y="-4825"/>
+              <a:ext cx="1493392" cy="1029575"/>
+            </a:xfrm>
+            <a:prstGeom prst="rect">
+              <a:avLst/>
+            </a:prstGeom>
+            <a:noFill/>
+            <a:ln>
+              <a:noFill/>
+            </a:ln>
+          </p:spPr>
+        </p:pic>
+        <p:pic>
+          <p:nvPicPr>
+            <p:cNvPr id="226" name="Google Shape;226;p22"/>
+            <p:cNvPicPr preferRelativeResize="0"/>
+            <p:nvPr/>
+          </p:nvPicPr>
+          <p:blipFill rotWithShape="1">
+            <a:blip r:embed="rId6">
+              <a:alphaModFix/>
+            </a:blip>
+            <a:srcRect b="13577" l="0" r="0" t="0"/>
+            <a:stretch/>
+          </p:blipFill>
+          <p:spPr>
+            <a:xfrm>
+              <a:off x="2540112" y="-4825"/>
+              <a:ext cx="1126013" cy="1029575"/>
+            </a:xfrm>
+            <a:prstGeom prst="rect">
+              <a:avLst/>
+            </a:prstGeom>
+            <a:noFill/>
+            <a:ln>
+              <a:noFill/>
+            </a:ln>
+          </p:spPr>
+        </p:pic>
+        <p:pic>
+          <p:nvPicPr>
+            <p:cNvPr id="227" name="Google Shape;227;p22"/>
+            <p:cNvPicPr preferRelativeResize="0"/>
+            <p:nvPr/>
+          </p:nvPicPr>
+          <p:blipFill rotWithShape="1">
+            <a:blip r:embed="rId7">
+              <a:alphaModFix/>
+            </a:blip>
+            <a:srcRect b="9853" l="0" r="0" t="0"/>
+            <a:stretch/>
+          </p:blipFill>
+          <p:spPr>
+            <a:xfrm>
+              <a:off x="6228649" y="-13951"/>
+              <a:ext cx="1126001" cy="1047837"/>
+            </a:xfrm>
+            <a:prstGeom prst="rect">
+              <a:avLst/>
+            </a:prstGeom>
+            <a:noFill/>
+            <a:ln>
+              <a:noFill/>
+            </a:ln>
+          </p:spPr>
+        </p:pic>
+        <p:pic>
+          <p:nvPicPr>
+            <p:cNvPr id="228" name="Google Shape;228;p22"/>
+            <p:cNvPicPr preferRelativeResize="0"/>
+            <p:nvPr/>
+          </p:nvPicPr>
+          <p:blipFill rotWithShape="1">
+            <a:blip r:embed="rId8">
+              <a:alphaModFix/>
+            </a:blip>
+            <a:srcRect b="9682" l="0" r="0" t="0"/>
+            <a:stretch/>
+          </p:blipFill>
+          <p:spPr>
+            <a:xfrm>
+              <a:off x="8055700" y="39600"/>
+              <a:ext cx="1051298" cy="1029575"/>
+            </a:xfrm>
+            <a:prstGeom prst="rect">
+              <a:avLst/>
+            </a:prstGeom>
+            <a:noFill/>
+            <a:ln>
+              <a:noFill/>
+            </a:ln>
+          </p:spPr>
+        </p:pic>
+      </p:grpSp>
+      <p:grpSp>
+        <p:nvGrpSpPr>
+          <p:cNvPr id="229" name="Google Shape;229;p22"/>
+          <p:cNvGrpSpPr/>
+          <p:nvPr/>
+        </p:nvGrpSpPr>
+        <p:grpSpPr>
+          <a:xfrm>
+            <a:off x="0" y="3987208"/>
+            <a:ext cx="9164450" cy="1156292"/>
+            <a:chOff x="0" y="3987208"/>
+            <a:chExt cx="9164450" cy="1156292"/>
+          </a:xfrm>
+        </p:grpSpPr>
+        <p:pic>
+          <p:nvPicPr>
+            <p:cNvPr id="230" name="Google Shape;230;p22"/>
+            <p:cNvPicPr preferRelativeResize="0"/>
+            <p:nvPr/>
+          </p:nvPicPr>
+          <p:blipFill rotWithShape="1">
+            <a:blip r:embed="rId9">
+              <a:alphaModFix/>
+            </a:blip>
+            <a:srcRect b="8138" l="0" r="0" t="0"/>
+            <a:stretch/>
+          </p:blipFill>
+          <p:spPr>
+            <a:xfrm>
+              <a:off x="0" y="4073253"/>
+              <a:ext cx="977025" cy="1070247"/>
+            </a:xfrm>
+            <a:prstGeom prst="rect">
+              <a:avLst/>
+            </a:prstGeom>
+            <a:noFill/>
+            <a:ln>
+              <a:noFill/>
+            </a:ln>
+          </p:spPr>
+        </p:pic>
+        <p:pic>
+          <p:nvPicPr>
+            <p:cNvPr id="231" name="Google Shape;231;p22"/>
+            <p:cNvPicPr preferRelativeResize="0"/>
+            <p:nvPr/>
+          </p:nvPicPr>
+          <p:blipFill rotWithShape="1">
+            <a:blip r:embed="rId10">
+              <a:alphaModFix/>
+            </a:blip>
+            <a:srcRect b="10650" l="0" r="0" t="0"/>
+            <a:stretch/>
+          </p:blipFill>
+          <p:spPr>
+            <a:xfrm>
+              <a:off x="1447800" y="4093067"/>
+              <a:ext cx="916625" cy="1050433"/>
+            </a:xfrm>
+            <a:prstGeom prst="rect">
+              <a:avLst/>
+            </a:prstGeom>
+            <a:noFill/>
+            <a:ln>
+              <a:noFill/>
+            </a:ln>
+          </p:spPr>
+        </p:pic>
+        <p:pic>
+          <p:nvPicPr>
+            <p:cNvPr id="232" name="Google Shape;232;p22"/>
+            <p:cNvPicPr preferRelativeResize="0"/>
+            <p:nvPr/>
+          </p:nvPicPr>
+          <p:blipFill rotWithShape="1">
+            <a:blip r:embed="rId11">
+              <a:alphaModFix/>
+            </a:blip>
+            <a:srcRect b="7510" l="0" r="0" t="0"/>
+            <a:stretch/>
+          </p:blipFill>
+          <p:spPr>
+            <a:xfrm>
+              <a:off x="2895600" y="4073250"/>
+              <a:ext cx="876183" cy="1070250"/>
+            </a:xfrm>
+            <a:prstGeom prst="rect">
+              <a:avLst/>
+            </a:prstGeom>
+            <a:noFill/>
+            <a:ln>
+              <a:noFill/>
+            </a:ln>
+          </p:spPr>
+        </p:pic>
+        <p:pic>
+          <p:nvPicPr>
+            <p:cNvPr id="233" name="Google Shape;233;p22"/>
+            <p:cNvPicPr preferRelativeResize="0"/>
+            <p:nvPr/>
+          </p:nvPicPr>
+          <p:blipFill rotWithShape="1">
+            <a:blip r:embed="rId12">
+              <a:alphaModFix/>
+            </a:blip>
+            <a:srcRect b="9600" l="0" r="0" t="0"/>
+            <a:stretch/>
+          </p:blipFill>
+          <p:spPr>
+            <a:xfrm>
+              <a:off x="4290500" y="4073250"/>
+              <a:ext cx="1310534" cy="1070250"/>
+            </a:xfrm>
+            <a:prstGeom prst="rect">
+              <a:avLst/>
+            </a:prstGeom>
+            <a:noFill/>
+            <a:ln>
+              <a:noFill/>
+            </a:ln>
+          </p:spPr>
+        </p:pic>
+        <p:pic>
+          <p:nvPicPr>
+            <p:cNvPr id="234" name="Google Shape;234;p22"/>
+            <p:cNvPicPr preferRelativeResize="0"/>
+            <p:nvPr/>
+          </p:nvPicPr>
+          <p:blipFill rotWithShape="1">
+            <a:blip r:embed="rId13">
+              <a:alphaModFix/>
+            </a:blip>
+            <a:srcRect b="9990" l="0" r="0" t="0"/>
+            <a:stretch/>
+          </p:blipFill>
+          <p:spPr>
+            <a:xfrm>
+              <a:off x="6012600" y="4073250"/>
+              <a:ext cx="1723450" cy="1070250"/>
+            </a:xfrm>
+            <a:prstGeom prst="rect">
+              <a:avLst/>
+            </a:prstGeom>
+            <a:noFill/>
+            <a:ln>
+              <a:noFill/>
+            </a:ln>
+          </p:spPr>
+        </p:pic>
+        <p:pic>
+          <p:nvPicPr>
+            <p:cNvPr id="235" name="Google Shape;235;p22"/>
+            <p:cNvPicPr preferRelativeResize="0"/>
+            <p:nvPr/>
+          </p:nvPicPr>
+          <p:blipFill rotWithShape="1">
+            <a:blip r:embed="rId14">
+              <a:alphaModFix/>
+            </a:blip>
+            <a:srcRect b="8575" l="0" r="0" t="0"/>
+            <a:stretch/>
+          </p:blipFill>
+          <p:spPr>
+            <a:xfrm>
+              <a:off x="8038450" y="3987208"/>
+              <a:ext cx="1126000" cy="1156292"/>
+            </a:xfrm>
+            <a:prstGeom prst="rect">
+              <a:avLst/>
+            </a:prstGeom>
+            <a:noFill/>
+            <a:ln>
+              <a:noFill/>
+            </a:ln>
+          </p:spPr>
+        </p:pic>
+      </p:grpSp>
+    </p:spTree>
+  </p:cSld>
+  <p:clrMapOvr>
+    <a:masterClrMapping/>
+  </p:clrMapOvr>
+</p:sld>
+</file>
+
+<file path=ppt/slides/slide11.xml><?xml version="1.0" encoding="utf-8"?>
+<p:sld xmlns:a="http://schemas.openxmlformats.org/drawingml/2006/main" xmlns:r="http://schemas.openxmlformats.org/officeDocument/2006/relationships" xmlns:mc="http://schemas.openxmlformats.org/markup-compatibility/2006" xmlns:mv="urn:schemas-microsoft-com:mac:vml" xmlns:p="http://schemas.openxmlformats.org/presentationml/2006/main" xmlns:c="http://schemas.openxmlformats.org/drawingml/2006/chart" xmlns:dgm="http://schemas.openxmlformats.org/drawingml/2006/diagram" xmlns:o="urn:schemas-microsoft-com:office:office" xmlns:v="urn:schemas-microsoft-com:vml" xmlns:pvml="urn:schemas-microsoft-com:office:powerpoint" xmlns:com="http://schemas.openxmlformats.org/drawingml/2006/compatibility" xmlns:p14="http://schemas.microsoft.com/office/powerpoint/2010/main" xmlns:p15="http://schemas.microsoft.com/office/powerpoint/2012/main" xmlns:ahyp="http://schemas.microsoft.com/office/drawing/2018/hyperlinkcolor">
+  <p:cSld>
+    <p:bg>
+      <p:bgPr>
+        <a:solidFill>
+          <a:srgbClr val="A7A4D1"/>
+        </a:solidFill>
+      </p:bgPr>
+    </p:bg>
+    <p:spTree>
+      <p:nvGrpSpPr>
+        <p:cNvPr id="239" name="Shape 239"/>
+        <p:cNvGrpSpPr/>
+        <p:nvPr/>
+      </p:nvGrpSpPr>
+      <p:grpSpPr>
+        <a:xfrm>
+          <a:off x="0" y="0"/>
+          <a:ext cx="0" cy="0"/>
+          <a:chOff x="0" y="0"/>
+          <a:chExt cx="0" cy="0"/>
+        </a:xfrm>
+      </p:grpSpPr>
+      <p:sp>
+        <p:nvSpPr>
+          <p:cNvPr id="240" name="Google Shape;240;p23"/>
+          <p:cNvSpPr txBox="1"/>
+          <p:nvPr>
+            <p:ph type="title"/>
+          </p:nvPr>
+        </p:nvSpPr>
+        <p:spPr>
+          <a:xfrm>
+            <a:off x="311700" y="445025"/>
+            <a:ext cx="8520600" cy="572700"/>
+          </a:xfrm>
+          <a:prstGeom prst="rect">
+            <a:avLst/>
+          </a:prstGeom>
+        </p:spPr>
+        <p:txBody>
+          <a:bodyPr anchorCtr="0" anchor="t" bIns="91425" lIns="91425" spcFirstLastPara="1" rIns="91425" wrap="square" tIns="91425">
+            <a:normAutofit fontScale="90000"/>
+          </a:bodyPr>
+          <a:lstStyle/>
+          <a:p>
+            <a:pPr indent="0" lvl="0" marL="0" rtl="0" algn="l">
+              <a:spcBef>
+                <a:spcPts val="0"/>
+              </a:spcBef>
+              <a:spcAft>
+                <a:spcPts val="0"/>
+              </a:spcAft>
+              <a:buNone/>
+            </a:pPr>
+            <a:r>
+              <a:rPr b="1" lang="en">
+                <a:solidFill>
+                  <a:schemeClr val="lt1"/>
+                </a:solidFill>
+                <a:latin typeface="Times New Roman"/>
+                <a:ea typeface="Times New Roman"/>
+                <a:cs typeface="Times New Roman"/>
+                <a:sym typeface="Times New Roman"/>
+              </a:rPr>
+              <a:t>Analysis Phase - Wikipedia Data</a:t>
+            </a:r>
+            <a:endParaRPr b="1">
+              <a:solidFill>
+                <a:schemeClr val="lt1"/>
+              </a:solidFill>
+              <a:latin typeface="Times New Roman"/>
+              <a:ea typeface="Times New Roman"/>
+              <a:cs typeface="Times New Roman"/>
+              <a:sym typeface="Times New Roman"/>
+            </a:endParaRPr>
+          </a:p>
+        </p:txBody>
+      </p:sp>
+      <p:pic>
+        <p:nvPicPr>
+          <p:cNvPr id="241" name="Google Shape;241;p23"/>
+          <p:cNvPicPr preferRelativeResize="0"/>
+          <p:nvPr/>
+        </p:nvPicPr>
+        <p:blipFill>
+          <a:blip r:embed="rId3">
+            <a:alphaModFix/>
+          </a:blip>
+          <a:stretch>
+            <a:fillRect/>
+          </a:stretch>
+        </p:blipFill>
+        <p:spPr>
+          <a:xfrm>
+            <a:off x="152400" y="1068450"/>
+            <a:ext cx="8839200" cy="3950799"/>
+          </a:xfrm>
+          <a:prstGeom prst="rect">
+            <a:avLst/>
+          </a:prstGeom>
+          <a:noFill/>
+          <a:ln>
+            <a:noFill/>
+          </a:ln>
+        </p:spPr>
+      </p:pic>
+    </p:spTree>
+  </p:cSld>
+  <p:clrMapOvr>
+    <a:masterClrMapping/>
+  </p:clrMapOvr>
+</p:sld>
+</file>
+
+<file path=ppt/slides/slide12.xml><?xml version="1.0" encoding="utf-8"?>
+<p:sld xmlns:a="http://schemas.openxmlformats.org/drawingml/2006/main" xmlns:r="http://schemas.openxmlformats.org/officeDocument/2006/relationships" xmlns:mc="http://schemas.openxmlformats.org/markup-compatibility/2006" xmlns:mv="urn:schemas-microsoft-com:mac:vml" xmlns:p="http://schemas.openxmlformats.org/presentationml/2006/main" xmlns:c="http://schemas.openxmlformats.org/drawingml/2006/chart" xmlns:dgm="http://schemas.openxmlformats.org/drawingml/2006/diagram" xmlns:o="urn:schemas-microsoft-com:office:office" xmlns:v="urn:schemas-microsoft-com:vml" xmlns:pvml="urn:schemas-microsoft-com:office:powerpoint" xmlns:com="http://schemas.openxmlformats.org/drawingml/2006/compatibility" xmlns:p14="http://schemas.microsoft.com/office/powerpoint/2010/main" xmlns:p15="http://schemas.microsoft.com/office/powerpoint/2012/main" xmlns:ahyp="http://schemas.microsoft.com/office/drawing/2018/hyperlinkcolor">
+  <p:cSld>
+    <p:bg>
+      <p:bgPr>
+        <a:solidFill>
+          <a:srgbClr val="F4D58F"/>
+        </a:solidFill>
+      </p:bgPr>
+    </p:bg>
+    <p:spTree>
+      <p:nvGrpSpPr>
+        <p:cNvPr id="245" name="Shape 245"/>
+        <p:cNvGrpSpPr/>
+        <p:nvPr/>
+      </p:nvGrpSpPr>
+      <p:grpSpPr>
+        <a:xfrm>
+          <a:off x="0" y="0"/>
+          <a:ext cx="0" cy="0"/>
+          <a:chOff x="0" y="0"/>
+          <a:chExt cx="0" cy="0"/>
+        </a:xfrm>
+      </p:grpSpPr>
+      <p:sp>
+        <p:nvSpPr>
+          <p:cNvPr id="246" name="Google Shape;246;p24"/>
+          <p:cNvSpPr txBox="1"/>
+          <p:nvPr>
+            <p:ph type="title"/>
+          </p:nvPr>
+        </p:nvSpPr>
+        <p:spPr>
+          <a:xfrm>
+            <a:off x="311700" y="445025"/>
+            <a:ext cx="8520600" cy="572700"/>
+          </a:xfrm>
+          <a:prstGeom prst="rect">
+            <a:avLst/>
+          </a:prstGeom>
+        </p:spPr>
+        <p:txBody>
+          <a:bodyPr anchorCtr="0" anchor="t" bIns="91425" lIns="91425" spcFirstLastPara="1" rIns="91425" wrap="square" tIns="91425">
+            <a:normAutofit fontScale="90000"/>
+          </a:bodyPr>
+          <a:lstStyle/>
+          <a:p>
+            <a:pPr indent="0" lvl="0" marL="0" rtl="0" algn="l">
+              <a:spcBef>
+                <a:spcPts val="0"/>
+              </a:spcBef>
+              <a:spcAft>
+                <a:spcPts val="0"/>
+              </a:spcAft>
+              <a:buNone/>
+            </a:pPr>
+            <a:r>
+              <a:rPr b="1" lang="en">
+                <a:solidFill>
+                  <a:schemeClr val="lt1"/>
+                </a:solidFill>
+                <a:latin typeface="Times New Roman"/>
+                <a:ea typeface="Times New Roman"/>
+                <a:cs typeface="Times New Roman"/>
+                <a:sym typeface="Times New Roman"/>
+              </a:rPr>
+              <a:t>Analysis Phase - Wikipedia Data</a:t>
+            </a:r>
+            <a:endParaRPr b="1">
+              <a:solidFill>
+                <a:schemeClr val="lt1"/>
+              </a:solidFill>
+              <a:latin typeface="Times New Roman"/>
+              <a:ea typeface="Times New Roman"/>
+              <a:cs typeface="Times New Roman"/>
+              <a:sym typeface="Times New Roman"/>
+            </a:endParaRPr>
+          </a:p>
+        </p:txBody>
+      </p:sp>
+      <p:pic>
+        <p:nvPicPr>
+          <p:cNvPr id="247" name="Google Shape;247;p24"/>
+          <p:cNvPicPr preferRelativeResize="0"/>
+          <p:nvPr/>
+        </p:nvPicPr>
+        <p:blipFill>
+          <a:blip r:embed="rId3">
+            <a:alphaModFix/>
+          </a:blip>
+          <a:stretch>
+            <a:fillRect/>
+          </a:stretch>
+        </p:blipFill>
+        <p:spPr>
+          <a:xfrm>
+            <a:off x="152400" y="1170125"/>
+            <a:ext cx="8839200" cy="3861550"/>
+          </a:xfrm>
+          <a:prstGeom prst="rect">
+            <a:avLst/>
+          </a:prstGeom>
+          <a:noFill/>
+          <a:ln>
+            <a:noFill/>
+          </a:ln>
+        </p:spPr>
+      </p:pic>
+    </p:spTree>
+  </p:cSld>
+  <p:clrMapOvr>
+    <a:masterClrMapping/>
+  </p:clrMapOvr>
+</p:sld>
+</file>
+
+<file path=ppt/slides/slide13.xml><?xml version="1.0" encoding="utf-8"?>
+<p:sld xmlns:a="http://schemas.openxmlformats.org/drawingml/2006/main" xmlns:r="http://schemas.openxmlformats.org/officeDocument/2006/relationships" xmlns:mc="http://schemas.openxmlformats.org/markup-compatibility/2006" xmlns:mv="urn:schemas-microsoft-com:mac:vml" xmlns:p="http://schemas.openxmlformats.org/presentationml/2006/main" xmlns:c="http://schemas.openxmlformats.org/drawingml/2006/chart" xmlns:dgm="http://schemas.openxmlformats.org/drawingml/2006/diagram" xmlns:o="urn:schemas-microsoft-com:office:office" xmlns:v="urn:schemas-microsoft-com:vml" xmlns:pvml="urn:schemas-microsoft-com:office:powerpoint" xmlns:com="http://schemas.openxmlformats.org/drawingml/2006/compatibility" xmlns:p14="http://schemas.microsoft.com/office/powerpoint/2010/main" xmlns:p15="http://schemas.microsoft.com/office/powerpoint/2012/main" xmlns:ahyp="http://schemas.microsoft.com/office/drawing/2018/hyperlinkcolor">
+  <p:cSld>
+    <p:bg>
+      <p:bgPr>
+        <a:solidFill>
+          <a:srgbClr val="75CEDE"/>
+        </a:solidFill>
+      </p:bgPr>
+    </p:bg>
+    <p:spTree>
+      <p:nvGrpSpPr>
+        <p:cNvPr id="251" name="Shape 251"/>
+        <p:cNvGrpSpPr/>
+        <p:nvPr/>
+      </p:nvGrpSpPr>
+      <p:grpSpPr>
+        <a:xfrm>
+          <a:off x="0" y="0"/>
+          <a:ext cx="0" cy="0"/>
+          <a:chOff x="0" y="0"/>
+          <a:chExt cx="0" cy="0"/>
+        </a:xfrm>
+      </p:grpSpPr>
+      <p:sp>
+        <p:nvSpPr>
+          <p:cNvPr id="252" name="Google Shape;252;p25"/>
+          <p:cNvSpPr txBox="1"/>
+          <p:nvPr>
+            <p:ph type="title"/>
+          </p:nvPr>
+        </p:nvSpPr>
+        <p:spPr>
+          <a:xfrm>
+            <a:off x="311700" y="445025"/>
+            <a:ext cx="8520600" cy="572700"/>
+          </a:xfrm>
+          <a:prstGeom prst="rect">
+            <a:avLst/>
+          </a:prstGeom>
+        </p:spPr>
+        <p:txBody>
+          <a:bodyPr anchorCtr="0" anchor="t" bIns="91425" lIns="91425" spcFirstLastPara="1" rIns="91425" wrap="square" tIns="91425">
+            <a:normAutofit fontScale="90000"/>
+          </a:bodyPr>
+          <a:lstStyle/>
+          <a:p>
+            <a:pPr indent="0" lvl="0" marL="0" rtl="0" algn="l">
+              <a:spcBef>
+                <a:spcPts val="0"/>
+              </a:spcBef>
+              <a:spcAft>
+                <a:spcPts val="0"/>
+              </a:spcAft>
+              <a:buNone/>
+            </a:pPr>
+            <a:r>
+              <a:rPr b="1" lang="en">
+                <a:solidFill>
+                  <a:schemeClr val="lt1"/>
+                </a:solidFill>
+                <a:latin typeface="Times New Roman"/>
+                <a:ea typeface="Times New Roman"/>
+                <a:cs typeface="Times New Roman"/>
+                <a:sym typeface="Times New Roman"/>
+              </a:rPr>
+              <a:t>Analysis Phase - Wikipedia Data</a:t>
+            </a:r>
+            <a:endParaRPr b="1">
+              <a:solidFill>
+                <a:schemeClr val="lt1"/>
+              </a:solidFill>
+              <a:latin typeface="Times New Roman"/>
+              <a:ea typeface="Times New Roman"/>
+              <a:cs typeface="Times New Roman"/>
+              <a:sym typeface="Times New Roman"/>
+            </a:endParaRPr>
+          </a:p>
+        </p:txBody>
+      </p:sp>
+      <p:pic>
+        <p:nvPicPr>
+          <p:cNvPr id="253" name="Google Shape;253;p25"/>
+          <p:cNvPicPr preferRelativeResize="0"/>
+          <p:nvPr/>
+        </p:nvPicPr>
+        <p:blipFill>
+          <a:blip r:embed="rId3">
+            <a:alphaModFix/>
+          </a:blip>
+          <a:stretch>
+            <a:fillRect/>
+          </a:stretch>
+        </p:blipFill>
+        <p:spPr>
+          <a:xfrm>
+            <a:off x="152400" y="1170125"/>
+            <a:ext cx="8839200" cy="3787026"/>
+          </a:xfrm>
+          <a:prstGeom prst="rect">
+            <a:avLst/>
+          </a:prstGeom>
+          <a:noFill/>
+          <a:ln>
+            <a:noFill/>
+          </a:ln>
+        </p:spPr>
+      </p:pic>
+    </p:spTree>
+  </p:cSld>
+  <p:clrMapOvr>
+    <a:masterClrMapping/>
+  </p:clrMapOvr>
+</p:sld>
+</file>
+
+<file path=ppt/slides/slide14.xml><?xml version="1.0" encoding="utf-8"?>
+<p:sld xmlns:a="http://schemas.openxmlformats.org/drawingml/2006/main" xmlns:r="http://schemas.openxmlformats.org/officeDocument/2006/relationships" xmlns:mc="http://schemas.openxmlformats.org/markup-compatibility/2006" xmlns:mv="urn:schemas-microsoft-com:mac:vml" xmlns:p="http://schemas.openxmlformats.org/presentationml/2006/main" xmlns:c="http://schemas.openxmlformats.org/drawingml/2006/chart" xmlns:dgm="http://schemas.openxmlformats.org/drawingml/2006/diagram" xmlns:o="urn:schemas-microsoft-com:office:office" xmlns:v="urn:schemas-microsoft-com:vml" xmlns:pvml="urn:schemas-microsoft-com:office:powerpoint" xmlns:com="http://schemas.openxmlformats.org/drawingml/2006/compatibility" xmlns:p14="http://schemas.microsoft.com/office/powerpoint/2010/main" xmlns:p15="http://schemas.microsoft.com/office/powerpoint/2012/main" xmlns:ahyp="http://schemas.microsoft.com/office/drawing/2018/hyperlinkcolor">
+  <p:cSld>
+    <p:bg>
+      <p:bgPr>
+        <a:solidFill>
+          <a:srgbClr val="A7A4D1"/>
+        </a:solidFill>
+      </p:bgPr>
+    </p:bg>
+    <p:spTree>
+      <p:nvGrpSpPr>
+        <p:cNvPr id="257" name="Shape 257"/>
+        <p:cNvGrpSpPr/>
+        <p:nvPr/>
+      </p:nvGrpSpPr>
+      <p:grpSpPr>
+        <a:xfrm>
+          <a:off x="0" y="0"/>
+          <a:ext cx="0" cy="0"/>
+          <a:chOff x="0" y="0"/>
+          <a:chExt cx="0" cy="0"/>
+        </a:xfrm>
+      </p:grpSpPr>
+      <p:sp>
+        <p:nvSpPr>
+          <p:cNvPr id="258" name="Google Shape;258;p26"/>
+          <p:cNvSpPr txBox="1"/>
+          <p:nvPr>
+            <p:ph type="title"/>
+          </p:nvPr>
+        </p:nvSpPr>
+        <p:spPr>
+          <a:xfrm>
+            <a:off x="311700" y="445025"/>
+            <a:ext cx="8520600" cy="572700"/>
+          </a:xfrm>
+          <a:prstGeom prst="rect">
+            <a:avLst/>
+          </a:prstGeom>
+        </p:spPr>
+        <p:txBody>
+          <a:bodyPr anchorCtr="0" anchor="t" bIns="91425" lIns="91425" spcFirstLastPara="1" rIns="91425" wrap="square" tIns="91425">
+            <a:normAutofit fontScale="90000"/>
+          </a:bodyPr>
+          <a:lstStyle/>
+          <a:p>
+            <a:pPr indent="0" lvl="0" marL="0" rtl="0" algn="l">
+              <a:spcBef>
+                <a:spcPts val="0"/>
+              </a:spcBef>
+              <a:spcAft>
+                <a:spcPts val="0"/>
+              </a:spcAft>
+              <a:buNone/>
+            </a:pPr>
+            <a:r>
+              <a:rPr b="1" lang="en">
+                <a:solidFill>
+                  <a:schemeClr val="lt1"/>
+                </a:solidFill>
+                <a:latin typeface="Times New Roman"/>
+                <a:ea typeface="Times New Roman"/>
+                <a:cs typeface="Times New Roman"/>
+                <a:sym typeface="Times New Roman"/>
+              </a:rPr>
+              <a:t>Analysis Phase - Wikipedia Data</a:t>
+            </a:r>
+            <a:endParaRPr b="1">
+              <a:solidFill>
+                <a:schemeClr val="lt1"/>
+              </a:solidFill>
+              <a:latin typeface="Times New Roman"/>
+              <a:ea typeface="Times New Roman"/>
+              <a:cs typeface="Times New Roman"/>
+              <a:sym typeface="Times New Roman"/>
+            </a:endParaRPr>
+          </a:p>
+        </p:txBody>
+      </p:sp>
+      <p:pic>
+        <p:nvPicPr>
+          <p:cNvPr id="259" name="Google Shape;259;p26"/>
+          <p:cNvPicPr preferRelativeResize="0"/>
+          <p:nvPr/>
+        </p:nvPicPr>
+        <p:blipFill>
+          <a:blip r:embed="rId3">
+            <a:alphaModFix/>
+          </a:blip>
+          <a:stretch>
+            <a:fillRect/>
+          </a:stretch>
+        </p:blipFill>
+        <p:spPr>
+          <a:xfrm>
+            <a:off x="152400" y="1170125"/>
+            <a:ext cx="8904626" cy="3787026"/>
+          </a:xfrm>
+          <a:prstGeom prst="rect">
+            <a:avLst/>
+          </a:prstGeom>
+          <a:noFill/>
+          <a:ln>
+            <a:noFill/>
+          </a:ln>
+        </p:spPr>
+      </p:pic>
+    </p:spTree>
+  </p:cSld>
+  <p:clrMapOvr>
+    <a:masterClrMapping/>
+  </p:clrMapOvr>
+</p:sld>
+</file>
+
+<file path=ppt/slides/slide15.xml><?xml version="1.0" encoding="utf-8"?>
+<p:sld xmlns:a="http://schemas.openxmlformats.org/drawingml/2006/main" xmlns:r="http://schemas.openxmlformats.org/officeDocument/2006/relationships" xmlns:mc="http://schemas.openxmlformats.org/markup-compatibility/2006" xmlns:mv="urn:schemas-microsoft-com:mac:vml" xmlns:p="http://schemas.openxmlformats.org/presentationml/2006/main" xmlns:c="http://schemas.openxmlformats.org/drawingml/2006/chart" xmlns:dgm="http://schemas.openxmlformats.org/drawingml/2006/diagram" xmlns:o="urn:schemas-microsoft-com:office:office" xmlns:v="urn:schemas-microsoft-com:vml" xmlns:pvml="urn:schemas-microsoft-com:office:powerpoint" xmlns:com="http://schemas.openxmlformats.org/drawingml/2006/compatibility" xmlns:p14="http://schemas.microsoft.com/office/powerpoint/2010/main" xmlns:p15="http://schemas.microsoft.com/office/powerpoint/2012/main" xmlns:ahyp="http://schemas.microsoft.com/office/drawing/2018/hyperlinkcolor">
+  <p:cSld>
+    <p:bg>
+      <p:bgPr>
+        <a:solidFill>
+          <a:srgbClr val="F4D58F"/>
+        </a:solidFill>
+      </p:bgPr>
+    </p:bg>
+    <p:spTree>
+      <p:nvGrpSpPr>
+        <p:cNvPr id="263" name="Shape 263"/>
+        <p:cNvGrpSpPr/>
+        <p:nvPr/>
+      </p:nvGrpSpPr>
+      <p:grpSpPr>
+        <a:xfrm>
+          <a:off x="0" y="0"/>
+          <a:ext cx="0" cy="0"/>
+          <a:chOff x="0" y="0"/>
+          <a:chExt cx="0" cy="0"/>
+        </a:xfrm>
+      </p:grpSpPr>
+      <p:sp>
+        <p:nvSpPr>
+          <p:cNvPr id="264" name="Google Shape;264;p27"/>
+          <p:cNvSpPr txBox="1"/>
+          <p:nvPr>
+            <p:ph type="title"/>
+          </p:nvPr>
+        </p:nvSpPr>
+        <p:spPr>
+          <a:xfrm>
+            <a:off x="311700" y="445025"/>
+            <a:ext cx="8520600" cy="572700"/>
+          </a:xfrm>
+          <a:prstGeom prst="rect">
+            <a:avLst/>
+          </a:prstGeom>
+        </p:spPr>
+        <p:txBody>
+          <a:bodyPr anchorCtr="0" anchor="t" bIns="91425" lIns="91425" spcFirstLastPara="1" rIns="91425" wrap="square" tIns="91425">
+            <a:normAutofit fontScale="90000"/>
+          </a:bodyPr>
+          <a:lstStyle/>
+          <a:p>
+            <a:pPr indent="0" lvl="0" marL="0" rtl="0" algn="l">
+              <a:spcBef>
+                <a:spcPts val="0"/>
+              </a:spcBef>
+              <a:spcAft>
+                <a:spcPts val="0"/>
+              </a:spcAft>
+              <a:buNone/>
+            </a:pPr>
+            <a:r>
+              <a:rPr b="1" lang="en">
+                <a:solidFill>
+                  <a:schemeClr val="lt1"/>
+                </a:solidFill>
+                <a:latin typeface="Times New Roman"/>
+                <a:ea typeface="Times New Roman"/>
+                <a:cs typeface="Times New Roman"/>
+                <a:sym typeface="Times New Roman"/>
+              </a:rPr>
+              <a:t>Analysis Phase - KC Crime vs. Full Moon Data</a:t>
+            </a:r>
+            <a:endParaRPr b="1">
+              <a:solidFill>
+                <a:schemeClr val="lt1"/>
+              </a:solidFill>
+              <a:latin typeface="Times New Roman"/>
+              <a:ea typeface="Times New Roman"/>
+              <a:cs typeface="Times New Roman"/>
+              <a:sym typeface="Times New Roman"/>
+            </a:endParaRPr>
+          </a:p>
+        </p:txBody>
+      </p:sp>
+      <p:pic>
+        <p:nvPicPr>
+          <p:cNvPr id="265" name="Google Shape;265;p27"/>
+          <p:cNvPicPr preferRelativeResize="0"/>
+          <p:nvPr/>
+        </p:nvPicPr>
+        <p:blipFill>
+          <a:blip r:embed="rId3">
+            <a:alphaModFix/>
+          </a:blip>
+          <a:stretch>
+            <a:fillRect/>
+          </a:stretch>
+        </p:blipFill>
+        <p:spPr>
+          <a:xfrm>
+            <a:off x="152400" y="1170125"/>
+            <a:ext cx="8839200" cy="3873975"/>
+          </a:xfrm>
+          <a:prstGeom prst="rect">
+            <a:avLst/>
+          </a:prstGeom>
+          <a:noFill/>
+          <a:ln>
+            <a:noFill/>
+          </a:ln>
+        </p:spPr>
+      </p:pic>
+    </p:spTree>
+  </p:cSld>
+  <p:clrMapOvr>
+    <a:masterClrMapping/>
+  </p:clrMapOvr>
+</p:sld>
+</file>
+
+<file path=ppt/slides/slide16.xml><?xml version="1.0" encoding="utf-8"?>
+<p:sld xmlns:a="http://schemas.openxmlformats.org/drawingml/2006/main" xmlns:r="http://schemas.openxmlformats.org/officeDocument/2006/relationships" xmlns:mc="http://schemas.openxmlformats.org/markup-compatibility/2006" xmlns:mv="urn:schemas-microsoft-com:mac:vml" xmlns:p="http://schemas.openxmlformats.org/presentationml/2006/main" xmlns:c="http://schemas.openxmlformats.org/drawingml/2006/chart" xmlns:dgm="http://schemas.openxmlformats.org/drawingml/2006/diagram" xmlns:o="urn:schemas-microsoft-com:office:office" xmlns:v="urn:schemas-microsoft-com:vml" xmlns:pvml="urn:schemas-microsoft-com:office:powerpoint" xmlns:com="http://schemas.openxmlformats.org/drawingml/2006/compatibility" xmlns:p14="http://schemas.microsoft.com/office/powerpoint/2010/main" xmlns:p15="http://schemas.microsoft.com/office/powerpoint/2012/main" xmlns:ahyp="http://schemas.microsoft.com/office/drawing/2018/hyperlinkcolor">
+  <p:cSld>
+    <p:bg>
+      <p:bgPr>
+        <a:solidFill>
+          <a:srgbClr val="75CEDE"/>
+        </a:solidFill>
+      </p:bgPr>
+    </p:bg>
+    <p:spTree>
+      <p:nvGrpSpPr>
+        <p:cNvPr id="269" name="Shape 269"/>
+        <p:cNvGrpSpPr/>
+        <p:nvPr/>
+      </p:nvGrpSpPr>
+      <p:grpSpPr>
+        <a:xfrm>
+          <a:off x="0" y="0"/>
+          <a:ext cx="0" cy="0"/>
+          <a:chOff x="0" y="0"/>
+          <a:chExt cx="0" cy="0"/>
+        </a:xfrm>
+      </p:grpSpPr>
+      <p:sp>
+        <p:nvSpPr>
+          <p:cNvPr id="270" name="Google Shape;270;p28"/>
+          <p:cNvSpPr txBox="1"/>
+          <p:nvPr>
+            <p:ph type="title"/>
+          </p:nvPr>
+        </p:nvSpPr>
+        <p:spPr>
+          <a:xfrm>
+            <a:off x="311700" y="445025"/>
+            <a:ext cx="8520600" cy="572700"/>
+          </a:xfrm>
+          <a:prstGeom prst="rect">
+            <a:avLst/>
+          </a:prstGeom>
+        </p:spPr>
+        <p:txBody>
+          <a:bodyPr anchorCtr="0" anchor="t" bIns="91425" lIns="91425" spcFirstLastPara="1" rIns="91425" wrap="square" tIns="91425">
+            <a:normAutofit fontScale="90000"/>
+          </a:bodyPr>
+          <a:lstStyle/>
+          <a:p>
+            <a:pPr indent="0" lvl="0" marL="0" rtl="0" algn="l">
+              <a:spcBef>
+                <a:spcPts val="0"/>
+              </a:spcBef>
+              <a:spcAft>
+                <a:spcPts val="0"/>
+              </a:spcAft>
+              <a:buNone/>
+            </a:pPr>
+            <a:r>
+              <a:rPr b="1" lang="en">
+                <a:solidFill>
+                  <a:schemeClr val="lt1"/>
+                </a:solidFill>
+                <a:latin typeface="Times New Roman"/>
+                <a:ea typeface="Times New Roman"/>
+                <a:cs typeface="Times New Roman"/>
+                <a:sym typeface="Times New Roman"/>
+              </a:rPr>
+              <a:t>Analysis Phase - KC Crime vs. Full Moon Data</a:t>
+            </a:r>
+            <a:endParaRPr b="1">
+              <a:solidFill>
+                <a:schemeClr val="lt1"/>
+              </a:solidFill>
+              <a:latin typeface="Times New Roman"/>
+              <a:ea typeface="Times New Roman"/>
+              <a:cs typeface="Times New Roman"/>
+              <a:sym typeface="Times New Roman"/>
+            </a:endParaRPr>
+          </a:p>
+        </p:txBody>
+      </p:sp>
+      <p:pic>
+        <p:nvPicPr>
+          <p:cNvPr id="271" name="Google Shape;271;p28"/>
+          <p:cNvPicPr preferRelativeResize="0"/>
+          <p:nvPr/>
+        </p:nvPicPr>
+        <p:blipFill>
+          <a:blip r:embed="rId3">
+            <a:alphaModFix/>
+          </a:blip>
+          <a:stretch>
+            <a:fillRect/>
+          </a:stretch>
+        </p:blipFill>
+        <p:spPr>
+          <a:xfrm>
+            <a:off x="152400" y="1017725"/>
+            <a:ext cx="8839200" cy="3976699"/>
+          </a:xfrm>
+          <a:prstGeom prst="rect">
+            <a:avLst/>
+          </a:prstGeom>
+          <a:noFill/>
+          <a:ln>
+            <a:noFill/>
+          </a:ln>
+        </p:spPr>
+      </p:pic>
+    </p:spTree>
+  </p:cSld>
+  <p:clrMapOvr>
+    <a:masterClrMapping/>
+  </p:clrMapOvr>
+</p:sld>
+</file>
+
+<file path=ppt/slides/slide17.xml><?xml version="1.0" encoding="utf-8"?>
+<p:sld xmlns:a="http://schemas.openxmlformats.org/drawingml/2006/main" xmlns:r="http://schemas.openxmlformats.org/officeDocument/2006/relationships" xmlns:mc="http://schemas.openxmlformats.org/markup-compatibility/2006" xmlns:mv="urn:schemas-microsoft-com:mac:vml" xmlns:p="http://schemas.openxmlformats.org/presentationml/2006/main" xmlns:c="http://schemas.openxmlformats.org/drawingml/2006/chart" xmlns:dgm="http://schemas.openxmlformats.org/drawingml/2006/diagram" xmlns:o="urn:schemas-microsoft-com:office:office" xmlns:v="urn:schemas-microsoft-com:vml" xmlns:pvml="urn:schemas-microsoft-com:office:powerpoint" xmlns:com="http://schemas.openxmlformats.org/drawingml/2006/compatibility" xmlns:p14="http://schemas.microsoft.com/office/powerpoint/2010/main" xmlns:p15="http://schemas.microsoft.com/office/powerpoint/2012/main" xmlns:ahyp="http://schemas.microsoft.com/office/drawing/2018/hyperlinkcolor">
+  <p:cSld>
+    <p:bg>
+      <p:bgPr>
+        <a:solidFill>
+          <a:srgbClr val="A7A4D1"/>
+        </a:solidFill>
+      </p:bgPr>
+    </p:bg>
+    <p:spTree>
+      <p:nvGrpSpPr>
+        <p:cNvPr id="275" name="Shape 275"/>
+        <p:cNvGrpSpPr/>
+        <p:nvPr/>
+      </p:nvGrpSpPr>
+      <p:grpSpPr>
+        <a:xfrm>
+          <a:off x="0" y="0"/>
+          <a:ext cx="0" cy="0"/>
+          <a:chOff x="0" y="0"/>
+          <a:chExt cx="0" cy="0"/>
+        </a:xfrm>
+      </p:grpSpPr>
+      <p:sp>
+        <p:nvSpPr>
+          <p:cNvPr id="276" name="Google Shape;276;p29"/>
+          <p:cNvSpPr txBox="1"/>
+          <p:nvPr>
+            <p:ph type="title"/>
+          </p:nvPr>
+        </p:nvSpPr>
+        <p:spPr>
+          <a:xfrm>
+            <a:off x="311700" y="445025"/>
+            <a:ext cx="8520600" cy="572700"/>
+          </a:xfrm>
+          <a:prstGeom prst="rect">
+            <a:avLst/>
+          </a:prstGeom>
+        </p:spPr>
+        <p:txBody>
+          <a:bodyPr anchorCtr="0" anchor="t" bIns="91425" lIns="91425" spcFirstLastPara="1" rIns="91425" wrap="square" tIns="91425">
+            <a:normAutofit fontScale="90000"/>
+          </a:bodyPr>
+          <a:lstStyle/>
+          <a:p>
+            <a:pPr indent="0" lvl="0" marL="0" rtl="0" algn="l">
+              <a:spcBef>
+                <a:spcPts val="0"/>
+              </a:spcBef>
+              <a:spcAft>
+                <a:spcPts val="0"/>
+              </a:spcAft>
+              <a:buNone/>
+            </a:pPr>
+            <a:r>
+              <a:rPr b="1" lang="en">
+                <a:solidFill>
+                  <a:schemeClr val="lt1"/>
+                </a:solidFill>
+                <a:latin typeface="Times New Roman"/>
+                <a:ea typeface="Times New Roman"/>
+                <a:cs typeface="Times New Roman"/>
+                <a:sym typeface="Times New Roman"/>
+              </a:rPr>
+              <a:t>Analysis Phase - KC Crime vs. Full Moon Data</a:t>
+            </a:r>
+            <a:endParaRPr b="1">
+              <a:solidFill>
+                <a:schemeClr val="lt1"/>
+              </a:solidFill>
+              <a:latin typeface="Times New Roman"/>
+              <a:ea typeface="Times New Roman"/>
+              <a:cs typeface="Times New Roman"/>
+              <a:sym typeface="Times New Roman"/>
+            </a:endParaRPr>
+          </a:p>
+        </p:txBody>
+      </p:sp>
+      <p:pic>
+        <p:nvPicPr>
+          <p:cNvPr id="277" name="Google Shape;277;p29"/>
+          <p:cNvPicPr preferRelativeResize="0"/>
+          <p:nvPr/>
+        </p:nvPicPr>
+        <p:blipFill>
+          <a:blip r:embed="rId3">
+            <a:alphaModFix/>
+          </a:blip>
+          <a:stretch>
+            <a:fillRect/>
+          </a:stretch>
+        </p:blipFill>
+        <p:spPr>
+          <a:xfrm>
+            <a:off x="152400" y="1170125"/>
+            <a:ext cx="8839200" cy="3811875"/>
+          </a:xfrm>
+          <a:prstGeom prst="rect">
+            <a:avLst/>
+          </a:prstGeom>
+          <a:noFill/>
+          <a:ln>
+            <a:noFill/>
+          </a:ln>
+        </p:spPr>
+      </p:pic>
+    </p:spTree>
+  </p:cSld>
+  <p:clrMapOvr>
+    <a:masterClrMapping/>
+  </p:clrMapOvr>
+</p:sld>
+</file>
+
+<file path=ppt/slides/slide18.xml><?xml version="1.0" encoding="utf-8"?>
+<p:sld xmlns:a="http://schemas.openxmlformats.org/drawingml/2006/main" xmlns:r="http://schemas.openxmlformats.org/officeDocument/2006/relationships" xmlns:mc="http://schemas.openxmlformats.org/markup-compatibility/2006" xmlns:mv="urn:schemas-microsoft-com:mac:vml" xmlns:p="http://schemas.openxmlformats.org/presentationml/2006/main" xmlns:c="http://schemas.openxmlformats.org/drawingml/2006/chart" xmlns:dgm="http://schemas.openxmlformats.org/drawingml/2006/diagram" xmlns:o="urn:schemas-microsoft-com:office:office" xmlns:v="urn:schemas-microsoft-com:vml" xmlns:pvml="urn:schemas-microsoft-com:office:powerpoint" xmlns:com="http://schemas.openxmlformats.org/drawingml/2006/compatibility" xmlns:p14="http://schemas.microsoft.com/office/powerpoint/2010/main" xmlns:p15="http://schemas.microsoft.com/office/powerpoint/2012/main" xmlns:ahyp="http://schemas.microsoft.com/office/drawing/2018/hyperlinkcolor">
+  <p:cSld>
+    <p:bg>
+      <p:bgPr>
+        <a:solidFill>
+          <a:srgbClr val="F4D58F"/>
+        </a:solidFill>
+      </p:bgPr>
+    </p:bg>
+    <p:spTree>
+      <p:nvGrpSpPr>
+        <p:cNvPr id="281" name="Shape 281"/>
+        <p:cNvGrpSpPr/>
+        <p:nvPr/>
+      </p:nvGrpSpPr>
+      <p:grpSpPr>
+        <a:xfrm>
+          <a:off x="0" y="0"/>
+          <a:ext cx="0" cy="0"/>
+          <a:chOff x="0" y="0"/>
+          <a:chExt cx="0" cy="0"/>
+        </a:xfrm>
+      </p:grpSpPr>
+      <p:sp>
+        <p:nvSpPr>
+          <p:cNvPr id="282" name="Google Shape;282;p30"/>
+          <p:cNvSpPr txBox="1"/>
+          <p:nvPr>
+            <p:ph type="title"/>
+          </p:nvPr>
+        </p:nvSpPr>
+        <p:spPr>
+          <a:xfrm>
+            <a:off x="311700" y="445025"/>
+            <a:ext cx="8520600" cy="572700"/>
+          </a:xfrm>
+          <a:prstGeom prst="rect">
+            <a:avLst/>
+          </a:prstGeom>
+        </p:spPr>
+        <p:txBody>
+          <a:bodyPr anchorCtr="0" anchor="t" bIns="91425" lIns="91425" spcFirstLastPara="1" rIns="91425" wrap="square" tIns="91425">
+            <a:normAutofit fontScale="90000"/>
+          </a:bodyPr>
+          <a:lstStyle/>
+          <a:p>
+            <a:pPr indent="0" lvl="0" marL="0" rtl="0" algn="l">
+              <a:spcBef>
+                <a:spcPts val="0"/>
+              </a:spcBef>
+              <a:spcAft>
+                <a:spcPts val="0"/>
+              </a:spcAft>
+              <a:buNone/>
+            </a:pPr>
+            <a:r>
+              <a:rPr b="1" lang="en">
+                <a:solidFill>
+                  <a:schemeClr val="lt1"/>
+                </a:solidFill>
+                <a:latin typeface="Times New Roman"/>
+                <a:ea typeface="Times New Roman"/>
+                <a:cs typeface="Times New Roman"/>
+                <a:sym typeface="Times New Roman"/>
+              </a:rPr>
+              <a:t>Analysis Phase - KC Crime vs. Full Moon Data</a:t>
+            </a:r>
+            <a:endParaRPr b="1">
+              <a:solidFill>
+                <a:schemeClr val="lt1"/>
+              </a:solidFill>
+              <a:latin typeface="Times New Roman"/>
+              <a:ea typeface="Times New Roman"/>
+              <a:cs typeface="Times New Roman"/>
+              <a:sym typeface="Times New Roman"/>
+            </a:endParaRPr>
+          </a:p>
+        </p:txBody>
+      </p:sp>
+      <p:pic>
+        <p:nvPicPr>
+          <p:cNvPr id="283" name="Google Shape;283;p30"/>
+          <p:cNvPicPr preferRelativeResize="0"/>
+          <p:nvPr/>
+        </p:nvPicPr>
+        <p:blipFill>
+          <a:blip r:embed="rId3">
+            <a:alphaModFix/>
+          </a:blip>
+          <a:stretch>
+            <a:fillRect/>
+          </a:stretch>
+        </p:blipFill>
+        <p:spPr>
+          <a:xfrm>
+            <a:off x="152400" y="1170125"/>
+            <a:ext cx="8839200" cy="3849126"/>
+          </a:xfrm>
+          <a:prstGeom prst="rect">
+            <a:avLst/>
+          </a:prstGeom>
+          <a:noFill/>
+          <a:ln>
+            <a:noFill/>
+          </a:ln>
+        </p:spPr>
+      </p:pic>
+    </p:spTree>
+  </p:cSld>
+  <p:clrMapOvr>
+    <a:masterClrMapping/>
+  </p:clrMapOvr>
+</p:sld>
+</file>
+
+<file path=ppt/slides/slide19.xml><?xml version="1.0" encoding="utf-8"?>
+<p:sld xmlns:a="http://schemas.openxmlformats.org/drawingml/2006/main" xmlns:r="http://schemas.openxmlformats.org/officeDocument/2006/relationships" xmlns:mc="http://schemas.openxmlformats.org/markup-compatibility/2006" xmlns:mv="urn:schemas-microsoft-com:mac:vml" xmlns:p="http://schemas.openxmlformats.org/presentationml/2006/main" xmlns:c="http://schemas.openxmlformats.org/drawingml/2006/chart" xmlns:dgm="http://schemas.openxmlformats.org/drawingml/2006/diagram" xmlns:o="urn:schemas-microsoft-com:office:office" xmlns:v="urn:schemas-microsoft-com:vml" xmlns:pvml="urn:schemas-microsoft-com:office:powerpoint" xmlns:com="http://schemas.openxmlformats.org/drawingml/2006/compatibility" xmlns:p14="http://schemas.microsoft.com/office/powerpoint/2010/main" xmlns:p15="http://schemas.microsoft.com/office/powerpoint/2012/main" xmlns:ahyp="http://schemas.microsoft.com/office/drawing/2018/hyperlinkcolor">
+  <p:cSld>
+    <p:bg>
+      <p:bgPr>
+        <a:solidFill>
+          <a:srgbClr val="75CEDE"/>
+        </a:solidFill>
+      </p:bgPr>
+    </p:bg>
+    <p:spTree>
+      <p:nvGrpSpPr>
+        <p:cNvPr id="287" name="Shape 287"/>
+        <p:cNvGrpSpPr/>
+        <p:nvPr/>
+      </p:nvGrpSpPr>
+      <p:grpSpPr>
+        <a:xfrm>
+          <a:off x="0" y="0"/>
+          <a:ext cx="0" cy="0"/>
+          <a:chOff x="0" y="0"/>
+          <a:chExt cx="0" cy="0"/>
+        </a:xfrm>
+      </p:grpSpPr>
+      <p:sp>
+        <p:nvSpPr>
+          <p:cNvPr id="288" name="Google Shape;288;p31"/>
+          <p:cNvSpPr txBox="1"/>
+          <p:nvPr>
+            <p:ph type="title"/>
+          </p:nvPr>
+        </p:nvSpPr>
+        <p:spPr>
+          <a:xfrm>
+            <a:off x="311700" y="445025"/>
+            <a:ext cx="8520600" cy="572700"/>
+          </a:xfrm>
+          <a:prstGeom prst="rect">
+            <a:avLst/>
+          </a:prstGeom>
+        </p:spPr>
+        <p:txBody>
+          <a:bodyPr anchorCtr="0" anchor="t" bIns="91425" lIns="91425" spcFirstLastPara="1" rIns="91425" wrap="square" tIns="91425">
+            <a:normAutofit fontScale="90000"/>
+          </a:bodyPr>
+          <a:lstStyle/>
+          <a:p>
+            <a:pPr indent="0" lvl="0" marL="0" rtl="0" algn="l">
+              <a:spcBef>
+                <a:spcPts val="0"/>
+              </a:spcBef>
+              <a:spcAft>
+                <a:spcPts val="0"/>
+              </a:spcAft>
+              <a:buNone/>
+            </a:pPr>
+            <a:r>
+              <a:rPr b="1" lang="en">
+                <a:solidFill>
+                  <a:schemeClr val="lt1"/>
+                </a:solidFill>
+                <a:latin typeface="Times New Roman"/>
+                <a:ea typeface="Times New Roman"/>
+                <a:cs typeface="Times New Roman"/>
+                <a:sym typeface="Times New Roman"/>
+              </a:rPr>
+              <a:t>Analysis Phase - KC Crime vs. Full Moon Data</a:t>
+            </a:r>
+            <a:endParaRPr b="1">
+              <a:solidFill>
+                <a:schemeClr val="lt1"/>
+              </a:solidFill>
+              <a:latin typeface="Times New Roman"/>
+              <a:ea typeface="Times New Roman"/>
+              <a:cs typeface="Times New Roman"/>
+              <a:sym typeface="Times New Roman"/>
+            </a:endParaRPr>
+          </a:p>
+        </p:txBody>
+      </p:sp>
+      <p:pic>
+        <p:nvPicPr>
+          <p:cNvPr id="289" name="Google Shape;289;p31"/>
+          <p:cNvPicPr preferRelativeResize="0"/>
+          <p:nvPr/>
+        </p:nvPicPr>
+        <p:blipFill>
+          <a:blip r:embed="rId3">
+            <a:alphaModFix/>
+          </a:blip>
+          <a:stretch>
+            <a:fillRect/>
+          </a:stretch>
+        </p:blipFill>
+        <p:spPr>
+          <a:xfrm>
+            <a:off x="152400" y="1170125"/>
+            <a:ext cx="8941898" cy="3774600"/>
+          </a:xfrm>
+          <a:prstGeom prst="rect">
+            <a:avLst/>
+          </a:prstGeom>
+          <a:noFill/>
+          <a:ln>
+            <a:noFill/>
+          </a:ln>
+        </p:spPr>
+      </p:pic>
+    </p:spTree>
+  </p:cSld>
+  <p:clrMapOvr>
+    <a:masterClrMapping/>
+  </p:clrMapOvr>
+</p:sld>
+</file>
+
 <file path=ppt/slides/slide2.xml><?xml version="1.0" encoding="utf-8"?>
 <p:sld xmlns:a="http://schemas.openxmlformats.org/drawingml/2006/main" xmlns:r="http://schemas.openxmlformats.org/officeDocument/2006/relationships" xmlns:mc="http://schemas.openxmlformats.org/markup-compatibility/2006" xmlns:mv="urn:schemas-microsoft-com:mac:vml" xmlns:p="http://schemas.openxmlformats.org/presentationml/2006/main" xmlns:c="http://schemas.openxmlformats.org/drawingml/2006/chart" xmlns:dgm="http://schemas.openxmlformats.org/drawingml/2006/diagram" xmlns:o="urn:schemas-microsoft-com:office:office" xmlns:v="urn:schemas-microsoft-com:vml" xmlns:pvml="urn:schemas-microsoft-com:office:powerpoint" xmlns:com="http://schemas.openxmlformats.org/drawingml/2006/compatibility" xmlns:p14="http://schemas.microsoft.com/office/powerpoint/2010/main" xmlns:p15="http://schemas.microsoft.com/office/powerpoint/2012/main" xmlns:ahyp="http://schemas.microsoft.com/office/drawing/2018/hyperlinkcolor">
   <p:cSld>
@@ -6988,6 +10038,70 @@
           </p:spPr>
         </p:pic>
       </p:grpSp>
+    </p:spTree>
+  </p:cSld>
+  <p:clrMapOvr>
+    <a:masterClrMapping/>
+  </p:clrMapOvr>
+</p:sld>
+</file>
+
+<file path=ppt/slides/slide20.xml><?xml version="1.0" encoding="utf-8"?>
+<p:sld xmlns:a="http://schemas.openxmlformats.org/drawingml/2006/main" xmlns:r="http://schemas.openxmlformats.org/officeDocument/2006/relationships" xmlns:mc="http://schemas.openxmlformats.org/markup-compatibility/2006" xmlns:mv="urn:schemas-microsoft-com:mac:vml" xmlns:p="http://schemas.openxmlformats.org/presentationml/2006/main" xmlns:c="http://schemas.openxmlformats.org/drawingml/2006/chart" xmlns:dgm="http://schemas.openxmlformats.org/drawingml/2006/diagram" xmlns:o="urn:schemas-microsoft-com:office:office" xmlns:v="urn:schemas-microsoft-com:vml" xmlns:pvml="urn:schemas-microsoft-com:office:powerpoint" xmlns:com="http://schemas.openxmlformats.org/drawingml/2006/compatibility" xmlns:p14="http://schemas.microsoft.com/office/powerpoint/2010/main" xmlns:p15="http://schemas.microsoft.com/office/powerpoint/2012/main" xmlns:ahyp="http://schemas.microsoft.com/office/drawing/2018/hyperlinkcolor">
+  <p:cSld>
+    <p:spTree>
+      <p:nvGrpSpPr>
+        <p:cNvPr id="293" name="Shape 293"/>
+        <p:cNvGrpSpPr/>
+        <p:nvPr/>
+      </p:nvGrpSpPr>
+      <p:grpSpPr>
+        <a:xfrm>
+          <a:off x="0" y="0"/>
+          <a:ext cx="0" cy="0"/>
+          <a:chOff x="0" y="0"/>
+          <a:chExt cx="0" cy="0"/>
+        </a:xfrm>
+      </p:grpSpPr>
+      <p:sp>
+        <p:nvSpPr>
+          <p:cNvPr id="294" name="Google Shape;294;p32"/>
+          <p:cNvSpPr txBox="1"/>
+          <p:nvPr>
+            <p:ph type="title"/>
+          </p:nvPr>
+        </p:nvSpPr>
+        <p:spPr>
+          <a:xfrm>
+            <a:off x="311700" y="445025"/>
+            <a:ext cx="8520600" cy="572700"/>
+          </a:xfrm>
+          <a:prstGeom prst="rect">
+            <a:avLst/>
+          </a:prstGeom>
+        </p:spPr>
+        <p:txBody>
+          <a:bodyPr anchorCtr="0" anchor="t" bIns="91425" lIns="91425" spcFirstLastPara="1" rIns="91425" wrap="square" tIns="91425">
+            <a:normAutofit fontScale="90000"/>
+          </a:bodyPr>
+          <a:lstStyle/>
+          <a:p>
+            <a:pPr indent="0" lvl="0" marL="0" rtl="0" algn="l">
+              <a:spcBef>
+                <a:spcPts val="0"/>
+              </a:spcBef>
+              <a:spcAft>
+                <a:spcPts val="0"/>
+              </a:spcAft>
+              <a:buNone/>
+            </a:pPr>
+            <a:r>
+              <a:t/>
+            </a:r>
+            <a:endParaRPr/>
+          </a:p>
+        </p:txBody>
+      </p:sp>
     </p:spTree>
   </p:cSld>
   <p:clrMapOvr>
@@ -10162,7 +13276,7 @@
         </p:nvSpPr>
         <p:spPr>
           <a:xfrm>
-            <a:off x="311700" y="445025"/>
+            <a:off x="311700" y="1131600"/>
             <a:ext cx="8520600" cy="572700"/>
           </a:xfrm>
           <a:prstGeom prst="rect">
@@ -10185,7 +13299,126 @@
               <a:buNone/>
             </a:pPr>
             <a:r>
-              <a:t/>
+              <a:rPr b="1" lang="en">
+                <a:solidFill>
+                  <a:schemeClr val="lt1"/>
+                </a:solidFill>
+                <a:latin typeface="Times New Roman"/>
+                <a:ea typeface="Times New Roman"/>
+                <a:cs typeface="Times New Roman"/>
+                <a:sym typeface="Times New Roman"/>
+              </a:rPr>
+              <a:t>Database - Description of Database</a:t>
+            </a:r>
+            <a:endParaRPr b="1">
+              <a:solidFill>
+                <a:schemeClr val="lt1"/>
+              </a:solidFill>
+              <a:latin typeface="Times New Roman"/>
+              <a:ea typeface="Times New Roman"/>
+              <a:cs typeface="Times New Roman"/>
+              <a:sym typeface="Times New Roman"/>
+            </a:endParaRPr>
+          </a:p>
+        </p:txBody>
+      </p:sp>
+      <p:sp>
+        <p:nvSpPr>
+          <p:cNvPr id="181" name="Google Shape;181;p20"/>
+          <p:cNvSpPr txBox="1"/>
+          <p:nvPr>
+            <p:ph idx="1" type="body"/>
+          </p:nvPr>
+        </p:nvSpPr>
+        <p:spPr>
+          <a:xfrm>
+            <a:off x="311700" y="1876175"/>
+            <a:ext cx="8520600" cy="3416400"/>
+          </a:xfrm>
+          <a:prstGeom prst="rect">
+            <a:avLst/>
+          </a:prstGeom>
+        </p:spPr>
+        <p:txBody>
+          <a:bodyPr anchorCtr="0" anchor="t" bIns="91425" lIns="91425" spcFirstLastPara="1" rIns="91425" wrap="square" tIns="91425">
+            <a:normAutofit/>
+          </a:bodyPr>
+          <a:lstStyle/>
+          <a:p>
+            <a:pPr indent="-342900" lvl="0" marL="457200" rtl="0" algn="l">
+              <a:spcBef>
+                <a:spcPts val="0"/>
+              </a:spcBef>
+              <a:spcAft>
+                <a:spcPts val="0"/>
+              </a:spcAft>
+              <a:buClr>
+                <a:schemeClr val="lt1"/>
+              </a:buClr>
+              <a:buSzPts val="1800"/>
+              <a:buFont typeface="Times New Roman"/>
+              <a:buChar char="●"/>
+            </a:pPr>
+            <a:r>
+              <a:rPr lang="en">
+                <a:solidFill>
+                  <a:schemeClr val="lt1"/>
+                </a:solidFill>
+                <a:latin typeface="Times New Roman"/>
+                <a:ea typeface="Times New Roman"/>
+                <a:cs typeface="Times New Roman"/>
+                <a:sym typeface="Times New Roman"/>
+              </a:rPr>
+              <a:t>Hosted instance on Amazon Web Services, access through secure link with pgAdmin through a PostgreSQL database.</a:t>
+            </a:r>
+            <a:endParaRPr>
+              <a:solidFill>
+                <a:schemeClr val="lt1"/>
+              </a:solidFill>
+              <a:latin typeface="Times New Roman"/>
+              <a:ea typeface="Times New Roman"/>
+              <a:cs typeface="Times New Roman"/>
+              <a:sym typeface="Times New Roman"/>
+            </a:endParaRPr>
+          </a:p>
+          <a:p>
+            <a:pPr indent="-342900" lvl="0" marL="457200" rtl="0" algn="l">
+              <a:spcBef>
+                <a:spcPts val="0"/>
+              </a:spcBef>
+              <a:spcAft>
+                <a:spcPts val="0"/>
+              </a:spcAft>
+              <a:buClr>
+                <a:schemeClr val="lt1"/>
+              </a:buClr>
+              <a:buSzPts val="1800"/>
+              <a:buFont typeface="Times New Roman"/>
+              <a:buChar char="●"/>
+            </a:pPr>
+            <a:r>
+              <a:rPr lang="en">
+                <a:solidFill>
+                  <a:schemeClr val="lt1"/>
+                </a:solidFill>
+                <a:latin typeface="Times New Roman"/>
+                <a:ea typeface="Times New Roman"/>
+                <a:cs typeface="Times New Roman"/>
+                <a:sym typeface="Times New Roman"/>
+              </a:rPr>
+              <a:t>PostgreSQL </a:t>
+            </a:r>
+            <a:r>
+              <a:rPr lang="en">
+                <a:solidFill>
+                  <a:schemeClr val="lt1"/>
+                </a:solidFill>
+                <a:latin typeface="Times New Roman"/>
+                <a:ea typeface="Times New Roman"/>
+                <a:cs typeface="Times New Roman"/>
+                <a:sym typeface="Times New Roman"/>
+              </a:rPr>
+              <a:t>allows the entire team access to the database on their own terminal, reducing the need for data transfers.</a:t>
             </a:r>
             <a:endParaRPr>
               <a:solidFill>
@@ -10199,6 +13432,360 @@
           </a:p>
         </p:txBody>
       </p:sp>
+      <p:grpSp>
+        <p:nvGrpSpPr>
+          <p:cNvPr id="182" name="Google Shape;182;p20"/>
+          <p:cNvGrpSpPr/>
+          <p:nvPr/>
+        </p:nvGrpSpPr>
+        <p:grpSpPr>
+          <a:xfrm>
+            <a:off x="18500" y="47675"/>
+            <a:ext cx="9106999" cy="1083925"/>
+            <a:chOff x="0" y="-14750"/>
+            <a:chExt cx="9106999" cy="1083925"/>
+          </a:xfrm>
+        </p:grpSpPr>
+        <p:pic>
+          <p:nvPicPr>
+            <p:cNvPr id="183" name="Google Shape;183;p20"/>
+            <p:cNvPicPr preferRelativeResize="0"/>
+            <p:nvPr/>
+          </p:nvPicPr>
+          <p:blipFill rotWithShape="1">
+            <a:blip r:embed="rId3">
+              <a:alphaModFix/>
+            </a:blip>
+            <a:srcRect b="9755" l="0" r="0" t="0"/>
+            <a:stretch/>
+          </p:blipFill>
+          <p:spPr>
+            <a:xfrm>
+              <a:off x="0" y="-14750"/>
+              <a:ext cx="1022125" cy="1029574"/>
+            </a:xfrm>
+            <a:prstGeom prst="rect">
+              <a:avLst/>
+            </a:prstGeom>
+            <a:noFill/>
+            <a:ln>
+              <a:noFill/>
+            </a:ln>
+          </p:spPr>
+        </p:pic>
+        <p:pic>
+          <p:nvPicPr>
+            <p:cNvPr id="184" name="Google Shape;184;p20"/>
+            <p:cNvPicPr preferRelativeResize="0"/>
+            <p:nvPr/>
+          </p:nvPicPr>
+          <p:blipFill rotWithShape="1">
+            <a:blip r:embed="rId4">
+              <a:alphaModFix/>
+            </a:blip>
+            <a:srcRect b="8700" l="0" r="0" t="0"/>
+            <a:stretch/>
+          </p:blipFill>
+          <p:spPr>
+            <a:xfrm>
+              <a:off x="1471076" y="-14750"/>
+              <a:ext cx="673249" cy="1029575"/>
+            </a:xfrm>
+            <a:prstGeom prst="rect">
+              <a:avLst/>
+            </a:prstGeom>
+            <a:noFill/>
+            <a:ln>
+              <a:noFill/>
+            </a:ln>
+          </p:spPr>
+        </p:pic>
+        <p:pic>
+          <p:nvPicPr>
+            <p:cNvPr id="185" name="Google Shape;185;p20"/>
+            <p:cNvPicPr preferRelativeResize="0"/>
+            <p:nvPr/>
+          </p:nvPicPr>
+          <p:blipFill rotWithShape="1">
+            <a:blip r:embed="rId5">
+              <a:alphaModFix/>
+            </a:blip>
+            <a:srcRect b="9041" l="0" r="0" t="0"/>
+            <a:stretch/>
+          </p:blipFill>
+          <p:spPr>
+            <a:xfrm>
+              <a:off x="4061899" y="-4825"/>
+              <a:ext cx="1493392" cy="1029575"/>
+            </a:xfrm>
+            <a:prstGeom prst="rect">
+              <a:avLst/>
+            </a:prstGeom>
+            <a:noFill/>
+            <a:ln>
+              <a:noFill/>
+            </a:ln>
+          </p:spPr>
+        </p:pic>
+        <p:pic>
+          <p:nvPicPr>
+            <p:cNvPr id="186" name="Google Shape;186;p20"/>
+            <p:cNvPicPr preferRelativeResize="0"/>
+            <p:nvPr/>
+          </p:nvPicPr>
+          <p:blipFill rotWithShape="1">
+            <a:blip r:embed="rId6">
+              <a:alphaModFix/>
+            </a:blip>
+            <a:srcRect b="13577" l="0" r="0" t="0"/>
+            <a:stretch/>
+          </p:blipFill>
+          <p:spPr>
+            <a:xfrm>
+              <a:off x="2540112" y="-4825"/>
+              <a:ext cx="1126013" cy="1029575"/>
+            </a:xfrm>
+            <a:prstGeom prst="rect">
+              <a:avLst/>
+            </a:prstGeom>
+            <a:noFill/>
+            <a:ln>
+              <a:noFill/>
+            </a:ln>
+          </p:spPr>
+        </p:pic>
+        <p:pic>
+          <p:nvPicPr>
+            <p:cNvPr id="187" name="Google Shape;187;p20"/>
+            <p:cNvPicPr preferRelativeResize="0"/>
+            <p:nvPr/>
+          </p:nvPicPr>
+          <p:blipFill rotWithShape="1">
+            <a:blip r:embed="rId7">
+              <a:alphaModFix/>
+            </a:blip>
+            <a:srcRect b="9853" l="0" r="0" t="0"/>
+            <a:stretch/>
+          </p:blipFill>
+          <p:spPr>
+            <a:xfrm>
+              <a:off x="6228649" y="-13951"/>
+              <a:ext cx="1126001" cy="1047837"/>
+            </a:xfrm>
+            <a:prstGeom prst="rect">
+              <a:avLst/>
+            </a:prstGeom>
+            <a:noFill/>
+            <a:ln>
+              <a:noFill/>
+            </a:ln>
+          </p:spPr>
+        </p:pic>
+        <p:pic>
+          <p:nvPicPr>
+            <p:cNvPr id="188" name="Google Shape;188;p20"/>
+            <p:cNvPicPr preferRelativeResize="0"/>
+            <p:nvPr/>
+          </p:nvPicPr>
+          <p:blipFill rotWithShape="1">
+            <a:blip r:embed="rId8">
+              <a:alphaModFix/>
+            </a:blip>
+            <a:srcRect b="9682" l="0" r="0" t="0"/>
+            <a:stretch/>
+          </p:blipFill>
+          <p:spPr>
+            <a:xfrm>
+              <a:off x="8055700" y="39600"/>
+              <a:ext cx="1051298" cy="1029575"/>
+            </a:xfrm>
+            <a:prstGeom prst="rect">
+              <a:avLst/>
+            </a:prstGeom>
+            <a:noFill/>
+            <a:ln>
+              <a:noFill/>
+            </a:ln>
+          </p:spPr>
+        </p:pic>
+      </p:grpSp>
+      <p:grpSp>
+        <p:nvGrpSpPr>
+          <p:cNvPr id="189" name="Google Shape;189;p20"/>
+          <p:cNvGrpSpPr/>
+          <p:nvPr/>
+        </p:nvGrpSpPr>
+        <p:grpSpPr>
+          <a:xfrm>
+            <a:off x="0" y="3987208"/>
+            <a:ext cx="9164450" cy="1156292"/>
+            <a:chOff x="0" y="3987208"/>
+            <a:chExt cx="9164450" cy="1156292"/>
+          </a:xfrm>
+        </p:grpSpPr>
+        <p:pic>
+          <p:nvPicPr>
+            <p:cNvPr id="190" name="Google Shape;190;p20"/>
+            <p:cNvPicPr preferRelativeResize="0"/>
+            <p:nvPr/>
+          </p:nvPicPr>
+          <p:blipFill rotWithShape="1">
+            <a:blip r:embed="rId9">
+              <a:alphaModFix/>
+            </a:blip>
+            <a:srcRect b="8138" l="0" r="0" t="0"/>
+            <a:stretch/>
+          </p:blipFill>
+          <p:spPr>
+            <a:xfrm>
+              <a:off x="0" y="4073253"/>
+              <a:ext cx="977025" cy="1070247"/>
+            </a:xfrm>
+            <a:prstGeom prst="rect">
+              <a:avLst/>
+            </a:prstGeom>
+            <a:noFill/>
+            <a:ln>
+              <a:noFill/>
+            </a:ln>
+          </p:spPr>
+        </p:pic>
+        <p:pic>
+          <p:nvPicPr>
+            <p:cNvPr id="191" name="Google Shape;191;p20"/>
+            <p:cNvPicPr preferRelativeResize="0"/>
+            <p:nvPr/>
+          </p:nvPicPr>
+          <p:blipFill rotWithShape="1">
+            <a:blip r:embed="rId10">
+              <a:alphaModFix/>
+            </a:blip>
+            <a:srcRect b="10650" l="0" r="0" t="0"/>
+            <a:stretch/>
+          </p:blipFill>
+          <p:spPr>
+            <a:xfrm>
+              <a:off x="1447800" y="4093067"/>
+              <a:ext cx="916625" cy="1050433"/>
+            </a:xfrm>
+            <a:prstGeom prst="rect">
+              <a:avLst/>
+            </a:prstGeom>
+            <a:noFill/>
+            <a:ln>
+              <a:noFill/>
+            </a:ln>
+          </p:spPr>
+        </p:pic>
+        <p:pic>
+          <p:nvPicPr>
+            <p:cNvPr id="192" name="Google Shape;192;p20"/>
+            <p:cNvPicPr preferRelativeResize="0"/>
+            <p:nvPr/>
+          </p:nvPicPr>
+          <p:blipFill rotWithShape="1">
+            <a:blip r:embed="rId11">
+              <a:alphaModFix/>
+            </a:blip>
+            <a:srcRect b="7510" l="0" r="0" t="0"/>
+            <a:stretch/>
+          </p:blipFill>
+          <p:spPr>
+            <a:xfrm>
+              <a:off x="2895600" y="4073250"/>
+              <a:ext cx="876183" cy="1070250"/>
+            </a:xfrm>
+            <a:prstGeom prst="rect">
+              <a:avLst/>
+            </a:prstGeom>
+            <a:noFill/>
+            <a:ln>
+              <a:noFill/>
+            </a:ln>
+          </p:spPr>
+        </p:pic>
+        <p:pic>
+          <p:nvPicPr>
+            <p:cNvPr id="193" name="Google Shape;193;p20"/>
+            <p:cNvPicPr preferRelativeResize="0"/>
+            <p:nvPr/>
+          </p:nvPicPr>
+          <p:blipFill rotWithShape="1">
+            <a:blip r:embed="rId12">
+              <a:alphaModFix/>
+            </a:blip>
+            <a:srcRect b="9600" l="0" r="0" t="0"/>
+            <a:stretch/>
+          </p:blipFill>
+          <p:spPr>
+            <a:xfrm>
+              <a:off x="4290500" y="4073250"/>
+              <a:ext cx="1310534" cy="1070250"/>
+            </a:xfrm>
+            <a:prstGeom prst="rect">
+              <a:avLst/>
+            </a:prstGeom>
+            <a:noFill/>
+            <a:ln>
+              <a:noFill/>
+            </a:ln>
+          </p:spPr>
+        </p:pic>
+        <p:pic>
+          <p:nvPicPr>
+            <p:cNvPr id="194" name="Google Shape;194;p20"/>
+            <p:cNvPicPr preferRelativeResize="0"/>
+            <p:nvPr/>
+          </p:nvPicPr>
+          <p:blipFill rotWithShape="1">
+            <a:blip r:embed="rId13">
+              <a:alphaModFix/>
+            </a:blip>
+            <a:srcRect b="9990" l="0" r="0" t="0"/>
+            <a:stretch/>
+          </p:blipFill>
+          <p:spPr>
+            <a:xfrm>
+              <a:off x="6012600" y="4073250"/>
+              <a:ext cx="1723450" cy="1070250"/>
+            </a:xfrm>
+            <a:prstGeom prst="rect">
+              <a:avLst/>
+            </a:prstGeom>
+            <a:noFill/>
+            <a:ln>
+              <a:noFill/>
+            </a:ln>
+          </p:spPr>
+        </p:pic>
+        <p:pic>
+          <p:nvPicPr>
+            <p:cNvPr id="195" name="Google Shape;195;p20"/>
+            <p:cNvPicPr preferRelativeResize="0"/>
+            <p:nvPr/>
+          </p:nvPicPr>
+          <p:blipFill rotWithShape="1">
+            <a:blip r:embed="rId14">
+              <a:alphaModFix/>
+            </a:blip>
+            <a:srcRect b="8575" l="0" r="0" t="0"/>
+            <a:stretch/>
+          </p:blipFill>
+          <p:spPr>
+            <a:xfrm>
+              <a:off x="8038450" y="3987208"/>
+              <a:ext cx="1126000" cy="1156292"/>
+            </a:xfrm>
+            <a:prstGeom prst="rect">
+              <a:avLst/>
+            </a:prstGeom>
+            <a:noFill/>
+            <a:ln>
+              <a:noFill/>
+            </a:ln>
+          </p:spPr>
+        </p:pic>
+      </p:grpSp>
     </p:spTree>
   </p:cSld>
   <p:clrMapOvr>
@@ -10219,7 +13806,7 @@
     </p:bg>
     <p:spTree>
       <p:nvGrpSpPr>
-        <p:cNvPr id="184" name="Shape 184"/>
+        <p:cNvPr id="199" name="Shape 199"/>
         <p:cNvGrpSpPr/>
         <p:nvPr/>
       </p:nvGrpSpPr>
@@ -10233,7 +13820,7 @@
       </p:grpSpPr>
       <p:sp>
         <p:nvSpPr>
-          <p:cNvPr id="185" name="Google Shape;185;p21"/>
+          <p:cNvPr id="200" name="Google Shape;200;p21"/>
           <p:cNvSpPr txBox="1"/>
           <p:nvPr>
             <p:ph type="title"/>
@@ -10241,7 +13828,7 @@
         </p:nvSpPr>
         <p:spPr>
           <a:xfrm>
-            <a:off x="311700" y="445025"/>
+            <a:off x="311700" y="1131600"/>
             <a:ext cx="8520600" cy="572700"/>
           </a:xfrm>
           <a:prstGeom prst="rect">
@@ -10264,15 +13851,32 @@
               <a:buNone/>
             </a:pPr>
             <a:r>
-              <a:t/>
+              <a:rPr b="1" lang="en">
+                <a:solidFill>
+                  <a:schemeClr val="lt1"/>
+                </a:solidFill>
+                <a:latin typeface="Times New Roman"/>
+                <a:ea typeface="Times New Roman"/>
+                <a:cs typeface="Times New Roman"/>
+                <a:sym typeface="Times New Roman"/>
+              </a:rPr>
+              <a:t>Database - Interfacing</a:t>
             </a:r>
-            <a:endParaRPr/>
+            <a:endParaRPr b="1">
+              <a:solidFill>
+                <a:schemeClr val="lt1"/>
+              </a:solidFill>
+              <a:latin typeface="Times New Roman"/>
+              <a:ea typeface="Times New Roman"/>
+              <a:cs typeface="Times New Roman"/>
+              <a:sym typeface="Times New Roman"/>
+            </a:endParaRPr>
           </a:p>
         </p:txBody>
       </p:sp>
       <p:sp>
         <p:nvSpPr>
-          <p:cNvPr id="186" name="Google Shape;186;p21"/>
+          <p:cNvPr id="201" name="Google Shape;201;p21"/>
           <p:cNvSpPr txBox="1"/>
           <p:nvPr>
             <p:ph idx="1" type="body"/>
@@ -10280,7 +13884,7 @@
         </p:nvSpPr>
         <p:spPr>
           <a:xfrm>
-            <a:off x="311700" y="1152475"/>
+            <a:off x="311700" y="1922750"/>
             <a:ext cx="8520600" cy="3416400"/>
           </a:xfrm>
           <a:prstGeom prst="rect">
@@ -10293,22 +13897,459 @@
           </a:bodyPr>
           <a:lstStyle/>
           <a:p>
-            <a:pPr indent="0" lvl="0" marL="0" rtl="0" algn="l">
-              <a:spcBef>
-                <a:spcPts val="0"/>
-              </a:spcBef>
-              <a:spcAft>
-                <a:spcPts val="1200"/>
-              </a:spcAft>
-              <a:buNone/>
+            <a:pPr indent="-342900" lvl="0" marL="457200" rtl="0" algn="l">
+              <a:spcBef>
+                <a:spcPts val="0"/>
+              </a:spcBef>
+              <a:spcAft>
+                <a:spcPts val="0"/>
+              </a:spcAft>
+              <a:buClr>
+                <a:schemeClr val="lt1"/>
+              </a:buClr>
+              <a:buSzPts val="1800"/>
+              <a:buFont typeface="Times New Roman"/>
+              <a:buChar char="●"/>
             </a:pPr>
             <a:r>
-              <a:t/>
+              <a:rPr lang="en">
+                <a:solidFill>
+                  <a:schemeClr val="lt1"/>
+                </a:solidFill>
+                <a:latin typeface="Times New Roman"/>
+                <a:ea typeface="Times New Roman"/>
+                <a:cs typeface="Times New Roman"/>
+                <a:sym typeface="Times New Roman"/>
+              </a:rPr>
+              <a:t>The </a:t>
             </a:r>
-            <a:endParaRPr/>
+            <a:r>
+              <a:rPr lang="en">
+                <a:solidFill>
+                  <a:schemeClr val="lt1"/>
+                </a:solidFill>
+                <a:latin typeface="Times New Roman"/>
+                <a:ea typeface="Times New Roman"/>
+                <a:cs typeface="Times New Roman"/>
+                <a:sym typeface="Times New Roman"/>
+              </a:rPr>
+              <a:t>web scraping</a:t>
+            </a:r>
+            <a:r>
+              <a:rPr lang="en">
+                <a:solidFill>
+                  <a:schemeClr val="lt1"/>
+                </a:solidFill>
+                <a:latin typeface="Times New Roman"/>
+                <a:ea typeface="Times New Roman"/>
+                <a:cs typeface="Times New Roman"/>
+                <a:sym typeface="Times New Roman"/>
+              </a:rPr>
+              <a:t> file includes a connection string that imports the data directly to PostgreSQL, and, by proxy, to AWS</a:t>
+            </a:r>
+            <a:endParaRPr>
+              <a:solidFill>
+                <a:schemeClr val="lt1"/>
+              </a:solidFill>
+              <a:latin typeface="Times New Roman"/>
+              <a:ea typeface="Times New Roman"/>
+              <a:cs typeface="Times New Roman"/>
+              <a:sym typeface="Times New Roman"/>
+            </a:endParaRPr>
+          </a:p>
+          <a:p>
+            <a:pPr indent="-342900" lvl="0" marL="457200" rtl="0" algn="l">
+              <a:spcBef>
+                <a:spcPts val="0"/>
+              </a:spcBef>
+              <a:spcAft>
+                <a:spcPts val="0"/>
+              </a:spcAft>
+              <a:buClr>
+                <a:schemeClr val="lt1"/>
+              </a:buClr>
+              <a:buSzPts val="1800"/>
+              <a:buFont typeface="Times New Roman"/>
+              <a:buChar char="●"/>
+            </a:pPr>
+            <a:r>
+              <a:rPr lang="en">
+                <a:solidFill>
+                  <a:schemeClr val="lt1"/>
+                </a:solidFill>
+                <a:latin typeface="Times New Roman"/>
+                <a:ea typeface="Times New Roman"/>
+                <a:cs typeface="Times New Roman"/>
+                <a:sym typeface="Times New Roman"/>
+              </a:rPr>
+              <a:t>The machine learning model also includes a connection string that imports data directly from PostgreSQL.</a:t>
+            </a:r>
+            <a:endParaRPr>
+              <a:solidFill>
+                <a:schemeClr val="lt1"/>
+              </a:solidFill>
+              <a:latin typeface="Times New Roman"/>
+              <a:ea typeface="Times New Roman"/>
+              <a:cs typeface="Times New Roman"/>
+              <a:sym typeface="Times New Roman"/>
+            </a:endParaRPr>
           </a:p>
         </p:txBody>
       </p:sp>
+      <p:grpSp>
+        <p:nvGrpSpPr>
+          <p:cNvPr id="202" name="Google Shape;202;p21"/>
+          <p:cNvGrpSpPr/>
+          <p:nvPr/>
+        </p:nvGrpSpPr>
+        <p:grpSpPr>
+          <a:xfrm>
+            <a:off x="18500" y="47675"/>
+            <a:ext cx="9106999" cy="1083925"/>
+            <a:chOff x="0" y="-14750"/>
+            <a:chExt cx="9106999" cy="1083925"/>
+          </a:xfrm>
+        </p:grpSpPr>
+        <p:pic>
+          <p:nvPicPr>
+            <p:cNvPr id="203" name="Google Shape;203;p21"/>
+            <p:cNvPicPr preferRelativeResize="0"/>
+            <p:nvPr/>
+          </p:nvPicPr>
+          <p:blipFill rotWithShape="1">
+            <a:blip r:embed="rId3">
+              <a:alphaModFix/>
+            </a:blip>
+            <a:srcRect b="9755" l="0" r="0" t="0"/>
+            <a:stretch/>
+          </p:blipFill>
+          <p:spPr>
+            <a:xfrm>
+              <a:off x="0" y="-14750"/>
+              <a:ext cx="1022125" cy="1029574"/>
+            </a:xfrm>
+            <a:prstGeom prst="rect">
+              <a:avLst/>
+            </a:prstGeom>
+            <a:noFill/>
+            <a:ln>
+              <a:noFill/>
+            </a:ln>
+          </p:spPr>
+        </p:pic>
+        <p:pic>
+          <p:nvPicPr>
+            <p:cNvPr id="204" name="Google Shape;204;p21"/>
+            <p:cNvPicPr preferRelativeResize="0"/>
+            <p:nvPr/>
+          </p:nvPicPr>
+          <p:blipFill rotWithShape="1">
+            <a:blip r:embed="rId4">
+              <a:alphaModFix/>
+            </a:blip>
+            <a:srcRect b="8700" l="0" r="0" t="0"/>
+            <a:stretch/>
+          </p:blipFill>
+          <p:spPr>
+            <a:xfrm>
+              <a:off x="1471076" y="-14750"/>
+              <a:ext cx="673249" cy="1029575"/>
+            </a:xfrm>
+            <a:prstGeom prst="rect">
+              <a:avLst/>
+            </a:prstGeom>
+            <a:noFill/>
+            <a:ln>
+              <a:noFill/>
+            </a:ln>
+          </p:spPr>
+        </p:pic>
+        <p:pic>
+          <p:nvPicPr>
+            <p:cNvPr id="205" name="Google Shape;205;p21"/>
+            <p:cNvPicPr preferRelativeResize="0"/>
+            <p:nvPr/>
+          </p:nvPicPr>
+          <p:blipFill rotWithShape="1">
+            <a:blip r:embed="rId5">
+              <a:alphaModFix/>
+            </a:blip>
+            <a:srcRect b="9041" l="0" r="0" t="0"/>
+            <a:stretch/>
+          </p:blipFill>
+          <p:spPr>
+            <a:xfrm>
+              <a:off x="4061899" y="-4825"/>
+              <a:ext cx="1493392" cy="1029575"/>
+            </a:xfrm>
+            <a:prstGeom prst="rect">
+              <a:avLst/>
+            </a:prstGeom>
+            <a:noFill/>
+            <a:ln>
+              <a:noFill/>
+            </a:ln>
+          </p:spPr>
+        </p:pic>
+        <p:pic>
+          <p:nvPicPr>
+            <p:cNvPr id="206" name="Google Shape;206;p21"/>
+            <p:cNvPicPr preferRelativeResize="0"/>
+            <p:nvPr/>
+          </p:nvPicPr>
+          <p:blipFill rotWithShape="1">
+            <a:blip r:embed="rId6">
+              <a:alphaModFix/>
+            </a:blip>
+            <a:srcRect b="13577" l="0" r="0" t="0"/>
+            <a:stretch/>
+          </p:blipFill>
+          <p:spPr>
+            <a:xfrm>
+              <a:off x="2540112" y="-4825"/>
+              <a:ext cx="1126013" cy="1029575"/>
+            </a:xfrm>
+            <a:prstGeom prst="rect">
+              <a:avLst/>
+            </a:prstGeom>
+            <a:noFill/>
+            <a:ln>
+              <a:noFill/>
+            </a:ln>
+          </p:spPr>
+        </p:pic>
+        <p:pic>
+          <p:nvPicPr>
+            <p:cNvPr id="207" name="Google Shape;207;p21"/>
+            <p:cNvPicPr preferRelativeResize="0"/>
+            <p:nvPr/>
+          </p:nvPicPr>
+          <p:blipFill rotWithShape="1">
+            <a:blip r:embed="rId7">
+              <a:alphaModFix/>
+            </a:blip>
+            <a:srcRect b="9853" l="0" r="0" t="0"/>
+            <a:stretch/>
+          </p:blipFill>
+          <p:spPr>
+            <a:xfrm>
+              <a:off x="6228649" y="-13951"/>
+              <a:ext cx="1126001" cy="1047837"/>
+            </a:xfrm>
+            <a:prstGeom prst="rect">
+              <a:avLst/>
+            </a:prstGeom>
+            <a:noFill/>
+            <a:ln>
+              <a:noFill/>
+            </a:ln>
+          </p:spPr>
+        </p:pic>
+        <p:pic>
+          <p:nvPicPr>
+            <p:cNvPr id="208" name="Google Shape;208;p21"/>
+            <p:cNvPicPr preferRelativeResize="0"/>
+            <p:nvPr/>
+          </p:nvPicPr>
+          <p:blipFill rotWithShape="1">
+            <a:blip r:embed="rId8">
+              <a:alphaModFix/>
+            </a:blip>
+            <a:srcRect b="9682" l="0" r="0" t="0"/>
+            <a:stretch/>
+          </p:blipFill>
+          <p:spPr>
+            <a:xfrm>
+              <a:off x="8055700" y="39600"/>
+              <a:ext cx="1051298" cy="1029575"/>
+            </a:xfrm>
+            <a:prstGeom prst="rect">
+              <a:avLst/>
+            </a:prstGeom>
+            <a:noFill/>
+            <a:ln>
+              <a:noFill/>
+            </a:ln>
+          </p:spPr>
+        </p:pic>
+      </p:grpSp>
+      <p:grpSp>
+        <p:nvGrpSpPr>
+          <p:cNvPr id="209" name="Google Shape;209;p21"/>
+          <p:cNvGrpSpPr/>
+          <p:nvPr/>
+        </p:nvGrpSpPr>
+        <p:grpSpPr>
+          <a:xfrm>
+            <a:off x="0" y="3987208"/>
+            <a:ext cx="9164450" cy="1156292"/>
+            <a:chOff x="0" y="3987208"/>
+            <a:chExt cx="9164450" cy="1156292"/>
+          </a:xfrm>
+        </p:grpSpPr>
+        <p:pic>
+          <p:nvPicPr>
+            <p:cNvPr id="210" name="Google Shape;210;p21"/>
+            <p:cNvPicPr preferRelativeResize="0"/>
+            <p:nvPr/>
+          </p:nvPicPr>
+          <p:blipFill rotWithShape="1">
+            <a:blip r:embed="rId9">
+              <a:alphaModFix/>
+            </a:blip>
+            <a:srcRect b="8138" l="0" r="0" t="0"/>
+            <a:stretch/>
+          </p:blipFill>
+          <p:spPr>
+            <a:xfrm>
+              <a:off x="0" y="4073253"/>
+              <a:ext cx="977025" cy="1070247"/>
+            </a:xfrm>
+            <a:prstGeom prst="rect">
+              <a:avLst/>
+            </a:prstGeom>
+            <a:noFill/>
+            <a:ln>
+              <a:noFill/>
+            </a:ln>
+          </p:spPr>
+        </p:pic>
+        <p:pic>
+          <p:nvPicPr>
+            <p:cNvPr id="211" name="Google Shape;211;p21"/>
+            <p:cNvPicPr preferRelativeResize="0"/>
+            <p:nvPr/>
+          </p:nvPicPr>
+          <p:blipFill rotWithShape="1">
+            <a:blip r:embed="rId10">
+              <a:alphaModFix/>
+            </a:blip>
+            <a:srcRect b="10650" l="0" r="0" t="0"/>
+            <a:stretch/>
+          </p:blipFill>
+          <p:spPr>
+            <a:xfrm>
+              <a:off x="1447800" y="4093067"/>
+              <a:ext cx="916625" cy="1050433"/>
+            </a:xfrm>
+            <a:prstGeom prst="rect">
+              <a:avLst/>
+            </a:prstGeom>
+            <a:noFill/>
+            <a:ln>
+              <a:noFill/>
+            </a:ln>
+          </p:spPr>
+        </p:pic>
+        <p:pic>
+          <p:nvPicPr>
+            <p:cNvPr id="212" name="Google Shape;212;p21"/>
+            <p:cNvPicPr preferRelativeResize="0"/>
+            <p:nvPr/>
+          </p:nvPicPr>
+          <p:blipFill rotWithShape="1">
+            <a:blip r:embed="rId11">
+              <a:alphaModFix/>
+            </a:blip>
+            <a:srcRect b="7510" l="0" r="0" t="0"/>
+            <a:stretch/>
+          </p:blipFill>
+          <p:spPr>
+            <a:xfrm>
+              <a:off x="2895600" y="4073250"/>
+              <a:ext cx="876183" cy="1070250"/>
+            </a:xfrm>
+            <a:prstGeom prst="rect">
+              <a:avLst/>
+            </a:prstGeom>
+            <a:noFill/>
+            <a:ln>
+              <a:noFill/>
+            </a:ln>
+          </p:spPr>
+        </p:pic>
+        <p:pic>
+          <p:nvPicPr>
+            <p:cNvPr id="213" name="Google Shape;213;p21"/>
+            <p:cNvPicPr preferRelativeResize="0"/>
+            <p:nvPr/>
+          </p:nvPicPr>
+          <p:blipFill rotWithShape="1">
+            <a:blip r:embed="rId12">
+              <a:alphaModFix/>
+            </a:blip>
+            <a:srcRect b="9600" l="0" r="0" t="0"/>
+            <a:stretch/>
+          </p:blipFill>
+          <p:spPr>
+            <a:xfrm>
+              <a:off x="4290500" y="4073250"/>
+              <a:ext cx="1310534" cy="1070250"/>
+            </a:xfrm>
+            <a:prstGeom prst="rect">
+              <a:avLst/>
+            </a:prstGeom>
+            <a:noFill/>
+            <a:ln>
+              <a:noFill/>
+            </a:ln>
+          </p:spPr>
+        </p:pic>
+        <p:pic>
+          <p:nvPicPr>
+            <p:cNvPr id="214" name="Google Shape;214;p21"/>
+            <p:cNvPicPr preferRelativeResize="0"/>
+            <p:nvPr/>
+          </p:nvPicPr>
+          <p:blipFill rotWithShape="1">
+            <a:blip r:embed="rId13">
+              <a:alphaModFix/>
+            </a:blip>
+            <a:srcRect b="9990" l="0" r="0" t="0"/>
+            <a:stretch/>
+          </p:blipFill>
+          <p:spPr>
+            <a:xfrm>
+              <a:off x="6012600" y="4073250"/>
+              <a:ext cx="1723450" cy="1070250"/>
+            </a:xfrm>
+            <a:prstGeom prst="rect">
+              <a:avLst/>
+            </a:prstGeom>
+            <a:noFill/>
+            <a:ln>
+              <a:noFill/>
+            </a:ln>
+          </p:spPr>
+        </p:pic>
+        <p:pic>
+          <p:nvPicPr>
+            <p:cNvPr id="215" name="Google Shape;215;p21"/>
+            <p:cNvPicPr preferRelativeResize="0"/>
+            <p:nvPr/>
+          </p:nvPicPr>
+          <p:blipFill rotWithShape="1">
+            <a:blip r:embed="rId14">
+              <a:alphaModFix/>
+            </a:blip>
+            <a:srcRect b="8575" l="0" r="0" t="0"/>
+            <a:stretch/>
+          </p:blipFill>
+          <p:spPr>
+            <a:xfrm>
+              <a:off x="8038450" y="3987208"/>
+              <a:ext cx="1126000" cy="1156292"/>
+            </a:xfrm>
+            <a:prstGeom prst="rect">
+              <a:avLst/>
+            </a:prstGeom>
+            <a:noFill/>
+            <a:ln>
+              <a:noFill/>
+            </a:ln>
+          </p:spPr>
+        </p:pic>
+      </p:grpSp>
     </p:spTree>
   </p:cSld>
   <p:clrMapOvr>
@@ -10318,6 +14359,285 @@
 </file>
 
 <file path=ppt/theme/theme1.xml><?xml version="1.0" encoding="utf-8"?>
+<a:theme xmlns:a="http://schemas.openxmlformats.org/drawingml/2006/main" xmlns:r="http://schemas.openxmlformats.org/officeDocument/2006/relationships" name="Simple Dark">
+  <a:themeElements>
+    <a:clrScheme name="Simple Dark">
+      <a:dk1>
+        <a:srgbClr val="FFFFFF"/>
+      </a:dk1>
+      <a:lt1>
+        <a:srgbClr val="212121"/>
+      </a:lt1>
+      <a:dk2>
+        <a:srgbClr val="303030"/>
+      </a:dk2>
+      <a:lt2>
+        <a:srgbClr val="ADADAD"/>
+      </a:lt2>
+      <a:accent1>
+        <a:srgbClr val="009688"/>
+      </a:accent1>
+      <a:accent2>
+        <a:srgbClr val="EEEEEE"/>
+      </a:accent2>
+      <a:accent3>
+        <a:srgbClr val="78909C"/>
+      </a:accent3>
+      <a:accent4>
+        <a:srgbClr val="FFAB40"/>
+      </a:accent4>
+      <a:accent5>
+        <a:srgbClr val="4DD0E1"/>
+      </a:accent5>
+      <a:accent6>
+        <a:srgbClr val="EEFF41"/>
+      </a:accent6>
+      <a:hlink>
+        <a:srgbClr val="4DD0E1"/>
+      </a:hlink>
+      <a:folHlink>
+        <a:srgbClr val="4DD0E1"/>
+      </a:folHlink>
+    </a:clrScheme>
+    <a:fontScheme name="Office">
+      <a:majorFont>
+        <a:latin typeface="Arial"/>
+        <a:ea typeface=""/>
+        <a:cs typeface=""/>
+        <a:font script="Jpan" typeface="ＭＳ Ｐゴシック"/>
+        <a:font script="Hang" typeface="맑은 고딕"/>
+        <a:font script="Hans" typeface="宋体"/>
+        <a:font script="Hant" typeface="新細明體"/>
+        <a:font script="Arab" typeface="Times New Roman"/>
+        <a:font script="Hebr" typeface="Times New Roman"/>
+        <a:font script="Thai" typeface="Angsana New"/>
+        <a:font script="Ethi" typeface="Nyala"/>
+        <a:font script="Beng" typeface="Vrinda"/>
+        <a:font script="Gujr" typeface="Shruti"/>
+        <a:font script="Khmr" typeface="MoolBoran"/>
+        <a:font script="Knda" typeface="Tunga"/>
+        <a:font script="Guru" typeface="Raavi"/>
+        <a:font script="Cans" typeface="Euphemia"/>
+        <a:font script="Cher" typeface="Plantagenet Cherokee"/>
+        <a:font script="Yiii" typeface="Microsoft Yi Baiti"/>
+        <a:font script="Tibt" typeface="Microsoft Himalaya"/>
+        <a:font script="Thaa" typeface="MV Boli"/>
+        <a:font script="Deva" typeface="Mangal"/>
+        <a:font script="Telu" typeface="Gautami"/>
+        <a:font script="Taml" typeface="Latha"/>
+        <a:font script="Syrc" typeface="Estrangelo Edessa"/>
+        <a:font script="Orya" typeface="Kalinga"/>
+        <a:font script="Mlym" typeface="Kartika"/>
+        <a:font script="Laoo" typeface="DokChampa"/>
+        <a:font script="Sinh" typeface="Iskoola Pota"/>
+        <a:font script="Mong" typeface="Mongolian Baiti"/>
+        <a:font script="Viet" typeface="Times New Roman"/>
+        <a:font script="Uigh" typeface="Microsoft Uighur"/>
+        <a:font script="Geor" typeface="Sylfaen"/>
+      </a:majorFont>
+      <a:minorFont>
+        <a:latin typeface="Arial"/>
+        <a:ea typeface=""/>
+        <a:cs typeface=""/>
+        <a:font script="Jpan" typeface="ＭＳ Ｐゴシック"/>
+        <a:font script="Hang" typeface="맑은 고딕"/>
+        <a:font script="Hans" typeface="宋体"/>
+        <a:font script="Hant" typeface="新細明體"/>
+        <a:font script="Arab" typeface="Arial"/>
+        <a:font script="Hebr" typeface="Arial"/>
+        <a:font script="Thai" typeface="Cordia New"/>
+        <a:font script="Ethi" typeface="Nyala"/>
+        <a:font script="Beng" typeface="Vrinda"/>
+        <a:font script="Gujr" typeface="Shruti"/>
+        <a:font script="Khmr" typeface="DaunPenh"/>
+        <a:font script="Knda" typeface="Tunga"/>
+        <a:font script="Guru" typeface="Raavi"/>
+        <a:font script="Cans" typeface="Euphemia"/>
+        <a:font script="Cher" typeface="Plantagenet Cherokee"/>
+        <a:font script="Yiii" typeface="Microsoft Yi Baiti"/>
+        <a:font script="Tibt" typeface="Microsoft Himalaya"/>
+        <a:font script="Thaa" typeface="MV Boli"/>
+        <a:font script="Deva" typeface="Mangal"/>
+        <a:font script="Telu" typeface="Gautami"/>
+        <a:font script="Taml" typeface="Latha"/>
+        <a:font script="Syrc" typeface="Estrangelo Edessa"/>
+        <a:font script="Orya" typeface="Kalinga"/>
+        <a:font script="Mlym" typeface="Kartika"/>
+        <a:font script="Laoo" typeface="DokChampa"/>
+        <a:font script="Sinh" typeface="Iskoola Pota"/>
+        <a:font script="Mong" typeface="Mongolian Baiti"/>
+        <a:font script="Viet" typeface="Arial"/>
+        <a:font script="Uigh" typeface="Microsoft Uighur"/>
+        <a:font script="Geor" typeface="Sylfaen"/>
+      </a:minorFont>
+    </a:fontScheme>
+    <a:fmtScheme name="Office">
+      <a:fillStyleLst>
+        <a:solidFill>
+          <a:schemeClr val="phClr"/>
+        </a:solidFill>
+        <a:gradFill rotWithShape="1">
+          <a:gsLst>
+            <a:gs pos="0">
+              <a:schemeClr val="phClr">
+                <a:tint val="50000"/>
+                <a:satMod val="300000"/>
+              </a:schemeClr>
+            </a:gs>
+            <a:gs pos="35000">
+              <a:schemeClr val="phClr">
+                <a:tint val="37000"/>
+                <a:satMod val="300000"/>
+              </a:schemeClr>
+            </a:gs>
+            <a:gs pos="100000">
+              <a:schemeClr val="phClr">
+                <a:tint val="15000"/>
+                <a:satMod val="350000"/>
+              </a:schemeClr>
+            </a:gs>
+          </a:gsLst>
+          <a:lin ang="16200000" scaled="1"/>
+        </a:gradFill>
+        <a:gradFill rotWithShape="1">
+          <a:gsLst>
+            <a:gs pos="0">
+              <a:schemeClr val="phClr">
+                <a:tint val="100000"/>
+                <a:shade val="100000"/>
+                <a:satMod val="130000"/>
+              </a:schemeClr>
+            </a:gs>
+            <a:gs pos="100000">
+              <a:schemeClr val="phClr">
+                <a:tint val="50000"/>
+                <a:shade val="100000"/>
+                <a:satMod val="350000"/>
+              </a:schemeClr>
+            </a:gs>
+          </a:gsLst>
+          <a:lin ang="16200000" scaled="0"/>
+        </a:gradFill>
+      </a:fillStyleLst>
+      <a:lnStyleLst>
+        <a:ln w="9525" cap="flat" cmpd="sng" algn="ctr">
+          <a:solidFill>
+            <a:schemeClr val="phClr">
+              <a:shade val="95000"/>
+              <a:satMod val="105000"/>
+            </a:schemeClr>
+          </a:solidFill>
+          <a:prstDash val="solid"/>
+        </a:ln>
+        <a:ln w="25400" cap="flat" cmpd="sng" algn="ctr">
+          <a:solidFill>
+            <a:schemeClr val="phClr"/>
+          </a:solidFill>
+          <a:prstDash val="solid"/>
+        </a:ln>
+        <a:ln w="38100" cap="flat" cmpd="sng" algn="ctr">
+          <a:solidFill>
+            <a:schemeClr val="phClr"/>
+          </a:solidFill>
+          <a:prstDash val="solid"/>
+        </a:ln>
+      </a:lnStyleLst>
+      <a:effectStyleLst>
+        <a:effectStyle>
+          <a:effectLst>
+            <a:outerShdw blurRad="40000" dist="20000" dir="5400000" rotWithShape="0">
+              <a:srgbClr val="000000">
+                <a:alpha val="38000"/>
+              </a:srgbClr>
+            </a:outerShdw>
+          </a:effectLst>
+        </a:effectStyle>
+        <a:effectStyle>
+          <a:effectLst>
+            <a:outerShdw blurRad="40000" dist="23000" dir="5400000" rotWithShape="0">
+              <a:srgbClr val="000000">
+                <a:alpha val="35000"/>
+              </a:srgbClr>
+            </a:outerShdw>
+          </a:effectLst>
+        </a:effectStyle>
+        <a:effectStyle>
+          <a:effectLst>
+            <a:outerShdw blurRad="40000" dist="23000" dir="5400000" rotWithShape="0">
+              <a:srgbClr val="000000">
+                <a:alpha val="35000"/>
+              </a:srgbClr>
+            </a:outerShdw>
+          </a:effectLst>
+          <a:scene3d>
+            <a:camera prst="orthographicFront">
+              <a:rot lat="0" lon="0" rev="0"/>
+            </a:camera>
+            <a:lightRig rig="threePt" dir="t">
+              <a:rot lat="0" lon="0" rev="1200000"/>
+            </a:lightRig>
+          </a:scene3d>
+          <a:sp3d>
+            <a:bevelT w="63500" h="25400"/>
+          </a:sp3d>
+        </a:effectStyle>
+      </a:effectStyleLst>
+      <a:bgFillStyleLst>
+        <a:solidFill>
+          <a:schemeClr val="phClr"/>
+        </a:solidFill>
+        <a:gradFill rotWithShape="1">
+          <a:gsLst>
+            <a:gs pos="0">
+              <a:schemeClr val="phClr">
+                <a:tint val="40000"/>
+                <a:satMod val="350000"/>
+              </a:schemeClr>
+            </a:gs>
+            <a:gs pos="40000">
+              <a:schemeClr val="phClr">
+                <a:tint val="45000"/>
+                <a:shade val="99000"/>
+                <a:satMod val="350000"/>
+              </a:schemeClr>
+            </a:gs>
+            <a:gs pos="100000">
+              <a:schemeClr val="phClr">
+                <a:shade val="20000"/>
+                <a:satMod val="255000"/>
+              </a:schemeClr>
+            </a:gs>
+          </a:gsLst>
+          <a:path path="circle">
+            <a:fillToRect l="50000" t="-80000" r="50000" b="180000"/>
+          </a:path>
+        </a:gradFill>
+        <a:gradFill rotWithShape="1">
+          <a:gsLst>
+            <a:gs pos="0">
+              <a:schemeClr val="phClr">
+                <a:tint val="80000"/>
+                <a:satMod val="300000"/>
+              </a:schemeClr>
+            </a:gs>
+            <a:gs pos="100000">
+              <a:schemeClr val="phClr">
+                <a:shade val="30000"/>
+                <a:satMod val="200000"/>
+              </a:schemeClr>
+            </a:gs>
+          </a:gsLst>
+          <a:path path="circle">
+            <a:fillToRect l="50000" t="50000" r="50000" b="50000"/>
+          </a:path>
+        </a:gradFill>
+      </a:bgFillStyleLst>
+    </a:fmtScheme>
+  </a:themeElements>
+</a:theme>
+</file>
+
+<file path=ppt/theme/theme2.xml><?xml version="1.0" encoding="utf-8"?>
 <a:theme xmlns:a="http://schemas.openxmlformats.org/drawingml/2006/main" xmlns:r="http://schemas.openxmlformats.org/officeDocument/2006/relationships">
   <a:themeElements>
     <a:clrScheme name="Default">
@@ -10594,283 +14914,4 @@
     </a:fmtScheme>
   </a:themeElements>
 </a:theme>
-</file>
-
-<file path=ppt/theme/theme2.xml><?xml version="1.0" encoding="utf-8"?>
-<a:theme xmlns:a="http://schemas.openxmlformats.org/drawingml/2006/main" xmlns:r="http://schemas.openxmlformats.org/officeDocument/2006/relationships" name="Simple Dark">
-  <a:themeElements>
-    <a:clrScheme name="Simple Dark">
-      <a:dk1>
-        <a:srgbClr val="FFFFFF"/>
-      </a:dk1>
-      <a:lt1>
-        <a:srgbClr val="212121"/>
-      </a:lt1>
-      <a:dk2>
-        <a:srgbClr val="303030"/>
-      </a:dk2>
-      <a:lt2>
-        <a:srgbClr val="ADADAD"/>
-      </a:lt2>
-      <a:accent1>
-        <a:srgbClr val="009688"/>
-      </a:accent1>
-      <a:accent2>
-        <a:srgbClr val="EEEEEE"/>
-      </a:accent2>
-      <a:accent3>
-        <a:srgbClr val="78909C"/>
-      </a:accent3>
-      <a:accent4>
-        <a:srgbClr val="FFAB40"/>
-      </a:accent4>
-      <a:accent5>
-        <a:srgbClr val="4DD0E1"/>
-      </a:accent5>
-      <a:accent6>
-        <a:srgbClr val="EEFF41"/>
-      </a:accent6>
-      <a:hlink>
-        <a:srgbClr val="4DD0E1"/>
-      </a:hlink>
-      <a:folHlink>
-        <a:srgbClr val="4DD0E1"/>
-      </a:folHlink>
-    </a:clrScheme>
-    <a:fontScheme name="Office">
-      <a:majorFont>
-        <a:latin typeface="Arial"/>
-        <a:ea typeface=""/>
-        <a:cs typeface=""/>
-        <a:font script="Jpan" typeface="ＭＳ Ｐゴシック"/>
-        <a:font script="Hang" typeface="맑은 고딕"/>
-        <a:font script="Hans" typeface="宋体"/>
-        <a:font script="Hant" typeface="新細明體"/>
-        <a:font script="Arab" typeface="Times New Roman"/>
-        <a:font script="Hebr" typeface="Times New Roman"/>
-        <a:font script="Thai" typeface="Angsana New"/>
-        <a:font script="Ethi" typeface="Nyala"/>
-        <a:font script="Beng" typeface="Vrinda"/>
-        <a:font script="Gujr" typeface="Shruti"/>
-        <a:font script="Khmr" typeface="MoolBoran"/>
-        <a:font script="Knda" typeface="Tunga"/>
-        <a:font script="Guru" typeface="Raavi"/>
-        <a:font script="Cans" typeface="Euphemia"/>
-        <a:font script="Cher" typeface="Plantagenet Cherokee"/>
-        <a:font script="Yiii" typeface="Microsoft Yi Baiti"/>
-        <a:font script="Tibt" typeface="Microsoft Himalaya"/>
-        <a:font script="Thaa" typeface="MV Boli"/>
-        <a:font script="Deva" typeface="Mangal"/>
-        <a:font script="Telu" typeface="Gautami"/>
-        <a:font script="Taml" typeface="Latha"/>
-        <a:font script="Syrc" typeface="Estrangelo Edessa"/>
-        <a:font script="Orya" typeface="Kalinga"/>
-        <a:font script="Mlym" typeface="Kartika"/>
-        <a:font script="Laoo" typeface="DokChampa"/>
-        <a:font script="Sinh" typeface="Iskoola Pota"/>
-        <a:font script="Mong" typeface="Mongolian Baiti"/>
-        <a:font script="Viet" typeface="Times New Roman"/>
-        <a:font script="Uigh" typeface="Microsoft Uighur"/>
-        <a:font script="Geor" typeface="Sylfaen"/>
-      </a:majorFont>
-      <a:minorFont>
-        <a:latin typeface="Arial"/>
-        <a:ea typeface=""/>
-        <a:cs typeface=""/>
-        <a:font script="Jpan" typeface="ＭＳ Ｐゴシック"/>
-        <a:font script="Hang" typeface="맑은 고딕"/>
-        <a:font script="Hans" typeface="宋体"/>
-        <a:font script="Hant" typeface="新細明體"/>
-        <a:font script="Arab" typeface="Arial"/>
-        <a:font script="Hebr" typeface="Arial"/>
-        <a:font script="Thai" typeface="Cordia New"/>
-        <a:font script="Ethi" typeface="Nyala"/>
-        <a:font script="Beng" typeface="Vrinda"/>
-        <a:font script="Gujr" typeface="Shruti"/>
-        <a:font script="Khmr" typeface="DaunPenh"/>
-        <a:font script="Knda" typeface="Tunga"/>
-        <a:font script="Guru" typeface="Raavi"/>
-        <a:font script="Cans" typeface="Euphemia"/>
-        <a:font script="Cher" typeface="Plantagenet Cherokee"/>
-        <a:font script="Yiii" typeface="Microsoft Yi Baiti"/>
-        <a:font script="Tibt" typeface="Microsoft Himalaya"/>
-        <a:font script="Thaa" typeface="MV Boli"/>
-        <a:font script="Deva" typeface="Mangal"/>
-        <a:font script="Telu" typeface="Gautami"/>
-        <a:font script="Taml" typeface="Latha"/>
-        <a:font script="Syrc" typeface="Estrangelo Edessa"/>
-        <a:font script="Orya" typeface="Kalinga"/>
-        <a:font script="Mlym" typeface="Kartika"/>
-        <a:font script="Laoo" typeface="DokChampa"/>
-        <a:font script="Sinh" typeface="Iskoola Pota"/>
-        <a:font script="Mong" typeface="Mongolian Baiti"/>
-        <a:font script="Viet" typeface="Arial"/>
-        <a:font script="Uigh" typeface="Microsoft Uighur"/>
-        <a:font script="Geor" typeface="Sylfaen"/>
-      </a:minorFont>
-    </a:fontScheme>
-    <a:fmtScheme name="Office">
-      <a:fillStyleLst>
-        <a:solidFill>
-          <a:schemeClr val="phClr"/>
-        </a:solidFill>
-        <a:gradFill rotWithShape="1">
-          <a:gsLst>
-            <a:gs pos="0">
-              <a:schemeClr val="phClr">
-                <a:tint val="50000"/>
-                <a:satMod val="300000"/>
-              </a:schemeClr>
-            </a:gs>
-            <a:gs pos="35000">
-              <a:schemeClr val="phClr">
-                <a:tint val="37000"/>
-                <a:satMod val="300000"/>
-              </a:schemeClr>
-            </a:gs>
-            <a:gs pos="100000">
-              <a:schemeClr val="phClr">
-                <a:tint val="15000"/>
-                <a:satMod val="350000"/>
-              </a:schemeClr>
-            </a:gs>
-          </a:gsLst>
-          <a:lin ang="16200000" scaled="1"/>
-        </a:gradFill>
-        <a:gradFill rotWithShape="1">
-          <a:gsLst>
-            <a:gs pos="0">
-              <a:schemeClr val="phClr">
-                <a:tint val="100000"/>
-                <a:shade val="100000"/>
-                <a:satMod val="130000"/>
-              </a:schemeClr>
-            </a:gs>
-            <a:gs pos="100000">
-              <a:schemeClr val="phClr">
-                <a:tint val="50000"/>
-                <a:shade val="100000"/>
-                <a:satMod val="350000"/>
-              </a:schemeClr>
-            </a:gs>
-          </a:gsLst>
-          <a:lin ang="16200000" scaled="0"/>
-        </a:gradFill>
-      </a:fillStyleLst>
-      <a:lnStyleLst>
-        <a:ln w="9525" cap="flat" cmpd="sng" algn="ctr">
-          <a:solidFill>
-            <a:schemeClr val="phClr">
-              <a:shade val="95000"/>
-              <a:satMod val="105000"/>
-            </a:schemeClr>
-          </a:solidFill>
-          <a:prstDash val="solid"/>
-        </a:ln>
-        <a:ln w="25400" cap="flat" cmpd="sng" algn="ctr">
-          <a:solidFill>
-            <a:schemeClr val="phClr"/>
-          </a:solidFill>
-          <a:prstDash val="solid"/>
-        </a:ln>
-        <a:ln w="38100" cap="flat" cmpd="sng" algn="ctr">
-          <a:solidFill>
-            <a:schemeClr val="phClr"/>
-          </a:solidFill>
-          <a:prstDash val="solid"/>
-        </a:ln>
-      </a:lnStyleLst>
-      <a:effectStyleLst>
-        <a:effectStyle>
-          <a:effectLst>
-            <a:outerShdw blurRad="40000" dist="20000" dir="5400000" rotWithShape="0">
-              <a:srgbClr val="000000">
-                <a:alpha val="38000"/>
-              </a:srgbClr>
-            </a:outerShdw>
-          </a:effectLst>
-        </a:effectStyle>
-        <a:effectStyle>
-          <a:effectLst>
-            <a:outerShdw blurRad="40000" dist="23000" dir="5400000" rotWithShape="0">
-              <a:srgbClr val="000000">
-                <a:alpha val="35000"/>
-              </a:srgbClr>
-            </a:outerShdw>
-          </a:effectLst>
-        </a:effectStyle>
-        <a:effectStyle>
-          <a:effectLst>
-            <a:outerShdw blurRad="40000" dist="23000" dir="5400000" rotWithShape="0">
-              <a:srgbClr val="000000">
-                <a:alpha val="35000"/>
-              </a:srgbClr>
-            </a:outerShdw>
-          </a:effectLst>
-          <a:scene3d>
-            <a:camera prst="orthographicFront">
-              <a:rot lat="0" lon="0" rev="0"/>
-            </a:camera>
-            <a:lightRig rig="threePt" dir="t">
-              <a:rot lat="0" lon="0" rev="1200000"/>
-            </a:lightRig>
-          </a:scene3d>
-          <a:sp3d>
-            <a:bevelT w="63500" h="25400"/>
-          </a:sp3d>
-        </a:effectStyle>
-      </a:effectStyleLst>
-      <a:bgFillStyleLst>
-        <a:solidFill>
-          <a:schemeClr val="phClr"/>
-        </a:solidFill>
-        <a:gradFill rotWithShape="1">
-          <a:gsLst>
-            <a:gs pos="0">
-              <a:schemeClr val="phClr">
-                <a:tint val="40000"/>
-                <a:satMod val="350000"/>
-              </a:schemeClr>
-            </a:gs>
-            <a:gs pos="40000">
-              <a:schemeClr val="phClr">
-                <a:tint val="45000"/>
-                <a:shade val="99000"/>
-                <a:satMod val="350000"/>
-              </a:schemeClr>
-            </a:gs>
-            <a:gs pos="100000">
-              <a:schemeClr val="phClr">
-                <a:shade val="20000"/>
-                <a:satMod val="255000"/>
-              </a:schemeClr>
-            </a:gs>
-          </a:gsLst>
-          <a:path path="circle">
-            <a:fillToRect l="50000" t="-80000" r="50000" b="180000"/>
-          </a:path>
-        </a:gradFill>
-        <a:gradFill rotWithShape="1">
-          <a:gsLst>
-            <a:gs pos="0">
-              <a:schemeClr val="phClr">
-                <a:tint val="80000"/>
-                <a:satMod val="300000"/>
-              </a:schemeClr>
-            </a:gs>
-            <a:gs pos="100000">
-              <a:schemeClr val="phClr">
-                <a:shade val="30000"/>
-                <a:satMod val="200000"/>
-              </a:schemeClr>
-            </a:gs>
-          </a:gsLst>
-          <a:path path="circle">
-            <a:fillToRect l="50000" t="50000" r="50000" b="50000"/>
-          </a:path>
-        </a:gradFill>
-      </a:bgFillStyleLst>
-    </a:fmtScheme>
-  </a:themeElements>
-</a:theme>
 </file>
--- a/HorrorscopesFinal.pptx
+++ b/HorrorscopesFinal.pptx
@@ -28,6 +28,11 @@
     <p:sldId id="273" r:id="rId23"/>
     <p:sldId id="274" r:id="rId24"/>
     <p:sldId id="275" r:id="rId25"/>
+    <p:sldId id="276" r:id="rId26"/>
+    <p:sldId id="277" r:id="rId27"/>
+    <p:sldId id="278" r:id="rId28"/>
+    <p:sldId id="279" r:id="rId29"/>
+    <p:sldId id="280" r:id="rId30"/>
   </p:sldIdLst>
   <p:sldSz cy="5143500" cx="9144000"/>
   <p:notesSz cx="6858000" cy="9144000"/>
@@ -2180,7 +2185,585 @@
               <a:buNone/>
             </a:pPr>
             <a:r>
-              <a:t/>
+              <a:rPr lang="en"/>
+              <a:t>Lauren: Discuss or list technologies utilized.</a:t>
+            </a:r>
+            <a:endParaRPr/>
+          </a:p>
+        </p:txBody>
+      </p:sp>
+    </p:spTree>
+  </p:cSld>
+  <p:clrMapOvr>
+    <a:masterClrMapping/>
+  </p:clrMapOvr>
+</p:notes>
+</file>
+
+<file path=ppt/notesSlides/notesSlide21.xml><?xml version="1.0" encoding="utf-8"?>
+<p:notes xmlns:a="http://schemas.openxmlformats.org/drawingml/2006/main" xmlns:r="http://schemas.openxmlformats.org/officeDocument/2006/relationships" xmlns:mc="http://schemas.openxmlformats.org/markup-compatibility/2006" xmlns:mv="urn:schemas-microsoft-com:mac:vml" xmlns:p="http://schemas.openxmlformats.org/presentationml/2006/main" xmlns:c="http://schemas.openxmlformats.org/drawingml/2006/chart" xmlns:dgm="http://schemas.openxmlformats.org/drawingml/2006/diagram" xmlns:o="urn:schemas-microsoft-com:office:office" xmlns:v="urn:schemas-microsoft-com:vml" xmlns:pvml="urn:schemas-microsoft-com:office:powerpoint" xmlns:com="http://schemas.openxmlformats.org/drawingml/2006/compatibility" xmlns:p14="http://schemas.microsoft.com/office/powerpoint/2010/main" xmlns:p15="http://schemas.microsoft.com/office/powerpoint/2012/main" xmlns:ahyp="http://schemas.microsoft.com/office/drawing/2018/hyperlinkcolor" showMasterPhAnim="0" showMasterSp="0">
+  <p:cSld>
+    <p:spTree>
+      <p:nvGrpSpPr>
+        <p:cNvPr id="311" name="Shape 311"/>
+        <p:cNvGrpSpPr/>
+        <p:nvPr/>
+      </p:nvGrpSpPr>
+      <p:grpSpPr>
+        <a:xfrm>
+          <a:off x="0" y="0"/>
+          <a:ext cx="0" cy="0"/>
+          <a:chOff x="0" y="0"/>
+          <a:chExt cx="0" cy="0"/>
+        </a:xfrm>
+      </p:grpSpPr>
+      <p:sp>
+        <p:nvSpPr>
+          <p:cNvPr id="312" name="Google Shape;312;g152175e3203_0_260:notes"/>
+          <p:cNvSpPr/>
+          <p:nvPr>
+            <p:ph idx="2" type="sldImg"/>
+          </p:nvPr>
+        </p:nvSpPr>
+        <p:spPr>
+          <a:xfrm>
+            <a:off x="381300" y="685800"/>
+            <a:ext cx="6096000" cy="3429000"/>
+          </a:xfrm>
+          <a:custGeom>
+            <a:rect b="b" l="l" r="r" t="t"/>
+            <a:pathLst>
+              <a:path extrusionOk="0" h="120000" w="120000">
+                <a:moveTo>
+                  <a:pt x="0" y="0"/>
+                </a:moveTo>
+                <a:lnTo>
+                  <a:pt x="120000" y="0"/>
+                </a:lnTo>
+                <a:lnTo>
+                  <a:pt x="120000" y="120000"/>
+                </a:lnTo>
+                <a:lnTo>
+                  <a:pt x="0" y="120000"/>
+                </a:lnTo>
+                <a:close/>
+              </a:path>
+            </a:pathLst>
+          </a:custGeom>
+        </p:spPr>
+      </p:sp>
+      <p:sp>
+        <p:nvSpPr>
+          <p:cNvPr id="313" name="Google Shape;313;g152175e3203_0_260:notes"/>
+          <p:cNvSpPr txBox="1"/>
+          <p:nvPr>
+            <p:ph idx="1" type="body"/>
+          </p:nvPr>
+        </p:nvSpPr>
+        <p:spPr>
+          <a:xfrm>
+            <a:off x="685800" y="4343400"/>
+            <a:ext cx="5486400" cy="4114800"/>
+          </a:xfrm>
+          <a:prstGeom prst="rect">
+            <a:avLst/>
+          </a:prstGeom>
+        </p:spPr>
+        <p:txBody>
+          <a:bodyPr anchorCtr="0" anchor="t" bIns="91425" lIns="91425" spcFirstLastPara="1" rIns="91425" wrap="square" tIns="91425">
+            <a:noAutofit/>
+          </a:bodyPr>
+          <a:lstStyle/>
+          <a:p>
+            <a:pPr indent="0" lvl="0" marL="0" rtl="0" algn="l">
+              <a:spcBef>
+                <a:spcPts val="0"/>
+              </a:spcBef>
+              <a:spcAft>
+                <a:spcPts val="0"/>
+              </a:spcAft>
+              <a:buNone/>
+            </a:pPr>
+            <a:r>
+              <a:rPr lang="en"/>
+              <a:t>Jessica: (Explain basic setup of our machine learning models, feel free to show examples of code utilized if wanted.) </a:t>
+            </a:r>
+            <a:r>
+              <a:rPr lang="en" sz="1150">
+                <a:solidFill>
+                  <a:srgbClr val="1D1C1D"/>
+                </a:solidFill>
+                <a:highlight>
+                  <a:srgbClr val="F8F8F8"/>
+                </a:highlight>
+              </a:rPr>
+              <a:t>Because both datasets were categorical, we decided to use Logistic Regression Models for Machine Learning. Our hope to prove a correlation between the zodiac signs and crime were sadly not validated using the Logistic Regression models.</a:t>
+            </a:r>
+            <a:endParaRPr/>
+          </a:p>
+        </p:txBody>
+      </p:sp>
+    </p:spTree>
+  </p:cSld>
+  <p:clrMapOvr>
+    <a:masterClrMapping/>
+  </p:clrMapOvr>
+</p:notes>
+</file>
+
+<file path=ppt/notesSlides/notesSlide22.xml><?xml version="1.0" encoding="utf-8"?>
+<p:notes xmlns:a="http://schemas.openxmlformats.org/drawingml/2006/main" xmlns:r="http://schemas.openxmlformats.org/officeDocument/2006/relationships" xmlns:mc="http://schemas.openxmlformats.org/markup-compatibility/2006" xmlns:mv="urn:schemas-microsoft-com:mac:vml" xmlns:p="http://schemas.openxmlformats.org/presentationml/2006/main" xmlns:c="http://schemas.openxmlformats.org/drawingml/2006/chart" xmlns:dgm="http://schemas.openxmlformats.org/drawingml/2006/diagram" xmlns:o="urn:schemas-microsoft-com:office:office" xmlns:v="urn:schemas-microsoft-com:vml" xmlns:pvml="urn:schemas-microsoft-com:office:powerpoint" xmlns:com="http://schemas.openxmlformats.org/drawingml/2006/compatibility" xmlns:p14="http://schemas.microsoft.com/office/powerpoint/2010/main" xmlns:p15="http://schemas.microsoft.com/office/powerpoint/2012/main" xmlns:ahyp="http://schemas.microsoft.com/office/drawing/2018/hyperlinkcolor" showMasterPhAnim="0" showMasterSp="0">
+  <p:cSld>
+    <p:spTree>
+      <p:nvGrpSpPr>
+        <p:cNvPr id="331" name="Shape 331"/>
+        <p:cNvGrpSpPr/>
+        <p:nvPr/>
+      </p:nvGrpSpPr>
+      <p:grpSpPr>
+        <a:xfrm>
+          <a:off x="0" y="0"/>
+          <a:ext cx="0" cy="0"/>
+          <a:chOff x="0" y="0"/>
+          <a:chExt cx="0" cy="0"/>
+        </a:xfrm>
+      </p:grpSpPr>
+      <p:sp>
+        <p:nvSpPr>
+          <p:cNvPr id="332" name="Google Shape;332;g152175e3203_0_233:notes"/>
+          <p:cNvSpPr/>
+          <p:nvPr>
+            <p:ph idx="2" type="sldImg"/>
+          </p:nvPr>
+        </p:nvSpPr>
+        <p:spPr>
+          <a:xfrm>
+            <a:off x="381300" y="685800"/>
+            <a:ext cx="6096000" cy="3429000"/>
+          </a:xfrm>
+          <a:custGeom>
+            <a:rect b="b" l="l" r="r" t="t"/>
+            <a:pathLst>
+              <a:path extrusionOk="0" h="120000" w="120000">
+                <a:moveTo>
+                  <a:pt x="0" y="0"/>
+                </a:moveTo>
+                <a:lnTo>
+                  <a:pt x="120000" y="0"/>
+                </a:lnTo>
+                <a:lnTo>
+                  <a:pt x="120000" y="120000"/>
+                </a:lnTo>
+                <a:lnTo>
+                  <a:pt x="0" y="120000"/>
+                </a:lnTo>
+                <a:close/>
+              </a:path>
+            </a:pathLst>
+          </a:custGeom>
+        </p:spPr>
+      </p:sp>
+      <p:sp>
+        <p:nvSpPr>
+          <p:cNvPr id="333" name="Google Shape;333;g152175e3203_0_233:notes"/>
+          <p:cNvSpPr txBox="1"/>
+          <p:nvPr>
+            <p:ph idx="1" type="body"/>
+          </p:nvPr>
+        </p:nvSpPr>
+        <p:spPr>
+          <a:xfrm>
+            <a:off x="685800" y="4343400"/>
+            <a:ext cx="5486400" cy="4114800"/>
+          </a:xfrm>
+          <a:prstGeom prst="rect">
+            <a:avLst/>
+          </a:prstGeom>
+        </p:spPr>
+        <p:txBody>
+          <a:bodyPr anchorCtr="0" anchor="t" bIns="91425" lIns="91425" spcFirstLastPara="1" rIns="91425" wrap="square" tIns="91425">
+            <a:noAutofit/>
+          </a:bodyPr>
+          <a:lstStyle/>
+          <a:p>
+            <a:pPr indent="0" lvl="0" marL="0" rtl="0" algn="l">
+              <a:spcBef>
+                <a:spcPts val="0"/>
+              </a:spcBef>
+              <a:spcAft>
+                <a:spcPts val="0"/>
+              </a:spcAft>
+              <a:buNone/>
+            </a:pPr>
+            <a:r>
+              <a:rPr lang="en" sz="1150">
+                <a:solidFill>
+                  <a:srgbClr val="1D1C1D"/>
+                </a:solidFill>
+                <a:highlight>
+                  <a:srgbClr val="F8F8F8"/>
+                </a:highlight>
+              </a:rPr>
+              <a:t>Jessica: The accuracy of the model on the Kansas City Crime dataset was only 11% after making some adjustments to the original model’s train_test_split and standardizing the data. A shuffle of the data was also performed to test for better results in case the issue was with how the data was organized before it was run through the model.</a:t>
+            </a:r>
+            <a:endParaRPr/>
+          </a:p>
+        </p:txBody>
+      </p:sp>
+    </p:spTree>
+  </p:cSld>
+  <p:clrMapOvr>
+    <a:masterClrMapping/>
+  </p:clrMapOvr>
+</p:notes>
+</file>
+
+<file path=ppt/notesSlides/notesSlide23.xml><?xml version="1.0" encoding="utf-8"?>
+<p:notes xmlns:a="http://schemas.openxmlformats.org/drawingml/2006/main" xmlns:r="http://schemas.openxmlformats.org/officeDocument/2006/relationships" xmlns:mc="http://schemas.openxmlformats.org/markup-compatibility/2006" xmlns:mv="urn:schemas-microsoft-com:mac:vml" xmlns:p="http://schemas.openxmlformats.org/presentationml/2006/main" xmlns:c="http://schemas.openxmlformats.org/drawingml/2006/chart" xmlns:dgm="http://schemas.openxmlformats.org/drawingml/2006/diagram" xmlns:o="urn:schemas-microsoft-com:office:office" xmlns:v="urn:schemas-microsoft-com:vml" xmlns:pvml="urn:schemas-microsoft-com:office:powerpoint" xmlns:com="http://schemas.openxmlformats.org/drawingml/2006/compatibility" xmlns:p14="http://schemas.microsoft.com/office/powerpoint/2010/main" xmlns:p15="http://schemas.microsoft.com/office/powerpoint/2012/main" xmlns:ahyp="http://schemas.microsoft.com/office/drawing/2018/hyperlinkcolor" showMasterPhAnim="0" showMasterSp="0">
+  <p:cSld>
+    <p:spTree>
+      <p:nvGrpSpPr>
+        <p:cNvPr id="351" name="Shape 351"/>
+        <p:cNvGrpSpPr/>
+        <p:nvPr/>
+      </p:nvGrpSpPr>
+      <p:grpSpPr>
+        <a:xfrm>
+          <a:off x="0" y="0"/>
+          <a:ext cx="0" cy="0"/>
+          <a:chOff x="0" y="0"/>
+          <a:chExt cx="0" cy="0"/>
+        </a:xfrm>
+      </p:grpSpPr>
+      <p:sp>
+        <p:nvSpPr>
+          <p:cNvPr id="352" name="Google Shape;352;g152175e3203_0_254:notes"/>
+          <p:cNvSpPr/>
+          <p:nvPr>
+            <p:ph idx="2" type="sldImg"/>
+          </p:nvPr>
+        </p:nvSpPr>
+        <p:spPr>
+          <a:xfrm>
+            <a:off x="381300" y="685800"/>
+            <a:ext cx="6096000" cy="3429000"/>
+          </a:xfrm>
+          <a:custGeom>
+            <a:rect b="b" l="l" r="r" t="t"/>
+            <a:pathLst>
+              <a:path extrusionOk="0" h="120000" w="120000">
+                <a:moveTo>
+                  <a:pt x="0" y="0"/>
+                </a:moveTo>
+                <a:lnTo>
+                  <a:pt x="120000" y="0"/>
+                </a:lnTo>
+                <a:lnTo>
+                  <a:pt x="120000" y="120000"/>
+                </a:lnTo>
+                <a:lnTo>
+                  <a:pt x="0" y="120000"/>
+                </a:lnTo>
+                <a:close/>
+              </a:path>
+            </a:pathLst>
+          </a:custGeom>
+        </p:spPr>
+      </p:sp>
+      <p:sp>
+        <p:nvSpPr>
+          <p:cNvPr id="353" name="Google Shape;353;g152175e3203_0_254:notes"/>
+          <p:cNvSpPr txBox="1"/>
+          <p:nvPr>
+            <p:ph idx="1" type="body"/>
+          </p:nvPr>
+        </p:nvSpPr>
+        <p:spPr>
+          <a:xfrm>
+            <a:off x="685800" y="4343400"/>
+            <a:ext cx="5486400" cy="4114800"/>
+          </a:xfrm>
+          <a:prstGeom prst="rect">
+            <a:avLst/>
+          </a:prstGeom>
+        </p:spPr>
+        <p:txBody>
+          <a:bodyPr anchorCtr="0" anchor="t" bIns="91425" lIns="91425" spcFirstLastPara="1" rIns="91425" wrap="square" tIns="91425">
+            <a:noAutofit/>
+          </a:bodyPr>
+          <a:lstStyle/>
+          <a:p>
+            <a:pPr indent="0" lvl="0" marL="0" rtl="0" algn="l">
+              <a:spcBef>
+                <a:spcPts val="0"/>
+              </a:spcBef>
+              <a:spcAft>
+                <a:spcPts val="0"/>
+              </a:spcAft>
+              <a:buNone/>
+            </a:pPr>
+            <a:r>
+              <a:rPr lang="en"/>
+              <a:t>Jessica: </a:t>
+            </a:r>
+            <a:r>
+              <a:rPr lang="en" sz="1150">
+                <a:solidFill>
+                  <a:srgbClr val="1D1C1D"/>
+                </a:solidFill>
+                <a:highlight>
+                  <a:srgbClr val="F8F8F8"/>
+                </a:highlight>
+              </a:rPr>
+              <a:t>The same attempts for more accuracy were made to the Serial Killers dataset. Unfortunately the results were similar. The accuracy score topped out at 14%.</a:t>
+            </a:r>
+            <a:endParaRPr sz="1150">
+              <a:solidFill>
+                <a:srgbClr val="1D1C1D"/>
+              </a:solidFill>
+              <a:highlight>
+                <a:srgbClr val="F8F8F8"/>
+              </a:highlight>
+            </a:endParaRPr>
+          </a:p>
+          <a:p>
+            <a:pPr indent="0" lvl="0" marL="0" rtl="0" algn="l">
+              <a:spcBef>
+                <a:spcPts val="0"/>
+              </a:spcBef>
+              <a:spcAft>
+                <a:spcPts val="0"/>
+              </a:spcAft>
+              <a:buNone/>
+            </a:pPr>
+            <a:r>
+              <a:rPr lang="en" sz="1150">
+                <a:solidFill>
+                  <a:srgbClr val="1D1C1D"/>
+                </a:solidFill>
+                <a:highlight>
+                  <a:srgbClr val="F8F8F8"/>
+                </a:highlight>
+              </a:rPr>
+              <a:t>Precision, recall, and F1 scores for both models were also quite low. </a:t>
+            </a:r>
+            <a:r>
+              <a:rPr lang="en" sz="1200">
+                <a:solidFill>
+                  <a:srgbClr val="24292F"/>
+                </a:solidFill>
+                <a:highlight>
+                  <a:srgbClr val="FFFFFF"/>
+                </a:highlight>
+              </a:rPr>
+              <a:t>Likely no model could sense it likely makes logical sense that certain astrological signs are not associated with a higher likelihood of murder.</a:t>
+            </a:r>
+            <a:endParaRPr/>
+          </a:p>
+        </p:txBody>
+      </p:sp>
+    </p:spTree>
+  </p:cSld>
+  <p:clrMapOvr>
+    <a:masterClrMapping/>
+  </p:clrMapOvr>
+</p:notes>
+</file>
+
+<file path=ppt/notesSlides/notesSlide24.xml><?xml version="1.0" encoding="utf-8"?>
+<p:notes xmlns:a="http://schemas.openxmlformats.org/drawingml/2006/main" xmlns:r="http://schemas.openxmlformats.org/officeDocument/2006/relationships" xmlns:mc="http://schemas.openxmlformats.org/markup-compatibility/2006" xmlns:mv="urn:schemas-microsoft-com:mac:vml" xmlns:p="http://schemas.openxmlformats.org/presentationml/2006/main" xmlns:c="http://schemas.openxmlformats.org/drawingml/2006/chart" xmlns:dgm="http://schemas.openxmlformats.org/drawingml/2006/diagram" xmlns:o="urn:schemas-microsoft-com:office:office" xmlns:v="urn:schemas-microsoft-com:vml" xmlns:pvml="urn:schemas-microsoft-com:office:powerpoint" xmlns:com="http://schemas.openxmlformats.org/drawingml/2006/compatibility" xmlns:p14="http://schemas.microsoft.com/office/powerpoint/2010/main" xmlns:p15="http://schemas.microsoft.com/office/powerpoint/2012/main" xmlns:ahyp="http://schemas.microsoft.com/office/drawing/2018/hyperlinkcolor" showMasterPhAnim="0" showMasterSp="0">
+  <p:cSld>
+    <p:spTree>
+      <p:nvGrpSpPr>
+        <p:cNvPr id="371" name="Shape 371"/>
+        <p:cNvGrpSpPr/>
+        <p:nvPr/>
+      </p:nvGrpSpPr>
+      <p:grpSpPr>
+        <a:xfrm>
+          <a:off x="0" y="0"/>
+          <a:ext cx="0" cy="0"/>
+          <a:chOff x="0" y="0"/>
+          <a:chExt cx="0" cy="0"/>
+        </a:xfrm>
+      </p:grpSpPr>
+      <p:sp>
+        <p:nvSpPr>
+          <p:cNvPr id="372" name="Google Shape;372;g152175e3203_0_294:notes"/>
+          <p:cNvSpPr/>
+          <p:nvPr>
+            <p:ph idx="2" type="sldImg"/>
+          </p:nvPr>
+        </p:nvSpPr>
+        <p:spPr>
+          <a:xfrm>
+            <a:off x="381300" y="685800"/>
+            <a:ext cx="6096000" cy="3429000"/>
+          </a:xfrm>
+          <a:custGeom>
+            <a:rect b="b" l="l" r="r" t="t"/>
+            <a:pathLst>
+              <a:path extrusionOk="0" h="120000" w="120000">
+                <a:moveTo>
+                  <a:pt x="0" y="0"/>
+                </a:moveTo>
+                <a:lnTo>
+                  <a:pt x="120000" y="0"/>
+                </a:lnTo>
+                <a:lnTo>
+                  <a:pt x="120000" y="120000"/>
+                </a:lnTo>
+                <a:lnTo>
+                  <a:pt x="0" y="120000"/>
+                </a:lnTo>
+                <a:close/>
+              </a:path>
+            </a:pathLst>
+          </a:custGeom>
+        </p:spPr>
+      </p:sp>
+      <p:sp>
+        <p:nvSpPr>
+          <p:cNvPr id="373" name="Google Shape;373;g152175e3203_0_294:notes"/>
+          <p:cNvSpPr txBox="1"/>
+          <p:nvPr>
+            <p:ph idx="1" type="body"/>
+          </p:nvPr>
+        </p:nvSpPr>
+        <p:spPr>
+          <a:xfrm>
+            <a:off x="685800" y="4343400"/>
+            <a:ext cx="5486400" cy="4114800"/>
+          </a:xfrm>
+          <a:prstGeom prst="rect">
+            <a:avLst/>
+          </a:prstGeom>
+        </p:spPr>
+        <p:txBody>
+          <a:bodyPr anchorCtr="0" anchor="t" bIns="91425" lIns="91425" spcFirstLastPara="1" rIns="91425" wrap="square" tIns="91425">
+            <a:noAutofit/>
+          </a:bodyPr>
+          <a:lstStyle/>
+          <a:p>
+            <a:pPr indent="0" lvl="0" marL="0" rtl="0" algn="l">
+              <a:spcBef>
+                <a:spcPts val="0"/>
+              </a:spcBef>
+              <a:spcAft>
+                <a:spcPts val="0"/>
+              </a:spcAft>
+              <a:buNone/>
+            </a:pPr>
+            <a:r>
+              <a:rPr lang="en"/>
+              <a:t>Jessica: Feel free to ham this one up or elaborate further, or just skim it lol.</a:t>
+            </a:r>
+            <a:endParaRPr/>
+          </a:p>
+        </p:txBody>
+      </p:sp>
+    </p:spTree>
+  </p:cSld>
+  <p:clrMapOvr>
+    <a:masterClrMapping/>
+  </p:clrMapOvr>
+</p:notes>
+</file>
+
+<file path=ppt/notesSlides/notesSlide25.xml><?xml version="1.0" encoding="utf-8"?>
+<p:notes xmlns:a="http://schemas.openxmlformats.org/drawingml/2006/main" xmlns:r="http://schemas.openxmlformats.org/officeDocument/2006/relationships" xmlns:mc="http://schemas.openxmlformats.org/markup-compatibility/2006" xmlns:mv="urn:schemas-microsoft-com:mac:vml" xmlns:p="http://schemas.openxmlformats.org/presentationml/2006/main" xmlns:c="http://schemas.openxmlformats.org/drawingml/2006/chart" xmlns:dgm="http://schemas.openxmlformats.org/drawingml/2006/diagram" xmlns:o="urn:schemas-microsoft-com:office:office" xmlns:v="urn:schemas-microsoft-com:vml" xmlns:pvml="urn:schemas-microsoft-com:office:powerpoint" xmlns:com="http://schemas.openxmlformats.org/drawingml/2006/compatibility" xmlns:p14="http://schemas.microsoft.com/office/powerpoint/2010/main" xmlns:p15="http://schemas.microsoft.com/office/powerpoint/2012/main" xmlns:ahyp="http://schemas.microsoft.com/office/drawing/2018/hyperlinkcolor" showMasterPhAnim="0" showMasterSp="0">
+  <p:cSld>
+    <p:spTree>
+      <p:nvGrpSpPr>
+        <p:cNvPr id="391" name="Shape 391"/>
+        <p:cNvGrpSpPr/>
+        <p:nvPr/>
+      </p:nvGrpSpPr>
+      <p:grpSpPr>
+        <a:xfrm>
+          <a:off x="0" y="0"/>
+          <a:ext cx="0" cy="0"/>
+          <a:chOff x="0" y="0"/>
+          <a:chExt cx="0" cy="0"/>
+        </a:xfrm>
+      </p:grpSpPr>
+      <p:sp>
+        <p:nvSpPr>
+          <p:cNvPr id="392" name="Google Shape;392;g152175e3203_0_313:notes"/>
+          <p:cNvSpPr/>
+          <p:nvPr>
+            <p:ph idx="2" type="sldImg"/>
+          </p:nvPr>
+        </p:nvSpPr>
+        <p:spPr>
+          <a:xfrm>
+            <a:off x="381300" y="685800"/>
+            <a:ext cx="6096000" cy="3429000"/>
+          </a:xfrm>
+          <a:custGeom>
+            <a:rect b="b" l="l" r="r" t="t"/>
+            <a:pathLst>
+              <a:path extrusionOk="0" h="120000" w="120000">
+                <a:moveTo>
+                  <a:pt x="0" y="0"/>
+                </a:moveTo>
+                <a:lnTo>
+                  <a:pt x="120000" y="0"/>
+                </a:lnTo>
+                <a:lnTo>
+                  <a:pt x="120000" y="120000"/>
+                </a:lnTo>
+                <a:lnTo>
+                  <a:pt x="0" y="120000"/>
+                </a:lnTo>
+                <a:close/>
+              </a:path>
+            </a:pathLst>
+          </a:custGeom>
+        </p:spPr>
+      </p:sp>
+      <p:sp>
+        <p:nvSpPr>
+          <p:cNvPr id="393" name="Google Shape;393;g152175e3203_0_313:notes"/>
+          <p:cNvSpPr txBox="1"/>
+          <p:nvPr>
+            <p:ph idx="1" type="body"/>
+          </p:nvPr>
+        </p:nvSpPr>
+        <p:spPr>
+          <a:xfrm>
+            <a:off x="685800" y="4343400"/>
+            <a:ext cx="5486400" cy="4114800"/>
+          </a:xfrm>
+          <a:prstGeom prst="rect">
+            <a:avLst/>
+          </a:prstGeom>
+        </p:spPr>
+        <p:txBody>
+          <a:bodyPr anchorCtr="0" anchor="t" bIns="91425" lIns="91425" spcFirstLastPara="1" rIns="91425" wrap="square" tIns="91425">
+            <a:noAutofit/>
+          </a:bodyPr>
+          <a:lstStyle/>
+          <a:p>
+            <a:pPr indent="0" lvl="0" marL="0" rtl="0" algn="l">
+              <a:spcBef>
+                <a:spcPts val="0"/>
+              </a:spcBef>
+              <a:spcAft>
+                <a:spcPts val="0"/>
+              </a:spcAft>
+              <a:buNone/>
+            </a:pPr>
+            <a:r>
+              <a:rPr lang="en" sz="1200">
+                <a:solidFill>
+                  <a:srgbClr val="24292F"/>
+                </a:solidFill>
+                <a:highlight>
+                  <a:srgbClr val="FFFFFF"/>
+                </a:highlight>
+              </a:rPr>
+              <a:t>Jessica: If this analysis were to continue, the datasets should be re-analyzed to make sure they are not set up in any sort of order that can skew the machine learning models. Attempting a cluster model like K Nearest Neighbors may show more accurate results on both datasets. Changing the features or introducing new data to the datasets to use as new features could also change the outcome of the Machine Learning performed during this project. For crime it would also be better to include more data, a wider range of cities, and over more years.</a:t>
             </a:r>
             <a:endParaRPr/>
           </a:p>
@@ -10049,6 +10632,13 @@
 <file path=ppt/slides/slide20.xml><?xml version="1.0" encoding="utf-8"?>
 <p:sld xmlns:a="http://schemas.openxmlformats.org/drawingml/2006/main" xmlns:r="http://schemas.openxmlformats.org/officeDocument/2006/relationships" xmlns:mc="http://schemas.openxmlformats.org/markup-compatibility/2006" xmlns:mv="urn:schemas-microsoft-com:mac:vml" xmlns:p="http://schemas.openxmlformats.org/presentationml/2006/main" xmlns:c="http://schemas.openxmlformats.org/drawingml/2006/chart" xmlns:dgm="http://schemas.openxmlformats.org/drawingml/2006/diagram" xmlns:o="urn:schemas-microsoft-com:office:office" xmlns:v="urn:schemas-microsoft-com:vml" xmlns:pvml="urn:schemas-microsoft-com:office:powerpoint" xmlns:com="http://schemas.openxmlformats.org/drawingml/2006/compatibility" xmlns:p14="http://schemas.microsoft.com/office/powerpoint/2010/main" xmlns:p15="http://schemas.microsoft.com/office/powerpoint/2012/main" xmlns:ahyp="http://schemas.microsoft.com/office/drawing/2018/hyperlinkcolor">
   <p:cSld>
+    <p:bg>
+      <p:bgPr>
+        <a:solidFill>
+          <a:srgbClr val="A7A4D1"/>
+        </a:solidFill>
+      </p:bgPr>
+    </p:bg>
     <p:spTree>
       <p:nvGrpSpPr>
         <p:cNvPr id="293" name="Shape 293"/>
@@ -10073,7 +10663,7 @@
         </p:nvSpPr>
         <p:spPr>
           <a:xfrm>
-            <a:off x="311700" y="445025"/>
+            <a:off x="311700" y="1069475"/>
             <a:ext cx="8520600" cy="572700"/>
           </a:xfrm>
           <a:prstGeom prst="rect">
@@ -10096,12 +10686,3969 @@
               <a:buNone/>
             </a:pPr>
             <a:r>
+              <a:rPr b="1" lang="en">
+                <a:solidFill>
+                  <a:schemeClr val="lt1"/>
+                </a:solidFill>
+                <a:latin typeface="Times New Roman"/>
+                <a:ea typeface="Times New Roman"/>
+                <a:cs typeface="Times New Roman"/>
+                <a:sym typeface="Times New Roman"/>
+              </a:rPr>
+              <a:t>Technologies, Languages, Tools and Algorithms Utilized:</a:t>
+            </a:r>
+            <a:endParaRPr b="1">
+              <a:solidFill>
+                <a:schemeClr val="lt1"/>
+              </a:solidFill>
+              <a:latin typeface="Times New Roman"/>
+              <a:ea typeface="Times New Roman"/>
+              <a:cs typeface="Times New Roman"/>
+              <a:sym typeface="Times New Roman"/>
+            </a:endParaRPr>
+          </a:p>
+        </p:txBody>
+      </p:sp>
+      <p:sp>
+        <p:nvSpPr>
+          <p:cNvPr id="295" name="Google Shape;295;p32"/>
+          <p:cNvSpPr txBox="1"/>
+          <p:nvPr>
+            <p:ph idx="1" type="body"/>
+          </p:nvPr>
+        </p:nvSpPr>
+        <p:spPr>
+          <a:xfrm>
+            <a:off x="1044700" y="1475500"/>
+            <a:ext cx="8520600" cy="3416400"/>
+          </a:xfrm>
+          <a:prstGeom prst="rect">
+            <a:avLst/>
+          </a:prstGeom>
+        </p:spPr>
+        <p:txBody>
+          <a:bodyPr anchorCtr="0" anchor="t" bIns="91425" lIns="91425" spcFirstLastPara="1" rIns="91425" wrap="square" tIns="91425">
+            <a:normAutofit/>
+          </a:bodyPr>
+          <a:lstStyle/>
+          <a:p>
+            <a:pPr indent="-342900" lvl="0" marL="457200" rtl="0" algn="l">
+              <a:spcBef>
+                <a:spcPts val="0"/>
+              </a:spcBef>
+              <a:spcAft>
+                <a:spcPts val="0"/>
+              </a:spcAft>
+              <a:buClr>
+                <a:schemeClr val="lt1"/>
+              </a:buClr>
+              <a:buSzPts val="1800"/>
+              <a:buFont typeface="Times New Roman"/>
+              <a:buChar char="●"/>
+            </a:pPr>
+            <a:r>
+              <a:rPr lang="en">
+                <a:solidFill>
+                  <a:schemeClr val="lt1"/>
+                </a:solidFill>
+                <a:latin typeface="Times New Roman"/>
+                <a:ea typeface="Times New Roman"/>
+                <a:cs typeface="Times New Roman"/>
+                <a:sym typeface="Times New Roman"/>
+              </a:rPr>
+              <a:t>Google Colab</a:t>
+            </a:r>
+            <a:endParaRPr>
+              <a:solidFill>
+                <a:schemeClr val="lt1"/>
+              </a:solidFill>
+              <a:latin typeface="Times New Roman"/>
+              <a:ea typeface="Times New Roman"/>
+              <a:cs typeface="Times New Roman"/>
+              <a:sym typeface="Times New Roman"/>
+            </a:endParaRPr>
+          </a:p>
+          <a:p>
+            <a:pPr indent="-342900" lvl="0" marL="457200" rtl="0" algn="l">
+              <a:spcBef>
+                <a:spcPts val="0"/>
+              </a:spcBef>
+              <a:spcAft>
+                <a:spcPts val="0"/>
+              </a:spcAft>
+              <a:buClr>
+                <a:schemeClr val="lt1"/>
+              </a:buClr>
+              <a:buSzPts val="1800"/>
+              <a:buFont typeface="Times New Roman"/>
+              <a:buChar char="●"/>
+            </a:pPr>
+            <a:r>
+              <a:rPr lang="en">
+                <a:solidFill>
+                  <a:schemeClr val="lt1"/>
+                </a:solidFill>
+                <a:latin typeface="Times New Roman"/>
+                <a:ea typeface="Times New Roman"/>
+                <a:cs typeface="Times New Roman"/>
+                <a:sym typeface="Times New Roman"/>
+              </a:rPr>
+              <a:t>Tableau</a:t>
+            </a:r>
+            <a:endParaRPr>
+              <a:solidFill>
+                <a:schemeClr val="lt1"/>
+              </a:solidFill>
+              <a:latin typeface="Times New Roman"/>
+              <a:ea typeface="Times New Roman"/>
+              <a:cs typeface="Times New Roman"/>
+              <a:sym typeface="Times New Roman"/>
+            </a:endParaRPr>
+          </a:p>
+          <a:p>
+            <a:pPr indent="-342900" lvl="0" marL="457200" rtl="0" algn="l">
+              <a:spcBef>
+                <a:spcPts val="0"/>
+              </a:spcBef>
+              <a:spcAft>
+                <a:spcPts val="0"/>
+              </a:spcAft>
+              <a:buClr>
+                <a:schemeClr val="lt1"/>
+              </a:buClr>
+              <a:buSzPts val="1800"/>
+              <a:buFont typeface="Times New Roman"/>
+              <a:buChar char="●"/>
+            </a:pPr>
+            <a:r>
+              <a:rPr lang="en">
+                <a:solidFill>
+                  <a:schemeClr val="lt1"/>
+                </a:solidFill>
+                <a:latin typeface="Times New Roman"/>
+                <a:ea typeface="Times New Roman"/>
+                <a:cs typeface="Times New Roman"/>
+                <a:sym typeface="Times New Roman"/>
+              </a:rPr>
+              <a:t>Microsoft Excel</a:t>
+            </a:r>
+            <a:endParaRPr>
+              <a:solidFill>
+                <a:schemeClr val="lt1"/>
+              </a:solidFill>
+              <a:latin typeface="Times New Roman"/>
+              <a:ea typeface="Times New Roman"/>
+              <a:cs typeface="Times New Roman"/>
+              <a:sym typeface="Times New Roman"/>
+            </a:endParaRPr>
+          </a:p>
+          <a:p>
+            <a:pPr indent="-342900" lvl="0" marL="457200" rtl="0" algn="l">
+              <a:spcBef>
+                <a:spcPts val="0"/>
+              </a:spcBef>
+              <a:spcAft>
+                <a:spcPts val="0"/>
+              </a:spcAft>
+              <a:buClr>
+                <a:schemeClr val="lt1"/>
+              </a:buClr>
+              <a:buSzPts val="1800"/>
+              <a:buFont typeface="Times New Roman"/>
+              <a:buChar char="●"/>
+            </a:pPr>
+            <a:r>
+              <a:rPr lang="en">
+                <a:solidFill>
+                  <a:schemeClr val="lt1"/>
+                </a:solidFill>
+                <a:latin typeface="Times New Roman"/>
+                <a:ea typeface="Times New Roman"/>
+                <a:cs typeface="Times New Roman"/>
+                <a:sym typeface="Times New Roman"/>
+              </a:rPr>
+              <a:t>Mito</a:t>
+            </a:r>
+            <a:endParaRPr>
+              <a:solidFill>
+                <a:schemeClr val="lt1"/>
+              </a:solidFill>
+              <a:latin typeface="Times New Roman"/>
+              <a:ea typeface="Times New Roman"/>
+              <a:cs typeface="Times New Roman"/>
+              <a:sym typeface="Times New Roman"/>
+            </a:endParaRPr>
+          </a:p>
+          <a:p>
+            <a:pPr indent="-342900" lvl="0" marL="457200" rtl="0" algn="l">
+              <a:spcBef>
+                <a:spcPts val="0"/>
+              </a:spcBef>
+              <a:spcAft>
+                <a:spcPts val="0"/>
+              </a:spcAft>
+              <a:buClr>
+                <a:schemeClr val="lt1"/>
+              </a:buClr>
+              <a:buSzPts val="1800"/>
+              <a:buFont typeface="Times New Roman"/>
+              <a:buChar char="●"/>
+            </a:pPr>
+            <a:r>
+              <a:rPr lang="en">
+                <a:solidFill>
+                  <a:schemeClr val="lt1"/>
+                </a:solidFill>
+                <a:latin typeface="Times New Roman"/>
+                <a:ea typeface="Times New Roman"/>
+                <a:cs typeface="Times New Roman"/>
+                <a:sym typeface="Times New Roman"/>
+              </a:rPr>
+              <a:t>Adobe Illustrator</a:t>
+            </a:r>
+            <a:endParaRPr>
+              <a:solidFill>
+                <a:schemeClr val="lt1"/>
+              </a:solidFill>
+              <a:latin typeface="Times New Roman"/>
+              <a:ea typeface="Times New Roman"/>
+              <a:cs typeface="Times New Roman"/>
+              <a:sym typeface="Times New Roman"/>
+            </a:endParaRPr>
+          </a:p>
+          <a:p>
+            <a:pPr indent="-342900" lvl="0" marL="457200" rtl="0" algn="l">
+              <a:spcBef>
+                <a:spcPts val="0"/>
+              </a:spcBef>
+              <a:spcAft>
+                <a:spcPts val="0"/>
+              </a:spcAft>
+              <a:buClr>
+                <a:schemeClr val="lt1"/>
+              </a:buClr>
+              <a:buSzPts val="1800"/>
+              <a:buFont typeface="Times New Roman"/>
+              <a:buChar char="●"/>
+            </a:pPr>
+            <a:r>
+              <a:rPr lang="en">
+                <a:solidFill>
+                  <a:schemeClr val="lt1"/>
+                </a:solidFill>
+                <a:latin typeface="Times New Roman"/>
+                <a:ea typeface="Times New Roman"/>
+                <a:cs typeface="Times New Roman"/>
+                <a:sym typeface="Times New Roman"/>
+              </a:rPr>
+              <a:t>Python</a:t>
+            </a:r>
+            <a:endParaRPr>
+              <a:solidFill>
+                <a:schemeClr val="lt1"/>
+              </a:solidFill>
+              <a:latin typeface="Times New Roman"/>
+              <a:ea typeface="Times New Roman"/>
+              <a:cs typeface="Times New Roman"/>
+              <a:sym typeface="Times New Roman"/>
+            </a:endParaRPr>
+          </a:p>
+          <a:p>
+            <a:pPr indent="-342900" lvl="0" marL="457200" rtl="0" algn="l">
+              <a:spcBef>
+                <a:spcPts val="0"/>
+              </a:spcBef>
+              <a:spcAft>
+                <a:spcPts val="0"/>
+              </a:spcAft>
+              <a:buClr>
+                <a:schemeClr val="lt1"/>
+              </a:buClr>
+              <a:buSzPts val="1800"/>
+              <a:buFont typeface="Times New Roman"/>
+              <a:buChar char="●"/>
+            </a:pPr>
+            <a:r>
+              <a:rPr lang="en">
+                <a:solidFill>
+                  <a:schemeClr val="lt1"/>
+                </a:solidFill>
+                <a:latin typeface="Times New Roman"/>
+                <a:ea typeface="Times New Roman"/>
+                <a:cs typeface="Times New Roman"/>
+                <a:sym typeface="Times New Roman"/>
+              </a:rPr>
+              <a:t>SQL</a:t>
+            </a:r>
+            <a:endParaRPr>
+              <a:solidFill>
+                <a:schemeClr val="lt1"/>
+              </a:solidFill>
+              <a:latin typeface="Times New Roman"/>
+              <a:ea typeface="Times New Roman"/>
+              <a:cs typeface="Times New Roman"/>
+              <a:sym typeface="Times New Roman"/>
+            </a:endParaRPr>
+          </a:p>
+          <a:p>
+            <a:pPr indent="0" lvl="0" marL="457200" rtl="0" algn="l">
+              <a:spcBef>
+                <a:spcPts val="1200"/>
+              </a:spcBef>
+              <a:spcAft>
+                <a:spcPts val="1200"/>
+              </a:spcAft>
+              <a:buNone/>
+            </a:pPr>
+            <a:r>
+              <a:t/>
+            </a:r>
+            <a:endParaRPr>
+              <a:solidFill>
+                <a:schemeClr val="lt1"/>
+              </a:solidFill>
+              <a:latin typeface="Times New Roman"/>
+              <a:ea typeface="Times New Roman"/>
+              <a:cs typeface="Times New Roman"/>
+              <a:sym typeface="Times New Roman"/>
+            </a:endParaRPr>
+          </a:p>
+        </p:txBody>
+      </p:sp>
+      <p:grpSp>
+        <p:nvGrpSpPr>
+          <p:cNvPr id="296" name="Google Shape;296;p32"/>
+          <p:cNvGrpSpPr/>
+          <p:nvPr/>
+        </p:nvGrpSpPr>
+        <p:grpSpPr>
+          <a:xfrm>
+            <a:off x="18500" y="47675"/>
+            <a:ext cx="9106999" cy="1083925"/>
+            <a:chOff x="0" y="-14750"/>
+            <a:chExt cx="9106999" cy="1083925"/>
+          </a:xfrm>
+        </p:grpSpPr>
+        <p:pic>
+          <p:nvPicPr>
+            <p:cNvPr id="297" name="Google Shape;297;p32"/>
+            <p:cNvPicPr preferRelativeResize="0"/>
+            <p:nvPr/>
+          </p:nvPicPr>
+          <p:blipFill rotWithShape="1">
+            <a:blip r:embed="rId3">
+              <a:alphaModFix/>
+            </a:blip>
+            <a:srcRect b="9755" l="0" r="0" t="0"/>
+            <a:stretch/>
+          </p:blipFill>
+          <p:spPr>
+            <a:xfrm>
+              <a:off x="0" y="-14750"/>
+              <a:ext cx="1022125" cy="1029574"/>
+            </a:xfrm>
+            <a:prstGeom prst="rect">
+              <a:avLst/>
+            </a:prstGeom>
+            <a:noFill/>
+            <a:ln>
+              <a:noFill/>
+            </a:ln>
+          </p:spPr>
+        </p:pic>
+        <p:pic>
+          <p:nvPicPr>
+            <p:cNvPr id="298" name="Google Shape;298;p32"/>
+            <p:cNvPicPr preferRelativeResize="0"/>
+            <p:nvPr/>
+          </p:nvPicPr>
+          <p:blipFill rotWithShape="1">
+            <a:blip r:embed="rId4">
+              <a:alphaModFix/>
+            </a:blip>
+            <a:srcRect b="8700" l="0" r="0" t="0"/>
+            <a:stretch/>
+          </p:blipFill>
+          <p:spPr>
+            <a:xfrm>
+              <a:off x="1471076" y="-14750"/>
+              <a:ext cx="673249" cy="1029575"/>
+            </a:xfrm>
+            <a:prstGeom prst="rect">
+              <a:avLst/>
+            </a:prstGeom>
+            <a:noFill/>
+            <a:ln>
+              <a:noFill/>
+            </a:ln>
+          </p:spPr>
+        </p:pic>
+        <p:pic>
+          <p:nvPicPr>
+            <p:cNvPr id="299" name="Google Shape;299;p32"/>
+            <p:cNvPicPr preferRelativeResize="0"/>
+            <p:nvPr/>
+          </p:nvPicPr>
+          <p:blipFill rotWithShape="1">
+            <a:blip r:embed="rId5">
+              <a:alphaModFix/>
+            </a:blip>
+            <a:srcRect b="9041" l="0" r="0" t="0"/>
+            <a:stretch/>
+          </p:blipFill>
+          <p:spPr>
+            <a:xfrm>
+              <a:off x="4061899" y="-4825"/>
+              <a:ext cx="1493392" cy="1029575"/>
+            </a:xfrm>
+            <a:prstGeom prst="rect">
+              <a:avLst/>
+            </a:prstGeom>
+            <a:noFill/>
+            <a:ln>
+              <a:noFill/>
+            </a:ln>
+          </p:spPr>
+        </p:pic>
+        <p:pic>
+          <p:nvPicPr>
+            <p:cNvPr id="300" name="Google Shape;300;p32"/>
+            <p:cNvPicPr preferRelativeResize="0"/>
+            <p:nvPr/>
+          </p:nvPicPr>
+          <p:blipFill rotWithShape="1">
+            <a:blip r:embed="rId6">
+              <a:alphaModFix/>
+            </a:blip>
+            <a:srcRect b="13577" l="0" r="0" t="0"/>
+            <a:stretch/>
+          </p:blipFill>
+          <p:spPr>
+            <a:xfrm>
+              <a:off x="2540112" y="-4825"/>
+              <a:ext cx="1126013" cy="1029575"/>
+            </a:xfrm>
+            <a:prstGeom prst="rect">
+              <a:avLst/>
+            </a:prstGeom>
+            <a:noFill/>
+            <a:ln>
+              <a:noFill/>
+            </a:ln>
+          </p:spPr>
+        </p:pic>
+        <p:pic>
+          <p:nvPicPr>
+            <p:cNvPr id="301" name="Google Shape;301;p32"/>
+            <p:cNvPicPr preferRelativeResize="0"/>
+            <p:nvPr/>
+          </p:nvPicPr>
+          <p:blipFill rotWithShape="1">
+            <a:blip r:embed="rId7">
+              <a:alphaModFix/>
+            </a:blip>
+            <a:srcRect b="9853" l="0" r="0" t="0"/>
+            <a:stretch/>
+          </p:blipFill>
+          <p:spPr>
+            <a:xfrm>
+              <a:off x="6228649" y="-13951"/>
+              <a:ext cx="1126001" cy="1047837"/>
+            </a:xfrm>
+            <a:prstGeom prst="rect">
+              <a:avLst/>
+            </a:prstGeom>
+            <a:noFill/>
+            <a:ln>
+              <a:noFill/>
+            </a:ln>
+          </p:spPr>
+        </p:pic>
+        <p:pic>
+          <p:nvPicPr>
+            <p:cNvPr id="302" name="Google Shape;302;p32"/>
+            <p:cNvPicPr preferRelativeResize="0"/>
+            <p:nvPr/>
+          </p:nvPicPr>
+          <p:blipFill rotWithShape="1">
+            <a:blip r:embed="rId8">
+              <a:alphaModFix/>
+            </a:blip>
+            <a:srcRect b="9682" l="0" r="0" t="0"/>
+            <a:stretch/>
+          </p:blipFill>
+          <p:spPr>
+            <a:xfrm>
+              <a:off x="8055700" y="39600"/>
+              <a:ext cx="1051298" cy="1029575"/>
+            </a:xfrm>
+            <a:prstGeom prst="rect">
+              <a:avLst/>
+            </a:prstGeom>
+            <a:noFill/>
+            <a:ln>
+              <a:noFill/>
+            </a:ln>
+          </p:spPr>
+        </p:pic>
+      </p:grpSp>
+      <p:grpSp>
+        <p:nvGrpSpPr>
+          <p:cNvPr id="303" name="Google Shape;303;p32"/>
+          <p:cNvGrpSpPr/>
+          <p:nvPr/>
+        </p:nvGrpSpPr>
+        <p:grpSpPr>
+          <a:xfrm>
+            <a:off x="0" y="3987208"/>
+            <a:ext cx="9164450" cy="1156292"/>
+            <a:chOff x="0" y="3987208"/>
+            <a:chExt cx="9164450" cy="1156292"/>
+          </a:xfrm>
+        </p:grpSpPr>
+        <p:pic>
+          <p:nvPicPr>
+            <p:cNvPr id="304" name="Google Shape;304;p32"/>
+            <p:cNvPicPr preferRelativeResize="0"/>
+            <p:nvPr/>
+          </p:nvPicPr>
+          <p:blipFill rotWithShape="1">
+            <a:blip r:embed="rId9">
+              <a:alphaModFix/>
+            </a:blip>
+            <a:srcRect b="8138" l="0" r="0" t="0"/>
+            <a:stretch/>
+          </p:blipFill>
+          <p:spPr>
+            <a:xfrm>
+              <a:off x="0" y="4073253"/>
+              <a:ext cx="977025" cy="1070247"/>
+            </a:xfrm>
+            <a:prstGeom prst="rect">
+              <a:avLst/>
+            </a:prstGeom>
+            <a:noFill/>
+            <a:ln>
+              <a:noFill/>
+            </a:ln>
+          </p:spPr>
+        </p:pic>
+        <p:pic>
+          <p:nvPicPr>
+            <p:cNvPr id="305" name="Google Shape;305;p32"/>
+            <p:cNvPicPr preferRelativeResize="0"/>
+            <p:nvPr/>
+          </p:nvPicPr>
+          <p:blipFill rotWithShape="1">
+            <a:blip r:embed="rId10">
+              <a:alphaModFix/>
+            </a:blip>
+            <a:srcRect b="10650" l="0" r="0" t="0"/>
+            <a:stretch/>
+          </p:blipFill>
+          <p:spPr>
+            <a:xfrm>
+              <a:off x="1447800" y="4093067"/>
+              <a:ext cx="916625" cy="1050433"/>
+            </a:xfrm>
+            <a:prstGeom prst="rect">
+              <a:avLst/>
+            </a:prstGeom>
+            <a:noFill/>
+            <a:ln>
+              <a:noFill/>
+            </a:ln>
+          </p:spPr>
+        </p:pic>
+        <p:pic>
+          <p:nvPicPr>
+            <p:cNvPr id="306" name="Google Shape;306;p32"/>
+            <p:cNvPicPr preferRelativeResize="0"/>
+            <p:nvPr/>
+          </p:nvPicPr>
+          <p:blipFill rotWithShape="1">
+            <a:blip r:embed="rId11">
+              <a:alphaModFix/>
+            </a:blip>
+            <a:srcRect b="7510" l="0" r="0" t="0"/>
+            <a:stretch/>
+          </p:blipFill>
+          <p:spPr>
+            <a:xfrm>
+              <a:off x="2895600" y="4073250"/>
+              <a:ext cx="876183" cy="1070250"/>
+            </a:xfrm>
+            <a:prstGeom prst="rect">
+              <a:avLst/>
+            </a:prstGeom>
+            <a:noFill/>
+            <a:ln>
+              <a:noFill/>
+            </a:ln>
+          </p:spPr>
+        </p:pic>
+        <p:pic>
+          <p:nvPicPr>
+            <p:cNvPr id="307" name="Google Shape;307;p32"/>
+            <p:cNvPicPr preferRelativeResize="0"/>
+            <p:nvPr/>
+          </p:nvPicPr>
+          <p:blipFill rotWithShape="1">
+            <a:blip r:embed="rId12">
+              <a:alphaModFix/>
+            </a:blip>
+            <a:srcRect b="9600" l="0" r="0" t="0"/>
+            <a:stretch/>
+          </p:blipFill>
+          <p:spPr>
+            <a:xfrm>
+              <a:off x="4290500" y="4073250"/>
+              <a:ext cx="1310534" cy="1070250"/>
+            </a:xfrm>
+            <a:prstGeom prst="rect">
+              <a:avLst/>
+            </a:prstGeom>
+            <a:noFill/>
+            <a:ln>
+              <a:noFill/>
+            </a:ln>
+          </p:spPr>
+        </p:pic>
+        <p:pic>
+          <p:nvPicPr>
+            <p:cNvPr id="308" name="Google Shape;308;p32"/>
+            <p:cNvPicPr preferRelativeResize="0"/>
+            <p:nvPr/>
+          </p:nvPicPr>
+          <p:blipFill rotWithShape="1">
+            <a:blip r:embed="rId13">
+              <a:alphaModFix/>
+            </a:blip>
+            <a:srcRect b="9990" l="0" r="0" t="0"/>
+            <a:stretch/>
+          </p:blipFill>
+          <p:spPr>
+            <a:xfrm>
+              <a:off x="6012600" y="4073250"/>
+              <a:ext cx="1723450" cy="1070250"/>
+            </a:xfrm>
+            <a:prstGeom prst="rect">
+              <a:avLst/>
+            </a:prstGeom>
+            <a:noFill/>
+            <a:ln>
+              <a:noFill/>
+            </a:ln>
+          </p:spPr>
+        </p:pic>
+        <p:pic>
+          <p:nvPicPr>
+            <p:cNvPr id="309" name="Google Shape;309;p32"/>
+            <p:cNvPicPr preferRelativeResize="0"/>
+            <p:nvPr/>
+          </p:nvPicPr>
+          <p:blipFill rotWithShape="1">
+            <a:blip r:embed="rId14">
+              <a:alphaModFix/>
+            </a:blip>
+            <a:srcRect b="8575" l="0" r="0" t="0"/>
+            <a:stretch/>
+          </p:blipFill>
+          <p:spPr>
+            <a:xfrm>
+              <a:off x="8038450" y="3987208"/>
+              <a:ext cx="1126000" cy="1156292"/>
+            </a:xfrm>
+            <a:prstGeom prst="rect">
+              <a:avLst/>
+            </a:prstGeom>
+            <a:noFill/>
+            <a:ln>
+              <a:noFill/>
+            </a:ln>
+          </p:spPr>
+        </p:pic>
+      </p:grpSp>
+      <p:sp>
+        <p:nvSpPr>
+          <p:cNvPr id="310" name="Google Shape;310;p32"/>
+          <p:cNvSpPr txBox="1"/>
+          <p:nvPr/>
+        </p:nvSpPr>
+        <p:spPr>
+          <a:xfrm>
+            <a:off x="5367125" y="1475500"/>
+            <a:ext cx="7156200" cy="2784600"/>
+          </a:xfrm>
+          <a:prstGeom prst="rect">
+            <a:avLst/>
+          </a:prstGeom>
+          <a:noFill/>
+          <a:ln>
+            <a:noFill/>
+          </a:ln>
+        </p:spPr>
+        <p:txBody>
+          <a:bodyPr anchorCtr="0" anchor="t" bIns="91425" lIns="91425" spcFirstLastPara="1" rIns="91425" wrap="square" tIns="91425">
+            <a:spAutoFit/>
+          </a:bodyPr>
+          <a:lstStyle/>
+          <a:p>
+            <a:pPr indent="-342900" lvl="0" marL="457200" rtl="0" algn="l">
+              <a:lnSpc>
+                <a:spcPct val="115000"/>
+              </a:lnSpc>
+              <a:spcBef>
+                <a:spcPts val="0"/>
+              </a:spcBef>
+              <a:spcAft>
+                <a:spcPts val="0"/>
+              </a:spcAft>
+              <a:buClr>
+                <a:schemeClr val="lt1"/>
+              </a:buClr>
+              <a:buSzPts val="1800"/>
+              <a:buFont typeface="Times New Roman"/>
+              <a:buChar char="●"/>
+            </a:pPr>
+            <a:r>
+              <a:rPr lang="en" sz="1800">
+                <a:solidFill>
+                  <a:schemeClr val="lt1"/>
+                </a:solidFill>
+                <a:latin typeface="Times New Roman"/>
+                <a:ea typeface="Times New Roman"/>
+                <a:cs typeface="Times New Roman"/>
+                <a:sym typeface="Times New Roman"/>
+              </a:rPr>
+              <a:t>Postgres</a:t>
+            </a:r>
+            <a:endParaRPr sz="1800">
+              <a:solidFill>
+                <a:schemeClr val="lt1"/>
+              </a:solidFill>
+              <a:latin typeface="Times New Roman"/>
+              <a:ea typeface="Times New Roman"/>
+              <a:cs typeface="Times New Roman"/>
+              <a:sym typeface="Times New Roman"/>
+            </a:endParaRPr>
+          </a:p>
+          <a:p>
+            <a:pPr indent="-342900" lvl="0" marL="457200" rtl="0" algn="l">
+              <a:lnSpc>
+                <a:spcPct val="115000"/>
+              </a:lnSpc>
+              <a:spcBef>
+                <a:spcPts val="0"/>
+              </a:spcBef>
+              <a:spcAft>
+                <a:spcPts val="0"/>
+              </a:spcAft>
+              <a:buClr>
+                <a:schemeClr val="lt1"/>
+              </a:buClr>
+              <a:buSzPts val="1800"/>
+              <a:buFont typeface="Times New Roman"/>
+              <a:buChar char="●"/>
+            </a:pPr>
+            <a:r>
+              <a:rPr lang="en" sz="1800">
+                <a:solidFill>
+                  <a:schemeClr val="lt1"/>
+                </a:solidFill>
+                <a:latin typeface="Times New Roman"/>
+                <a:ea typeface="Times New Roman"/>
+                <a:cs typeface="Times New Roman"/>
+                <a:sym typeface="Times New Roman"/>
+              </a:rPr>
+              <a:t>Pandas</a:t>
+            </a:r>
+            <a:endParaRPr sz="1800">
+              <a:solidFill>
+                <a:schemeClr val="lt1"/>
+              </a:solidFill>
+              <a:latin typeface="Times New Roman"/>
+              <a:ea typeface="Times New Roman"/>
+              <a:cs typeface="Times New Roman"/>
+              <a:sym typeface="Times New Roman"/>
+            </a:endParaRPr>
+          </a:p>
+          <a:p>
+            <a:pPr indent="-342900" lvl="0" marL="457200" rtl="0" algn="l">
+              <a:lnSpc>
+                <a:spcPct val="115000"/>
+              </a:lnSpc>
+              <a:spcBef>
+                <a:spcPts val="0"/>
+              </a:spcBef>
+              <a:spcAft>
+                <a:spcPts val="0"/>
+              </a:spcAft>
+              <a:buClr>
+                <a:schemeClr val="lt1"/>
+              </a:buClr>
+              <a:buSzPts val="1800"/>
+              <a:buFont typeface="Times New Roman"/>
+              <a:buChar char="●"/>
+            </a:pPr>
+            <a:r>
+              <a:rPr lang="en" sz="1800">
+                <a:solidFill>
+                  <a:schemeClr val="lt1"/>
+                </a:solidFill>
+                <a:latin typeface="Times New Roman"/>
+                <a:ea typeface="Times New Roman"/>
+                <a:cs typeface="Times New Roman"/>
+                <a:sym typeface="Times New Roman"/>
+              </a:rPr>
+              <a:t>Javascript</a:t>
+            </a:r>
+            <a:endParaRPr sz="1800">
+              <a:solidFill>
+                <a:schemeClr val="lt1"/>
+              </a:solidFill>
+              <a:latin typeface="Times New Roman"/>
+              <a:ea typeface="Times New Roman"/>
+              <a:cs typeface="Times New Roman"/>
+              <a:sym typeface="Times New Roman"/>
+            </a:endParaRPr>
+          </a:p>
+          <a:p>
+            <a:pPr indent="-342900" lvl="0" marL="457200" rtl="0" algn="l">
+              <a:lnSpc>
+                <a:spcPct val="115000"/>
+              </a:lnSpc>
+              <a:spcBef>
+                <a:spcPts val="0"/>
+              </a:spcBef>
+              <a:spcAft>
+                <a:spcPts val="0"/>
+              </a:spcAft>
+              <a:buClr>
+                <a:schemeClr val="lt1"/>
+              </a:buClr>
+              <a:buSzPts val="1800"/>
+              <a:buFont typeface="Times New Roman"/>
+              <a:buChar char="●"/>
+            </a:pPr>
+            <a:r>
+              <a:rPr lang="en" sz="1800">
+                <a:solidFill>
+                  <a:schemeClr val="lt1"/>
+                </a:solidFill>
+                <a:latin typeface="Times New Roman"/>
+                <a:ea typeface="Times New Roman"/>
+                <a:cs typeface="Times New Roman"/>
+                <a:sym typeface="Times New Roman"/>
+              </a:rPr>
+              <a:t>Bootstrap</a:t>
+            </a:r>
+            <a:endParaRPr sz="1800">
+              <a:solidFill>
+                <a:schemeClr val="lt1"/>
+              </a:solidFill>
+              <a:latin typeface="Times New Roman"/>
+              <a:ea typeface="Times New Roman"/>
+              <a:cs typeface="Times New Roman"/>
+              <a:sym typeface="Times New Roman"/>
+            </a:endParaRPr>
+          </a:p>
+          <a:p>
+            <a:pPr indent="-342900" lvl="0" marL="457200" rtl="0" algn="l">
+              <a:lnSpc>
+                <a:spcPct val="115000"/>
+              </a:lnSpc>
+              <a:spcBef>
+                <a:spcPts val="0"/>
+              </a:spcBef>
+              <a:spcAft>
+                <a:spcPts val="0"/>
+              </a:spcAft>
+              <a:buClr>
+                <a:schemeClr val="lt1"/>
+              </a:buClr>
+              <a:buSzPts val="1800"/>
+              <a:buFont typeface="Times New Roman"/>
+              <a:buChar char="●"/>
+            </a:pPr>
+            <a:r>
+              <a:rPr lang="en" sz="1800">
+                <a:solidFill>
+                  <a:schemeClr val="lt1"/>
+                </a:solidFill>
+                <a:latin typeface="Times New Roman"/>
+                <a:ea typeface="Times New Roman"/>
+                <a:cs typeface="Times New Roman"/>
+                <a:sym typeface="Times New Roman"/>
+              </a:rPr>
+              <a:t>AWS</a:t>
+            </a:r>
+            <a:endParaRPr sz="1800">
+              <a:solidFill>
+                <a:schemeClr val="lt1"/>
+              </a:solidFill>
+              <a:latin typeface="Times New Roman"/>
+              <a:ea typeface="Times New Roman"/>
+              <a:cs typeface="Times New Roman"/>
+              <a:sym typeface="Times New Roman"/>
+            </a:endParaRPr>
+          </a:p>
+          <a:p>
+            <a:pPr indent="-342900" lvl="0" marL="457200" rtl="0" algn="l">
+              <a:lnSpc>
+                <a:spcPct val="115000"/>
+              </a:lnSpc>
+              <a:spcBef>
+                <a:spcPts val="0"/>
+              </a:spcBef>
+              <a:spcAft>
+                <a:spcPts val="0"/>
+              </a:spcAft>
+              <a:buClr>
+                <a:schemeClr val="lt1"/>
+              </a:buClr>
+              <a:buSzPts val="1800"/>
+              <a:buFont typeface="Times New Roman"/>
+              <a:buChar char="●"/>
+            </a:pPr>
+            <a:r>
+              <a:rPr lang="en" sz="1800">
+                <a:solidFill>
+                  <a:schemeClr val="lt1"/>
+                </a:solidFill>
+                <a:latin typeface="Times New Roman"/>
+                <a:ea typeface="Times New Roman"/>
+                <a:cs typeface="Times New Roman"/>
+                <a:sym typeface="Times New Roman"/>
+              </a:rPr>
+              <a:t>Jupyter Notebook</a:t>
+            </a:r>
+            <a:endParaRPr sz="1800">
+              <a:solidFill>
+                <a:schemeClr val="lt1"/>
+              </a:solidFill>
+              <a:latin typeface="Times New Roman"/>
+              <a:ea typeface="Times New Roman"/>
+              <a:cs typeface="Times New Roman"/>
+              <a:sym typeface="Times New Roman"/>
+            </a:endParaRPr>
+          </a:p>
+          <a:p>
+            <a:pPr indent="-342900" lvl="0" marL="457200" rtl="0" algn="l">
+              <a:lnSpc>
+                <a:spcPct val="115000"/>
+              </a:lnSpc>
+              <a:spcBef>
+                <a:spcPts val="0"/>
+              </a:spcBef>
+              <a:spcAft>
+                <a:spcPts val="0"/>
+              </a:spcAft>
+              <a:buClr>
+                <a:schemeClr val="lt1"/>
+              </a:buClr>
+              <a:buSzPts val="1800"/>
+              <a:buFont typeface="Times New Roman"/>
+              <a:buChar char="●"/>
+            </a:pPr>
+            <a:r>
+              <a:rPr lang="en" sz="1800">
+                <a:solidFill>
+                  <a:schemeClr val="lt1"/>
+                </a:solidFill>
+                <a:latin typeface="Times New Roman"/>
+                <a:ea typeface="Times New Roman"/>
+                <a:cs typeface="Times New Roman"/>
+                <a:sym typeface="Times New Roman"/>
+              </a:rPr>
+              <a:t>Microsoft Word</a:t>
+            </a:r>
+            <a:endParaRPr sz="1800">
+              <a:solidFill>
+                <a:schemeClr val="lt1"/>
+              </a:solidFill>
+              <a:latin typeface="Times New Roman"/>
+              <a:ea typeface="Times New Roman"/>
+              <a:cs typeface="Times New Roman"/>
+              <a:sym typeface="Times New Roman"/>
+            </a:endParaRPr>
+          </a:p>
+          <a:p>
+            <a:pPr indent="0" lvl="0" marL="0" rtl="0" algn="l">
+              <a:spcBef>
+                <a:spcPts val="1200"/>
+              </a:spcBef>
+              <a:spcAft>
+                <a:spcPts val="0"/>
+              </a:spcAft>
+              <a:buNone/>
+            </a:pPr>
+            <a:r>
               <a:t/>
             </a:r>
             <a:endParaRPr/>
           </a:p>
         </p:txBody>
       </p:sp>
+    </p:spTree>
+  </p:cSld>
+  <p:clrMapOvr>
+    <a:masterClrMapping/>
+  </p:clrMapOvr>
+</p:sld>
+</file>
+
+<file path=ppt/slides/slide21.xml><?xml version="1.0" encoding="utf-8"?>
+<p:sld xmlns:a="http://schemas.openxmlformats.org/drawingml/2006/main" xmlns:r="http://schemas.openxmlformats.org/officeDocument/2006/relationships" xmlns:mc="http://schemas.openxmlformats.org/markup-compatibility/2006" xmlns:mv="urn:schemas-microsoft-com:mac:vml" xmlns:p="http://schemas.openxmlformats.org/presentationml/2006/main" xmlns:c="http://schemas.openxmlformats.org/drawingml/2006/chart" xmlns:dgm="http://schemas.openxmlformats.org/drawingml/2006/diagram" xmlns:o="urn:schemas-microsoft-com:office:office" xmlns:v="urn:schemas-microsoft-com:vml" xmlns:pvml="urn:schemas-microsoft-com:office:powerpoint" xmlns:com="http://schemas.openxmlformats.org/drawingml/2006/compatibility" xmlns:p14="http://schemas.microsoft.com/office/powerpoint/2010/main" xmlns:p15="http://schemas.microsoft.com/office/powerpoint/2012/main" xmlns:ahyp="http://schemas.microsoft.com/office/drawing/2018/hyperlinkcolor">
+  <p:cSld>
+    <p:bg>
+      <p:bgPr>
+        <a:solidFill>
+          <a:srgbClr val="F4D58F"/>
+        </a:solidFill>
+      </p:bgPr>
+    </p:bg>
+    <p:spTree>
+      <p:nvGrpSpPr>
+        <p:cNvPr id="314" name="Shape 314"/>
+        <p:cNvGrpSpPr/>
+        <p:nvPr/>
+      </p:nvGrpSpPr>
+      <p:grpSpPr>
+        <a:xfrm>
+          <a:off x="0" y="0"/>
+          <a:ext cx="0" cy="0"/>
+          <a:chOff x="0" y="0"/>
+          <a:chExt cx="0" cy="0"/>
+        </a:xfrm>
+      </p:grpSpPr>
+      <p:sp>
+        <p:nvSpPr>
+          <p:cNvPr id="315" name="Google Shape;315;p33"/>
+          <p:cNvSpPr txBox="1"/>
+          <p:nvPr>
+            <p:ph type="title"/>
+          </p:nvPr>
+        </p:nvSpPr>
+        <p:spPr>
+          <a:xfrm>
+            <a:off x="311700" y="1152475"/>
+            <a:ext cx="8520600" cy="572700"/>
+          </a:xfrm>
+          <a:prstGeom prst="rect">
+            <a:avLst/>
+          </a:prstGeom>
+        </p:spPr>
+        <p:txBody>
+          <a:bodyPr anchorCtr="0" anchor="t" bIns="91425" lIns="91425" spcFirstLastPara="1" rIns="91425" wrap="square" tIns="91425">
+            <a:normAutofit fontScale="90000"/>
+          </a:bodyPr>
+          <a:lstStyle/>
+          <a:p>
+            <a:pPr indent="0" lvl="0" marL="0" rtl="0" algn="l">
+              <a:spcBef>
+                <a:spcPts val="0"/>
+              </a:spcBef>
+              <a:spcAft>
+                <a:spcPts val="0"/>
+              </a:spcAft>
+              <a:buNone/>
+            </a:pPr>
+            <a:r>
+              <a:rPr b="1" lang="en">
+                <a:solidFill>
+                  <a:schemeClr val="lt1"/>
+                </a:solidFill>
+                <a:latin typeface="Times New Roman"/>
+                <a:ea typeface="Times New Roman"/>
+                <a:cs typeface="Times New Roman"/>
+                <a:sym typeface="Times New Roman"/>
+              </a:rPr>
+              <a:t>Results of Analysis - Machine Learning Models</a:t>
+            </a:r>
+            <a:endParaRPr b="1">
+              <a:solidFill>
+                <a:schemeClr val="lt1"/>
+              </a:solidFill>
+              <a:latin typeface="Times New Roman"/>
+              <a:ea typeface="Times New Roman"/>
+              <a:cs typeface="Times New Roman"/>
+              <a:sym typeface="Times New Roman"/>
+            </a:endParaRPr>
+          </a:p>
+        </p:txBody>
+      </p:sp>
+      <p:sp>
+        <p:nvSpPr>
+          <p:cNvPr id="316" name="Google Shape;316;p33"/>
+          <p:cNvSpPr txBox="1"/>
+          <p:nvPr>
+            <p:ph idx="1" type="body"/>
+          </p:nvPr>
+        </p:nvSpPr>
+        <p:spPr>
+          <a:xfrm>
+            <a:off x="311700" y="1746050"/>
+            <a:ext cx="8520600" cy="3416400"/>
+          </a:xfrm>
+          <a:prstGeom prst="rect">
+            <a:avLst/>
+          </a:prstGeom>
+        </p:spPr>
+        <p:txBody>
+          <a:bodyPr anchorCtr="0" anchor="t" bIns="91425" lIns="91425" spcFirstLastPara="1" rIns="91425" wrap="square" tIns="91425">
+            <a:normAutofit/>
+          </a:bodyPr>
+          <a:lstStyle/>
+          <a:p>
+            <a:pPr indent="-342900" lvl="0" marL="457200" rtl="0" algn="l">
+              <a:spcBef>
+                <a:spcPts val="0"/>
+              </a:spcBef>
+              <a:spcAft>
+                <a:spcPts val="0"/>
+              </a:spcAft>
+              <a:buClr>
+                <a:schemeClr val="lt1"/>
+              </a:buClr>
+              <a:buSzPts val="1800"/>
+              <a:buFont typeface="Times New Roman"/>
+              <a:buChar char="●"/>
+            </a:pPr>
+            <a:r>
+              <a:rPr lang="en">
+                <a:solidFill>
+                  <a:schemeClr val="lt1"/>
+                </a:solidFill>
+                <a:latin typeface="Times New Roman"/>
+                <a:ea typeface="Times New Roman"/>
+                <a:cs typeface="Times New Roman"/>
+                <a:sym typeface="Times New Roman"/>
+              </a:rPr>
+              <a:t>Logistic</a:t>
+            </a:r>
+            <a:r>
+              <a:rPr lang="en">
+                <a:solidFill>
+                  <a:schemeClr val="lt1"/>
+                </a:solidFill>
+                <a:latin typeface="Times New Roman"/>
+                <a:ea typeface="Times New Roman"/>
+                <a:cs typeface="Times New Roman"/>
+                <a:sym typeface="Times New Roman"/>
+              </a:rPr>
+              <a:t> Regression models were used as both </a:t>
+            </a:r>
+            <a:r>
+              <a:rPr lang="en">
+                <a:solidFill>
+                  <a:schemeClr val="lt1"/>
+                </a:solidFill>
+                <a:latin typeface="Times New Roman"/>
+                <a:ea typeface="Times New Roman"/>
+                <a:cs typeface="Times New Roman"/>
+                <a:sym typeface="Times New Roman"/>
+              </a:rPr>
+              <a:t>datasets</a:t>
+            </a:r>
+            <a:r>
+              <a:rPr lang="en">
+                <a:solidFill>
+                  <a:schemeClr val="lt1"/>
+                </a:solidFill>
+                <a:latin typeface="Times New Roman"/>
+                <a:ea typeface="Times New Roman"/>
+                <a:cs typeface="Times New Roman"/>
+                <a:sym typeface="Times New Roman"/>
+              </a:rPr>
+              <a:t> were categorical.</a:t>
+            </a:r>
+            <a:endParaRPr>
+              <a:solidFill>
+                <a:schemeClr val="lt1"/>
+              </a:solidFill>
+              <a:latin typeface="Times New Roman"/>
+              <a:ea typeface="Times New Roman"/>
+              <a:cs typeface="Times New Roman"/>
+              <a:sym typeface="Times New Roman"/>
+            </a:endParaRPr>
+          </a:p>
+          <a:p>
+            <a:pPr indent="0" lvl="0" marL="457200" rtl="0" algn="l">
+              <a:spcBef>
+                <a:spcPts val="1200"/>
+              </a:spcBef>
+              <a:spcAft>
+                <a:spcPts val="0"/>
+              </a:spcAft>
+              <a:buNone/>
+            </a:pPr>
+            <a:r>
+              <a:t/>
+            </a:r>
+            <a:endParaRPr>
+              <a:solidFill>
+                <a:schemeClr val="lt1"/>
+              </a:solidFill>
+              <a:latin typeface="Times New Roman"/>
+              <a:ea typeface="Times New Roman"/>
+              <a:cs typeface="Times New Roman"/>
+              <a:sym typeface="Times New Roman"/>
+            </a:endParaRPr>
+          </a:p>
+          <a:p>
+            <a:pPr indent="-342900" lvl="0" marL="457200" rtl="0" algn="l">
+              <a:spcBef>
+                <a:spcPts val="1200"/>
+              </a:spcBef>
+              <a:spcAft>
+                <a:spcPts val="0"/>
+              </a:spcAft>
+              <a:buClr>
+                <a:schemeClr val="lt1"/>
+              </a:buClr>
+              <a:buSzPts val="1800"/>
+              <a:buFont typeface="Times New Roman"/>
+              <a:buChar char="●"/>
+            </a:pPr>
+            <a:r>
+              <a:rPr lang="en">
+                <a:solidFill>
+                  <a:schemeClr val="lt1"/>
+                </a:solidFill>
+                <a:latin typeface="Times New Roman"/>
+                <a:ea typeface="Times New Roman"/>
+                <a:cs typeface="Times New Roman"/>
+                <a:sym typeface="Times New Roman"/>
+              </a:rPr>
+              <a:t>Unfortunately, both models showed aa low accuracy score as well as precision, recall and F1 scores.</a:t>
+            </a:r>
+            <a:endParaRPr>
+              <a:solidFill>
+                <a:schemeClr val="lt1"/>
+              </a:solidFill>
+              <a:latin typeface="Times New Roman"/>
+              <a:ea typeface="Times New Roman"/>
+              <a:cs typeface="Times New Roman"/>
+              <a:sym typeface="Times New Roman"/>
+            </a:endParaRPr>
+          </a:p>
+        </p:txBody>
+      </p:sp>
+      <p:grpSp>
+        <p:nvGrpSpPr>
+          <p:cNvPr id="317" name="Google Shape;317;p33"/>
+          <p:cNvGrpSpPr/>
+          <p:nvPr/>
+        </p:nvGrpSpPr>
+        <p:grpSpPr>
+          <a:xfrm>
+            <a:off x="18500" y="47675"/>
+            <a:ext cx="9106999" cy="1083925"/>
+            <a:chOff x="0" y="-14750"/>
+            <a:chExt cx="9106999" cy="1083925"/>
+          </a:xfrm>
+        </p:grpSpPr>
+        <p:pic>
+          <p:nvPicPr>
+            <p:cNvPr id="318" name="Google Shape;318;p33"/>
+            <p:cNvPicPr preferRelativeResize="0"/>
+            <p:nvPr/>
+          </p:nvPicPr>
+          <p:blipFill rotWithShape="1">
+            <a:blip r:embed="rId3">
+              <a:alphaModFix/>
+            </a:blip>
+            <a:srcRect b="9755" l="0" r="0" t="0"/>
+            <a:stretch/>
+          </p:blipFill>
+          <p:spPr>
+            <a:xfrm>
+              <a:off x="0" y="-14750"/>
+              <a:ext cx="1022125" cy="1029574"/>
+            </a:xfrm>
+            <a:prstGeom prst="rect">
+              <a:avLst/>
+            </a:prstGeom>
+            <a:noFill/>
+            <a:ln>
+              <a:noFill/>
+            </a:ln>
+          </p:spPr>
+        </p:pic>
+        <p:pic>
+          <p:nvPicPr>
+            <p:cNvPr id="319" name="Google Shape;319;p33"/>
+            <p:cNvPicPr preferRelativeResize="0"/>
+            <p:nvPr/>
+          </p:nvPicPr>
+          <p:blipFill rotWithShape="1">
+            <a:blip r:embed="rId4">
+              <a:alphaModFix/>
+            </a:blip>
+            <a:srcRect b="8700" l="0" r="0" t="0"/>
+            <a:stretch/>
+          </p:blipFill>
+          <p:spPr>
+            <a:xfrm>
+              <a:off x="1471076" y="-14750"/>
+              <a:ext cx="673249" cy="1029575"/>
+            </a:xfrm>
+            <a:prstGeom prst="rect">
+              <a:avLst/>
+            </a:prstGeom>
+            <a:noFill/>
+            <a:ln>
+              <a:noFill/>
+            </a:ln>
+          </p:spPr>
+        </p:pic>
+        <p:pic>
+          <p:nvPicPr>
+            <p:cNvPr id="320" name="Google Shape;320;p33"/>
+            <p:cNvPicPr preferRelativeResize="0"/>
+            <p:nvPr/>
+          </p:nvPicPr>
+          <p:blipFill rotWithShape="1">
+            <a:blip r:embed="rId5">
+              <a:alphaModFix/>
+            </a:blip>
+            <a:srcRect b="9041" l="0" r="0" t="0"/>
+            <a:stretch/>
+          </p:blipFill>
+          <p:spPr>
+            <a:xfrm>
+              <a:off x="4061899" y="-4825"/>
+              <a:ext cx="1493392" cy="1029575"/>
+            </a:xfrm>
+            <a:prstGeom prst="rect">
+              <a:avLst/>
+            </a:prstGeom>
+            <a:noFill/>
+            <a:ln>
+              <a:noFill/>
+            </a:ln>
+          </p:spPr>
+        </p:pic>
+        <p:pic>
+          <p:nvPicPr>
+            <p:cNvPr id="321" name="Google Shape;321;p33"/>
+            <p:cNvPicPr preferRelativeResize="0"/>
+            <p:nvPr/>
+          </p:nvPicPr>
+          <p:blipFill rotWithShape="1">
+            <a:blip r:embed="rId6">
+              <a:alphaModFix/>
+            </a:blip>
+            <a:srcRect b="13577" l="0" r="0" t="0"/>
+            <a:stretch/>
+          </p:blipFill>
+          <p:spPr>
+            <a:xfrm>
+              <a:off x="2540112" y="-4825"/>
+              <a:ext cx="1126013" cy="1029575"/>
+            </a:xfrm>
+            <a:prstGeom prst="rect">
+              <a:avLst/>
+            </a:prstGeom>
+            <a:noFill/>
+            <a:ln>
+              <a:noFill/>
+            </a:ln>
+          </p:spPr>
+        </p:pic>
+        <p:pic>
+          <p:nvPicPr>
+            <p:cNvPr id="322" name="Google Shape;322;p33"/>
+            <p:cNvPicPr preferRelativeResize="0"/>
+            <p:nvPr/>
+          </p:nvPicPr>
+          <p:blipFill rotWithShape="1">
+            <a:blip r:embed="rId7">
+              <a:alphaModFix/>
+            </a:blip>
+            <a:srcRect b="9853" l="0" r="0" t="0"/>
+            <a:stretch/>
+          </p:blipFill>
+          <p:spPr>
+            <a:xfrm>
+              <a:off x="6228649" y="-13951"/>
+              <a:ext cx="1126001" cy="1047837"/>
+            </a:xfrm>
+            <a:prstGeom prst="rect">
+              <a:avLst/>
+            </a:prstGeom>
+            <a:noFill/>
+            <a:ln>
+              <a:noFill/>
+            </a:ln>
+          </p:spPr>
+        </p:pic>
+        <p:pic>
+          <p:nvPicPr>
+            <p:cNvPr id="323" name="Google Shape;323;p33"/>
+            <p:cNvPicPr preferRelativeResize="0"/>
+            <p:nvPr/>
+          </p:nvPicPr>
+          <p:blipFill rotWithShape="1">
+            <a:blip r:embed="rId8">
+              <a:alphaModFix/>
+            </a:blip>
+            <a:srcRect b="9682" l="0" r="0" t="0"/>
+            <a:stretch/>
+          </p:blipFill>
+          <p:spPr>
+            <a:xfrm>
+              <a:off x="8055700" y="39600"/>
+              <a:ext cx="1051298" cy="1029575"/>
+            </a:xfrm>
+            <a:prstGeom prst="rect">
+              <a:avLst/>
+            </a:prstGeom>
+            <a:noFill/>
+            <a:ln>
+              <a:noFill/>
+            </a:ln>
+          </p:spPr>
+        </p:pic>
+      </p:grpSp>
+      <p:grpSp>
+        <p:nvGrpSpPr>
+          <p:cNvPr id="324" name="Google Shape;324;p33"/>
+          <p:cNvGrpSpPr/>
+          <p:nvPr/>
+        </p:nvGrpSpPr>
+        <p:grpSpPr>
+          <a:xfrm>
+            <a:off x="0" y="3987208"/>
+            <a:ext cx="9164450" cy="1156292"/>
+            <a:chOff x="0" y="3987208"/>
+            <a:chExt cx="9164450" cy="1156292"/>
+          </a:xfrm>
+        </p:grpSpPr>
+        <p:pic>
+          <p:nvPicPr>
+            <p:cNvPr id="325" name="Google Shape;325;p33"/>
+            <p:cNvPicPr preferRelativeResize="0"/>
+            <p:nvPr/>
+          </p:nvPicPr>
+          <p:blipFill rotWithShape="1">
+            <a:blip r:embed="rId9">
+              <a:alphaModFix/>
+            </a:blip>
+            <a:srcRect b="8138" l="0" r="0" t="0"/>
+            <a:stretch/>
+          </p:blipFill>
+          <p:spPr>
+            <a:xfrm>
+              <a:off x="0" y="4073253"/>
+              <a:ext cx="977025" cy="1070247"/>
+            </a:xfrm>
+            <a:prstGeom prst="rect">
+              <a:avLst/>
+            </a:prstGeom>
+            <a:noFill/>
+            <a:ln>
+              <a:noFill/>
+            </a:ln>
+          </p:spPr>
+        </p:pic>
+        <p:pic>
+          <p:nvPicPr>
+            <p:cNvPr id="326" name="Google Shape;326;p33"/>
+            <p:cNvPicPr preferRelativeResize="0"/>
+            <p:nvPr/>
+          </p:nvPicPr>
+          <p:blipFill rotWithShape="1">
+            <a:blip r:embed="rId10">
+              <a:alphaModFix/>
+            </a:blip>
+            <a:srcRect b="10650" l="0" r="0" t="0"/>
+            <a:stretch/>
+          </p:blipFill>
+          <p:spPr>
+            <a:xfrm>
+              <a:off x="1447800" y="4093067"/>
+              <a:ext cx="916625" cy="1050433"/>
+            </a:xfrm>
+            <a:prstGeom prst="rect">
+              <a:avLst/>
+            </a:prstGeom>
+            <a:noFill/>
+            <a:ln>
+              <a:noFill/>
+            </a:ln>
+          </p:spPr>
+        </p:pic>
+        <p:pic>
+          <p:nvPicPr>
+            <p:cNvPr id="327" name="Google Shape;327;p33"/>
+            <p:cNvPicPr preferRelativeResize="0"/>
+            <p:nvPr/>
+          </p:nvPicPr>
+          <p:blipFill rotWithShape="1">
+            <a:blip r:embed="rId11">
+              <a:alphaModFix/>
+            </a:blip>
+            <a:srcRect b="7510" l="0" r="0" t="0"/>
+            <a:stretch/>
+          </p:blipFill>
+          <p:spPr>
+            <a:xfrm>
+              <a:off x="2895600" y="4073250"/>
+              <a:ext cx="876183" cy="1070250"/>
+            </a:xfrm>
+            <a:prstGeom prst="rect">
+              <a:avLst/>
+            </a:prstGeom>
+            <a:noFill/>
+            <a:ln>
+              <a:noFill/>
+            </a:ln>
+          </p:spPr>
+        </p:pic>
+        <p:pic>
+          <p:nvPicPr>
+            <p:cNvPr id="328" name="Google Shape;328;p33"/>
+            <p:cNvPicPr preferRelativeResize="0"/>
+            <p:nvPr/>
+          </p:nvPicPr>
+          <p:blipFill rotWithShape="1">
+            <a:blip r:embed="rId12">
+              <a:alphaModFix/>
+            </a:blip>
+            <a:srcRect b="9600" l="0" r="0" t="0"/>
+            <a:stretch/>
+          </p:blipFill>
+          <p:spPr>
+            <a:xfrm>
+              <a:off x="4290500" y="4073250"/>
+              <a:ext cx="1310534" cy="1070250"/>
+            </a:xfrm>
+            <a:prstGeom prst="rect">
+              <a:avLst/>
+            </a:prstGeom>
+            <a:noFill/>
+            <a:ln>
+              <a:noFill/>
+            </a:ln>
+          </p:spPr>
+        </p:pic>
+        <p:pic>
+          <p:nvPicPr>
+            <p:cNvPr id="329" name="Google Shape;329;p33"/>
+            <p:cNvPicPr preferRelativeResize="0"/>
+            <p:nvPr/>
+          </p:nvPicPr>
+          <p:blipFill rotWithShape="1">
+            <a:blip r:embed="rId13">
+              <a:alphaModFix/>
+            </a:blip>
+            <a:srcRect b="9990" l="0" r="0" t="0"/>
+            <a:stretch/>
+          </p:blipFill>
+          <p:spPr>
+            <a:xfrm>
+              <a:off x="6012600" y="4073250"/>
+              <a:ext cx="1723450" cy="1070250"/>
+            </a:xfrm>
+            <a:prstGeom prst="rect">
+              <a:avLst/>
+            </a:prstGeom>
+            <a:noFill/>
+            <a:ln>
+              <a:noFill/>
+            </a:ln>
+          </p:spPr>
+        </p:pic>
+        <p:pic>
+          <p:nvPicPr>
+            <p:cNvPr id="330" name="Google Shape;330;p33"/>
+            <p:cNvPicPr preferRelativeResize="0"/>
+            <p:nvPr/>
+          </p:nvPicPr>
+          <p:blipFill rotWithShape="1">
+            <a:blip r:embed="rId14">
+              <a:alphaModFix/>
+            </a:blip>
+            <a:srcRect b="8575" l="0" r="0" t="0"/>
+            <a:stretch/>
+          </p:blipFill>
+          <p:spPr>
+            <a:xfrm>
+              <a:off x="8038450" y="3987208"/>
+              <a:ext cx="1126000" cy="1156292"/>
+            </a:xfrm>
+            <a:prstGeom prst="rect">
+              <a:avLst/>
+            </a:prstGeom>
+            <a:noFill/>
+            <a:ln>
+              <a:noFill/>
+            </a:ln>
+          </p:spPr>
+        </p:pic>
+      </p:grpSp>
+    </p:spTree>
+  </p:cSld>
+  <p:clrMapOvr>
+    <a:masterClrMapping/>
+  </p:clrMapOvr>
+</p:sld>
+</file>
+
+<file path=ppt/slides/slide22.xml><?xml version="1.0" encoding="utf-8"?>
+<p:sld xmlns:a="http://schemas.openxmlformats.org/drawingml/2006/main" xmlns:r="http://schemas.openxmlformats.org/officeDocument/2006/relationships" xmlns:mc="http://schemas.openxmlformats.org/markup-compatibility/2006" xmlns:mv="urn:schemas-microsoft-com:mac:vml" xmlns:p="http://schemas.openxmlformats.org/presentationml/2006/main" xmlns:c="http://schemas.openxmlformats.org/drawingml/2006/chart" xmlns:dgm="http://schemas.openxmlformats.org/drawingml/2006/diagram" xmlns:o="urn:schemas-microsoft-com:office:office" xmlns:v="urn:schemas-microsoft-com:vml" xmlns:pvml="urn:schemas-microsoft-com:office:powerpoint" xmlns:com="http://schemas.openxmlformats.org/drawingml/2006/compatibility" xmlns:p14="http://schemas.microsoft.com/office/powerpoint/2010/main" xmlns:p15="http://schemas.microsoft.com/office/powerpoint/2012/main" xmlns:ahyp="http://schemas.microsoft.com/office/drawing/2018/hyperlinkcolor">
+  <p:cSld>
+    <p:bg>
+      <p:bgPr>
+        <a:solidFill>
+          <a:srgbClr val="75CEDE"/>
+        </a:solidFill>
+      </p:bgPr>
+    </p:bg>
+    <p:spTree>
+      <p:nvGrpSpPr>
+        <p:cNvPr id="334" name="Shape 334"/>
+        <p:cNvGrpSpPr/>
+        <p:nvPr/>
+      </p:nvGrpSpPr>
+      <p:grpSpPr>
+        <a:xfrm>
+          <a:off x="0" y="0"/>
+          <a:ext cx="0" cy="0"/>
+          <a:chOff x="0" y="0"/>
+          <a:chExt cx="0" cy="0"/>
+        </a:xfrm>
+      </p:grpSpPr>
+      <p:sp>
+        <p:nvSpPr>
+          <p:cNvPr id="335" name="Google Shape;335;p34"/>
+          <p:cNvSpPr txBox="1"/>
+          <p:nvPr>
+            <p:ph type="title"/>
+          </p:nvPr>
+        </p:nvSpPr>
+        <p:spPr>
+          <a:xfrm>
+            <a:off x="311700" y="1131600"/>
+            <a:ext cx="8520600" cy="572700"/>
+          </a:xfrm>
+          <a:prstGeom prst="rect">
+            <a:avLst/>
+          </a:prstGeom>
+        </p:spPr>
+        <p:txBody>
+          <a:bodyPr anchorCtr="0" anchor="t" bIns="91425" lIns="91425" spcFirstLastPara="1" rIns="91425" wrap="square" tIns="91425">
+            <a:normAutofit fontScale="90000"/>
+          </a:bodyPr>
+          <a:lstStyle/>
+          <a:p>
+            <a:pPr indent="0" lvl="0" marL="0" rtl="0" algn="l">
+              <a:spcBef>
+                <a:spcPts val="0"/>
+              </a:spcBef>
+              <a:spcAft>
+                <a:spcPts val="0"/>
+              </a:spcAft>
+              <a:buNone/>
+            </a:pPr>
+            <a:r>
+              <a:rPr b="1" lang="en">
+                <a:solidFill>
+                  <a:schemeClr val="lt1"/>
+                </a:solidFill>
+                <a:latin typeface="Times New Roman"/>
+                <a:ea typeface="Times New Roman"/>
+                <a:cs typeface="Times New Roman"/>
+                <a:sym typeface="Times New Roman"/>
+              </a:rPr>
+              <a:t>Results of Analysis - Machine Learning Models</a:t>
+            </a:r>
+            <a:endParaRPr b="1">
+              <a:solidFill>
+                <a:schemeClr val="lt1"/>
+              </a:solidFill>
+              <a:latin typeface="Times New Roman"/>
+              <a:ea typeface="Times New Roman"/>
+              <a:cs typeface="Times New Roman"/>
+              <a:sym typeface="Times New Roman"/>
+            </a:endParaRPr>
+          </a:p>
+        </p:txBody>
+      </p:sp>
+      <p:sp>
+        <p:nvSpPr>
+          <p:cNvPr id="336" name="Google Shape;336;p34"/>
+          <p:cNvSpPr txBox="1"/>
+          <p:nvPr>
+            <p:ph idx="1" type="body"/>
+          </p:nvPr>
+        </p:nvSpPr>
+        <p:spPr>
+          <a:xfrm>
+            <a:off x="311700" y="1704300"/>
+            <a:ext cx="8520600" cy="3416400"/>
+          </a:xfrm>
+          <a:prstGeom prst="rect">
+            <a:avLst/>
+          </a:prstGeom>
+        </p:spPr>
+        <p:txBody>
+          <a:bodyPr anchorCtr="0" anchor="t" bIns="91425" lIns="91425" spcFirstLastPara="1" rIns="91425" wrap="square" tIns="91425">
+            <a:normAutofit/>
+          </a:bodyPr>
+          <a:lstStyle/>
+          <a:p>
+            <a:pPr indent="-342900" lvl="0" marL="457200" rtl="0" algn="l">
+              <a:spcBef>
+                <a:spcPts val="0"/>
+              </a:spcBef>
+              <a:spcAft>
+                <a:spcPts val="0"/>
+              </a:spcAft>
+              <a:buClr>
+                <a:schemeClr val="lt1"/>
+              </a:buClr>
+              <a:buSzPts val="1800"/>
+              <a:buFont typeface="Times New Roman"/>
+              <a:buChar char="●"/>
+            </a:pPr>
+            <a:r>
+              <a:rPr lang="en">
+                <a:solidFill>
+                  <a:schemeClr val="lt1"/>
+                </a:solidFill>
+                <a:latin typeface="Times New Roman"/>
+                <a:ea typeface="Times New Roman"/>
+                <a:cs typeface="Times New Roman"/>
+                <a:sym typeface="Times New Roman"/>
+              </a:rPr>
+              <a:t>Question: Does Crime happen more often during full moons?</a:t>
+            </a:r>
+            <a:endParaRPr>
+              <a:solidFill>
+                <a:schemeClr val="lt1"/>
+              </a:solidFill>
+              <a:latin typeface="Times New Roman"/>
+              <a:ea typeface="Times New Roman"/>
+              <a:cs typeface="Times New Roman"/>
+              <a:sym typeface="Times New Roman"/>
+            </a:endParaRPr>
+          </a:p>
+          <a:p>
+            <a:pPr indent="0" lvl="0" marL="457200" rtl="0" algn="l">
+              <a:spcBef>
+                <a:spcPts val="1200"/>
+              </a:spcBef>
+              <a:spcAft>
+                <a:spcPts val="0"/>
+              </a:spcAft>
+              <a:buNone/>
+            </a:pPr>
+            <a:r>
+              <a:t/>
+            </a:r>
+            <a:endParaRPr>
+              <a:solidFill>
+                <a:schemeClr val="lt1"/>
+              </a:solidFill>
+              <a:latin typeface="Times New Roman"/>
+              <a:ea typeface="Times New Roman"/>
+              <a:cs typeface="Times New Roman"/>
+              <a:sym typeface="Times New Roman"/>
+            </a:endParaRPr>
+          </a:p>
+          <a:p>
+            <a:pPr indent="-342900" lvl="0" marL="457200" rtl="0" algn="l">
+              <a:spcBef>
+                <a:spcPts val="1200"/>
+              </a:spcBef>
+              <a:spcAft>
+                <a:spcPts val="0"/>
+              </a:spcAft>
+              <a:buClr>
+                <a:schemeClr val="lt1"/>
+              </a:buClr>
+              <a:buSzPts val="1800"/>
+              <a:buFont typeface="Times New Roman"/>
+              <a:buChar char="●"/>
+            </a:pPr>
+            <a:r>
+              <a:rPr lang="en">
+                <a:solidFill>
+                  <a:schemeClr val="lt1"/>
+                </a:solidFill>
+                <a:latin typeface="Times New Roman"/>
+                <a:ea typeface="Times New Roman"/>
+                <a:cs typeface="Times New Roman"/>
+                <a:sym typeface="Times New Roman"/>
+              </a:rPr>
+              <a:t>Answer: The results in the Classification Report for the KC Crime Dataset show that our Logistic Regression model CANNOT accurately predict the answers we were looking for on this data set. Crime does not occur more often during full moons.</a:t>
+            </a:r>
+            <a:endParaRPr>
+              <a:solidFill>
+                <a:schemeClr val="lt1"/>
+              </a:solidFill>
+              <a:latin typeface="Times New Roman"/>
+              <a:ea typeface="Times New Roman"/>
+              <a:cs typeface="Times New Roman"/>
+              <a:sym typeface="Times New Roman"/>
+            </a:endParaRPr>
+          </a:p>
+        </p:txBody>
+      </p:sp>
+      <p:grpSp>
+        <p:nvGrpSpPr>
+          <p:cNvPr id="337" name="Google Shape;337;p34"/>
+          <p:cNvGrpSpPr/>
+          <p:nvPr/>
+        </p:nvGrpSpPr>
+        <p:grpSpPr>
+          <a:xfrm>
+            <a:off x="18500" y="47675"/>
+            <a:ext cx="9106999" cy="1083925"/>
+            <a:chOff x="0" y="-14750"/>
+            <a:chExt cx="9106999" cy="1083925"/>
+          </a:xfrm>
+        </p:grpSpPr>
+        <p:pic>
+          <p:nvPicPr>
+            <p:cNvPr id="338" name="Google Shape;338;p34"/>
+            <p:cNvPicPr preferRelativeResize="0"/>
+            <p:nvPr/>
+          </p:nvPicPr>
+          <p:blipFill rotWithShape="1">
+            <a:blip r:embed="rId3">
+              <a:alphaModFix/>
+            </a:blip>
+            <a:srcRect b="9755" l="0" r="0" t="0"/>
+            <a:stretch/>
+          </p:blipFill>
+          <p:spPr>
+            <a:xfrm>
+              <a:off x="0" y="-14750"/>
+              <a:ext cx="1022125" cy="1029574"/>
+            </a:xfrm>
+            <a:prstGeom prst="rect">
+              <a:avLst/>
+            </a:prstGeom>
+            <a:noFill/>
+            <a:ln>
+              <a:noFill/>
+            </a:ln>
+          </p:spPr>
+        </p:pic>
+        <p:pic>
+          <p:nvPicPr>
+            <p:cNvPr id="339" name="Google Shape;339;p34"/>
+            <p:cNvPicPr preferRelativeResize="0"/>
+            <p:nvPr/>
+          </p:nvPicPr>
+          <p:blipFill rotWithShape="1">
+            <a:blip r:embed="rId4">
+              <a:alphaModFix/>
+            </a:blip>
+            <a:srcRect b="8700" l="0" r="0" t="0"/>
+            <a:stretch/>
+          </p:blipFill>
+          <p:spPr>
+            <a:xfrm>
+              <a:off x="1471076" y="-14750"/>
+              <a:ext cx="673249" cy="1029575"/>
+            </a:xfrm>
+            <a:prstGeom prst="rect">
+              <a:avLst/>
+            </a:prstGeom>
+            <a:noFill/>
+            <a:ln>
+              <a:noFill/>
+            </a:ln>
+          </p:spPr>
+        </p:pic>
+        <p:pic>
+          <p:nvPicPr>
+            <p:cNvPr id="340" name="Google Shape;340;p34"/>
+            <p:cNvPicPr preferRelativeResize="0"/>
+            <p:nvPr/>
+          </p:nvPicPr>
+          <p:blipFill rotWithShape="1">
+            <a:blip r:embed="rId5">
+              <a:alphaModFix/>
+            </a:blip>
+            <a:srcRect b="9041" l="0" r="0" t="0"/>
+            <a:stretch/>
+          </p:blipFill>
+          <p:spPr>
+            <a:xfrm>
+              <a:off x="4061899" y="-4825"/>
+              <a:ext cx="1493392" cy="1029575"/>
+            </a:xfrm>
+            <a:prstGeom prst="rect">
+              <a:avLst/>
+            </a:prstGeom>
+            <a:noFill/>
+            <a:ln>
+              <a:noFill/>
+            </a:ln>
+          </p:spPr>
+        </p:pic>
+        <p:pic>
+          <p:nvPicPr>
+            <p:cNvPr id="341" name="Google Shape;341;p34"/>
+            <p:cNvPicPr preferRelativeResize="0"/>
+            <p:nvPr/>
+          </p:nvPicPr>
+          <p:blipFill rotWithShape="1">
+            <a:blip r:embed="rId6">
+              <a:alphaModFix/>
+            </a:blip>
+            <a:srcRect b="13577" l="0" r="0" t="0"/>
+            <a:stretch/>
+          </p:blipFill>
+          <p:spPr>
+            <a:xfrm>
+              <a:off x="2540112" y="-4825"/>
+              <a:ext cx="1126013" cy="1029575"/>
+            </a:xfrm>
+            <a:prstGeom prst="rect">
+              <a:avLst/>
+            </a:prstGeom>
+            <a:noFill/>
+            <a:ln>
+              <a:noFill/>
+            </a:ln>
+          </p:spPr>
+        </p:pic>
+        <p:pic>
+          <p:nvPicPr>
+            <p:cNvPr id="342" name="Google Shape;342;p34"/>
+            <p:cNvPicPr preferRelativeResize="0"/>
+            <p:nvPr/>
+          </p:nvPicPr>
+          <p:blipFill rotWithShape="1">
+            <a:blip r:embed="rId7">
+              <a:alphaModFix/>
+            </a:blip>
+            <a:srcRect b="9853" l="0" r="0" t="0"/>
+            <a:stretch/>
+          </p:blipFill>
+          <p:spPr>
+            <a:xfrm>
+              <a:off x="6228649" y="-13951"/>
+              <a:ext cx="1126001" cy="1047837"/>
+            </a:xfrm>
+            <a:prstGeom prst="rect">
+              <a:avLst/>
+            </a:prstGeom>
+            <a:noFill/>
+            <a:ln>
+              <a:noFill/>
+            </a:ln>
+          </p:spPr>
+        </p:pic>
+        <p:pic>
+          <p:nvPicPr>
+            <p:cNvPr id="343" name="Google Shape;343;p34"/>
+            <p:cNvPicPr preferRelativeResize="0"/>
+            <p:nvPr/>
+          </p:nvPicPr>
+          <p:blipFill rotWithShape="1">
+            <a:blip r:embed="rId8">
+              <a:alphaModFix/>
+            </a:blip>
+            <a:srcRect b="9682" l="0" r="0" t="0"/>
+            <a:stretch/>
+          </p:blipFill>
+          <p:spPr>
+            <a:xfrm>
+              <a:off x="8055700" y="39600"/>
+              <a:ext cx="1051298" cy="1029575"/>
+            </a:xfrm>
+            <a:prstGeom prst="rect">
+              <a:avLst/>
+            </a:prstGeom>
+            <a:noFill/>
+            <a:ln>
+              <a:noFill/>
+            </a:ln>
+          </p:spPr>
+        </p:pic>
+      </p:grpSp>
+      <p:grpSp>
+        <p:nvGrpSpPr>
+          <p:cNvPr id="344" name="Google Shape;344;p34"/>
+          <p:cNvGrpSpPr/>
+          <p:nvPr/>
+        </p:nvGrpSpPr>
+        <p:grpSpPr>
+          <a:xfrm>
+            <a:off x="0" y="3987208"/>
+            <a:ext cx="9164450" cy="1156292"/>
+            <a:chOff x="0" y="3987208"/>
+            <a:chExt cx="9164450" cy="1156292"/>
+          </a:xfrm>
+        </p:grpSpPr>
+        <p:pic>
+          <p:nvPicPr>
+            <p:cNvPr id="345" name="Google Shape;345;p34"/>
+            <p:cNvPicPr preferRelativeResize="0"/>
+            <p:nvPr/>
+          </p:nvPicPr>
+          <p:blipFill rotWithShape="1">
+            <a:blip r:embed="rId9">
+              <a:alphaModFix/>
+            </a:blip>
+            <a:srcRect b="8138" l="0" r="0" t="0"/>
+            <a:stretch/>
+          </p:blipFill>
+          <p:spPr>
+            <a:xfrm>
+              <a:off x="0" y="4073253"/>
+              <a:ext cx="977025" cy="1070247"/>
+            </a:xfrm>
+            <a:prstGeom prst="rect">
+              <a:avLst/>
+            </a:prstGeom>
+            <a:noFill/>
+            <a:ln>
+              <a:noFill/>
+            </a:ln>
+          </p:spPr>
+        </p:pic>
+        <p:pic>
+          <p:nvPicPr>
+            <p:cNvPr id="346" name="Google Shape;346;p34"/>
+            <p:cNvPicPr preferRelativeResize="0"/>
+            <p:nvPr/>
+          </p:nvPicPr>
+          <p:blipFill rotWithShape="1">
+            <a:blip r:embed="rId10">
+              <a:alphaModFix/>
+            </a:blip>
+            <a:srcRect b="10650" l="0" r="0" t="0"/>
+            <a:stretch/>
+          </p:blipFill>
+          <p:spPr>
+            <a:xfrm>
+              <a:off x="1447800" y="4093067"/>
+              <a:ext cx="916625" cy="1050433"/>
+            </a:xfrm>
+            <a:prstGeom prst="rect">
+              <a:avLst/>
+            </a:prstGeom>
+            <a:noFill/>
+            <a:ln>
+              <a:noFill/>
+            </a:ln>
+          </p:spPr>
+        </p:pic>
+        <p:pic>
+          <p:nvPicPr>
+            <p:cNvPr id="347" name="Google Shape;347;p34"/>
+            <p:cNvPicPr preferRelativeResize="0"/>
+            <p:nvPr/>
+          </p:nvPicPr>
+          <p:blipFill rotWithShape="1">
+            <a:blip r:embed="rId11">
+              <a:alphaModFix/>
+            </a:blip>
+            <a:srcRect b="7510" l="0" r="0" t="0"/>
+            <a:stretch/>
+          </p:blipFill>
+          <p:spPr>
+            <a:xfrm>
+              <a:off x="2895600" y="4073250"/>
+              <a:ext cx="876183" cy="1070250"/>
+            </a:xfrm>
+            <a:prstGeom prst="rect">
+              <a:avLst/>
+            </a:prstGeom>
+            <a:noFill/>
+            <a:ln>
+              <a:noFill/>
+            </a:ln>
+          </p:spPr>
+        </p:pic>
+        <p:pic>
+          <p:nvPicPr>
+            <p:cNvPr id="348" name="Google Shape;348;p34"/>
+            <p:cNvPicPr preferRelativeResize="0"/>
+            <p:nvPr/>
+          </p:nvPicPr>
+          <p:blipFill rotWithShape="1">
+            <a:blip r:embed="rId12">
+              <a:alphaModFix/>
+            </a:blip>
+            <a:srcRect b="9600" l="0" r="0" t="0"/>
+            <a:stretch/>
+          </p:blipFill>
+          <p:spPr>
+            <a:xfrm>
+              <a:off x="4290500" y="4073250"/>
+              <a:ext cx="1310534" cy="1070250"/>
+            </a:xfrm>
+            <a:prstGeom prst="rect">
+              <a:avLst/>
+            </a:prstGeom>
+            <a:noFill/>
+            <a:ln>
+              <a:noFill/>
+            </a:ln>
+          </p:spPr>
+        </p:pic>
+        <p:pic>
+          <p:nvPicPr>
+            <p:cNvPr id="349" name="Google Shape;349;p34"/>
+            <p:cNvPicPr preferRelativeResize="0"/>
+            <p:nvPr/>
+          </p:nvPicPr>
+          <p:blipFill rotWithShape="1">
+            <a:blip r:embed="rId13">
+              <a:alphaModFix/>
+            </a:blip>
+            <a:srcRect b="9990" l="0" r="0" t="0"/>
+            <a:stretch/>
+          </p:blipFill>
+          <p:spPr>
+            <a:xfrm>
+              <a:off x="6012600" y="4073250"/>
+              <a:ext cx="1723450" cy="1070250"/>
+            </a:xfrm>
+            <a:prstGeom prst="rect">
+              <a:avLst/>
+            </a:prstGeom>
+            <a:noFill/>
+            <a:ln>
+              <a:noFill/>
+            </a:ln>
+          </p:spPr>
+        </p:pic>
+        <p:pic>
+          <p:nvPicPr>
+            <p:cNvPr id="350" name="Google Shape;350;p34"/>
+            <p:cNvPicPr preferRelativeResize="0"/>
+            <p:nvPr/>
+          </p:nvPicPr>
+          <p:blipFill rotWithShape="1">
+            <a:blip r:embed="rId14">
+              <a:alphaModFix/>
+            </a:blip>
+            <a:srcRect b="8575" l="0" r="0" t="0"/>
+            <a:stretch/>
+          </p:blipFill>
+          <p:spPr>
+            <a:xfrm>
+              <a:off x="8038450" y="3987208"/>
+              <a:ext cx="1126000" cy="1156292"/>
+            </a:xfrm>
+            <a:prstGeom prst="rect">
+              <a:avLst/>
+            </a:prstGeom>
+            <a:noFill/>
+            <a:ln>
+              <a:noFill/>
+            </a:ln>
+          </p:spPr>
+        </p:pic>
+      </p:grpSp>
+    </p:spTree>
+  </p:cSld>
+  <p:clrMapOvr>
+    <a:masterClrMapping/>
+  </p:clrMapOvr>
+</p:sld>
+</file>
+
+<file path=ppt/slides/slide23.xml><?xml version="1.0" encoding="utf-8"?>
+<p:sld xmlns:a="http://schemas.openxmlformats.org/drawingml/2006/main" xmlns:r="http://schemas.openxmlformats.org/officeDocument/2006/relationships" xmlns:mc="http://schemas.openxmlformats.org/markup-compatibility/2006" xmlns:mv="urn:schemas-microsoft-com:mac:vml" xmlns:p="http://schemas.openxmlformats.org/presentationml/2006/main" xmlns:c="http://schemas.openxmlformats.org/drawingml/2006/chart" xmlns:dgm="http://schemas.openxmlformats.org/drawingml/2006/diagram" xmlns:o="urn:schemas-microsoft-com:office:office" xmlns:v="urn:schemas-microsoft-com:vml" xmlns:pvml="urn:schemas-microsoft-com:office:powerpoint" xmlns:com="http://schemas.openxmlformats.org/drawingml/2006/compatibility" xmlns:p14="http://schemas.microsoft.com/office/powerpoint/2010/main" xmlns:p15="http://schemas.microsoft.com/office/powerpoint/2012/main" xmlns:ahyp="http://schemas.microsoft.com/office/drawing/2018/hyperlinkcolor">
+  <p:cSld>
+    <p:bg>
+      <p:bgPr>
+        <a:solidFill>
+          <a:srgbClr val="A7A4D1"/>
+        </a:solidFill>
+      </p:bgPr>
+    </p:bg>
+    <p:spTree>
+      <p:nvGrpSpPr>
+        <p:cNvPr id="354" name="Shape 354"/>
+        <p:cNvGrpSpPr/>
+        <p:nvPr/>
+      </p:nvGrpSpPr>
+      <p:grpSpPr>
+        <a:xfrm>
+          <a:off x="0" y="0"/>
+          <a:ext cx="0" cy="0"/>
+          <a:chOff x="0" y="0"/>
+          <a:chExt cx="0" cy="0"/>
+        </a:xfrm>
+      </p:grpSpPr>
+      <p:sp>
+        <p:nvSpPr>
+          <p:cNvPr id="355" name="Google Shape;355;p35"/>
+          <p:cNvSpPr txBox="1"/>
+          <p:nvPr>
+            <p:ph type="title"/>
+          </p:nvPr>
+        </p:nvSpPr>
+        <p:spPr>
+          <a:xfrm>
+            <a:off x="249575" y="1131600"/>
+            <a:ext cx="8520600" cy="572700"/>
+          </a:xfrm>
+          <a:prstGeom prst="rect">
+            <a:avLst/>
+          </a:prstGeom>
+        </p:spPr>
+        <p:txBody>
+          <a:bodyPr anchorCtr="0" anchor="t" bIns="91425" lIns="91425" spcFirstLastPara="1" rIns="91425" wrap="square" tIns="91425">
+            <a:normAutofit fontScale="90000"/>
+          </a:bodyPr>
+          <a:lstStyle/>
+          <a:p>
+            <a:pPr indent="0" lvl="0" marL="0" rtl="0" algn="l">
+              <a:spcBef>
+                <a:spcPts val="0"/>
+              </a:spcBef>
+              <a:spcAft>
+                <a:spcPts val="0"/>
+              </a:spcAft>
+              <a:buNone/>
+            </a:pPr>
+            <a:r>
+              <a:rPr b="1" lang="en">
+                <a:solidFill>
+                  <a:schemeClr val="lt1"/>
+                </a:solidFill>
+                <a:latin typeface="Times New Roman"/>
+                <a:ea typeface="Times New Roman"/>
+                <a:cs typeface="Times New Roman"/>
+                <a:sym typeface="Times New Roman"/>
+              </a:rPr>
+              <a:t>Results of Analysis - Machine Learning Models</a:t>
+            </a:r>
+            <a:endParaRPr b="1">
+              <a:solidFill>
+                <a:schemeClr val="lt1"/>
+              </a:solidFill>
+              <a:latin typeface="Times New Roman"/>
+              <a:ea typeface="Times New Roman"/>
+              <a:cs typeface="Times New Roman"/>
+              <a:sym typeface="Times New Roman"/>
+            </a:endParaRPr>
+          </a:p>
+        </p:txBody>
+      </p:sp>
+      <p:sp>
+        <p:nvSpPr>
+          <p:cNvPr id="356" name="Google Shape;356;p35"/>
+          <p:cNvSpPr txBox="1"/>
+          <p:nvPr>
+            <p:ph idx="1" type="body"/>
+          </p:nvPr>
+        </p:nvSpPr>
+        <p:spPr>
+          <a:xfrm>
+            <a:off x="249575" y="1704300"/>
+            <a:ext cx="8520600" cy="3416400"/>
+          </a:xfrm>
+          <a:prstGeom prst="rect">
+            <a:avLst/>
+          </a:prstGeom>
+        </p:spPr>
+        <p:txBody>
+          <a:bodyPr anchorCtr="0" anchor="t" bIns="91425" lIns="91425" spcFirstLastPara="1" rIns="91425" wrap="square" tIns="91425">
+            <a:normAutofit/>
+          </a:bodyPr>
+          <a:lstStyle/>
+          <a:p>
+            <a:pPr indent="-342900" lvl="0" marL="457200" rtl="0" algn="l">
+              <a:spcBef>
+                <a:spcPts val="0"/>
+              </a:spcBef>
+              <a:spcAft>
+                <a:spcPts val="0"/>
+              </a:spcAft>
+              <a:buClr>
+                <a:schemeClr val="lt1"/>
+              </a:buClr>
+              <a:buSzPts val="1800"/>
+              <a:buFont typeface="Times New Roman"/>
+              <a:buChar char="●"/>
+            </a:pPr>
+            <a:r>
+              <a:rPr lang="en">
+                <a:solidFill>
+                  <a:schemeClr val="lt1"/>
+                </a:solidFill>
+                <a:latin typeface="Times New Roman"/>
+                <a:ea typeface="Times New Roman"/>
+                <a:cs typeface="Times New Roman"/>
+                <a:sym typeface="Times New Roman"/>
+              </a:rPr>
+              <a:t>Question: Is there a particular astrological sign more likely to be a serial killer? Does date of birth relate to </a:t>
+            </a:r>
+            <a:r>
+              <a:rPr lang="en">
+                <a:solidFill>
+                  <a:schemeClr val="lt1"/>
+                </a:solidFill>
+                <a:latin typeface="Times New Roman"/>
+                <a:ea typeface="Times New Roman"/>
+                <a:cs typeface="Times New Roman"/>
+                <a:sym typeface="Times New Roman"/>
+              </a:rPr>
+              <a:t>number</a:t>
+            </a:r>
+            <a:r>
+              <a:rPr lang="en">
+                <a:solidFill>
+                  <a:schemeClr val="lt1"/>
+                </a:solidFill>
+                <a:latin typeface="Times New Roman"/>
+                <a:ea typeface="Times New Roman"/>
+                <a:cs typeface="Times New Roman"/>
+                <a:sym typeface="Times New Roman"/>
+              </a:rPr>
+              <a:t> of victims or number of killers?</a:t>
+            </a:r>
+            <a:endParaRPr>
+              <a:solidFill>
+                <a:schemeClr val="lt1"/>
+              </a:solidFill>
+              <a:latin typeface="Times New Roman"/>
+              <a:ea typeface="Times New Roman"/>
+              <a:cs typeface="Times New Roman"/>
+              <a:sym typeface="Times New Roman"/>
+            </a:endParaRPr>
+          </a:p>
+          <a:p>
+            <a:pPr indent="0" lvl="0" marL="457200" rtl="0" algn="l">
+              <a:spcBef>
+                <a:spcPts val="1200"/>
+              </a:spcBef>
+              <a:spcAft>
+                <a:spcPts val="0"/>
+              </a:spcAft>
+              <a:buNone/>
+            </a:pPr>
+            <a:r>
+              <a:t/>
+            </a:r>
+            <a:endParaRPr>
+              <a:solidFill>
+                <a:schemeClr val="lt1"/>
+              </a:solidFill>
+              <a:latin typeface="Times New Roman"/>
+              <a:ea typeface="Times New Roman"/>
+              <a:cs typeface="Times New Roman"/>
+              <a:sym typeface="Times New Roman"/>
+            </a:endParaRPr>
+          </a:p>
+          <a:p>
+            <a:pPr indent="-342900" lvl="0" marL="457200" rtl="0" algn="l">
+              <a:spcBef>
+                <a:spcPts val="1200"/>
+              </a:spcBef>
+              <a:spcAft>
+                <a:spcPts val="0"/>
+              </a:spcAft>
+              <a:buClr>
+                <a:schemeClr val="lt1"/>
+              </a:buClr>
+              <a:buSzPts val="1800"/>
+              <a:buFont typeface="Times New Roman"/>
+              <a:buChar char="●"/>
+            </a:pPr>
+            <a:r>
+              <a:rPr lang="en">
+                <a:solidFill>
+                  <a:schemeClr val="lt1"/>
+                </a:solidFill>
+                <a:latin typeface="Times New Roman"/>
+                <a:ea typeface="Times New Roman"/>
+                <a:cs typeface="Times New Roman"/>
+                <a:sym typeface="Times New Roman"/>
+              </a:rPr>
+              <a:t>Answer: The results of our Classification Report indicate the precision scores are all 14% and below, meaning the Logistic Regression model CANNOT accurately answer our questions.</a:t>
+            </a:r>
+            <a:endParaRPr>
+              <a:solidFill>
+                <a:schemeClr val="lt1"/>
+              </a:solidFill>
+              <a:latin typeface="Times New Roman"/>
+              <a:ea typeface="Times New Roman"/>
+              <a:cs typeface="Times New Roman"/>
+              <a:sym typeface="Times New Roman"/>
+            </a:endParaRPr>
+          </a:p>
+        </p:txBody>
+      </p:sp>
+      <p:grpSp>
+        <p:nvGrpSpPr>
+          <p:cNvPr id="357" name="Google Shape;357;p35"/>
+          <p:cNvGrpSpPr/>
+          <p:nvPr/>
+        </p:nvGrpSpPr>
+        <p:grpSpPr>
+          <a:xfrm>
+            <a:off x="18500" y="47675"/>
+            <a:ext cx="9106999" cy="1083925"/>
+            <a:chOff x="0" y="-14750"/>
+            <a:chExt cx="9106999" cy="1083925"/>
+          </a:xfrm>
+        </p:grpSpPr>
+        <p:pic>
+          <p:nvPicPr>
+            <p:cNvPr id="358" name="Google Shape;358;p35"/>
+            <p:cNvPicPr preferRelativeResize="0"/>
+            <p:nvPr/>
+          </p:nvPicPr>
+          <p:blipFill rotWithShape="1">
+            <a:blip r:embed="rId3">
+              <a:alphaModFix/>
+            </a:blip>
+            <a:srcRect b="9755" l="0" r="0" t="0"/>
+            <a:stretch/>
+          </p:blipFill>
+          <p:spPr>
+            <a:xfrm>
+              <a:off x="0" y="-14750"/>
+              <a:ext cx="1022125" cy="1029574"/>
+            </a:xfrm>
+            <a:prstGeom prst="rect">
+              <a:avLst/>
+            </a:prstGeom>
+            <a:noFill/>
+            <a:ln>
+              <a:noFill/>
+            </a:ln>
+          </p:spPr>
+        </p:pic>
+        <p:pic>
+          <p:nvPicPr>
+            <p:cNvPr id="359" name="Google Shape;359;p35"/>
+            <p:cNvPicPr preferRelativeResize="0"/>
+            <p:nvPr/>
+          </p:nvPicPr>
+          <p:blipFill rotWithShape="1">
+            <a:blip r:embed="rId4">
+              <a:alphaModFix/>
+            </a:blip>
+            <a:srcRect b="8700" l="0" r="0" t="0"/>
+            <a:stretch/>
+          </p:blipFill>
+          <p:spPr>
+            <a:xfrm>
+              <a:off x="1471076" y="-14750"/>
+              <a:ext cx="673249" cy="1029575"/>
+            </a:xfrm>
+            <a:prstGeom prst="rect">
+              <a:avLst/>
+            </a:prstGeom>
+            <a:noFill/>
+            <a:ln>
+              <a:noFill/>
+            </a:ln>
+          </p:spPr>
+        </p:pic>
+        <p:pic>
+          <p:nvPicPr>
+            <p:cNvPr id="360" name="Google Shape;360;p35"/>
+            <p:cNvPicPr preferRelativeResize="0"/>
+            <p:nvPr/>
+          </p:nvPicPr>
+          <p:blipFill rotWithShape="1">
+            <a:blip r:embed="rId5">
+              <a:alphaModFix/>
+            </a:blip>
+            <a:srcRect b="9041" l="0" r="0" t="0"/>
+            <a:stretch/>
+          </p:blipFill>
+          <p:spPr>
+            <a:xfrm>
+              <a:off x="4061899" y="-4825"/>
+              <a:ext cx="1493392" cy="1029575"/>
+            </a:xfrm>
+            <a:prstGeom prst="rect">
+              <a:avLst/>
+            </a:prstGeom>
+            <a:noFill/>
+            <a:ln>
+              <a:noFill/>
+            </a:ln>
+          </p:spPr>
+        </p:pic>
+        <p:pic>
+          <p:nvPicPr>
+            <p:cNvPr id="361" name="Google Shape;361;p35"/>
+            <p:cNvPicPr preferRelativeResize="0"/>
+            <p:nvPr/>
+          </p:nvPicPr>
+          <p:blipFill rotWithShape="1">
+            <a:blip r:embed="rId6">
+              <a:alphaModFix/>
+            </a:blip>
+            <a:srcRect b="13577" l="0" r="0" t="0"/>
+            <a:stretch/>
+          </p:blipFill>
+          <p:spPr>
+            <a:xfrm>
+              <a:off x="2540112" y="-4825"/>
+              <a:ext cx="1126013" cy="1029575"/>
+            </a:xfrm>
+            <a:prstGeom prst="rect">
+              <a:avLst/>
+            </a:prstGeom>
+            <a:noFill/>
+            <a:ln>
+              <a:noFill/>
+            </a:ln>
+          </p:spPr>
+        </p:pic>
+        <p:pic>
+          <p:nvPicPr>
+            <p:cNvPr id="362" name="Google Shape;362;p35"/>
+            <p:cNvPicPr preferRelativeResize="0"/>
+            <p:nvPr/>
+          </p:nvPicPr>
+          <p:blipFill rotWithShape="1">
+            <a:blip r:embed="rId7">
+              <a:alphaModFix/>
+            </a:blip>
+            <a:srcRect b="9853" l="0" r="0" t="0"/>
+            <a:stretch/>
+          </p:blipFill>
+          <p:spPr>
+            <a:xfrm>
+              <a:off x="6228649" y="-13951"/>
+              <a:ext cx="1126001" cy="1047837"/>
+            </a:xfrm>
+            <a:prstGeom prst="rect">
+              <a:avLst/>
+            </a:prstGeom>
+            <a:noFill/>
+            <a:ln>
+              <a:noFill/>
+            </a:ln>
+          </p:spPr>
+        </p:pic>
+        <p:pic>
+          <p:nvPicPr>
+            <p:cNvPr id="363" name="Google Shape;363;p35"/>
+            <p:cNvPicPr preferRelativeResize="0"/>
+            <p:nvPr/>
+          </p:nvPicPr>
+          <p:blipFill rotWithShape="1">
+            <a:blip r:embed="rId8">
+              <a:alphaModFix/>
+            </a:blip>
+            <a:srcRect b="9682" l="0" r="0" t="0"/>
+            <a:stretch/>
+          </p:blipFill>
+          <p:spPr>
+            <a:xfrm>
+              <a:off x="8055700" y="39600"/>
+              <a:ext cx="1051298" cy="1029575"/>
+            </a:xfrm>
+            <a:prstGeom prst="rect">
+              <a:avLst/>
+            </a:prstGeom>
+            <a:noFill/>
+            <a:ln>
+              <a:noFill/>
+            </a:ln>
+          </p:spPr>
+        </p:pic>
+      </p:grpSp>
+      <p:grpSp>
+        <p:nvGrpSpPr>
+          <p:cNvPr id="364" name="Google Shape;364;p35"/>
+          <p:cNvGrpSpPr/>
+          <p:nvPr/>
+        </p:nvGrpSpPr>
+        <p:grpSpPr>
+          <a:xfrm>
+            <a:off x="0" y="3987208"/>
+            <a:ext cx="9164450" cy="1156292"/>
+            <a:chOff x="0" y="3987208"/>
+            <a:chExt cx="9164450" cy="1156292"/>
+          </a:xfrm>
+        </p:grpSpPr>
+        <p:pic>
+          <p:nvPicPr>
+            <p:cNvPr id="365" name="Google Shape;365;p35"/>
+            <p:cNvPicPr preferRelativeResize="0"/>
+            <p:nvPr/>
+          </p:nvPicPr>
+          <p:blipFill rotWithShape="1">
+            <a:blip r:embed="rId9">
+              <a:alphaModFix/>
+            </a:blip>
+            <a:srcRect b="8138" l="0" r="0" t="0"/>
+            <a:stretch/>
+          </p:blipFill>
+          <p:spPr>
+            <a:xfrm>
+              <a:off x="0" y="4073253"/>
+              <a:ext cx="977025" cy="1070247"/>
+            </a:xfrm>
+            <a:prstGeom prst="rect">
+              <a:avLst/>
+            </a:prstGeom>
+            <a:noFill/>
+            <a:ln>
+              <a:noFill/>
+            </a:ln>
+          </p:spPr>
+        </p:pic>
+        <p:pic>
+          <p:nvPicPr>
+            <p:cNvPr id="366" name="Google Shape;366;p35"/>
+            <p:cNvPicPr preferRelativeResize="0"/>
+            <p:nvPr/>
+          </p:nvPicPr>
+          <p:blipFill rotWithShape="1">
+            <a:blip r:embed="rId10">
+              <a:alphaModFix/>
+            </a:blip>
+            <a:srcRect b="10650" l="0" r="0" t="0"/>
+            <a:stretch/>
+          </p:blipFill>
+          <p:spPr>
+            <a:xfrm>
+              <a:off x="1447800" y="4093067"/>
+              <a:ext cx="916625" cy="1050433"/>
+            </a:xfrm>
+            <a:prstGeom prst="rect">
+              <a:avLst/>
+            </a:prstGeom>
+            <a:noFill/>
+            <a:ln>
+              <a:noFill/>
+            </a:ln>
+          </p:spPr>
+        </p:pic>
+        <p:pic>
+          <p:nvPicPr>
+            <p:cNvPr id="367" name="Google Shape;367;p35"/>
+            <p:cNvPicPr preferRelativeResize="0"/>
+            <p:nvPr/>
+          </p:nvPicPr>
+          <p:blipFill rotWithShape="1">
+            <a:blip r:embed="rId11">
+              <a:alphaModFix/>
+            </a:blip>
+            <a:srcRect b="7510" l="0" r="0" t="0"/>
+            <a:stretch/>
+          </p:blipFill>
+          <p:spPr>
+            <a:xfrm>
+              <a:off x="2895600" y="4073250"/>
+              <a:ext cx="876183" cy="1070250"/>
+            </a:xfrm>
+            <a:prstGeom prst="rect">
+              <a:avLst/>
+            </a:prstGeom>
+            <a:noFill/>
+            <a:ln>
+              <a:noFill/>
+            </a:ln>
+          </p:spPr>
+        </p:pic>
+        <p:pic>
+          <p:nvPicPr>
+            <p:cNvPr id="368" name="Google Shape;368;p35"/>
+            <p:cNvPicPr preferRelativeResize="0"/>
+            <p:nvPr/>
+          </p:nvPicPr>
+          <p:blipFill rotWithShape="1">
+            <a:blip r:embed="rId12">
+              <a:alphaModFix/>
+            </a:blip>
+            <a:srcRect b="9600" l="0" r="0" t="0"/>
+            <a:stretch/>
+          </p:blipFill>
+          <p:spPr>
+            <a:xfrm>
+              <a:off x="4290500" y="4073250"/>
+              <a:ext cx="1310534" cy="1070250"/>
+            </a:xfrm>
+            <a:prstGeom prst="rect">
+              <a:avLst/>
+            </a:prstGeom>
+            <a:noFill/>
+            <a:ln>
+              <a:noFill/>
+            </a:ln>
+          </p:spPr>
+        </p:pic>
+        <p:pic>
+          <p:nvPicPr>
+            <p:cNvPr id="369" name="Google Shape;369;p35"/>
+            <p:cNvPicPr preferRelativeResize="0"/>
+            <p:nvPr/>
+          </p:nvPicPr>
+          <p:blipFill rotWithShape="1">
+            <a:blip r:embed="rId13">
+              <a:alphaModFix/>
+            </a:blip>
+            <a:srcRect b="9990" l="0" r="0" t="0"/>
+            <a:stretch/>
+          </p:blipFill>
+          <p:spPr>
+            <a:xfrm>
+              <a:off x="6012600" y="4073250"/>
+              <a:ext cx="1723450" cy="1070250"/>
+            </a:xfrm>
+            <a:prstGeom prst="rect">
+              <a:avLst/>
+            </a:prstGeom>
+            <a:noFill/>
+            <a:ln>
+              <a:noFill/>
+            </a:ln>
+          </p:spPr>
+        </p:pic>
+        <p:pic>
+          <p:nvPicPr>
+            <p:cNvPr id="370" name="Google Shape;370;p35"/>
+            <p:cNvPicPr preferRelativeResize="0"/>
+            <p:nvPr/>
+          </p:nvPicPr>
+          <p:blipFill rotWithShape="1">
+            <a:blip r:embed="rId14">
+              <a:alphaModFix/>
+            </a:blip>
+            <a:srcRect b="8575" l="0" r="0" t="0"/>
+            <a:stretch/>
+          </p:blipFill>
+          <p:spPr>
+            <a:xfrm>
+              <a:off x="8038450" y="3987208"/>
+              <a:ext cx="1126000" cy="1156292"/>
+            </a:xfrm>
+            <a:prstGeom prst="rect">
+              <a:avLst/>
+            </a:prstGeom>
+            <a:noFill/>
+            <a:ln>
+              <a:noFill/>
+            </a:ln>
+          </p:spPr>
+        </p:pic>
+      </p:grpSp>
+    </p:spTree>
+  </p:cSld>
+  <p:clrMapOvr>
+    <a:masterClrMapping/>
+  </p:clrMapOvr>
+</p:sld>
+</file>
+
+<file path=ppt/slides/slide24.xml><?xml version="1.0" encoding="utf-8"?>
+<p:sld xmlns:a="http://schemas.openxmlformats.org/drawingml/2006/main" xmlns:r="http://schemas.openxmlformats.org/officeDocument/2006/relationships" xmlns:mc="http://schemas.openxmlformats.org/markup-compatibility/2006" xmlns:mv="urn:schemas-microsoft-com:mac:vml" xmlns:p="http://schemas.openxmlformats.org/presentationml/2006/main" xmlns:c="http://schemas.openxmlformats.org/drawingml/2006/chart" xmlns:dgm="http://schemas.openxmlformats.org/drawingml/2006/diagram" xmlns:o="urn:schemas-microsoft-com:office:office" xmlns:v="urn:schemas-microsoft-com:vml" xmlns:pvml="urn:schemas-microsoft-com:office:powerpoint" xmlns:com="http://schemas.openxmlformats.org/drawingml/2006/compatibility" xmlns:p14="http://schemas.microsoft.com/office/powerpoint/2010/main" xmlns:p15="http://schemas.microsoft.com/office/powerpoint/2012/main" xmlns:ahyp="http://schemas.microsoft.com/office/drawing/2018/hyperlinkcolor">
+  <p:cSld>
+    <p:bg>
+      <p:bgPr>
+        <a:solidFill>
+          <a:srgbClr val="F4D58F"/>
+        </a:solidFill>
+      </p:bgPr>
+    </p:bg>
+    <p:spTree>
+      <p:nvGrpSpPr>
+        <p:cNvPr id="374" name="Shape 374"/>
+        <p:cNvGrpSpPr/>
+        <p:nvPr/>
+      </p:nvGrpSpPr>
+      <p:grpSpPr>
+        <a:xfrm>
+          <a:off x="0" y="0"/>
+          <a:ext cx="0" cy="0"/>
+          <a:chOff x="0" y="0"/>
+          <a:chExt cx="0" cy="0"/>
+        </a:xfrm>
+      </p:grpSpPr>
+      <p:sp>
+        <p:nvSpPr>
+          <p:cNvPr id="375" name="Google Shape;375;p36"/>
+          <p:cNvSpPr txBox="1"/>
+          <p:nvPr>
+            <p:ph type="title"/>
+          </p:nvPr>
+        </p:nvSpPr>
+        <p:spPr>
+          <a:xfrm>
+            <a:off x="311700" y="1131600"/>
+            <a:ext cx="8520600" cy="572700"/>
+          </a:xfrm>
+          <a:prstGeom prst="rect">
+            <a:avLst/>
+          </a:prstGeom>
+        </p:spPr>
+        <p:txBody>
+          <a:bodyPr anchorCtr="0" anchor="t" bIns="91425" lIns="91425" spcFirstLastPara="1" rIns="91425" wrap="square" tIns="91425">
+            <a:normAutofit fontScale="90000"/>
+          </a:bodyPr>
+          <a:lstStyle/>
+          <a:p>
+            <a:pPr indent="0" lvl="0" marL="0" rtl="0" algn="l">
+              <a:spcBef>
+                <a:spcPts val="0"/>
+              </a:spcBef>
+              <a:spcAft>
+                <a:spcPts val="0"/>
+              </a:spcAft>
+              <a:buNone/>
+            </a:pPr>
+            <a:r>
+              <a:rPr b="1" lang="en">
+                <a:solidFill>
+                  <a:schemeClr val="lt1"/>
+                </a:solidFill>
+                <a:latin typeface="Times New Roman"/>
+                <a:ea typeface="Times New Roman"/>
+                <a:cs typeface="Times New Roman"/>
+                <a:sym typeface="Times New Roman"/>
+              </a:rPr>
+              <a:t>Results of Analysis - Machine Learning Models</a:t>
+            </a:r>
+            <a:endParaRPr b="1">
+              <a:solidFill>
+                <a:schemeClr val="lt1"/>
+              </a:solidFill>
+              <a:latin typeface="Times New Roman"/>
+              <a:ea typeface="Times New Roman"/>
+              <a:cs typeface="Times New Roman"/>
+              <a:sym typeface="Times New Roman"/>
+            </a:endParaRPr>
+          </a:p>
+        </p:txBody>
+      </p:sp>
+      <p:sp>
+        <p:nvSpPr>
+          <p:cNvPr id="376" name="Google Shape;376;p36"/>
+          <p:cNvSpPr txBox="1"/>
+          <p:nvPr>
+            <p:ph idx="1" type="body"/>
+          </p:nvPr>
+        </p:nvSpPr>
+        <p:spPr>
+          <a:xfrm>
+            <a:off x="311700" y="1727100"/>
+            <a:ext cx="8520600" cy="3416400"/>
+          </a:xfrm>
+          <a:prstGeom prst="rect">
+            <a:avLst/>
+          </a:prstGeom>
+        </p:spPr>
+        <p:txBody>
+          <a:bodyPr anchorCtr="0" anchor="t" bIns="91425" lIns="91425" spcFirstLastPara="1" rIns="91425" wrap="square" tIns="91425">
+            <a:normAutofit/>
+          </a:bodyPr>
+          <a:lstStyle/>
+          <a:p>
+            <a:pPr indent="-342900" lvl="0" marL="457200" rtl="0" algn="l">
+              <a:spcBef>
+                <a:spcPts val="0"/>
+              </a:spcBef>
+              <a:spcAft>
+                <a:spcPts val="0"/>
+              </a:spcAft>
+              <a:buClr>
+                <a:schemeClr val="lt1"/>
+              </a:buClr>
+              <a:buSzPts val="1800"/>
+              <a:buFont typeface="Times New Roman"/>
+              <a:buChar char="●"/>
+            </a:pPr>
+            <a:r>
+              <a:rPr lang="en">
+                <a:solidFill>
+                  <a:schemeClr val="lt1"/>
+                </a:solidFill>
+                <a:latin typeface="Times New Roman"/>
+                <a:ea typeface="Times New Roman"/>
+                <a:cs typeface="Times New Roman"/>
+                <a:sym typeface="Times New Roman"/>
+              </a:rPr>
+              <a:t>Question: Are Pisces men the worst?</a:t>
+            </a:r>
+            <a:endParaRPr>
+              <a:solidFill>
+                <a:schemeClr val="lt1"/>
+              </a:solidFill>
+              <a:latin typeface="Times New Roman"/>
+              <a:ea typeface="Times New Roman"/>
+              <a:cs typeface="Times New Roman"/>
+              <a:sym typeface="Times New Roman"/>
+            </a:endParaRPr>
+          </a:p>
+          <a:p>
+            <a:pPr indent="0" lvl="0" marL="457200" rtl="0" algn="l">
+              <a:spcBef>
+                <a:spcPts val="1200"/>
+              </a:spcBef>
+              <a:spcAft>
+                <a:spcPts val="0"/>
+              </a:spcAft>
+              <a:buNone/>
+            </a:pPr>
+            <a:r>
+              <a:t/>
+            </a:r>
+            <a:endParaRPr>
+              <a:solidFill>
+                <a:schemeClr val="lt1"/>
+              </a:solidFill>
+              <a:latin typeface="Times New Roman"/>
+              <a:ea typeface="Times New Roman"/>
+              <a:cs typeface="Times New Roman"/>
+              <a:sym typeface="Times New Roman"/>
+            </a:endParaRPr>
+          </a:p>
+          <a:p>
+            <a:pPr indent="-342900" lvl="0" marL="457200" rtl="0" algn="l">
+              <a:spcBef>
+                <a:spcPts val="1200"/>
+              </a:spcBef>
+              <a:spcAft>
+                <a:spcPts val="0"/>
+              </a:spcAft>
+              <a:buClr>
+                <a:schemeClr val="lt1"/>
+              </a:buClr>
+              <a:buSzPts val="1800"/>
+              <a:buFont typeface="Times New Roman"/>
+              <a:buChar char="●"/>
+            </a:pPr>
+            <a:r>
+              <a:rPr lang="en">
+                <a:solidFill>
+                  <a:schemeClr val="lt1"/>
+                </a:solidFill>
+                <a:latin typeface="Times New Roman"/>
+                <a:ea typeface="Times New Roman"/>
+                <a:cs typeface="Times New Roman"/>
+                <a:sym typeface="Times New Roman"/>
+              </a:rPr>
+              <a:t>Despite little-to-no support from our Machine Learning Models, we stand by our hypothesis that Pisces men, are in fact, the worst.</a:t>
+            </a:r>
+            <a:endParaRPr>
+              <a:solidFill>
+                <a:schemeClr val="lt1"/>
+              </a:solidFill>
+              <a:latin typeface="Times New Roman"/>
+              <a:ea typeface="Times New Roman"/>
+              <a:cs typeface="Times New Roman"/>
+              <a:sym typeface="Times New Roman"/>
+            </a:endParaRPr>
+          </a:p>
+        </p:txBody>
+      </p:sp>
+      <p:grpSp>
+        <p:nvGrpSpPr>
+          <p:cNvPr id="377" name="Google Shape;377;p36"/>
+          <p:cNvGrpSpPr/>
+          <p:nvPr/>
+        </p:nvGrpSpPr>
+        <p:grpSpPr>
+          <a:xfrm>
+            <a:off x="18500" y="47675"/>
+            <a:ext cx="9106999" cy="1083925"/>
+            <a:chOff x="0" y="-14750"/>
+            <a:chExt cx="9106999" cy="1083925"/>
+          </a:xfrm>
+        </p:grpSpPr>
+        <p:pic>
+          <p:nvPicPr>
+            <p:cNvPr id="378" name="Google Shape;378;p36"/>
+            <p:cNvPicPr preferRelativeResize="0"/>
+            <p:nvPr/>
+          </p:nvPicPr>
+          <p:blipFill rotWithShape="1">
+            <a:blip r:embed="rId3">
+              <a:alphaModFix/>
+            </a:blip>
+            <a:srcRect b="9755" l="0" r="0" t="0"/>
+            <a:stretch/>
+          </p:blipFill>
+          <p:spPr>
+            <a:xfrm>
+              <a:off x="0" y="-14750"/>
+              <a:ext cx="1022125" cy="1029574"/>
+            </a:xfrm>
+            <a:prstGeom prst="rect">
+              <a:avLst/>
+            </a:prstGeom>
+            <a:noFill/>
+            <a:ln>
+              <a:noFill/>
+            </a:ln>
+          </p:spPr>
+        </p:pic>
+        <p:pic>
+          <p:nvPicPr>
+            <p:cNvPr id="379" name="Google Shape;379;p36"/>
+            <p:cNvPicPr preferRelativeResize="0"/>
+            <p:nvPr/>
+          </p:nvPicPr>
+          <p:blipFill rotWithShape="1">
+            <a:blip r:embed="rId4">
+              <a:alphaModFix/>
+            </a:blip>
+            <a:srcRect b="8700" l="0" r="0" t="0"/>
+            <a:stretch/>
+          </p:blipFill>
+          <p:spPr>
+            <a:xfrm>
+              <a:off x="1471076" y="-14750"/>
+              <a:ext cx="673249" cy="1029575"/>
+            </a:xfrm>
+            <a:prstGeom prst="rect">
+              <a:avLst/>
+            </a:prstGeom>
+            <a:noFill/>
+            <a:ln>
+              <a:noFill/>
+            </a:ln>
+          </p:spPr>
+        </p:pic>
+        <p:pic>
+          <p:nvPicPr>
+            <p:cNvPr id="380" name="Google Shape;380;p36"/>
+            <p:cNvPicPr preferRelativeResize="0"/>
+            <p:nvPr/>
+          </p:nvPicPr>
+          <p:blipFill rotWithShape="1">
+            <a:blip r:embed="rId5">
+              <a:alphaModFix/>
+            </a:blip>
+            <a:srcRect b="9041" l="0" r="0" t="0"/>
+            <a:stretch/>
+          </p:blipFill>
+          <p:spPr>
+            <a:xfrm>
+              <a:off x="4061899" y="-4825"/>
+              <a:ext cx="1493392" cy="1029575"/>
+            </a:xfrm>
+            <a:prstGeom prst="rect">
+              <a:avLst/>
+            </a:prstGeom>
+            <a:noFill/>
+            <a:ln>
+              <a:noFill/>
+            </a:ln>
+          </p:spPr>
+        </p:pic>
+        <p:pic>
+          <p:nvPicPr>
+            <p:cNvPr id="381" name="Google Shape;381;p36"/>
+            <p:cNvPicPr preferRelativeResize="0"/>
+            <p:nvPr/>
+          </p:nvPicPr>
+          <p:blipFill rotWithShape="1">
+            <a:blip r:embed="rId6">
+              <a:alphaModFix/>
+            </a:blip>
+            <a:srcRect b="13577" l="0" r="0" t="0"/>
+            <a:stretch/>
+          </p:blipFill>
+          <p:spPr>
+            <a:xfrm>
+              <a:off x="2540112" y="-4825"/>
+              <a:ext cx="1126013" cy="1029575"/>
+            </a:xfrm>
+            <a:prstGeom prst="rect">
+              <a:avLst/>
+            </a:prstGeom>
+            <a:noFill/>
+            <a:ln>
+              <a:noFill/>
+            </a:ln>
+          </p:spPr>
+        </p:pic>
+        <p:pic>
+          <p:nvPicPr>
+            <p:cNvPr id="382" name="Google Shape;382;p36"/>
+            <p:cNvPicPr preferRelativeResize="0"/>
+            <p:nvPr/>
+          </p:nvPicPr>
+          <p:blipFill rotWithShape="1">
+            <a:blip r:embed="rId7">
+              <a:alphaModFix/>
+            </a:blip>
+            <a:srcRect b="9853" l="0" r="0" t="0"/>
+            <a:stretch/>
+          </p:blipFill>
+          <p:spPr>
+            <a:xfrm>
+              <a:off x="6228649" y="-13951"/>
+              <a:ext cx="1126001" cy="1047837"/>
+            </a:xfrm>
+            <a:prstGeom prst="rect">
+              <a:avLst/>
+            </a:prstGeom>
+            <a:noFill/>
+            <a:ln>
+              <a:noFill/>
+            </a:ln>
+          </p:spPr>
+        </p:pic>
+        <p:pic>
+          <p:nvPicPr>
+            <p:cNvPr id="383" name="Google Shape;383;p36"/>
+            <p:cNvPicPr preferRelativeResize="0"/>
+            <p:nvPr/>
+          </p:nvPicPr>
+          <p:blipFill rotWithShape="1">
+            <a:blip r:embed="rId8">
+              <a:alphaModFix/>
+            </a:blip>
+            <a:srcRect b="9682" l="0" r="0" t="0"/>
+            <a:stretch/>
+          </p:blipFill>
+          <p:spPr>
+            <a:xfrm>
+              <a:off x="8055700" y="39600"/>
+              <a:ext cx="1051298" cy="1029575"/>
+            </a:xfrm>
+            <a:prstGeom prst="rect">
+              <a:avLst/>
+            </a:prstGeom>
+            <a:noFill/>
+            <a:ln>
+              <a:noFill/>
+            </a:ln>
+          </p:spPr>
+        </p:pic>
+      </p:grpSp>
+      <p:grpSp>
+        <p:nvGrpSpPr>
+          <p:cNvPr id="384" name="Google Shape;384;p36"/>
+          <p:cNvGrpSpPr/>
+          <p:nvPr/>
+        </p:nvGrpSpPr>
+        <p:grpSpPr>
+          <a:xfrm>
+            <a:off x="0" y="3987208"/>
+            <a:ext cx="9164450" cy="1156292"/>
+            <a:chOff x="0" y="3987208"/>
+            <a:chExt cx="9164450" cy="1156292"/>
+          </a:xfrm>
+        </p:grpSpPr>
+        <p:pic>
+          <p:nvPicPr>
+            <p:cNvPr id="385" name="Google Shape;385;p36"/>
+            <p:cNvPicPr preferRelativeResize="0"/>
+            <p:nvPr/>
+          </p:nvPicPr>
+          <p:blipFill rotWithShape="1">
+            <a:blip r:embed="rId9">
+              <a:alphaModFix/>
+            </a:blip>
+            <a:srcRect b="8138" l="0" r="0" t="0"/>
+            <a:stretch/>
+          </p:blipFill>
+          <p:spPr>
+            <a:xfrm>
+              <a:off x="0" y="4073253"/>
+              <a:ext cx="977025" cy="1070247"/>
+            </a:xfrm>
+            <a:prstGeom prst="rect">
+              <a:avLst/>
+            </a:prstGeom>
+            <a:noFill/>
+            <a:ln>
+              <a:noFill/>
+            </a:ln>
+          </p:spPr>
+        </p:pic>
+        <p:pic>
+          <p:nvPicPr>
+            <p:cNvPr id="386" name="Google Shape;386;p36"/>
+            <p:cNvPicPr preferRelativeResize="0"/>
+            <p:nvPr/>
+          </p:nvPicPr>
+          <p:blipFill rotWithShape="1">
+            <a:blip r:embed="rId10">
+              <a:alphaModFix/>
+            </a:blip>
+            <a:srcRect b="10650" l="0" r="0" t="0"/>
+            <a:stretch/>
+          </p:blipFill>
+          <p:spPr>
+            <a:xfrm>
+              <a:off x="1447800" y="4093067"/>
+              <a:ext cx="916625" cy="1050433"/>
+            </a:xfrm>
+            <a:prstGeom prst="rect">
+              <a:avLst/>
+            </a:prstGeom>
+            <a:noFill/>
+            <a:ln>
+              <a:noFill/>
+            </a:ln>
+          </p:spPr>
+        </p:pic>
+        <p:pic>
+          <p:nvPicPr>
+            <p:cNvPr id="387" name="Google Shape;387;p36"/>
+            <p:cNvPicPr preferRelativeResize="0"/>
+            <p:nvPr/>
+          </p:nvPicPr>
+          <p:blipFill rotWithShape="1">
+            <a:blip r:embed="rId11">
+              <a:alphaModFix/>
+            </a:blip>
+            <a:srcRect b="7510" l="0" r="0" t="0"/>
+            <a:stretch/>
+          </p:blipFill>
+          <p:spPr>
+            <a:xfrm>
+              <a:off x="2895600" y="4073250"/>
+              <a:ext cx="876183" cy="1070250"/>
+            </a:xfrm>
+            <a:prstGeom prst="rect">
+              <a:avLst/>
+            </a:prstGeom>
+            <a:noFill/>
+            <a:ln>
+              <a:noFill/>
+            </a:ln>
+          </p:spPr>
+        </p:pic>
+        <p:pic>
+          <p:nvPicPr>
+            <p:cNvPr id="388" name="Google Shape;388;p36"/>
+            <p:cNvPicPr preferRelativeResize="0"/>
+            <p:nvPr/>
+          </p:nvPicPr>
+          <p:blipFill rotWithShape="1">
+            <a:blip r:embed="rId12">
+              <a:alphaModFix/>
+            </a:blip>
+            <a:srcRect b="9600" l="0" r="0" t="0"/>
+            <a:stretch/>
+          </p:blipFill>
+          <p:spPr>
+            <a:xfrm>
+              <a:off x="4290500" y="4073250"/>
+              <a:ext cx="1310534" cy="1070250"/>
+            </a:xfrm>
+            <a:prstGeom prst="rect">
+              <a:avLst/>
+            </a:prstGeom>
+            <a:noFill/>
+            <a:ln>
+              <a:noFill/>
+            </a:ln>
+          </p:spPr>
+        </p:pic>
+        <p:pic>
+          <p:nvPicPr>
+            <p:cNvPr id="389" name="Google Shape;389;p36"/>
+            <p:cNvPicPr preferRelativeResize="0"/>
+            <p:nvPr/>
+          </p:nvPicPr>
+          <p:blipFill rotWithShape="1">
+            <a:blip r:embed="rId13">
+              <a:alphaModFix/>
+            </a:blip>
+            <a:srcRect b="9990" l="0" r="0" t="0"/>
+            <a:stretch/>
+          </p:blipFill>
+          <p:spPr>
+            <a:xfrm>
+              <a:off x="6012600" y="4073250"/>
+              <a:ext cx="1723450" cy="1070250"/>
+            </a:xfrm>
+            <a:prstGeom prst="rect">
+              <a:avLst/>
+            </a:prstGeom>
+            <a:noFill/>
+            <a:ln>
+              <a:noFill/>
+            </a:ln>
+          </p:spPr>
+        </p:pic>
+        <p:pic>
+          <p:nvPicPr>
+            <p:cNvPr id="390" name="Google Shape;390;p36"/>
+            <p:cNvPicPr preferRelativeResize="0"/>
+            <p:nvPr/>
+          </p:nvPicPr>
+          <p:blipFill rotWithShape="1">
+            <a:blip r:embed="rId14">
+              <a:alphaModFix/>
+            </a:blip>
+            <a:srcRect b="8575" l="0" r="0" t="0"/>
+            <a:stretch/>
+          </p:blipFill>
+          <p:spPr>
+            <a:xfrm>
+              <a:off x="8038450" y="3987208"/>
+              <a:ext cx="1126000" cy="1156292"/>
+            </a:xfrm>
+            <a:prstGeom prst="rect">
+              <a:avLst/>
+            </a:prstGeom>
+            <a:noFill/>
+            <a:ln>
+              <a:noFill/>
+            </a:ln>
+          </p:spPr>
+        </p:pic>
+      </p:grpSp>
+    </p:spTree>
+  </p:cSld>
+  <p:clrMapOvr>
+    <a:masterClrMapping/>
+  </p:clrMapOvr>
+</p:sld>
+</file>
+
+<file path=ppt/slides/slide25.xml><?xml version="1.0" encoding="utf-8"?>
+<p:sld xmlns:a="http://schemas.openxmlformats.org/drawingml/2006/main" xmlns:r="http://schemas.openxmlformats.org/officeDocument/2006/relationships" xmlns:mc="http://schemas.openxmlformats.org/markup-compatibility/2006" xmlns:mv="urn:schemas-microsoft-com:mac:vml" xmlns:p="http://schemas.openxmlformats.org/presentationml/2006/main" xmlns:c="http://schemas.openxmlformats.org/drawingml/2006/chart" xmlns:dgm="http://schemas.openxmlformats.org/drawingml/2006/diagram" xmlns:o="urn:schemas-microsoft-com:office:office" xmlns:v="urn:schemas-microsoft-com:vml" xmlns:pvml="urn:schemas-microsoft-com:office:powerpoint" xmlns:com="http://schemas.openxmlformats.org/drawingml/2006/compatibility" xmlns:p14="http://schemas.microsoft.com/office/powerpoint/2010/main" xmlns:p15="http://schemas.microsoft.com/office/powerpoint/2012/main" xmlns:ahyp="http://schemas.microsoft.com/office/drawing/2018/hyperlinkcolor">
+  <p:cSld>
+    <p:bg>
+      <p:bgPr>
+        <a:solidFill>
+          <a:srgbClr val="75CEDE"/>
+        </a:solidFill>
+      </p:bgPr>
+    </p:bg>
+    <p:spTree>
+      <p:nvGrpSpPr>
+        <p:cNvPr id="394" name="Shape 394"/>
+        <p:cNvGrpSpPr/>
+        <p:nvPr/>
+      </p:nvGrpSpPr>
+      <p:grpSpPr>
+        <a:xfrm>
+          <a:off x="0" y="0"/>
+          <a:ext cx="0" cy="0"/>
+          <a:chOff x="0" y="0"/>
+          <a:chExt cx="0" cy="0"/>
+        </a:xfrm>
+      </p:grpSpPr>
+      <p:sp>
+        <p:nvSpPr>
+          <p:cNvPr id="395" name="Google Shape;395;p37"/>
+          <p:cNvSpPr txBox="1"/>
+          <p:nvPr>
+            <p:ph type="title"/>
+          </p:nvPr>
+        </p:nvSpPr>
+        <p:spPr>
+          <a:xfrm>
+            <a:off x="293200" y="1083925"/>
+            <a:ext cx="8520600" cy="572700"/>
+          </a:xfrm>
+          <a:prstGeom prst="rect">
+            <a:avLst/>
+          </a:prstGeom>
+        </p:spPr>
+        <p:txBody>
+          <a:bodyPr anchorCtr="0" anchor="t" bIns="91425" lIns="91425" spcFirstLastPara="1" rIns="91425" wrap="square" tIns="91425">
+            <a:normAutofit fontScale="90000"/>
+          </a:bodyPr>
+          <a:lstStyle/>
+          <a:p>
+            <a:pPr indent="0" lvl="0" marL="0" rtl="0" algn="l">
+              <a:spcBef>
+                <a:spcPts val="0"/>
+              </a:spcBef>
+              <a:spcAft>
+                <a:spcPts val="0"/>
+              </a:spcAft>
+              <a:buNone/>
+            </a:pPr>
+            <a:r>
+              <a:rPr b="1" lang="en">
+                <a:solidFill>
+                  <a:schemeClr val="lt1"/>
+                </a:solidFill>
+                <a:latin typeface="Times New Roman"/>
+                <a:ea typeface="Times New Roman"/>
+                <a:cs typeface="Times New Roman"/>
+                <a:sym typeface="Times New Roman"/>
+              </a:rPr>
+              <a:t>Results of Analysis - What We Would Have Done Differently</a:t>
+            </a:r>
+            <a:endParaRPr b="1">
+              <a:solidFill>
+                <a:schemeClr val="lt1"/>
+              </a:solidFill>
+              <a:latin typeface="Times New Roman"/>
+              <a:ea typeface="Times New Roman"/>
+              <a:cs typeface="Times New Roman"/>
+              <a:sym typeface="Times New Roman"/>
+            </a:endParaRPr>
+          </a:p>
+        </p:txBody>
+      </p:sp>
+      <p:sp>
+        <p:nvSpPr>
+          <p:cNvPr id="396" name="Google Shape;396;p37"/>
+          <p:cNvSpPr txBox="1"/>
+          <p:nvPr>
+            <p:ph idx="1" type="body"/>
+          </p:nvPr>
+        </p:nvSpPr>
+        <p:spPr>
+          <a:xfrm>
+            <a:off x="311700" y="1656625"/>
+            <a:ext cx="8520600" cy="3416400"/>
+          </a:xfrm>
+          <a:prstGeom prst="rect">
+            <a:avLst/>
+          </a:prstGeom>
+        </p:spPr>
+        <p:txBody>
+          <a:bodyPr anchorCtr="0" anchor="t" bIns="91425" lIns="91425" spcFirstLastPara="1" rIns="91425" wrap="square" tIns="91425">
+            <a:normAutofit/>
+          </a:bodyPr>
+          <a:lstStyle/>
+          <a:p>
+            <a:pPr indent="-342900" lvl="0" marL="457200" rtl="0" algn="l">
+              <a:spcBef>
+                <a:spcPts val="0"/>
+              </a:spcBef>
+              <a:spcAft>
+                <a:spcPts val="0"/>
+              </a:spcAft>
+              <a:buClr>
+                <a:schemeClr val="lt1"/>
+              </a:buClr>
+              <a:buSzPts val="1800"/>
+              <a:buFont typeface="Times New Roman"/>
+              <a:buChar char="●"/>
+            </a:pPr>
+            <a:r>
+              <a:rPr lang="en">
+                <a:solidFill>
+                  <a:schemeClr val="lt1"/>
+                </a:solidFill>
+                <a:latin typeface="Times New Roman"/>
+                <a:ea typeface="Times New Roman"/>
+                <a:cs typeface="Times New Roman"/>
+                <a:sym typeface="Times New Roman"/>
+              </a:rPr>
+              <a:t>Reanalyze datasets and how they are organized</a:t>
+            </a:r>
+            <a:endParaRPr>
+              <a:solidFill>
+                <a:schemeClr val="lt1"/>
+              </a:solidFill>
+              <a:latin typeface="Times New Roman"/>
+              <a:ea typeface="Times New Roman"/>
+              <a:cs typeface="Times New Roman"/>
+              <a:sym typeface="Times New Roman"/>
+            </a:endParaRPr>
+          </a:p>
+          <a:p>
+            <a:pPr indent="0" lvl="0" marL="457200" rtl="0" algn="l">
+              <a:spcBef>
+                <a:spcPts val="1200"/>
+              </a:spcBef>
+              <a:spcAft>
+                <a:spcPts val="0"/>
+              </a:spcAft>
+              <a:buNone/>
+            </a:pPr>
+            <a:r>
+              <a:t/>
+            </a:r>
+            <a:endParaRPr>
+              <a:solidFill>
+                <a:schemeClr val="lt1"/>
+              </a:solidFill>
+              <a:latin typeface="Times New Roman"/>
+              <a:ea typeface="Times New Roman"/>
+              <a:cs typeface="Times New Roman"/>
+              <a:sym typeface="Times New Roman"/>
+            </a:endParaRPr>
+          </a:p>
+          <a:p>
+            <a:pPr indent="-342900" lvl="0" marL="457200" rtl="0" algn="l">
+              <a:spcBef>
+                <a:spcPts val="1200"/>
+              </a:spcBef>
+              <a:spcAft>
+                <a:spcPts val="0"/>
+              </a:spcAft>
+              <a:buClr>
+                <a:schemeClr val="lt1"/>
+              </a:buClr>
+              <a:buSzPts val="1800"/>
+              <a:buFont typeface="Times New Roman"/>
+              <a:buChar char="●"/>
+            </a:pPr>
+            <a:r>
+              <a:rPr lang="en">
+                <a:solidFill>
+                  <a:schemeClr val="lt1"/>
+                </a:solidFill>
+                <a:latin typeface="Times New Roman"/>
+                <a:ea typeface="Times New Roman"/>
+                <a:cs typeface="Times New Roman"/>
+                <a:sym typeface="Times New Roman"/>
+              </a:rPr>
+              <a:t>Attempt a clustering model like K Nearest Neighbors</a:t>
+            </a:r>
+            <a:endParaRPr>
+              <a:solidFill>
+                <a:schemeClr val="lt1"/>
+              </a:solidFill>
+              <a:latin typeface="Times New Roman"/>
+              <a:ea typeface="Times New Roman"/>
+              <a:cs typeface="Times New Roman"/>
+              <a:sym typeface="Times New Roman"/>
+            </a:endParaRPr>
+          </a:p>
+          <a:p>
+            <a:pPr indent="0" lvl="0" marL="457200" rtl="0" algn="l">
+              <a:spcBef>
+                <a:spcPts val="1200"/>
+              </a:spcBef>
+              <a:spcAft>
+                <a:spcPts val="0"/>
+              </a:spcAft>
+              <a:buNone/>
+            </a:pPr>
+            <a:r>
+              <a:t/>
+            </a:r>
+            <a:endParaRPr>
+              <a:solidFill>
+                <a:schemeClr val="lt1"/>
+              </a:solidFill>
+              <a:latin typeface="Times New Roman"/>
+              <a:ea typeface="Times New Roman"/>
+              <a:cs typeface="Times New Roman"/>
+              <a:sym typeface="Times New Roman"/>
+            </a:endParaRPr>
+          </a:p>
+          <a:p>
+            <a:pPr indent="-342900" lvl="0" marL="457200" rtl="0" algn="l">
+              <a:spcBef>
+                <a:spcPts val="1200"/>
+              </a:spcBef>
+              <a:spcAft>
+                <a:spcPts val="0"/>
+              </a:spcAft>
+              <a:buClr>
+                <a:schemeClr val="lt1"/>
+              </a:buClr>
+              <a:buSzPts val="1800"/>
+              <a:buFont typeface="Times New Roman"/>
+              <a:buChar char="●"/>
+            </a:pPr>
+            <a:r>
+              <a:rPr lang="en">
+                <a:solidFill>
+                  <a:schemeClr val="lt1"/>
+                </a:solidFill>
+                <a:latin typeface="Times New Roman"/>
+                <a:ea typeface="Times New Roman"/>
+                <a:cs typeface="Times New Roman"/>
+                <a:sym typeface="Times New Roman"/>
+              </a:rPr>
+              <a:t>Introduction of more data for a larger data pool, for better </a:t>
+            </a:r>
+            <a:r>
+              <a:rPr lang="en">
+                <a:solidFill>
+                  <a:schemeClr val="lt1"/>
+                </a:solidFill>
+                <a:latin typeface="Times New Roman"/>
+                <a:ea typeface="Times New Roman"/>
+                <a:cs typeface="Times New Roman"/>
+                <a:sym typeface="Times New Roman"/>
+              </a:rPr>
+              <a:t>correlation</a:t>
+            </a:r>
+            <a:r>
+              <a:rPr lang="en">
+                <a:solidFill>
+                  <a:schemeClr val="lt1"/>
+                </a:solidFill>
+                <a:latin typeface="Times New Roman"/>
+                <a:ea typeface="Times New Roman"/>
+                <a:cs typeface="Times New Roman"/>
+                <a:sym typeface="Times New Roman"/>
+              </a:rPr>
+              <a:t>.</a:t>
+            </a:r>
+            <a:endParaRPr>
+              <a:solidFill>
+                <a:schemeClr val="lt1"/>
+              </a:solidFill>
+              <a:latin typeface="Times New Roman"/>
+              <a:ea typeface="Times New Roman"/>
+              <a:cs typeface="Times New Roman"/>
+              <a:sym typeface="Times New Roman"/>
+            </a:endParaRPr>
+          </a:p>
+        </p:txBody>
+      </p:sp>
+      <p:grpSp>
+        <p:nvGrpSpPr>
+          <p:cNvPr id="397" name="Google Shape;397;p37"/>
+          <p:cNvGrpSpPr/>
+          <p:nvPr/>
+        </p:nvGrpSpPr>
+        <p:grpSpPr>
+          <a:xfrm>
+            <a:off x="0" y="3987208"/>
+            <a:ext cx="9164450" cy="1156292"/>
+            <a:chOff x="0" y="3987208"/>
+            <a:chExt cx="9164450" cy="1156292"/>
+          </a:xfrm>
+        </p:grpSpPr>
+        <p:pic>
+          <p:nvPicPr>
+            <p:cNvPr id="398" name="Google Shape;398;p37"/>
+            <p:cNvPicPr preferRelativeResize="0"/>
+            <p:nvPr/>
+          </p:nvPicPr>
+          <p:blipFill rotWithShape="1">
+            <a:blip r:embed="rId3">
+              <a:alphaModFix/>
+            </a:blip>
+            <a:srcRect b="8138" l="0" r="0" t="0"/>
+            <a:stretch/>
+          </p:blipFill>
+          <p:spPr>
+            <a:xfrm>
+              <a:off x="0" y="4073253"/>
+              <a:ext cx="977025" cy="1070247"/>
+            </a:xfrm>
+            <a:prstGeom prst="rect">
+              <a:avLst/>
+            </a:prstGeom>
+            <a:noFill/>
+            <a:ln>
+              <a:noFill/>
+            </a:ln>
+          </p:spPr>
+        </p:pic>
+        <p:pic>
+          <p:nvPicPr>
+            <p:cNvPr id="399" name="Google Shape;399;p37"/>
+            <p:cNvPicPr preferRelativeResize="0"/>
+            <p:nvPr/>
+          </p:nvPicPr>
+          <p:blipFill rotWithShape="1">
+            <a:blip r:embed="rId4">
+              <a:alphaModFix/>
+            </a:blip>
+            <a:srcRect b="10650" l="0" r="0" t="0"/>
+            <a:stretch/>
+          </p:blipFill>
+          <p:spPr>
+            <a:xfrm>
+              <a:off x="1447800" y="4093067"/>
+              <a:ext cx="916625" cy="1050433"/>
+            </a:xfrm>
+            <a:prstGeom prst="rect">
+              <a:avLst/>
+            </a:prstGeom>
+            <a:noFill/>
+            <a:ln>
+              <a:noFill/>
+            </a:ln>
+          </p:spPr>
+        </p:pic>
+        <p:pic>
+          <p:nvPicPr>
+            <p:cNvPr id="400" name="Google Shape;400;p37"/>
+            <p:cNvPicPr preferRelativeResize="0"/>
+            <p:nvPr/>
+          </p:nvPicPr>
+          <p:blipFill rotWithShape="1">
+            <a:blip r:embed="rId5">
+              <a:alphaModFix/>
+            </a:blip>
+            <a:srcRect b="7510" l="0" r="0" t="0"/>
+            <a:stretch/>
+          </p:blipFill>
+          <p:spPr>
+            <a:xfrm>
+              <a:off x="2895600" y="4073250"/>
+              <a:ext cx="876183" cy="1070250"/>
+            </a:xfrm>
+            <a:prstGeom prst="rect">
+              <a:avLst/>
+            </a:prstGeom>
+            <a:noFill/>
+            <a:ln>
+              <a:noFill/>
+            </a:ln>
+          </p:spPr>
+        </p:pic>
+        <p:pic>
+          <p:nvPicPr>
+            <p:cNvPr id="401" name="Google Shape;401;p37"/>
+            <p:cNvPicPr preferRelativeResize="0"/>
+            <p:nvPr/>
+          </p:nvPicPr>
+          <p:blipFill rotWithShape="1">
+            <a:blip r:embed="rId6">
+              <a:alphaModFix/>
+            </a:blip>
+            <a:srcRect b="9600" l="0" r="0" t="0"/>
+            <a:stretch/>
+          </p:blipFill>
+          <p:spPr>
+            <a:xfrm>
+              <a:off x="4290500" y="4073250"/>
+              <a:ext cx="1310534" cy="1070250"/>
+            </a:xfrm>
+            <a:prstGeom prst="rect">
+              <a:avLst/>
+            </a:prstGeom>
+            <a:noFill/>
+            <a:ln>
+              <a:noFill/>
+            </a:ln>
+          </p:spPr>
+        </p:pic>
+        <p:pic>
+          <p:nvPicPr>
+            <p:cNvPr id="402" name="Google Shape;402;p37"/>
+            <p:cNvPicPr preferRelativeResize="0"/>
+            <p:nvPr/>
+          </p:nvPicPr>
+          <p:blipFill rotWithShape="1">
+            <a:blip r:embed="rId7">
+              <a:alphaModFix/>
+            </a:blip>
+            <a:srcRect b="9990" l="0" r="0" t="0"/>
+            <a:stretch/>
+          </p:blipFill>
+          <p:spPr>
+            <a:xfrm>
+              <a:off x="6012600" y="4073250"/>
+              <a:ext cx="1723450" cy="1070250"/>
+            </a:xfrm>
+            <a:prstGeom prst="rect">
+              <a:avLst/>
+            </a:prstGeom>
+            <a:noFill/>
+            <a:ln>
+              <a:noFill/>
+            </a:ln>
+          </p:spPr>
+        </p:pic>
+        <p:pic>
+          <p:nvPicPr>
+            <p:cNvPr id="403" name="Google Shape;403;p37"/>
+            <p:cNvPicPr preferRelativeResize="0"/>
+            <p:nvPr/>
+          </p:nvPicPr>
+          <p:blipFill rotWithShape="1">
+            <a:blip r:embed="rId8">
+              <a:alphaModFix/>
+            </a:blip>
+            <a:srcRect b="8575" l="0" r="0" t="0"/>
+            <a:stretch/>
+          </p:blipFill>
+          <p:spPr>
+            <a:xfrm>
+              <a:off x="8038450" y="3987208"/>
+              <a:ext cx="1126000" cy="1156292"/>
+            </a:xfrm>
+            <a:prstGeom prst="rect">
+              <a:avLst/>
+            </a:prstGeom>
+            <a:noFill/>
+            <a:ln>
+              <a:noFill/>
+            </a:ln>
+          </p:spPr>
+        </p:pic>
+      </p:grpSp>
+      <p:grpSp>
+        <p:nvGrpSpPr>
+          <p:cNvPr id="404" name="Google Shape;404;p37"/>
+          <p:cNvGrpSpPr/>
+          <p:nvPr/>
+        </p:nvGrpSpPr>
+        <p:grpSpPr>
+          <a:xfrm>
+            <a:off x="0" y="0"/>
+            <a:ext cx="9106999" cy="1083925"/>
+            <a:chOff x="0" y="-14750"/>
+            <a:chExt cx="9106999" cy="1083925"/>
+          </a:xfrm>
+        </p:grpSpPr>
+        <p:pic>
+          <p:nvPicPr>
+            <p:cNvPr id="405" name="Google Shape;405;p37"/>
+            <p:cNvPicPr preferRelativeResize="0"/>
+            <p:nvPr/>
+          </p:nvPicPr>
+          <p:blipFill rotWithShape="1">
+            <a:blip r:embed="rId9">
+              <a:alphaModFix/>
+            </a:blip>
+            <a:srcRect b="9755" l="0" r="0" t="0"/>
+            <a:stretch/>
+          </p:blipFill>
+          <p:spPr>
+            <a:xfrm>
+              <a:off x="0" y="-14750"/>
+              <a:ext cx="1022125" cy="1029574"/>
+            </a:xfrm>
+            <a:prstGeom prst="rect">
+              <a:avLst/>
+            </a:prstGeom>
+            <a:noFill/>
+            <a:ln>
+              <a:noFill/>
+            </a:ln>
+          </p:spPr>
+        </p:pic>
+        <p:pic>
+          <p:nvPicPr>
+            <p:cNvPr id="406" name="Google Shape;406;p37"/>
+            <p:cNvPicPr preferRelativeResize="0"/>
+            <p:nvPr/>
+          </p:nvPicPr>
+          <p:blipFill rotWithShape="1">
+            <a:blip r:embed="rId10">
+              <a:alphaModFix/>
+            </a:blip>
+            <a:srcRect b="8700" l="0" r="0" t="0"/>
+            <a:stretch/>
+          </p:blipFill>
+          <p:spPr>
+            <a:xfrm>
+              <a:off x="1471076" y="-14750"/>
+              <a:ext cx="673249" cy="1029575"/>
+            </a:xfrm>
+            <a:prstGeom prst="rect">
+              <a:avLst/>
+            </a:prstGeom>
+            <a:noFill/>
+            <a:ln>
+              <a:noFill/>
+            </a:ln>
+          </p:spPr>
+        </p:pic>
+        <p:pic>
+          <p:nvPicPr>
+            <p:cNvPr id="407" name="Google Shape;407;p37"/>
+            <p:cNvPicPr preferRelativeResize="0"/>
+            <p:nvPr/>
+          </p:nvPicPr>
+          <p:blipFill rotWithShape="1">
+            <a:blip r:embed="rId11">
+              <a:alphaModFix/>
+            </a:blip>
+            <a:srcRect b="9041" l="0" r="0" t="0"/>
+            <a:stretch/>
+          </p:blipFill>
+          <p:spPr>
+            <a:xfrm>
+              <a:off x="4061899" y="-4825"/>
+              <a:ext cx="1493392" cy="1029575"/>
+            </a:xfrm>
+            <a:prstGeom prst="rect">
+              <a:avLst/>
+            </a:prstGeom>
+            <a:noFill/>
+            <a:ln>
+              <a:noFill/>
+            </a:ln>
+          </p:spPr>
+        </p:pic>
+        <p:pic>
+          <p:nvPicPr>
+            <p:cNvPr id="408" name="Google Shape;408;p37"/>
+            <p:cNvPicPr preferRelativeResize="0"/>
+            <p:nvPr/>
+          </p:nvPicPr>
+          <p:blipFill rotWithShape="1">
+            <a:blip r:embed="rId12">
+              <a:alphaModFix/>
+            </a:blip>
+            <a:srcRect b="13577" l="0" r="0" t="0"/>
+            <a:stretch/>
+          </p:blipFill>
+          <p:spPr>
+            <a:xfrm>
+              <a:off x="2540112" y="-4825"/>
+              <a:ext cx="1126013" cy="1029575"/>
+            </a:xfrm>
+            <a:prstGeom prst="rect">
+              <a:avLst/>
+            </a:prstGeom>
+            <a:noFill/>
+            <a:ln>
+              <a:noFill/>
+            </a:ln>
+          </p:spPr>
+        </p:pic>
+        <p:pic>
+          <p:nvPicPr>
+            <p:cNvPr id="409" name="Google Shape;409;p37"/>
+            <p:cNvPicPr preferRelativeResize="0"/>
+            <p:nvPr/>
+          </p:nvPicPr>
+          <p:blipFill rotWithShape="1">
+            <a:blip r:embed="rId13">
+              <a:alphaModFix/>
+            </a:blip>
+            <a:srcRect b="9853" l="0" r="0" t="0"/>
+            <a:stretch/>
+          </p:blipFill>
+          <p:spPr>
+            <a:xfrm>
+              <a:off x="6228649" y="-13951"/>
+              <a:ext cx="1126001" cy="1047837"/>
+            </a:xfrm>
+            <a:prstGeom prst="rect">
+              <a:avLst/>
+            </a:prstGeom>
+            <a:noFill/>
+            <a:ln>
+              <a:noFill/>
+            </a:ln>
+          </p:spPr>
+        </p:pic>
+        <p:pic>
+          <p:nvPicPr>
+            <p:cNvPr id="410" name="Google Shape;410;p37"/>
+            <p:cNvPicPr preferRelativeResize="0"/>
+            <p:nvPr/>
+          </p:nvPicPr>
+          <p:blipFill rotWithShape="1">
+            <a:blip r:embed="rId14">
+              <a:alphaModFix/>
+            </a:blip>
+            <a:srcRect b="9682" l="0" r="0" t="0"/>
+            <a:stretch/>
+          </p:blipFill>
+          <p:spPr>
+            <a:xfrm>
+              <a:off x="8055700" y="39600"/>
+              <a:ext cx="1051298" cy="1029575"/>
+            </a:xfrm>
+            <a:prstGeom prst="rect">
+              <a:avLst/>
+            </a:prstGeom>
+            <a:noFill/>
+            <a:ln>
+              <a:noFill/>
+            </a:ln>
+          </p:spPr>
+        </p:pic>
+      </p:grpSp>
     </p:spTree>
   </p:cSld>
   <p:clrMapOvr>
@@ -14359,6 +18906,285 @@
 </file>
 
 <file path=ppt/theme/theme1.xml><?xml version="1.0" encoding="utf-8"?>
+<a:theme xmlns:a="http://schemas.openxmlformats.org/drawingml/2006/main" xmlns:r="http://schemas.openxmlformats.org/officeDocument/2006/relationships">
+  <a:themeElements>
+    <a:clrScheme name="Default">
+      <a:dk1>
+        <a:srgbClr val="000000"/>
+      </a:dk1>
+      <a:lt1>
+        <a:srgbClr val="FFFFFF"/>
+      </a:lt1>
+      <a:dk2>
+        <a:srgbClr val="158158"/>
+      </a:dk2>
+      <a:lt2>
+        <a:srgbClr val="F3F3F3"/>
+      </a:lt2>
+      <a:accent1>
+        <a:srgbClr val="058DC7"/>
+      </a:accent1>
+      <a:accent2>
+        <a:srgbClr val="50B432"/>
+      </a:accent2>
+      <a:accent3>
+        <a:srgbClr val="ED561B"/>
+      </a:accent3>
+      <a:accent4>
+        <a:srgbClr val="EDEF00"/>
+      </a:accent4>
+      <a:accent5>
+        <a:srgbClr val="24CBE5"/>
+      </a:accent5>
+      <a:accent6>
+        <a:srgbClr val="64E572"/>
+      </a:accent6>
+      <a:hlink>
+        <a:srgbClr val="2200CC"/>
+      </a:hlink>
+      <a:folHlink>
+        <a:srgbClr val="551A8B"/>
+      </a:folHlink>
+    </a:clrScheme>
+    <a:fontScheme name="Office">
+      <a:majorFont>
+        <a:latin typeface="Arial"/>
+        <a:ea typeface=""/>
+        <a:cs typeface=""/>
+        <a:font script="Jpan" typeface="ＭＳ Ｐゴシック"/>
+        <a:font script="Hang" typeface="맑은 고딕"/>
+        <a:font script="Hans" typeface="宋体"/>
+        <a:font script="Hant" typeface="新細明體"/>
+        <a:font script="Arab" typeface="Times New Roman"/>
+        <a:font script="Hebr" typeface="Times New Roman"/>
+        <a:font script="Thai" typeface="Angsana New"/>
+        <a:font script="Ethi" typeface="Nyala"/>
+        <a:font script="Beng" typeface="Vrinda"/>
+        <a:font script="Gujr" typeface="Shruti"/>
+        <a:font script="Khmr" typeface="MoolBoran"/>
+        <a:font script="Knda" typeface="Tunga"/>
+        <a:font script="Guru" typeface="Raavi"/>
+        <a:font script="Cans" typeface="Euphemia"/>
+        <a:font script="Cher" typeface="Plantagenet Cherokee"/>
+        <a:font script="Yiii" typeface="Microsoft Yi Baiti"/>
+        <a:font script="Tibt" typeface="Microsoft Himalaya"/>
+        <a:font script="Thaa" typeface="MV Boli"/>
+        <a:font script="Deva" typeface="Mangal"/>
+        <a:font script="Telu" typeface="Gautami"/>
+        <a:font script="Taml" typeface="Latha"/>
+        <a:font script="Syrc" typeface="Estrangelo Edessa"/>
+        <a:font script="Orya" typeface="Kalinga"/>
+        <a:font script="Mlym" typeface="Kartika"/>
+        <a:font script="Laoo" typeface="DokChampa"/>
+        <a:font script="Sinh" typeface="Iskoola Pota"/>
+        <a:font script="Mong" typeface="Mongolian Baiti"/>
+        <a:font script="Viet" typeface="Times New Roman"/>
+        <a:font script="Uigh" typeface="Microsoft Uighur"/>
+        <a:font script="Geor" typeface="Sylfaen"/>
+      </a:majorFont>
+      <a:minorFont>
+        <a:latin typeface="Arial"/>
+        <a:ea typeface=""/>
+        <a:cs typeface=""/>
+        <a:font script="Jpan" typeface="ＭＳ Ｐゴシック"/>
+        <a:font script="Hang" typeface="맑은 고딕"/>
+        <a:font script="Hans" typeface="宋体"/>
+        <a:font script="Hant" typeface="新細明體"/>
+        <a:font script="Arab" typeface="Arial"/>
+        <a:font script="Hebr" typeface="Arial"/>
+        <a:font script="Thai" typeface="Cordia New"/>
+        <a:font script="Ethi" typeface="Nyala"/>
+        <a:font script="Beng" typeface="Vrinda"/>
+        <a:font script="Gujr" typeface="Shruti"/>
+        <a:font script="Khmr" typeface="DaunPenh"/>
+        <a:font script="Knda" typeface="Tunga"/>
+        <a:font script="Guru" typeface="Raavi"/>
+        <a:font script="Cans" typeface="Euphemia"/>
+        <a:font script="Cher" typeface="Plantagenet Cherokee"/>
+        <a:font script="Yiii" typeface="Microsoft Yi Baiti"/>
+        <a:font script="Tibt" typeface="Microsoft Himalaya"/>
+        <a:font script="Thaa" typeface="MV Boli"/>
+        <a:font script="Deva" typeface="Mangal"/>
+        <a:font script="Telu" typeface="Gautami"/>
+        <a:font script="Taml" typeface="Latha"/>
+        <a:font script="Syrc" typeface="Estrangelo Edessa"/>
+        <a:font script="Orya" typeface="Kalinga"/>
+        <a:font script="Mlym" typeface="Kartika"/>
+        <a:font script="Laoo" typeface="DokChampa"/>
+        <a:font script="Sinh" typeface="Iskoola Pota"/>
+        <a:font script="Mong" typeface="Mongolian Baiti"/>
+        <a:font script="Viet" typeface="Arial"/>
+        <a:font script="Uigh" typeface="Microsoft Uighur"/>
+        <a:font script="Geor" typeface="Sylfaen"/>
+      </a:minorFont>
+    </a:fontScheme>
+    <a:fmtScheme name="Office">
+      <a:fillStyleLst>
+        <a:solidFill>
+          <a:schemeClr val="phClr"/>
+        </a:solidFill>
+        <a:gradFill rotWithShape="1">
+          <a:gsLst>
+            <a:gs pos="0">
+              <a:schemeClr val="phClr">
+                <a:tint val="50000"/>
+                <a:satMod val="300000"/>
+              </a:schemeClr>
+            </a:gs>
+            <a:gs pos="35000">
+              <a:schemeClr val="phClr">
+                <a:tint val="37000"/>
+                <a:satMod val="300000"/>
+              </a:schemeClr>
+            </a:gs>
+            <a:gs pos="100000">
+              <a:schemeClr val="phClr">
+                <a:tint val="15000"/>
+                <a:satMod val="350000"/>
+              </a:schemeClr>
+            </a:gs>
+          </a:gsLst>
+          <a:lin ang="16200000" scaled="1"/>
+        </a:gradFill>
+        <a:gradFill rotWithShape="1">
+          <a:gsLst>
+            <a:gs pos="0">
+              <a:schemeClr val="phClr">
+                <a:tint val="100000"/>
+                <a:shade val="100000"/>
+                <a:satMod val="130000"/>
+              </a:schemeClr>
+            </a:gs>
+            <a:gs pos="100000">
+              <a:schemeClr val="phClr">
+                <a:tint val="50000"/>
+                <a:shade val="100000"/>
+                <a:satMod val="350000"/>
+              </a:schemeClr>
+            </a:gs>
+          </a:gsLst>
+          <a:lin ang="16200000" scaled="0"/>
+        </a:gradFill>
+      </a:fillStyleLst>
+      <a:lnStyleLst>
+        <a:ln w="9525" cap="flat" cmpd="sng" algn="ctr">
+          <a:solidFill>
+            <a:schemeClr val="phClr">
+              <a:shade val="95000"/>
+              <a:satMod val="105000"/>
+            </a:schemeClr>
+          </a:solidFill>
+          <a:prstDash val="solid"/>
+        </a:ln>
+        <a:ln w="25400" cap="flat" cmpd="sng" algn="ctr">
+          <a:solidFill>
+            <a:schemeClr val="phClr"/>
+          </a:solidFill>
+          <a:prstDash val="solid"/>
+        </a:ln>
+        <a:ln w="38100" cap="flat" cmpd="sng" algn="ctr">
+          <a:solidFill>
+            <a:schemeClr val="phClr"/>
+          </a:solidFill>
+          <a:prstDash val="solid"/>
+        </a:ln>
+      </a:lnStyleLst>
+      <a:effectStyleLst>
+        <a:effectStyle>
+          <a:effectLst>
+            <a:outerShdw blurRad="40000" dist="20000" dir="5400000" rotWithShape="0">
+              <a:srgbClr val="000000">
+                <a:alpha val="38000"/>
+              </a:srgbClr>
+            </a:outerShdw>
+          </a:effectLst>
+        </a:effectStyle>
+        <a:effectStyle>
+          <a:effectLst>
+            <a:outerShdw blurRad="40000" dist="23000" dir="5400000" rotWithShape="0">
+              <a:srgbClr val="000000">
+                <a:alpha val="35000"/>
+              </a:srgbClr>
+            </a:outerShdw>
+          </a:effectLst>
+        </a:effectStyle>
+        <a:effectStyle>
+          <a:effectLst>
+            <a:outerShdw blurRad="40000" dist="23000" dir="5400000" rotWithShape="0">
+              <a:srgbClr val="000000">
+                <a:alpha val="35000"/>
+              </a:srgbClr>
+            </a:outerShdw>
+          </a:effectLst>
+          <a:scene3d>
+            <a:camera prst="orthographicFront">
+              <a:rot lat="0" lon="0" rev="0"/>
+            </a:camera>
+            <a:lightRig rig="threePt" dir="t">
+              <a:rot lat="0" lon="0" rev="1200000"/>
+            </a:lightRig>
+          </a:scene3d>
+          <a:sp3d>
+            <a:bevelT w="63500" h="25400"/>
+          </a:sp3d>
+        </a:effectStyle>
+      </a:effectStyleLst>
+      <a:bgFillStyleLst>
+        <a:solidFill>
+          <a:schemeClr val="phClr"/>
+        </a:solidFill>
+        <a:gradFill rotWithShape="1">
+          <a:gsLst>
+            <a:gs pos="0">
+              <a:schemeClr val="phClr">
+                <a:tint val="40000"/>
+                <a:satMod val="350000"/>
+              </a:schemeClr>
+            </a:gs>
+            <a:gs pos="40000">
+              <a:schemeClr val="phClr">
+                <a:tint val="45000"/>
+                <a:shade val="99000"/>
+                <a:satMod val="350000"/>
+              </a:schemeClr>
+            </a:gs>
+            <a:gs pos="100000">
+              <a:schemeClr val="phClr">
+                <a:shade val="20000"/>
+                <a:satMod val="255000"/>
+              </a:schemeClr>
+            </a:gs>
+          </a:gsLst>
+          <a:path path="circle">
+            <a:fillToRect l="50000" t="-80000" r="50000" b="180000"/>
+          </a:path>
+        </a:gradFill>
+        <a:gradFill rotWithShape="1">
+          <a:gsLst>
+            <a:gs pos="0">
+              <a:schemeClr val="phClr">
+                <a:tint val="80000"/>
+                <a:satMod val="300000"/>
+              </a:schemeClr>
+            </a:gs>
+            <a:gs pos="100000">
+              <a:schemeClr val="phClr">
+                <a:shade val="30000"/>
+                <a:satMod val="200000"/>
+              </a:schemeClr>
+            </a:gs>
+          </a:gsLst>
+          <a:path path="circle">
+            <a:fillToRect l="50000" t="50000" r="50000" b="50000"/>
+          </a:path>
+        </a:gradFill>
+      </a:bgFillStyleLst>
+    </a:fmtScheme>
+  </a:themeElements>
+</a:theme>
+</file>
+
+<file path=ppt/theme/theme2.xml><?xml version="1.0" encoding="utf-8"?>
 <a:theme xmlns:a="http://schemas.openxmlformats.org/drawingml/2006/main" xmlns:r="http://schemas.openxmlformats.org/officeDocument/2006/relationships" name="Simple Dark">
   <a:themeElements>
     <a:clrScheme name="Simple Dark">
@@ -14635,283 +19461,4 @@
     </a:fmtScheme>
   </a:themeElements>
 </a:theme>
-</file>
-
-<file path=ppt/theme/theme2.xml><?xml version="1.0" encoding="utf-8"?>
-<a:theme xmlns:a="http://schemas.openxmlformats.org/drawingml/2006/main" xmlns:r="http://schemas.openxmlformats.org/officeDocument/2006/relationships">
-  <a:themeElements>
-    <a:clrScheme name="Default">
-      <a:dk1>
-        <a:srgbClr val="000000"/>
-      </a:dk1>
-      <a:lt1>
-        <a:srgbClr val="FFFFFF"/>
-      </a:lt1>
-      <a:dk2>
-        <a:srgbClr val="158158"/>
-      </a:dk2>
-      <a:lt2>
-        <a:srgbClr val="F3F3F3"/>
-      </a:lt2>
-      <a:accent1>
-        <a:srgbClr val="058DC7"/>
-      </a:accent1>
-      <a:accent2>
-        <a:srgbClr val="50B432"/>
-      </a:accent2>
-      <a:accent3>
-        <a:srgbClr val="ED561B"/>
-      </a:accent3>
-      <a:accent4>
-        <a:srgbClr val="EDEF00"/>
-      </a:accent4>
-      <a:accent5>
-        <a:srgbClr val="24CBE5"/>
-      </a:accent5>
-      <a:accent6>
-        <a:srgbClr val="64E572"/>
-      </a:accent6>
-      <a:hlink>
-        <a:srgbClr val="2200CC"/>
-      </a:hlink>
-      <a:folHlink>
-        <a:srgbClr val="551A8B"/>
-      </a:folHlink>
-    </a:clrScheme>
-    <a:fontScheme name="Office">
-      <a:majorFont>
-        <a:latin typeface="Arial"/>
-        <a:ea typeface=""/>
-        <a:cs typeface=""/>
-        <a:font script="Jpan" typeface="ＭＳ Ｐゴシック"/>
-        <a:font script="Hang" typeface="맑은 고딕"/>
-        <a:font script="Hans" typeface="宋体"/>
-        <a:font script="Hant" typeface="新細明體"/>
-        <a:font script="Arab" typeface="Times New Roman"/>
-        <a:font script="Hebr" typeface="Times New Roman"/>
-        <a:font script="Thai" typeface="Angsana New"/>
-        <a:font script="Ethi" typeface="Nyala"/>
-        <a:font script="Beng" typeface="Vrinda"/>
-        <a:font script="Gujr" typeface="Shruti"/>
-        <a:font script="Khmr" typeface="MoolBoran"/>
-        <a:font script="Knda" typeface="Tunga"/>
-        <a:font script="Guru" typeface="Raavi"/>
-        <a:font script="Cans" typeface="Euphemia"/>
-        <a:font script="Cher" typeface="Plantagenet Cherokee"/>
-        <a:font script="Yiii" typeface="Microsoft Yi Baiti"/>
-        <a:font script="Tibt" typeface="Microsoft Himalaya"/>
-        <a:font script="Thaa" typeface="MV Boli"/>
-        <a:font script="Deva" typeface="Mangal"/>
-        <a:font script="Telu" typeface="Gautami"/>
-        <a:font script="Taml" typeface="Latha"/>
-        <a:font script="Syrc" typeface="Estrangelo Edessa"/>
-        <a:font script="Orya" typeface="Kalinga"/>
-        <a:font script="Mlym" typeface="Kartika"/>
-        <a:font script="Laoo" typeface="DokChampa"/>
-        <a:font script="Sinh" typeface="Iskoola Pota"/>
-        <a:font script="Mong" typeface="Mongolian Baiti"/>
-        <a:font script="Viet" typeface="Times New Roman"/>
-        <a:font script="Uigh" typeface="Microsoft Uighur"/>
-        <a:font script="Geor" typeface="Sylfaen"/>
-      </a:majorFont>
-      <a:minorFont>
-        <a:latin typeface="Arial"/>
-        <a:ea typeface=""/>
-        <a:cs typeface=""/>
-        <a:font script="Jpan" typeface="ＭＳ Ｐゴシック"/>
-        <a:font script="Hang" typeface="맑은 고딕"/>
-        <a:font script="Hans" typeface="宋体"/>
-        <a:font script="Hant" typeface="新細明體"/>
-        <a:font script="Arab" typeface="Arial"/>
-        <a:font script="Hebr" typeface="Arial"/>
-        <a:font script="Thai" typeface="Cordia New"/>
-        <a:font script="Ethi" typeface="Nyala"/>
-        <a:font script="Beng" typeface="Vrinda"/>
-        <a:font script="Gujr" typeface="Shruti"/>
-        <a:font script="Khmr" typeface="DaunPenh"/>
-        <a:font script="Knda" typeface="Tunga"/>
-        <a:font script="Guru" typeface="Raavi"/>
-        <a:font script="Cans" typeface="Euphemia"/>
-        <a:font script="Cher" typeface="Plantagenet Cherokee"/>
-        <a:font script="Yiii" typeface="Microsoft Yi Baiti"/>
-        <a:font script="Tibt" typeface="Microsoft Himalaya"/>
-        <a:font script="Thaa" typeface="MV Boli"/>
-        <a:font script="Deva" typeface="Mangal"/>
-        <a:font script="Telu" typeface="Gautami"/>
-        <a:font script="Taml" typeface="Latha"/>
-        <a:font script="Syrc" typeface="Estrangelo Edessa"/>
-        <a:font script="Orya" typeface="Kalinga"/>
-        <a:font script="Mlym" typeface="Kartika"/>
-        <a:font script="Laoo" typeface="DokChampa"/>
-        <a:font script="Sinh" typeface="Iskoola Pota"/>
-        <a:font script="Mong" typeface="Mongolian Baiti"/>
-        <a:font script="Viet" typeface="Arial"/>
-        <a:font script="Uigh" typeface="Microsoft Uighur"/>
-        <a:font script="Geor" typeface="Sylfaen"/>
-      </a:minorFont>
-    </a:fontScheme>
-    <a:fmtScheme name="Office">
-      <a:fillStyleLst>
-        <a:solidFill>
-          <a:schemeClr val="phClr"/>
-        </a:solidFill>
-        <a:gradFill rotWithShape="1">
-          <a:gsLst>
-            <a:gs pos="0">
-              <a:schemeClr val="phClr">
-                <a:tint val="50000"/>
-                <a:satMod val="300000"/>
-              </a:schemeClr>
-            </a:gs>
-            <a:gs pos="35000">
-              <a:schemeClr val="phClr">
-                <a:tint val="37000"/>
-                <a:satMod val="300000"/>
-              </a:schemeClr>
-            </a:gs>
-            <a:gs pos="100000">
-              <a:schemeClr val="phClr">
-                <a:tint val="15000"/>
-                <a:satMod val="350000"/>
-              </a:schemeClr>
-            </a:gs>
-          </a:gsLst>
-          <a:lin ang="16200000" scaled="1"/>
-        </a:gradFill>
-        <a:gradFill rotWithShape="1">
-          <a:gsLst>
-            <a:gs pos="0">
-              <a:schemeClr val="phClr">
-                <a:tint val="100000"/>
-                <a:shade val="100000"/>
-                <a:satMod val="130000"/>
-              </a:schemeClr>
-            </a:gs>
-            <a:gs pos="100000">
-              <a:schemeClr val="phClr">
-                <a:tint val="50000"/>
-                <a:shade val="100000"/>
-                <a:satMod val="350000"/>
-              </a:schemeClr>
-            </a:gs>
-          </a:gsLst>
-          <a:lin ang="16200000" scaled="0"/>
-        </a:gradFill>
-      </a:fillStyleLst>
-      <a:lnStyleLst>
-        <a:ln w="9525" cap="flat" cmpd="sng" algn="ctr">
-          <a:solidFill>
-            <a:schemeClr val="phClr">
-              <a:shade val="95000"/>
-              <a:satMod val="105000"/>
-            </a:schemeClr>
-          </a:solidFill>
-          <a:prstDash val="solid"/>
-        </a:ln>
-        <a:ln w="25400" cap="flat" cmpd="sng" algn="ctr">
-          <a:solidFill>
-            <a:schemeClr val="phClr"/>
-          </a:solidFill>
-          <a:prstDash val="solid"/>
-        </a:ln>
-        <a:ln w="38100" cap="flat" cmpd="sng" algn="ctr">
-          <a:solidFill>
-            <a:schemeClr val="phClr"/>
-          </a:solidFill>
-          <a:prstDash val="solid"/>
-        </a:ln>
-      </a:lnStyleLst>
-      <a:effectStyleLst>
-        <a:effectStyle>
-          <a:effectLst>
-            <a:outerShdw blurRad="40000" dist="20000" dir="5400000" rotWithShape="0">
-              <a:srgbClr val="000000">
-                <a:alpha val="38000"/>
-              </a:srgbClr>
-            </a:outerShdw>
-          </a:effectLst>
-        </a:effectStyle>
-        <a:effectStyle>
-          <a:effectLst>
-            <a:outerShdw blurRad="40000" dist="23000" dir="5400000" rotWithShape="0">
-              <a:srgbClr val="000000">
-                <a:alpha val="35000"/>
-              </a:srgbClr>
-            </a:outerShdw>
-          </a:effectLst>
-        </a:effectStyle>
-        <a:effectStyle>
-          <a:effectLst>
-            <a:outerShdw blurRad="40000" dist="23000" dir="5400000" rotWithShape="0">
-              <a:srgbClr val="000000">
-                <a:alpha val="35000"/>
-              </a:srgbClr>
-            </a:outerShdw>
-          </a:effectLst>
-          <a:scene3d>
-            <a:camera prst="orthographicFront">
-              <a:rot lat="0" lon="0" rev="0"/>
-            </a:camera>
-            <a:lightRig rig="threePt" dir="t">
-              <a:rot lat="0" lon="0" rev="1200000"/>
-            </a:lightRig>
-          </a:scene3d>
-          <a:sp3d>
-            <a:bevelT w="63500" h="25400"/>
-          </a:sp3d>
-        </a:effectStyle>
-      </a:effectStyleLst>
-      <a:bgFillStyleLst>
-        <a:solidFill>
-          <a:schemeClr val="phClr"/>
-        </a:solidFill>
-        <a:gradFill rotWithShape="1">
-          <a:gsLst>
-            <a:gs pos="0">
-              <a:schemeClr val="phClr">
-                <a:tint val="40000"/>
-                <a:satMod val="350000"/>
-              </a:schemeClr>
-            </a:gs>
-            <a:gs pos="40000">
-              <a:schemeClr val="phClr">
-                <a:tint val="45000"/>
-                <a:shade val="99000"/>
-                <a:satMod val="350000"/>
-              </a:schemeClr>
-            </a:gs>
-            <a:gs pos="100000">
-              <a:schemeClr val="phClr">
-                <a:shade val="20000"/>
-                <a:satMod val="255000"/>
-              </a:schemeClr>
-            </a:gs>
-          </a:gsLst>
-          <a:path path="circle">
-            <a:fillToRect l="50000" t="-80000" r="50000" b="180000"/>
-          </a:path>
-        </a:gradFill>
-        <a:gradFill rotWithShape="1">
-          <a:gsLst>
-            <a:gs pos="0">
-              <a:schemeClr val="phClr">
-                <a:tint val="80000"/>
-                <a:satMod val="300000"/>
-              </a:schemeClr>
-            </a:gs>
-            <a:gs pos="100000">
-              <a:schemeClr val="phClr">
-                <a:shade val="30000"/>
-                <a:satMod val="200000"/>
-              </a:schemeClr>
-            </a:gs>
-          </a:gsLst>
-          <a:path path="circle">
-            <a:fillToRect l="50000" t="50000" r="50000" b="50000"/>
-          </a:path>
-        </a:gradFill>
-      </a:bgFillStyleLst>
-    </a:fmtScheme>
-  </a:themeElements>
-</a:theme>
 </file>
--- a/HorrorscopesFinal.pptx
+++ b/HorrorscopesFinal.pptx
@@ -33,6 +33,9 @@
     <p:sldId id="278" r:id="rId28"/>
     <p:sldId id="279" r:id="rId29"/>
     <p:sldId id="280" r:id="rId30"/>
+    <p:sldId id="281" r:id="rId31"/>
+    <p:sldId id="282" r:id="rId32"/>
+    <p:sldId id="283" r:id="rId33"/>
   </p:sldIdLst>
   <p:sldSz cy="5143500" cx="9144000"/>
   <p:notesSz cx="6858000" cy="9144000"/>
@@ -2777,6 +2780,315 @@
 </p:notes>
 </file>
 
+<file path=ppt/notesSlides/notesSlide26.xml><?xml version="1.0" encoding="utf-8"?>
+<p:notes xmlns:a="http://schemas.openxmlformats.org/drawingml/2006/main" xmlns:r="http://schemas.openxmlformats.org/officeDocument/2006/relationships" xmlns:mc="http://schemas.openxmlformats.org/markup-compatibility/2006" xmlns:mv="urn:schemas-microsoft-com:mac:vml" xmlns:p="http://schemas.openxmlformats.org/presentationml/2006/main" xmlns:c="http://schemas.openxmlformats.org/drawingml/2006/chart" xmlns:dgm="http://schemas.openxmlformats.org/drawingml/2006/diagram" xmlns:o="urn:schemas-microsoft-com:office:office" xmlns:v="urn:schemas-microsoft-com:vml" xmlns:pvml="urn:schemas-microsoft-com:office:powerpoint" xmlns:com="http://schemas.openxmlformats.org/drawingml/2006/compatibility" xmlns:p14="http://schemas.microsoft.com/office/powerpoint/2010/main" xmlns:p15="http://schemas.microsoft.com/office/powerpoint/2012/main" xmlns:ahyp="http://schemas.microsoft.com/office/drawing/2018/hyperlinkcolor" showMasterPhAnim="0" showMasterSp="0">
+  <p:cSld>
+    <p:spTree>
+      <p:nvGrpSpPr>
+        <p:cNvPr id="411" name="Shape 411"/>
+        <p:cNvGrpSpPr/>
+        <p:nvPr/>
+      </p:nvGrpSpPr>
+      <p:grpSpPr>
+        <a:xfrm>
+          <a:off x="0" y="0"/>
+          <a:ext cx="0" cy="0"/>
+          <a:chOff x="0" y="0"/>
+          <a:chExt cx="0" cy="0"/>
+        </a:xfrm>
+      </p:grpSpPr>
+      <p:sp>
+        <p:nvSpPr>
+          <p:cNvPr id="412" name="Google Shape;412;g152175e3203_0_334:notes"/>
+          <p:cNvSpPr/>
+          <p:nvPr>
+            <p:ph idx="2" type="sldImg"/>
+          </p:nvPr>
+        </p:nvSpPr>
+        <p:spPr>
+          <a:xfrm>
+            <a:off x="381300" y="685800"/>
+            <a:ext cx="6096000" cy="3429000"/>
+          </a:xfrm>
+          <a:custGeom>
+            <a:rect b="b" l="l" r="r" t="t"/>
+            <a:pathLst>
+              <a:path extrusionOk="0" h="120000" w="120000">
+                <a:moveTo>
+                  <a:pt x="0" y="0"/>
+                </a:moveTo>
+                <a:lnTo>
+                  <a:pt x="120000" y="0"/>
+                </a:lnTo>
+                <a:lnTo>
+                  <a:pt x="120000" y="120000"/>
+                </a:lnTo>
+                <a:lnTo>
+                  <a:pt x="0" y="120000"/>
+                </a:lnTo>
+                <a:close/>
+              </a:path>
+            </a:pathLst>
+          </a:custGeom>
+        </p:spPr>
+      </p:sp>
+      <p:sp>
+        <p:nvSpPr>
+          <p:cNvPr id="413" name="Google Shape;413;g152175e3203_0_334:notes"/>
+          <p:cNvSpPr txBox="1"/>
+          <p:nvPr>
+            <p:ph idx="1" type="body"/>
+          </p:nvPr>
+        </p:nvSpPr>
+        <p:spPr>
+          <a:xfrm>
+            <a:off x="685800" y="4343400"/>
+            <a:ext cx="5486400" cy="4114800"/>
+          </a:xfrm>
+          <a:prstGeom prst="rect">
+            <a:avLst/>
+          </a:prstGeom>
+        </p:spPr>
+        <p:txBody>
+          <a:bodyPr anchorCtr="0" anchor="t" bIns="91425" lIns="91425" spcFirstLastPara="1" rIns="91425" wrap="square" tIns="91425">
+            <a:noAutofit/>
+          </a:bodyPr>
+          <a:lstStyle/>
+          <a:p>
+            <a:pPr indent="0" lvl="0" marL="0" rtl="0" algn="l">
+              <a:spcBef>
+                <a:spcPts val="0"/>
+              </a:spcBef>
+              <a:spcAft>
+                <a:spcPts val="0"/>
+              </a:spcAft>
+              <a:buNone/>
+            </a:pPr>
+            <a:r>
+              <a:rPr lang="en"/>
+              <a:t>Corrine: Just briefly graze these notes and elaborate where you would like to.</a:t>
+            </a:r>
+            <a:endParaRPr/>
+          </a:p>
+        </p:txBody>
+      </p:sp>
+    </p:spTree>
+  </p:cSld>
+  <p:clrMapOvr>
+    <a:masterClrMapping/>
+  </p:clrMapOvr>
+</p:notes>
+</file>
+
+<file path=ppt/notesSlides/notesSlide27.xml><?xml version="1.0" encoding="utf-8"?>
+<p:notes xmlns:a="http://schemas.openxmlformats.org/drawingml/2006/main" xmlns:r="http://schemas.openxmlformats.org/officeDocument/2006/relationships" xmlns:mc="http://schemas.openxmlformats.org/markup-compatibility/2006" xmlns:mv="urn:schemas-microsoft-com:mac:vml" xmlns:p="http://schemas.openxmlformats.org/presentationml/2006/main" xmlns:c="http://schemas.openxmlformats.org/drawingml/2006/chart" xmlns:dgm="http://schemas.openxmlformats.org/drawingml/2006/diagram" xmlns:o="urn:schemas-microsoft-com:office:office" xmlns:v="urn:schemas-microsoft-com:vml" xmlns:pvml="urn:schemas-microsoft-com:office:powerpoint" xmlns:com="http://schemas.openxmlformats.org/drawingml/2006/compatibility" xmlns:p14="http://schemas.microsoft.com/office/powerpoint/2010/main" xmlns:p15="http://schemas.microsoft.com/office/powerpoint/2012/main" xmlns:ahyp="http://schemas.microsoft.com/office/drawing/2018/hyperlinkcolor" showMasterPhAnim="0" showMasterSp="0">
+  <p:cSld>
+    <p:spTree>
+      <p:nvGrpSpPr>
+        <p:cNvPr id="431" name="Shape 431"/>
+        <p:cNvGrpSpPr/>
+        <p:nvPr/>
+      </p:nvGrpSpPr>
+      <p:grpSpPr>
+        <a:xfrm>
+          <a:off x="0" y="0"/>
+          <a:ext cx="0" cy="0"/>
+          <a:chOff x="0" y="0"/>
+          <a:chExt cx="0" cy="0"/>
+        </a:xfrm>
+      </p:grpSpPr>
+      <p:sp>
+        <p:nvSpPr>
+          <p:cNvPr id="432" name="Google Shape;432;g152175e3203_0_339:notes"/>
+          <p:cNvSpPr/>
+          <p:nvPr>
+            <p:ph idx="2" type="sldImg"/>
+          </p:nvPr>
+        </p:nvSpPr>
+        <p:spPr>
+          <a:xfrm>
+            <a:off x="381300" y="685800"/>
+            <a:ext cx="6096000" cy="3429000"/>
+          </a:xfrm>
+          <a:custGeom>
+            <a:rect b="b" l="l" r="r" t="t"/>
+            <a:pathLst>
+              <a:path extrusionOk="0" h="120000" w="120000">
+                <a:moveTo>
+                  <a:pt x="0" y="0"/>
+                </a:moveTo>
+                <a:lnTo>
+                  <a:pt x="120000" y="0"/>
+                </a:lnTo>
+                <a:lnTo>
+                  <a:pt x="120000" y="120000"/>
+                </a:lnTo>
+                <a:lnTo>
+                  <a:pt x="0" y="120000"/>
+                </a:lnTo>
+                <a:close/>
+              </a:path>
+            </a:pathLst>
+          </a:custGeom>
+        </p:spPr>
+      </p:sp>
+      <p:sp>
+        <p:nvSpPr>
+          <p:cNvPr id="433" name="Google Shape;433;g152175e3203_0_339:notes"/>
+          <p:cNvSpPr txBox="1"/>
+          <p:nvPr>
+            <p:ph idx="1" type="body"/>
+          </p:nvPr>
+        </p:nvSpPr>
+        <p:spPr>
+          <a:xfrm>
+            <a:off x="685800" y="4343400"/>
+            <a:ext cx="5486400" cy="4114800"/>
+          </a:xfrm>
+          <a:prstGeom prst="rect">
+            <a:avLst/>
+          </a:prstGeom>
+        </p:spPr>
+        <p:txBody>
+          <a:bodyPr anchorCtr="0" anchor="t" bIns="91425" lIns="91425" spcFirstLastPara="1" rIns="91425" wrap="square" tIns="91425">
+            <a:noAutofit/>
+          </a:bodyPr>
+          <a:lstStyle/>
+          <a:p>
+            <a:pPr indent="0" lvl="0" marL="0" rtl="0" algn="l">
+              <a:spcBef>
+                <a:spcPts val="0"/>
+              </a:spcBef>
+              <a:spcAft>
+                <a:spcPts val="0"/>
+              </a:spcAft>
+              <a:buNone/>
+            </a:pPr>
+            <a:r>
+              <a:rPr lang="en"/>
+              <a:t>Corrine: Please perform a live demo of the website at this slide. </a:t>
+            </a:r>
+            <a:r>
+              <a:rPr lang="en" u="sng">
+                <a:solidFill>
+                  <a:schemeClr val="hlink"/>
+                </a:solidFill>
+                <a:hlinkClick r:id="rId2"/>
+              </a:rPr>
+              <a:t>https://rulamia.github.io/Horrorscopes/</a:t>
+            </a:r>
+            <a:endParaRPr/>
+          </a:p>
+        </p:txBody>
+      </p:sp>
+    </p:spTree>
+  </p:cSld>
+  <p:clrMapOvr>
+    <a:masterClrMapping/>
+  </p:clrMapOvr>
+</p:notes>
+</file>
+
+<file path=ppt/notesSlides/notesSlide28.xml><?xml version="1.0" encoding="utf-8"?>
+<p:notes xmlns:a="http://schemas.openxmlformats.org/drawingml/2006/main" xmlns:r="http://schemas.openxmlformats.org/officeDocument/2006/relationships" xmlns:mc="http://schemas.openxmlformats.org/markup-compatibility/2006" xmlns:mv="urn:schemas-microsoft-com:mac:vml" xmlns:p="http://schemas.openxmlformats.org/presentationml/2006/main" xmlns:c="http://schemas.openxmlformats.org/drawingml/2006/chart" xmlns:dgm="http://schemas.openxmlformats.org/drawingml/2006/diagram" xmlns:o="urn:schemas-microsoft-com:office:office" xmlns:v="urn:schemas-microsoft-com:vml" xmlns:pvml="urn:schemas-microsoft-com:office:powerpoint" xmlns:com="http://schemas.openxmlformats.org/drawingml/2006/compatibility" xmlns:p14="http://schemas.microsoft.com/office/powerpoint/2010/main" xmlns:p15="http://schemas.microsoft.com/office/powerpoint/2012/main" xmlns:ahyp="http://schemas.microsoft.com/office/drawing/2018/hyperlinkcolor" showMasterPhAnim="0" showMasterSp="0">
+  <p:cSld>
+    <p:spTree>
+      <p:nvGrpSpPr>
+        <p:cNvPr id="450" name="Shape 450"/>
+        <p:cNvGrpSpPr/>
+        <p:nvPr/>
+      </p:nvGrpSpPr>
+      <p:grpSpPr>
+        <a:xfrm>
+          <a:off x="0" y="0"/>
+          <a:ext cx="0" cy="0"/>
+          <a:chOff x="0" y="0"/>
+          <a:chExt cx="0" cy="0"/>
+        </a:xfrm>
+      </p:grpSpPr>
+      <p:sp>
+        <p:nvSpPr>
+          <p:cNvPr id="451" name="Google Shape;451;g152175e3203_0_379:notes"/>
+          <p:cNvSpPr/>
+          <p:nvPr>
+            <p:ph idx="2" type="sldImg"/>
+          </p:nvPr>
+        </p:nvSpPr>
+        <p:spPr>
+          <a:xfrm>
+            <a:off x="381300" y="685800"/>
+            <a:ext cx="6096000" cy="3429000"/>
+          </a:xfrm>
+          <a:custGeom>
+            <a:rect b="b" l="l" r="r" t="t"/>
+            <a:pathLst>
+              <a:path extrusionOk="0" h="120000" w="120000">
+                <a:moveTo>
+                  <a:pt x="0" y="0"/>
+                </a:moveTo>
+                <a:lnTo>
+                  <a:pt x="120000" y="0"/>
+                </a:lnTo>
+                <a:lnTo>
+                  <a:pt x="120000" y="120000"/>
+                </a:lnTo>
+                <a:lnTo>
+                  <a:pt x="0" y="120000"/>
+                </a:lnTo>
+                <a:close/>
+              </a:path>
+            </a:pathLst>
+          </a:custGeom>
+        </p:spPr>
+      </p:sp>
+      <p:sp>
+        <p:nvSpPr>
+          <p:cNvPr id="452" name="Google Shape;452;g152175e3203_0_379:notes"/>
+          <p:cNvSpPr txBox="1"/>
+          <p:nvPr>
+            <p:ph idx="1" type="body"/>
+          </p:nvPr>
+        </p:nvSpPr>
+        <p:spPr>
+          <a:xfrm>
+            <a:off x="685800" y="4343400"/>
+            <a:ext cx="5486400" cy="4114800"/>
+          </a:xfrm>
+          <a:prstGeom prst="rect">
+            <a:avLst/>
+          </a:prstGeom>
+        </p:spPr>
+        <p:txBody>
+          <a:bodyPr anchorCtr="0" anchor="t" bIns="91425" lIns="91425" spcFirstLastPara="1" rIns="91425" wrap="square" tIns="91425">
+            <a:noAutofit/>
+          </a:bodyPr>
+          <a:lstStyle/>
+          <a:p>
+            <a:pPr indent="0" lvl="0" marL="0" rtl="0" algn="l">
+              <a:spcBef>
+                <a:spcPts val="0"/>
+              </a:spcBef>
+              <a:spcAft>
+                <a:spcPts val="0"/>
+              </a:spcAft>
+              <a:buNone/>
+            </a:pPr>
+            <a:r>
+              <a:rPr lang="en"/>
+              <a:t>Anyone: Thanks to all fellow students and instructors for a great 6 months!</a:t>
+            </a:r>
+            <a:endParaRPr/>
+          </a:p>
+        </p:txBody>
+      </p:sp>
+    </p:spTree>
+  </p:cSld>
+  <p:clrMapOvr>
+    <a:masterClrMapping/>
+  </p:clrMapOvr>
+</p:notes>
+</file>
+
 <file path=ppt/notesSlides/notesSlide3.xml><?xml version="1.0" encoding="utf-8"?>
 <p:notes xmlns:a="http://schemas.openxmlformats.org/drawingml/2006/main" xmlns:r="http://schemas.openxmlformats.org/officeDocument/2006/relationships" xmlns:mc="http://schemas.openxmlformats.org/markup-compatibility/2006" xmlns:mv="urn:schemas-microsoft-com:mac:vml" xmlns:p="http://schemas.openxmlformats.org/presentationml/2006/main" xmlns:c="http://schemas.openxmlformats.org/drawingml/2006/chart" xmlns:dgm="http://schemas.openxmlformats.org/drawingml/2006/diagram" xmlns:o="urn:schemas-microsoft-com:office:office" xmlns:v="urn:schemas-microsoft-com:vml" xmlns:pvml="urn:schemas-microsoft-com:office:powerpoint" xmlns:com="http://schemas.openxmlformats.org/drawingml/2006/compatibility" xmlns:p14="http://schemas.microsoft.com/office/powerpoint/2010/main" xmlns:p15="http://schemas.microsoft.com/office/powerpoint/2012/main" xmlns:ahyp="http://schemas.microsoft.com/office/drawing/2018/hyperlinkcolor" showMasterPhAnim="0" showMasterSp="0">
   <p:cSld>
@@ -3263,7 +3575,7 @@
             </a:pPr>
             <a:r>
               <a:rPr lang="en"/>
-              <a:t>Darcy: Discuss cleaning of this data and how we had to format the date column.</a:t>
+              <a:t>Darcy: Discuss cleaning of this data and potentially how we had to format the date column.</a:t>
             </a:r>
             <a:endParaRPr/>
           </a:p>
@@ -3462,7 +3774,8 @@
               <a:buNone/>
             </a:pPr>
             <a:r>
-              <a:t/>
+              <a:rPr lang="en"/>
+              <a:t>Angelique: Feel free to elaborate here if you want to.</a:t>
             </a:r>
             <a:endParaRPr/>
           </a:p>
@@ -14657,6 +14970,1237 @@
 </p:sld>
 </file>
 
+<file path=ppt/slides/slide26.xml><?xml version="1.0" encoding="utf-8"?>
+<p:sld xmlns:a="http://schemas.openxmlformats.org/drawingml/2006/main" xmlns:r="http://schemas.openxmlformats.org/officeDocument/2006/relationships" xmlns:mc="http://schemas.openxmlformats.org/markup-compatibility/2006" xmlns:mv="urn:schemas-microsoft-com:mac:vml" xmlns:p="http://schemas.openxmlformats.org/presentationml/2006/main" xmlns:c="http://schemas.openxmlformats.org/drawingml/2006/chart" xmlns:dgm="http://schemas.openxmlformats.org/drawingml/2006/diagram" xmlns:o="urn:schemas-microsoft-com:office:office" xmlns:v="urn:schemas-microsoft-com:vml" xmlns:pvml="urn:schemas-microsoft-com:office:powerpoint" xmlns:com="http://schemas.openxmlformats.org/drawingml/2006/compatibility" xmlns:p14="http://schemas.microsoft.com/office/powerpoint/2010/main" xmlns:p15="http://schemas.microsoft.com/office/powerpoint/2012/main" xmlns:ahyp="http://schemas.microsoft.com/office/drawing/2018/hyperlinkcolor">
+  <p:cSld>
+    <p:bg>
+      <p:bgPr>
+        <a:solidFill>
+          <a:srgbClr val="A7A4D1"/>
+        </a:solidFill>
+      </p:bgPr>
+    </p:bg>
+    <p:spTree>
+      <p:nvGrpSpPr>
+        <p:cNvPr id="414" name="Shape 414"/>
+        <p:cNvGrpSpPr/>
+        <p:nvPr/>
+      </p:nvGrpSpPr>
+      <p:grpSpPr>
+        <a:xfrm>
+          <a:off x="0" y="0"/>
+          <a:ext cx="0" cy="0"/>
+          <a:chOff x="0" y="0"/>
+          <a:chExt cx="0" cy="0"/>
+        </a:xfrm>
+      </p:grpSpPr>
+      <p:sp>
+        <p:nvSpPr>
+          <p:cNvPr id="415" name="Google Shape;415;p38"/>
+          <p:cNvSpPr txBox="1"/>
+          <p:nvPr>
+            <p:ph type="title"/>
+          </p:nvPr>
+        </p:nvSpPr>
+        <p:spPr>
+          <a:xfrm>
+            <a:off x="311700" y="1083925"/>
+            <a:ext cx="8520600" cy="572700"/>
+          </a:xfrm>
+          <a:prstGeom prst="rect">
+            <a:avLst/>
+          </a:prstGeom>
+        </p:spPr>
+        <p:txBody>
+          <a:bodyPr anchorCtr="0" anchor="t" bIns="91425" lIns="91425" spcFirstLastPara="1" rIns="91425" wrap="square" tIns="91425">
+            <a:normAutofit fontScale="90000"/>
+          </a:bodyPr>
+          <a:lstStyle/>
+          <a:p>
+            <a:pPr indent="0" lvl="0" marL="0" rtl="0" algn="l">
+              <a:spcBef>
+                <a:spcPts val="0"/>
+              </a:spcBef>
+              <a:spcAft>
+                <a:spcPts val="0"/>
+              </a:spcAft>
+              <a:buNone/>
+            </a:pPr>
+            <a:r>
+              <a:rPr b="1" lang="en">
+                <a:solidFill>
+                  <a:schemeClr val="lt1"/>
+                </a:solidFill>
+                <a:latin typeface="Times New Roman"/>
+                <a:ea typeface="Times New Roman"/>
+                <a:cs typeface="Times New Roman"/>
+                <a:sym typeface="Times New Roman"/>
+              </a:rPr>
+              <a:t>Dashboard - Overview</a:t>
+            </a:r>
+            <a:endParaRPr b="1">
+              <a:solidFill>
+                <a:schemeClr val="lt1"/>
+              </a:solidFill>
+              <a:latin typeface="Times New Roman"/>
+              <a:ea typeface="Times New Roman"/>
+              <a:cs typeface="Times New Roman"/>
+              <a:sym typeface="Times New Roman"/>
+            </a:endParaRPr>
+          </a:p>
+        </p:txBody>
+      </p:sp>
+      <p:sp>
+        <p:nvSpPr>
+          <p:cNvPr id="416" name="Google Shape;416;p38"/>
+          <p:cNvSpPr txBox="1"/>
+          <p:nvPr>
+            <p:ph idx="1" type="body"/>
+          </p:nvPr>
+        </p:nvSpPr>
+        <p:spPr>
+          <a:xfrm>
+            <a:off x="311700" y="1574875"/>
+            <a:ext cx="8520600" cy="3416400"/>
+          </a:xfrm>
+          <a:prstGeom prst="rect">
+            <a:avLst/>
+          </a:prstGeom>
+        </p:spPr>
+        <p:txBody>
+          <a:bodyPr anchorCtr="0" anchor="t" bIns="91425" lIns="91425" spcFirstLastPara="1" rIns="91425" wrap="square" tIns="91425">
+            <a:normAutofit/>
+          </a:bodyPr>
+          <a:lstStyle/>
+          <a:p>
+            <a:pPr indent="-342900" lvl="0" marL="457200" rtl="0" algn="l">
+              <a:spcBef>
+                <a:spcPts val="0"/>
+              </a:spcBef>
+              <a:spcAft>
+                <a:spcPts val="0"/>
+              </a:spcAft>
+              <a:buClr>
+                <a:schemeClr val="lt1"/>
+              </a:buClr>
+              <a:buSzPts val="1800"/>
+              <a:buFont typeface="Times New Roman"/>
+              <a:buChar char="●"/>
+            </a:pPr>
+            <a:r>
+              <a:rPr lang="en">
+                <a:solidFill>
+                  <a:schemeClr val="lt1"/>
+                </a:solidFill>
+                <a:latin typeface="Times New Roman"/>
+                <a:ea typeface="Times New Roman"/>
+                <a:cs typeface="Times New Roman"/>
+                <a:sym typeface="Times New Roman"/>
+              </a:rPr>
+              <a:t>We chose to utilize a website for our dashboard</a:t>
+            </a:r>
+            <a:endParaRPr>
+              <a:solidFill>
+                <a:schemeClr val="lt1"/>
+              </a:solidFill>
+              <a:latin typeface="Times New Roman"/>
+              <a:ea typeface="Times New Roman"/>
+              <a:cs typeface="Times New Roman"/>
+              <a:sym typeface="Times New Roman"/>
+            </a:endParaRPr>
+          </a:p>
+          <a:p>
+            <a:pPr indent="-342900" lvl="0" marL="457200" rtl="0" algn="l">
+              <a:spcBef>
+                <a:spcPts val="0"/>
+              </a:spcBef>
+              <a:spcAft>
+                <a:spcPts val="0"/>
+              </a:spcAft>
+              <a:buClr>
+                <a:schemeClr val="lt1"/>
+              </a:buClr>
+              <a:buSzPts val="1800"/>
+              <a:buFont typeface="Times New Roman"/>
+              <a:buChar char="●"/>
+            </a:pPr>
+            <a:r>
+              <a:rPr lang="en">
+                <a:solidFill>
+                  <a:schemeClr val="lt1"/>
+                </a:solidFill>
+                <a:latin typeface="Times New Roman"/>
+                <a:ea typeface="Times New Roman"/>
+                <a:cs typeface="Times New Roman"/>
+                <a:sym typeface="Times New Roman"/>
+              </a:rPr>
+              <a:t>Our interactive element is the front page, where users can input their birthdate and see which serial killers share their star sign.</a:t>
+            </a:r>
+            <a:endParaRPr>
+              <a:solidFill>
+                <a:schemeClr val="lt1"/>
+              </a:solidFill>
+              <a:latin typeface="Times New Roman"/>
+              <a:ea typeface="Times New Roman"/>
+              <a:cs typeface="Times New Roman"/>
+              <a:sym typeface="Times New Roman"/>
+            </a:endParaRPr>
+          </a:p>
+          <a:p>
+            <a:pPr indent="-342900" lvl="0" marL="457200" rtl="0" algn="l">
+              <a:spcBef>
+                <a:spcPts val="0"/>
+              </a:spcBef>
+              <a:spcAft>
+                <a:spcPts val="0"/>
+              </a:spcAft>
+              <a:buClr>
+                <a:schemeClr val="lt1"/>
+              </a:buClr>
+              <a:buSzPts val="1800"/>
+              <a:buFont typeface="Times New Roman"/>
+              <a:buChar char="●"/>
+            </a:pPr>
+            <a:r>
+              <a:rPr lang="en">
+                <a:solidFill>
+                  <a:schemeClr val="lt1"/>
+                </a:solidFill>
+                <a:latin typeface="Times New Roman"/>
+                <a:ea typeface="Times New Roman"/>
+                <a:cs typeface="Times New Roman"/>
+                <a:sym typeface="Times New Roman"/>
+              </a:rPr>
+              <a:t>We also </a:t>
+            </a:r>
+            <a:r>
+              <a:rPr lang="en">
+                <a:solidFill>
+                  <a:schemeClr val="lt1"/>
+                </a:solidFill>
+                <a:latin typeface="Times New Roman"/>
+                <a:ea typeface="Times New Roman"/>
+                <a:cs typeface="Times New Roman"/>
+                <a:sym typeface="Times New Roman"/>
+              </a:rPr>
+              <a:t>embedded</a:t>
+            </a:r>
+            <a:r>
+              <a:rPr lang="en">
+                <a:solidFill>
+                  <a:schemeClr val="lt1"/>
+                </a:solidFill>
+                <a:latin typeface="Times New Roman"/>
+                <a:ea typeface="Times New Roman"/>
+                <a:cs typeface="Times New Roman"/>
+                <a:sym typeface="Times New Roman"/>
+              </a:rPr>
+              <a:t> our Tableau Dashboard</a:t>
+            </a:r>
+            <a:endParaRPr>
+              <a:solidFill>
+                <a:schemeClr val="lt1"/>
+              </a:solidFill>
+              <a:latin typeface="Times New Roman"/>
+              <a:ea typeface="Times New Roman"/>
+              <a:cs typeface="Times New Roman"/>
+              <a:sym typeface="Times New Roman"/>
+            </a:endParaRPr>
+          </a:p>
+          <a:p>
+            <a:pPr indent="-342900" lvl="0" marL="457200" rtl="0" algn="l">
+              <a:spcBef>
+                <a:spcPts val="0"/>
+              </a:spcBef>
+              <a:spcAft>
+                <a:spcPts val="0"/>
+              </a:spcAft>
+              <a:buClr>
+                <a:schemeClr val="lt1"/>
+              </a:buClr>
+              <a:buSzPts val="1800"/>
+              <a:buFont typeface="Times New Roman"/>
+              <a:buChar char="●"/>
+            </a:pPr>
+            <a:r>
+              <a:rPr lang="en">
+                <a:solidFill>
+                  <a:schemeClr val="lt1"/>
+                </a:solidFill>
+                <a:latin typeface="Times New Roman"/>
+                <a:ea typeface="Times New Roman"/>
+                <a:cs typeface="Times New Roman"/>
+                <a:sym typeface="Times New Roman"/>
+              </a:rPr>
+              <a:t>Descriptions of Machine Learning Models are provided</a:t>
+            </a:r>
+            <a:endParaRPr>
+              <a:solidFill>
+                <a:schemeClr val="lt1"/>
+              </a:solidFill>
+              <a:latin typeface="Times New Roman"/>
+              <a:ea typeface="Times New Roman"/>
+              <a:cs typeface="Times New Roman"/>
+              <a:sym typeface="Times New Roman"/>
+            </a:endParaRPr>
+          </a:p>
+          <a:p>
+            <a:pPr indent="-342900" lvl="0" marL="457200" rtl="0" algn="l">
+              <a:spcBef>
+                <a:spcPts val="0"/>
+              </a:spcBef>
+              <a:spcAft>
+                <a:spcPts val="0"/>
+              </a:spcAft>
+              <a:buClr>
+                <a:schemeClr val="lt1"/>
+              </a:buClr>
+              <a:buSzPts val="1800"/>
+              <a:buFont typeface="Times New Roman"/>
+              <a:buChar char="●"/>
+            </a:pPr>
+            <a:r>
+              <a:rPr lang="en">
+                <a:solidFill>
+                  <a:schemeClr val="lt1"/>
+                </a:solidFill>
+                <a:latin typeface="Times New Roman"/>
+                <a:ea typeface="Times New Roman"/>
+                <a:cs typeface="Times New Roman"/>
+                <a:sym typeface="Times New Roman"/>
+              </a:rPr>
+              <a:t>Lastly, we provided descriptions of each astrological sign along with original illustrations by Jessica Stearns.</a:t>
+            </a:r>
+            <a:endParaRPr>
+              <a:solidFill>
+                <a:schemeClr val="lt1"/>
+              </a:solidFill>
+              <a:latin typeface="Times New Roman"/>
+              <a:ea typeface="Times New Roman"/>
+              <a:cs typeface="Times New Roman"/>
+              <a:sym typeface="Times New Roman"/>
+            </a:endParaRPr>
+          </a:p>
+        </p:txBody>
+      </p:sp>
+      <p:grpSp>
+        <p:nvGrpSpPr>
+          <p:cNvPr id="417" name="Google Shape;417;p38"/>
+          <p:cNvGrpSpPr/>
+          <p:nvPr/>
+        </p:nvGrpSpPr>
+        <p:grpSpPr>
+          <a:xfrm>
+            <a:off x="0" y="0"/>
+            <a:ext cx="9106999" cy="1083925"/>
+            <a:chOff x="0" y="-14750"/>
+            <a:chExt cx="9106999" cy="1083925"/>
+          </a:xfrm>
+        </p:grpSpPr>
+        <p:pic>
+          <p:nvPicPr>
+            <p:cNvPr id="418" name="Google Shape;418;p38"/>
+            <p:cNvPicPr preferRelativeResize="0"/>
+            <p:nvPr/>
+          </p:nvPicPr>
+          <p:blipFill rotWithShape="1">
+            <a:blip r:embed="rId3">
+              <a:alphaModFix/>
+            </a:blip>
+            <a:srcRect b="9755" l="0" r="0" t="0"/>
+            <a:stretch/>
+          </p:blipFill>
+          <p:spPr>
+            <a:xfrm>
+              <a:off x="0" y="-14750"/>
+              <a:ext cx="1022125" cy="1029574"/>
+            </a:xfrm>
+            <a:prstGeom prst="rect">
+              <a:avLst/>
+            </a:prstGeom>
+            <a:noFill/>
+            <a:ln>
+              <a:noFill/>
+            </a:ln>
+          </p:spPr>
+        </p:pic>
+        <p:pic>
+          <p:nvPicPr>
+            <p:cNvPr id="419" name="Google Shape;419;p38"/>
+            <p:cNvPicPr preferRelativeResize="0"/>
+            <p:nvPr/>
+          </p:nvPicPr>
+          <p:blipFill rotWithShape="1">
+            <a:blip r:embed="rId4">
+              <a:alphaModFix/>
+            </a:blip>
+            <a:srcRect b="8700" l="0" r="0" t="0"/>
+            <a:stretch/>
+          </p:blipFill>
+          <p:spPr>
+            <a:xfrm>
+              <a:off x="1471076" y="-14750"/>
+              <a:ext cx="673249" cy="1029575"/>
+            </a:xfrm>
+            <a:prstGeom prst="rect">
+              <a:avLst/>
+            </a:prstGeom>
+            <a:noFill/>
+            <a:ln>
+              <a:noFill/>
+            </a:ln>
+          </p:spPr>
+        </p:pic>
+        <p:pic>
+          <p:nvPicPr>
+            <p:cNvPr id="420" name="Google Shape;420;p38"/>
+            <p:cNvPicPr preferRelativeResize="0"/>
+            <p:nvPr/>
+          </p:nvPicPr>
+          <p:blipFill rotWithShape="1">
+            <a:blip r:embed="rId5">
+              <a:alphaModFix/>
+            </a:blip>
+            <a:srcRect b="9041" l="0" r="0" t="0"/>
+            <a:stretch/>
+          </p:blipFill>
+          <p:spPr>
+            <a:xfrm>
+              <a:off x="4061899" y="-4825"/>
+              <a:ext cx="1493392" cy="1029575"/>
+            </a:xfrm>
+            <a:prstGeom prst="rect">
+              <a:avLst/>
+            </a:prstGeom>
+            <a:noFill/>
+            <a:ln>
+              <a:noFill/>
+            </a:ln>
+          </p:spPr>
+        </p:pic>
+        <p:pic>
+          <p:nvPicPr>
+            <p:cNvPr id="421" name="Google Shape;421;p38"/>
+            <p:cNvPicPr preferRelativeResize="0"/>
+            <p:nvPr/>
+          </p:nvPicPr>
+          <p:blipFill rotWithShape="1">
+            <a:blip r:embed="rId6">
+              <a:alphaModFix/>
+            </a:blip>
+            <a:srcRect b="13577" l="0" r="0" t="0"/>
+            <a:stretch/>
+          </p:blipFill>
+          <p:spPr>
+            <a:xfrm>
+              <a:off x="2540112" y="-4825"/>
+              <a:ext cx="1126013" cy="1029575"/>
+            </a:xfrm>
+            <a:prstGeom prst="rect">
+              <a:avLst/>
+            </a:prstGeom>
+            <a:noFill/>
+            <a:ln>
+              <a:noFill/>
+            </a:ln>
+          </p:spPr>
+        </p:pic>
+        <p:pic>
+          <p:nvPicPr>
+            <p:cNvPr id="422" name="Google Shape;422;p38"/>
+            <p:cNvPicPr preferRelativeResize="0"/>
+            <p:nvPr/>
+          </p:nvPicPr>
+          <p:blipFill rotWithShape="1">
+            <a:blip r:embed="rId7">
+              <a:alphaModFix/>
+            </a:blip>
+            <a:srcRect b="9853" l="0" r="0" t="0"/>
+            <a:stretch/>
+          </p:blipFill>
+          <p:spPr>
+            <a:xfrm>
+              <a:off x="6228649" y="-13951"/>
+              <a:ext cx="1126001" cy="1047837"/>
+            </a:xfrm>
+            <a:prstGeom prst="rect">
+              <a:avLst/>
+            </a:prstGeom>
+            <a:noFill/>
+            <a:ln>
+              <a:noFill/>
+            </a:ln>
+          </p:spPr>
+        </p:pic>
+        <p:pic>
+          <p:nvPicPr>
+            <p:cNvPr id="423" name="Google Shape;423;p38"/>
+            <p:cNvPicPr preferRelativeResize="0"/>
+            <p:nvPr/>
+          </p:nvPicPr>
+          <p:blipFill rotWithShape="1">
+            <a:blip r:embed="rId8">
+              <a:alphaModFix/>
+            </a:blip>
+            <a:srcRect b="9682" l="0" r="0" t="0"/>
+            <a:stretch/>
+          </p:blipFill>
+          <p:spPr>
+            <a:xfrm>
+              <a:off x="8055700" y="39600"/>
+              <a:ext cx="1051298" cy="1029575"/>
+            </a:xfrm>
+            <a:prstGeom prst="rect">
+              <a:avLst/>
+            </a:prstGeom>
+            <a:noFill/>
+            <a:ln>
+              <a:noFill/>
+            </a:ln>
+          </p:spPr>
+        </p:pic>
+      </p:grpSp>
+      <p:grpSp>
+        <p:nvGrpSpPr>
+          <p:cNvPr id="424" name="Google Shape;424;p38"/>
+          <p:cNvGrpSpPr/>
+          <p:nvPr/>
+        </p:nvGrpSpPr>
+        <p:grpSpPr>
+          <a:xfrm>
+            <a:off x="0" y="3987208"/>
+            <a:ext cx="9164450" cy="1156292"/>
+            <a:chOff x="0" y="3987208"/>
+            <a:chExt cx="9164450" cy="1156292"/>
+          </a:xfrm>
+        </p:grpSpPr>
+        <p:pic>
+          <p:nvPicPr>
+            <p:cNvPr id="425" name="Google Shape;425;p38"/>
+            <p:cNvPicPr preferRelativeResize="0"/>
+            <p:nvPr/>
+          </p:nvPicPr>
+          <p:blipFill rotWithShape="1">
+            <a:blip r:embed="rId9">
+              <a:alphaModFix/>
+            </a:blip>
+            <a:srcRect b="8138" l="0" r="0" t="0"/>
+            <a:stretch/>
+          </p:blipFill>
+          <p:spPr>
+            <a:xfrm>
+              <a:off x="0" y="4073253"/>
+              <a:ext cx="977025" cy="1070247"/>
+            </a:xfrm>
+            <a:prstGeom prst="rect">
+              <a:avLst/>
+            </a:prstGeom>
+            <a:noFill/>
+            <a:ln>
+              <a:noFill/>
+            </a:ln>
+          </p:spPr>
+        </p:pic>
+        <p:pic>
+          <p:nvPicPr>
+            <p:cNvPr id="426" name="Google Shape;426;p38"/>
+            <p:cNvPicPr preferRelativeResize="0"/>
+            <p:nvPr/>
+          </p:nvPicPr>
+          <p:blipFill rotWithShape="1">
+            <a:blip r:embed="rId10">
+              <a:alphaModFix/>
+            </a:blip>
+            <a:srcRect b="10650" l="0" r="0" t="0"/>
+            <a:stretch/>
+          </p:blipFill>
+          <p:spPr>
+            <a:xfrm>
+              <a:off x="1447800" y="4093067"/>
+              <a:ext cx="916625" cy="1050433"/>
+            </a:xfrm>
+            <a:prstGeom prst="rect">
+              <a:avLst/>
+            </a:prstGeom>
+            <a:noFill/>
+            <a:ln>
+              <a:noFill/>
+            </a:ln>
+          </p:spPr>
+        </p:pic>
+        <p:pic>
+          <p:nvPicPr>
+            <p:cNvPr id="427" name="Google Shape;427;p38"/>
+            <p:cNvPicPr preferRelativeResize="0"/>
+            <p:nvPr/>
+          </p:nvPicPr>
+          <p:blipFill rotWithShape="1">
+            <a:blip r:embed="rId11">
+              <a:alphaModFix/>
+            </a:blip>
+            <a:srcRect b="7510" l="0" r="0" t="0"/>
+            <a:stretch/>
+          </p:blipFill>
+          <p:spPr>
+            <a:xfrm>
+              <a:off x="2895600" y="4073250"/>
+              <a:ext cx="876183" cy="1070250"/>
+            </a:xfrm>
+            <a:prstGeom prst="rect">
+              <a:avLst/>
+            </a:prstGeom>
+            <a:noFill/>
+            <a:ln>
+              <a:noFill/>
+            </a:ln>
+          </p:spPr>
+        </p:pic>
+        <p:pic>
+          <p:nvPicPr>
+            <p:cNvPr id="428" name="Google Shape;428;p38"/>
+            <p:cNvPicPr preferRelativeResize="0"/>
+            <p:nvPr/>
+          </p:nvPicPr>
+          <p:blipFill rotWithShape="1">
+            <a:blip r:embed="rId12">
+              <a:alphaModFix/>
+            </a:blip>
+            <a:srcRect b="9600" l="0" r="0" t="0"/>
+            <a:stretch/>
+          </p:blipFill>
+          <p:spPr>
+            <a:xfrm>
+              <a:off x="4290500" y="4073250"/>
+              <a:ext cx="1310534" cy="1070250"/>
+            </a:xfrm>
+            <a:prstGeom prst="rect">
+              <a:avLst/>
+            </a:prstGeom>
+            <a:noFill/>
+            <a:ln>
+              <a:noFill/>
+            </a:ln>
+          </p:spPr>
+        </p:pic>
+        <p:pic>
+          <p:nvPicPr>
+            <p:cNvPr id="429" name="Google Shape;429;p38"/>
+            <p:cNvPicPr preferRelativeResize="0"/>
+            <p:nvPr/>
+          </p:nvPicPr>
+          <p:blipFill rotWithShape="1">
+            <a:blip r:embed="rId13">
+              <a:alphaModFix/>
+            </a:blip>
+            <a:srcRect b="9990" l="0" r="0" t="0"/>
+            <a:stretch/>
+          </p:blipFill>
+          <p:spPr>
+            <a:xfrm>
+              <a:off x="6012600" y="4073250"/>
+              <a:ext cx="1723450" cy="1070250"/>
+            </a:xfrm>
+            <a:prstGeom prst="rect">
+              <a:avLst/>
+            </a:prstGeom>
+            <a:noFill/>
+            <a:ln>
+              <a:noFill/>
+            </a:ln>
+          </p:spPr>
+        </p:pic>
+        <p:pic>
+          <p:nvPicPr>
+            <p:cNvPr id="430" name="Google Shape;430;p38"/>
+            <p:cNvPicPr preferRelativeResize="0"/>
+            <p:nvPr/>
+          </p:nvPicPr>
+          <p:blipFill rotWithShape="1">
+            <a:blip r:embed="rId14">
+              <a:alphaModFix/>
+            </a:blip>
+            <a:srcRect b="8575" l="0" r="0" t="0"/>
+            <a:stretch/>
+          </p:blipFill>
+          <p:spPr>
+            <a:xfrm>
+              <a:off x="8038450" y="3987208"/>
+              <a:ext cx="1126000" cy="1156292"/>
+            </a:xfrm>
+            <a:prstGeom prst="rect">
+              <a:avLst/>
+            </a:prstGeom>
+            <a:noFill/>
+            <a:ln>
+              <a:noFill/>
+            </a:ln>
+          </p:spPr>
+        </p:pic>
+      </p:grpSp>
+    </p:spTree>
+  </p:cSld>
+  <p:clrMapOvr>
+    <a:masterClrMapping/>
+  </p:clrMapOvr>
+</p:sld>
+</file>
+
+<file path=ppt/slides/slide27.xml><?xml version="1.0" encoding="utf-8"?>
+<p:sld xmlns:a="http://schemas.openxmlformats.org/drawingml/2006/main" xmlns:r="http://schemas.openxmlformats.org/officeDocument/2006/relationships" xmlns:mc="http://schemas.openxmlformats.org/markup-compatibility/2006" xmlns:mv="urn:schemas-microsoft-com:mac:vml" xmlns:p="http://schemas.openxmlformats.org/presentationml/2006/main" xmlns:c="http://schemas.openxmlformats.org/drawingml/2006/chart" xmlns:dgm="http://schemas.openxmlformats.org/drawingml/2006/diagram" xmlns:o="urn:schemas-microsoft-com:office:office" xmlns:v="urn:schemas-microsoft-com:vml" xmlns:pvml="urn:schemas-microsoft-com:office:powerpoint" xmlns:com="http://schemas.openxmlformats.org/drawingml/2006/compatibility" xmlns:p14="http://schemas.microsoft.com/office/powerpoint/2010/main" xmlns:p15="http://schemas.microsoft.com/office/powerpoint/2012/main" xmlns:ahyp="http://schemas.microsoft.com/office/drawing/2018/hyperlinkcolor">
+  <p:cSld>
+    <p:bg>
+      <p:bgPr>
+        <a:solidFill>
+          <a:srgbClr val="F4D58F"/>
+        </a:solidFill>
+      </p:bgPr>
+    </p:bg>
+    <p:spTree>
+      <p:nvGrpSpPr>
+        <p:cNvPr id="434" name="Shape 434"/>
+        <p:cNvGrpSpPr/>
+        <p:nvPr/>
+      </p:nvGrpSpPr>
+      <p:grpSpPr>
+        <a:xfrm>
+          <a:off x="0" y="0"/>
+          <a:ext cx="0" cy="0"/>
+          <a:chOff x="0" y="0"/>
+          <a:chExt cx="0" cy="0"/>
+        </a:xfrm>
+      </p:grpSpPr>
+      <p:sp>
+        <p:nvSpPr>
+          <p:cNvPr id="435" name="Google Shape;435;p39"/>
+          <p:cNvSpPr txBox="1"/>
+          <p:nvPr>
+            <p:ph type="title"/>
+          </p:nvPr>
+        </p:nvSpPr>
+        <p:spPr>
+          <a:xfrm>
+            <a:off x="311700" y="2150850"/>
+            <a:ext cx="8520600" cy="841800"/>
+          </a:xfrm>
+          <a:prstGeom prst="rect">
+            <a:avLst/>
+          </a:prstGeom>
+        </p:spPr>
+        <p:txBody>
+          <a:bodyPr anchorCtr="0" anchor="ctr" bIns="91425" lIns="91425" spcFirstLastPara="1" rIns="91425" wrap="square" tIns="91425">
+            <a:normAutofit fontScale="90000"/>
+          </a:bodyPr>
+          <a:lstStyle/>
+          <a:p>
+            <a:pPr indent="0" lvl="0" marL="0" rtl="0" algn="ctr">
+              <a:spcBef>
+                <a:spcPts val="0"/>
+              </a:spcBef>
+              <a:spcAft>
+                <a:spcPts val="0"/>
+              </a:spcAft>
+              <a:buNone/>
+            </a:pPr>
+            <a:r>
+              <a:rPr b="1" lang="en">
+                <a:solidFill>
+                  <a:schemeClr val="lt1"/>
+                </a:solidFill>
+                <a:latin typeface="Times New Roman"/>
+                <a:ea typeface="Times New Roman"/>
+                <a:cs typeface="Times New Roman"/>
+                <a:sym typeface="Times New Roman"/>
+              </a:rPr>
+              <a:t>Dashboard - Live Demo</a:t>
+            </a:r>
+            <a:endParaRPr b="1">
+              <a:solidFill>
+                <a:schemeClr val="lt1"/>
+              </a:solidFill>
+              <a:latin typeface="Times New Roman"/>
+              <a:ea typeface="Times New Roman"/>
+              <a:cs typeface="Times New Roman"/>
+              <a:sym typeface="Times New Roman"/>
+            </a:endParaRPr>
+          </a:p>
+          <a:p>
+            <a:pPr indent="0" lvl="0" marL="0" rtl="0" algn="ctr">
+              <a:spcBef>
+                <a:spcPts val="0"/>
+              </a:spcBef>
+              <a:spcAft>
+                <a:spcPts val="0"/>
+              </a:spcAft>
+              <a:buNone/>
+            </a:pPr>
+            <a:r>
+              <a:rPr b="1" lang="en" u="sng">
+                <a:solidFill>
+                  <a:schemeClr val="hlink"/>
+                </a:solidFill>
+                <a:latin typeface="Times New Roman"/>
+                <a:ea typeface="Times New Roman"/>
+                <a:cs typeface="Times New Roman"/>
+                <a:sym typeface="Times New Roman"/>
+                <a:hlinkClick r:id="rId3"/>
+              </a:rPr>
+              <a:t>https://rulamia.github.io/Horrorscopes/</a:t>
+            </a:r>
+            <a:endParaRPr b="1">
+              <a:solidFill>
+                <a:schemeClr val="lt1"/>
+              </a:solidFill>
+              <a:latin typeface="Times New Roman"/>
+              <a:ea typeface="Times New Roman"/>
+              <a:cs typeface="Times New Roman"/>
+              <a:sym typeface="Times New Roman"/>
+            </a:endParaRPr>
+          </a:p>
+        </p:txBody>
+      </p:sp>
+      <p:grpSp>
+        <p:nvGrpSpPr>
+          <p:cNvPr id="436" name="Google Shape;436;p39"/>
+          <p:cNvGrpSpPr/>
+          <p:nvPr/>
+        </p:nvGrpSpPr>
+        <p:grpSpPr>
+          <a:xfrm>
+            <a:off x="0" y="0"/>
+            <a:ext cx="9106999" cy="1083925"/>
+            <a:chOff x="0" y="-14750"/>
+            <a:chExt cx="9106999" cy="1083925"/>
+          </a:xfrm>
+        </p:grpSpPr>
+        <p:pic>
+          <p:nvPicPr>
+            <p:cNvPr id="437" name="Google Shape;437;p39"/>
+            <p:cNvPicPr preferRelativeResize="0"/>
+            <p:nvPr/>
+          </p:nvPicPr>
+          <p:blipFill rotWithShape="1">
+            <a:blip r:embed="rId4">
+              <a:alphaModFix/>
+            </a:blip>
+            <a:srcRect b="9755" l="0" r="0" t="0"/>
+            <a:stretch/>
+          </p:blipFill>
+          <p:spPr>
+            <a:xfrm>
+              <a:off x="0" y="-14750"/>
+              <a:ext cx="1022125" cy="1029574"/>
+            </a:xfrm>
+            <a:prstGeom prst="rect">
+              <a:avLst/>
+            </a:prstGeom>
+            <a:noFill/>
+            <a:ln>
+              <a:noFill/>
+            </a:ln>
+          </p:spPr>
+        </p:pic>
+        <p:pic>
+          <p:nvPicPr>
+            <p:cNvPr id="438" name="Google Shape;438;p39"/>
+            <p:cNvPicPr preferRelativeResize="0"/>
+            <p:nvPr/>
+          </p:nvPicPr>
+          <p:blipFill rotWithShape="1">
+            <a:blip r:embed="rId5">
+              <a:alphaModFix/>
+            </a:blip>
+            <a:srcRect b="8700" l="0" r="0" t="0"/>
+            <a:stretch/>
+          </p:blipFill>
+          <p:spPr>
+            <a:xfrm>
+              <a:off x="1471076" y="-14750"/>
+              <a:ext cx="673249" cy="1029575"/>
+            </a:xfrm>
+            <a:prstGeom prst="rect">
+              <a:avLst/>
+            </a:prstGeom>
+            <a:noFill/>
+            <a:ln>
+              <a:noFill/>
+            </a:ln>
+          </p:spPr>
+        </p:pic>
+        <p:pic>
+          <p:nvPicPr>
+            <p:cNvPr id="439" name="Google Shape;439;p39"/>
+            <p:cNvPicPr preferRelativeResize="0"/>
+            <p:nvPr/>
+          </p:nvPicPr>
+          <p:blipFill rotWithShape="1">
+            <a:blip r:embed="rId6">
+              <a:alphaModFix/>
+            </a:blip>
+            <a:srcRect b="9041" l="0" r="0" t="0"/>
+            <a:stretch/>
+          </p:blipFill>
+          <p:spPr>
+            <a:xfrm>
+              <a:off x="4061899" y="-4825"/>
+              <a:ext cx="1493392" cy="1029575"/>
+            </a:xfrm>
+            <a:prstGeom prst="rect">
+              <a:avLst/>
+            </a:prstGeom>
+            <a:noFill/>
+            <a:ln>
+              <a:noFill/>
+            </a:ln>
+          </p:spPr>
+        </p:pic>
+        <p:pic>
+          <p:nvPicPr>
+            <p:cNvPr id="440" name="Google Shape;440;p39"/>
+            <p:cNvPicPr preferRelativeResize="0"/>
+            <p:nvPr/>
+          </p:nvPicPr>
+          <p:blipFill rotWithShape="1">
+            <a:blip r:embed="rId7">
+              <a:alphaModFix/>
+            </a:blip>
+            <a:srcRect b="13577" l="0" r="0" t="0"/>
+            <a:stretch/>
+          </p:blipFill>
+          <p:spPr>
+            <a:xfrm>
+              <a:off x="2540112" y="-4825"/>
+              <a:ext cx="1126013" cy="1029575"/>
+            </a:xfrm>
+            <a:prstGeom prst="rect">
+              <a:avLst/>
+            </a:prstGeom>
+            <a:noFill/>
+            <a:ln>
+              <a:noFill/>
+            </a:ln>
+          </p:spPr>
+        </p:pic>
+        <p:pic>
+          <p:nvPicPr>
+            <p:cNvPr id="441" name="Google Shape;441;p39"/>
+            <p:cNvPicPr preferRelativeResize="0"/>
+            <p:nvPr/>
+          </p:nvPicPr>
+          <p:blipFill rotWithShape="1">
+            <a:blip r:embed="rId8">
+              <a:alphaModFix/>
+            </a:blip>
+            <a:srcRect b="9853" l="0" r="0" t="0"/>
+            <a:stretch/>
+          </p:blipFill>
+          <p:spPr>
+            <a:xfrm>
+              <a:off x="6228649" y="-13951"/>
+              <a:ext cx="1126001" cy="1047837"/>
+            </a:xfrm>
+            <a:prstGeom prst="rect">
+              <a:avLst/>
+            </a:prstGeom>
+            <a:noFill/>
+            <a:ln>
+              <a:noFill/>
+            </a:ln>
+          </p:spPr>
+        </p:pic>
+        <p:pic>
+          <p:nvPicPr>
+            <p:cNvPr id="442" name="Google Shape;442;p39"/>
+            <p:cNvPicPr preferRelativeResize="0"/>
+            <p:nvPr/>
+          </p:nvPicPr>
+          <p:blipFill rotWithShape="1">
+            <a:blip r:embed="rId9">
+              <a:alphaModFix/>
+            </a:blip>
+            <a:srcRect b="9682" l="0" r="0" t="0"/>
+            <a:stretch/>
+          </p:blipFill>
+          <p:spPr>
+            <a:xfrm>
+              <a:off x="8055700" y="39600"/>
+              <a:ext cx="1051298" cy="1029575"/>
+            </a:xfrm>
+            <a:prstGeom prst="rect">
+              <a:avLst/>
+            </a:prstGeom>
+            <a:noFill/>
+            <a:ln>
+              <a:noFill/>
+            </a:ln>
+          </p:spPr>
+        </p:pic>
+      </p:grpSp>
+      <p:grpSp>
+        <p:nvGrpSpPr>
+          <p:cNvPr id="443" name="Google Shape;443;p39"/>
+          <p:cNvGrpSpPr/>
+          <p:nvPr/>
+        </p:nvGrpSpPr>
+        <p:grpSpPr>
+          <a:xfrm>
+            <a:off x="0" y="3987208"/>
+            <a:ext cx="9164450" cy="1156292"/>
+            <a:chOff x="0" y="3987208"/>
+            <a:chExt cx="9164450" cy="1156292"/>
+          </a:xfrm>
+        </p:grpSpPr>
+        <p:pic>
+          <p:nvPicPr>
+            <p:cNvPr id="444" name="Google Shape;444;p39"/>
+            <p:cNvPicPr preferRelativeResize="0"/>
+            <p:nvPr/>
+          </p:nvPicPr>
+          <p:blipFill rotWithShape="1">
+            <a:blip r:embed="rId10">
+              <a:alphaModFix/>
+            </a:blip>
+            <a:srcRect b="8138" l="0" r="0" t="0"/>
+            <a:stretch/>
+          </p:blipFill>
+          <p:spPr>
+            <a:xfrm>
+              <a:off x="0" y="4073253"/>
+              <a:ext cx="977025" cy="1070247"/>
+            </a:xfrm>
+            <a:prstGeom prst="rect">
+              <a:avLst/>
+            </a:prstGeom>
+            <a:noFill/>
+            <a:ln>
+              <a:noFill/>
+            </a:ln>
+          </p:spPr>
+        </p:pic>
+        <p:pic>
+          <p:nvPicPr>
+            <p:cNvPr id="445" name="Google Shape;445;p39"/>
+            <p:cNvPicPr preferRelativeResize="0"/>
+            <p:nvPr/>
+          </p:nvPicPr>
+          <p:blipFill rotWithShape="1">
+            <a:blip r:embed="rId11">
+              <a:alphaModFix/>
+            </a:blip>
+            <a:srcRect b="10650" l="0" r="0" t="0"/>
+            <a:stretch/>
+          </p:blipFill>
+          <p:spPr>
+            <a:xfrm>
+              <a:off x="1447800" y="4093067"/>
+              <a:ext cx="916625" cy="1050433"/>
+            </a:xfrm>
+            <a:prstGeom prst="rect">
+              <a:avLst/>
+            </a:prstGeom>
+            <a:noFill/>
+            <a:ln>
+              <a:noFill/>
+            </a:ln>
+          </p:spPr>
+        </p:pic>
+        <p:pic>
+          <p:nvPicPr>
+            <p:cNvPr id="446" name="Google Shape;446;p39"/>
+            <p:cNvPicPr preferRelativeResize="0"/>
+            <p:nvPr/>
+          </p:nvPicPr>
+          <p:blipFill rotWithShape="1">
+            <a:blip r:embed="rId12">
+              <a:alphaModFix/>
+            </a:blip>
+            <a:srcRect b="7510" l="0" r="0" t="0"/>
+            <a:stretch/>
+          </p:blipFill>
+          <p:spPr>
+            <a:xfrm>
+              <a:off x="2895600" y="4073250"/>
+              <a:ext cx="876183" cy="1070250"/>
+            </a:xfrm>
+            <a:prstGeom prst="rect">
+              <a:avLst/>
+            </a:prstGeom>
+            <a:noFill/>
+            <a:ln>
+              <a:noFill/>
+            </a:ln>
+          </p:spPr>
+        </p:pic>
+        <p:pic>
+          <p:nvPicPr>
+            <p:cNvPr id="447" name="Google Shape;447;p39"/>
+            <p:cNvPicPr preferRelativeResize="0"/>
+            <p:nvPr/>
+          </p:nvPicPr>
+          <p:blipFill rotWithShape="1">
+            <a:blip r:embed="rId13">
+              <a:alphaModFix/>
+            </a:blip>
+            <a:srcRect b="9600" l="0" r="0" t="0"/>
+            <a:stretch/>
+          </p:blipFill>
+          <p:spPr>
+            <a:xfrm>
+              <a:off x="4290500" y="4073250"/>
+              <a:ext cx="1310534" cy="1070250"/>
+            </a:xfrm>
+            <a:prstGeom prst="rect">
+              <a:avLst/>
+            </a:prstGeom>
+            <a:noFill/>
+            <a:ln>
+              <a:noFill/>
+            </a:ln>
+          </p:spPr>
+        </p:pic>
+        <p:pic>
+          <p:nvPicPr>
+            <p:cNvPr id="448" name="Google Shape;448;p39"/>
+            <p:cNvPicPr preferRelativeResize="0"/>
+            <p:nvPr/>
+          </p:nvPicPr>
+          <p:blipFill rotWithShape="1">
+            <a:blip r:embed="rId14">
+              <a:alphaModFix/>
+            </a:blip>
+            <a:srcRect b="9990" l="0" r="0" t="0"/>
+            <a:stretch/>
+          </p:blipFill>
+          <p:spPr>
+            <a:xfrm>
+              <a:off x="6012600" y="4073250"/>
+              <a:ext cx="1723450" cy="1070250"/>
+            </a:xfrm>
+            <a:prstGeom prst="rect">
+              <a:avLst/>
+            </a:prstGeom>
+            <a:noFill/>
+            <a:ln>
+              <a:noFill/>
+            </a:ln>
+          </p:spPr>
+        </p:pic>
+        <p:pic>
+          <p:nvPicPr>
+            <p:cNvPr id="449" name="Google Shape;449;p39"/>
+            <p:cNvPicPr preferRelativeResize="0"/>
+            <p:nvPr/>
+          </p:nvPicPr>
+          <p:blipFill rotWithShape="1">
+            <a:blip r:embed="rId15">
+              <a:alphaModFix/>
+            </a:blip>
+            <a:srcRect b="8575" l="0" r="0" t="0"/>
+            <a:stretch/>
+          </p:blipFill>
+          <p:spPr>
+            <a:xfrm>
+              <a:off x="8038450" y="3987208"/>
+              <a:ext cx="1126000" cy="1156292"/>
+            </a:xfrm>
+            <a:prstGeom prst="rect">
+              <a:avLst/>
+            </a:prstGeom>
+            <a:noFill/>
+            <a:ln>
+              <a:noFill/>
+            </a:ln>
+          </p:spPr>
+        </p:pic>
+      </p:grpSp>
+    </p:spTree>
+  </p:cSld>
+  <p:clrMapOvr>
+    <a:masterClrMapping/>
+  </p:clrMapOvr>
+</p:sld>
+</file>
+
+<file path=ppt/slides/slide28.xml><?xml version="1.0" encoding="utf-8"?>
+<p:sld xmlns:a="http://schemas.openxmlformats.org/drawingml/2006/main" xmlns:r="http://schemas.openxmlformats.org/officeDocument/2006/relationships" xmlns:mc="http://schemas.openxmlformats.org/markup-compatibility/2006" xmlns:mv="urn:schemas-microsoft-com:mac:vml" xmlns:p="http://schemas.openxmlformats.org/presentationml/2006/main" xmlns:c="http://schemas.openxmlformats.org/drawingml/2006/chart" xmlns:dgm="http://schemas.openxmlformats.org/drawingml/2006/diagram" xmlns:o="urn:schemas-microsoft-com:office:office" xmlns:v="urn:schemas-microsoft-com:vml" xmlns:pvml="urn:schemas-microsoft-com:office:powerpoint" xmlns:com="http://schemas.openxmlformats.org/drawingml/2006/compatibility" xmlns:p14="http://schemas.microsoft.com/office/powerpoint/2010/main" xmlns:p15="http://schemas.microsoft.com/office/powerpoint/2012/main" xmlns:ahyp="http://schemas.microsoft.com/office/drawing/2018/hyperlinkcolor">
+  <p:cSld>
+    <p:spTree>
+      <p:nvGrpSpPr>
+        <p:cNvPr id="453" name="Shape 453"/>
+        <p:cNvGrpSpPr/>
+        <p:nvPr/>
+      </p:nvGrpSpPr>
+      <p:grpSpPr>
+        <a:xfrm>
+          <a:off x="0" y="0"/>
+          <a:ext cx="0" cy="0"/>
+          <a:chOff x="0" y="0"/>
+          <a:chExt cx="0" cy="0"/>
+        </a:xfrm>
+      </p:grpSpPr>
+      <p:sp>
+        <p:nvSpPr>
+          <p:cNvPr id="454" name="Google Shape;454;p40"/>
+          <p:cNvSpPr txBox="1"/>
+          <p:nvPr>
+            <p:ph type="title"/>
+          </p:nvPr>
+        </p:nvSpPr>
+        <p:spPr>
+          <a:xfrm>
+            <a:off x="311700" y="2150850"/>
+            <a:ext cx="8520600" cy="841800"/>
+          </a:xfrm>
+          <a:prstGeom prst="rect">
+            <a:avLst/>
+          </a:prstGeom>
+        </p:spPr>
+        <p:txBody>
+          <a:bodyPr anchorCtr="0" anchor="ctr" bIns="91425" lIns="91425" spcFirstLastPara="1" rIns="91425" wrap="square" tIns="91425">
+            <a:normAutofit/>
+          </a:bodyPr>
+          <a:lstStyle/>
+          <a:p>
+            <a:pPr indent="0" lvl="0" marL="0" rtl="0" algn="ctr">
+              <a:spcBef>
+                <a:spcPts val="0"/>
+              </a:spcBef>
+              <a:spcAft>
+                <a:spcPts val="0"/>
+              </a:spcAft>
+              <a:buNone/>
+            </a:pPr>
+            <a:r>
+              <a:rPr b="1" lang="en">
+                <a:solidFill>
+                  <a:srgbClr val="A7A4D1"/>
+                </a:solidFill>
+                <a:latin typeface="Times New Roman"/>
+                <a:ea typeface="Times New Roman"/>
+                <a:cs typeface="Times New Roman"/>
+                <a:sym typeface="Times New Roman"/>
+              </a:rPr>
+              <a:t>Thank you!</a:t>
+            </a:r>
+            <a:endParaRPr b="1">
+              <a:solidFill>
+                <a:srgbClr val="A7A4D1"/>
+              </a:solidFill>
+              <a:latin typeface="Times New Roman"/>
+              <a:ea typeface="Times New Roman"/>
+              <a:cs typeface="Times New Roman"/>
+              <a:sym typeface="Times New Roman"/>
+            </a:endParaRPr>
+          </a:p>
+        </p:txBody>
+      </p:sp>
+    </p:spTree>
+  </p:cSld>
+  <p:clrMapOvr>
+    <a:masterClrMapping/>
+  </p:clrMapOvr>
+</p:sld>
+</file>
+
 <file path=ppt/slides/slide3.xml><?xml version="1.0" encoding="utf-8"?>
 <p:sld xmlns:a="http://schemas.openxmlformats.org/drawingml/2006/main" xmlns:r="http://schemas.openxmlformats.org/officeDocument/2006/relationships" xmlns:mc="http://schemas.openxmlformats.org/markup-compatibility/2006" xmlns:mv="urn:schemas-microsoft-com:mac:vml" xmlns:p="http://schemas.openxmlformats.org/presentationml/2006/main" xmlns:c="http://schemas.openxmlformats.org/drawingml/2006/chart" xmlns:dgm="http://schemas.openxmlformats.org/drawingml/2006/diagram" xmlns:o="urn:schemas-microsoft-com:office:office" xmlns:v="urn:schemas-microsoft-com:vml" xmlns:pvml="urn:schemas-microsoft-com:office:powerpoint" xmlns:com="http://schemas.openxmlformats.org/drawingml/2006/compatibility" xmlns:p14="http://schemas.microsoft.com/office/powerpoint/2010/main" xmlns:p15="http://schemas.microsoft.com/office/powerpoint/2012/main" xmlns:ahyp="http://schemas.microsoft.com/office/drawing/2018/hyperlinkcolor">
   <p:cSld>

--- a/HorrorscopesFinal.pptx
+++ b/HorrorscopesFinal.pptx
@@ -12234,7 +12234,7 @@
                 <a:cs typeface="Times New Roman"/>
                 <a:sym typeface="Times New Roman"/>
               </a:rPr>
-              <a:t>Unfortunately, both models showed aa low accuracy score as well as precision, recall and F1 scores.</a:t>
+              <a:t>Unfortunately, both models showed a low accuracy score as well as precision, recall and F1 scores.</a:t>
             </a:r>
             <a:endParaRPr>
               <a:solidFill>
@@ -12737,7 +12737,7 @@
                 <a:cs typeface="Times New Roman"/>
                 <a:sym typeface="Times New Roman"/>
               </a:rPr>
-              <a:t>Question: Does Crime happen more often during full moons?</a:t>
+              <a:t>Question: Does Crime happen more often during certain astrological seasons?</a:t>
             </a:r>
             <a:endParaRPr>
               <a:solidFill>
@@ -12797,7 +12797,7 @@
                 <a:cs typeface="Times New Roman"/>
                 <a:sym typeface="Times New Roman"/>
               </a:rPr>
-              <a:t>Answer: The results in the Classification Report for the KC Crime Dataset show that our Logistic Regression model CANNOT accurately predict the answers we were looking for on this data set. Crime does not occur more often during full moons.</a:t>
+              <a:t>Answer: The results in the Classification Report for the KC Crime Dataset show that our Logistic Regression model CANNOT accurately predict the answers we were looking for on this data set. Crime does not occur more often during a certain astrological season.</a:t>
             </a:r>
             <a:endParaRPr>
               <a:solidFill>

--- a/HorrorscopesFinal.pptx
+++ b/HorrorscopesFinal.pptx
@@ -36,6 +36,7 @@
     <p:sldId id="281" r:id="rId31"/>
     <p:sldId id="282" r:id="rId32"/>
     <p:sldId id="283" r:id="rId33"/>
+    <p:sldId id="284" r:id="rId34"/>
   </p:sldIdLst>
   <p:sldSz cy="5143500" cx="9144000"/>
   <p:notesSz cx="6858000" cy="9144000"/>
@@ -939,7 +940,7 @@
       </p:grpSpPr>
       <p:sp>
         <p:nvSpPr>
-          <p:cNvPr id="237" name="Google Shape;237;g152175e3203_0_158:notes"/>
+          <p:cNvPr id="237" name="Google Shape;237;g152175e3203_0_383:notes"/>
           <p:cNvSpPr/>
           <p:nvPr>
             <p:ph idx="2" type="sldImg"/>
@@ -974,7 +975,7 @@
       </p:sp>
       <p:sp>
         <p:nvSpPr>
-          <p:cNvPr id="238" name="Google Shape;238;g152175e3203_0_158:notes"/>
+          <p:cNvPr id="238" name="Google Shape;238;g152175e3203_0_383:notes"/>
           <p:cNvSpPr txBox="1"/>
           <p:nvPr>
             <p:ph idx="1" type="body"/>
@@ -1006,18 +1007,7 @@
             </a:pPr>
             <a:r>
               <a:rPr lang="en"/>
-              <a:t>Lauren: </a:t>
-            </a:r>
-            <a:r>
-              <a:rPr lang="en" sz="1200">
-                <a:solidFill>
-                  <a:srgbClr val="24292F"/>
-                </a:solidFill>
-                <a:highlight>
-                  <a:srgbClr val="FFFFFF"/>
-                </a:highlight>
-              </a:rPr>
-              <a:t>We put the data into tableau and excel pivot tables to examine any trends between astrological sign and the number of serial killers. We found there were more aquarius killer than other types.</a:t>
+              <a:t>Lauren: Either Live Demo the Tableau Charts or proceed with following charts.</a:t>
             </a:r>
             <a:endParaRPr/>
           </a:p>
@@ -1036,7 +1026,7 @@
   <p:cSld>
     <p:spTree>
       <p:nvGrpSpPr>
-        <p:cNvPr id="242" name="Shape 242"/>
+        <p:cNvPr id="241" name="Shape 241"/>
         <p:cNvGrpSpPr/>
         <p:nvPr/>
       </p:nvGrpSpPr>
@@ -1050,7 +1040,7 @@
       </p:grpSpPr>
       <p:sp>
         <p:nvSpPr>
-          <p:cNvPr id="243" name="Google Shape;243;g152175e3203_0_165:notes"/>
+          <p:cNvPr id="242" name="Google Shape;242;g152175e3203_0_158:notes"/>
           <p:cNvSpPr/>
           <p:nvPr>
             <p:ph idx="2" type="sldImg"/>
@@ -1085,7 +1075,7 @@
       </p:sp>
       <p:sp>
         <p:nvSpPr>
-          <p:cNvPr id="244" name="Google Shape;244;g152175e3203_0_165:notes"/>
+          <p:cNvPr id="243" name="Google Shape;243;g152175e3203_0_158:notes"/>
           <p:cNvSpPr txBox="1"/>
           <p:nvPr>
             <p:ph idx="1" type="body"/>
@@ -1128,7 +1118,7 @@
                   <a:srgbClr val="FFFFFF"/>
                 </a:highlight>
               </a:rPr>
-              <a:t>Then, we analyzed number of victims (confirmed) by Killer's astrological sign. Again, the highest number was from aquarius.</a:t>
+              <a:t>We put the data into tableau and excel pivot tables to examine any trends between astrological sign and the number of serial killers. We found there were more aquarius killer than other types.</a:t>
             </a:r>
             <a:endParaRPr/>
           </a:p>
@@ -1147,7 +1137,7 @@
   <p:cSld>
     <p:spTree>
       <p:nvGrpSpPr>
-        <p:cNvPr id="248" name="Shape 248"/>
+        <p:cNvPr id="247" name="Shape 247"/>
         <p:cNvGrpSpPr/>
         <p:nvPr/>
       </p:nvGrpSpPr>
@@ -1161,7 +1151,7 @@
       </p:grpSpPr>
       <p:sp>
         <p:nvSpPr>
-          <p:cNvPr id="249" name="Google Shape;249;g152175e3203_0_171:notes"/>
+          <p:cNvPr id="248" name="Google Shape;248;g152175e3203_0_165:notes"/>
           <p:cNvSpPr/>
           <p:nvPr>
             <p:ph idx="2" type="sldImg"/>
@@ -1196,7 +1186,7 @@
       </p:sp>
       <p:sp>
         <p:nvSpPr>
-          <p:cNvPr id="250" name="Google Shape;250;g152175e3203_0_171:notes"/>
+          <p:cNvPr id="249" name="Google Shape;249;g152175e3203_0_165:notes"/>
           <p:cNvSpPr txBox="1"/>
           <p:nvPr>
             <p:ph idx="1" type="body"/>
@@ -1239,7 +1229,7 @@
                   <a:srgbClr val="FFFFFF"/>
                 </a:highlight>
               </a:rPr>
-              <a:t>Next, we separated the killers by their birth year. We found that the highest number of serial killers were born between 1946-1964 (with the most being in 1953). This generation definition comes from the Pew Research Center.</a:t>
+              <a:t>Then, we analyzed number of victims (confirmed) by Killer's astrological sign. Again, the highest number was from aquarius.</a:t>
             </a:r>
             <a:endParaRPr/>
           </a:p>
@@ -1258,7 +1248,7 @@
   <p:cSld>
     <p:spTree>
       <p:nvGrpSpPr>
-        <p:cNvPr id="254" name="Shape 254"/>
+        <p:cNvPr id="253" name="Shape 253"/>
         <p:cNvGrpSpPr/>
         <p:nvPr/>
       </p:nvGrpSpPr>
@@ -1272,7 +1262,7 @@
       </p:grpSpPr>
       <p:sp>
         <p:nvSpPr>
-          <p:cNvPr id="255" name="Google Shape;255;g152175e3203_0_175:notes"/>
+          <p:cNvPr id="254" name="Google Shape;254;g152175e3203_0_171:notes"/>
           <p:cNvSpPr/>
           <p:nvPr>
             <p:ph idx="2" type="sldImg"/>
@@ -1307,7 +1297,7 @@
       </p:sp>
       <p:sp>
         <p:nvSpPr>
-          <p:cNvPr id="256" name="Google Shape;256;g152175e3203_0_175:notes"/>
+          <p:cNvPr id="255" name="Google Shape;255;g152175e3203_0_171:notes"/>
           <p:cNvSpPr txBox="1"/>
           <p:nvPr>
             <p:ph idx="1" type="body"/>
@@ -1338,6 +1328,10 @@
               <a:buNone/>
             </a:pPr>
             <a:r>
+              <a:rPr lang="en"/>
+              <a:t>Lauren: </a:t>
+            </a:r>
+            <a:r>
               <a:rPr lang="en" sz="1200">
                 <a:solidFill>
                   <a:srgbClr val="24292F"/>
@@ -1346,7 +1340,7 @@
                   <a:srgbClr val="FFFFFF"/>
                 </a:highlight>
               </a:rPr>
-              <a:t>Last, we looked at the average number of victims associated with each generation of killer. The average highest number of victims (6.907) came from the silent generation, which were individuals born between 1928-1945.</a:t>
+              <a:t>Next, we separated the killers by their birth year. We found that the highest number of serial killers were born between 1946-1964 (with the most being in 1953). This generation definition comes from the Pew Research Center.</a:t>
             </a:r>
             <a:endParaRPr/>
           </a:p>
@@ -1365,7 +1359,7 @@
   <p:cSld>
     <p:spTree>
       <p:nvGrpSpPr>
-        <p:cNvPr id="260" name="Shape 260"/>
+        <p:cNvPr id="259" name="Shape 259"/>
         <p:cNvGrpSpPr/>
         <p:nvPr/>
       </p:nvGrpSpPr>
@@ -1379,7 +1373,7 @@
       </p:grpSpPr>
       <p:sp>
         <p:nvSpPr>
-          <p:cNvPr id="261" name="Google Shape;261;g152175e3203_0_179:notes"/>
+          <p:cNvPr id="260" name="Google Shape;260;g152175e3203_0_175:notes"/>
           <p:cNvSpPr/>
           <p:nvPr>
             <p:ph idx="2" type="sldImg"/>
@@ -1414,7 +1408,7 @@
       </p:sp>
       <p:sp>
         <p:nvSpPr>
-          <p:cNvPr id="262" name="Google Shape;262;g152175e3203_0_179:notes"/>
+          <p:cNvPr id="261" name="Google Shape;261;g152175e3203_0_175:notes"/>
           <p:cNvSpPr txBox="1"/>
           <p:nvPr>
             <p:ph idx="1" type="body"/>
@@ -1445,10 +1439,6 @@
               <a:buNone/>
             </a:pPr>
             <a:r>
-              <a:rPr lang="en"/>
-              <a:t>Lauren: </a:t>
-            </a:r>
-            <a:r>
               <a:rPr lang="en" sz="1200">
                 <a:solidFill>
                   <a:srgbClr val="24292F"/>
@@ -1457,7 +1447,7 @@
                   <a:srgbClr val="FFFFFF"/>
                 </a:highlight>
               </a:rPr>
-              <a:t>First, we looked to see which astrological season full moon was associated with the highest number of crime reports for 2009. Virgo full moon (associated with September) had the highest number of reports.</a:t>
+              <a:t>Last, we looked at the average number of victims associated with each generation of killer. The average highest number of victims (6.907) came from the silent generation, which were individuals born between 1928-1945.</a:t>
             </a:r>
             <a:endParaRPr/>
           </a:p>
@@ -1476,7 +1466,7 @@
   <p:cSld>
     <p:spTree>
       <p:nvGrpSpPr>
-        <p:cNvPr id="266" name="Shape 266"/>
+        <p:cNvPr id="265" name="Shape 265"/>
         <p:cNvGrpSpPr/>
         <p:nvPr/>
       </p:nvGrpSpPr>
@@ -1490,7 +1480,7 @@
       </p:grpSpPr>
       <p:sp>
         <p:nvSpPr>
-          <p:cNvPr id="267" name="Google Shape;267;g152175e3203_0_183:notes"/>
+          <p:cNvPr id="266" name="Google Shape;266;g152175e3203_0_179:notes"/>
           <p:cNvSpPr/>
           <p:nvPr>
             <p:ph idx="2" type="sldImg"/>
@@ -1525,7 +1515,118 @@
       </p:sp>
       <p:sp>
         <p:nvSpPr>
-          <p:cNvPr id="268" name="Google Shape;268;g152175e3203_0_183:notes"/>
+          <p:cNvPr id="267" name="Google Shape;267;g152175e3203_0_179:notes"/>
+          <p:cNvSpPr txBox="1"/>
+          <p:nvPr>
+            <p:ph idx="1" type="body"/>
+          </p:nvPr>
+        </p:nvSpPr>
+        <p:spPr>
+          <a:xfrm>
+            <a:off x="685800" y="4343400"/>
+            <a:ext cx="5486400" cy="4114800"/>
+          </a:xfrm>
+          <a:prstGeom prst="rect">
+            <a:avLst/>
+          </a:prstGeom>
+        </p:spPr>
+        <p:txBody>
+          <a:bodyPr anchorCtr="0" anchor="t" bIns="91425" lIns="91425" spcFirstLastPara="1" rIns="91425" wrap="square" tIns="91425">
+            <a:noAutofit/>
+          </a:bodyPr>
+          <a:lstStyle/>
+          <a:p>
+            <a:pPr indent="0" lvl="0" marL="0" rtl="0" algn="l">
+              <a:spcBef>
+                <a:spcPts val="0"/>
+              </a:spcBef>
+              <a:spcAft>
+                <a:spcPts val="0"/>
+              </a:spcAft>
+              <a:buNone/>
+            </a:pPr>
+            <a:r>
+              <a:rPr lang="en"/>
+              <a:t>Lauren: </a:t>
+            </a:r>
+            <a:r>
+              <a:rPr lang="en" sz="1200">
+                <a:solidFill>
+                  <a:srgbClr val="24292F"/>
+                </a:solidFill>
+                <a:highlight>
+                  <a:srgbClr val="FFFFFF"/>
+                </a:highlight>
+              </a:rPr>
+              <a:t>First, we looked to see which astrological season full moon was associated with the highest number of crime reports for 2009. Virgo full moon (associated with September) had the highest number of reports.</a:t>
+            </a:r>
+            <a:endParaRPr/>
+          </a:p>
+        </p:txBody>
+      </p:sp>
+    </p:spTree>
+  </p:cSld>
+  <p:clrMapOvr>
+    <a:masterClrMapping/>
+  </p:clrMapOvr>
+</p:notes>
+</file>
+
+<file path=ppt/notesSlides/notesSlide17.xml><?xml version="1.0" encoding="utf-8"?>
+<p:notes xmlns:a="http://schemas.openxmlformats.org/drawingml/2006/main" xmlns:r="http://schemas.openxmlformats.org/officeDocument/2006/relationships" xmlns:mc="http://schemas.openxmlformats.org/markup-compatibility/2006" xmlns:mv="urn:schemas-microsoft-com:mac:vml" xmlns:p="http://schemas.openxmlformats.org/presentationml/2006/main" xmlns:c="http://schemas.openxmlformats.org/drawingml/2006/chart" xmlns:dgm="http://schemas.openxmlformats.org/drawingml/2006/diagram" xmlns:o="urn:schemas-microsoft-com:office:office" xmlns:v="urn:schemas-microsoft-com:vml" xmlns:pvml="urn:schemas-microsoft-com:office:powerpoint" xmlns:com="http://schemas.openxmlformats.org/drawingml/2006/compatibility" xmlns:p14="http://schemas.microsoft.com/office/powerpoint/2010/main" xmlns:p15="http://schemas.microsoft.com/office/powerpoint/2012/main" xmlns:ahyp="http://schemas.microsoft.com/office/drawing/2018/hyperlinkcolor" showMasterPhAnim="0" showMasterSp="0">
+  <p:cSld>
+    <p:spTree>
+      <p:nvGrpSpPr>
+        <p:cNvPr id="271" name="Shape 271"/>
+        <p:cNvGrpSpPr/>
+        <p:nvPr/>
+      </p:nvGrpSpPr>
+      <p:grpSpPr>
+        <a:xfrm>
+          <a:off x="0" y="0"/>
+          <a:ext cx="0" cy="0"/>
+          <a:chOff x="0" y="0"/>
+          <a:chExt cx="0" cy="0"/>
+        </a:xfrm>
+      </p:grpSpPr>
+      <p:sp>
+        <p:nvSpPr>
+          <p:cNvPr id="272" name="Google Shape;272;g152175e3203_0_183:notes"/>
+          <p:cNvSpPr/>
+          <p:nvPr>
+            <p:ph idx="2" type="sldImg"/>
+          </p:nvPr>
+        </p:nvSpPr>
+        <p:spPr>
+          <a:xfrm>
+            <a:off x="381300" y="685800"/>
+            <a:ext cx="6096000" cy="3429000"/>
+          </a:xfrm>
+          <a:custGeom>
+            <a:rect b="b" l="l" r="r" t="t"/>
+            <a:pathLst>
+              <a:path extrusionOk="0" h="120000" w="120000">
+                <a:moveTo>
+                  <a:pt x="0" y="0"/>
+                </a:moveTo>
+                <a:lnTo>
+                  <a:pt x="120000" y="0"/>
+                </a:lnTo>
+                <a:lnTo>
+                  <a:pt x="120000" y="120000"/>
+                </a:lnTo>
+                <a:lnTo>
+                  <a:pt x="0" y="120000"/>
+                </a:lnTo>
+                <a:close/>
+              </a:path>
+            </a:pathLst>
+          </a:custGeom>
+        </p:spPr>
+      </p:sp>
+      <p:sp>
+        <p:nvSpPr>
+          <p:cNvPr id="273" name="Google Shape;273;g152175e3203_0_183:notes"/>
           <p:cNvSpPr txBox="1"/>
           <p:nvPr>
             <p:ph idx="1" type="body"/>
@@ -1644,12 +1745,12 @@
 </p:notes>
 </file>
 
-<file path=ppt/notesSlides/notesSlide17.xml><?xml version="1.0" encoding="utf-8"?>
+<file path=ppt/notesSlides/notesSlide18.xml><?xml version="1.0" encoding="utf-8"?>
 <p:notes xmlns:a="http://schemas.openxmlformats.org/drawingml/2006/main" xmlns:r="http://schemas.openxmlformats.org/officeDocument/2006/relationships" xmlns:mc="http://schemas.openxmlformats.org/markup-compatibility/2006" xmlns:mv="urn:schemas-microsoft-com:mac:vml" xmlns:p="http://schemas.openxmlformats.org/presentationml/2006/main" xmlns:c="http://schemas.openxmlformats.org/drawingml/2006/chart" xmlns:dgm="http://schemas.openxmlformats.org/drawingml/2006/diagram" xmlns:o="urn:schemas-microsoft-com:office:office" xmlns:v="urn:schemas-microsoft-com:vml" xmlns:pvml="urn:schemas-microsoft-com:office:powerpoint" xmlns:com="http://schemas.openxmlformats.org/drawingml/2006/compatibility" xmlns:p14="http://schemas.microsoft.com/office/powerpoint/2010/main" xmlns:p15="http://schemas.microsoft.com/office/powerpoint/2012/main" xmlns:ahyp="http://schemas.microsoft.com/office/drawing/2018/hyperlinkcolor" showMasterPhAnim="0" showMasterSp="0">
   <p:cSld>
     <p:spTree>
       <p:nvGrpSpPr>
-        <p:cNvPr id="272" name="Shape 272"/>
+        <p:cNvPr id="277" name="Shape 277"/>
         <p:cNvGrpSpPr/>
         <p:nvPr/>
       </p:nvGrpSpPr>
@@ -1663,7 +1764,7 @@
       </p:grpSpPr>
       <p:sp>
         <p:nvSpPr>
-          <p:cNvPr id="273" name="Google Shape;273;g152175e3203_0_187:notes"/>
+          <p:cNvPr id="278" name="Google Shape;278;g152175e3203_0_187:notes"/>
           <p:cNvSpPr/>
           <p:nvPr>
             <p:ph idx="2" type="sldImg"/>
@@ -1698,7 +1799,7 @@
       </p:sp>
       <p:sp>
         <p:nvSpPr>
-          <p:cNvPr id="274" name="Google Shape;274;g152175e3203_0_187:notes"/>
+          <p:cNvPr id="279" name="Google Shape;279;g152175e3203_0_187:notes"/>
           <p:cNvSpPr txBox="1"/>
           <p:nvPr>
             <p:ph idx="1" type="body"/>
@@ -1755,12 +1856,12 @@
 </p:notes>
 </file>
 
-<file path=ppt/notesSlides/notesSlide18.xml><?xml version="1.0" encoding="utf-8"?>
+<file path=ppt/notesSlides/notesSlide19.xml><?xml version="1.0" encoding="utf-8"?>
 <p:notes xmlns:a="http://schemas.openxmlformats.org/drawingml/2006/main" xmlns:r="http://schemas.openxmlformats.org/officeDocument/2006/relationships" xmlns:mc="http://schemas.openxmlformats.org/markup-compatibility/2006" xmlns:mv="urn:schemas-microsoft-com:mac:vml" xmlns:p="http://schemas.openxmlformats.org/presentationml/2006/main" xmlns:c="http://schemas.openxmlformats.org/drawingml/2006/chart" xmlns:dgm="http://schemas.openxmlformats.org/drawingml/2006/diagram" xmlns:o="urn:schemas-microsoft-com:office:office" xmlns:v="urn:schemas-microsoft-com:vml" xmlns:pvml="urn:schemas-microsoft-com:office:powerpoint" xmlns:com="http://schemas.openxmlformats.org/drawingml/2006/compatibility" xmlns:p14="http://schemas.microsoft.com/office/powerpoint/2010/main" xmlns:p15="http://schemas.microsoft.com/office/powerpoint/2012/main" xmlns:ahyp="http://schemas.microsoft.com/office/drawing/2018/hyperlinkcolor" showMasterPhAnim="0" showMasterSp="0">
   <p:cSld>
     <p:spTree>
       <p:nvGrpSpPr>
-        <p:cNvPr id="278" name="Shape 278"/>
+        <p:cNvPr id="283" name="Shape 283"/>
         <p:cNvGrpSpPr/>
         <p:nvPr/>
       </p:nvGrpSpPr>
@@ -1774,7 +1875,7 @@
       </p:grpSpPr>
       <p:sp>
         <p:nvSpPr>
-          <p:cNvPr id="279" name="Google Shape;279;g152175e3203_0_199:notes"/>
+          <p:cNvPr id="284" name="Google Shape;284;g152175e3203_0_199:notes"/>
           <p:cNvSpPr/>
           <p:nvPr>
             <p:ph idx="2" type="sldImg"/>
@@ -1809,7 +1910,7 @@
       </p:sp>
       <p:sp>
         <p:nvSpPr>
-          <p:cNvPr id="280" name="Google Shape;280;g152175e3203_0_199:notes"/>
+          <p:cNvPr id="285" name="Google Shape;285;g152175e3203_0_199:notes"/>
           <p:cNvSpPr txBox="1"/>
           <p:nvPr>
             <p:ph idx="1" type="body"/>
@@ -1875,113 +1976,6 @@
                 </a:highlight>
               </a:rPr>
               <a:t> and the Y axis being the number of reports. The graph could be filtered to show each month individually. In general, there did not appear to be a major uptick in reported crimes on full moons.</a:t>
-            </a:r>
-            <a:endParaRPr/>
-          </a:p>
-        </p:txBody>
-      </p:sp>
-    </p:spTree>
-  </p:cSld>
-  <p:clrMapOvr>
-    <a:masterClrMapping/>
-  </p:clrMapOvr>
-</p:notes>
-</file>
-
-<file path=ppt/notesSlides/notesSlide19.xml><?xml version="1.0" encoding="utf-8"?>
-<p:notes xmlns:a="http://schemas.openxmlformats.org/drawingml/2006/main" xmlns:r="http://schemas.openxmlformats.org/officeDocument/2006/relationships" xmlns:mc="http://schemas.openxmlformats.org/markup-compatibility/2006" xmlns:mv="urn:schemas-microsoft-com:mac:vml" xmlns:p="http://schemas.openxmlformats.org/presentationml/2006/main" xmlns:c="http://schemas.openxmlformats.org/drawingml/2006/chart" xmlns:dgm="http://schemas.openxmlformats.org/drawingml/2006/diagram" xmlns:o="urn:schemas-microsoft-com:office:office" xmlns:v="urn:schemas-microsoft-com:vml" xmlns:pvml="urn:schemas-microsoft-com:office:powerpoint" xmlns:com="http://schemas.openxmlformats.org/drawingml/2006/compatibility" xmlns:p14="http://schemas.microsoft.com/office/powerpoint/2010/main" xmlns:p15="http://schemas.microsoft.com/office/powerpoint/2012/main" xmlns:ahyp="http://schemas.microsoft.com/office/drawing/2018/hyperlinkcolor" showMasterPhAnim="0" showMasterSp="0">
-  <p:cSld>
-    <p:spTree>
-      <p:nvGrpSpPr>
-        <p:cNvPr id="284" name="Shape 284"/>
-        <p:cNvGrpSpPr/>
-        <p:nvPr/>
-      </p:nvGrpSpPr>
-      <p:grpSpPr>
-        <a:xfrm>
-          <a:off x="0" y="0"/>
-          <a:ext cx="0" cy="0"/>
-          <a:chOff x="0" y="0"/>
-          <a:chExt cx="0" cy="0"/>
-        </a:xfrm>
-      </p:grpSpPr>
-      <p:sp>
-        <p:nvSpPr>
-          <p:cNvPr id="285" name="Google Shape;285;g152175e3203_0_203:notes"/>
-          <p:cNvSpPr/>
-          <p:nvPr>
-            <p:ph idx="2" type="sldImg"/>
-          </p:nvPr>
-        </p:nvSpPr>
-        <p:spPr>
-          <a:xfrm>
-            <a:off x="381300" y="685800"/>
-            <a:ext cx="6096000" cy="3429000"/>
-          </a:xfrm>
-          <a:custGeom>
-            <a:rect b="b" l="l" r="r" t="t"/>
-            <a:pathLst>
-              <a:path extrusionOk="0" h="120000" w="120000">
-                <a:moveTo>
-                  <a:pt x="0" y="0"/>
-                </a:moveTo>
-                <a:lnTo>
-                  <a:pt x="120000" y="0"/>
-                </a:lnTo>
-                <a:lnTo>
-                  <a:pt x="120000" y="120000"/>
-                </a:lnTo>
-                <a:lnTo>
-                  <a:pt x="0" y="120000"/>
-                </a:lnTo>
-                <a:close/>
-              </a:path>
-            </a:pathLst>
-          </a:custGeom>
-        </p:spPr>
-      </p:sp>
-      <p:sp>
-        <p:nvSpPr>
-          <p:cNvPr id="286" name="Google Shape;286;g152175e3203_0_203:notes"/>
-          <p:cNvSpPr txBox="1"/>
-          <p:nvPr>
-            <p:ph idx="1" type="body"/>
-          </p:nvPr>
-        </p:nvSpPr>
-        <p:spPr>
-          <a:xfrm>
-            <a:off x="685800" y="4343400"/>
-            <a:ext cx="5486400" cy="4114800"/>
-          </a:xfrm>
-          <a:prstGeom prst="rect">
-            <a:avLst/>
-          </a:prstGeom>
-        </p:spPr>
-        <p:txBody>
-          <a:bodyPr anchorCtr="0" anchor="t" bIns="91425" lIns="91425" spcFirstLastPara="1" rIns="91425" wrap="square" tIns="91425">
-            <a:noAutofit/>
-          </a:bodyPr>
-          <a:lstStyle/>
-          <a:p>
-            <a:pPr indent="0" lvl="0" marL="0" rtl="0" algn="l">
-              <a:spcBef>
-                <a:spcPts val="0"/>
-              </a:spcBef>
-              <a:spcAft>
-                <a:spcPts val="0"/>
-              </a:spcAft>
-              <a:buNone/>
-            </a:pPr>
-            <a:r>
-              <a:rPr lang="en" sz="1200">
-                <a:solidFill>
-                  <a:srgbClr val="24292F"/>
-                </a:solidFill>
-                <a:highlight>
-                  <a:srgbClr val="FFFFFF"/>
-                </a:highlight>
-              </a:rPr>
-              <a:t>Lauren: Last, the same line chart was created to see if more firearms were used during full moons. Again, in general there did not seem to be a major increase.</a:t>
             </a:r>
             <a:endParaRPr/>
           </a:p>
@@ -2108,7 +2102,7 @@
   <p:cSld>
     <p:spTree>
       <p:nvGrpSpPr>
-        <p:cNvPr id="290" name="Shape 290"/>
+        <p:cNvPr id="289" name="Shape 289"/>
         <p:cNvGrpSpPr/>
         <p:nvPr/>
       </p:nvGrpSpPr>
@@ -2122,7 +2116,7 @@
       </p:grpSpPr>
       <p:sp>
         <p:nvSpPr>
-          <p:cNvPr id="291" name="Google Shape;291;g152175e3203_0_213:notes"/>
+          <p:cNvPr id="290" name="Google Shape;290;g152175e3203_0_203:notes"/>
           <p:cNvSpPr/>
           <p:nvPr>
             <p:ph idx="2" type="sldImg"/>
@@ -2157,7 +2151,7 @@
       </p:sp>
       <p:sp>
         <p:nvSpPr>
-          <p:cNvPr id="292" name="Google Shape;292;g152175e3203_0_213:notes"/>
+          <p:cNvPr id="291" name="Google Shape;291;g152175e3203_0_203:notes"/>
           <p:cNvSpPr txBox="1"/>
           <p:nvPr>
             <p:ph idx="1" type="body"/>
@@ -2188,8 +2182,15 @@
               <a:buNone/>
             </a:pPr>
             <a:r>
-              <a:rPr lang="en"/>
-              <a:t>Lauren: Discuss or list technologies utilized.</a:t>
+              <a:rPr lang="en" sz="1200">
+                <a:solidFill>
+                  <a:srgbClr val="24292F"/>
+                </a:solidFill>
+                <a:highlight>
+                  <a:srgbClr val="FFFFFF"/>
+                </a:highlight>
+              </a:rPr>
+              <a:t>Lauren: Last, the same line chart was created to see if more firearms were used during full moons. Again, in general there did not seem to be a major increase.</a:t>
             </a:r>
             <a:endParaRPr/>
           </a:p>
@@ -2208,7 +2209,7 @@
   <p:cSld>
     <p:spTree>
       <p:nvGrpSpPr>
-        <p:cNvPr id="311" name="Shape 311"/>
+        <p:cNvPr id="295" name="Shape 295"/>
         <p:cNvGrpSpPr/>
         <p:nvPr/>
       </p:nvGrpSpPr>
@@ -2222,7 +2223,7 @@
       </p:grpSpPr>
       <p:sp>
         <p:nvSpPr>
-          <p:cNvPr id="312" name="Google Shape;312;g152175e3203_0_260:notes"/>
+          <p:cNvPr id="296" name="Google Shape;296;g152175e3203_0_213:notes"/>
           <p:cNvSpPr/>
           <p:nvPr>
             <p:ph idx="2" type="sldImg"/>
@@ -2257,7 +2258,7 @@
       </p:sp>
       <p:sp>
         <p:nvSpPr>
-          <p:cNvPr id="313" name="Google Shape;313;g152175e3203_0_260:notes"/>
+          <p:cNvPr id="297" name="Google Shape;297;g152175e3203_0_213:notes"/>
           <p:cNvSpPr txBox="1"/>
           <p:nvPr>
             <p:ph idx="1" type="body"/>
@@ -2289,18 +2290,7 @@
             </a:pPr>
             <a:r>
               <a:rPr lang="en"/>
-              <a:t>Jessica: (Explain basic setup of our machine learning models, feel free to show examples of code utilized if wanted.) </a:t>
-            </a:r>
-            <a:r>
-              <a:rPr lang="en" sz="1150">
-                <a:solidFill>
-                  <a:srgbClr val="1D1C1D"/>
-                </a:solidFill>
-                <a:highlight>
-                  <a:srgbClr val="F8F8F8"/>
-                </a:highlight>
-              </a:rPr>
-              <a:t>Because both datasets were categorical, we decided to use Logistic Regression Models for Machine Learning. Our hope to prove a correlation between the zodiac signs and crime were sadly not validated using the Logistic Regression models.</a:t>
+              <a:t>Lauren: Discuss or list technologies utilized.</a:t>
             </a:r>
             <a:endParaRPr/>
           </a:p>
@@ -2319,7 +2309,7 @@
   <p:cSld>
     <p:spTree>
       <p:nvGrpSpPr>
-        <p:cNvPr id="331" name="Shape 331"/>
+        <p:cNvPr id="316" name="Shape 316"/>
         <p:cNvGrpSpPr/>
         <p:nvPr/>
       </p:nvGrpSpPr>
@@ -2333,7 +2323,7 @@
       </p:grpSpPr>
       <p:sp>
         <p:nvSpPr>
-          <p:cNvPr id="332" name="Google Shape;332;g152175e3203_0_233:notes"/>
+          <p:cNvPr id="317" name="Google Shape;317;g152175e3203_0_260:notes"/>
           <p:cNvSpPr/>
           <p:nvPr>
             <p:ph idx="2" type="sldImg"/>
@@ -2368,7 +2358,7 @@
       </p:sp>
       <p:sp>
         <p:nvSpPr>
-          <p:cNvPr id="333" name="Google Shape;333;g152175e3203_0_233:notes"/>
+          <p:cNvPr id="318" name="Google Shape;318;g152175e3203_0_260:notes"/>
           <p:cNvSpPr txBox="1"/>
           <p:nvPr>
             <p:ph idx="1" type="body"/>
@@ -2399,6 +2389,10 @@
               <a:buNone/>
             </a:pPr>
             <a:r>
+              <a:rPr lang="en"/>
+              <a:t>Jessica: (Explain basic setup of our machine learning models, feel free to show examples of code utilized if wanted.) </a:t>
+            </a:r>
+            <a:r>
               <a:rPr lang="en" sz="1150">
                 <a:solidFill>
                   <a:srgbClr val="1D1C1D"/>
@@ -2407,7 +2401,7 @@
                   <a:srgbClr val="F8F8F8"/>
                 </a:highlight>
               </a:rPr>
-              <a:t>Jessica: The accuracy of the model on the Kansas City Crime dataset was only 11% after making some adjustments to the original model’s train_test_split and standardizing the data. A shuffle of the data was also performed to test for better results in case the issue was with how the data was organized before it was run through the model.</a:t>
+              <a:t>Because both datasets were categorical, we decided to use Logistic Regression Models for Machine Learning. Our hope to prove a correlation between the zodiac signs and crime were sadly not validated using the Logistic Regression models.</a:t>
             </a:r>
             <a:endParaRPr/>
           </a:p>
@@ -2426,7 +2420,7 @@
   <p:cSld>
     <p:spTree>
       <p:nvGrpSpPr>
-        <p:cNvPr id="351" name="Shape 351"/>
+        <p:cNvPr id="336" name="Shape 336"/>
         <p:cNvGrpSpPr/>
         <p:nvPr/>
       </p:nvGrpSpPr>
@@ -2440,7 +2434,7 @@
       </p:grpSpPr>
       <p:sp>
         <p:nvSpPr>
-          <p:cNvPr id="352" name="Google Shape;352;g152175e3203_0_254:notes"/>
+          <p:cNvPr id="337" name="Google Shape;337;g152175e3203_0_233:notes"/>
           <p:cNvSpPr/>
           <p:nvPr>
             <p:ph idx="2" type="sldImg"/>
@@ -2475,7 +2469,114 @@
       </p:sp>
       <p:sp>
         <p:nvSpPr>
-          <p:cNvPr id="353" name="Google Shape;353;g152175e3203_0_254:notes"/>
+          <p:cNvPr id="338" name="Google Shape;338;g152175e3203_0_233:notes"/>
+          <p:cNvSpPr txBox="1"/>
+          <p:nvPr>
+            <p:ph idx="1" type="body"/>
+          </p:nvPr>
+        </p:nvSpPr>
+        <p:spPr>
+          <a:xfrm>
+            <a:off x="685800" y="4343400"/>
+            <a:ext cx="5486400" cy="4114800"/>
+          </a:xfrm>
+          <a:prstGeom prst="rect">
+            <a:avLst/>
+          </a:prstGeom>
+        </p:spPr>
+        <p:txBody>
+          <a:bodyPr anchorCtr="0" anchor="t" bIns="91425" lIns="91425" spcFirstLastPara="1" rIns="91425" wrap="square" tIns="91425">
+            <a:noAutofit/>
+          </a:bodyPr>
+          <a:lstStyle/>
+          <a:p>
+            <a:pPr indent="0" lvl="0" marL="0" rtl="0" algn="l">
+              <a:spcBef>
+                <a:spcPts val="0"/>
+              </a:spcBef>
+              <a:spcAft>
+                <a:spcPts val="0"/>
+              </a:spcAft>
+              <a:buNone/>
+            </a:pPr>
+            <a:r>
+              <a:rPr lang="en" sz="1150">
+                <a:solidFill>
+                  <a:srgbClr val="1D1C1D"/>
+                </a:solidFill>
+                <a:highlight>
+                  <a:srgbClr val="F8F8F8"/>
+                </a:highlight>
+              </a:rPr>
+              <a:t>Jessica: The accuracy of the model on the Kansas City Crime dataset was only 11% after making some adjustments to the original model’s train_test_split and standardizing the data. A shuffle of the data was also performed to test for better results in case the issue was with how the data was organized before it was run through the model.</a:t>
+            </a:r>
+            <a:endParaRPr/>
+          </a:p>
+        </p:txBody>
+      </p:sp>
+    </p:spTree>
+  </p:cSld>
+  <p:clrMapOvr>
+    <a:masterClrMapping/>
+  </p:clrMapOvr>
+</p:notes>
+</file>
+
+<file path=ppt/notesSlides/notesSlide24.xml><?xml version="1.0" encoding="utf-8"?>
+<p:notes xmlns:a="http://schemas.openxmlformats.org/drawingml/2006/main" xmlns:r="http://schemas.openxmlformats.org/officeDocument/2006/relationships" xmlns:mc="http://schemas.openxmlformats.org/markup-compatibility/2006" xmlns:mv="urn:schemas-microsoft-com:mac:vml" xmlns:p="http://schemas.openxmlformats.org/presentationml/2006/main" xmlns:c="http://schemas.openxmlformats.org/drawingml/2006/chart" xmlns:dgm="http://schemas.openxmlformats.org/drawingml/2006/diagram" xmlns:o="urn:schemas-microsoft-com:office:office" xmlns:v="urn:schemas-microsoft-com:vml" xmlns:pvml="urn:schemas-microsoft-com:office:powerpoint" xmlns:com="http://schemas.openxmlformats.org/drawingml/2006/compatibility" xmlns:p14="http://schemas.microsoft.com/office/powerpoint/2010/main" xmlns:p15="http://schemas.microsoft.com/office/powerpoint/2012/main" xmlns:ahyp="http://schemas.microsoft.com/office/drawing/2018/hyperlinkcolor" showMasterPhAnim="0" showMasterSp="0">
+  <p:cSld>
+    <p:spTree>
+      <p:nvGrpSpPr>
+        <p:cNvPr id="356" name="Shape 356"/>
+        <p:cNvGrpSpPr/>
+        <p:nvPr/>
+      </p:nvGrpSpPr>
+      <p:grpSpPr>
+        <a:xfrm>
+          <a:off x="0" y="0"/>
+          <a:ext cx="0" cy="0"/>
+          <a:chOff x="0" y="0"/>
+          <a:chExt cx="0" cy="0"/>
+        </a:xfrm>
+      </p:grpSpPr>
+      <p:sp>
+        <p:nvSpPr>
+          <p:cNvPr id="357" name="Google Shape;357;g152175e3203_0_254:notes"/>
+          <p:cNvSpPr/>
+          <p:nvPr>
+            <p:ph idx="2" type="sldImg"/>
+          </p:nvPr>
+        </p:nvSpPr>
+        <p:spPr>
+          <a:xfrm>
+            <a:off x="381300" y="685800"/>
+            <a:ext cx="6096000" cy="3429000"/>
+          </a:xfrm>
+          <a:custGeom>
+            <a:rect b="b" l="l" r="r" t="t"/>
+            <a:pathLst>
+              <a:path extrusionOk="0" h="120000" w="120000">
+                <a:moveTo>
+                  <a:pt x="0" y="0"/>
+                </a:moveTo>
+                <a:lnTo>
+                  <a:pt x="120000" y="0"/>
+                </a:lnTo>
+                <a:lnTo>
+                  <a:pt x="120000" y="120000"/>
+                </a:lnTo>
+                <a:lnTo>
+                  <a:pt x="0" y="120000"/>
+                </a:lnTo>
+                <a:close/>
+              </a:path>
+            </a:pathLst>
+          </a:custGeom>
+        </p:spPr>
+      </p:sp>
+      <p:sp>
+        <p:nvSpPr>
+          <p:cNvPr id="358" name="Google Shape;358;g152175e3203_0_254:notes"/>
           <p:cNvSpPr txBox="1"/>
           <p:nvPr>
             <p:ph idx="1" type="body"/>
@@ -2573,12 +2674,12 @@
 </p:notes>
 </file>
 
-<file path=ppt/notesSlides/notesSlide24.xml><?xml version="1.0" encoding="utf-8"?>
+<file path=ppt/notesSlides/notesSlide25.xml><?xml version="1.0" encoding="utf-8"?>
 <p:notes xmlns:a="http://schemas.openxmlformats.org/drawingml/2006/main" xmlns:r="http://schemas.openxmlformats.org/officeDocument/2006/relationships" xmlns:mc="http://schemas.openxmlformats.org/markup-compatibility/2006" xmlns:mv="urn:schemas-microsoft-com:mac:vml" xmlns:p="http://schemas.openxmlformats.org/presentationml/2006/main" xmlns:c="http://schemas.openxmlformats.org/drawingml/2006/chart" xmlns:dgm="http://schemas.openxmlformats.org/drawingml/2006/diagram" xmlns:o="urn:schemas-microsoft-com:office:office" xmlns:v="urn:schemas-microsoft-com:vml" xmlns:pvml="urn:schemas-microsoft-com:office:powerpoint" xmlns:com="http://schemas.openxmlformats.org/drawingml/2006/compatibility" xmlns:p14="http://schemas.microsoft.com/office/powerpoint/2010/main" xmlns:p15="http://schemas.microsoft.com/office/powerpoint/2012/main" xmlns:ahyp="http://schemas.microsoft.com/office/drawing/2018/hyperlinkcolor" showMasterPhAnim="0" showMasterSp="0">
   <p:cSld>
     <p:spTree>
       <p:nvGrpSpPr>
-        <p:cNvPr id="371" name="Shape 371"/>
+        <p:cNvPr id="376" name="Shape 376"/>
         <p:cNvGrpSpPr/>
         <p:nvPr/>
       </p:nvGrpSpPr>
@@ -2592,7 +2693,7 @@
       </p:grpSpPr>
       <p:sp>
         <p:nvSpPr>
-          <p:cNvPr id="372" name="Google Shape;372;g152175e3203_0_294:notes"/>
+          <p:cNvPr id="377" name="Google Shape;377;g152175e3203_0_294:notes"/>
           <p:cNvSpPr/>
           <p:nvPr>
             <p:ph idx="2" type="sldImg"/>
@@ -2627,7 +2728,7 @@
       </p:sp>
       <p:sp>
         <p:nvSpPr>
-          <p:cNvPr id="373" name="Google Shape;373;g152175e3203_0_294:notes"/>
+          <p:cNvPr id="378" name="Google Shape;378;g152175e3203_0_294:notes"/>
           <p:cNvSpPr txBox="1"/>
           <p:nvPr>
             <p:ph idx="1" type="body"/>
@@ -2673,12 +2774,12 @@
 </p:notes>
 </file>
 
-<file path=ppt/notesSlides/notesSlide25.xml><?xml version="1.0" encoding="utf-8"?>
+<file path=ppt/notesSlides/notesSlide26.xml><?xml version="1.0" encoding="utf-8"?>
 <p:notes xmlns:a="http://schemas.openxmlformats.org/drawingml/2006/main" xmlns:r="http://schemas.openxmlformats.org/officeDocument/2006/relationships" xmlns:mc="http://schemas.openxmlformats.org/markup-compatibility/2006" xmlns:mv="urn:schemas-microsoft-com:mac:vml" xmlns:p="http://schemas.openxmlformats.org/presentationml/2006/main" xmlns:c="http://schemas.openxmlformats.org/drawingml/2006/chart" xmlns:dgm="http://schemas.openxmlformats.org/drawingml/2006/diagram" xmlns:o="urn:schemas-microsoft-com:office:office" xmlns:v="urn:schemas-microsoft-com:vml" xmlns:pvml="urn:schemas-microsoft-com:office:powerpoint" xmlns:com="http://schemas.openxmlformats.org/drawingml/2006/compatibility" xmlns:p14="http://schemas.microsoft.com/office/powerpoint/2010/main" xmlns:p15="http://schemas.microsoft.com/office/powerpoint/2012/main" xmlns:ahyp="http://schemas.microsoft.com/office/drawing/2018/hyperlinkcolor" showMasterPhAnim="0" showMasterSp="0">
   <p:cSld>
     <p:spTree>
       <p:nvGrpSpPr>
-        <p:cNvPr id="391" name="Shape 391"/>
+        <p:cNvPr id="396" name="Shape 396"/>
         <p:cNvGrpSpPr/>
         <p:nvPr/>
       </p:nvGrpSpPr>
@@ -2692,7 +2793,7 @@
       </p:grpSpPr>
       <p:sp>
         <p:nvSpPr>
-          <p:cNvPr id="392" name="Google Shape;392;g152175e3203_0_313:notes"/>
+          <p:cNvPr id="397" name="Google Shape;397;g152175e3203_0_313:notes"/>
           <p:cNvSpPr/>
           <p:nvPr>
             <p:ph idx="2" type="sldImg"/>
@@ -2727,7 +2828,7 @@
       </p:sp>
       <p:sp>
         <p:nvSpPr>
-          <p:cNvPr id="393" name="Google Shape;393;g152175e3203_0_313:notes"/>
+          <p:cNvPr id="398" name="Google Shape;398;g152175e3203_0_313:notes"/>
           <p:cNvSpPr txBox="1"/>
           <p:nvPr>
             <p:ph idx="1" type="body"/>
@@ -2780,12 +2881,12 @@
 </p:notes>
 </file>
 
-<file path=ppt/notesSlides/notesSlide26.xml><?xml version="1.0" encoding="utf-8"?>
+<file path=ppt/notesSlides/notesSlide27.xml><?xml version="1.0" encoding="utf-8"?>
 <p:notes xmlns:a="http://schemas.openxmlformats.org/drawingml/2006/main" xmlns:r="http://schemas.openxmlformats.org/officeDocument/2006/relationships" xmlns:mc="http://schemas.openxmlformats.org/markup-compatibility/2006" xmlns:mv="urn:schemas-microsoft-com:mac:vml" xmlns:p="http://schemas.openxmlformats.org/presentationml/2006/main" xmlns:c="http://schemas.openxmlformats.org/drawingml/2006/chart" xmlns:dgm="http://schemas.openxmlformats.org/drawingml/2006/diagram" xmlns:o="urn:schemas-microsoft-com:office:office" xmlns:v="urn:schemas-microsoft-com:vml" xmlns:pvml="urn:schemas-microsoft-com:office:powerpoint" xmlns:com="http://schemas.openxmlformats.org/drawingml/2006/compatibility" xmlns:p14="http://schemas.microsoft.com/office/powerpoint/2010/main" xmlns:p15="http://schemas.microsoft.com/office/powerpoint/2012/main" xmlns:ahyp="http://schemas.microsoft.com/office/drawing/2018/hyperlinkcolor" showMasterPhAnim="0" showMasterSp="0">
   <p:cSld>
     <p:spTree>
       <p:nvGrpSpPr>
-        <p:cNvPr id="411" name="Shape 411"/>
+        <p:cNvPr id="416" name="Shape 416"/>
         <p:cNvGrpSpPr/>
         <p:nvPr/>
       </p:nvGrpSpPr>
@@ -2799,7 +2900,7 @@
       </p:grpSpPr>
       <p:sp>
         <p:nvSpPr>
-          <p:cNvPr id="412" name="Google Shape;412;g152175e3203_0_334:notes"/>
+          <p:cNvPr id="417" name="Google Shape;417;g152175e3203_0_334:notes"/>
           <p:cNvSpPr/>
           <p:nvPr>
             <p:ph idx="2" type="sldImg"/>
@@ -2834,7 +2935,7 @@
       </p:sp>
       <p:sp>
         <p:nvSpPr>
-          <p:cNvPr id="413" name="Google Shape;413;g152175e3203_0_334:notes"/>
+          <p:cNvPr id="418" name="Google Shape;418;g152175e3203_0_334:notes"/>
           <p:cNvSpPr txBox="1"/>
           <p:nvPr>
             <p:ph idx="1" type="body"/>
@@ -2880,12 +2981,12 @@
 </p:notes>
 </file>
 
-<file path=ppt/notesSlides/notesSlide27.xml><?xml version="1.0" encoding="utf-8"?>
+<file path=ppt/notesSlides/notesSlide28.xml><?xml version="1.0" encoding="utf-8"?>
 <p:notes xmlns:a="http://schemas.openxmlformats.org/drawingml/2006/main" xmlns:r="http://schemas.openxmlformats.org/officeDocument/2006/relationships" xmlns:mc="http://schemas.openxmlformats.org/markup-compatibility/2006" xmlns:mv="urn:schemas-microsoft-com:mac:vml" xmlns:p="http://schemas.openxmlformats.org/presentationml/2006/main" xmlns:c="http://schemas.openxmlformats.org/drawingml/2006/chart" xmlns:dgm="http://schemas.openxmlformats.org/drawingml/2006/diagram" xmlns:o="urn:schemas-microsoft-com:office:office" xmlns:v="urn:schemas-microsoft-com:vml" xmlns:pvml="urn:schemas-microsoft-com:office:powerpoint" xmlns:com="http://schemas.openxmlformats.org/drawingml/2006/compatibility" xmlns:p14="http://schemas.microsoft.com/office/powerpoint/2010/main" xmlns:p15="http://schemas.microsoft.com/office/powerpoint/2012/main" xmlns:ahyp="http://schemas.microsoft.com/office/drawing/2018/hyperlinkcolor" showMasterPhAnim="0" showMasterSp="0">
   <p:cSld>
     <p:spTree>
       <p:nvGrpSpPr>
-        <p:cNvPr id="431" name="Shape 431"/>
+        <p:cNvPr id="436" name="Shape 436"/>
         <p:cNvGrpSpPr/>
         <p:nvPr/>
       </p:nvGrpSpPr>
@@ -2899,7 +3000,7 @@
       </p:grpSpPr>
       <p:sp>
         <p:nvSpPr>
-          <p:cNvPr id="432" name="Google Shape;432;g152175e3203_0_339:notes"/>
+          <p:cNvPr id="437" name="Google Shape;437;g152175e3203_0_339:notes"/>
           <p:cNvSpPr/>
           <p:nvPr>
             <p:ph idx="2" type="sldImg"/>
@@ -2934,7 +3035,7 @@
       </p:sp>
       <p:sp>
         <p:nvSpPr>
-          <p:cNvPr id="433" name="Google Shape;433;g152175e3203_0_339:notes"/>
+          <p:cNvPr id="438" name="Google Shape;438;g152175e3203_0_339:notes"/>
           <p:cNvSpPr txBox="1"/>
           <p:nvPr>
             <p:ph idx="1" type="body"/>
@@ -2989,12 +3090,12 @@
 </p:notes>
 </file>
 
-<file path=ppt/notesSlides/notesSlide28.xml><?xml version="1.0" encoding="utf-8"?>
+<file path=ppt/notesSlides/notesSlide29.xml><?xml version="1.0" encoding="utf-8"?>
 <p:notes xmlns:a="http://schemas.openxmlformats.org/drawingml/2006/main" xmlns:r="http://schemas.openxmlformats.org/officeDocument/2006/relationships" xmlns:mc="http://schemas.openxmlformats.org/markup-compatibility/2006" xmlns:mv="urn:schemas-microsoft-com:mac:vml" xmlns:p="http://schemas.openxmlformats.org/presentationml/2006/main" xmlns:c="http://schemas.openxmlformats.org/drawingml/2006/chart" xmlns:dgm="http://schemas.openxmlformats.org/drawingml/2006/diagram" xmlns:o="urn:schemas-microsoft-com:office:office" xmlns:v="urn:schemas-microsoft-com:vml" xmlns:pvml="urn:schemas-microsoft-com:office:powerpoint" xmlns:com="http://schemas.openxmlformats.org/drawingml/2006/compatibility" xmlns:p14="http://schemas.microsoft.com/office/powerpoint/2010/main" xmlns:p15="http://schemas.microsoft.com/office/powerpoint/2012/main" xmlns:ahyp="http://schemas.microsoft.com/office/drawing/2018/hyperlinkcolor" showMasterPhAnim="0" showMasterSp="0">
   <p:cSld>
     <p:spTree>
       <p:nvGrpSpPr>
-        <p:cNvPr id="450" name="Shape 450"/>
+        <p:cNvPr id="455" name="Shape 455"/>
         <p:cNvGrpSpPr/>
         <p:nvPr/>
       </p:nvGrpSpPr>
@@ -3008,7 +3109,7 @@
       </p:grpSpPr>
       <p:sp>
         <p:nvSpPr>
-          <p:cNvPr id="451" name="Google Shape;451;g152175e3203_0_379:notes"/>
+          <p:cNvPr id="456" name="Google Shape;456;g152175e3203_0_379:notes"/>
           <p:cNvSpPr/>
           <p:nvPr>
             <p:ph idx="2" type="sldImg"/>
@@ -3043,7 +3144,7 @@
       </p:sp>
       <p:sp>
         <p:nvSpPr>
-          <p:cNvPr id="452" name="Google Shape;452;g152175e3203_0_379:notes"/>
+          <p:cNvPr id="457" name="Google Shape;457;g152175e3203_0_379:notes"/>
           <p:cNvSpPr txBox="1"/>
           <p:nvPr>
             <p:ph idx="1" type="body"/>
@@ -9363,6 +9464,124 @@
         </p:nvSpPr>
         <p:spPr>
           <a:xfrm>
+            <a:off x="311700" y="2150850"/>
+            <a:ext cx="8520600" cy="841800"/>
+          </a:xfrm>
+          <a:prstGeom prst="rect">
+            <a:avLst/>
+          </a:prstGeom>
+        </p:spPr>
+        <p:txBody>
+          <a:bodyPr anchorCtr="0" anchor="ctr" bIns="91425" lIns="91425" spcFirstLastPara="1" rIns="91425" wrap="square" tIns="91425">
+            <a:normAutofit fontScale="90000"/>
+          </a:bodyPr>
+          <a:lstStyle/>
+          <a:p>
+            <a:pPr indent="0" lvl="0" marL="0" rtl="0" algn="ctr">
+              <a:spcBef>
+                <a:spcPts val="0"/>
+              </a:spcBef>
+              <a:spcAft>
+                <a:spcPts val="0"/>
+              </a:spcAft>
+              <a:buNone/>
+            </a:pPr>
+            <a:r>
+              <a:rPr b="1" lang="en">
+                <a:solidFill>
+                  <a:schemeClr val="lt1"/>
+                </a:solidFill>
+                <a:latin typeface="Times New Roman"/>
+                <a:ea typeface="Times New Roman"/>
+                <a:cs typeface="Times New Roman"/>
+                <a:sym typeface="Times New Roman"/>
+              </a:rPr>
+              <a:t>Analysis Phase - Tableau Presentation</a:t>
+            </a:r>
+            <a:endParaRPr b="1">
+              <a:solidFill>
+                <a:schemeClr val="lt1"/>
+              </a:solidFill>
+              <a:latin typeface="Times New Roman"/>
+              <a:ea typeface="Times New Roman"/>
+              <a:cs typeface="Times New Roman"/>
+              <a:sym typeface="Times New Roman"/>
+            </a:endParaRPr>
+          </a:p>
+          <a:p>
+            <a:pPr indent="0" lvl="0" marL="0" rtl="0" algn="ctr">
+              <a:spcBef>
+                <a:spcPts val="0"/>
+              </a:spcBef>
+              <a:spcAft>
+                <a:spcPts val="0"/>
+              </a:spcAft>
+              <a:buNone/>
+            </a:pPr>
+            <a:r>
+              <a:rPr lang="en" u="sng">
+                <a:solidFill>
+                  <a:schemeClr val="hlink"/>
+                </a:solidFill>
+                <a:latin typeface="Times New Roman"/>
+                <a:ea typeface="Times New Roman"/>
+                <a:cs typeface="Times New Roman"/>
+                <a:sym typeface="Times New Roman"/>
+                <a:hlinkClick r:id="rId3"/>
+              </a:rPr>
+              <a:t>Tableau Link Here</a:t>
+            </a:r>
+            <a:endParaRPr>
+              <a:latin typeface="Times New Roman"/>
+              <a:ea typeface="Times New Roman"/>
+              <a:cs typeface="Times New Roman"/>
+              <a:sym typeface="Times New Roman"/>
+            </a:endParaRPr>
+          </a:p>
+        </p:txBody>
+      </p:sp>
+    </p:spTree>
+  </p:cSld>
+  <p:clrMapOvr>
+    <a:masterClrMapping/>
+  </p:clrMapOvr>
+</p:sld>
+</file>
+
+<file path=ppt/slides/slide12.xml><?xml version="1.0" encoding="utf-8"?>
+<p:sld xmlns:a="http://schemas.openxmlformats.org/drawingml/2006/main" xmlns:r="http://schemas.openxmlformats.org/officeDocument/2006/relationships" xmlns:mc="http://schemas.openxmlformats.org/markup-compatibility/2006" xmlns:mv="urn:schemas-microsoft-com:mac:vml" xmlns:p="http://schemas.openxmlformats.org/presentationml/2006/main" xmlns:c="http://schemas.openxmlformats.org/drawingml/2006/chart" xmlns:dgm="http://schemas.openxmlformats.org/drawingml/2006/diagram" xmlns:o="urn:schemas-microsoft-com:office:office" xmlns:v="urn:schemas-microsoft-com:vml" xmlns:pvml="urn:schemas-microsoft-com:office:powerpoint" xmlns:com="http://schemas.openxmlformats.org/drawingml/2006/compatibility" xmlns:p14="http://schemas.microsoft.com/office/powerpoint/2010/main" xmlns:p15="http://schemas.microsoft.com/office/powerpoint/2012/main" xmlns:ahyp="http://schemas.microsoft.com/office/drawing/2018/hyperlinkcolor">
+  <p:cSld>
+    <p:bg>
+      <p:bgPr>
+        <a:solidFill>
+          <a:srgbClr val="F4D58F"/>
+        </a:solidFill>
+      </p:bgPr>
+    </p:bg>
+    <p:spTree>
+      <p:nvGrpSpPr>
+        <p:cNvPr id="244" name="Shape 244"/>
+        <p:cNvGrpSpPr/>
+        <p:nvPr/>
+      </p:nvGrpSpPr>
+      <p:grpSpPr>
+        <a:xfrm>
+          <a:off x="0" y="0"/>
+          <a:ext cx="0" cy="0"/>
+          <a:chOff x="0" y="0"/>
+          <a:chExt cx="0" cy="0"/>
+        </a:xfrm>
+      </p:grpSpPr>
+      <p:sp>
+        <p:nvSpPr>
+          <p:cNvPr id="245" name="Google Shape;245;p24"/>
+          <p:cNvSpPr txBox="1"/>
+          <p:nvPr>
+            <p:ph type="title"/>
+          </p:nvPr>
+        </p:nvSpPr>
+        <p:spPr>
+          <a:xfrm>
             <a:off x="311700" y="445025"/>
             <a:ext cx="8520600" cy="572700"/>
           </a:xfrm>
@@ -9411,7 +9630,7 @@
       </p:sp>
       <p:pic>
         <p:nvPicPr>
-          <p:cNvPr id="241" name="Google Shape;241;p23"/>
+          <p:cNvPr id="246" name="Google Shape;246;p24"/>
           <p:cNvPicPr preferRelativeResize="0"/>
           <p:nvPr/>
         </p:nvPicPr>
@@ -9445,19 +9664,19 @@
 </p:sld>
 </file>
 
-<file path=ppt/slides/slide12.xml><?xml version="1.0" encoding="utf-8"?>
+<file path=ppt/slides/slide13.xml><?xml version="1.0" encoding="utf-8"?>
 <p:sld xmlns:a="http://schemas.openxmlformats.org/drawingml/2006/main" xmlns:r="http://schemas.openxmlformats.org/officeDocument/2006/relationships" xmlns:mc="http://schemas.openxmlformats.org/markup-compatibility/2006" xmlns:mv="urn:schemas-microsoft-com:mac:vml" xmlns:p="http://schemas.openxmlformats.org/presentationml/2006/main" xmlns:c="http://schemas.openxmlformats.org/drawingml/2006/chart" xmlns:dgm="http://schemas.openxmlformats.org/drawingml/2006/diagram" xmlns:o="urn:schemas-microsoft-com:office:office" xmlns:v="urn:schemas-microsoft-com:vml" xmlns:pvml="urn:schemas-microsoft-com:office:powerpoint" xmlns:com="http://schemas.openxmlformats.org/drawingml/2006/compatibility" xmlns:p14="http://schemas.microsoft.com/office/powerpoint/2010/main" xmlns:p15="http://schemas.microsoft.com/office/powerpoint/2012/main" xmlns:ahyp="http://schemas.microsoft.com/office/drawing/2018/hyperlinkcolor">
   <p:cSld>
     <p:bg>
       <p:bgPr>
         <a:solidFill>
-          <a:srgbClr val="F4D58F"/>
+          <a:srgbClr val="75CEDE"/>
         </a:solidFill>
       </p:bgPr>
     </p:bg>
     <p:spTree>
       <p:nvGrpSpPr>
-        <p:cNvPr id="245" name="Shape 245"/>
+        <p:cNvPr id="250" name="Shape 250"/>
         <p:cNvGrpSpPr/>
         <p:nvPr/>
       </p:nvGrpSpPr>
@@ -9471,7 +9690,7 @@
       </p:grpSpPr>
       <p:sp>
         <p:nvSpPr>
-          <p:cNvPr id="246" name="Google Shape;246;p24"/>
+          <p:cNvPr id="251" name="Google Shape;251;p25"/>
           <p:cNvSpPr txBox="1"/>
           <p:nvPr>
             <p:ph type="title"/>
@@ -9527,7 +9746,7 @@
       </p:sp>
       <p:pic>
         <p:nvPicPr>
-          <p:cNvPr id="247" name="Google Shape;247;p24"/>
+          <p:cNvPr id="252" name="Google Shape;252;p25"/>
           <p:cNvPicPr preferRelativeResize="0"/>
           <p:nvPr/>
         </p:nvPicPr>
@@ -9561,19 +9780,19 @@
 </p:sld>
 </file>
 
-<file path=ppt/slides/slide13.xml><?xml version="1.0" encoding="utf-8"?>
+<file path=ppt/slides/slide14.xml><?xml version="1.0" encoding="utf-8"?>
 <p:sld xmlns:a="http://schemas.openxmlformats.org/drawingml/2006/main" xmlns:r="http://schemas.openxmlformats.org/officeDocument/2006/relationships" xmlns:mc="http://schemas.openxmlformats.org/markup-compatibility/2006" xmlns:mv="urn:schemas-microsoft-com:mac:vml" xmlns:p="http://schemas.openxmlformats.org/presentationml/2006/main" xmlns:c="http://schemas.openxmlformats.org/drawingml/2006/chart" xmlns:dgm="http://schemas.openxmlformats.org/drawingml/2006/diagram" xmlns:o="urn:schemas-microsoft-com:office:office" xmlns:v="urn:schemas-microsoft-com:vml" xmlns:pvml="urn:schemas-microsoft-com:office:powerpoint" xmlns:com="http://schemas.openxmlformats.org/drawingml/2006/compatibility" xmlns:p14="http://schemas.microsoft.com/office/powerpoint/2010/main" xmlns:p15="http://schemas.microsoft.com/office/powerpoint/2012/main" xmlns:ahyp="http://schemas.microsoft.com/office/drawing/2018/hyperlinkcolor">
   <p:cSld>
     <p:bg>
       <p:bgPr>
         <a:solidFill>
-          <a:srgbClr val="75CEDE"/>
+          <a:srgbClr val="A7A4D1"/>
         </a:solidFill>
       </p:bgPr>
     </p:bg>
     <p:spTree>
       <p:nvGrpSpPr>
-        <p:cNvPr id="251" name="Shape 251"/>
+        <p:cNvPr id="256" name="Shape 256"/>
         <p:cNvGrpSpPr/>
         <p:nvPr/>
       </p:nvGrpSpPr>
@@ -9587,7 +9806,7 @@
       </p:grpSpPr>
       <p:sp>
         <p:nvSpPr>
-          <p:cNvPr id="252" name="Google Shape;252;p25"/>
+          <p:cNvPr id="257" name="Google Shape;257;p26"/>
           <p:cNvSpPr txBox="1"/>
           <p:nvPr>
             <p:ph type="title"/>
@@ -9643,7 +9862,7 @@
       </p:sp>
       <p:pic>
         <p:nvPicPr>
-          <p:cNvPr id="253" name="Google Shape;253;p25"/>
+          <p:cNvPr id="258" name="Google Shape;258;p26"/>
           <p:cNvPicPr preferRelativeResize="0"/>
           <p:nvPr/>
         </p:nvPicPr>
@@ -9677,19 +9896,19 @@
 </p:sld>
 </file>
 
-<file path=ppt/slides/slide14.xml><?xml version="1.0" encoding="utf-8"?>
+<file path=ppt/slides/slide15.xml><?xml version="1.0" encoding="utf-8"?>
 <p:sld xmlns:a="http://schemas.openxmlformats.org/drawingml/2006/main" xmlns:r="http://schemas.openxmlformats.org/officeDocument/2006/relationships" xmlns:mc="http://schemas.openxmlformats.org/markup-compatibility/2006" xmlns:mv="urn:schemas-microsoft-com:mac:vml" xmlns:p="http://schemas.openxmlformats.org/presentationml/2006/main" xmlns:c="http://schemas.openxmlformats.org/drawingml/2006/chart" xmlns:dgm="http://schemas.openxmlformats.org/drawingml/2006/diagram" xmlns:o="urn:schemas-microsoft-com:office:office" xmlns:v="urn:schemas-microsoft-com:vml" xmlns:pvml="urn:schemas-microsoft-com:office:powerpoint" xmlns:com="http://schemas.openxmlformats.org/drawingml/2006/compatibility" xmlns:p14="http://schemas.microsoft.com/office/powerpoint/2010/main" xmlns:p15="http://schemas.microsoft.com/office/powerpoint/2012/main" xmlns:ahyp="http://schemas.microsoft.com/office/drawing/2018/hyperlinkcolor">
   <p:cSld>
     <p:bg>
       <p:bgPr>
         <a:solidFill>
-          <a:srgbClr val="A7A4D1"/>
+          <a:srgbClr val="F4D58F"/>
         </a:solidFill>
       </p:bgPr>
     </p:bg>
     <p:spTree>
       <p:nvGrpSpPr>
-        <p:cNvPr id="257" name="Shape 257"/>
+        <p:cNvPr id="262" name="Shape 262"/>
         <p:cNvGrpSpPr/>
         <p:nvPr/>
       </p:nvGrpSpPr>
@@ -9703,7 +9922,7 @@
       </p:grpSpPr>
       <p:sp>
         <p:nvSpPr>
-          <p:cNvPr id="258" name="Google Shape;258;p26"/>
+          <p:cNvPr id="263" name="Google Shape;263;p27"/>
           <p:cNvSpPr txBox="1"/>
           <p:nvPr>
             <p:ph type="title"/>
@@ -9759,7 +9978,7 @@
       </p:sp>
       <p:pic>
         <p:nvPicPr>
-          <p:cNvPr id="259" name="Google Shape;259;p26"/>
+          <p:cNvPr id="264" name="Google Shape;264;p27"/>
           <p:cNvPicPr preferRelativeResize="0"/>
           <p:nvPr/>
         </p:nvPicPr>
@@ -9793,19 +10012,19 @@
 </p:sld>
 </file>
 
-<file path=ppt/slides/slide15.xml><?xml version="1.0" encoding="utf-8"?>
+<file path=ppt/slides/slide16.xml><?xml version="1.0" encoding="utf-8"?>
 <p:sld xmlns:a="http://schemas.openxmlformats.org/drawingml/2006/main" xmlns:r="http://schemas.openxmlformats.org/officeDocument/2006/relationships" xmlns:mc="http://schemas.openxmlformats.org/markup-compatibility/2006" xmlns:mv="urn:schemas-microsoft-com:mac:vml" xmlns:p="http://schemas.openxmlformats.org/presentationml/2006/main" xmlns:c="http://schemas.openxmlformats.org/drawingml/2006/chart" xmlns:dgm="http://schemas.openxmlformats.org/drawingml/2006/diagram" xmlns:o="urn:schemas-microsoft-com:office:office" xmlns:v="urn:schemas-microsoft-com:vml" xmlns:pvml="urn:schemas-microsoft-com:office:powerpoint" xmlns:com="http://schemas.openxmlformats.org/drawingml/2006/compatibility" xmlns:p14="http://schemas.microsoft.com/office/powerpoint/2010/main" xmlns:p15="http://schemas.microsoft.com/office/powerpoint/2012/main" xmlns:ahyp="http://schemas.microsoft.com/office/drawing/2018/hyperlinkcolor">
   <p:cSld>
     <p:bg>
       <p:bgPr>
         <a:solidFill>
-          <a:srgbClr val="F4D58F"/>
+          <a:srgbClr val="75CEDE"/>
         </a:solidFill>
       </p:bgPr>
     </p:bg>
     <p:spTree>
       <p:nvGrpSpPr>
-        <p:cNvPr id="263" name="Shape 263"/>
+        <p:cNvPr id="268" name="Shape 268"/>
         <p:cNvGrpSpPr/>
         <p:nvPr/>
       </p:nvGrpSpPr>
@@ -9819,7 +10038,7 @@
       </p:grpSpPr>
       <p:sp>
         <p:nvSpPr>
-          <p:cNvPr id="264" name="Google Shape;264;p27"/>
+          <p:cNvPr id="269" name="Google Shape;269;p28"/>
           <p:cNvSpPr txBox="1"/>
           <p:nvPr>
             <p:ph type="title"/>
@@ -9875,7 +10094,7 @@
       </p:sp>
       <p:pic>
         <p:nvPicPr>
-          <p:cNvPr id="265" name="Google Shape;265;p27"/>
+          <p:cNvPr id="270" name="Google Shape;270;p28"/>
           <p:cNvPicPr preferRelativeResize="0"/>
           <p:nvPr/>
         </p:nvPicPr>
@@ -9909,19 +10128,19 @@
 </p:sld>
 </file>
 
-<file path=ppt/slides/slide16.xml><?xml version="1.0" encoding="utf-8"?>
+<file path=ppt/slides/slide17.xml><?xml version="1.0" encoding="utf-8"?>
 <p:sld xmlns:a="http://schemas.openxmlformats.org/drawingml/2006/main" xmlns:r="http://schemas.openxmlformats.org/officeDocument/2006/relationships" xmlns:mc="http://schemas.openxmlformats.org/markup-compatibility/2006" xmlns:mv="urn:schemas-microsoft-com:mac:vml" xmlns:p="http://schemas.openxmlformats.org/presentationml/2006/main" xmlns:c="http://schemas.openxmlformats.org/drawingml/2006/chart" xmlns:dgm="http://schemas.openxmlformats.org/drawingml/2006/diagram" xmlns:o="urn:schemas-microsoft-com:office:office" xmlns:v="urn:schemas-microsoft-com:vml" xmlns:pvml="urn:schemas-microsoft-com:office:powerpoint" xmlns:com="http://schemas.openxmlformats.org/drawingml/2006/compatibility" xmlns:p14="http://schemas.microsoft.com/office/powerpoint/2010/main" xmlns:p15="http://schemas.microsoft.com/office/powerpoint/2012/main" xmlns:ahyp="http://schemas.microsoft.com/office/drawing/2018/hyperlinkcolor">
   <p:cSld>
     <p:bg>
       <p:bgPr>
         <a:solidFill>
-          <a:srgbClr val="75CEDE"/>
+          <a:srgbClr val="A7A4D1"/>
         </a:solidFill>
       </p:bgPr>
     </p:bg>
     <p:spTree>
       <p:nvGrpSpPr>
-        <p:cNvPr id="269" name="Shape 269"/>
+        <p:cNvPr id="274" name="Shape 274"/>
         <p:cNvGrpSpPr/>
         <p:nvPr/>
       </p:nvGrpSpPr>
@@ -9935,7 +10154,7 @@
       </p:grpSpPr>
       <p:sp>
         <p:nvSpPr>
-          <p:cNvPr id="270" name="Google Shape;270;p28"/>
+          <p:cNvPr id="275" name="Google Shape;275;p29"/>
           <p:cNvSpPr txBox="1"/>
           <p:nvPr>
             <p:ph type="title"/>
@@ -9991,7 +10210,7 @@
       </p:sp>
       <p:pic>
         <p:nvPicPr>
-          <p:cNvPr id="271" name="Google Shape;271;p28"/>
+          <p:cNvPr id="276" name="Google Shape;276;p29"/>
           <p:cNvPicPr preferRelativeResize="0"/>
           <p:nvPr/>
         </p:nvPicPr>
@@ -10025,19 +10244,19 @@
 </p:sld>
 </file>
 
-<file path=ppt/slides/slide17.xml><?xml version="1.0" encoding="utf-8"?>
+<file path=ppt/slides/slide18.xml><?xml version="1.0" encoding="utf-8"?>
 <p:sld xmlns:a="http://schemas.openxmlformats.org/drawingml/2006/main" xmlns:r="http://schemas.openxmlformats.org/officeDocument/2006/relationships" xmlns:mc="http://schemas.openxmlformats.org/markup-compatibility/2006" xmlns:mv="urn:schemas-microsoft-com:mac:vml" xmlns:p="http://schemas.openxmlformats.org/presentationml/2006/main" xmlns:c="http://schemas.openxmlformats.org/drawingml/2006/chart" xmlns:dgm="http://schemas.openxmlformats.org/drawingml/2006/diagram" xmlns:o="urn:schemas-microsoft-com:office:office" xmlns:v="urn:schemas-microsoft-com:vml" xmlns:pvml="urn:schemas-microsoft-com:office:powerpoint" xmlns:com="http://schemas.openxmlformats.org/drawingml/2006/compatibility" xmlns:p14="http://schemas.microsoft.com/office/powerpoint/2010/main" xmlns:p15="http://schemas.microsoft.com/office/powerpoint/2012/main" xmlns:ahyp="http://schemas.microsoft.com/office/drawing/2018/hyperlinkcolor">
   <p:cSld>
     <p:bg>
       <p:bgPr>
         <a:solidFill>
-          <a:srgbClr val="A7A4D1"/>
+          <a:srgbClr val="F4D58F"/>
         </a:solidFill>
       </p:bgPr>
     </p:bg>
     <p:spTree>
       <p:nvGrpSpPr>
-        <p:cNvPr id="275" name="Shape 275"/>
+        <p:cNvPr id="280" name="Shape 280"/>
         <p:cNvGrpSpPr/>
         <p:nvPr/>
       </p:nvGrpSpPr>
@@ -10051,7 +10270,7 @@
       </p:grpSpPr>
       <p:sp>
         <p:nvSpPr>
-          <p:cNvPr id="276" name="Google Shape;276;p29"/>
+          <p:cNvPr id="281" name="Google Shape;281;p30"/>
           <p:cNvSpPr txBox="1"/>
           <p:nvPr>
             <p:ph type="title"/>
@@ -10107,7 +10326,7 @@
       </p:sp>
       <p:pic>
         <p:nvPicPr>
-          <p:cNvPr id="277" name="Google Shape;277;p29"/>
+          <p:cNvPr id="282" name="Google Shape;282;p30"/>
           <p:cNvPicPr preferRelativeResize="0"/>
           <p:nvPr/>
         </p:nvPicPr>
@@ -10141,19 +10360,19 @@
 </p:sld>
 </file>
 
-<file path=ppt/slides/slide18.xml><?xml version="1.0" encoding="utf-8"?>
+<file path=ppt/slides/slide19.xml><?xml version="1.0" encoding="utf-8"?>
 <p:sld xmlns:a="http://schemas.openxmlformats.org/drawingml/2006/main" xmlns:r="http://schemas.openxmlformats.org/officeDocument/2006/relationships" xmlns:mc="http://schemas.openxmlformats.org/markup-compatibility/2006" xmlns:mv="urn:schemas-microsoft-com:mac:vml" xmlns:p="http://schemas.openxmlformats.org/presentationml/2006/main" xmlns:c="http://schemas.openxmlformats.org/drawingml/2006/chart" xmlns:dgm="http://schemas.openxmlformats.org/drawingml/2006/diagram" xmlns:o="urn:schemas-microsoft-com:office:office" xmlns:v="urn:schemas-microsoft-com:vml" xmlns:pvml="urn:schemas-microsoft-com:office:powerpoint" xmlns:com="http://schemas.openxmlformats.org/drawingml/2006/compatibility" xmlns:p14="http://schemas.microsoft.com/office/powerpoint/2010/main" xmlns:p15="http://schemas.microsoft.com/office/powerpoint/2012/main" xmlns:ahyp="http://schemas.microsoft.com/office/drawing/2018/hyperlinkcolor">
   <p:cSld>
     <p:bg>
       <p:bgPr>
         <a:solidFill>
-          <a:srgbClr val="F4D58F"/>
+          <a:srgbClr val="75CEDE"/>
         </a:solidFill>
       </p:bgPr>
     </p:bg>
     <p:spTree>
       <p:nvGrpSpPr>
-        <p:cNvPr id="281" name="Shape 281"/>
+        <p:cNvPr id="286" name="Shape 286"/>
         <p:cNvGrpSpPr/>
         <p:nvPr/>
       </p:nvGrpSpPr>
@@ -10167,7 +10386,7 @@
       </p:grpSpPr>
       <p:sp>
         <p:nvSpPr>
-          <p:cNvPr id="282" name="Google Shape;282;p30"/>
+          <p:cNvPr id="287" name="Google Shape;287;p31"/>
           <p:cNvSpPr txBox="1"/>
           <p:nvPr>
             <p:ph type="title"/>
@@ -10223,7 +10442,7 @@
       </p:sp>
       <p:pic>
         <p:nvPicPr>
-          <p:cNvPr id="283" name="Google Shape;283;p30"/>
+          <p:cNvPr id="288" name="Google Shape;288;p31"/>
           <p:cNvPicPr preferRelativeResize="0"/>
           <p:nvPr/>
         </p:nvPicPr>
@@ -10239,122 +10458,6 @@
           <a:xfrm>
             <a:off x="152400" y="1170125"/>
             <a:ext cx="8839200" cy="3849126"/>
-          </a:xfrm>
-          <a:prstGeom prst="rect">
-            <a:avLst/>
-          </a:prstGeom>
-          <a:noFill/>
-          <a:ln>
-            <a:noFill/>
-          </a:ln>
-        </p:spPr>
-      </p:pic>
-    </p:spTree>
-  </p:cSld>
-  <p:clrMapOvr>
-    <a:masterClrMapping/>
-  </p:clrMapOvr>
-</p:sld>
-</file>
-
-<file path=ppt/slides/slide19.xml><?xml version="1.0" encoding="utf-8"?>
-<p:sld xmlns:a="http://schemas.openxmlformats.org/drawingml/2006/main" xmlns:r="http://schemas.openxmlformats.org/officeDocument/2006/relationships" xmlns:mc="http://schemas.openxmlformats.org/markup-compatibility/2006" xmlns:mv="urn:schemas-microsoft-com:mac:vml" xmlns:p="http://schemas.openxmlformats.org/presentationml/2006/main" xmlns:c="http://schemas.openxmlformats.org/drawingml/2006/chart" xmlns:dgm="http://schemas.openxmlformats.org/drawingml/2006/diagram" xmlns:o="urn:schemas-microsoft-com:office:office" xmlns:v="urn:schemas-microsoft-com:vml" xmlns:pvml="urn:schemas-microsoft-com:office:powerpoint" xmlns:com="http://schemas.openxmlformats.org/drawingml/2006/compatibility" xmlns:p14="http://schemas.microsoft.com/office/powerpoint/2010/main" xmlns:p15="http://schemas.microsoft.com/office/powerpoint/2012/main" xmlns:ahyp="http://schemas.microsoft.com/office/drawing/2018/hyperlinkcolor">
-  <p:cSld>
-    <p:bg>
-      <p:bgPr>
-        <a:solidFill>
-          <a:srgbClr val="75CEDE"/>
-        </a:solidFill>
-      </p:bgPr>
-    </p:bg>
-    <p:spTree>
-      <p:nvGrpSpPr>
-        <p:cNvPr id="287" name="Shape 287"/>
-        <p:cNvGrpSpPr/>
-        <p:nvPr/>
-      </p:nvGrpSpPr>
-      <p:grpSpPr>
-        <a:xfrm>
-          <a:off x="0" y="0"/>
-          <a:ext cx="0" cy="0"/>
-          <a:chOff x="0" y="0"/>
-          <a:chExt cx="0" cy="0"/>
-        </a:xfrm>
-      </p:grpSpPr>
-      <p:sp>
-        <p:nvSpPr>
-          <p:cNvPr id="288" name="Google Shape;288;p31"/>
-          <p:cNvSpPr txBox="1"/>
-          <p:nvPr>
-            <p:ph type="title"/>
-          </p:nvPr>
-        </p:nvSpPr>
-        <p:spPr>
-          <a:xfrm>
-            <a:off x="311700" y="445025"/>
-            <a:ext cx="8520600" cy="572700"/>
-          </a:xfrm>
-          <a:prstGeom prst="rect">
-            <a:avLst/>
-          </a:prstGeom>
-        </p:spPr>
-        <p:txBody>
-          <a:bodyPr anchorCtr="0" anchor="t" bIns="91425" lIns="91425" spcFirstLastPara="1" rIns="91425" wrap="square" tIns="91425">
-            <a:normAutofit fontScale="90000"/>
-          </a:bodyPr>
-          <a:lstStyle/>
-          <a:p>
-            <a:pPr indent="0" lvl="0" marL="0" rtl="0" algn="l">
-              <a:spcBef>
-                <a:spcPts val="0"/>
-              </a:spcBef>
-              <a:spcAft>
-                <a:spcPts val="0"/>
-              </a:spcAft>
-              <a:buNone/>
-            </a:pPr>
-            <a:r>
-              <a:rPr b="1" lang="en">
-                <a:solidFill>
-                  <a:schemeClr val="lt1"/>
-                </a:solidFill>
-                <a:latin typeface="Times New Roman"/>
-                <a:ea typeface="Times New Roman"/>
-                <a:cs typeface="Times New Roman"/>
-                <a:sym typeface="Times New Roman"/>
-              </a:rPr>
-              <a:t>Analysis Phase - KC Crime vs. Full Moon Data</a:t>
-            </a:r>
-            <a:endParaRPr b="1">
-              <a:solidFill>
-                <a:schemeClr val="lt1"/>
-              </a:solidFill>
-              <a:latin typeface="Times New Roman"/>
-              <a:ea typeface="Times New Roman"/>
-              <a:cs typeface="Times New Roman"/>
-              <a:sym typeface="Times New Roman"/>
-            </a:endParaRPr>
-          </a:p>
-        </p:txBody>
-      </p:sp>
-      <p:pic>
-        <p:nvPicPr>
-          <p:cNvPr id="289" name="Google Shape;289;p31"/>
-          <p:cNvPicPr preferRelativeResize="0"/>
-          <p:nvPr/>
-        </p:nvPicPr>
-        <p:blipFill>
-          <a:blip r:embed="rId3">
-            <a:alphaModFix/>
-          </a:blip>
-          <a:stretch>
-            <a:fillRect/>
-          </a:stretch>
-        </p:blipFill>
-        <p:spPr>
-          <a:xfrm>
-            <a:off x="152400" y="1170125"/>
-            <a:ext cx="8941898" cy="3774600"/>
           </a:xfrm>
           <a:prstGeom prst="rect">
             <a:avLst/>
@@ -10954,7 +11057,7 @@
     </p:bg>
     <p:spTree>
       <p:nvGrpSpPr>
-        <p:cNvPr id="293" name="Shape 293"/>
+        <p:cNvPr id="292" name="Shape 292"/>
         <p:cNvGrpSpPr/>
         <p:nvPr/>
       </p:nvGrpSpPr>
@@ -10968,7 +11071,123 @@
       </p:grpSpPr>
       <p:sp>
         <p:nvSpPr>
+          <p:cNvPr id="293" name="Google Shape;293;p32"/>
+          <p:cNvSpPr txBox="1"/>
+          <p:nvPr>
+            <p:ph type="title"/>
+          </p:nvPr>
+        </p:nvSpPr>
+        <p:spPr>
+          <a:xfrm>
+            <a:off x="311700" y="445025"/>
+            <a:ext cx="8520600" cy="572700"/>
+          </a:xfrm>
+          <a:prstGeom prst="rect">
+            <a:avLst/>
+          </a:prstGeom>
+        </p:spPr>
+        <p:txBody>
+          <a:bodyPr anchorCtr="0" anchor="t" bIns="91425" lIns="91425" spcFirstLastPara="1" rIns="91425" wrap="square" tIns="91425">
+            <a:normAutofit fontScale="90000"/>
+          </a:bodyPr>
+          <a:lstStyle/>
+          <a:p>
+            <a:pPr indent="0" lvl="0" marL="0" rtl="0" algn="l">
+              <a:spcBef>
+                <a:spcPts val="0"/>
+              </a:spcBef>
+              <a:spcAft>
+                <a:spcPts val="0"/>
+              </a:spcAft>
+              <a:buNone/>
+            </a:pPr>
+            <a:r>
+              <a:rPr b="1" lang="en">
+                <a:solidFill>
+                  <a:schemeClr val="lt1"/>
+                </a:solidFill>
+                <a:latin typeface="Times New Roman"/>
+                <a:ea typeface="Times New Roman"/>
+                <a:cs typeface="Times New Roman"/>
+                <a:sym typeface="Times New Roman"/>
+              </a:rPr>
+              <a:t>Analysis Phase - KC Crime vs. Full Moon Data</a:t>
+            </a:r>
+            <a:endParaRPr b="1">
+              <a:solidFill>
+                <a:schemeClr val="lt1"/>
+              </a:solidFill>
+              <a:latin typeface="Times New Roman"/>
+              <a:ea typeface="Times New Roman"/>
+              <a:cs typeface="Times New Roman"/>
+              <a:sym typeface="Times New Roman"/>
+            </a:endParaRPr>
+          </a:p>
+        </p:txBody>
+      </p:sp>
+      <p:pic>
+        <p:nvPicPr>
           <p:cNvPr id="294" name="Google Shape;294;p32"/>
+          <p:cNvPicPr preferRelativeResize="0"/>
+          <p:nvPr/>
+        </p:nvPicPr>
+        <p:blipFill>
+          <a:blip r:embed="rId3">
+            <a:alphaModFix/>
+          </a:blip>
+          <a:stretch>
+            <a:fillRect/>
+          </a:stretch>
+        </p:blipFill>
+        <p:spPr>
+          <a:xfrm>
+            <a:off x="152400" y="1170125"/>
+            <a:ext cx="8941898" cy="3774600"/>
+          </a:xfrm>
+          <a:prstGeom prst="rect">
+            <a:avLst/>
+          </a:prstGeom>
+          <a:noFill/>
+          <a:ln>
+            <a:noFill/>
+          </a:ln>
+        </p:spPr>
+      </p:pic>
+    </p:spTree>
+  </p:cSld>
+  <p:clrMapOvr>
+    <a:masterClrMapping/>
+  </p:clrMapOvr>
+</p:sld>
+</file>
+
+<file path=ppt/slides/slide21.xml><?xml version="1.0" encoding="utf-8"?>
+<p:sld xmlns:a="http://schemas.openxmlformats.org/drawingml/2006/main" xmlns:r="http://schemas.openxmlformats.org/officeDocument/2006/relationships" xmlns:mc="http://schemas.openxmlformats.org/markup-compatibility/2006" xmlns:mv="urn:schemas-microsoft-com:mac:vml" xmlns:p="http://schemas.openxmlformats.org/presentationml/2006/main" xmlns:c="http://schemas.openxmlformats.org/drawingml/2006/chart" xmlns:dgm="http://schemas.openxmlformats.org/drawingml/2006/diagram" xmlns:o="urn:schemas-microsoft-com:office:office" xmlns:v="urn:schemas-microsoft-com:vml" xmlns:pvml="urn:schemas-microsoft-com:office:powerpoint" xmlns:com="http://schemas.openxmlformats.org/drawingml/2006/compatibility" xmlns:p14="http://schemas.microsoft.com/office/powerpoint/2010/main" xmlns:p15="http://schemas.microsoft.com/office/powerpoint/2012/main" xmlns:ahyp="http://schemas.microsoft.com/office/drawing/2018/hyperlinkcolor">
+  <p:cSld>
+    <p:bg>
+      <p:bgPr>
+        <a:solidFill>
+          <a:srgbClr val="F4D58F"/>
+        </a:solidFill>
+      </p:bgPr>
+    </p:bg>
+    <p:spTree>
+      <p:nvGrpSpPr>
+        <p:cNvPr id="298" name="Shape 298"/>
+        <p:cNvGrpSpPr/>
+        <p:nvPr/>
+      </p:nvGrpSpPr>
+      <p:grpSpPr>
+        <a:xfrm>
+          <a:off x="0" y="0"/>
+          <a:ext cx="0" cy="0"/>
+          <a:chOff x="0" y="0"/>
+          <a:chExt cx="0" cy="0"/>
+        </a:xfrm>
+      </p:grpSpPr>
+      <p:sp>
+        <p:nvSpPr>
+          <p:cNvPr id="299" name="Google Shape;299;p33"/>
           <p:cNvSpPr txBox="1"/>
           <p:nvPr>
             <p:ph type="title"/>
@@ -11024,7 +11243,7 @@
       </p:sp>
       <p:sp>
         <p:nvSpPr>
-          <p:cNvPr id="295" name="Google Shape;295;p32"/>
+          <p:cNvPr id="300" name="Google Shape;300;p33"/>
           <p:cNvSpPr txBox="1"/>
           <p:nvPr>
             <p:ph idx="1" type="body"/>
@@ -11330,7 +11549,7 @@
       </p:sp>
       <p:grpSp>
         <p:nvGrpSpPr>
-          <p:cNvPr id="296" name="Google Shape;296;p32"/>
+          <p:cNvPr id="301" name="Google Shape;301;p33"/>
           <p:cNvGrpSpPr/>
           <p:nvPr/>
         </p:nvGrpSpPr>
@@ -11344,7 +11563,7 @@
         </p:grpSpPr>
         <p:pic>
           <p:nvPicPr>
-            <p:cNvPr id="297" name="Google Shape;297;p32"/>
+            <p:cNvPr id="302" name="Google Shape;302;p33"/>
             <p:cNvPicPr preferRelativeResize="0"/>
             <p:nvPr/>
           </p:nvPicPr>
@@ -11371,7 +11590,7 @@
         </p:pic>
         <p:pic>
           <p:nvPicPr>
-            <p:cNvPr id="298" name="Google Shape;298;p32"/>
+            <p:cNvPr id="303" name="Google Shape;303;p33"/>
             <p:cNvPicPr preferRelativeResize="0"/>
             <p:nvPr/>
           </p:nvPicPr>
@@ -11398,7 +11617,7 @@
         </p:pic>
         <p:pic>
           <p:nvPicPr>
-            <p:cNvPr id="299" name="Google Shape;299;p32"/>
+            <p:cNvPr id="304" name="Google Shape;304;p33"/>
             <p:cNvPicPr preferRelativeResize="0"/>
             <p:nvPr/>
           </p:nvPicPr>
@@ -11425,7 +11644,7 @@
         </p:pic>
         <p:pic>
           <p:nvPicPr>
-            <p:cNvPr id="300" name="Google Shape;300;p32"/>
+            <p:cNvPr id="305" name="Google Shape;305;p33"/>
             <p:cNvPicPr preferRelativeResize="0"/>
             <p:nvPr/>
           </p:nvPicPr>
@@ -11452,7 +11671,7 @@
         </p:pic>
         <p:pic>
           <p:nvPicPr>
-            <p:cNvPr id="301" name="Google Shape;301;p32"/>
+            <p:cNvPr id="306" name="Google Shape;306;p33"/>
             <p:cNvPicPr preferRelativeResize="0"/>
             <p:nvPr/>
           </p:nvPicPr>
@@ -11479,7 +11698,7 @@
         </p:pic>
         <p:pic>
           <p:nvPicPr>
-            <p:cNvPr id="302" name="Google Shape;302;p32"/>
+            <p:cNvPr id="307" name="Google Shape;307;p33"/>
             <p:cNvPicPr preferRelativeResize="0"/>
             <p:nvPr/>
           </p:nvPicPr>
@@ -11507,7 +11726,7 @@
       </p:grpSp>
       <p:grpSp>
         <p:nvGrpSpPr>
-          <p:cNvPr id="303" name="Google Shape;303;p32"/>
+          <p:cNvPr id="308" name="Google Shape;308;p33"/>
           <p:cNvGrpSpPr/>
           <p:nvPr/>
         </p:nvGrpSpPr>
@@ -11521,7 +11740,7 @@
         </p:grpSpPr>
         <p:pic>
           <p:nvPicPr>
-            <p:cNvPr id="304" name="Google Shape;304;p32"/>
+            <p:cNvPr id="309" name="Google Shape;309;p33"/>
             <p:cNvPicPr preferRelativeResize="0"/>
             <p:nvPr/>
           </p:nvPicPr>
@@ -11548,7 +11767,7 @@
         </p:pic>
         <p:pic>
           <p:nvPicPr>
-            <p:cNvPr id="305" name="Google Shape;305;p32"/>
+            <p:cNvPr id="310" name="Google Shape;310;p33"/>
             <p:cNvPicPr preferRelativeResize="0"/>
             <p:nvPr/>
           </p:nvPicPr>
@@ -11575,7 +11794,7 @@
         </p:pic>
         <p:pic>
           <p:nvPicPr>
-            <p:cNvPr id="306" name="Google Shape;306;p32"/>
+            <p:cNvPr id="311" name="Google Shape;311;p33"/>
             <p:cNvPicPr preferRelativeResize="0"/>
             <p:nvPr/>
           </p:nvPicPr>
@@ -11602,7 +11821,7 @@
         </p:pic>
         <p:pic>
           <p:nvPicPr>
-            <p:cNvPr id="307" name="Google Shape;307;p32"/>
+            <p:cNvPr id="312" name="Google Shape;312;p33"/>
             <p:cNvPicPr preferRelativeResize="0"/>
             <p:nvPr/>
           </p:nvPicPr>
@@ -11629,7 +11848,7 @@
         </p:pic>
         <p:pic>
           <p:nvPicPr>
-            <p:cNvPr id="308" name="Google Shape;308;p32"/>
+            <p:cNvPr id="313" name="Google Shape;313;p33"/>
             <p:cNvPicPr preferRelativeResize="0"/>
             <p:nvPr/>
           </p:nvPicPr>
@@ -11656,7 +11875,7 @@
         </p:pic>
         <p:pic>
           <p:nvPicPr>
-            <p:cNvPr id="309" name="Google Shape;309;p32"/>
+            <p:cNvPr id="314" name="Google Shape;314;p33"/>
             <p:cNvPicPr preferRelativeResize="0"/>
             <p:nvPr/>
           </p:nvPicPr>
@@ -11684,7 +11903,7 @@
       </p:grpSp>
       <p:sp>
         <p:nvSpPr>
-          <p:cNvPr id="310" name="Google Shape;310;p32"/>
+          <p:cNvPr id="315" name="Google Shape;315;p33"/>
           <p:cNvSpPr txBox="1"/>
           <p:nvPr/>
         </p:nvSpPr>
@@ -12011,19 +12230,19 @@
 </p:sld>
 </file>
 
-<file path=ppt/slides/slide21.xml><?xml version="1.0" encoding="utf-8"?>
+<file path=ppt/slides/slide22.xml><?xml version="1.0" encoding="utf-8"?>
 <p:sld xmlns:a="http://schemas.openxmlformats.org/drawingml/2006/main" xmlns:r="http://schemas.openxmlformats.org/officeDocument/2006/relationships" xmlns:mc="http://schemas.openxmlformats.org/markup-compatibility/2006" xmlns:mv="urn:schemas-microsoft-com:mac:vml" xmlns:p="http://schemas.openxmlformats.org/presentationml/2006/main" xmlns:c="http://schemas.openxmlformats.org/drawingml/2006/chart" xmlns:dgm="http://schemas.openxmlformats.org/drawingml/2006/diagram" xmlns:o="urn:schemas-microsoft-com:office:office" xmlns:v="urn:schemas-microsoft-com:vml" xmlns:pvml="urn:schemas-microsoft-com:office:powerpoint" xmlns:com="http://schemas.openxmlformats.org/drawingml/2006/compatibility" xmlns:p14="http://schemas.microsoft.com/office/powerpoint/2010/main" xmlns:p15="http://schemas.microsoft.com/office/powerpoint/2012/main" xmlns:ahyp="http://schemas.microsoft.com/office/drawing/2018/hyperlinkcolor">
   <p:cSld>
     <p:bg>
       <p:bgPr>
         <a:solidFill>
-          <a:srgbClr val="F4D58F"/>
+          <a:srgbClr val="75CEDE"/>
         </a:solidFill>
       </p:bgPr>
     </p:bg>
     <p:spTree>
       <p:nvGrpSpPr>
-        <p:cNvPr id="314" name="Shape 314"/>
+        <p:cNvPr id="319" name="Shape 319"/>
         <p:cNvGrpSpPr/>
         <p:nvPr/>
       </p:nvGrpSpPr>
@@ -12037,7 +12256,7 @@
       </p:grpSpPr>
       <p:sp>
         <p:nvSpPr>
-          <p:cNvPr id="315" name="Google Shape;315;p33"/>
+          <p:cNvPr id="320" name="Google Shape;320;p34"/>
           <p:cNvSpPr txBox="1"/>
           <p:nvPr>
             <p:ph type="title"/>
@@ -12093,7 +12312,7 @@
       </p:sp>
       <p:sp>
         <p:nvSpPr>
-          <p:cNvPr id="316" name="Google Shape;316;p33"/>
+          <p:cNvPr id="321" name="Google Shape;321;p34"/>
           <p:cNvSpPr txBox="1"/>
           <p:nvPr>
             <p:ph idx="1" type="body"/>
@@ -12250,7 +12469,7 @@
       </p:sp>
       <p:grpSp>
         <p:nvGrpSpPr>
-          <p:cNvPr id="317" name="Google Shape;317;p33"/>
+          <p:cNvPr id="322" name="Google Shape;322;p34"/>
           <p:cNvGrpSpPr/>
           <p:nvPr/>
         </p:nvGrpSpPr>
@@ -12264,7 +12483,7 @@
         </p:grpSpPr>
         <p:pic>
           <p:nvPicPr>
-            <p:cNvPr id="318" name="Google Shape;318;p33"/>
+            <p:cNvPr id="323" name="Google Shape;323;p34"/>
             <p:cNvPicPr preferRelativeResize="0"/>
             <p:nvPr/>
           </p:nvPicPr>
@@ -12291,7 +12510,7 @@
         </p:pic>
         <p:pic>
           <p:nvPicPr>
-            <p:cNvPr id="319" name="Google Shape;319;p33"/>
+            <p:cNvPr id="324" name="Google Shape;324;p34"/>
             <p:cNvPicPr preferRelativeResize="0"/>
             <p:nvPr/>
           </p:nvPicPr>
@@ -12318,7 +12537,7 @@
         </p:pic>
         <p:pic>
           <p:nvPicPr>
-            <p:cNvPr id="320" name="Google Shape;320;p33"/>
+            <p:cNvPr id="325" name="Google Shape;325;p34"/>
             <p:cNvPicPr preferRelativeResize="0"/>
             <p:nvPr/>
           </p:nvPicPr>
@@ -12345,7 +12564,7 @@
         </p:pic>
         <p:pic>
           <p:nvPicPr>
-            <p:cNvPr id="321" name="Google Shape;321;p33"/>
+            <p:cNvPr id="326" name="Google Shape;326;p34"/>
             <p:cNvPicPr preferRelativeResize="0"/>
             <p:nvPr/>
           </p:nvPicPr>
@@ -12372,7 +12591,7 @@
         </p:pic>
         <p:pic>
           <p:nvPicPr>
-            <p:cNvPr id="322" name="Google Shape;322;p33"/>
+            <p:cNvPr id="327" name="Google Shape;327;p34"/>
             <p:cNvPicPr preferRelativeResize="0"/>
             <p:nvPr/>
           </p:nvPicPr>
@@ -12399,7 +12618,7 @@
         </p:pic>
         <p:pic>
           <p:nvPicPr>
-            <p:cNvPr id="323" name="Google Shape;323;p33"/>
+            <p:cNvPr id="328" name="Google Shape;328;p34"/>
             <p:cNvPicPr preferRelativeResize="0"/>
             <p:nvPr/>
           </p:nvPicPr>
@@ -12427,7 +12646,7 @@
       </p:grpSp>
       <p:grpSp>
         <p:nvGrpSpPr>
-          <p:cNvPr id="324" name="Google Shape;324;p33"/>
+          <p:cNvPr id="329" name="Google Shape;329;p34"/>
           <p:cNvGrpSpPr/>
           <p:nvPr/>
         </p:nvGrpSpPr>
@@ -12441,7 +12660,7 @@
         </p:grpSpPr>
         <p:pic>
           <p:nvPicPr>
-            <p:cNvPr id="325" name="Google Shape;325;p33"/>
+            <p:cNvPr id="330" name="Google Shape;330;p34"/>
             <p:cNvPicPr preferRelativeResize="0"/>
             <p:nvPr/>
           </p:nvPicPr>
@@ -12468,7 +12687,7 @@
         </p:pic>
         <p:pic>
           <p:nvPicPr>
-            <p:cNvPr id="326" name="Google Shape;326;p33"/>
+            <p:cNvPr id="331" name="Google Shape;331;p34"/>
             <p:cNvPicPr preferRelativeResize="0"/>
             <p:nvPr/>
           </p:nvPicPr>
@@ -12495,7 +12714,7 @@
         </p:pic>
         <p:pic>
           <p:nvPicPr>
-            <p:cNvPr id="327" name="Google Shape;327;p33"/>
+            <p:cNvPr id="332" name="Google Shape;332;p34"/>
             <p:cNvPicPr preferRelativeResize="0"/>
             <p:nvPr/>
           </p:nvPicPr>
@@ -12522,7 +12741,7 @@
         </p:pic>
         <p:pic>
           <p:nvPicPr>
-            <p:cNvPr id="328" name="Google Shape;328;p33"/>
+            <p:cNvPr id="333" name="Google Shape;333;p34"/>
             <p:cNvPicPr preferRelativeResize="0"/>
             <p:nvPr/>
           </p:nvPicPr>
@@ -12549,7 +12768,7 @@
         </p:pic>
         <p:pic>
           <p:nvPicPr>
-            <p:cNvPr id="329" name="Google Shape;329;p33"/>
+            <p:cNvPr id="334" name="Google Shape;334;p34"/>
             <p:cNvPicPr preferRelativeResize="0"/>
             <p:nvPr/>
           </p:nvPicPr>
@@ -12576,7 +12795,7 @@
         </p:pic>
         <p:pic>
           <p:nvPicPr>
-            <p:cNvPr id="330" name="Google Shape;330;p33"/>
+            <p:cNvPr id="335" name="Google Shape;335;p34"/>
             <p:cNvPicPr preferRelativeResize="0"/>
             <p:nvPr/>
           </p:nvPicPr>
@@ -12610,19 +12829,19 @@
 </p:sld>
 </file>
 
-<file path=ppt/slides/slide22.xml><?xml version="1.0" encoding="utf-8"?>
+<file path=ppt/slides/slide23.xml><?xml version="1.0" encoding="utf-8"?>
 <p:sld xmlns:a="http://schemas.openxmlformats.org/drawingml/2006/main" xmlns:r="http://schemas.openxmlformats.org/officeDocument/2006/relationships" xmlns:mc="http://schemas.openxmlformats.org/markup-compatibility/2006" xmlns:mv="urn:schemas-microsoft-com:mac:vml" xmlns:p="http://schemas.openxmlformats.org/presentationml/2006/main" xmlns:c="http://schemas.openxmlformats.org/drawingml/2006/chart" xmlns:dgm="http://schemas.openxmlformats.org/drawingml/2006/diagram" xmlns:o="urn:schemas-microsoft-com:office:office" xmlns:v="urn:schemas-microsoft-com:vml" xmlns:pvml="urn:schemas-microsoft-com:office:powerpoint" xmlns:com="http://schemas.openxmlformats.org/drawingml/2006/compatibility" xmlns:p14="http://schemas.microsoft.com/office/powerpoint/2010/main" xmlns:p15="http://schemas.microsoft.com/office/powerpoint/2012/main" xmlns:ahyp="http://schemas.microsoft.com/office/drawing/2018/hyperlinkcolor">
   <p:cSld>
     <p:bg>
       <p:bgPr>
         <a:solidFill>
-          <a:srgbClr val="75CEDE"/>
+          <a:srgbClr val="A7A4D1"/>
         </a:solidFill>
       </p:bgPr>
     </p:bg>
     <p:spTree>
       <p:nvGrpSpPr>
-        <p:cNvPr id="334" name="Shape 334"/>
+        <p:cNvPr id="339" name="Shape 339"/>
         <p:cNvGrpSpPr/>
         <p:nvPr/>
       </p:nvGrpSpPr>
@@ -12636,7 +12855,7 @@
       </p:grpSpPr>
       <p:sp>
         <p:nvSpPr>
-          <p:cNvPr id="335" name="Google Shape;335;p34"/>
+          <p:cNvPr id="340" name="Google Shape;340;p35"/>
           <p:cNvSpPr txBox="1"/>
           <p:nvPr>
             <p:ph type="title"/>
@@ -12692,7 +12911,7 @@
       </p:sp>
       <p:sp>
         <p:nvSpPr>
-          <p:cNvPr id="336" name="Google Shape;336;p34"/>
+          <p:cNvPr id="341" name="Google Shape;341;p35"/>
           <p:cNvSpPr txBox="1"/>
           <p:nvPr>
             <p:ph idx="1" type="body"/>
@@ -12700,7 +12919,7 @@
         </p:nvSpPr>
         <p:spPr>
           <a:xfrm>
-            <a:off x="311700" y="1704300"/>
+            <a:off x="311700" y="1940350"/>
             <a:ext cx="8520600" cy="3416400"/>
           </a:xfrm>
           <a:prstGeom prst="rect">
@@ -12750,32 +12969,9 @@
             </a:endParaRPr>
           </a:p>
           <a:p>
-            <a:pPr indent="0" lvl="0" marL="457200" rtl="0" algn="l">
-              <a:spcBef>
-                <a:spcPts val="1200"/>
-              </a:spcBef>
-              <a:spcAft>
-                <a:spcPts val="0"/>
-              </a:spcAft>
-              <a:buNone/>
-            </a:pPr>
-            <a:r>
-              <a:t/>
-            </a:r>
-            <a:endParaRPr>
-              <a:solidFill>
-                <a:schemeClr val="lt1"/>
-              </a:solidFill>
-              <a:latin typeface="Times New Roman"/>
-              <a:ea typeface="Times New Roman"/>
-              <a:cs typeface="Times New Roman"/>
-              <a:sym typeface="Times New Roman"/>
-            </a:endParaRPr>
-          </a:p>
-          <a:p>
             <a:pPr indent="-342900" lvl="0" marL="457200" rtl="0" algn="l">
               <a:spcBef>
-                <a:spcPts val="1200"/>
+                <a:spcPts val="0"/>
               </a:spcBef>
               <a:spcAft>
                 <a:spcPts val="0"/>
@@ -12813,7 +13009,7 @@
       </p:sp>
       <p:grpSp>
         <p:nvGrpSpPr>
-          <p:cNvPr id="337" name="Google Shape;337;p34"/>
+          <p:cNvPr id="342" name="Google Shape;342;p35"/>
           <p:cNvGrpSpPr/>
           <p:nvPr/>
         </p:nvGrpSpPr>
@@ -12827,7 +13023,7 @@
         </p:grpSpPr>
         <p:pic>
           <p:nvPicPr>
-            <p:cNvPr id="338" name="Google Shape;338;p34"/>
+            <p:cNvPr id="343" name="Google Shape;343;p35"/>
             <p:cNvPicPr preferRelativeResize="0"/>
             <p:nvPr/>
           </p:nvPicPr>
@@ -12854,7 +13050,7 @@
         </p:pic>
         <p:pic>
           <p:nvPicPr>
-            <p:cNvPr id="339" name="Google Shape;339;p34"/>
+            <p:cNvPr id="344" name="Google Shape;344;p35"/>
             <p:cNvPicPr preferRelativeResize="0"/>
             <p:nvPr/>
           </p:nvPicPr>
@@ -12881,7 +13077,7 @@
         </p:pic>
         <p:pic>
           <p:nvPicPr>
-            <p:cNvPr id="340" name="Google Shape;340;p34"/>
+            <p:cNvPr id="345" name="Google Shape;345;p35"/>
             <p:cNvPicPr preferRelativeResize="0"/>
             <p:nvPr/>
           </p:nvPicPr>
@@ -12908,7 +13104,7 @@
         </p:pic>
         <p:pic>
           <p:nvPicPr>
-            <p:cNvPr id="341" name="Google Shape;341;p34"/>
+            <p:cNvPr id="346" name="Google Shape;346;p35"/>
             <p:cNvPicPr preferRelativeResize="0"/>
             <p:nvPr/>
           </p:nvPicPr>
@@ -12935,7 +13131,7 @@
         </p:pic>
         <p:pic>
           <p:nvPicPr>
-            <p:cNvPr id="342" name="Google Shape;342;p34"/>
+            <p:cNvPr id="347" name="Google Shape;347;p35"/>
             <p:cNvPicPr preferRelativeResize="0"/>
             <p:nvPr/>
           </p:nvPicPr>
@@ -12962,7 +13158,7 @@
         </p:pic>
         <p:pic>
           <p:nvPicPr>
-            <p:cNvPr id="343" name="Google Shape;343;p34"/>
+            <p:cNvPr id="348" name="Google Shape;348;p35"/>
             <p:cNvPicPr preferRelativeResize="0"/>
             <p:nvPr/>
           </p:nvPicPr>
@@ -12990,7 +13186,7 @@
       </p:grpSp>
       <p:grpSp>
         <p:nvGrpSpPr>
-          <p:cNvPr id="344" name="Google Shape;344;p34"/>
+          <p:cNvPr id="349" name="Google Shape;349;p35"/>
           <p:cNvGrpSpPr/>
           <p:nvPr/>
         </p:nvGrpSpPr>
@@ -13004,7 +13200,7 @@
         </p:grpSpPr>
         <p:pic>
           <p:nvPicPr>
-            <p:cNvPr id="345" name="Google Shape;345;p34"/>
+            <p:cNvPr id="350" name="Google Shape;350;p35"/>
             <p:cNvPicPr preferRelativeResize="0"/>
             <p:nvPr/>
           </p:nvPicPr>
@@ -13031,7 +13227,7 @@
         </p:pic>
         <p:pic>
           <p:nvPicPr>
-            <p:cNvPr id="346" name="Google Shape;346;p34"/>
+            <p:cNvPr id="351" name="Google Shape;351;p35"/>
             <p:cNvPicPr preferRelativeResize="0"/>
             <p:nvPr/>
           </p:nvPicPr>
@@ -13058,7 +13254,7 @@
         </p:pic>
         <p:pic>
           <p:nvPicPr>
-            <p:cNvPr id="347" name="Google Shape;347;p34"/>
+            <p:cNvPr id="352" name="Google Shape;352;p35"/>
             <p:cNvPicPr preferRelativeResize="0"/>
             <p:nvPr/>
           </p:nvPicPr>
@@ -13085,7 +13281,7 @@
         </p:pic>
         <p:pic>
           <p:nvPicPr>
-            <p:cNvPr id="348" name="Google Shape;348;p34"/>
+            <p:cNvPr id="353" name="Google Shape;353;p35"/>
             <p:cNvPicPr preferRelativeResize="0"/>
             <p:nvPr/>
           </p:nvPicPr>
@@ -13112,7 +13308,7 @@
         </p:pic>
         <p:pic>
           <p:nvPicPr>
-            <p:cNvPr id="349" name="Google Shape;349;p34"/>
+            <p:cNvPr id="354" name="Google Shape;354;p35"/>
             <p:cNvPicPr preferRelativeResize="0"/>
             <p:nvPr/>
           </p:nvPicPr>
@@ -13139,7 +13335,7 @@
         </p:pic>
         <p:pic>
           <p:nvPicPr>
-            <p:cNvPr id="350" name="Google Shape;350;p34"/>
+            <p:cNvPr id="355" name="Google Shape;355;p35"/>
             <p:cNvPicPr preferRelativeResize="0"/>
             <p:nvPr/>
           </p:nvPicPr>
@@ -13173,19 +13369,19 @@
 </p:sld>
 </file>
 
-<file path=ppt/slides/slide23.xml><?xml version="1.0" encoding="utf-8"?>
+<file path=ppt/slides/slide24.xml><?xml version="1.0" encoding="utf-8"?>
 <p:sld xmlns:a="http://schemas.openxmlformats.org/drawingml/2006/main" xmlns:r="http://schemas.openxmlformats.org/officeDocument/2006/relationships" xmlns:mc="http://schemas.openxmlformats.org/markup-compatibility/2006" xmlns:mv="urn:schemas-microsoft-com:mac:vml" xmlns:p="http://schemas.openxmlformats.org/presentationml/2006/main" xmlns:c="http://schemas.openxmlformats.org/drawingml/2006/chart" xmlns:dgm="http://schemas.openxmlformats.org/drawingml/2006/diagram" xmlns:o="urn:schemas-microsoft-com:office:office" xmlns:v="urn:schemas-microsoft-com:vml" xmlns:pvml="urn:schemas-microsoft-com:office:powerpoint" xmlns:com="http://schemas.openxmlformats.org/drawingml/2006/compatibility" xmlns:p14="http://schemas.microsoft.com/office/powerpoint/2010/main" xmlns:p15="http://schemas.microsoft.com/office/powerpoint/2012/main" xmlns:ahyp="http://schemas.microsoft.com/office/drawing/2018/hyperlinkcolor">
   <p:cSld>
     <p:bg>
       <p:bgPr>
         <a:solidFill>
-          <a:srgbClr val="A7A4D1"/>
+          <a:srgbClr val="F4D58F"/>
         </a:solidFill>
       </p:bgPr>
     </p:bg>
     <p:spTree>
       <p:nvGrpSpPr>
-        <p:cNvPr id="354" name="Shape 354"/>
+        <p:cNvPr id="359" name="Shape 359"/>
         <p:cNvGrpSpPr/>
         <p:nvPr/>
       </p:nvGrpSpPr>
@@ -13199,7 +13395,7 @@
       </p:grpSpPr>
       <p:sp>
         <p:nvSpPr>
-          <p:cNvPr id="355" name="Google Shape;355;p35"/>
+          <p:cNvPr id="360" name="Google Shape;360;p36"/>
           <p:cNvSpPr txBox="1"/>
           <p:nvPr>
             <p:ph type="title"/>
@@ -13255,7 +13451,7 @@
       </p:sp>
       <p:sp>
         <p:nvSpPr>
-          <p:cNvPr id="356" name="Google Shape;356;p35"/>
+          <p:cNvPr id="361" name="Google Shape;361;p36"/>
           <p:cNvSpPr txBox="1"/>
           <p:nvPr>
             <p:ph idx="1" type="body"/>
@@ -13263,7 +13459,7 @@
         </p:nvSpPr>
         <p:spPr>
           <a:xfrm>
-            <a:off x="249575" y="1704300"/>
+            <a:off x="249575" y="1927925"/>
             <a:ext cx="8520600" cy="3416400"/>
           </a:xfrm>
           <a:prstGeom prst="rect">
@@ -13337,32 +13533,9 @@
             </a:endParaRPr>
           </a:p>
           <a:p>
-            <a:pPr indent="0" lvl="0" marL="457200" rtl="0" algn="l">
-              <a:spcBef>
-                <a:spcPts val="1200"/>
-              </a:spcBef>
-              <a:spcAft>
-                <a:spcPts val="0"/>
-              </a:spcAft>
-              <a:buNone/>
-            </a:pPr>
-            <a:r>
-              <a:t/>
-            </a:r>
-            <a:endParaRPr>
-              <a:solidFill>
-                <a:schemeClr val="lt1"/>
-              </a:solidFill>
-              <a:latin typeface="Times New Roman"/>
-              <a:ea typeface="Times New Roman"/>
-              <a:cs typeface="Times New Roman"/>
-              <a:sym typeface="Times New Roman"/>
-            </a:endParaRPr>
-          </a:p>
-          <a:p>
             <a:pPr indent="-342900" lvl="0" marL="457200" rtl="0" algn="l">
               <a:spcBef>
-                <a:spcPts val="1200"/>
+                <a:spcPts val="0"/>
               </a:spcBef>
               <a:spcAft>
                 <a:spcPts val="0"/>
@@ -13400,7 +13573,7 @@
       </p:sp>
       <p:grpSp>
         <p:nvGrpSpPr>
-          <p:cNvPr id="357" name="Google Shape;357;p35"/>
+          <p:cNvPr id="362" name="Google Shape;362;p36"/>
           <p:cNvGrpSpPr/>
           <p:nvPr/>
         </p:nvGrpSpPr>
@@ -13414,7 +13587,7 @@
         </p:grpSpPr>
         <p:pic>
           <p:nvPicPr>
-            <p:cNvPr id="358" name="Google Shape;358;p35"/>
+            <p:cNvPr id="363" name="Google Shape;363;p36"/>
             <p:cNvPicPr preferRelativeResize="0"/>
             <p:nvPr/>
           </p:nvPicPr>
@@ -13441,7 +13614,7 @@
         </p:pic>
         <p:pic>
           <p:nvPicPr>
-            <p:cNvPr id="359" name="Google Shape;359;p35"/>
+            <p:cNvPr id="364" name="Google Shape;364;p36"/>
             <p:cNvPicPr preferRelativeResize="0"/>
             <p:nvPr/>
           </p:nvPicPr>
@@ -13468,7 +13641,7 @@
         </p:pic>
         <p:pic>
           <p:nvPicPr>
-            <p:cNvPr id="360" name="Google Shape;360;p35"/>
+            <p:cNvPr id="365" name="Google Shape;365;p36"/>
             <p:cNvPicPr preferRelativeResize="0"/>
             <p:nvPr/>
           </p:nvPicPr>
@@ -13495,7 +13668,7 @@
         </p:pic>
         <p:pic>
           <p:nvPicPr>
-            <p:cNvPr id="361" name="Google Shape;361;p35"/>
+            <p:cNvPr id="366" name="Google Shape;366;p36"/>
             <p:cNvPicPr preferRelativeResize="0"/>
             <p:nvPr/>
           </p:nvPicPr>
@@ -13522,7 +13695,7 @@
         </p:pic>
         <p:pic>
           <p:nvPicPr>
-            <p:cNvPr id="362" name="Google Shape;362;p35"/>
+            <p:cNvPr id="367" name="Google Shape;367;p36"/>
             <p:cNvPicPr preferRelativeResize="0"/>
             <p:nvPr/>
           </p:nvPicPr>
@@ -13549,7 +13722,7 @@
         </p:pic>
         <p:pic>
           <p:nvPicPr>
-            <p:cNvPr id="363" name="Google Shape;363;p35"/>
+            <p:cNvPr id="368" name="Google Shape;368;p36"/>
             <p:cNvPicPr preferRelativeResize="0"/>
             <p:nvPr/>
           </p:nvPicPr>
@@ -13577,7 +13750,7 @@
       </p:grpSp>
       <p:grpSp>
         <p:nvGrpSpPr>
-          <p:cNvPr id="364" name="Google Shape;364;p35"/>
+          <p:cNvPr id="369" name="Google Shape;369;p36"/>
           <p:cNvGrpSpPr/>
           <p:nvPr/>
         </p:nvGrpSpPr>
@@ -13591,7 +13764,7 @@
         </p:grpSpPr>
         <p:pic>
           <p:nvPicPr>
-            <p:cNvPr id="365" name="Google Shape;365;p35"/>
+            <p:cNvPr id="370" name="Google Shape;370;p36"/>
             <p:cNvPicPr preferRelativeResize="0"/>
             <p:nvPr/>
           </p:nvPicPr>
@@ -13618,7 +13791,7 @@
         </p:pic>
         <p:pic>
           <p:nvPicPr>
-            <p:cNvPr id="366" name="Google Shape;366;p35"/>
+            <p:cNvPr id="371" name="Google Shape;371;p36"/>
             <p:cNvPicPr preferRelativeResize="0"/>
             <p:nvPr/>
           </p:nvPicPr>
@@ -13645,7 +13818,7 @@
         </p:pic>
         <p:pic>
           <p:nvPicPr>
-            <p:cNvPr id="367" name="Google Shape;367;p35"/>
+            <p:cNvPr id="372" name="Google Shape;372;p36"/>
             <p:cNvPicPr preferRelativeResize="0"/>
             <p:nvPr/>
           </p:nvPicPr>
@@ -13672,7 +13845,7 @@
         </p:pic>
         <p:pic>
           <p:nvPicPr>
-            <p:cNvPr id="368" name="Google Shape;368;p35"/>
+            <p:cNvPr id="373" name="Google Shape;373;p36"/>
             <p:cNvPicPr preferRelativeResize="0"/>
             <p:nvPr/>
           </p:nvPicPr>
@@ -13699,7 +13872,7 @@
         </p:pic>
         <p:pic>
           <p:nvPicPr>
-            <p:cNvPr id="369" name="Google Shape;369;p35"/>
+            <p:cNvPr id="374" name="Google Shape;374;p36"/>
             <p:cNvPicPr preferRelativeResize="0"/>
             <p:nvPr/>
           </p:nvPicPr>
@@ -13726,7 +13899,7 @@
         </p:pic>
         <p:pic>
           <p:nvPicPr>
-            <p:cNvPr id="370" name="Google Shape;370;p35"/>
+            <p:cNvPr id="375" name="Google Shape;375;p36"/>
             <p:cNvPicPr preferRelativeResize="0"/>
             <p:nvPr/>
           </p:nvPicPr>
@@ -13760,19 +13933,19 @@
 </p:sld>
 </file>
 
-<file path=ppt/slides/slide24.xml><?xml version="1.0" encoding="utf-8"?>
+<file path=ppt/slides/slide25.xml><?xml version="1.0" encoding="utf-8"?>
 <p:sld xmlns:a="http://schemas.openxmlformats.org/drawingml/2006/main" xmlns:r="http://schemas.openxmlformats.org/officeDocument/2006/relationships" xmlns:mc="http://schemas.openxmlformats.org/markup-compatibility/2006" xmlns:mv="urn:schemas-microsoft-com:mac:vml" xmlns:p="http://schemas.openxmlformats.org/presentationml/2006/main" xmlns:c="http://schemas.openxmlformats.org/drawingml/2006/chart" xmlns:dgm="http://schemas.openxmlformats.org/drawingml/2006/diagram" xmlns:o="urn:schemas-microsoft-com:office:office" xmlns:v="urn:schemas-microsoft-com:vml" xmlns:pvml="urn:schemas-microsoft-com:office:powerpoint" xmlns:com="http://schemas.openxmlformats.org/drawingml/2006/compatibility" xmlns:p14="http://schemas.microsoft.com/office/powerpoint/2010/main" xmlns:p15="http://schemas.microsoft.com/office/powerpoint/2012/main" xmlns:ahyp="http://schemas.microsoft.com/office/drawing/2018/hyperlinkcolor">
   <p:cSld>
     <p:bg>
       <p:bgPr>
         <a:solidFill>
-          <a:srgbClr val="F4D58F"/>
+          <a:srgbClr val="75CEDE"/>
         </a:solidFill>
       </p:bgPr>
     </p:bg>
     <p:spTree>
       <p:nvGrpSpPr>
-        <p:cNvPr id="374" name="Shape 374"/>
+        <p:cNvPr id="379" name="Shape 379"/>
         <p:cNvGrpSpPr/>
         <p:nvPr/>
       </p:nvGrpSpPr>
@@ -13786,7 +13959,7 @@
       </p:grpSpPr>
       <p:sp>
         <p:nvSpPr>
-          <p:cNvPr id="375" name="Google Shape;375;p36"/>
+          <p:cNvPr id="380" name="Google Shape;380;p37"/>
           <p:cNvSpPr txBox="1"/>
           <p:nvPr>
             <p:ph type="title"/>
@@ -13842,7 +14015,7 @@
       </p:sp>
       <p:sp>
         <p:nvSpPr>
-          <p:cNvPr id="376" name="Google Shape;376;p36"/>
+          <p:cNvPr id="381" name="Google Shape;381;p37"/>
           <p:cNvSpPr txBox="1"/>
           <p:nvPr>
             <p:ph idx="1" type="body"/>
@@ -13850,7 +14023,7 @@
         </p:nvSpPr>
         <p:spPr>
           <a:xfrm>
-            <a:off x="311700" y="1727100"/>
+            <a:off x="262000" y="2062550"/>
             <a:ext cx="8520600" cy="3416400"/>
           </a:xfrm>
           <a:prstGeom prst="rect">
@@ -13900,32 +14073,9 @@
             </a:endParaRPr>
           </a:p>
           <a:p>
-            <a:pPr indent="0" lvl="0" marL="457200" rtl="0" algn="l">
-              <a:spcBef>
-                <a:spcPts val="1200"/>
-              </a:spcBef>
-              <a:spcAft>
-                <a:spcPts val="0"/>
-              </a:spcAft>
-              <a:buNone/>
-            </a:pPr>
-            <a:r>
-              <a:t/>
-            </a:r>
-            <a:endParaRPr>
-              <a:solidFill>
-                <a:schemeClr val="lt1"/>
-              </a:solidFill>
-              <a:latin typeface="Times New Roman"/>
-              <a:ea typeface="Times New Roman"/>
-              <a:cs typeface="Times New Roman"/>
-              <a:sym typeface="Times New Roman"/>
-            </a:endParaRPr>
-          </a:p>
-          <a:p>
             <a:pPr indent="-342900" lvl="0" marL="457200" rtl="0" algn="l">
               <a:spcBef>
-                <a:spcPts val="1200"/>
+                <a:spcPts val="0"/>
               </a:spcBef>
               <a:spcAft>
                 <a:spcPts val="0"/>
@@ -13947,7 +14097,7 @@
                 <a:cs typeface="Times New Roman"/>
                 <a:sym typeface="Times New Roman"/>
               </a:rPr>
-              <a:t>Despite little-to-no support from our Machine Learning Models, we stand by our hypothesis that Pisces men, are in fact, the worst.</a:t>
+              <a:t>Answer: Despite little-to-no support from our Machine Learning Models, we stand by our hypothesis that Pisces men, are in fact, the worst.</a:t>
             </a:r>
             <a:endParaRPr>
               <a:solidFill>
@@ -13963,7 +14113,7 @@
       </p:sp>
       <p:grpSp>
         <p:nvGrpSpPr>
-          <p:cNvPr id="377" name="Google Shape;377;p36"/>
+          <p:cNvPr id="382" name="Google Shape;382;p37"/>
           <p:cNvGrpSpPr/>
           <p:nvPr/>
         </p:nvGrpSpPr>
@@ -13977,7 +14127,7 @@
         </p:grpSpPr>
         <p:pic>
           <p:nvPicPr>
-            <p:cNvPr id="378" name="Google Shape;378;p36"/>
+            <p:cNvPr id="383" name="Google Shape;383;p37"/>
             <p:cNvPicPr preferRelativeResize="0"/>
             <p:nvPr/>
           </p:nvPicPr>
@@ -14004,7 +14154,7 @@
         </p:pic>
         <p:pic>
           <p:nvPicPr>
-            <p:cNvPr id="379" name="Google Shape;379;p36"/>
+            <p:cNvPr id="384" name="Google Shape;384;p37"/>
             <p:cNvPicPr preferRelativeResize="0"/>
             <p:nvPr/>
           </p:nvPicPr>
@@ -14031,7 +14181,7 @@
         </p:pic>
         <p:pic>
           <p:nvPicPr>
-            <p:cNvPr id="380" name="Google Shape;380;p36"/>
+            <p:cNvPr id="385" name="Google Shape;385;p37"/>
             <p:cNvPicPr preferRelativeResize="0"/>
             <p:nvPr/>
           </p:nvPicPr>
@@ -14058,7 +14208,7 @@
         </p:pic>
         <p:pic>
           <p:nvPicPr>
-            <p:cNvPr id="381" name="Google Shape;381;p36"/>
+            <p:cNvPr id="386" name="Google Shape;386;p37"/>
             <p:cNvPicPr preferRelativeResize="0"/>
             <p:nvPr/>
           </p:nvPicPr>
@@ -14085,7 +14235,7 @@
         </p:pic>
         <p:pic>
           <p:nvPicPr>
-            <p:cNvPr id="382" name="Google Shape;382;p36"/>
+            <p:cNvPr id="387" name="Google Shape;387;p37"/>
             <p:cNvPicPr preferRelativeResize="0"/>
             <p:nvPr/>
           </p:nvPicPr>
@@ -14112,7 +14262,7 @@
         </p:pic>
         <p:pic>
           <p:nvPicPr>
-            <p:cNvPr id="383" name="Google Shape;383;p36"/>
+            <p:cNvPr id="388" name="Google Shape;388;p37"/>
             <p:cNvPicPr preferRelativeResize="0"/>
             <p:nvPr/>
           </p:nvPicPr>
@@ -14140,7 +14290,7 @@
       </p:grpSp>
       <p:grpSp>
         <p:nvGrpSpPr>
-          <p:cNvPr id="384" name="Google Shape;384;p36"/>
+          <p:cNvPr id="389" name="Google Shape;389;p37"/>
           <p:cNvGrpSpPr/>
           <p:nvPr/>
         </p:nvGrpSpPr>
@@ -14154,7 +14304,7 @@
         </p:grpSpPr>
         <p:pic>
           <p:nvPicPr>
-            <p:cNvPr id="385" name="Google Shape;385;p36"/>
+            <p:cNvPr id="390" name="Google Shape;390;p37"/>
             <p:cNvPicPr preferRelativeResize="0"/>
             <p:nvPr/>
           </p:nvPicPr>
@@ -14181,7 +14331,7 @@
         </p:pic>
         <p:pic>
           <p:nvPicPr>
-            <p:cNvPr id="386" name="Google Shape;386;p36"/>
+            <p:cNvPr id="391" name="Google Shape;391;p37"/>
             <p:cNvPicPr preferRelativeResize="0"/>
             <p:nvPr/>
           </p:nvPicPr>
@@ -14208,7 +14358,7 @@
         </p:pic>
         <p:pic>
           <p:nvPicPr>
-            <p:cNvPr id="387" name="Google Shape;387;p36"/>
+            <p:cNvPr id="392" name="Google Shape;392;p37"/>
             <p:cNvPicPr preferRelativeResize="0"/>
             <p:nvPr/>
           </p:nvPicPr>
@@ -14235,7 +14385,7 @@
         </p:pic>
         <p:pic>
           <p:nvPicPr>
-            <p:cNvPr id="388" name="Google Shape;388;p36"/>
+            <p:cNvPr id="393" name="Google Shape;393;p37"/>
             <p:cNvPicPr preferRelativeResize="0"/>
             <p:nvPr/>
           </p:nvPicPr>
@@ -14262,7 +14412,7 @@
         </p:pic>
         <p:pic>
           <p:nvPicPr>
-            <p:cNvPr id="389" name="Google Shape;389;p36"/>
+            <p:cNvPr id="394" name="Google Shape;394;p37"/>
             <p:cNvPicPr preferRelativeResize="0"/>
             <p:nvPr/>
           </p:nvPicPr>
@@ -14289,7 +14439,7 @@
         </p:pic>
         <p:pic>
           <p:nvPicPr>
-            <p:cNvPr id="390" name="Google Shape;390;p36"/>
+            <p:cNvPr id="395" name="Google Shape;395;p37"/>
             <p:cNvPicPr preferRelativeResize="0"/>
             <p:nvPr/>
           </p:nvPicPr>
@@ -14323,19 +14473,19 @@
 </p:sld>
 </file>
 
-<file path=ppt/slides/slide25.xml><?xml version="1.0" encoding="utf-8"?>
+<file path=ppt/slides/slide26.xml><?xml version="1.0" encoding="utf-8"?>
 <p:sld xmlns:a="http://schemas.openxmlformats.org/drawingml/2006/main" xmlns:r="http://schemas.openxmlformats.org/officeDocument/2006/relationships" xmlns:mc="http://schemas.openxmlformats.org/markup-compatibility/2006" xmlns:mv="urn:schemas-microsoft-com:mac:vml" xmlns:p="http://schemas.openxmlformats.org/presentationml/2006/main" xmlns:c="http://schemas.openxmlformats.org/drawingml/2006/chart" xmlns:dgm="http://schemas.openxmlformats.org/drawingml/2006/diagram" xmlns:o="urn:schemas-microsoft-com:office:office" xmlns:v="urn:schemas-microsoft-com:vml" xmlns:pvml="urn:schemas-microsoft-com:office:powerpoint" xmlns:com="http://schemas.openxmlformats.org/drawingml/2006/compatibility" xmlns:p14="http://schemas.microsoft.com/office/powerpoint/2010/main" xmlns:p15="http://schemas.microsoft.com/office/powerpoint/2012/main" xmlns:ahyp="http://schemas.microsoft.com/office/drawing/2018/hyperlinkcolor">
   <p:cSld>
     <p:bg>
       <p:bgPr>
         <a:solidFill>
-          <a:srgbClr val="75CEDE"/>
+          <a:srgbClr val="A7A4D1"/>
         </a:solidFill>
       </p:bgPr>
     </p:bg>
     <p:spTree>
       <p:nvGrpSpPr>
-        <p:cNvPr id="394" name="Shape 394"/>
+        <p:cNvPr id="399" name="Shape 399"/>
         <p:cNvGrpSpPr/>
         <p:nvPr/>
       </p:nvGrpSpPr>
@@ -14349,7 +14499,7 @@
       </p:grpSpPr>
       <p:sp>
         <p:nvSpPr>
-          <p:cNvPr id="395" name="Google Shape;395;p37"/>
+          <p:cNvPr id="400" name="Google Shape;400;p38"/>
           <p:cNvSpPr txBox="1"/>
           <p:nvPr>
             <p:ph type="title"/>
@@ -14405,7 +14555,7 @@
       </p:sp>
       <p:sp>
         <p:nvSpPr>
-          <p:cNvPr id="396" name="Google Shape;396;p37"/>
+          <p:cNvPr id="401" name="Google Shape;401;p38"/>
           <p:cNvSpPr txBox="1"/>
           <p:nvPr>
             <p:ph idx="1" type="body"/>
@@ -14413,7 +14563,7 @@
         </p:nvSpPr>
         <p:spPr>
           <a:xfrm>
-            <a:off x="311700" y="1656625"/>
+            <a:off x="311700" y="1594500"/>
             <a:ext cx="8520600" cy="3416400"/>
           </a:xfrm>
           <a:prstGeom prst="rect">
@@ -14610,7 +14760,7 @@
       </p:sp>
       <p:grpSp>
         <p:nvGrpSpPr>
-          <p:cNvPr id="397" name="Google Shape;397;p37"/>
+          <p:cNvPr id="402" name="Google Shape;402;p38"/>
           <p:cNvGrpSpPr/>
           <p:nvPr/>
         </p:nvGrpSpPr>
@@ -14624,7 +14774,7 @@
         </p:grpSpPr>
         <p:pic>
           <p:nvPicPr>
-            <p:cNvPr id="398" name="Google Shape;398;p37"/>
+            <p:cNvPr id="403" name="Google Shape;403;p38"/>
             <p:cNvPicPr preferRelativeResize="0"/>
             <p:nvPr/>
           </p:nvPicPr>
@@ -14651,7 +14801,7 @@
         </p:pic>
         <p:pic>
           <p:nvPicPr>
-            <p:cNvPr id="399" name="Google Shape;399;p37"/>
+            <p:cNvPr id="404" name="Google Shape;404;p38"/>
             <p:cNvPicPr preferRelativeResize="0"/>
             <p:nvPr/>
           </p:nvPicPr>
@@ -14678,7 +14828,7 @@
         </p:pic>
         <p:pic>
           <p:nvPicPr>
-            <p:cNvPr id="400" name="Google Shape;400;p37"/>
+            <p:cNvPr id="405" name="Google Shape;405;p38"/>
             <p:cNvPicPr preferRelativeResize="0"/>
             <p:nvPr/>
           </p:nvPicPr>
@@ -14705,7 +14855,7 @@
         </p:pic>
         <p:pic>
           <p:nvPicPr>
-            <p:cNvPr id="401" name="Google Shape;401;p37"/>
+            <p:cNvPr id="406" name="Google Shape;406;p38"/>
             <p:cNvPicPr preferRelativeResize="0"/>
             <p:nvPr/>
           </p:nvPicPr>
@@ -14732,7 +14882,7 @@
         </p:pic>
         <p:pic>
           <p:nvPicPr>
-            <p:cNvPr id="402" name="Google Shape;402;p37"/>
+            <p:cNvPr id="407" name="Google Shape;407;p38"/>
             <p:cNvPicPr preferRelativeResize="0"/>
             <p:nvPr/>
           </p:nvPicPr>
@@ -14759,7 +14909,7 @@
         </p:pic>
         <p:pic>
           <p:nvPicPr>
-            <p:cNvPr id="403" name="Google Shape;403;p37"/>
+            <p:cNvPr id="408" name="Google Shape;408;p38"/>
             <p:cNvPicPr preferRelativeResize="0"/>
             <p:nvPr/>
           </p:nvPicPr>
@@ -14787,7 +14937,7 @@
       </p:grpSp>
       <p:grpSp>
         <p:nvGrpSpPr>
-          <p:cNvPr id="404" name="Google Shape;404;p37"/>
+          <p:cNvPr id="409" name="Google Shape;409;p38"/>
           <p:cNvGrpSpPr/>
           <p:nvPr/>
         </p:nvGrpSpPr>
@@ -14801,7 +14951,7 @@
         </p:grpSpPr>
         <p:pic>
           <p:nvPicPr>
-            <p:cNvPr id="405" name="Google Shape;405;p37"/>
+            <p:cNvPr id="410" name="Google Shape;410;p38"/>
             <p:cNvPicPr preferRelativeResize="0"/>
             <p:nvPr/>
           </p:nvPicPr>
@@ -14828,7 +14978,7 @@
         </p:pic>
         <p:pic>
           <p:nvPicPr>
-            <p:cNvPr id="406" name="Google Shape;406;p37"/>
+            <p:cNvPr id="411" name="Google Shape;411;p38"/>
             <p:cNvPicPr preferRelativeResize="0"/>
             <p:nvPr/>
           </p:nvPicPr>
@@ -14855,7 +15005,7 @@
         </p:pic>
         <p:pic>
           <p:nvPicPr>
-            <p:cNvPr id="407" name="Google Shape;407;p37"/>
+            <p:cNvPr id="412" name="Google Shape;412;p38"/>
             <p:cNvPicPr preferRelativeResize="0"/>
             <p:nvPr/>
           </p:nvPicPr>
@@ -14882,7 +15032,7 @@
         </p:pic>
         <p:pic>
           <p:nvPicPr>
-            <p:cNvPr id="408" name="Google Shape;408;p37"/>
+            <p:cNvPr id="413" name="Google Shape;413;p38"/>
             <p:cNvPicPr preferRelativeResize="0"/>
             <p:nvPr/>
           </p:nvPicPr>
@@ -14909,7 +15059,7 @@
         </p:pic>
         <p:pic>
           <p:nvPicPr>
-            <p:cNvPr id="409" name="Google Shape;409;p37"/>
+            <p:cNvPr id="414" name="Google Shape;414;p38"/>
             <p:cNvPicPr preferRelativeResize="0"/>
             <p:nvPr/>
           </p:nvPicPr>
@@ -14936,7 +15086,7 @@
         </p:pic>
         <p:pic>
           <p:nvPicPr>
-            <p:cNvPr id="410" name="Google Shape;410;p37"/>
+            <p:cNvPr id="415" name="Google Shape;415;p38"/>
             <p:cNvPicPr preferRelativeResize="0"/>
             <p:nvPr/>
           </p:nvPicPr>
@@ -14970,19 +15120,19 @@
 </p:sld>
 </file>
 
-<file path=ppt/slides/slide26.xml><?xml version="1.0" encoding="utf-8"?>
+<file path=ppt/slides/slide27.xml><?xml version="1.0" encoding="utf-8"?>
 <p:sld xmlns:a="http://schemas.openxmlformats.org/drawingml/2006/main" xmlns:r="http://schemas.openxmlformats.org/officeDocument/2006/relationships" xmlns:mc="http://schemas.openxmlformats.org/markup-compatibility/2006" xmlns:mv="urn:schemas-microsoft-com:mac:vml" xmlns:p="http://schemas.openxmlformats.org/presentationml/2006/main" xmlns:c="http://schemas.openxmlformats.org/drawingml/2006/chart" xmlns:dgm="http://schemas.openxmlformats.org/drawingml/2006/diagram" xmlns:o="urn:schemas-microsoft-com:office:office" xmlns:v="urn:schemas-microsoft-com:vml" xmlns:pvml="urn:schemas-microsoft-com:office:powerpoint" xmlns:com="http://schemas.openxmlformats.org/drawingml/2006/compatibility" xmlns:p14="http://schemas.microsoft.com/office/powerpoint/2010/main" xmlns:p15="http://schemas.microsoft.com/office/powerpoint/2012/main" xmlns:ahyp="http://schemas.microsoft.com/office/drawing/2018/hyperlinkcolor">
   <p:cSld>
     <p:bg>
       <p:bgPr>
         <a:solidFill>
-          <a:srgbClr val="A7A4D1"/>
+          <a:srgbClr val="F4D58F"/>
         </a:solidFill>
       </p:bgPr>
     </p:bg>
     <p:spTree>
       <p:nvGrpSpPr>
-        <p:cNvPr id="414" name="Shape 414"/>
+        <p:cNvPr id="419" name="Shape 419"/>
         <p:cNvGrpSpPr/>
         <p:nvPr/>
       </p:nvGrpSpPr>
@@ -14996,7 +15146,7 @@
       </p:grpSpPr>
       <p:sp>
         <p:nvSpPr>
-          <p:cNvPr id="415" name="Google Shape;415;p38"/>
+          <p:cNvPr id="420" name="Google Shape;420;p39"/>
           <p:cNvSpPr txBox="1"/>
           <p:nvPr>
             <p:ph type="title"/>
@@ -15052,7 +15202,7 @@
       </p:sp>
       <p:sp>
         <p:nvSpPr>
-          <p:cNvPr id="416" name="Google Shape;416;p38"/>
+          <p:cNvPr id="421" name="Google Shape;421;p39"/>
           <p:cNvSpPr txBox="1"/>
           <p:nvPr>
             <p:ph idx="1" type="body"/>
@@ -15285,7 +15435,7 @@
       </p:sp>
       <p:grpSp>
         <p:nvGrpSpPr>
-          <p:cNvPr id="417" name="Google Shape;417;p38"/>
+          <p:cNvPr id="422" name="Google Shape;422;p39"/>
           <p:cNvGrpSpPr/>
           <p:nvPr/>
         </p:nvGrpSpPr>
@@ -15299,7 +15449,7 @@
         </p:grpSpPr>
         <p:pic>
           <p:nvPicPr>
-            <p:cNvPr id="418" name="Google Shape;418;p38"/>
+            <p:cNvPr id="423" name="Google Shape;423;p39"/>
             <p:cNvPicPr preferRelativeResize="0"/>
             <p:nvPr/>
           </p:nvPicPr>
@@ -15326,7 +15476,7 @@
         </p:pic>
         <p:pic>
           <p:nvPicPr>
-            <p:cNvPr id="419" name="Google Shape;419;p38"/>
+            <p:cNvPr id="424" name="Google Shape;424;p39"/>
             <p:cNvPicPr preferRelativeResize="0"/>
             <p:nvPr/>
           </p:nvPicPr>
@@ -15353,7 +15503,7 @@
         </p:pic>
         <p:pic>
           <p:nvPicPr>
-            <p:cNvPr id="420" name="Google Shape;420;p38"/>
+            <p:cNvPr id="425" name="Google Shape;425;p39"/>
             <p:cNvPicPr preferRelativeResize="0"/>
             <p:nvPr/>
           </p:nvPicPr>
@@ -15380,7 +15530,7 @@
         </p:pic>
         <p:pic>
           <p:nvPicPr>
-            <p:cNvPr id="421" name="Google Shape;421;p38"/>
+            <p:cNvPr id="426" name="Google Shape;426;p39"/>
             <p:cNvPicPr preferRelativeResize="0"/>
             <p:nvPr/>
           </p:nvPicPr>
@@ -15407,7 +15557,7 @@
         </p:pic>
         <p:pic>
           <p:nvPicPr>
-            <p:cNvPr id="422" name="Google Shape;422;p38"/>
+            <p:cNvPr id="427" name="Google Shape;427;p39"/>
             <p:cNvPicPr preferRelativeResize="0"/>
             <p:nvPr/>
           </p:nvPicPr>
@@ -15434,7 +15584,7 @@
         </p:pic>
         <p:pic>
           <p:nvPicPr>
-            <p:cNvPr id="423" name="Google Shape;423;p38"/>
+            <p:cNvPr id="428" name="Google Shape;428;p39"/>
             <p:cNvPicPr preferRelativeResize="0"/>
             <p:nvPr/>
           </p:nvPicPr>
@@ -15462,7 +15612,7 @@
       </p:grpSp>
       <p:grpSp>
         <p:nvGrpSpPr>
-          <p:cNvPr id="424" name="Google Shape;424;p38"/>
+          <p:cNvPr id="429" name="Google Shape;429;p39"/>
           <p:cNvGrpSpPr/>
           <p:nvPr/>
         </p:nvGrpSpPr>
@@ -15476,7 +15626,7 @@
         </p:grpSpPr>
         <p:pic>
           <p:nvPicPr>
-            <p:cNvPr id="425" name="Google Shape;425;p38"/>
+            <p:cNvPr id="430" name="Google Shape;430;p39"/>
             <p:cNvPicPr preferRelativeResize="0"/>
             <p:nvPr/>
           </p:nvPicPr>
@@ -15503,7 +15653,7 @@
         </p:pic>
         <p:pic>
           <p:nvPicPr>
-            <p:cNvPr id="426" name="Google Shape;426;p38"/>
+            <p:cNvPr id="431" name="Google Shape;431;p39"/>
             <p:cNvPicPr preferRelativeResize="0"/>
             <p:nvPr/>
           </p:nvPicPr>
@@ -15530,7 +15680,7 @@
         </p:pic>
         <p:pic>
           <p:nvPicPr>
-            <p:cNvPr id="427" name="Google Shape;427;p38"/>
+            <p:cNvPr id="432" name="Google Shape;432;p39"/>
             <p:cNvPicPr preferRelativeResize="0"/>
             <p:nvPr/>
           </p:nvPicPr>
@@ -15557,7 +15707,7 @@
         </p:pic>
         <p:pic>
           <p:nvPicPr>
-            <p:cNvPr id="428" name="Google Shape;428;p38"/>
+            <p:cNvPr id="433" name="Google Shape;433;p39"/>
             <p:cNvPicPr preferRelativeResize="0"/>
             <p:nvPr/>
           </p:nvPicPr>
@@ -15584,7 +15734,7 @@
         </p:pic>
         <p:pic>
           <p:nvPicPr>
-            <p:cNvPr id="429" name="Google Shape;429;p38"/>
+            <p:cNvPr id="434" name="Google Shape;434;p39"/>
             <p:cNvPicPr preferRelativeResize="0"/>
             <p:nvPr/>
           </p:nvPicPr>
@@ -15611,7 +15761,7 @@
         </p:pic>
         <p:pic>
           <p:nvPicPr>
-            <p:cNvPr id="430" name="Google Shape;430;p38"/>
+            <p:cNvPr id="435" name="Google Shape;435;p39"/>
             <p:cNvPicPr preferRelativeResize="0"/>
             <p:nvPr/>
           </p:nvPicPr>
@@ -15645,19 +15795,19 @@
 </p:sld>
 </file>
 
-<file path=ppt/slides/slide27.xml><?xml version="1.0" encoding="utf-8"?>
+<file path=ppt/slides/slide28.xml><?xml version="1.0" encoding="utf-8"?>
 <p:sld xmlns:a="http://schemas.openxmlformats.org/drawingml/2006/main" xmlns:r="http://schemas.openxmlformats.org/officeDocument/2006/relationships" xmlns:mc="http://schemas.openxmlformats.org/markup-compatibility/2006" xmlns:mv="urn:schemas-microsoft-com:mac:vml" xmlns:p="http://schemas.openxmlformats.org/presentationml/2006/main" xmlns:c="http://schemas.openxmlformats.org/drawingml/2006/chart" xmlns:dgm="http://schemas.openxmlformats.org/drawingml/2006/diagram" xmlns:o="urn:schemas-microsoft-com:office:office" xmlns:v="urn:schemas-microsoft-com:vml" xmlns:pvml="urn:schemas-microsoft-com:office:powerpoint" xmlns:com="http://schemas.openxmlformats.org/drawingml/2006/compatibility" xmlns:p14="http://schemas.microsoft.com/office/powerpoint/2010/main" xmlns:p15="http://schemas.microsoft.com/office/powerpoint/2012/main" xmlns:ahyp="http://schemas.microsoft.com/office/drawing/2018/hyperlinkcolor">
   <p:cSld>
     <p:bg>
       <p:bgPr>
         <a:solidFill>
-          <a:srgbClr val="F4D58F"/>
+          <a:srgbClr val="75CEDE"/>
         </a:solidFill>
       </p:bgPr>
     </p:bg>
     <p:spTree>
       <p:nvGrpSpPr>
-        <p:cNvPr id="434" name="Shape 434"/>
+        <p:cNvPr id="439" name="Shape 439"/>
         <p:cNvGrpSpPr/>
         <p:nvPr/>
       </p:nvGrpSpPr>
@@ -15671,7 +15821,7 @@
       </p:grpSpPr>
       <p:sp>
         <p:nvSpPr>
-          <p:cNvPr id="435" name="Google Shape;435;p39"/>
+          <p:cNvPr id="440" name="Google Shape;440;p40"/>
           <p:cNvSpPr txBox="1"/>
           <p:nvPr>
             <p:ph type="title"/>
@@ -15736,19 +15886,25 @@
             <a:r>
               <a:rPr b="1" lang="en" u="sng">
                 <a:solidFill>
-                  <a:schemeClr val="hlink"/>
+                  <a:srgbClr val="A7A4D1"/>
                 </a:solidFill>
                 <a:latin typeface="Times New Roman"/>
                 <a:ea typeface="Times New Roman"/>
                 <a:cs typeface="Times New Roman"/>
                 <a:sym typeface="Times New Roman"/>
-                <a:hlinkClick r:id="rId3"/>
+                <a:hlinkClick r:id="rId3">
+                  <a:extLst>
+                    <a:ext uri="{A12FA001-AC4F-418D-AE19-62706E023703}">
+                      <ahyp:hlinkClr val="tx"/>
+                    </a:ext>
+                  </a:extLst>
+                </a:hlinkClick>
               </a:rPr>
               <a:t>https://rulamia.github.io/Horrorscopes/</a:t>
             </a:r>
             <a:endParaRPr b="1">
               <a:solidFill>
-                <a:schemeClr val="lt1"/>
+                <a:srgbClr val="A7A4D1"/>
               </a:solidFill>
               <a:latin typeface="Times New Roman"/>
               <a:ea typeface="Times New Roman"/>
@@ -15760,7 +15916,7 @@
       </p:sp>
       <p:grpSp>
         <p:nvGrpSpPr>
-          <p:cNvPr id="436" name="Google Shape;436;p39"/>
+          <p:cNvPr id="441" name="Google Shape;441;p40"/>
           <p:cNvGrpSpPr/>
           <p:nvPr/>
         </p:nvGrpSpPr>
@@ -15774,7 +15930,7 @@
         </p:grpSpPr>
         <p:pic>
           <p:nvPicPr>
-            <p:cNvPr id="437" name="Google Shape;437;p39"/>
+            <p:cNvPr id="442" name="Google Shape;442;p40"/>
             <p:cNvPicPr preferRelativeResize="0"/>
             <p:nvPr/>
           </p:nvPicPr>
@@ -15801,7 +15957,7 @@
         </p:pic>
         <p:pic>
           <p:nvPicPr>
-            <p:cNvPr id="438" name="Google Shape;438;p39"/>
+            <p:cNvPr id="443" name="Google Shape;443;p40"/>
             <p:cNvPicPr preferRelativeResize="0"/>
             <p:nvPr/>
           </p:nvPicPr>
@@ -15828,7 +15984,7 @@
         </p:pic>
         <p:pic>
           <p:nvPicPr>
-            <p:cNvPr id="439" name="Google Shape;439;p39"/>
+            <p:cNvPr id="444" name="Google Shape;444;p40"/>
             <p:cNvPicPr preferRelativeResize="0"/>
             <p:nvPr/>
           </p:nvPicPr>
@@ -15855,7 +16011,7 @@
         </p:pic>
         <p:pic>
           <p:nvPicPr>
-            <p:cNvPr id="440" name="Google Shape;440;p39"/>
+            <p:cNvPr id="445" name="Google Shape;445;p40"/>
             <p:cNvPicPr preferRelativeResize="0"/>
             <p:nvPr/>
           </p:nvPicPr>
@@ -15882,7 +16038,7 @@
         </p:pic>
         <p:pic>
           <p:nvPicPr>
-            <p:cNvPr id="441" name="Google Shape;441;p39"/>
+            <p:cNvPr id="446" name="Google Shape;446;p40"/>
             <p:cNvPicPr preferRelativeResize="0"/>
             <p:nvPr/>
           </p:nvPicPr>
@@ -15909,7 +16065,7 @@
         </p:pic>
         <p:pic>
           <p:nvPicPr>
-            <p:cNvPr id="442" name="Google Shape;442;p39"/>
+            <p:cNvPr id="447" name="Google Shape;447;p40"/>
             <p:cNvPicPr preferRelativeResize="0"/>
             <p:nvPr/>
           </p:nvPicPr>
@@ -15937,7 +16093,7 @@
       </p:grpSp>
       <p:grpSp>
         <p:nvGrpSpPr>
-          <p:cNvPr id="443" name="Google Shape;443;p39"/>
+          <p:cNvPr id="448" name="Google Shape;448;p40"/>
           <p:cNvGrpSpPr/>
           <p:nvPr/>
         </p:nvGrpSpPr>
@@ -15951,7 +16107,7 @@
         </p:grpSpPr>
         <p:pic>
           <p:nvPicPr>
-            <p:cNvPr id="444" name="Google Shape;444;p39"/>
+            <p:cNvPr id="449" name="Google Shape;449;p40"/>
             <p:cNvPicPr preferRelativeResize="0"/>
             <p:nvPr/>
           </p:nvPicPr>
@@ -15978,7 +16134,7 @@
         </p:pic>
         <p:pic>
           <p:nvPicPr>
-            <p:cNvPr id="445" name="Google Shape;445;p39"/>
+            <p:cNvPr id="450" name="Google Shape;450;p40"/>
             <p:cNvPicPr preferRelativeResize="0"/>
             <p:nvPr/>
           </p:nvPicPr>
@@ -16005,7 +16161,7 @@
         </p:pic>
         <p:pic>
           <p:nvPicPr>
-            <p:cNvPr id="446" name="Google Shape;446;p39"/>
+            <p:cNvPr id="451" name="Google Shape;451;p40"/>
             <p:cNvPicPr preferRelativeResize="0"/>
             <p:nvPr/>
           </p:nvPicPr>
@@ -16032,7 +16188,7 @@
         </p:pic>
         <p:pic>
           <p:nvPicPr>
-            <p:cNvPr id="447" name="Google Shape;447;p39"/>
+            <p:cNvPr id="452" name="Google Shape;452;p40"/>
             <p:cNvPicPr preferRelativeResize="0"/>
             <p:nvPr/>
           </p:nvPicPr>
@@ -16059,7 +16215,7 @@
         </p:pic>
         <p:pic>
           <p:nvPicPr>
-            <p:cNvPr id="448" name="Google Shape;448;p39"/>
+            <p:cNvPr id="453" name="Google Shape;453;p40"/>
             <p:cNvPicPr preferRelativeResize="0"/>
             <p:nvPr/>
           </p:nvPicPr>
@@ -16086,7 +16242,7 @@
         </p:pic>
         <p:pic>
           <p:nvPicPr>
-            <p:cNvPr id="449" name="Google Shape;449;p39"/>
+            <p:cNvPr id="454" name="Google Shape;454;p40"/>
             <p:cNvPicPr preferRelativeResize="0"/>
             <p:nvPr/>
           </p:nvPicPr>
@@ -16120,12 +16276,12 @@
 </p:sld>
 </file>
 
-<file path=ppt/slides/slide28.xml><?xml version="1.0" encoding="utf-8"?>
+<file path=ppt/slides/slide29.xml><?xml version="1.0" encoding="utf-8"?>
 <p:sld xmlns:a="http://schemas.openxmlformats.org/drawingml/2006/main" xmlns:r="http://schemas.openxmlformats.org/officeDocument/2006/relationships" xmlns:mc="http://schemas.openxmlformats.org/markup-compatibility/2006" xmlns:mv="urn:schemas-microsoft-com:mac:vml" xmlns:p="http://schemas.openxmlformats.org/presentationml/2006/main" xmlns:c="http://schemas.openxmlformats.org/drawingml/2006/chart" xmlns:dgm="http://schemas.openxmlformats.org/drawingml/2006/diagram" xmlns:o="urn:schemas-microsoft-com:office:office" xmlns:v="urn:schemas-microsoft-com:vml" xmlns:pvml="urn:schemas-microsoft-com:office:powerpoint" xmlns:com="http://schemas.openxmlformats.org/drawingml/2006/compatibility" xmlns:p14="http://schemas.microsoft.com/office/powerpoint/2010/main" xmlns:p15="http://schemas.microsoft.com/office/powerpoint/2012/main" xmlns:ahyp="http://schemas.microsoft.com/office/drawing/2018/hyperlinkcolor">
   <p:cSld>
     <p:spTree>
       <p:nvGrpSpPr>
-        <p:cNvPr id="453" name="Shape 453"/>
+        <p:cNvPr id="458" name="Shape 458"/>
         <p:cNvGrpSpPr/>
         <p:nvPr/>
       </p:nvGrpSpPr>
@@ -16139,7 +16295,7 @@
       </p:grpSpPr>
       <p:sp>
         <p:nvSpPr>
-          <p:cNvPr id="454" name="Google Shape;454;p40"/>
+          <p:cNvPr id="459" name="Google Shape;459;p41"/>
           <p:cNvSpPr txBox="1"/>
           <p:nvPr>
             <p:ph type="title"/>
@@ -18267,7 +18423,7 @@
         </p:nvSpPr>
         <p:spPr>
           <a:xfrm>
-            <a:off x="311700" y="1574875"/>
+            <a:off x="321925" y="1574875"/>
             <a:ext cx="8520600" cy="3416400"/>
           </a:xfrm>
           <a:prstGeom prst="rect">
@@ -18280,7 +18436,7 @@
           </a:bodyPr>
           <a:lstStyle/>
           <a:p>
-            <a:pPr indent="-342900" lvl="0" marL="457200" rtl="0" algn="l">
+            <a:pPr indent="-336550" lvl="0" marL="457200" rtl="0" algn="l">
               <a:spcBef>
                 <a:spcPts val="0"/>
               </a:spcBef>
@@ -18290,25 +18446,34 @@
               <a:buClr>
                 <a:srgbClr val="000000"/>
               </a:buClr>
-              <a:buSzPts val="1800"/>
+              <a:buSzPts val="1700"/>
+              <a:buFont typeface="Times New Roman"/>
               <a:buChar char="●"/>
             </a:pPr>
             <a:r>
-              <a:rPr lang="en">
+              <a:rPr lang="en" sz="1700">
                 <a:solidFill>
                   <a:srgbClr val="000000"/>
                 </a:solidFill>
+                <a:latin typeface="Times New Roman"/>
+                <a:ea typeface="Times New Roman"/>
+                <a:cs typeface="Times New Roman"/>
+                <a:sym typeface="Times New Roman"/>
               </a:rPr>
               <a:t>Once originally scraped, we found erroneous entries for Wikipedia articles such as “The Dating Game” and “September 11th attacks” as well as duplicate entries for several killers</a:t>
             </a:r>
-            <a:endParaRPr>
+            <a:endParaRPr sz="1700">
               <a:solidFill>
                 <a:srgbClr val="000000"/>
               </a:solidFill>
+              <a:latin typeface="Times New Roman"/>
+              <a:ea typeface="Times New Roman"/>
+              <a:cs typeface="Times New Roman"/>
+              <a:sym typeface="Times New Roman"/>
             </a:endParaRPr>
           </a:p>
           <a:p>
-            <a:pPr indent="-342900" lvl="0" marL="457200" rtl="0" algn="l">
+            <a:pPr indent="-336550" lvl="0" marL="457200" rtl="0" algn="l">
               <a:spcBef>
                 <a:spcPts val="0"/>
               </a:spcBef>
@@ -18318,25 +18483,34 @@
               <a:buClr>
                 <a:srgbClr val="000000"/>
               </a:buClr>
-              <a:buSzPts val="1800"/>
+              <a:buSzPts val="1700"/>
+              <a:buFont typeface="Times New Roman"/>
               <a:buChar char="●"/>
             </a:pPr>
             <a:r>
-              <a:rPr lang="en">
+              <a:rPr lang="en" sz="1700">
                 <a:solidFill>
                   <a:srgbClr val="000000"/>
                 </a:solidFill>
+                <a:latin typeface="Times New Roman"/>
+                <a:ea typeface="Times New Roman"/>
+                <a:cs typeface="Times New Roman"/>
+                <a:sym typeface="Times New Roman"/>
               </a:rPr>
               <a:t>When that error was fixed, we then encountered a handful of entries that only noted the year the killer was apprehended – these entries were removed.</a:t>
             </a:r>
-            <a:endParaRPr>
+            <a:endParaRPr sz="1700">
               <a:solidFill>
                 <a:srgbClr val="000000"/>
               </a:solidFill>
+              <a:latin typeface="Times New Roman"/>
+              <a:ea typeface="Times New Roman"/>
+              <a:cs typeface="Times New Roman"/>
+              <a:sym typeface="Times New Roman"/>
             </a:endParaRPr>
           </a:p>
           <a:p>
-            <a:pPr indent="-342900" lvl="0" marL="457200" rtl="0" algn="l">
+            <a:pPr indent="-336550" lvl="0" marL="457200" rtl="0" algn="l">
               <a:spcBef>
                 <a:spcPts val="0"/>
               </a:spcBef>
@@ -18346,25 +18520,34 @@
               <a:buClr>
                 <a:srgbClr val="000000"/>
               </a:buClr>
-              <a:buSzPts val="1800"/>
+              <a:buSzPts val="1700"/>
+              <a:buFont typeface="Times New Roman"/>
               <a:buChar char="●"/>
             </a:pPr>
             <a:r>
-              <a:rPr lang="en">
+              <a:rPr lang="en" sz="1700">
                 <a:solidFill>
                   <a:srgbClr val="000000"/>
                 </a:solidFill>
+                <a:latin typeface="Times New Roman"/>
+                <a:ea typeface="Times New Roman"/>
+                <a:cs typeface="Times New Roman"/>
+                <a:sym typeface="Times New Roman"/>
               </a:rPr>
               <a:t>Code was then written to assign an astrological sign to each killer by their date of birth</a:t>
             </a:r>
-            <a:endParaRPr>
+            <a:endParaRPr sz="1700">
               <a:solidFill>
                 <a:srgbClr val="000000"/>
               </a:solidFill>
+              <a:latin typeface="Times New Roman"/>
+              <a:ea typeface="Times New Roman"/>
+              <a:cs typeface="Times New Roman"/>
+              <a:sym typeface="Times New Roman"/>
             </a:endParaRPr>
           </a:p>
           <a:p>
-            <a:pPr indent="-342900" lvl="0" marL="457200" rtl="0" algn="l">
+            <a:pPr indent="-336550" lvl="0" marL="457200" rtl="0" algn="l">
               <a:spcBef>
                 <a:spcPts val="0"/>
               </a:spcBef>
@@ -18374,18 +18557,23 @@
               <a:buClr>
                 <a:srgbClr val="000000"/>
               </a:buClr>
-              <a:buSzPts val="1800"/>
+              <a:buSzPts val="1700"/>
+              <a:buFont typeface="Times New Roman"/>
               <a:buChar char="●"/>
             </a:pPr>
             <a:r>
-              <a:rPr lang="en">
+              <a:rPr lang="en" sz="1700">
                 <a:solidFill>
                   <a:srgbClr val="000000"/>
                 </a:solidFill>
+                <a:latin typeface="Times New Roman"/>
+                <a:ea typeface="Times New Roman"/>
+                <a:cs typeface="Times New Roman"/>
+                <a:sym typeface="Times New Roman"/>
               </a:rPr>
               <a:t>Data was then exported to a CSV</a:t>
             </a:r>
-            <a:endParaRPr>
+            <a:endParaRPr sz="1700">
               <a:solidFill>
                 <a:schemeClr val="lt1"/>
               </a:solidFill>

--- a/HorrorscopesFinal.pptx
+++ b/HorrorscopesFinal.pptx
@@ -940,7 +940,7 @@
       </p:grpSpPr>
       <p:sp>
         <p:nvSpPr>
-          <p:cNvPr id="237" name="Google Shape;237;g152175e3203_0_383:notes"/>
+          <p:cNvPr id="237" name="Google Shape;237;g152175e3203_0_158:notes"/>
           <p:cNvSpPr/>
           <p:nvPr>
             <p:ph idx="2" type="sldImg"/>
@@ -975,7 +975,7 @@
       </p:sp>
       <p:sp>
         <p:nvSpPr>
-          <p:cNvPr id="238" name="Google Shape;238;g152175e3203_0_383:notes"/>
+          <p:cNvPr id="238" name="Google Shape;238;g152175e3203_0_158:notes"/>
           <p:cNvSpPr txBox="1"/>
           <p:nvPr>
             <p:ph idx="1" type="body"/>
@@ -1007,7 +1007,18 @@
             </a:pPr>
             <a:r>
               <a:rPr lang="en"/>
-              <a:t>Lauren: Either Live Demo the Tableau Charts or proceed with following charts.</a:t>
+              <a:t>Lauren: </a:t>
+            </a:r>
+            <a:r>
+              <a:rPr lang="en" sz="1200">
+                <a:solidFill>
+                  <a:srgbClr val="24292F"/>
+                </a:solidFill>
+                <a:highlight>
+                  <a:srgbClr val="FFFFFF"/>
+                </a:highlight>
+              </a:rPr>
+              <a:t>We put the data into tableau and excel pivot tables to examine any trends between astrological sign and the number of serial killers. We found there were more aquarius killer than other types.</a:t>
             </a:r>
             <a:endParaRPr/>
           </a:p>
@@ -1026,7 +1037,7 @@
   <p:cSld>
     <p:spTree>
       <p:nvGrpSpPr>
-        <p:cNvPr id="241" name="Shape 241"/>
+        <p:cNvPr id="242" name="Shape 242"/>
         <p:cNvGrpSpPr/>
         <p:nvPr/>
       </p:nvGrpSpPr>
@@ -1040,7 +1051,7 @@
       </p:grpSpPr>
       <p:sp>
         <p:nvSpPr>
-          <p:cNvPr id="242" name="Google Shape;242;g152175e3203_0_158:notes"/>
+          <p:cNvPr id="243" name="Google Shape;243;g152175e3203_0_165:notes"/>
           <p:cNvSpPr/>
           <p:nvPr>
             <p:ph idx="2" type="sldImg"/>
@@ -1075,7 +1086,7 @@
       </p:sp>
       <p:sp>
         <p:nvSpPr>
-          <p:cNvPr id="243" name="Google Shape;243;g152175e3203_0_158:notes"/>
+          <p:cNvPr id="244" name="Google Shape;244;g152175e3203_0_165:notes"/>
           <p:cNvSpPr txBox="1"/>
           <p:nvPr>
             <p:ph idx="1" type="body"/>
@@ -1118,7 +1129,7 @@
                   <a:srgbClr val="FFFFFF"/>
                 </a:highlight>
               </a:rPr>
-              <a:t>We put the data into tableau and excel pivot tables to examine any trends between astrological sign and the number of serial killers. We found there were more aquarius killer than other types.</a:t>
+              <a:t>Then, we analyzed number of victims (confirmed) by Killer's astrological sign. Again, the highest number was from aquarius.</a:t>
             </a:r>
             <a:endParaRPr/>
           </a:p>
@@ -1137,7 +1148,7 @@
   <p:cSld>
     <p:spTree>
       <p:nvGrpSpPr>
-        <p:cNvPr id="247" name="Shape 247"/>
+        <p:cNvPr id="248" name="Shape 248"/>
         <p:cNvGrpSpPr/>
         <p:nvPr/>
       </p:nvGrpSpPr>
@@ -1151,7 +1162,7 @@
       </p:grpSpPr>
       <p:sp>
         <p:nvSpPr>
-          <p:cNvPr id="248" name="Google Shape;248;g152175e3203_0_165:notes"/>
+          <p:cNvPr id="249" name="Google Shape;249;g152175e3203_0_171:notes"/>
           <p:cNvSpPr/>
           <p:nvPr>
             <p:ph idx="2" type="sldImg"/>
@@ -1186,7 +1197,7 @@
       </p:sp>
       <p:sp>
         <p:nvSpPr>
-          <p:cNvPr id="249" name="Google Shape;249;g152175e3203_0_165:notes"/>
+          <p:cNvPr id="250" name="Google Shape;250;g152175e3203_0_171:notes"/>
           <p:cNvSpPr txBox="1"/>
           <p:nvPr>
             <p:ph idx="1" type="body"/>
@@ -1229,7 +1240,7 @@
                   <a:srgbClr val="FFFFFF"/>
                 </a:highlight>
               </a:rPr>
-              <a:t>Then, we analyzed number of victims (confirmed) by Killer's astrological sign. Again, the highest number was from aquarius.</a:t>
+              <a:t>Next, we separated the killers by their birth year. We found that the highest number of serial killers were born between 1946-1964 (with the most being in 1953). This generation definition comes from the Pew Research Center.</a:t>
             </a:r>
             <a:endParaRPr/>
           </a:p>
@@ -1248,7 +1259,7 @@
   <p:cSld>
     <p:spTree>
       <p:nvGrpSpPr>
-        <p:cNvPr id="253" name="Shape 253"/>
+        <p:cNvPr id="254" name="Shape 254"/>
         <p:cNvGrpSpPr/>
         <p:nvPr/>
       </p:nvGrpSpPr>
@@ -1262,7 +1273,7 @@
       </p:grpSpPr>
       <p:sp>
         <p:nvSpPr>
-          <p:cNvPr id="254" name="Google Shape;254;g152175e3203_0_171:notes"/>
+          <p:cNvPr id="255" name="Google Shape;255;g152175e3203_0_175:notes"/>
           <p:cNvSpPr/>
           <p:nvPr>
             <p:ph idx="2" type="sldImg"/>
@@ -1297,7 +1308,7 @@
       </p:sp>
       <p:sp>
         <p:nvSpPr>
-          <p:cNvPr id="255" name="Google Shape;255;g152175e3203_0_171:notes"/>
+          <p:cNvPr id="256" name="Google Shape;256;g152175e3203_0_175:notes"/>
           <p:cNvSpPr txBox="1"/>
           <p:nvPr>
             <p:ph idx="1" type="body"/>
@@ -1328,10 +1339,6 @@
               <a:buNone/>
             </a:pPr>
             <a:r>
-              <a:rPr lang="en"/>
-              <a:t>Lauren: </a:t>
-            </a:r>
-            <a:r>
               <a:rPr lang="en" sz="1200">
                 <a:solidFill>
                   <a:srgbClr val="24292F"/>
@@ -1340,7 +1347,7 @@
                   <a:srgbClr val="FFFFFF"/>
                 </a:highlight>
               </a:rPr>
-              <a:t>Next, we separated the killers by their birth year. We found that the highest number of serial killers were born between 1946-1964 (with the most being in 1953). This generation definition comes from the Pew Research Center.</a:t>
+              <a:t>Last, we looked at the average number of victims associated with each generation of killer. The average highest number of victims (6.907) came from the silent generation, which were individuals born between 1928-1945.</a:t>
             </a:r>
             <a:endParaRPr/>
           </a:p>
@@ -1359,7 +1366,7 @@
   <p:cSld>
     <p:spTree>
       <p:nvGrpSpPr>
-        <p:cNvPr id="259" name="Shape 259"/>
+        <p:cNvPr id="260" name="Shape 260"/>
         <p:cNvGrpSpPr/>
         <p:nvPr/>
       </p:nvGrpSpPr>
@@ -1373,7 +1380,7 @@
       </p:grpSpPr>
       <p:sp>
         <p:nvSpPr>
-          <p:cNvPr id="260" name="Google Shape;260;g152175e3203_0_175:notes"/>
+          <p:cNvPr id="261" name="Google Shape;261;g152175e3203_0_179:notes"/>
           <p:cNvSpPr/>
           <p:nvPr>
             <p:ph idx="2" type="sldImg"/>
@@ -1408,7 +1415,7 @@
       </p:sp>
       <p:sp>
         <p:nvSpPr>
-          <p:cNvPr id="261" name="Google Shape;261;g152175e3203_0_175:notes"/>
+          <p:cNvPr id="262" name="Google Shape;262;g152175e3203_0_179:notes"/>
           <p:cNvSpPr txBox="1"/>
           <p:nvPr>
             <p:ph idx="1" type="body"/>
@@ -1439,6 +1446,10 @@
               <a:buNone/>
             </a:pPr>
             <a:r>
+              <a:rPr lang="en"/>
+              <a:t>Lauren: </a:t>
+            </a:r>
+            <a:r>
               <a:rPr lang="en" sz="1200">
                 <a:solidFill>
                   <a:srgbClr val="24292F"/>
@@ -1447,7 +1458,7 @@
                   <a:srgbClr val="FFFFFF"/>
                 </a:highlight>
               </a:rPr>
-              <a:t>Last, we looked at the average number of victims associated with each generation of killer. The average highest number of victims (6.907) came from the silent generation, which were individuals born between 1928-1945.</a:t>
+              <a:t>First, we looked to see which astrological season full moon was associated with the highest number of crime reports for 2009. Virgo full moon (associated with September) had the highest number of reports.</a:t>
             </a:r>
             <a:endParaRPr/>
           </a:p>
@@ -1466,7 +1477,7 @@
   <p:cSld>
     <p:spTree>
       <p:nvGrpSpPr>
-        <p:cNvPr id="265" name="Shape 265"/>
+        <p:cNvPr id="266" name="Shape 266"/>
         <p:cNvGrpSpPr/>
         <p:nvPr/>
       </p:nvGrpSpPr>
@@ -1480,7 +1491,7 @@
       </p:grpSpPr>
       <p:sp>
         <p:nvSpPr>
-          <p:cNvPr id="266" name="Google Shape;266;g152175e3203_0_179:notes"/>
+          <p:cNvPr id="267" name="Google Shape;267;g152175e3203_0_183:notes"/>
           <p:cNvSpPr/>
           <p:nvPr>
             <p:ph idx="2" type="sldImg"/>
@@ -1515,118 +1526,7 @@
       </p:sp>
       <p:sp>
         <p:nvSpPr>
-          <p:cNvPr id="267" name="Google Shape;267;g152175e3203_0_179:notes"/>
-          <p:cNvSpPr txBox="1"/>
-          <p:nvPr>
-            <p:ph idx="1" type="body"/>
-          </p:nvPr>
-        </p:nvSpPr>
-        <p:spPr>
-          <a:xfrm>
-            <a:off x="685800" y="4343400"/>
-            <a:ext cx="5486400" cy="4114800"/>
-          </a:xfrm>
-          <a:prstGeom prst="rect">
-            <a:avLst/>
-          </a:prstGeom>
-        </p:spPr>
-        <p:txBody>
-          <a:bodyPr anchorCtr="0" anchor="t" bIns="91425" lIns="91425" spcFirstLastPara="1" rIns="91425" wrap="square" tIns="91425">
-            <a:noAutofit/>
-          </a:bodyPr>
-          <a:lstStyle/>
-          <a:p>
-            <a:pPr indent="0" lvl="0" marL="0" rtl="0" algn="l">
-              <a:spcBef>
-                <a:spcPts val="0"/>
-              </a:spcBef>
-              <a:spcAft>
-                <a:spcPts val="0"/>
-              </a:spcAft>
-              <a:buNone/>
-            </a:pPr>
-            <a:r>
-              <a:rPr lang="en"/>
-              <a:t>Lauren: </a:t>
-            </a:r>
-            <a:r>
-              <a:rPr lang="en" sz="1200">
-                <a:solidFill>
-                  <a:srgbClr val="24292F"/>
-                </a:solidFill>
-                <a:highlight>
-                  <a:srgbClr val="FFFFFF"/>
-                </a:highlight>
-              </a:rPr>
-              <a:t>First, we looked to see which astrological season full moon was associated with the highest number of crime reports for 2009. Virgo full moon (associated with September) had the highest number of reports.</a:t>
-            </a:r>
-            <a:endParaRPr/>
-          </a:p>
-        </p:txBody>
-      </p:sp>
-    </p:spTree>
-  </p:cSld>
-  <p:clrMapOvr>
-    <a:masterClrMapping/>
-  </p:clrMapOvr>
-</p:notes>
-</file>
-
-<file path=ppt/notesSlides/notesSlide17.xml><?xml version="1.0" encoding="utf-8"?>
-<p:notes xmlns:a="http://schemas.openxmlformats.org/drawingml/2006/main" xmlns:r="http://schemas.openxmlformats.org/officeDocument/2006/relationships" xmlns:mc="http://schemas.openxmlformats.org/markup-compatibility/2006" xmlns:mv="urn:schemas-microsoft-com:mac:vml" xmlns:p="http://schemas.openxmlformats.org/presentationml/2006/main" xmlns:c="http://schemas.openxmlformats.org/drawingml/2006/chart" xmlns:dgm="http://schemas.openxmlformats.org/drawingml/2006/diagram" xmlns:o="urn:schemas-microsoft-com:office:office" xmlns:v="urn:schemas-microsoft-com:vml" xmlns:pvml="urn:schemas-microsoft-com:office:powerpoint" xmlns:com="http://schemas.openxmlformats.org/drawingml/2006/compatibility" xmlns:p14="http://schemas.microsoft.com/office/powerpoint/2010/main" xmlns:p15="http://schemas.microsoft.com/office/powerpoint/2012/main" xmlns:ahyp="http://schemas.microsoft.com/office/drawing/2018/hyperlinkcolor" showMasterPhAnim="0" showMasterSp="0">
-  <p:cSld>
-    <p:spTree>
-      <p:nvGrpSpPr>
-        <p:cNvPr id="271" name="Shape 271"/>
-        <p:cNvGrpSpPr/>
-        <p:nvPr/>
-      </p:nvGrpSpPr>
-      <p:grpSpPr>
-        <a:xfrm>
-          <a:off x="0" y="0"/>
-          <a:ext cx="0" cy="0"/>
-          <a:chOff x="0" y="0"/>
-          <a:chExt cx="0" cy="0"/>
-        </a:xfrm>
-      </p:grpSpPr>
-      <p:sp>
-        <p:nvSpPr>
-          <p:cNvPr id="272" name="Google Shape;272;g152175e3203_0_183:notes"/>
-          <p:cNvSpPr/>
-          <p:nvPr>
-            <p:ph idx="2" type="sldImg"/>
-          </p:nvPr>
-        </p:nvSpPr>
-        <p:spPr>
-          <a:xfrm>
-            <a:off x="381300" y="685800"/>
-            <a:ext cx="6096000" cy="3429000"/>
-          </a:xfrm>
-          <a:custGeom>
-            <a:rect b="b" l="l" r="r" t="t"/>
-            <a:pathLst>
-              <a:path extrusionOk="0" h="120000" w="120000">
-                <a:moveTo>
-                  <a:pt x="0" y="0"/>
-                </a:moveTo>
-                <a:lnTo>
-                  <a:pt x="120000" y="0"/>
-                </a:lnTo>
-                <a:lnTo>
-                  <a:pt x="120000" y="120000"/>
-                </a:lnTo>
-                <a:lnTo>
-                  <a:pt x="0" y="120000"/>
-                </a:lnTo>
-                <a:close/>
-              </a:path>
-            </a:pathLst>
-          </a:custGeom>
-        </p:spPr>
-      </p:sp>
-      <p:sp>
-        <p:nvSpPr>
-          <p:cNvPr id="273" name="Google Shape;273;g152175e3203_0_183:notes"/>
+          <p:cNvPr id="268" name="Google Shape;268;g152175e3203_0_183:notes"/>
           <p:cNvSpPr txBox="1"/>
           <p:nvPr>
             <p:ph idx="1" type="body"/>
@@ -1745,12 +1645,12 @@
 </p:notes>
 </file>
 
-<file path=ppt/notesSlides/notesSlide18.xml><?xml version="1.0" encoding="utf-8"?>
+<file path=ppt/notesSlides/notesSlide17.xml><?xml version="1.0" encoding="utf-8"?>
 <p:notes xmlns:a="http://schemas.openxmlformats.org/drawingml/2006/main" xmlns:r="http://schemas.openxmlformats.org/officeDocument/2006/relationships" xmlns:mc="http://schemas.openxmlformats.org/markup-compatibility/2006" xmlns:mv="urn:schemas-microsoft-com:mac:vml" xmlns:p="http://schemas.openxmlformats.org/presentationml/2006/main" xmlns:c="http://schemas.openxmlformats.org/drawingml/2006/chart" xmlns:dgm="http://schemas.openxmlformats.org/drawingml/2006/diagram" xmlns:o="urn:schemas-microsoft-com:office:office" xmlns:v="urn:schemas-microsoft-com:vml" xmlns:pvml="urn:schemas-microsoft-com:office:powerpoint" xmlns:com="http://schemas.openxmlformats.org/drawingml/2006/compatibility" xmlns:p14="http://schemas.microsoft.com/office/powerpoint/2010/main" xmlns:p15="http://schemas.microsoft.com/office/powerpoint/2012/main" xmlns:ahyp="http://schemas.microsoft.com/office/drawing/2018/hyperlinkcolor" showMasterPhAnim="0" showMasterSp="0">
   <p:cSld>
     <p:spTree>
       <p:nvGrpSpPr>
-        <p:cNvPr id="277" name="Shape 277"/>
+        <p:cNvPr id="272" name="Shape 272"/>
         <p:cNvGrpSpPr/>
         <p:nvPr/>
       </p:nvGrpSpPr>
@@ -1764,7 +1664,7 @@
       </p:grpSpPr>
       <p:sp>
         <p:nvSpPr>
-          <p:cNvPr id="278" name="Google Shape;278;g152175e3203_0_187:notes"/>
+          <p:cNvPr id="273" name="Google Shape;273;g152175e3203_0_187:notes"/>
           <p:cNvSpPr/>
           <p:nvPr>
             <p:ph idx="2" type="sldImg"/>
@@ -1799,7 +1699,7 @@
       </p:sp>
       <p:sp>
         <p:nvSpPr>
-          <p:cNvPr id="279" name="Google Shape;279;g152175e3203_0_187:notes"/>
+          <p:cNvPr id="274" name="Google Shape;274;g152175e3203_0_187:notes"/>
           <p:cNvSpPr txBox="1"/>
           <p:nvPr>
             <p:ph idx="1" type="body"/>
@@ -1856,12 +1756,12 @@
 </p:notes>
 </file>
 
-<file path=ppt/notesSlides/notesSlide19.xml><?xml version="1.0" encoding="utf-8"?>
+<file path=ppt/notesSlides/notesSlide18.xml><?xml version="1.0" encoding="utf-8"?>
 <p:notes xmlns:a="http://schemas.openxmlformats.org/drawingml/2006/main" xmlns:r="http://schemas.openxmlformats.org/officeDocument/2006/relationships" xmlns:mc="http://schemas.openxmlformats.org/markup-compatibility/2006" xmlns:mv="urn:schemas-microsoft-com:mac:vml" xmlns:p="http://schemas.openxmlformats.org/presentationml/2006/main" xmlns:c="http://schemas.openxmlformats.org/drawingml/2006/chart" xmlns:dgm="http://schemas.openxmlformats.org/drawingml/2006/diagram" xmlns:o="urn:schemas-microsoft-com:office:office" xmlns:v="urn:schemas-microsoft-com:vml" xmlns:pvml="urn:schemas-microsoft-com:office:powerpoint" xmlns:com="http://schemas.openxmlformats.org/drawingml/2006/compatibility" xmlns:p14="http://schemas.microsoft.com/office/powerpoint/2010/main" xmlns:p15="http://schemas.microsoft.com/office/powerpoint/2012/main" xmlns:ahyp="http://schemas.microsoft.com/office/drawing/2018/hyperlinkcolor" showMasterPhAnim="0" showMasterSp="0">
   <p:cSld>
     <p:spTree>
       <p:nvGrpSpPr>
-        <p:cNvPr id="283" name="Shape 283"/>
+        <p:cNvPr id="278" name="Shape 278"/>
         <p:cNvGrpSpPr/>
         <p:nvPr/>
       </p:nvGrpSpPr>
@@ -1875,7 +1775,7 @@
       </p:grpSpPr>
       <p:sp>
         <p:nvSpPr>
-          <p:cNvPr id="284" name="Google Shape;284;g152175e3203_0_199:notes"/>
+          <p:cNvPr id="279" name="Google Shape;279;g152175e3203_0_199:notes"/>
           <p:cNvSpPr/>
           <p:nvPr>
             <p:ph idx="2" type="sldImg"/>
@@ -1910,7 +1810,7 @@
       </p:sp>
       <p:sp>
         <p:nvSpPr>
-          <p:cNvPr id="285" name="Google Shape;285;g152175e3203_0_199:notes"/>
+          <p:cNvPr id="280" name="Google Shape;280;g152175e3203_0_199:notes"/>
           <p:cNvSpPr txBox="1"/>
           <p:nvPr>
             <p:ph idx="1" type="body"/>
@@ -1976,6 +1876,113 @@
                 </a:highlight>
               </a:rPr>
               <a:t> and the Y axis being the number of reports. The graph could be filtered to show each month individually. In general, there did not appear to be a major uptick in reported crimes on full moons.</a:t>
+            </a:r>
+            <a:endParaRPr/>
+          </a:p>
+        </p:txBody>
+      </p:sp>
+    </p:spTree>
+  </p:cSld>
+  <p:clrMapOvr>
+    <a:masterClrMapping/>
+  </p:clrMapOvr>
+</p:notes>
+</file>
+
+<file path=ppt/notesSlides/notesSlide19.xml><?xml version="1.0" encoding="utf-8"?>
+<p:notes xmlns:a="http://schemas.openxmlformats.org/drawingml/2006/main" xmlns:r="http://schemas.openxmlformats.org/officeDocument/2006/relationships" xmlns:mc="http://schemas.openxmlformats.org/markup-compatibility/2006" xmlns:mv="urn:schemas-microsoft-com:mac:vml" xmlns:p="http://schemas.openxmlformats.org/presentationml/2006/main" xmlns:c="http://schemas.openxmlformats.org/drawingml/2006/chart" xmlns:dgm="http://schemas.openxmlformats.org/drawingml/2006/diagram" xmlns:o="urn:schemas-microsoft-com:office:office" xmlns:v="urn:schemas-microsoft-com:vml" xmlns:pvml="urn:schemas-microsoft-com:office:powerpoint" xmlns:com="http://schemas.openxmlformats.org/drawingml/2006/compatibility" xmlns:p14="http://schemas.microsoft.com/office/powerpoint/2010/main" xmlns:p15="http://schemas.microsoft.com/office/powerpoint/2012/main" xmlns:ahyp="http://schemas.microsoft.com/office/drawing/2018/hyperlinkcolor" showMasterPhAnim="0" showMasterSp="0">
+  <p:cSld>
+    <p:spTree>
+      <p:nvGrpSpPr>
+        <p:cNvPr id="284" name="Shape 284"/>
+        <p:cNvGrpSpPr/>
+        <p:nvPr/>
+      </p:nvGrpSpPr>
+      <p:grpSpPr>
+        <a:xfrm>
+          <a:off x="0" y="0"/>
+          <a:ext cx="0" cy="0"/>
+          <a:chOff x="0" y="0"/>
+          <a:chExt cx="0" cy="0"/>
+        </a:xfrm>
+      </p:grpSpPr>
+      <p:sp>
+        <p:nvSpPr>
+          <p:cNvPr id="285" name="Google Shape;285;g152175e3203_0_203:notes"/>
+          <p:cNvSpPr/>
+          <p:nvPr>
+            <p:ph idx="2" type="sldImg"/>
+          </p:nvPr>
+        </p:nvSpPr>
+        <p:spPr>
+          <a:xfrm>
+            <a:off x="381300" y="685800"/>
+            <a:ext cx="6096000" cy="3429000"/>
+          </a:xfrm>
+          <a:custGeom>
+            <a:rect b="b" l="l" r="r" t="t"/>
+            <a:pathLst>
+              <a:path extrusionOk="0" h="120000" w="120000">
+                <a:moveTo>
+                  <a:pt x="0" y="0"/>
+                </a:moveTo>
+                <a:lnTo>
+                  <a:pt x="120000" y="0"/>
+                </a:lnTo>
+                <a:lnTo>
+                  <a:pt x="120000" y="120000"/>
+                </a:lnTo>
+                <a:lnTo>
+                  <a:pt x="0" y="120000"/>
+                </a:lnTo>
+                <a:close/>
+              </a:path>
+            </a:pathLst>
+          </a:custGeom>
+        </p:spPr>
+      </p:sp>
+      <p:sp>
+        <p:nvSpPr>
+          <p:cNvPr id="286" name="Google Shape;286;g152175e3203_0_203:notes"/>
+          <p:cNvSpPr txBox="1"/>
+          <p:nvPr>
+            <p:ph idx="1" type="body"/>
+          </p:nvPr>
+        </p:nvSpPr>
+        <p:spPr>
+          <a:xfrm>
+            <a:off x="685800" y="4343400"/>
+            <a:ext cx="5486400" cy="4114800"/>
+          </a:xfrm>
+          <a:prstGeom prst="rect">
+            <a:avLst/>
+          </a:prstGeom>
+        </p:spPr>
+        <p:txBody>
+          <a:bodyPr anchorCtr="0" anchor="t" bIns="91425" lIns="91425" spcFirstLastPara="1" rIns="91425" wrap="square" tIns="91425">
+            <a:noAutofit/>
+          </a:bodyPr>
+          <a:lstStyle/>
+          <a:p>
+            <a:pPr indent="0" lvl="0" marL="0" rtl="0" algn="l">
+              <a:spcBef>
+                <a:spcPts val="0"/>
+              </a:spcBef>
+              <a:spcAft>
+                <a:spcPts val="0"/>
+              </a:spcAft>
+              <a:buNone/>
+            </a:pPr>
+            <a:r>
+              <a:rPr lang="en" sz="1200">
+                <a:solidFill>
+                  <a:srgbClr val="24292F"/>
+                </a:solidFill>
+                <a:highlight>
+                  <a:srgbClr val="FFFFFF"/>
+                </a:highlight>
+              </a:rPr>
+              <a:t>Lauren: Last, the same line chart was created to see if more firearms were used during full moons. Again, in general there did not seem to be a major increase.</a:t>
             </a:r>
             <a:endParaRPr/>
           </a:p>
@@ -2102,7 +2109,7 @@
   <p:cSld>
     <p:spTree>
       <p:nvGrpSpPr>
-        <p:cNvPr id="289" name="Shape 289"/>
+        <p:cNvPr id="290" name="Shape 290"/>
         <p:cNvGrpSpPr/>
         <p:nvPr/>
       </p:nvGrpSpPr>
@@ -2116,7 +2123,7 @@
       </p:grpSpPr>
       <p:sp>
         <p:nvSpPr>
-          <p:cNvPr id="290" name="Google Shape;290;g152175e3203_0_203:notes"/>
+          <p:cNvPr id="291" name="Google Shape;291;g152175e3203_0_383:notes"/>
           <p:cNvSpPr/>
           <p:nvPr>
             <p:ph idx="2" type="sldImg"/>
@@ -2151,7 +2158,7 @@
       </p:sp>
       <p:sp>
         <p:nvSpPr>
-          <p:cNvPr id="291" name="Google Shape;291;g152175e3203_0_203:notes"/>
+          <p:cNvPr id="292" name="Google Shape;292;g152175e3203_0_383:notes"/>
           <p:cNvSpPr txBox="1"/>
           <p:nvPr>
             <p:ph idx="1" type="body"/>
@@ -2182,15 +2189,8 @@
               <a:buNone/>
             </a:pPr>
             <a:r>
-              <a:rPr lang="en" sz="1200">
-                <a:solidFill>
-                  <a:srgbClr val="24292F"/>
-                </a:solidFill>
-                <a:highlight>
-                  <a:srgbClr val="FFFFFF"/>
-                </a:highlight>
-              </a:rPr>
-              <a:t>Lauren: Last, the same line chart was created to see if more firearms were used during full moons. Again, in general there did not seem to be a major increase.</a:t>
+              <a:rPr lang="en"/>
+              <a:t>Lauren: Either Live Demo the Tableau Charts or proceed with following charts.</a:t>
             </a:r>
             <a:endParaRPr/>
           </a:p>
@@ -9464,124 +9464,6 @@
         </p:nvSpPr>
         <p:spPr>
           <a:xfrm>
-            <a:off x="311700" y="2150850"/>
-            <a:ext cx="8520600" cy="841800"/>
-          </a:xfrm>
-          <a:prstGeom prst="rect">
-            <a:avLst/>
-          </a:prstGeom>
-        </p:spPr>
-        <p:txBody>
-          <a:bodyPr anchorCtr="0" anchor="ctr" bIns="91425" lIns="91425" spcFirstLastPara="1" rIns="91425" wrap="square" tIns="91425">
-            <a:normAutofit fontScale="90000"/>
-          </a:bodyPr>
-          <a:lstStyle/>
-          <a:p>
-            <a:pPr indent="0" lvl="0" marL="0" rtl="0" algn="ctr">
-              <a:spcBef>
-                <a:spcPts val="0"/>
-              </a:spcBef>
-              <a:spcAft>
-                <a:spcPts val="0"/>
-              </a:spcAft>
-              <a:buNone/>
-            </a:pPr>
-            <a:r>
-              <a:rPr b="1" lang="en">
-                <a:solidFill>
-                  <a:schemeClr val="lt1"/>
-                </a:solidFill>
-                <a:latin typeface="Times New Roman"/>
-                <a:ea typeface="Times New Roman"/>
-                <a:cs typeface="Times New Roman"/>
-                <a:sym typeface="Times New Roman"/>
-              </a:rPr>
-              <a:t>Analysis Phase - Tableau Presentation</a:t>
-            </a:r>
-            <a:endParaRPr b="1">
-              <a:solidFill>
-                <a:schemeClr val="lt1"/>
-              </a:solidFill>
-              <a:latin typeface="Times New Roman"/>
-              <a:ea typeface="Times New Roman"/>
-              <a:cs typeface="Times New Roman"/>
-              <a:sym typeface="Times New Roman"/>
-            </a:endParaRPr>
-          </a:p>
-          <a:p>
-            <a:pPr indent="0" lvl="0" marL="0" rtl="0" algn="ctr">
-              <a:spcBef>
-                <a:spcPts val="0"/>
-              </a:spcBef>
-              <a:spcAft>
-                <a:spcPts val="0"/>
-              </a:spcAft>
-              <a:buNone/>
-            </a:pPr>
-            <a:r>
-              <a:rPr lang="en" u="sng">
-                <a:solidFill>
-                  <a:schemeClr val="hlink"/>
-                </a:solidFill>
-                <a:latin typeface="Times New Roman"/>
-                <a:ea typeface="Times New Roman"/>
-                <a:cs typeface="Times New Roman"/>
-                <a:sym typeface="Times New Roman"/>
-                <a:hlinkClick r:id="rId3"/>
-              </a:rPr>
-              <a:t>Tableau Link Here</a:t>
-            </a:r>
-            <a:endParaRPr>
-              <a:latin typeface="Times New Roman"/>
-              <a:ea typeface="Times New Roman"/>
-              <a:cs typeface="Times New Roman"/>
-              <a:sym typeface="Times New Roman"/>
-            </a:endParaRPr>
-          </a:p>
-        </p:txBody>
-      </p:sp>
-    </p:spTree>
-  </p:cSld>
-  <p:clrMapOvr>
-    <a:masterClrMapping/>
-  </p:clrMapOvr>
-</p:sld>
-</file>
-
-<file path=ppt/slides/slide12.xml><?xml version="1.0" encoding="utf-8"?>
-<p:sld xmlns:a="http://schemas.openxmlformats.org/drawingml/2006/main" xmlns:r="http://schemas.openxmlformats.org/officeDocument/2006/relationships" xmlns:mc="http://schemas.openxmlformats.org/markup-compatibility/2006" xmlns:mv="urn:schemas-microsoft-com:mac:vml" xmlns:p="http://schemas.openxmlformats.org/presentationml/2006/main" xmlns:c="http://schemas.openxmlformats.org/drawingml/2006/chart" xmlns:dgm="http://schemas.openxmlformats.org/drawingml/2006/diagram" xmlns:o="urn:schemas-microsoft-com:office:office" xmlns:v="urn:schemas-microsoft-com:vml" xmlns:pvml="urn:schemas-microsoft-com:office:powerpoint" xmlns:com="http://schemas.openxmlformats.org/drawingml/2006/compatibility" xmlns:p14="http://schemas.microsoft.com/office/powerpoint/2010/main" xmlns:p15="http://schemas.microsoft.com/office/powerpoint/2012/main" xmlns:ahyp="http://schemas.microsoft.com/office/drawing/2018/hyperlinkcolor">
-  <p:cSld>
-    <p:bg>
-      <p:bgPr>
-        <a:solidFill>
-          <a:srgbClr val="F4D58F"/>
-        </a:solidFill>
-      </p:bgPr>
-    </p:bg>
-    <p:spTree>
-      <p:nvGrpSpPr>
-        <p:cNvPr id="244" name="Shape 244"/>
-        <p:cNvGrpSpPr/>
-        <p:nvPr/>
-      </p:nvGrpSpPr>
-      <p:grpSpPr>
-        <a:xfrm>
-          <a:off x="0" y="0"/>
-          <a:ext cx="0" cy="0"/>
-          <a:chOff x="0" y="0"/>
-          <a:chExt cx="0" cy="0"/>
-        </a:xfrm>
-      </p:grpSpPr>
-      <p:sp>
-        <p:nvSpPr>
-          <p:cNvPr id="245" name="Google Shape;245;p24"/>
-          <p:cNvSpPr txBox="1"/>
-          <p:nvPr>
-            <p:ph type="title"/>
-          </p:nvPr>
-        </p:nvSpPr>
-        <p:spPr>
-          <a:xfrm>
             <a:off x="311700" y="445025"/>
             <a:ext cx="8520600" cy="572700"/>
           </a:xfrm>
@@ -9630,7 +9512,7 @@
       </p:sp>
       <p:pic>
         <p:nvPicPr>
-          <p:cNvPr id="246" name="Google Shape;246;p24"/>
+          <p:cNvPr id="241" name="Google Shape;241;p23"/>
           <p:cNvPicPr preferRelativeResize="0"/>
           <p:nvPr/>
         </p:nvPicPr>
@@ -9664,19 +9546,19 @@
 </p:sld>
 </file>
 
-<file path=ppt/slides/slide13.xml><?xml version="1.0" encoding="utf-8"?>
+<file path=ppt/slides/slide12.xml><?xml version="1.0" encoding="utf-8"?>
 <p:sld xmlns:a="http://schemas.openxmlformats.org/drawingml/2006/main" xmlns:r="http://schemas.openxmlformats.org/officeDocument/2006/relationships" xmlns:mc="http://schemas.openxmlformats.org/markup-compatibility/2006" xmlns:mv="urn:schemas-microsoft-com:mac:vml" xmlns:p="http://schemas.openxmlformats.org/presentationml/2006/main" xmlns:c="http://schemas.openxmlformats.org/drawingml/2006/chart" xmlns:dgm="http://schemas.openxmlformats.org/drawingml/2006/diagram" xmlns:o="urn:schemas-microsoft-com:office:office" xmlns:v="urn:schemas-microsoft-com:vml" xmlns:pvml="urn:schemas-microsoft-com:office:powerpoint" xmlns:com="http://schemas.openxmlformats.org/drawingml/2006/compatibility" xmlns:p14="http://schemas.microsoft.com/office/powerpoint/2010/main" xmlns:p15="http://schemas.microsoft.com/office/powerpoint/2012/main" xmlns:ahyp="http://schemas.microsoft.com/office/drawing/2018/hyperlinkcolor">
   <p:cSld>
     <p:bg>
       <p:bgPr>
         <a:solidFill>
-          <a:srgbClr val="75CEDE"/>
+          <a:srgbClr val="F4D58F"/>
         </a:solidFill>
       </p:bgPr>
     </p:bg>
     <p:spTree>
       <p:nvGrpSpPr>
-        <p:cNvPr id="250" name="Shape 250"/>
+        <p:cNvPr id="245" name="Shape 245"/>
         <p:cNvGrpSpPr/>
         <p:nvPr/>
       </p:nvGrpSpPr>
@@ -9690,7 +9572,7 @@
       </p:grpSpPr>
       <p:sp>
         <p:nvSpPr>
-          <p:cNvPr id="251" name="Google Shape;251;p25"/>
+          <p:cNvPr id="246" name="Google Shape;246;p24"/>
           <p:cNvSpPr txBox="1"/>
           <p:nvPr>
             <p:ph type="title"/>
@@ -9746,7 +9628,7 @@
       </p:sp>
       <p:pic>
         <p:nvPicPr>
-          <p:cNvPr id="252" name="Google Shape;252;p25"/>
+          <p:cNvPr id="247" name="Google Shape;247;p24"/>
           <p:cNvPicPr preferRelativeResize="0"/>
           <p:nvPr/>
         </p:nvPicPr>
@@ -9780,19 +9662,19 @@
 </p:sld>
 </file>
 
-<file path=ppt/slides/slide14.xml><?xml version="1.0" encoding="utf-8"?>
+<file path=ppt/slides/slide13.xml><?xml version="1.0" encoding="utf-8"?>
 <p:sld xmlns:a="http://schemas.openxmlformats.org/drawingml/2006/main" xmlns:r="http://schemas.openxmlformats.org/officeDocument/2006/relationships" xmlns:mc="http://schemas.openxmlformats.org/markup-compatibility/2006" xmlns:mv="urn:schemas-microsoft-com:mac:vml" xmlns:p="http://schemas.openxmlformats.org/presentationml/2006/main" xmlns:c="http://schemas.openxmlformats.org/drawingml/2006/chart" xmlns:dgm="http://schemas.openxmlformats.org/drawingml/2006/diagram" xmlns:o="urn:schemas-microsoft-com:office:office" xmlns:v="urn:schemas-microsoft-com:vml" xmlns:pvml="urn:schemas-microsoft-com:office:powerpoint" xmlns:com="http://schemas.openxmlformats.org/drawingml/2006/compatibility" xmlns:p14="http://schemas.microsoft.com/office/powerpoint/2010/main" xmlns:p15="http://schemas.microsoft.com/office/powerpoint/2012/main" xmlns:ahyp="http://schemas.microsoft.com/office/drawing/2018/hyperlinkcolor">
   <p:cSld>
     <p:bg>
       <p:bgPr>
         <a:solidFill>
-          <a:srgbClr val="A7A4D1"/>
+          <a:srgbClr val="75CEDE"/>
         </a:solidFill>
       </p:bgPr>
     </p:bg>
     <p:spTree>
       <p:nvGrpSpPr>
-        <p:cNvPr id="256" name="Shape 256"/>
+        <p:cNvPr id="251" name="Shape 251"/>
         <p:cNvGrpSpPr/>
         <p:nvPr/>
       </p:nvGrpSpPr>
@@ -9806,7 +9688,7 @@
       </p:grpSpPr>
       <p:sp>
         <p:nvSpPr>
-          <p:cNvPr id="257" name="Google Shape;257;p26"/>
+          <p:cNvPr id="252" name="Google Shape;252;p25"/>
           <p:cNvSpPr txBox="1"/>
           <p:nvPr>
             <p:ph type="title"/>
@@ -9862,7 +9744,7 @@
       </p:sp>
       <p:pic>
         <p:nvPicPr>
-          <p:cNvPr id="258" name="Google Shape;258;p26"/>
+          <p:cNvPr id="253" name="Google Shape;253;p25"/>
           <p:cNvPicPr preferRelativeResize="0"/>
           <p:nvPr/>
         </p:nvPicPr>
@@ -9896,19 +9778,19 @@
 </p:sld>
 </file>
 
-<file path=ppt/slides/slide15.xml><?xml version="1.0" encoding="utf-8"?>
+<file path=ppt/slides/slide14.xml><?xml version="1.0" encoding="utf-8"?>
 <p:sld xmlns:a="http://schemas.openxmlformats.org/drawingml/2006/main" xmlns:r="http://schemas.openxmlformats.org/officeDocument/2006/relationships" xmlns:mc="http://schemas.openxmlformats.org/markup-compatibility/2006" xmlns:mv="urn:schemas-microsoft-com:mac:vml" xmlns:p="http://schemas.openxmlformats.org/presentationml/2006/main" xmlns:c="http://schemas.openxmlformats.org/drawingml/2006/chart" xmlns:dgm="http://schemas.openxmlformats.org/drawingml/2006/diagram" xmlns:o="urn:schemas-microsoft-com:office:office" xmlns:v="urn:schemas-microsoft-com:vml" xmlns:pvml="urn:schemas-microsoft-com:office:powerpoint" xmlns:com="http://schemas.openxmlformats.org/drawingml/2006/compatibility" xmlns:p14="http://schemas.microsoft.com/office/powerpoint/2010/main" xmlns:p15="http://schemas.microsoft.com/office/powerpoint/2012/main" xmlns:ahyp="http://schemas.microsoft.com/office/drawing/2018/hyperlinkcolor">
   <p:cSld>
     <p:bg>
       <p:bgPr>
         <a:solidFill>
-          <a:srgbClr val="F4D58F"/>
+          <a:srgbClr val="A7A4D1"/>
         </a:solidFill>
       </p:bgPr>
     </p:bg>
     <p:spTree>
       <p:nvGrpSpPr>
-        <p:cNvPr id="262" name="Shape 262"/>
+        <p:cNvPr id="257" name="Shape 257"/>
         <p:cNvGrpSpPr/>
         <p:nvPr/>
       </p:nvGrpSpPr>
@@ -9922,7 +9804,7 @@
       </p:grpSpPr>
       <p:sp>
         <p:nvSpPr>
-          <p:cNvPr id="263" name="Google Shape;263;p27"/>
+          <p:cNvPr id="258" name="Google Shape;258;p26"/>
           <p:cNvSpPr txBox="1"/>
           <p:nvPr>
             <p:ph type="title"/>
@@ -9978,7 +9860,7 @@
       </p:sp>
       <p:pic>
         <p:nvPicPr>
-          <p:cNvPr id="264" name="Google Shape;264;p27"/>
+          <p:cNvPr id="259" name="Google Shape;259;p26"/>
           <p:cNvPicPr preferRelativeResize="0"/>
           <p:nvPr/>
         </p:nvPicPr>
@@ -10012,19 +9894,19 @@
 </p:sld>
 </file>
 
-<file path=ppt/slides/slide16.xml><?xml version="1.0" encoding="utf-8"?>
+<file path=ppt/slides/slide15.xml><?xml version="1.0" encoding="utf-8"?>
 <p:sld xmlns:a="http://schemas.openxmlformats.org/drawingml/2006/main" xmlns:r="http://schemas.openxmlformats.org/officeDocument/2006/relationships" xmlns:mc="http://schemas.openxmlformats.org/markup-compatibility/2006" xmlns:mv="urn:schemas-microsoft-com:mac:vml" xmlns:p="http://schemas.openxmlformats.org/presentationml/2006/main" xmlns:c="http://schemas.openxmlformats.org/drawingml/2006/chart" xmlns:dgm="http://schemas.openxmlformats.org/drawingml/2006/diagram" xmlns:o="urn:schemas-microsoft-com:office:office" xmlns:v="urn:schemas-microsoft-com:vml" xmlns:pvml="urn:schemas-microsoft-com:office:powerpoint" xmlns:com="http://schemas.openxmlformats.org/drawingml/2006/compatibility" xmlns:p14="http://schemas.microsoft.com/office/powerpoint/2010/main" xmlns:p15="http://schemas.microsoft.com/office/powerpoint/2012/main" xmlns:ahyp="http://schemas.microsoft.com/office/drawing/2018/hyperlinkcolor">
   <p:cSld>
     <p:bg>
       <p:bgPr>
         <a:solidFill>
-          <a:srgbClr val="75CEDE"/>
+          <a:srgbClr val="F4D58F"/>
         </a:solidFill>
       </p:bgPr>
     </p:bg>
     <p:spTree>
       <p:nvGrpSpPr>
-        <p:cNvPr id="268" name="Shape 268"/>
+        <p:cNvPr id="263" name="Shape 263"/>
         <p:cNvGrpSpPr/>
         <p:nvPr/>
       </p:nvGrpSpPr>
@@ -10038,7 +9920,7 @@
       </p:grpSpPr>
       <p:sp>
         <p:nvSpPr>
-          <p:cNvPr id="269" name="Google Shape;269;p28"/>
+          <p:cNvPr id="264" name="Google Shape;264;p27"/>
           <p:cNvSpPr txBox="1"/>
           <p:nvPr>
             <p:ph type="title"/>
@@ -10094,7 +9976,7 @@
       </p:sp>
       <p:pic>
         <p:nvPicPr>
-          <p:cNvPr id="270" name="Google Shape;270;p28"/>
+          <p:cNvPr id="265" name="Google Shape;265;p27"/>
           <p:cNvPicPr preferRelativeResize="0"/>
           <p:nvPr/>
         </p:nvPicPr>
@@ -10128,19 +10010,19 @@
 </p:sld>
 </file>
 
-<file path=ppt/slides/slide17.xml><?xml version="1.0" encoding="utf-8"?>
+<file path=ppt/slides/slide16.xml><?xml version="1.0" encoding="utf-8"?>
 <p:sld xmlns:a="http://schemas.openxmlformats.org/drawingml/2006/main" xmlns:r="http://schemas.openxmlformats.org/officeDocument/2006/relationships" xmlns:mc="http://schemas.openxmlformats.org/markup-compatibility/2006" xmlns:mv="urn:schemas-microsoft-com:mac:vml" xmlns:p="http://schemas.openxmlformats.org/presentationml/2006/main" xmlns:c="http://schemas.openxmlformats.org/drawingml/2006/chart" xmlns:dgm="http://schemas.openxmlformats.org/drawingml/2006/diagram" xmlns:o="urn:schemas-microsoft-com:office:office" xmlns:v="urn:schemas-microsoft-com:vml" xmlns:pvml="urn:schemas-microsoft-com:office:powerpoint" xmlns:com="http://schemas.openxmlformats.org/drawingml/2006/compatibility" xmlns:p14="http://schemas.microsoft.com/office/powerpoint/2010/main" xmlns:p15="http://schemas.microsoft.com/office/powerpoint/2012/main" xmlns:ahyp="http://schemas.microsoft.com/office/drawing/2018/hyperlinkcolor">
   <p:cSld>
     <p:bg>
       <p:bgPr>
         <a:solidFill>
-          <a:srgbClr val="A7A4D1"/>
+          <a:srgbClr val="75CEDE"/>
         </a:solidFill>
       </p:bgPr>
     </p:bg>
     <p:spTree>
       <p:nvGrpSpPr>
-        <p:cNvPr id="274" name="Shape 274"/>
+        <p:cNvPr id="269" name="Shape 269"/>
         <p:cNvGrpSpPr/>
         <p:nvPr/>
       </p:nvGrpSpPr>
@@ -10154,7 +10036,7 @@
       </p:grpSpPr>
       <p:sp>
         <p:nvSpPr>
-          <p:cNvPr id="275" name="Google Shape;275;p29"/>
+          <p:cNvPr id="270" name="Google Shape;270;p28"/>
           <p:cNvSpPr txBox="1"/>
           <p:nvPr>
             <p:ph type="title"/>
@@ -10210,7 +10092,7 @@
       </p:sp>
       <p:pic>
         <p:nvPicPr>
-          <p:cNvPr id="276" name="Google Shape;276;p29"/>
+          <p:cNvPr id="271" name="Google Shape;271;p28"/>
           <p:cNvPicPr preferRelativeResize="0"/>
           <p:nvPr/>
         </p:nvPicPr>
@@ -10244,19 +10126,19 @@
 </p:sld>
 </file>
 
-<file path=ppt/slides/slide18.xml><?xml version="1.0" encoding="utf-8"?>
+<file path=ppt/slides/slide17.xml><?xml version="1.0" encoding="utf-8"?>
 <p:sld xmlns:a="http://schemas.openxmlformats.org/drawingml/2006/main" xmlns:r="http://schemas.openxmlformats.org/officeDocument/2006/relationships" xmlns:mc="http://schemas.openxmlformats.org/markup-compatibility/2006" xmlns:mv="urn:schemas-microsoft-com:mac:vml" xmlns:p="http://schemas.openxmlformats.org/presentationml/2006/main" xmlns:c="http://schemas.openxmlformats.org/drawingml/2006/chart" xmlns:dgm="http://schemas.openxmlformats.org/drawingml/2006/diagram" xmlns:o="urn:schemas-microsoft-com:office:office" xmlns:v="urn:schemas-microsoft-com:vml" xmlns:pvml="urn:schemas-microsoft-com:office:powerpoint" xmlns:com="http://schemas.openxmlformats.org/drawingml/2006/compatibility" xmlns:p14="http://schemas.microsoft.com/office/powerpoint/2010/main" xmlns:p15="http://schemas.microsoft.com/office/powerpoint/2012/main" xmlns:ahyp="http://schemas.microsoft.com/office/drawing/2018/hyperlinkcolor">
   <p:cSld>
     <p:bg>
       <p:bgPr>
         <a:solidFill>
-          <a:srgbClr val="F4D58F"/>
+          <a:srgbClr val="A7A4D1"/>
         </a:solidFill>
       </p:bgPr>
     </p:bg>
     <p:spTree>
       <p:nvGrpSpPr>
-        <p:cNvPr id="280" name="Shape 280"/>
+        <p:cNvPr id="275" name="Shape 275"/>
         <p:cNvGrpSpPr/>
         <p:nvPr/>
       </p:nvGrpSpPr>
@@ -10270,7 +10152,7 @@
       </p:grpSpPr>
       <p:sp>
         <p:nvSpPr>
-          <p:cNvPr id="281" name="Google Shape;281;p30"/>
+          <p:cNvPr id="276" name="Google Shape;276;p29"/>
           <p:cNvSpPr txBox="1"/>
           <p:nvPr>
             <p:ph type="title"/>
@@ -10326,7 +10208,7 @@
       </p:sp>
       <p:pic>
         <p:nvPicPr>
-          <p:cNvPr id="282" name="Google Shape;282;p30"/>
+          <p:cNvPr id="277" name="Google Shape;277;p29"/>
           <p:cNvPicPr preferRelativeResize="0"/>
           <p:nvPr/>
         </p:nvPicPr>
@@ -10360,19 +10242,19 @@
 </p:sld>
 </file>
 
-<file path=ppt/slides/slide19.xml><?xml version="1.0" encoding="utf-8"?>
+<file path=ppt/slides/slide18.xml><?xml version="1.0" encoding="utf-8"?>
 <p:sld xmlns:a="http://schemas.openxmlformats.org/drawingml/2006/main" xmlns:r="http://schemas.openxmlformats.org/officeDocument/2006/relationships" xmlns:mc="http://schemas.openxmlformats.org/markup-compatibility/2006" xmlns:mv="urn:schemas-microsoft-com:mac:vml" xmlns:p="http://schemas.openxmlformats.org/presentationml/2006/main" xmlns:c="http://schemas.openxmlformats.org/drawingml/2006/chart" xmlns:dgm="http://schemas.openxmlformats.org/drawingml/2006/diagram" xmlns:o="urn:schemas-microsoft-com:office:office" xmlns:v="urn:schemas-microsoft-com:vml" xmlns:pvml="urn:schemas-microsoft-com:office:powerpoint" xmlns:com="http://schemas.openxmlformats.org/drawingml/2006/compatibility" xmlns:p14="http://schemas.microsoft.com/office/powerpoint/2010/main" xmlns:p15="http://schemas.microsoft.com/office/powerpoint/2012/main" xmlns:ahyp="http://schemas.microsoft.com/office/drawing/2018/hyperlinkcolor">
   <p:cSld>
     <p:bg>
       <p:bgPr>
         <a:solidFill>
-          <a:srgbClr val="75CEDE"/>
+          <a:srgbClr val="F4D58F"/>
         </a:solidFill>
       </p:bgPr>
     </p:bg>
     <p:spTree>
       <p:nvGrpSpPr>
-        <p:cNvPr id="286" name="Shape 286"/>
+        <p:cNvPr id="281" name="Shape 281"/>
         <p:cNvGrpSpPr/>
         <p:nvPr/>
       </p:nvGrpSpPr>
@@ -10386,7 +10268,7 @@
       </p:grpSpPr>
       <p:sp>
         <p:nvSpPr>
-          <p:cNvPr id="287" name="Google Shape;287;p31"/>
+          <p:cNvPr id="282" name="Google Shape;282;p30"/>
           <p:cNvSpPr txBox="1"/>
           <p:nvPr>
             <p:ph type="title"/>
@@ -10442,7 +10324,7 @@
       </p:sp>
       <p:pic>
         <p:nvPicPr>
-          <p:cNvPr id="288" name="Google Shape;288;p31"/>
+          <p:cNvPr id="283" name="Google Shape;283;p30"/>
           <p:cNvPicPr preferRelativeResize="0"/>
           <p:nvPr/>
         </p:nvPicPr>
@@ -10458,6 +10340,122 @@
           <a:xfrm>
             <a:off x="152400" y="1170125"/>
             <a:ext cx="8839200" cy="3849126"/>
+          </a:xfrm>
+          <a:prstGeom prst="rect">
+            <a:avLst/>
+          </a:prstGeom>
+          <a:noFill/>
+          <a:ln>
+            <a:noFill/>
+          </a:ln>
+        </p:spPr>
+      </p:pic>
+    </p:spTree>
+  </p:cSld>
+  <p:clrMapOvr>
+    <a:masterClrMapping/>
+  </p:clrMapOvr>
+</p:sld>
+</file>
+
+<file path=ppt/slides/slide19.xml><?xml version="1.0" encoding="utf-8"?>
+<p:sld xmlns:a="http://schemas.openxmlformats.org/drawingml/2006/main" xmlns:r="http://schemas.openxmlformats.org/officeDocument/2006/relationships" xmlns:mc="http://schemas.openxmlformats.org/markup-compatibility/2006" xmlns:mv="urn:schemas-microsoft-com:mac:vml" xmlns:p="http://schemas.openxmlformats.org/presentationml/2006/main" xmlns:c="http://schemas.openxmlformats.org/drawingml/2006/chart" xmlns:dgm="http://schemas.openxmlformats.org/drawingml/2006/diagram" xmlns:o="urn:schemas-microsoft-com:office:office" xmlns:v="urn:schemas-microsoft-com:vml" xmlns:pvml="urn:schemas-microsoft-com:office:powerpoint" xmlns:com="http://schemas.openxmlformats.org/drawingml/2006/compatibility" xmlns:p14="http://schemas.microsoft.com/office/powerpoint/2010/main" xmlns:p15="http://schemas.microsoft.com/office/powerpoint/2012/main" xmlns:ahyp="http://schemas.microsoft.com/office/drawing/2018/hyperlinkcolor">
+  <p:cSld>
+    <p:bg>
+      <p:bgPr>
+        <a:solidFill>
+          <a:srgbClr val="75CEDE"/>
+        </a:solidFill>
+      </p:bgPr>
+    </p:bg>
+    <p:spTree>
+      <p:nvGrpSpPr>
+        <p:cNvPr id="287" name="Shape 287"/>
+        <p:cNvGrpSpPr/>
+        <p:nvPr/>
+      </p:nvGrpSpPr>
+      <p:grpSpPr>
+        <a:xfrm>
+          <a:off x="0" y="0"/>
+          <a:ext cx="0" cy="0"/>
+          <a:chOff x="0" y="0"/>
+          <a:chExt cx="0" cy="0"/>
+        </a:xfrm>
+      </p:grpSpPr>
+      <p:sp>
+        <p:nvSpPr>
+          <p:cNvPr id="288" name="Google Shape;288;p31"/>
+          <p:cNvSpPr txBox="1"/>
+          <p:nvPr>
+            <p:ph type="title"/>
+          </p:nvPr>
+        </p:nvSpPr>
+        <p:spPr>
+          <a:xfrm>
+            <a:off x="311700" y="445025"/>
+            <a:ext cx="8520600" cy="572700"/>
+          </a:xfrm>
+          <a:prstGeom prst="rect">
+            <a:avLst/>
+          </a:prstGeom>
+        </p:spPr>
+        <p:txBody>
+          <a:bodyPr anchorCtr="0" anchor="t" bIns="91425" lIns="91425" spcFirstLastPara="1" rIns="91425" wrap="square" tIns="91425">
+            <a:normAutofit fontScale="90000"/>
+          </a:bodyPr>
+          <a:lstStyle/>
+          <a:p>
+            <a:pPr indent="0" lvl="0" marL="0" rtl="0" algn="l">
+              <a:spcBef>
+                <a:spcPts val="0"/>
+              </a:spcBef>
+              <a:spcAft>
+                <a:spcPts val="0"/>
+              </a:spcAft>
+              <a:buNone/>
+            </a:pPr>
+            <a:r>
+              <a:rPr b="1" lang="en">
+                <a:solidFill>
+                  <a:schemeClr val="lt1"/>
+                </a:solidFill>
+                <a:latin typeface="Times New Roman"/>
+                <a:ea typeface="Times New Roman"/>
+                <a:cs typeface="Times New Roman"/>
+                <a:sym typeface="Times New Roman"/>
+              </a:rPr>
+              <a:t>Analysis Phase - KC Crime vs. Full Moon Data</a:t>
+            </a:r>
+            <a:endParaRPr b="1">
+              <a:solidFill>
+                <a:schemeClr val="lt1"/>
+              </a:solidFill>
+              <a:latin typeface="Times New Roman"/>
+              <a:ea typeface="Times New Roman"/>
+              <a:cs typeface="Times New Roman"/>
+              <a:sym typeface="Times New Roman"/>
+            </a:endParaRPr>
+          </a:p>
+        </p:txBody>
+      </p:sp>
+      <p:pic>
+        <p:nvPicPr>
+          <p:cNvPr id="289" name="Google Shape;289;p31"/>
+          <p:cNvPicPr preferRelativeResize="0"/>
+          <p:nvPr/>
+        </p:nvPicPr>
+        <p:blipFill>
+          <a:blip r:embed="rId3">
+            <a:alphaModFix/>
+          </a:blip>
+          <a:stretch>
+            <a:fillRect/>
+          </a:stretch>
+        </p:blipFill>
+        <p:spPr>
+          <a:xfrm>
+            <a:off x="152400" y="1170125"/>
+            <a:ext cx="8941898" cy="3774600"/>
           </a:xfrm>
           <a:prstGeom prst="rect">
             <a:avLst/>
@@ -11057,7 +11055,7 @@
     </p:bg>
     <p:spTree>
       <p:nvGrpSpPr>
-        <p:cNvPr id="292" name="Shape 292"/>
+        <p:cNvPr id="293" name="Shape 293"/>
         <p:cNvGrpSpPr/>
         <p:nvPr/>
       </p:nvGrpSpPr>
@@ -11071,7 +11069,7 @@
       </p:grpSpPr>
       <p:sp>
         <p:nvSpPr>
-          <p:cNvPr id="293" name="Google Shape;293;p32"/>
+          <p:cNvPr id="294" name="Google Shape;294;p32"/>
           <p:cNvSpPr txBox="1"/>
           <p:nvPr>
             <p:ph type="title"/>
@@ -11079,20 +11077,20 @@
         </p:nvSpPr>
         <p:spPr>
           <a:xfrm>
-            <a:off x="311700" y="445025"/>
-            <a:ext cx="8520600" cy="572700"/>
+            <a:off x="311700" y="2150850"/>
+            <a:ext cx="8520600" cy="841800"/>
           </a:xfrm>
           <a:prstGeom prst="rect">
             <a:avLst/>
           </a:prstGeom>
         </p:spPr>
         <p:txBody>
-          <a:bodyPr anchorCtr="0" anchor="t" bIns="91425" lIns="91425" spcFirstLastPara="1" rIns="91425" wrap="square" tIns="91425">
+          <a:bodyPr anchorCtr="0" anchor="ctr" bIns="91425" lIns="91425" spcFirstLastPara="1" rIns="91425" wrap="square" tIns="91425">
             <a:normAutofit fontScale="90000"/>
           </a:bodyPr>
           <a:lstStyle/>
           <a:p>
-            <a:pPr indent="0" lvl="0" marL="0" rtl="0" algn="l">
+            <a:pPr indent="0" lvl="0" marL="0" rtl="0" algn="ctr">
               <a:spcBef>
                 <a:spcPts val="0"/>
               </a:spcBef>
@@ -11111,7 +11109,7 @@
                 <a:cs typeface="Times New Roman"/>
                 <a:sym typeface="Times New Roman"/>
               </a:rPr>
-              <a:t>Analysis Phase - KC Crime vs. Full Moon Data</a:t>
+              <a:t>Analysis Phase - Tableau Presentation</a:t>
             </a:r>
             <a:endParaRPr b="1">
               <a:solidFill>
@@ -11123,36 +11121,38 @@
               <a:sym typeface="Times New Roman"/>
             </a:endParaRPr>
           </a:p>
+          <a:p>
+            <a:pPr indent="0" lvl="0" marL="0" rtl="0" algn="ctr">
+              <a:spcBef>
+                <a:spcPts val="0"/>
+              </a:spcBef>
+              <a:spcAft>
+                <a:spcPts val="0"/>
+              </a:spcAft>
+              <a:buNone/>
+            </a:pPr>
+            <a:r>
+              <a:rPr lang="en" u="sng">
+                <a:solidFill>
+                  <a:schemeClr val="hlink"/>
+                </a:solidFill>
+                <a:latin typeface="Times New Roman"/>
+                <a:ea typeface="Times New Roman"/>
+                <a:cs typeface="Times New Roman"/>
+                <a:sym typeface="Times New Roman"/>
+                <a:hlinkClick r:id="rId3"/>
+              </a:rPr>
+              <a:t>Tableau Link Here</a:t>
+            </a:r>
+            <a:endParaRPr>
+              <a:latin typeface="Times New Roman"/>
+              <a:ea typeface="Times New Roman"/>
+              <a:cs typeface="Times New Roman"/>
+              <a:sym typeface="Times New Roman"/>
+            </a:endParaRPr>
+          </a:p>
         </p:txBody>
       </p:sp>
-      <p:pic>
-        <p:nvPicPr>
-          <p:cNvPr id="294" name="Google Shape;294;p32"/>
-          <p:cNvPicPr preferRelativeResize="0"/>
-          <p:nvPr/>
-        </p:nvPicPr>
-        <p:blipFill>
-          <a:blip r:embed="rId3">
-            <a:alphaModFix/>
-          </a:blip>
-          <a:stretch>
-            <a:fillRect/>
-          </a:stretch>
-        </p:blipFill>
-        <p:spPr>
-          <a:xfrm>
-            <a:off x="152400" y="1170125"/>
-            <a:ext cx="8941898" cy="3774600"/>
-          </a:xfrm>
-          <a:prstGeom prst="rect">
-            <a:avLst/>
-          </a:prstGeom>
-          <a:noFill/>
-          <a:ln>
-            <a:noFill/>
-          </a:ln>
-        </p:spPr>
-      </p:pic>
     </p:spTree>
   </p:cSld>
   <p:clrMapOvr>
@@ -20638,6 +20638,285 @@
 </file>
 
 <file path=ppt/theme/theme1.xml><?xml version="1.0" encoding="utf-8"?>
+<a:theme xmlns:a="http://schemas.openxmlformats.org/drawingml/2006/main" xmlns:r="http://schemas.openxmlformats.org/officeDocument/2006/relationships" name="Simple Dark">
+  <a:themeElements>
+    <a:clrScheme name="Simple Dark">
+      <a:dk1>
+        <a:srgbClr val="FFFFFF"/>
+      </a:dk1>
+      <a:lt1>
+        <a:srgbClr val="212121"/>
+      </a:lt1>
+      <a:dk2>
+        <a:srgbClr val="303030"/>
+      </a:dk2>
+      <a:lt2>
+        <a:srgbClr val="ADADAD"/>
+      </a:lt2>
+      <a:accent1>
+        <a:srgbClr val="009688"/>
+      </a:accent1>
+      <a:accent2>
+        <a:srgbClr val="EEEEEE"/>
+      </a:accent2>
+      <a:accent3>
+        <a:srgbClr val="78909C"/>
+      </a:accent3>
+      <a:accent4>
+        <a:srgbClr val="FFAB40"/>
+      </a:accent4>
+      <a:accent5>
+        <a:srgbClr val="4DD0E1"/>
+      </a:accent5>
+      <a:accent6>
+        <a:srgbClr val="EEFF41"/>
+      </a:accent6>
+      <a:hlink>
+        <a:srgbClr val="4DD0E1"/>
+      </a:hlink>
+      <a:folHlink>
+        <a:srgbClr val="4DD0E1"/>
+      </a:folHlink>
+    </a:clrScheme>
+    <a:fontScheme name="Office">
+      <a:majorFont>
+        <a:latin typeface="Arial"/>
+        <a:ea typeface=""/>
+        <a:cs typeface=""/>
+        <a:font script="Jpan" typeface="ＭＳ Ｐゴシック"/>
+        <a:font script="Hang" typeface="맑은 고딕"/>
+        <a:font script="Hans" typeface="宋体"/>
+        <a:font script="Hant" typeface="新細明體"/>
+        <a:font script="Arab" typeface="Times New Roman"/>
+        <a:font script="Hebr" typeface="Times New Roman"/>
+        <a:font script="Thai" typeface="Angsana New"/>
+        <a:font script="Ethi" typeface="Nyala"/>
+        <a:font script="Beng" typeface="Vrinda"/>
+        <a:font script="Gujr" typeface="Shruti"/>
+        <a:font script="Khmr" typeface="MoolBoran"/>
+        <a:font script="Knda" typeface="Tunga"/>
+        <a:font script="Guru" typeface="Raavi"/>
+        <a:font script="Cans" typeface="Euphemia"/>
+        <a:font script="Cher" typeface="Plantagenet Cherokee"/>
+        <a:font script="Yiii" typeface="Microsoft Yi Baiti"/>
+        <a:font script="Tibt" typeface="Microsoft Himalaya"/>
+        <a:font script="Thaa" typeface="MV Boli"/>
+        <a:font script="Deva" typeface="Mangal"/>
+        <a:font script="Telu" typeface="Gautami"/>
+        <a:font script="Taml" typeface="Latha"/>
+        <a:font script="Syrc" typeface="Estrangelo Edessa"/>
+        <a:font script="Orya" typeface="Kalinga"/>
+        <a:font script="Mlym" typeface="Kartika"/>
+        <a:font script="Laoo" typeface="DokChampa"/>
+        <a:font script="Sinh" typeface="Iskoola Pota"/>
+        <a:font script="Mong" typeface="Mongolian Baiti"/>
+        <a:font script="Viet" typeface="Times New Roman"/>
+        <a:font script="Uigh" typeface="Microsoft Uighur"/>
+        <a:font script="Geor" typeface="Sylfaen"/>
+      </a:majorFont>
+      <a:minorFont>
+        <a:latin typeface="Arial"/>
+        <a:ea typeface=""/>
+        <a:cs typeface=""/>
+        <a:font script="Jpan" typeface="ＭＳ Ｐゴシック"/>
+        <a:font script="Hang" typeface="맑은 고딕"/>
+        <a:font script="Hans" typeface="宋体"/>
+        <a:font script="Hant" typeface="新細明體"/>
+        <a:font script="Arab" typeface="Arial"/>
+        <a:font script="Hebr" typeface="Arial"/>
+        <a:font script="Thai" typeface="Cordia New"/>
+        <a:font script="Ethi" typeface="Nyala"/>
+        <a:font script="Beng" typeface="Vrinda"/>
+        <a:font script="Gujr" typeface="Shruti"/>
+        <a:font script="Khmr" typeface="DaunPenh"/>
+        <a:font script="Knda" typeface="Tunga"/>
+        <a:font script="Guru" typeface="Raavi"/>
+        <a:font script="Cans" typeface="Euphemia"/>
+        <a:font script="Cher" typeface="Plantagenet Cherokee"/>
+        <a:font script="Yiii" typeface="Microsoft Yi Baiti"/>
+        <a:font script="Tibt" typeface="Microsoft Himalaya"/>
+        <a:font script="Thaa" typeface="MV Boli"/>
+        <a:font script="Deva" typeface="Mangal"/>
+        <a:font script="Telu" typeface="Gautami"/>
+        <a:font script="Taml" typeface="Latha"/>
+        <a:font script="Syrc" typeface="Estrangelo Edessa"/>
+        <a:font script="Orya" typeface="Kalinga"/>
+        <a:font script="Mlym" typeface="Kartika"/>
+        <a:font script="Laoo" typeface="DokChampa"/>
+        <a:font script="Sinh" typeface="Iskoola Pota"/>
+        <a:font script="Mong" typeface="Mongolian Baiti"/>
+        <a:font script="Viet" typeface="Arial"/>
+        <a:font script="Uigh" typeface="Microsoft Uighur"/>
+        <a:font script="Geor" typeface="Sylfaen"/>
+      </a:minorFont>
+    </a:fontScheme>
+    <a:fmtScheme name="Office">
+      <a:fillStyleLst>
+        <a:solidFill>
+          <a:schemeClr val="phClr"/>
+        </a:solidFill>
+        <a:gradFill rotWithShape="1">
+          <a:gsLst>
+            <a:gs pos="0">
+              <a:schemeClr val="phClr">
+                <a:tint val="50000"/>
+                <a:satMod val="300000"/>
+              </a:schemeClr>
+            </a:gs>
+            <a:gs pos="35000">
+              <a:schemeClr val="phClr">
+                <a:tint val="37000"/>
+                <a:satMod val="300000"/>
+              </a:schemeClr>
+            </a:gs>
+            <a:gs pos="100000">
+              <a:schemeClr val="phClr">
+                <a:tint val="15000"/>
+                <a:satMod val="350000"/>
+              </a:schemeClr>
+            </a:gs>
+          </a:gsLst>
+          <a:lin ang="16200000" scaled="1"/>
+        </a:gradFill>
+        <a:gradFill rotWithShape="1">
+          <a:gsLst>
+            <a:gs pos="0">
+              <a:schemeClr val="phClr">
+                <a:tint val="100000"/>
+                <a:shade val="100000"/>
+                <a:satMod val="130000"/>
+              </a:schemeClr>
+            </a:gs>
+            <a:gs pos="100000">
+              <a:schemeClr val="phClr">
+                <a:tint val="50000"/>
+                <a:shade val="100000"/>
+                <a:satMod val="350000"/>
+              </a:schemeClr>
+            </a:gs>
+          </a:gsLst>
+          <a:lin ang="16200000" scaled="0"/>
+        </a:gradFill>
+      </a:fillStyleLst>
+      <a:lnStyleLst>
+        <a:ln w="9525" cap="flat" cmpd="sng" algn="ctr">
+          <a:solidFill>
+            <a:schemeClr val="phClr">
+              <a:shade val="95000"/>
+              <a:satMod val="105000"/>
+            </a:schemeClr>
+          </a:solidFill>
+          <a:prstDash val="solid"/>
+        </a:ln>
+        <a:ln w="25400" cap="flat" cmpd="sng" algn="ctr">
+          <a:solidFill>
+            <a:schemeClr val="phClr"/>
+          </a:solidFill>
+          <a:prstDash val="solid"/>
+        </a:ln>
+        <a:ln w="38100" cap="flat" cmpd="sng" algn="ctr">
+          <a:solidFill>
+            <a:schemeClr val="phClr"/>
+          </a:solidFill>
+          <a:prstDash val="solid"/>
+        </a:ln>
+      </a:lnStyleLst>
+      <a:effectStyleLst>
+        <a:effectStyle>
+          <a:effectLst>
+            <a:outerShdw blurRad="40000" dist="20000" dir="5400000" rotWithShape="0">
+              <a:srgbClr val="000000">
+                <a:alpha val="38000"/>
+              </a:srgbClr>
+            </a:outerShdw>
+          </a:effectLst>
+        </a:effectStyle>
+        <a:effectStyle>
+          <a:effectLst>
+            <a:outerShdw blurRad="40000" dist="23000" dir="5400000" rotWithShape="0">
+              <a:srgbClr val="000000">
+                <a:alpha val="35000"/>
+              </a:srgbClr>
+            </a:outerShdw>
+          </a:effectLst>
+        </a:effectStyle>
+        <a:effectStyle>
+          <a:effectLst>
+            <a:outerShdw blurRad="40000" dist="23000" dir="5400000" rotWithShape="0">
+              <a:srgbClr val="000000">
+                <a:alpha val="35000"/>
+              </a:srgbClr>
+            </a:outerShdw>
+          </a:effectLst>
+          <a:scene3d>
+            <a:camera prst="orthographicFront">
+              <a:rot lat="0" lon="0" rev="0"/>
+            </a:camera>
+            <a:lightRig rig="threePt" dir="t">
+              <a:rot lat="0" lon="0" rev="1200000"/>
+            </a:lightRig>
+          </a:scene3d>
+          <a:sp3d>
+            <a:bevelT w="63500" h="25400"/>
+          </a:sp3d>
+        </a:effectStyle>
+      </a:effectStyleLst>
+      <a:bgFillStyleLst>
+        <a:solidFill>
+          <a:schemeClr val="phClr"/>
+        </a:solidFill>
+        <a:gradFill rotWithShape="1">
+          <a:gsLst>
+            <a:gs pos="0">
+              <a:schemeClr val="phClr">
+                <a:tint val="40000"/>
+                <a:satMod val="350000"/>
+              </a:schemeClr>
+            </a:gs>
+            <a:gs pos="40000">
+              <a:schemeClr val="phClr">
+                <a:tint val="45000"/>
+                <a:shade val="99000"/>
+                <a:satMod val="350000"/>
+              </a:schemeClr>
+            </a:gs>
+            <a:gs pos="100000">
+              <a:schemeClr val="phClr">
+                <a:shade val="20000"/>
+                <a:satMod val="255000"/>
+              </a:schemeClr>
+            </a:gs>
+          </a:gsLst>
+          <a:path path="circle">
+            <a:fillToRect l="50000" t="-80000" r="50000" b="180000"/>
+          </a:path>
+        </a:gradFill>
+        <a:gradFill rotWithShape="1">
+          <a:gsLst>
+            <a:gs pos="0">
+              <a:schemeClr val="phClr">
+                <a:tint val="80000"/>
+                <a:satMod val="300000"/>
+              </a:schemeClr>
+            </a:gs>
+            <a:gs pos="100000">
+              <a:schemeClr val="phClr">
+                <a:shade val="30000"/>
+                <a:satMod val="200000"/>
+              </a:schemeClr>
+            </a:gs>
+          </a:gsLst>
+          <a:path path="circle">
+            <a:fillToRect l="50000" t="50000" r="50000" b="50000"/>
+          </a:path>
+        </a:gradFill>
+      </a:bgFillStyleLst>
+    </a:fmtScheme>
+  </a:themeElements>
+</a:theme>
+</file>
+
+<file path=ppt/theme/theme2.xml><?xml version="1.0" encoding="utf-8"?>
 <a:theme xmlns:a="http://schemas.openxmlformats.org/drawingml/2006/main" xmlns:r="http://schemas.openxmlformats.org/officeDocument/2006/relationships">
   <a:themeElements>
     <a:clrScheme name="Default">
@@ -20914,283 +21193,4 @@
     </a:fmtScheme>
   </a:themeElements>
 </a:theme>
-</file>
-
-<file path=ppt/theme/theme2.xml><?xml version="1.0" encoding="utf-8"?>
-<a:theme xmlns:a="http://schemas.openxmlformats.org/drawingml/2006/main" xmlns:r="http://schemas.openxmlformats.org/officeDocument/2006/relationships" name="Simple Dark">
-  <a:themeElements>
-    <a:clrScheme name="Simple Dark">
-      <a:dk1>
-        <a:srgbClr val="FFFFFF"/>
-      </a:dk1>
-      <a:lt1>
-        <a:srgbClr val="212121"/>
-      </a:lt1>
-      <a:dk2>
-        <a:srgbClr val="303030"/>
-      </a:dk2>
-      <a:lt2>
-        <a:srgbClr val="ADADAD"/>
-      </a:lt2>
-      <a:accent1>
-        <a:srgbClr val="009688"/>
-      </a:accent1>
-      <a:accent2>
-        <a:srgbClr val="EEEEEE"/>
-      </a:accent2>
-      <a:accent3>
-        <a:srgbClr val="78909C"/>
-      </a:accent3>
-      <a:accent4>
-        <a:srgbClr val="FFAB40"/>
-      </a:accent4>
-      <a:accent5>
-        <a:srgbClr val="4DD0E1"/>
-      </a:accent5>
-      <a:accent6>
-        <a:srgbClr val="EEFF41"/>
-      </a:accent6>
-      <a:hlink>
-        <a:srgbClr val="4DD0E1"/>
-      </a:hlink>
-      <a:folHlink>
-        <a:srgbClr val="4DD0E1"/>
-      </a:folHlink>
-    </a:clrScheme>
-    <a:fontScheme name="Office">
-      <a:majorFont>
-        <a:latin typeface="Arial"/>
-        <a:ea typeface=""/>
-        <a:cs typeface=""/>
-        <a:font script="Jpan" typeface="ＭＳ Ｐゴシック"/>
-        <a:font script="Hang" typeface="맑은 고딕"/>
-        <a:font script="Hans" typeface="宋体"/>
-        <a:font script="Hant" typeface="新細明體"/>
-        <a:font script="Arab" typeface="Times New Roman"/>
-        <a:font script="Hebr" typeface="Times New Roman"/>
-        <a:font script="Thai" typeface="Angsana New"/>
-        <a:font script="Ethi" typeface="Nyala"/>
-        <a:font script="Beng" typeface="Vrinda"/>
-        <a:font script="Gujr" typeface="Shruti"/>
-        <a:font script="Khmr" typeface="MoolBoran"/>
-        <a:font script="Knda" typeface="Tunga"/>
-        <a:font script="Guru" typeface="Raavi"/>
-        <a:font script="Cans" typeface="Euphemia"/>
-        <a:font script="Cher" typeface="Plantagenet Cherokee"/>
-        <a:font script="Yiii" typeface="Microsoft Yi Baiti"/>
-        <a:font script="Tibt" typeface="Microsoft Himalaya"/>
-        <a:font script="Thaa" typeface="MV Boli"/>
-        <a:font script="Deva" typeface="Mangal"/>
-        <a:font script="Telu" typeface="Gautami"/>
-        <a:font script="Taml" typeface="Latha"/>
-        <a:font script="Syrc" typeface="Estrangelo Edessa"/>
-        <a:font script="Orya" typeface="Kalinga"/>
-        <a:font script="Mlym" typeface="Kartika"/>
-        <a:font script="Laoo" typeface="DokChampa"/>
-        <a:font script="Sinh" typeface="Iskoola Pota"/>
-        <a:font script="Mong" typeface="Mongolian Baiti"/>
-        <a:font script="Viet" typeface="Times New Roman"/>
-        <a:font script="Uigh" typeface="Microsoft Uighur"/>
-        <a:font script="Geor" typeface="Sylfaen"/>
-      </a:majorFont>
-      <a:minorFont>
-        <a:latin typeface="Arial"/>
-        <a:ea typeface=""/>
-        <a:cs typeface=""/>
-        <a:font script="Jpan" typeface="ＭＳ Ｐゴシック"/>
-        <a:font script="Hang" typeface="맑은 고딕"/>
-        <a:font script="Hans" typeface="宋体"/>
-        <a:font script="Hant" typeface="新細明體"/>
-        <a:font script="Arab" typeface="Arial"/>
-        <a:font script="Hebr" typeface="Arial"/>
-        <a:font script="Thai" typeface="Cordia New"/>
-        <a:font script="Ethi" typeface="Nyala"/>
-        <a:font script="Beng" typeface="Vrinda"/>
-        <a:font script="Gujr" typeface="Shruti"/>
-        <a:font script="Khmr" typeface="DaunPenh"/>
-        <a:font script="Knda" typeface="Tunga"/>
-        <a:font script="Guru" typeface="Raavi"/>
-        <a:font script="Cans" typeface="Euphemia"/>
-        <a:font script="Cher" typeface="Plantagenet Cherokee"/>
-        <a:font script="Yiii" typeface="Microsoft Yi Baiti"/>
-        <a:font script="Tibt" typeface="Microsoft Himalaya"/>
-        <a:font script="Thaa" typeface="MV Boli"/>
-        <a:font script="Deva" typeface="Mangal"/>
-        <a:font script="Telu" typeface="Gautami"/>
-        <a:font script="Taml" typeface="Latha"/>
-        <a:font script="Syrc" typeface="Estrangelo Edessa"/>
-        <a:font script="Orya" typeface="Kalinga"/>
-        <a:font script="Mlym" typeface="Kartika"/>
-        <a:font script="Laoo" typeface="DokChampa"/>
-        <a:font script="Sinh" typeface="Iskoola Pota"/>
-        <a:font script="Mong" typeface="Mongolian Baiti"/>
-        <a:font script="Viet" typeface="Arial"/>
-        <a:font script="Uigh" typeface="Microsoft Uighur"/>
-        <a:font script="Geor" typeface="Sylfaen"/>
-      </a:minorFont>
-    </a:fontScheme>
-    <a:fmtScheme name="Office">
-      <a:fillStyleLst>
-        <a:solidFill>
-          <a:schemeClr val="phClr"/>
-        </a:solidFill>
-        <a:gradFill rotWithShape="1">
-          <a:gsLst>
-            <a:gs pos="0">
-              <a:schemeClr val="phClr">
-                <a:tint val="50000"/>
-                <a:satMod val="300000"/>
-              </a:schemeClr>
-            </a:gs>
-            <a:gs pos="35000">
-              <a:schemeClr val="phClr">
-                <a:tint val="37000"/>
-                <a:satMod val="300000"/>
-              </a:schemeClr>
-            </a:gs>
-            <a:gs pos="100000">
-              <a:schemeClr val="phClr">
-                <a:tint val="15000"/>
-                <a:satMod val="350000"/>
-              </a:schemeClr>
-            </a:gs>
-          </a:gsLst>
-          <a:lin ang="16200000" scaled="1"/>
-        </a:gradFill>
-        <a:gradFill rotWithShape="1">
-          <a:gsLst>
-            <a:gs pos="0">
-              <a:schemeClr val="phClr">
-                <a:tint val="100000"/>
-                <a:shade val="100000"/>
-                <a:satMod val="130000"/>
-              </a:schemeClr>
-            </a:gs>
-            <a:gs pos="100000">
-              <a:schemeClr val="phClr">
-                <a:tint val="50000"/>
-                <a:shade val="100000"/>
-                <a:satMod val="350000"/>
-              </a:schemeClr>
-            </a:gs>
-          </a:gsLst>
-          <a:lin ang="16200000" scaled="0"/>
-        </a:gradFill>
-      </a:fillStyleLst>
-      <a:lnStyleLst>
-        <a:ln w="9525" cap="flat" cmpd="sng" algn="ctr">
-          <a:solidFill>
-            <a:schemeClr val="phClr">
-              <a:shade val="95000"/>
-              <a:satMod val="105000"/>
-            </a:schemeClr>
-          </a:solidFill>
-          <a:prstDash val="solid"/>
-        </a:ln>
-        <a:ln w="25400" cap="flat" cmpd="sng" algn="ctr">
-          <a:solidFill>
-            <a:schemeClr val="phClr"/>
-          </a:solidFill>
-          <a:prstDash val="solid"/>
-        </a:ln>
-        <a:ln w="38100" cap="flat" cmpd="sng" algn="ctr">
-          <a:solidFill>
-            <a:schemeClr val="phClr"/>
-          </a:solidFill>
-          <a:prstDash val="solid"/>
-        </a:ln>
-      </a:lnStyleLst>
-      <a:effectStyleLst>
-        <a:effectStyle>
-          <a:effectLst>
-            <a:outerShdw blurRad="40000" dist="20000" dir="5400000" rotWithShape="0">
-              <a:srgbClr val="000000">
-                <a:alpha val="38000"/>
-              </a:srgbClr>
-            </a:outerShdw>
-          </a:effectLst>
-        </a:effectStyle>
-        <a:effectStyle>
-          <a:effectLst>
-            <a:outerShdw blurRad="40000" dist="23000" dir="5400000" rotWithShape="0">
-              <a:srgbClr val="000000">
-                <a:alpha val="35000"/>
-              </a:srgbClr>
-            </a:outerShdw>
-          </a:effectLst>
-        </a:effectStyle>
-        <a:effectStyle>
-          <a:effectLst>
-            <a:outerShdw blurRad="40000" dist="23000" dir="5400000" rotWithShape="0">
-              <a:srgbClr val="000000">
-                <a:alpha val="35000"/>
-              </a:srgbClr>
-            </a:outerShdw>
-          </a:effectLst>
-          <a:scene3d>
-            <a:camera prst="orthographicFront">
-              <a:rot lat="0" lon="0" rev="0"/>
-            </a:camera>
-            <a:lightRig rig="threePt" dir="t">
-              <a:rot lat="0" lon="0" rev="1200000"/>
-            </a:lightRig>
-          </a:scene3d>
-          <a:sp3d>
-            <a:bevelT w="63500" h="25400"/>
-          </a:sp3d>
-        </a:effectStyle>
-      </a:effectStyleLst>
-      <a:bgFillStyleLst>
-        <a:solidFill>
-          <a:schemeClr val="phClr"/>
-        </a:solidFill>
-        <a:gradFill rotWithShape="1">
-          <a:gsLst>
-            <a:gs pos="0">
-              <a:schemeClr val="phClr">
-                <a:tint val="40000"/>
-                <a:satMod val="350000"/>
-              </a:schemeClr>
-            </a:gs>
-            <a:gs pos="40000">
-              <a:schemeClr val="phClr">
-                <a:tint val="45000"/>
-                <a:shade val="99000"/>
-                <a:satMod val="350000"/>
-              </a:schemeClr>
-            </a:gs>
-            <a:gs pos="100000">
-              <a:schemeClr val="phClr">
-                <a:shade val="20000"/>
-                <a:satMod val="255000"/>
-              </a:schemeClr>
-            </a:gs>
-          </a:gsLst>
-          <a:path path="circle">
-            <a:fillToRect l="50000" t="-80000" r="50000" b="180000"/>
-          </a:path>
-        </a:gradFill>
-        <a:gradFill rotWithShape="1">
-          <a:gsLst>
-            <a:gs pos="0">
-              <a:schemeClr val="phClr">
-                <a:tint val="80000"/>
-                <a:satMod val="300000"/>
-              </a:schemeClr>
-            </a:gs>
-            <a:gs pos="100000">
-              <a:schemeClr val="phClr">
-                <a:shade val="30000"/>
-                <a:satMod val="200000"/>
-              </a:schemeClr>
-            </a:gs>
-          </a:gsLst>
-          <a:path path="circle">
-            <a:fillToRect l="50000" t="50000" r="50000" b="50000"/>
-          </a:path>
-        </a:gradFill>
-      </a:bgFillStyleLst>
-    </a:fmtScheme>
-  </a:themeElements>
-</a:theme>
 </file>
--- a/HorrorscopesFinal.pptx
+++ b/HorrorscopesFinal.pptx
@@ -37,6 +37,8 @@
     <p:sldId id="282" r:id="rId32"/>
     <p:sldId id="283" r:id="rId33"/>
     <p:sldId id="284" r:id="rId34"/>
+    <p:sldId id="285" r:id="rId35"/>
+    <p:sldId id="286" r:id="rId36"/>
   </p:sldIdLst>
   <p:sldSz cy="5143500" cx="9144000"/>
   <p:notesSz cx="6858000" cy="9144000"/>
@@ -818,7 +820,7 @@
   <p:cSld>
     <p:spTree>
       <p:nvGrpSpPr>
-        <p:cNvPr id="216" name="Shape 216"/>
+        <p:cNvPr id="188" name="Shape 188"/>
         <p:cNvGrpSpPr/>
         <p:nvPr/>
       </p:nvGrpSpPr>
@@ -832,7 +834,7 @@
       </p:grpSpPr>
       <p:sp>
         <p:nvSpPr>
-          <p:cNvPr id="217" name="Google Shape;217;g152175e3203_0_139:notes"/>
+          <p:cNvPr id="189" name="Google Shape;189;g152175e3203_0_85:notes"/>
           <p:cNvSpPr/>
           <p:nvPr>
             <p:ph idx="2" type="sldImg"/>
@@ -867,7 +869,7 @@
       </p:sp>
       <p:sp>
         <p:nvSpPr>
-          <p:cNvPr id="218" name="Google Shape;218;g152175e3203_0_139:notes"/>
+          <p:cNvPr id="190" name="Google Shape;190;g152175e3203_0_85:notes"/>
           <p:cNvSpPr txBox="1"/>
           <p:nvPr>
             <p:ph idx="1" type="body"/>
@@ -899,15 +901,7 @@
             </a:pPr>
             <a:r>
               <a:rPr lang="en"/>
-              <a:t>Angelique: Elaborate on some of the struggles we had with the Database and </a:t>
-            </a:r>
-            <a:r>
-              <a:rPr lang="en"/>
-              <a:t>describe</a:t>
-            </a:r>
-            <a:r>
-              <a:rPr lang="en"/>
-              <a:t> how we were finally able to perform an inner join after formatting the date columns for the full moon chart and the KCPD Crime data.</a:t>
+              <a:t>Angelique: Discuss our initial debate between what database type to go with, and why we chose an AWS PostgreSQL database.</a:t>
             </a:r>
             <a:endParaRPr/>
           </a:p>
@@ -926,7 +920,7 @@
   <p:cSld>
     <p:spTree>
       <p:nvGrpSpPr>
-        <p:cNvPr id="236" name="Shape 236"/>
+        <p:cNvPr id="208" name="Shape 208"/>
         <p:cNvGrpSpPr/>
         <p:nvPr/>
       </p:nvGrpSpPr>
@@ -940,7 +934,7 @@
       </p:grpSpPr>
       <p:sp>
         <p:nvSpPr>
-          <p:cNvPr id="237" name="Google Shape;237;g152175e3203_0_158:notes"/>
+          <p:cNvPr id="209" name="Google Shape;209;g152175e3203_0_90:notes"/>
           <p:cNvSpPr/>
           <p:nvPr>
             <p:ph idx="2" type="sldImg"/>
@@ -975,7 +969,7 @@
       </p:sp>
       <p:sp>
         <p:nvSpPr>
-          <p:cNvPr id="238" name="Google Shape;238;g152175e3203_0_158:notes"/>
+          <p:cNvPr id="210" name="Google Shape;210;g152175e3203_0_90:notes"/>
           <p:cNvSpPr txBox="1"/>
           <p:nvPr>
             <p:ph idx="1" type="body"/>
@@ -1007,18 +1001,7 @@
             </a:pPr>
             <a:r>
               <a:rPr lang="en"/>
-              <a:t>Lauren: </a:t>
-            </a:r>
-            <a:r>
-              <a:rPr lang="en" sz="1200">
-                <a:solidFill>
-                  <a:srgbClr val="24292F"/>
-                </a:solidFill>
-                <a:highlight>
-                  <a:srgbClr val="FFFFFF"/>
-                </a:highlight>
-              </a:rPr>
-              <a:t>We put the data into tableau and excel pivot tables to examine any trends between astrological sign and the number of serial killers. We found there were more aquarius killer than other types.</a:t>
+              <a:t>Angelique: Feel free to elaborate here if you want to.</a:t>
             </a:r>
             <a:endParaRPr/>
           </a:p>
@@ -1037,7 +1020,7 @@
   <p:cSld>
     <p:spTree>
       <p:nvGrpSpPr>
-        <p:cNvPr id="242" name="Shape 242"/>
+        <p:cNvPr id="228" name="Shape 228"/>
         <p:cNvGrpSpPr/>
         <p:nvPr/>
       </p:nvGrpSpPr>
@@ -1051,7 +1034,7 @@
       </p:grpSpPr>
       <p:sp>
         <p:nvSpPr>
-          <p:cNvPr id="243" name="Google Shape;243;g152175e3203_0_165:notes"/>
+          <p:cNvPr id="229" name="Google Shape;229;g152175e3203_0_139:notes"/>
           <p:cNvSpPr/>
           <p:nvPr>
             <p:ph idx="2" type="sldImg"/>
@@ -1086,7 +1069,7 @@
       </p:sp>
       <p:sp>
         <p:nvSpPr>
-          <p:cNvPr id="244" name="Google Shape;244;g152175e3203_0_165:notes"/>
+          <p:cNvPr id="230" name="Google Shape;230;g152175e3203_0_139:notes"/>
           <p:cNvSpPr txBox="1"/>
           <p:nvPr>
             <p:ph idx="1" type="body"/>
@@ -1118,18 +1101,15 @@
             </a:pPr>
             <a:r>
               <a:rPr lang="en"/>
-              <a:t>Lauren: </a:t>
+              <a:t>Angelique: Elaborate on some of the struggles we had with the Database and </a:t>
             </a:r>
             <a:r>
-              <a:rPr lang="en" sz="1200">
-                <a:solidFill>
-                  <a:srgbClr val="24292F"/>
-                </a:solidFill>
-                <a:highlight>
-                  <a:srgbClr val="FFFFFF"/>
-                </a:highlight>
-              </a:rPr>
-              <a:t>Then, we analyzed number of victims (confirmed) by Killer's astrological sign. Again, the highest number was from aquarius.</a:t>
+              <a:rPr lang="en"/>
+              <a:t>describe</a:t>
+            </a:r>
+            <a:r>
+              <a:rPr lang="en"/>
+              <a:t> how we were finally able to perform an inner join after formatting the date columns for the full moon chart and the KCPD Crime data.</a:t>
             </a:r>
             <a:endParaRPr/>
           </a:p>
@@ -1162,7 +1142,7 @@
       </p:grpSpPr>
       <p:sp>
         <p:nvSpPr>
-          <p:cNvPr id="249" name="Google Shape;249;g152175e3203_0_171:notes"/>
+          <p:cNvPr id="249" name="Google Shape;249;g152175e3203_0_158:notes"/>
           <p:cNvSpPr/>
           <p:nvPr>
             <p:ph idx="2" type="sldImg"/>
@@ -1197,7 +1177,7 @@
       </p:sp>
       <p:sp>
         <p:nvSpPr>
-          <p:cNvPr id="250" name="Google Shape;250;g152175e3203_0_171:notes"/>
+          <p:cNvPr id="250" name="Google Shape;250;g152175e3203_0_158:notes"/>
           <p:cNvSpPr txBox="1"/>
           <p:nvPr>
             <p:ph idx="1" type="body"/>
@@ -1240,7 +1220,7 @@
                   <a:srgbClr val="FFFFFF"/>
                 </a:highlight>
               </a:rPr>
-              <a:t>Next, we separated the killers by their birth year. We found that the highest number of serial killers were born between 1946-1964 (with the most being in 1953). This generation definition comes from the Pew Research Center.</a:t>
+              <a:t>We put the data into tableau and excel pivot tables to examine any trends between astrological sign and the number of serial killers. We found there were more aquarius killer than other types.</a:t>
             </a:r>
             <a:endParaRPr/>
           </a:p>
@@ -1273,7 +1253,7 @@
       </p:grpSpPr>
       <p:sp>
         <p:nvSpPr>
-          <p:cNvPr id="255" name="Google Shape;255;g152175e3203_0_175:notes"/>
+          <p:cNvPr id="255" name="Google Shape;255;g152175e3203_0_165:notes"/>
           <p:cNvSpPr/>
           <p:nvPr>
             <p:ph idx="2" type="sldImg"/>
@@ -1308,7 +1288,7 @@
       </p:sp>
       <p:sp>
         <p:nvSpPr>
-          <p:cNvPr id="256" name="Google Shape;256;g152175e3203_0_175:notes"/>
+          <p:cNvPr id="256" name="Google Shape;256;g152175e3203_0_165:notes"/>
           <p:cNvSpPr txBox="1"/>
           <p:nvPr>
             <p:ph idx="1" type="body"/>
@@ -1339,6 +1319,10 @@
               <a:buNone/>
             </a:pPr>
             <a:r>
+              <a:rPr lang="en"/>
+              <a:t>Lauren: </a:t>
+            </a:r>
+            <a:r>
               <a:rPr lang="en" sz="1200">
                 <a:solidFill>
                   <a:srgbClr val="24292F"/>
@@ -1347,7 +1331,7 @@
                   <a:srgbClr val="FFFFFF"/>
                 </a:highlight>
               </a:rPr>
-              <a:t>Last, we looked at the average number of victims associated with each generation of killer. The average highest number of victims (6.907) came from the silent generation, which were individuals born between 1928-1945.</a:t>
+              <a:t>Then, we analyzed number of victims (confirmed) by Killer's astrological sign. Again, the highest number was from aquarius.</a:t>
             </a:r>
             <a:endParaRPr/>
           </a:p>
@@ -1380,7 +1364,7 @@
       </p:grpSpPr>
       <p:sp>
         <p:nvSpPr>
-          <p:cNvPr id="261" name="Google Shape;261;g152175e3203_0_179:notes"/>
+          <p:cNvPr id="261" name="Google Shape;261;g152175e3203_0_171:notes"/>
           <p:cNvSpPr/>
           <p:nvPr>
             <p:ph idx="2" type="sldImg"/>
@@ -1415,7 +1399,7 @@
       </p:sp>
       <p:sp>
         <p:nvSpPr>
-          <p:cNvPr id="262" name="Google Shape;262;g152175e3203_0_179:notes"/>
+          <p:cNvPr id="262" name="Google Shape;262;g152175e3203_0_171:notes"/>
           <p:cNvSpPr txBox="1"/>
           <p:nvPr>
             <p:ph idx="1" type="body"/>
@@ -1458,7 +1442,7 @@
                   <a:srgbClr val="FFFFFF"/>
                 </a:highlight>
               </a:rPr>
-              <a:t>First, we looked to see which astrological season full moon was associated with the highest number of crime reports for 2009. Virgo full moon (associated with September) had the highest number of reports.</a:t>
+              <a:t>Next, we separated the killers by their birth year. We found that the highest number of serial killers were born between 1946-1964 (with the most being in 1953). This generation definition comes from the Pew Research Center.</a:t>
             </a:r>
             <a:endParaRPr/>
           </a:p>
@@ -1491,7 +1475,7 @@
       </p:grpSpPr>
       <p:sp>
         <p:nvSpPr>
-          <p:cNvPr id="267" name="Google Shape;267;g152175e3203_0_183:notes"/>
+          <p:cNvPr id="267" name="Google Shape;267;g152175e3203_0_175:notes"/>
           <p:cNvSpPr/>
           <p:nvPr>
             <p:ph idx="2" type="sldImg"/>
@@ -1526,7 +1510,225 @@
       </p:sp>
       <p:sp>
         <p:nvSpPr>
-          <p:cNvPr id="268" name="Google Shape;268;g152175e3203_0_183:notes"/>
+          <p:cNvPr id="268" name="Google Shape;268;g152175e3203_0_175:notes"/>
+          <p:cNvSpPr txBox="1"/>
+          <p:nvPr>
+            <p:ph idx="1" type="body"/>
+          </p:nvPr>
+        </p:nvSpPr>
+        <p:spPr>
+          <a:xfrm>
+            <a:off x="685800" y="4343400"/>
+            <a:ext cx="5486400" cy="4114800"/>
+          </a:xfrm>
+          <a:prstGeom prst="rect">
+            <a:avLst/>
+          </a:prstGeom>
+        </p:spPr>
+        <p:txBody>
+          <a:bodyPr anchorCtr="0" anchor="t" bIns="91425" lIns="91425" spcFirstLastPara="1" rIns="91425" wrap="square" tIns="91425">
+            <a:noAutofit/>
+          </a:bodyPr>
+          <a:lstStyle/>
+          <a:p>
+            <a:pPr indent="0" lvl="0" marL="0" rtl="0" algn="l">
+              <a:spcBef>
+                <a:spcPts val="0"/>
+              </a:spcBef>
+              <a:spcAft>
+                <a:spcPts val="0"/>
+              </a:spcAft>
+              <a:buNone/>
+            </a:pPr>
+            <a:r>
+              <a:rPr lang="en" sz="1200">
+                <a:solidFill>
+                  <a:srgbClr val="24292F"/>
+                </a:solidFill>
+                <a:highlight>
+                  <a:srgbClr val="FFFFFF"/>
+                </a:highlight>
+              </a:rPr>
+              <a:t>Last, we looked at the average number of victims associated with each generation of killer. The average highest number of victims (6.907) came from the silent generation, which were individuals born between 1928-1945.</a:t>
+            </a:r>
+            <a:endParaRPr/>
+          </a:p>
+        </p:txBody>
+      </p:sp>
+    </p:spTree>
+  </p:cSld>
+  <p:clrMapOvr>
+    <a:masterClrMapping/>
+  </p:clrMapOvr>
+</p:notes>
+</file>
+
+<file path=ppt/notesSlides/notesSlide17.xml><?xml version="1.0" encoding="utf-8"?>
+<p:notes xmlns:a="http://schemas.openxmlformats.org/drawingml/2006/main" xmlns:r="http://schemas.openxmlformats.org/officeDocument/2006/relationships" xmlns:mc="http://schemas.openxmlformats.org/markup-compatibility/2006" xmlns:mv="urn:schemas-microsoft-com:mac:vml" xmlns:p="http://schemas.openxmlformats.org/presentationml/2006/main" xmlns:c="http://schemas.openxmlformats.org/drawingml/2006/chart" xmlns:dgm="http://schemas.openxmlformats.org/drawingml/2006/diagram" xmlns:o="urn:schemas-microsoft-com:office:office" xmlns:v="urn:schemas-microsoft-com:vml" xmlns:pvml="urn:schemas-microsoft-com:office:powerpoint" xmlns:com="http://schemas.openxmlformats.org/drawingml/2006/compatibility" xmlns:p14="http://schemas.microsoft.com/office/powerpoint/2010/main" xmlns:p15="http://schemas.microsoft.com/office/powerpoint/2012/main" xmlns:ahyp="http://schemas.microsoft.com/office/drawing/2018/hyperlinkcolor" showMasterPhAnim="0" showMasterSp="0">
+  <p:cSld>
+    <p:spTree>
+      <p:nvGrpSpPr>
+        <p:cNvPr id="272" name="Shape 272"/>
+        <p:cNvGrpSpPr/>
+        <p:nvPr/>
+      </p:nvGrpSpPr>
+      <p:grpSpPr>
+        <a:xfrm>
+          <a:off x="0" y="0"/>
+          <a:ext cx="0" cy="0"/>
+          <a:chOff x="0" y="0"/>
+          <a:chExt cx="0" cy="0"/>
+        </a:xfrm>
+      </p:grpSpPr>
+      <p:sp>
+        <p:nvSpPr>
+          <p:cNvPr id="273" name="Google Shape;273;g152175e3203_0_179:notes"/>
+          <p:cNvSpPr/>
+          <p:nvPr>
+            <p:ph idx="2" type="sldImg"/>
+          </p:nvPr>
+        </p:nvSpPr>
+        <p:spPr>
+          <a:xfrm>
+            <a:off x="381300" y="685800"/>
+            <a:ext cx="6096000" cy="3429000"/>
+          </a:xfrm>
+          <a:custGeom>
+            <a:rect b="b" l="l" r="r" t="t"/>
+            <a:pathLst>
+              <a:path extrusionOk="0" h="120000" w="120000">
+                <a:moveTo>
+                  <a:pt x="0" y="0"/>
+                </a:moveTo>
+                <a:lnTo>
+                  <a:pt x="120000" y="0"/>
+                </a:lnTo>
+                <a:lnTo>
+                  <a:pt x="120000" y="120000"/>
+                </a:lnTo>
+                <a:lnTo>
+                  <a:pt x="0" y="120000"/>
+                </a:lnTo>
+                <a:close/>
+              </a:path>
+            </a:pathLst>
+          </a:custGeom>
+        </p:spPr>
+      </p:sp>
+      <p:sp>
+        <p:nvSpPr>
+          <p:cNvPr id="274" name="Google Shape;274;g152175e3203_0_179:notes"/>
+          <p:cNvSpPr txBox="1"/>
+          <p:nvPr>
+            <p:ph idx="1" type="body"/>
+          </p:nvPr>
+        </p:nvSpPr>
+        <p:spPr>
+          <a:xfrm>
+            <a:off x="685800" y="4343400"/>
+            <a:ext cx="5486400" cy="4114800"/>
+          </a:xfrm>
+          <a:prstGeom prst="rect">
+            <a:avLst/>
+          </a:prstGeom>
+        </p:spPr>
+        <p:txBody>
+          <a:bodyPr anchorCtr="0" anchor="t" bIns="91425" lIns="91425" spcFirstLastPara="1" rIns="91425" wrap="square" tIns="91425">
+            <a:noAutofit/>
+          </a:bodyPr>
+          <a:lstStyle/>
+          <a:p>
+            <a:pPr indent="0" lvl="0" marL="0" rtl="0" algn="l">
+              <a:spcBef>
+                <a:spcPts val="0"/>
+              </a:spcBef>
+              <a:spcAft>
+                <a:spcPts val="0"/>
+              </a:spcAft>
+              <a:buNone/>
+            </a:pPr>
+            <a:r>
+              <a:rPr lang="en"/>
+              <a:t>Lauren: </a:t>
+            </a:r>
+            <a:r>
+              <a:rPr lang="en" sz="1200">
+                <a:solidFill>
+                  <a:srgbClr val="24292F"/>
+                </a:solidFill>
+                <a:highlight>
+                  <a:srgbClr val="FFFFFF"/>
+                </a:highlight>
+              </a:rPr>
+              <a:t>First, we looked to see which astrological season full moon was associated with the highest number of crime reports for 2009. Virgo full moon (associated with September) had the highest number of reports.</a:t>
+            </a:r>
+            <a:endParaRPr/>
+          </a:p>
+        </p:txBody>
+      </p:sp>
+    </p:spTree>
+  </p:cSld>
+  <p:clrMapOvr>
+    <a:masterClrMapping/>
+  </p:clrMapOvr>
+</p:notes>
+</file>
+
+<file path=ppt/notesSlides/notesSlide18.xml><?xml version="1.0" encoding="utf-8"?>
+<p:notes xmlns:a="http://schemas.openxmlformats.org/drawingml/2006/main" xmlns:r="http://schemas.openxmlformats.org/officeDocument/2006/relationships" xmlns:mc="http://schemas.openxmlformats.org/markup-compatibility/2006" xmlns:mv="urn:schemas-microsoft-com:mac:vml" xmlns:p="http://schemas.openxmlformats.org/presentationml/2006/main" xmlns:c="http://schemas.openxmlformats.org/drawingml/2006/chart" xmlns:dgm="http://schemas.openxmlformats.org/drawingml/2006/diagram" xmlns:o="urn:schemas-microsoft-com:office:office" xmlns:v="urn:schemas-microsoft-com:vml" xmlns:pvml="urn:schemas-microsoft-com:office:powerpoint" xmlns:com="http://schemas.openxmlformats.org/drawingml/2006/compatibility" xmlns:p14="http://schemas.microsoft.com/office/powerpoint/2010/main" xmlns:p15="http://schemas.microsoft.com/office/powerpoint/2012/main" xmlns:ahyp="http://schemas.microsoft.com/office/drawing/2018/hyperlinkcolor" showMasterPhAnim="0" showMasterSp="0">
+  <p:cSld>
+    <p:spTree>
+      <p:nvGrpSpPr>
+        <p:cNvPr id="278" name="Shape 278"/>
+        <p:cNvGrpSpPr/>
+        <p:nvPr/>
+      </p:nvGrpSpPr>
+      <p:grpSpPr>
+        <a:xfrm>
+          <a:off x="0" y="0"/>
+          <a:ext cx="0" cy="0"/>
+          <a:chOff x="0" y="0"/>
+          <a:chExt cx="0" cy="0"/>
+        </a:xfrm>
+      </p:grpSpPr>
+      <p:sp>
+        <p:nvSpPr>
+          <p:cNvPr id="279" name="Google Shape;279;g152175e3203_0_183:notes"/>
+          <p:cNvSpPr/>
+          <p:nvPr>
+            <p:ph idx="2" type="sldImg"/>
+          </p:nvPr>
+        </p:nvSpPr>
+        <p:spPr>
+          <a:xfrm>
+            <a:off x="381300" y="685800"/>
+            <a:ext cx="6096000" cy="3429000"/>
+          </a:xfrm>
+          <a:custGeom>
+            <a:rect b="b" l="l" r="r" t="t"/>
+            <a:pathLst>
+              <a:path extrusionOk="0" h="120000" w="120000">
+                <a:moveTo>
+                  <a:pt x="0" y="0"/>
+                </a:moveTo>
+                <a:lnTo>
+                  <a:pt x="120000" y="0"/>
+                </a:lnTo>
+                <a:lnTo>
+                  <a:pt x="120000" y="120000"/>
+                </a:lnTo>
+                <a:lnTo>
+                  <a:pt x="0" y="120000"/>
+                </a:lnTo>
+                <a:close/>
+              </a:path>
+            </a:pathLst>
+          </a:custGeom>
+        </p:spPr>
+      </p:sp>
+      <p:sp>
+        <p:nvSpPr>
+          <p:cNvPr id="280" name="Google Shape;280;g152175e3203_0_183:notes"/>
           <p:cNvSpPr txBox="1"/>
           <p:nvPr>
             <p:ph idx="1" type="body"/>
@@ -1645,12 +1847,12 @@
 </p:notes>
 </file>
 
-<file path=ppt/notesSlides/notesSlide17.xml><?xml version="1.0" encoding="utf-8"?>
+<file path=ppt/notesSlides/notesSlide19.xml><?xml version="1.0" encoding="utf-8"?>
 <p:notes xmlns:a="http://schemas.openxmlformats.org/drawingml/2006/main" xmlns:r="http://schemas.openxmlformats.org/officeDocument/2006/relationships" xmlns:mc="http://schemas.openxmlformats.org/markup-compatibility/2006" xmlns:mv="urn:schemas-microsoft-com:mac:vml" xmlns:p="http://schemas.openxmlformats.org/presentationml/2006/main" xmlns:c="http://schemas.openxmlformats.org/drawingml/2006/chart" xmlns:dgm="http://schemas.openxmlformats.org/drawingml/2006/diagram" xmlns:o="urn:schemas-microsoft-com:office:office" xmlns:v="urn:schemas-microsoft-com:vml" xmlns:pvml="urn:schemas-microsoft-com:office:powerpoint" xmlns:com="http://schemas.openxmlformats.org/drawingml/2006/compatibility" xmlns:p14="http://schemas.microsoft.com/office/powerpoint/2010/main" xmlns:p15="http://schemas.microsoft.com/office/powerpoint/2012/main" xmlns:ahyp="http://schemas.microsoft.com/office/drawing/2018/hyperlinkcolor" showMasterPhAnim="0" showMasterSp="0">
   <p:cSld>
     <p:spTree>
       <p:nvGrpSpPr>
-        <p:cNvPr id="272" name="Shape 272"/>
+        <p:cNvPr id="284" name="Shape 284"/>
         <p:cNvGrpSpPr/>
         <p:nvPr/>
       </p:nvGrpSpPr>
@@ -1664,7 +1866,7 @@
       </p:grpSpPr>
       <p:sp>
         <p:nvSpPr>
-          <p:cNvPr id="273" name="Google Shape;273;g152175e3203_0_187:notes"/>
+          <p:cNvPr id="285" name="Google Shape;285;g152175e3203_0_187:notes"/>
           <p:cNvSpPr/>
           <p:nvPr>
             <p:ph idx="2" type="sldImg"/>
@@ -1699,7 +1901,7 @@
       </p:sp>
       <p:sp>
         <p:nvSpPr>
-          <p:cNvPr id="274" name="Google Shape;274;g152175e3203_0_187:notes"/>
+          <p:cNvPr id="286" name="Google Shape;286;g152175e3203_0_187:notes"/>
           <p:cNvSpPr txBox="1"/>
           <p:nvPr>
             <p:ph idx="1" type="body"/>
@@ -1743,246 +1945,6 @@
                 </a:highlight>
               </a:rPr>
               <a:t>Next, we looked to see which full moon sign had the most reports associated with firearms. Pisces full moon had the most firearms.</a:t>
-            </a:r>
-            <a:endParaRPr/>
-          </a:p>
-        </p:txBody>
-      </p:sp>
-    </p:spTree>
-  </p:cSld>
-  <p:clrMapOvr>
-    <a:masterClrMapping/>
-  </p:clrMapOvr>
-</p:notes>
-</file>
-
-<file path=ppt/notesSlides/notesSlide18.xml><?xml version="1.0" encoding="utf-8"?>
-<p:notes xmlns:a="http://schemas.openxmlformats.org/drawingml/2006/main" xmlns:r="http://schemas.openxmlformats.org/officeDocument/2006/relationships" xmlns:mc="http://schemas.openxmlformats.org/markup-compatibility/2006" xmlns:mv="urn:schemas-microsoft-com:mac:vml" xmlns:p="http://schemas.openxmlformats.org/presentationml/2006/main" xmlns:c="http://schemas.openxmlformats.org/drawingml/2006/chart" xmlns:dgm="http://schemas.openxmlformats.org/drawingml/2006/diagram" xmlns:o="urn:schemas-microsoft-com:office:office" xmlns:v="urn:schemas-microsoft-com:vml" xmlns:pvml="urn:schemas-microsoft-com:office:powerpoint" xmlns:com="http://schemas.openxmlformats.org/drawingml/2006/compatibility" xmlns:p14="http://schemas.microsoft.com/office/powerpoint/2010/main" xmlns:p15="http://schemas.microsoft.com/office/powerpoint/2012/main" xmlns:ahyp="http://schemas.microsoft.com/office/drawing/2018/hyperlinkcolor" showMasterPhAnim="0" showMasterSp="0">
-  <p:cSld>
-    <p:spTree>
-      <p:nvGrpSpPr>
-        <p:cNvPr id="278" name="Shape 278"/>
-        <p:cNvGrpSpPr/>
-        <p:nvPr/>
-      </p:nvGrpSpPr>
-      <p:grpSpPr>
-        <a:xfrm>
-          <a:off x="0" y="0"/>
-          <a:ext cx="0" cy="0"/>
-          <a:chOff x="0" y="0"/>
-          <a:chExt cx="0" cy="0"/>
-        </a:xfrm>
-      </p:grpSpPr>
-      <p:sp>
-        <p:nvSpPr>
-          <p:cNvPr id="279" name="Google Shape;279;g152175e3203_0_199:notes"/>
-          <p:cNvSpPr/>
-          <p:nvPr>
-            <p:ph idx="2" type="sldImg"/>
-          </p:nvPr>
-        </p:nvSpPr>
-        <p:spPr>
-          <a:xfrm>
-            <a:off x="381300" y="685800"/>
-            <a:ext cx="6096000" cy="3429000"/>
-          </a:xfrm>
-          <a:custGeom>
-            <a:rect b="b" l="l" r="r" t="t"/>
-            <a:pathLst>
-              <a:path extrusionOk="0" h="120000" w="120000">
-                <a:moveTo>
-                  <a:pt x="0" y="0"/>
-                </a:moveTo>
-                <a:lnTo>
-                  <a:pt x="120000" y="0"/>
-                </a:lnTo>
-                <a:lnTo>
-                  <a:pt x="120000" y="120000"/>
-                </a:lnTo>
-                <a:lnTo>
-                  <a:pt x="0" y="120000"/>
-                </a:lnTo>
-                <a:close/>
-              </a:path>
-            </a:pathLst>
-          </a:custGeom>
-        </p:spPr>
-      </p:sp>
-      <p:sp>
-        <p:nvSpPr>
-          <p:cNvPr id="280" name="Google Shape;280;g152175e3203_0_199:notes"/>
-          <p:cNvSpPr txBox="1"/>
-          <p:nvPr>
-            <p:ph idx="1" type="body"/>
-          </p:nvPr>
-        </p:nvSpPr>
-        <p:spPr>
-          <a:xfrm>
-            <a:off x="685800" y="4343400"/>
-            <a:ext cx="5486400" cy="4114800"/>
-          </a:xfrm>
-          <a:prstGeom prst="rect">
-            <a:avLst/>
-          </a:prstGeom>
-        </p:spPr>
-        <p:txBody>
-          <a:bodyPr anchorCtr="0" anchor="t" bIns="91425" lIns="91425" spcFirstLastPara="1" rIns="91425" wrap="square" tIns="91425">
-            <a:noAutofit/>
-          </a:bodyPr>
-          <a:lstStyle/>
-          <a:p>
-            <a:pPr indent="0" lvl="0" marL="0" rtl="0" algn="l">
-              <a:spcBef>
-                <a:spcPts val="0"/>
-              </a:spcBef>
-              <a:spcAft>
-                <a:spcPts val="0"/>
-              </a:spcAft>
-              <a:buNone/>
-            </a:pPr>
-            <a:r>
-              <a:rPr lang="en"/>
-              <a:t>Lauren: </a:t>
-            </a:r>
-            <a:r>
-              <a:rPr lang="en" sz="1200">
-                <a:solidFill>
-                  <a:srgbClr val="24292F"/>
-                </a:solidFill>
-                <a:highlight>
-                  <a:srgbClr val="FFFFFF"/>
-                </a:highlight>
-              </a:rPr>
-              <a:t>Then to better see if there were spikes during full moons, all of the crimes were placed on a line chart with the X-axis being the date the crime was </a:t>
-            </a:r>
-            <a:r>
-              <a:rPr lang="en" sz="1200">
-                <a:solidFill>
-                  <a:srgbClr val="24292F"/>
-                </a:solidFill>
-                <a:highlight>
-                  <a:srgbClr val="FFFFFF"/>
-                </a:highlight>
-              </a:rPr>
-              <a:t>committed</a:t>
-            </a:r>
-            <a:r>
-              <a:rPr lang="en" sz="1200">
-                <a:solidFill>
-                  <a:srgbClr val="24292F"/>
-                </a:solidFill>
-                <a:highlight>
-                  <a:srgbClr val="FFFFFF"/>
-                </a:highlight>
-              </a:rPr>
-              <a:t> and the Y axis being the number of reports. The graph could be filtered to show each month individually. In general, there did not appear to be a major uptick in reported crimes on full moons.</a:t>
-            </a:r>
-            <a:endParaRPr/>
-          </a:p>
-        </p:txBody>
-      </p:sp>
-    </p:spTree>
-  </p:cSld>
-  <p:clrMapOvr>
-    <a:masterClrMapping/>
-  </p:clrMapOvr>
-</p:notes>
-</file>
-
-<file path=ppt/notesSlides/notesSlide19.xml><?xml version="1.0" encoding="utf-8"?>
-<p:notes xmlns:a="http://schemas.openxmlformats.org/drawingml/2006/main" xmlns:r="http://schemas.openxmlformats.org/officeDocument/2006/relationships" xmlns:mc="http://schemas.openxmlformats.org/markup-compatibility/2006" xmlns:mv="urn:schemas-microsoft-com:mac:vml" xmlns:p="http://schemas.openxmlformats.org/presentationml/2006/main" xmlns:c="http://schemas.openxmlformats.org/drawingml/2006/chart" xmlns:dgm="http://schemas.openxmlformats.org/drawingml/2006/diagram" xmlns:o="urn:schemas-microsoft-com:office:office" xmlns:v="urn:schemas-microsoft-com:vml" xmlns:pvml="urn:schemas-microsoft-com:office:powerpoint" xmlns:com="http://schemas.openxmlformats.org/drawingml/2006/compatibility" xmlns:p14="http://schemas.microsoft.com/office/powerpoint/2010/main" xmlns:p15="http://schemas.microsoft.com/office/powerpoint/2012/main" xmlns:ahyp="http://schemas.microsoft.com/office/drawing/2018/hyperlinkcolor" showMasterPhAnim="0" showMasterSp="0">
-  <p:cSld>
-    <p:spTree>
-      <p:nvGrpSpPr>
-        <p:cNvPr id="284" name="Shape 284"/>
-        <p:cNvGrpSpPr/>
-        <p:nvPr/>
-      </p:nvGrpSpPr>
-      <p:grpSpPr>
-        <a:xfrm>
-          <a:off x="0" y="0"/>
-          <a:ext cx="0" cy="0"/>
-          <a:chOff x="0" y="0"/>
-          <a:chExt cx="0" cy="0"/>
-        </a:xfrm>
-      </p:grpSpPr>
-      <p:sp>
-        <p:nvSpPr>
-          <p:cNvPr id="285" name="Google Shape;285;g152175e3203_0_203:notes"/>
-          <p:cNvSpPr/>
-          <p:nvPr>
-            <p:ph idx="2" type="sldImg"/>
-          </p:nvPr>
-        </p:nvSpPr>
-        <p:spPr>
-          <a:xfrm>
-            <a:off x="381300" y="685800"/>
-            <a:ext cx="6096000" cy="3429000"/>
-          </a:xfrm>
-          <a:custGeom>
-            <a:rect b="b" l="l" r="r" t="t"/>
-            <a:pathLst>
-              <a:path extrusionOk="0" h="120000" w="120000">
-                <a:moveTo>
-                  <a:pt x="0" y="0"/>
-                </a:moveTo>
-                <a:lnTo>
-                  <a:pt x="120000" y="0"/>
-                </a:lnTo>
-                <a:lnTo>
-                  <a:pt x="120000" y="120000"/>
-                </a:lnTo>
-                <a:lnTo>
-                  <a:pt x="0" y="120000"/>
-                </a:lnTo>
-                <a:close/>
-              </a:path>
-            </a:pathLst>
-          </a:custGeom>
-        </p:spPr>
-      </p:sp>
-      <p:sp>
-        <p:nvSpPr>
-          <p:cNvPr id="286" name="Google Shape;286;g152175e3203_0_203:notes"/>
-          <p:cNvSpPr txBox="1"/>
-          <p:nvPr>
-            <p:ph idx="1" type="body"/>
-          </p:nvPr>
-        </p:nvSpPr>
-        <p:spPr>
-          <a:xfrm>
-            <a:off x="685800" y="4343400"/>
-            <a:ext cx="5486400" cy="4114800"/>
-          </a:xfrm>
-          <a:prstGeom prst="rect">
-            <a:avLst/>
-          </a:prstGeom>
-        </p:spPr>
-        <p:txBody>
-          <a:bodyPr anchorCtr="0" anchor="t" bIns="91425" lIns="91425" spcFirstLastPara="1" rIns="91425" wrap="square" tIns="91425">
-            <a:noAutofit/>
-          </a:bodyPr>
-          <a:lstStyle/>
-          <a:p>
-            <a:pPr indent="0" lvl="0" marL="0" rtl="0" algn="l">
-              <a:spcBef>
-                <a:spcPts val="0"/>
-              </a:spcBef>
-              <a:spcAft>
-                <a:spcPts val="0"/>
-              </a:spcAft>
-              <a:buNone/>
-            </a:pPr>
-            <a:r>
-              <a:rPr lang="en" sz="1200">
-                <a:solidFill>
-                  <a:srgbClr val="24292F"/>
-                </a:solidFill>
-                <a:highlight>
-                  <a:srgbClr val="FFFFFF"/>
-                </a:highlight>
-              </a:rPr>
-              <a:t>Lauren: Last, the same line chart was created to see if more firearms were used during full moons. Again, in general there did not seem to be a major increase.</a:t>
             </a:r>
             <a:endParaRPr/>
           </a:p>
@@ -2123,7 +2085,7 @@
       </p:grpSpPr>
       <p:sp>
         <p:nvSpPr>
-          <p:cNvPr id="291" name="Google Shape;291;g152175e3203_0_383:notes"/>
+          <p:cNvPr id="291" name="Google Shape;291;g152175e3203_0_199:notes"/>
           <p:cNvSpPr/>
           <p:nvPr>
             <p:ph idx="2" type="sldImg"/>
@@ -2158,7 +2120,7 @@
       </p:sp>
       <p:sp>
         <p:nvSpPr>
-          <p:cNvPr id="292" name="Google Shape;292;g152175e3203_0_383:notes"/>
+          <p:cNvPr id="292" name="Google Shape;292;g152175e3203_0_199:notes"/>
           <p:cNvSpPr txBox="1"/>
           <p:nvPr>
             <p:ph idx="1" type="body"/>
@@ -2190,7 +2152,40 @@
             </a:pPr>
             <a:r>
               <a:rPr lang="en"/>
-              <a:t>Lauren: Either Live Demo the Tableau Charts or proceed with following charts.</a:t>
+              <a:t>Lauren: </a:t>
+            </a:r>
+            <a:r>
+              <a:rPr lang="en" sz="1200">
+                <a:solidFill>
+                  <a:srgbClr val="24292F"/>
+                </a:solidFill>
+                <a:highlight>
+                  <a:srgbClr val="FFFFFF"/>
+                </a:highlight>
+              </a:rPr>
+              <a:t>Then to better see if there were spikes during full moons, all of the crimes were placed on a line chart with the X-axis being the date the crime was </a:t>
+            </a:r>
+            <a:r>
+              <a:rPr lang="en" sz="1200">
+                <a:solidFill>
+                  <a:srgbClr val="24292F"/>
+                </a:solidFill>
+                <a:highlight>
+                  <a:srgbClr val="FFFFFF"/>
+                </a:highlight>
+              </a:rPr>
+              <a:t>committed</a:t>
+            </a:r>
+            <a:r>
+              <a:rPr lang="en" sz="1200">
+                <a:solidFill>
+                  <a:srgbClr val="24292F"/>
+                </a:solidFill>
+                <a:highlight>
+                  <a:srgbClr val="FFFFFF"/>
+                </a:highlight>
+              </a:rPr>
+              <a:t> and the Y axis being the number of reports. The graph could be filtered to show each month individually. In general, there did not appear to be a major uptick in reported crimes on full moons.</a:t>
             </a:r>
             <a:endParaRPr/>
           </a:p>
@@ -2209,7 +2204,7 @@
   <p:cSld>
     <p:spTree>
       <p:nvGrpSpPr>
-        <p:cNvPr id="295" name="Shape 295"/>
+        <p:cNvPr id="296" name="Shape 296"/>
         <p:cNvGrpSpPr/>
         <p:nvPr/>
       </p:nvGrpSpPr>
@@ -2223,7 +2218,7 @@
       </p:grpSpPr>
       <p:sp>
         <p:nvSpPr>
-          <p:cNvPr id="296" name="Google Shape;296;g152175e3203_0_213:notes"/>
+          <p:cNvPr id="297" name="Google Shape;297;g152175e3203_0_203:notes"/>
           <p:cNvSpPr/>
           <p:nvPr>
             <p:ph idx="2" type="sldImg"/>
@@ -2258,7 +2253,7 @@
       </p:sp>
       <p:sp>
         <p:nvSpPr>
-          <p:cNvPr id="297" name="Google Shape;297;g152175e3203_0_213:notes"/>
+          <p:cNvPr id="298" name="Google Shape;298;g152175e3203_0_203:notes"/>
           <p:cNvSpPr txBox="1"/>
           <p:nvPr>
             <p:ph idx="1" type="body"/>
@@ -2289,8 +2284,15 @@
               <a:buNone/>
             </a:pPr>
             <a:r>
-              <a:rPr lang="en"/>
-              <a:t>Lauren: Discuss or list technologies utilized.</a:t>
+              <a:rPr lang="en" sz="1200">
+                <a:solidFill>
+                  <a:srgbClr val="24292F"/>
+                </a:solidFill>
+                <a:highlight>
+                  <a:srgbClr val="FFFFFF"/>
+                </a:highlight>
+              </a:rPr>
+              <a:t>Lauren: Last, the same line chart was created to see if more firearms were used during full moons. Again, in general there did not seem to be a major increase.</a:t>
             </a:r>
             <a:endParaRPr/>
           </a:p>
@@ -2309,7 +2311,7 @@
   <p:cSld>
     <p:spTree>
       <p:nvGrpSpPr>
-        <p:cNvPr id="316" name="Shape 316"/>
+        <p:cNvPr id="302" name="Shape 302"/>
         <p:cNvGrpSpPr/>
         <p:nvPr/>
       </p:nvGrpSpPr>
@@ -2323,7 +2325,7 @@
       </p:grpSpPr>
       <p:sp>
         <p:nvSpPr>
-          <p:cNvPr id="317" name="Google Shape;317;g152175e3203_0_260:notes"/>
+          <p:cNvPr id="303" name="Google Shape;303;g152175e3203_0_383:notes"/>
           <p:cNvSpPr/>
           <p:nvPr>
             <p:ph idx="2" type="sldImg"/>
@@ -2358,7 +2360,7 @@
       </p:sp>
       <p:sp>
         <p:nvSpPr>
-          <p:cNvPr id="318" name="Google Shape;318;g152175e3203_0_260:notes"/>
+          <p:cNvPr id="304" name="Google Shape;304;g152175e3203_0_383:notes"/>
           <p:cNvSpPr txBox="1"/>
           <p:nvPr>
             <p:ph idx="1" type="body"/>
@@ -2390,18 +2392,7 @@
             </a:pPr>
             <a:r>
               <a:rPr lang="en"/>
-              <a:t>Jessica: (Explain basic setup of our machine learning models, feel free to show examples of code utilized if wanted.) </a:t>
-            </a:r>
-            <a:r>
-              <a:rPr lang="en" sz="1150">
-                <a:solidFill>
-                  <a:srgbClr val="1D1C1D"/>
-                </a:solidFill>
-                <a:highlight>
-                  <a:srgbClr val="F8F8F8"/>
-                </a:highlight>
-              </a:rPr>
-              <a:t>Because both datasets were categorical, we decided to use Logistic Regression Models for Machine Learning. Our hope to prove a correlation between the zodiac signs and crime were sadly not validated using the Logistic Regression models.</a:t>
+              <a:t>Lauren: Either Live Demo the Tableau Charts or proceed with following charts.</a:t>
             </a:r>
             <a:endParaRPr/>
           </a:p>
@@ -2420,7 +2411,7 @@
   <p:cSld>
     <p:spTree>
       <p:nvGrpSpPr>
-        <p:cNvPr id="336" name="Shape 336"/>
+        <p:cNvPr id="307" name="Shape 307"/>
         <p:cNvGrpSpPr/>
         <p:nvPr/>
       </p:nvGrpSpPr>
@@ -2434,7 +2425,7 @@
       </p:grpSpPr>
       <p:sp>
         <p:nvSpPr>
-          <p:cNvPr id="337" name="Google Shape;337;g152175e3203_0_233:notes"/>
+          <p:cNvPr id="308" name="Google Shape;308;g152175e3203_0_213:notes"/>
           <p:cNvSpPr/>
           <p:nvPr>
             <p:ph idx="2" type="sldImg"/>
@@ -2469,7 +2460,7 @@
       </p:sp>
       <p:sp>
         <p:nvSpPr>
-          <p:cNvPr id="338" name="Google Shape;338;g152175e3203_0_233:notes"/>
+          <p:cNvPr id="309" name="Google Shape;309;g152175e3203_0_213:notes"/>
           <p:cNvSpPr txBox="1"/>
           <p:nvPr>
             <p:ph idx="1" type="body"/>
@@ -2500,15 +2491,8 @@
               <a:buNone/>
             </a:pPr>
             <a:r>
-              <a:rPr lang="en" sz="1150">
-                <a:solidFill>
-                  <a:srgbClr val="1D1C1D"/>
-                </a:solidFill>
-                <a:highlight>
-                  <a:srgbClr val="F8F8F8"/>
-                </a:highlight>
-              </a:rPr>
-              <a:t>Jessica: The accuracy of the model on the Kansas City Crime dataset was only 11% after making some adjustments to the original model’s train_test_split and standardizing the data. A shuffle of the data was also performed to test for better results in case the issue was with how the data was organized before it was run through the model.</a:t>
+              <a:rPr lang="en"/>
+              <a:t>Lauren: Discuss or list technologies utilized.</a:t>
             </a:r>
             <a:endParaRPr/>
           </a:p>
@@ -2527,7 +2511,7 @@
   <p:cSld>
     <p:spTree>
       <p:nvGrpSpPr>
-        <p:cNvPr id="356" name="Shape 356"/>
+        <p:cNvPr id="328" name="Shape 328"/>
         <p:cNvGrpSpPr/>
         <p:nvPr/>
       </p:nvGrpSpPr>
@@ -2541,7 +2525,7 @@
       </p:grpSpPr>
       <p:sp>
         <p:nvSpPr>
-          <p:cNvPr id="357" name="Google Shape;357;g152175e3203_0_254:notes"/>
+          <p:cNvPr id="329" name="Google Shape;329;g152175e3203_0_260:notes"/>
           <p:cNvSpPr/>
           <p:nvPr>
             <p:ph idx="2" type="sldImg"/>
@@ -2576,7 +2560,225 @@
       </p:sp>
       <p:sp>
         <p:nvSpPr>
-          <p:cNvPr id="358" name="Google Shape;358;g152175e3203_0_254:notes"/>
+          <p:cNvPr id="330" name="Google Shape;330;g152175e3203_0_260:notes"/>
+          <p:cNvSpPr txBox="1"/>
+          <p:nvPr>
+            <p:ph idx="1" type="body"/>
+          </p:nvPr>
+        </p:nvSpPr>
+        <p:spPr>
+          <a:xfrm>
+            <a:off x="685800" y="4343400"/>
+            <a:ext cx="5486400" cy="4114800"/>
+          </a:xfrm>
+          <a:prstGeom prst="rect">
+            <a:avLst/>
+          </a:prstGeom>
+        </p:spPr>
+        <p:txBody>
+          <a:bodyPr anchorCtr="0" anchor="t" bIns="91425" lIns="91425" spcFirstLastPara="1" rIns="91425" wrap="square" tIns="91425">
+            <a:noAutofit/>
+          </a:bodyPr>
+          <a:lstStyle/>
+          <a:p>
+            <a:pPr indent="0" lvl="0" marL="0" rtl="0" algn="l">
+              <a:spcBef>
+                <a:spcPts val="0"/>
+              </a:spcBef>
+              <a:spcAft>
+                <a:spcPts val="0"/>
+              </a:spcAft>
+              <a:buNone/>
+            </a:pPr>
+            <a:r>
+              <a:rPr lang="en"/>
+              <a:t>Jessica: (Explain basic setup of our machine learning models, feel free to show examples of code utilized if wanted.) </a:t>
+            </a:r>
+            <a:r>
+              <a:rPr lang="en" sz="1150">
+                <a:solidFill>
+                  <a:srgbClr val="1D1C1D"/>
+                </a:solidFill>
+                <a:highlight>
+                  <a:srgbClr val="F8F8F8"/>
+                </a:highlight>
+              </a:rPr>
+              <a:t>Because both datasets were categorical, we decided to use Logistic Regression Models for Machine Learning. Our hope to prove a correlation between the zodiac signs and crime were sadly not validated using the Logistic Regression models.</a:t>
+            </a:r>
+            <a:endParaRPr/>
+          </a:p>
+        </p:txBody>
+      </p:sp>
+    </p:spTree>
+  </p:cSld>
+  <p:clrMapOvr>
+    <a:masterClrMapping/>
+  </p:clrMapOvr>
+</p:notes>
+</file>
+
+<file path=ppt/notesSlides/notesSlide25.xml><?xml version="1.0" encoding="utf-8"?>
+<p:notes xmlns:a="http://schemas.openxmlformats.org/drawingml/2006/main" xmlns:r="http://schemas.openxmlformats.org/officeDocument/2006/relationships" xmlns:mc="http://schemas.openxmlformats.org/markup-compatibility/2006" xmlns:mv="urn:schemas-microsoft-com:mac:vml" xmlns:p="http://schemas.openxmlformats.org/presentationml/2006/main" xmlns:c="http://schemas.openxmlformats.org/drawingml/2006/chart" xmlns:dgm="http://schemas.openxmlformats.org/drawingml/2006/diagram" xmlns:o="urn:schemas-microsoft-com:office:office" xmlns:v="urn:schemas-microsoft-com:vml" xmlns:pvml="urn:schemas-microsoft-com:office:powerpoint" xmlns:com="http://schemas.openxmlformats.org/drawingml/2006/compatibility" xmlns:p14="http://schemas.microsoft.com/office/powerpoint/2010/main" xmlns:p15="http://schemas.microsoft.com/office/powerpoint/2012/main" xmlns:ahyp="http://schemas.microsoft.com/office/drawing/2018/hyperlinkcolor" showMasterPhAnim="0" showMasterSp="0">
+  <p:cSld>
+    <p:spTree>
+      <p:nvGrpSpPr>
+        <p:cNvPr id="348" name="Shape 348"/>
+        <p:cNvGrpSpPr/>
+        <p:nvPr/>
+      </p:nvGrpSpPr>
+      <p:grpSpPr>
+        <a:xfrm>
+          <a:off x="0" y="0"/>
+          <a:ext cx="0" cy="0"/>
+          <a:chOff x="0" y="0"/>
+          <a:chExt cx="0" cy="0"/>
+        </a:xfrm>
+      </p:grpSpPr>
+      <p:sp>
+        <p:nvSpPr>
+          <p:cNvPr id="349" name="Google Shape;349;g152175e3203_0_233:notes"/>
+          <p:cNvSpPr/>
+          <p:nvPr>
+            <p:ph idx="2" type="sldImg"/>
+          </p:nvPr>
+        </p:nvSpPr>
+        <p:spPr>
+          <a:xfrm>
+            <a:off x="381300" y="685800"/>
+            <a:ext cx="6096000" cy="3429000"/>
+          </a:xfrm>
+          <a:custGeom>
+            <a:rect b="b" l="l" r="r" t="t"/>
+            <a:pathLst>
+              <a:path extrusionOk="0" h="120000" w="120000">
+                <a:moveTo>
+                  <a:pt x="0" y="0"/>
+                </a:moveTo>
+                <a:lnTo>
+                  <a:pt x="120000" y="0"/>
+                </a:lnTo>
+                <a:lnTo>
+                  <a:pt x="120000" y="120000"/>
+                </a:lnTo>
+                <a:lnTo>
+                  <a:pt x="0" y="120000"/>
+                </a:lnTo>
+                <a:close/>
+              </a:path>
+            </a:pathLst>
+          </a:custGeom>
+        </p:spPr>
+      </p:sp>
+      <p:sp>
+        <p:nvSpPr>
+          <p:cNvPr id="350" name="Google Shape;350;g152175e3203_0_233:notes"/>
+          <p:cNvSpPr txBox="1"/>
+          <p:nvPr>
+            <p:ph idx="1" type="body"/>
+          </p:nvPr>
+        </p:nvSpPr>
+        <p:spPr>
+          <a:xfrm>
+            <a:off x="685800" y="4343400"/>
+            <a:ext cx="5486400" cy="4114800"/>
+          </a:xfrm>
+          <a:prstGeom prst="rect">
+            <a:avLst/>
+          </a:prstGeom>
+        </p:spPr>
+        <p:txBody>
+          <a:bodyPr anchorCtr="0" anchor="t" bIns="91425" lIns="91425" spcFirstLastPara="1" rIns="91425" wrap="square" tIns="91425">
+            <a:noAutofit/>
+          </a:bodyPr>
+          <a:lstStyle/>
+          <a:p>
+            <a:pPr indent="0" lvl="0" marL="0" rtl="0" algn="l">
+              <a:spcBef>
+                <a:spcPts val="0"/>
+              </a:spcBef>
+              <a:spcAft>
+                <a:spcPts val="0"/>
+              </a:spcAft>
+              <a:buNone/>
+            </a:pPr>
+            <a:r>
+              <a:rPr lang="en" sz="1150">
+                <a:solidFill>
+                  <a:srgbClr val="1D1C1D"/>
+                </a:solidFill>
+                <a:highlight>
+                  <a:srgbClr val="F8F8F8"/>
+                </a:highlight>
+              </a:rPr>
+              <a:t>Jessica: The accuracy of the model on the Kansas City Crime dataset was only 11% after making some adjustments to the original model’s train_test_split and standardizing the data. A shuffle of the data was also performed to test for better results in case the issue was with how the data was organized before it was run through the model.</a:t>
+            </a:r>
+            <a:endParaRPr/>
+          </a:p>
+        </p:txBody>
+      </p:sp>
+    </p:spTree>
+  </p:cSld>
+  <p:clrMapOvr>
+    <a:masterClrMapping/>
+  </p:clrMapOvr>
+</p:notes>
+</file>
+
+<file path=ppt/notesSlides/notesSlide26.xml><?xml version="1.0" encoding="utf-8"?>
+<p:notes xmlns:a="http://schemas.openxmlformats.org/drawingml/2006/main" xmlns:r="http://schemas.openxmlformats.org/officeDocument/2006/relationships" xmlns:mc="http://schemas.openxmlformats.org/markup-compatibility/2006" xmlns:mv="urn:schemas-microsoft-com:mac:vml" xmlns:p="http://schemas.openxmlformats.org/presentationml/2006/main" xmlns:c="http://schemas.openxmlformats.org/drawingml/2006/chart" xmlns:dgm="http://schemas.openxmlformats.org/drawingml/2006/diagram" xmlns:o="urn:schemas-microsoft-com:office:office" xmlns:v="urn:schemas-microsoft-com:vml" xmlns:pvml="urn:schemas-microsoft-com:office:powerpoint" xmlns:com="http://schemas.openxmlformats.org/drawingml/2006/compatibility" xmlns:p14="http://schemas.microsoft.com/office/powerpoint/2010/main" xmlns:p15="http://schemas.microsoft.com/office/powerpoint/2012/main" xmlns:ahyp="http://schemas.microsoft.com/office/drawing/2018/hyperlinkcolor" showMasterPhAnim="0" showMasterSp="0">
+  <p:cSld>
+    <p:spTree>
+      <p:nvGrpSpPr>
+        <p:cNvPr id="368" name="Shape 368"/>
+        <p:cNvGrpSpPr/>
+        <p:nvPr/>
+      </p:nvGrpSpPr>
+      <p:grpSpPr>
+        <a:xfrm>
+          <a:off x="0" y="0"/>
+          <a:ext cx="0" cy="0"/>
+          <a:chOff x="0" y="0"/>
+          <a:chExt cx="0" cy="0"/>
+        </a:xfrm>
+      </p:grpSpPr>
+      <p:sp>
+        <p:nvSpPr>
+          <p:cNvPr id="369" name="Google Shape;369;g152175e3203_0_254:notes"/>
+          <p:cNvSpPr/>
+          <p:nvPr>
+            <p:ph idx="2" type="sldImg"/>
+          </p:nvPr>
+        </p:nvSpPr>
+        <p:spPr>
+          <a:xfrm>
+            <a:off x="381300" y="685800"/>
+            <a:ext cx="6096000" cy="3429000"/>
+          </a:xfrm>
+          <a:custGeom>
+            <a:rect b="b" l="l" r="r" t="t"/>
+            <a:pathLst>
+              <a:path extrusionOk="0" h="120000" w="120000">
+                <a:moveTo>
+                  <a:pt x="0" y="0"/>
+                </a:moveTo>
+                <a:lnTo>
+                  <a:pt x="120000" y="0"/>
+                </a:lnTo>
+                <a:lnTo>
+                  <a:pt x="120000" y="120000"/>
+                </a:lnTo>
+                <a:lnTo>
+                  <a:pt x="0" y="120000"/>
+                </a:lnTo>
+                <a:close/>
+              </a:path>
+            </a:pathLst>
+          </a:custGeom>
+        </p:spPr>
+      </p:sp>
+      <p:sp>
+        <p:nvSpPr>
+          <p:cNvPr id="370" name="Google Shape;370;g152175e3203_0_254:notes"/>
           <p:cNvSpPr txBox="1"/>
           <p:nvPr>
             <p:ph idx="1" type="body"/>
@@ -2674,12 +2876,12 @@
 </p:notes>
 </file>
 
-<file path=ppt/notesSlides/notesSlide25.xml><?xml version="1.0" encoding="utf-8"?>
+<file path=ppt/notesSlides/notesSlide27.xml><?xml version="1.0" encoding="utf-8"?>
 <p:notes xmlns:a="http://schemas.openxmlformats.org/drawingml/2006/main" xmlns:r="http://schemas.openxmlformats.org/officeDocument/2006/relationships" xmlns:mc="http://schemas.openxmlformats.org/markup-compatibility/2006" xmlns:mv="urn:schemas-microsoft-com:mac:vml" xmlns:p="http://schemas.openxmlformats.org/presentationml/2006/main" xmlns:c="http://schemas.openxmlformats.org/drawingml/2006/chart" xmlns:dgm="http://schemas.openxmlformats.org/drawingml/2006/diagram" xmlns:o="urn:schemas-microsoft-com:office:office" xmlns:v="urn:schemas-microsoft-com:vml" xmlns:pvml="urn:schemas-microsoft-com:office:powerpoint" xmlns:com="http://schemas.openxmlformats.org/drawingml/2006/compatibility" xmlns:p14="http://schemas.microsoft.com/office/powerpoint/2010/main" xmlns:p15="http://schemas.microsoft.com/office/powerpoint/2012/main" xmlns:ahyp="http://schemas.microsoft.com/office/drawing/2018/hyperlinkcolor" showMasterPhAnim="0" showMasterSp="0">
   <p:cSld>
     <p:spTree>
       <p:nvGrpSpPr>
-        <p:cNvPr id="376" name="Shape 376"/>
+        <p:cNvPr id="388" name="Shape 388"/>
         <p:cNvGrpSpPr/>
         <p:nvPr/>
       </p:nvGrpSpPr>
@@ -2693,7 +2895,7 @@
       </p:grpSpPr>
       <p:sp>
         <p:nvSpPr>
-          <p:cNvPr id="377" name="Google Shape;377;g152175e3203_0_294:notes"/>
+          <p:cNvPr id="389" name="Google Shape;389;g152175e3203_0_294:notes"/>
           <p:cNvSpPr/>
           <p:nvPr>
             <p:ph idx="2" type="sldImg"/>
@@ -2728,7 +2930,7 @@
       </p:sp>
       <p:sp>
         <p:nvSpPr>
-          <p:cNvPr id="378" name="Google Shape;378;g152175e3203_0_294:notes"/>
+          <p:cNvPr id="390" name="Google Shape;390;g152175e3203_0_294:notes"/>
           <p:cNvSpPr txBox="1"/>
           <p:nvPr>
             <p:ph idx="1" type="body"/>
@@ -2774,12 +2976,12 @@
 </p:notes>
 </file>
 
-<file path=ppt/notesSlides/notesSlide26.xml><?xml version="1.0" encoding="utf-8"?>
+<file path=ppt/notesSlides/notesSlide28.xml><?xml version="1.0" encoding="utf-8"?>
 <p:notes xmlns:a="http://schemas.openxmlformats.org/drawingml/2006/main" xmlns:r="http://schemas.openxmlformats.org/officeDocument/2006/relationships" xmlns:mc="http://schemas.openxmlformats.org/markup-compatibility/2006" xmlns:mv="urn:schemas-microsoft-com:mac:vml" xmlns:p="http://schemas.openxmlformats.org/presentationml/2006/main" xmlns:c="http://schemas.openxmlformats.org/drawingml/2006/chart" xmlns:dgm="http://schemas.openxmlformats.org/drawingml/2006/diagram" xmlns:o="urn:schemas-microsoft-com:office:office" xmlns:v="urn:schemas-microsoft-com:vml" xmlns:pvml="urn:schemas-microsoft-com:office:powerpoint" xmlns:com="http://schemas.openxmlformats.org/drawingml/2006/compatibility" xmlns:p14="http://schemas.microsoft.com/office/powerpoint/2010/main" xmlns:p15="http://schemas.microsoft.com/office/powerpoint/2012/main" xmlns:ahyp="http://schemas.microsoft.com/office/drawing/2018/hyperlinkcolor" showMasterPhAnim="0" showMasterSp="0">
   <p:cSld>
     <p:spTree>
       <p:nvGrpSpPr>
-        <p:cNvPr id="396" name="Shape 396"/>
+        <p:cNvPr id="408" name="Shape 408"/>
         <p:cNvGrpSpPr/>
         <p:nvPr/>
       </p:nvGrpSpPr>
@@ -2793,7 +2995,7 @@
       </p:grpSpPr>
       <p:sp>
         <p:nvSpPr>
-          <p:cNvPr id="397" name="Google Shape;397;g152175e3203_0_313:notes"/>
+          <p:cNvPr id="409" name="Google Shape;409;g152175e3203_0_313:notes"/>
           <p:cNvSpPr/>
           <p:nvPr>
             <p:ph idx="2" type="sldImg"/>
@@ -2828,7 +3030,7 @@
       </p:sp>
       <p:sp>
         <p:nvSpPr>
-          <p:cNvPr id="398" name="Google Shape;398;g152175e3203_0_313:notes"/>
+          <p:cNvPr id="410" name="Google Shape;410;g152175e3203_0_313:notes"/>
           <p:cNvSpPr txBox="1"/>
           <p:nvPr>
             <p:ph idx="1" type="body"/>
@@ -2881,12 +3083,12 @@
 </p:notes>
 </file>
 
-<file path=ppt/notesSlides/notesSlide27.xml><?xml version="1.0" encoding="utf-8"?>
+<file path=ppt/notesSlides/notesSlide29.xml><?xml version="1.0" encoding="utf-8"?>
 <p:notes xmlns:a="http://schemas.openxmlformats.org/drawingml/2006/main" xmlns:r="http://schemas.openxmlformats.org/officeDocument/2006/relationships" xmlns:mc="http://schemas.openxmlformats.org/markup-compatibility/2006" xmlns:mv="urn:schemas-microsoft-com:mac:vml" xmlns:p="http://schemas.openxmlformats.org/presentationml/2006/main" xmlns:c="http://schemas.openxmlformats.org/drawingml/2006/chart" xmlns:dgm="http://schemas.openxmlformats.org/drawingml/2006/diagram" xmlns:o="urn:schemas-microsoft-com:office:office" xmlns:v="urn:schemas-microsoft-com:vml" xmlns:pvml="urn:schemas-microsoft-com:office:powerpoint" xmlns:com="http://schemas.openxmlformats.org/drawingml/2006/compatibility" xmlns:p14="http://schemas.microsoft.com/office/powerpoint/2010/main" xmlns:p15="http://schemas.microsoft.com/office/powerpoint/2012/main" xmlns:ahyp="http://schemas.microsoft.com/office/drawing/2018/hyperlinkcolor" showMasterPhAnim="0" showMasterSp="0">
   <p:cSld>
     <p:spTree>
       <p:nvGrpSpPr>
-        <p:cNvPr id="416" name="Shape 416"/>
+        <p:cNvPr id="428" name="Shape 428"/>
         <p:cNvGrpSpPr/>
         <p:nvPr/>
       </p:nvGrpSpPr>
@@ -2900,7 +3102,7 @@
       </p:grpSpPr>
       <p:sp>
         <p:nvSpPr>
-          <p:cNvPr id="417" name="Google Shape;417;g152175e3203_0_334:notes"/>
+          <p:cNvPr id="429" name="Google Shape;429;g152175e3203_0_334:notes"/>
           <p:cNvSpPr/>
           <p:nvPr>
             <p:ph idx="2" type="sldImg"/>
@@ -2935,7 +3137,7 @@
       </p:sp>
       <p:sp>
         <p:nvSpPr>
-          <p:cNvPr id="418" name="Google Shape;418;g152175e3203_0_334:notes"/>
+          <p:cNvPr id="430" name="Google Shape;430;g152175e3203_0_334:notes"/>
           <p:cNvSpPr txBox="1"/>
           <p:nvPr>
             <p:ph idx="1" type="body"/>
@@ -2968,215 +3170,6 @@
             <a:r>
               <a:rPr lang="en"/>
               <a:t>Corrine: Just briefly graze these notes and elaborate where you would like to.</a:t>
-            </a:r>
-            <a:endParaRPr/>
-          </a:p>
-        </p:txBody>
-      </p:sp>
-    </p:spTree>
-  </p:cSld>
-  <p:clrMapOvr>
-    <a:masterClrMapping/>
-  </p:clrMapOvr>
-</p:notes>
-</file>
-
-<file path=ppt/notesSlides/notesSlide28.xml><?xml version="1.0" encoding="utf-8"?>
-<p:notes xmlns:a="http://schemas.openxmlformats.org/drawingml/2006/main" xmlns:r="http://schemas.openxmlformats.org/officeDocument/2006/relationships" xmlns:mc="http://schemas.openxmlformats.org/markup-compatibility/2006" xmlns:mv="urn:schemas-microsoft-com:mac:vml" xmlns:p="http://schemas.openxmlformats.org/presentationml/2006/main" xmlns:c="http://schemas.openxmlformats.org/drawingml/2006/chart" xmlns:dgm="http://schemas.openxmlformats.org/drawingml/2006/diagram" xmlns:o="urn:schemas-microsoft-com:office:office" xmlns:v="urn:schemas-microsoft-com:vml" xmlns:pvml="urn:schemas-microsoft-com:office:powerpoint" xmlns:com="http://schemas.openxmlformats.org/drawingml/2006/compatibility" xmlns:p14="http://schemas.microsoft.com/office/powerpoint/2010/main" xmlns:p15="http://schemas.microsoft.com/office/powerpoint/2012/main" xmlns:ahyp="http://schemas.microsoft.com/office/drawing/2018/hyperlinkcolor" showMasterPhAnim="0" showMasterSp="0">
-  <p:cSld>
-    <p:spTree>
-      <p:nvGrpSpPr>
-        <p:cNvPr id="436" name="Shape 436"/>
-        <p:cNvGrpSpPr/>
-        <p:nvPr/>
-      </p:nvGrpSpPr>
-      <p:grpSpPr>
-        <a:xfrm>
-          <a:off x="0" y="0"/>
-          <a:ext cx="0" cy="0"/>
-          <a:chOff x="0" y="0"/>
-          <a:chExt cx="0" cy="0"/>
-        </a:xfrm>
-      </p:grpSpPr>
-      <p:sp>
-        <p:nvSpPr>
-          <p:cNvPr id="437" name="Google Shape;437;g152175e3203_0_339:notes"/>
-          <p:cNvSpPr/>
-          <p:nvPr>
-            <p:ph idx="2" type="sldImg"/>
-          </p:nvPr>
-        </p:nvSpPr>
-        <p:spPr>
-          <a:xfrm>
-            <a:off x="381300" y="685800"/>
-            <a:ext cx="6096000" cy="3429000"/>
-          </a:xfrm>
-          <a:custGeom>
-            <a:rect b="b" l="l" r="r" t="t"/>
-            <a:pathLst>
-              <a:path extrusionOk="0" h="120000" w="120000">
-                <a:moveTo>
-                  <a:pt x="0" y="0"/>
-                </a:moveTo>
-                <a:lnTo>
-                  <a:pt x="120000" y="0"/>
-                </a:lnTo>
-                <a:lnTo>
-                  <a:pt x="120000" y="120000"/>
-                </a:lnTo>
-                <a:lnTo>
-                  <a:pt x="0" y="120000"/>
-                </a:lnTo>
-                <a:close/>
-              </a:path>
-            </a:pathLst>
-          </a:custGeom>
-        </p:spPr>
-      </p:sp>
-      <p:sp>
-        <p:nvSpPr>
-          <p:cNvPr id="438" name="Google Shape;438;g152175e3203_0_339:notes"/>
-          <p:cNvSpPr txBox="1"/>
-          <p:nvPr>
-            <p:ph idx="1" type="body"/>
-          </p:nvPr>
-        </p:nvSpPr>
-        <p:spPr>
-          <a:xfrm>
-            <a:off x="685800" y="4343400"/>
-            <a:ext cx="5486400" cy="4114800"/>
-          </a:xfrm>
-          <a:prstGeom prst="rect">
-            <a:avLst/>
-          </a:prstGeom>
-        </p:spPr>
-        <p:txBody>
-          <a:bodyPr anchorCtr="0" anchor="t" bIns="91425" lIns="91425" spcFirstLastPara="1" rIns="91425" wrap="square" tIns="91425">
-            <a:noAutofit/>
-          </a:bodyPr>
-          <a:lstStyle/>
-          <a:p>
-            <a:pPr indent="0" lvl="0" marL="0" rtl="0" algn="l">
-              <a:spcBef>
-                <a:spcPts val="0"/>
-              </a:spcBef>
-              <a:spcAft>
-                <a:spcPts val="0"/>
-              </a:spcAft>
-              <a:buNone/>
-            </a:pPr>
-            <a:r>
-              <a:rPr lang="en"/>
-              <a:t>Corrine: Please perform a live demo of the website at this slide. </a:t>
-            </a:r>
-            <a:r>
-              <a:rPr lang="en" u="sng">
-                <a:solidFill>
-                  <a:schemeClr val="hlink"/>
-                </a:solidFill>
-                <a:hlinkClick r:id="rId2"/>
-              </a:rPr>
-              <a:t>https://rulamia.github.io/Horrorscopes/</a:t>
-            </a:r>
-            <a:endParaRPr/>
-          </a:p>
-        </p:txBody>
-      </p:sp>
-    </p:spTree>
-  </p:cSld>
-  <p:clrMapOvr>
-    <a:masterClrMapping/>
-  </p:clrMapOvr>
-</p:notes>
-</file>
-
-<file path=ppt/notesSlides/notesSlide29.xml><?xml version="1.0" encoding="utf-8"?>
-<p:notes xmlns:a="http://schemas.openxmlformats.org/drawingml/2006/main" xmlns:r="http://schemas.openxmlformats.org/officeDocument/2006/relationships" xmlns:mc="http://schemas.openxmlformats.org/markup-compatibility/2006" xmlns:mv="urn:schemas-microsoft-com:mac:vml" xmlns:p="http://schemas.openxmlformats.org/presentationml/2006/main" xmlns:c="http://schemas.openxmlformats.org/drawingml/2006/chart" xmlns:dgm="http://schemas.openxmlformats.org/drawingml/2006/diagram" xmlns:o="urn:schemas-microsoft-com:office:office" xmlns:v="urn:schemas-microsoft-com:vml" xmlns:pvml="urn:schemas-microsoft-com:office:powerpoint" xmlns:com="http://schemas.openxmlformats.org/drawingml/2006/compatibility" xmlns:p14="http://schemas.microsoft.com/office/powerpoint/2010/main" xmlns:p15="http://schemas.microsoft.com/office/powerpoint/2012/main" xmlns:ahyp="http://schemas.microsoft.com/office/drawing/2018/hyperlinkcolor" showMasterPhAnim="0" showMasterSp="0">
-  <p:cSld>
-    <p:spTree>
-      <p:nvGrpSpPr>
-        <p:cNvPr id="455" name="Shape 455"/>
-        <p:cNvGrpSpPr/>
-        <p:nvPr/>
-      </p:nvGrpSpPr>
-      <p:grpSpPr>
-        <a:xfrm>
-          <a:off x="0" y="0"/>
-          <a:ext cx="0" cy="0"/>
-          <a:chOff x="0" y="0"/>
-          <a:chExt cx="0" cy="0"/>
-        </a:xfrm>
-      </p:grpSpPr>
-      <p:sp>
-        <p:nvSpPr>
-          <p:cNvPr id="456" name="Google Shape;456;g152175e3203_0_379:notes"/>
-          <p:cNvSpPr/>
-          <p:nvPr>
-            <p:ph idx="2" type="sldImg"/>
-          </p:nvPr>
-        </p:nvSpPr>
-        <p:spPr>
-          <a:xfrm>
-            <a:off x="381300" y="685800"/>
-            <a:ext cx="6096000" cy="3429000"/>
-          </a:xfrm>
-          <a:custGeom>
-            <a:rect b="b" l="l" r="r" t="t"/>
-            <a:pathLst>
-              <a:path extrusionOk="0" h="120000" w="120000">
-                <a:moveTo>
-                  <a:pt x="0" y="0"/>
-                </a:moveTo>
-                <a:lnTo>
-                  <a:pt x="120000" y="0"/>
-                </a:lnTo>
-                <a:lnTo>
-                  <a:pt x="120000" y="120000"/>
-                </a:lnTo>
-                <a:lnTo>
-                  <a:pt x="0" y="120000"/>
-                </a:lnTo>
-                <a:close/>
-              </a:path>
-            </a:pathLst>
-          </a:custGeom>
-        </p:spPr>
-      </p:sp>
-      <p:sp>
-        <p:nvSpPr>
-          <p:cNvPr id="457" name="Google Shape;457;g152175e3203_0_379:notes"/>
-          <p:cNvSpPr txBox="1"/>
-          <p:nvPr>
-            <p:ph idx="1" type="body"/>
-          </p:nvPr>
-        </p:nvSpPr>
-        <p:spPr>
-          <a:xfrm>
-            <a:off x="685800" y="4343400"/>
-            <a:ext cx="5486400" cy="4114800"/>
-          </a:xfrm>
-          <a:prstGeom prst="rect">
-            <a:avLst/>
-          </a:prstGeom>
-        </p:spPr>
-        <p:txBody>
-          <a:bodyPr anchorCtr="0" anchor="t" bIns="91425" lIns="91425" spcFirstLastPara="1" rIns="91425" wrap="square" tIns="91425">
-            <a:noAutofit/>
-          </a:bodyPr>
-          <a:lstStyle/>
-          <a:p>
-            <a:pPr indent="0" lvl="0" marL="0" rtl="0" algn="l">
-              <a:spcBef>
-                <a:spcPts val="0"/>
-              </a:spcBef>
-              <a:spcAft>
-                <a:spcPts val="0"/>
-              </a:spcAft>
-              <a:buNone/>
-            </a:pPr>
-            <a:r>
-              <a:rPr lang="en"/>
-              <a:t>Anyone: Thanks to all fellow students and instructors for a great 6 months!</a:t>
             </a:r>
             <a:endParaRPr/>
           </a:p>
@@ -3277,6 +3270,215 @@
             <a:r>
               <a:rPr lang="en"/>
               <a:t>Darcy: Talk about how we found our data and how we determined that the initial data was suitable for our purposes.</a:t>
+            </a:r>
+            <a:endParaRPr/>
+          </a:p>
+        </p:txBody>
+      </p:sp>
+    </p:spTree>
+  </p:cSld>
+  <p:clrMapOvr>
+    <a:masterClrMapping/>
+  </p:clrMapOvr>
+</p:notes>
+</file>
+
+<file path=ppt/notesSlides/notesSlide30.xml><?xml version="1.0" encoding="utf-8"?>
+<p:notes xmlns:a="http://schemas.openxmlformats.org/drawingml/2006/main" xmlns:r="http://schemas.openxmlformats.org/officeDocument/2006/relationships" xmlns:mc="http://schemas.openxmlformats.org/markup-compatibility/2006" xmlns:mv="urn:schemas-microsoft-com:mac:vml" xmlns:p="http://schemas.openxmlformats.org/presentationml/2006/main" xmlns:c="http://schemas.openxmlformats.org/drawingml/2006/chart" xmlns:dgm="http://schemas.openxmlformats.org/drawingml/2006/diagram" xmlns:o="urn:schemas-microsoft-com:office:office" xmlns:v="urn:schemas-microsoft-com:vml" xmlns:pvml="urn:schemas-microsoft-com:office:powerpoint" xmlns:com="http://schemas.openxmlformats.org/drawingml/2006/compatibility" xmlns:p14="http://schemas.microsoft.com/office/powerpoint/2010/main" xmlns:p15="http://schemas.microsoft.com/office/powerpoint/2012/main" xmlns:ahyp="http://schemas.microsoft.com/office/drawing/2018/hyperlinkcolor" showMasterPhAnim="0" showMasterSp="0">
+  <p:cSld>
+    <p:spTree>
+      <p:nvGrpSpPr>
+        <p:cNvPr id="448" name="Shape 448"/>
+        <p:cNvGrpSpPr/>
+        <p:nvPr/>
+      </p:nvGrpSpPr>
+      <p:grpSpPr>
+        <a:xfrm>
+          <a:off x="0" y="0"/>
+          <a:ext cx="0" cy="0"/>
+          <a:chOff x="0" y="0"/>
+          <a:chExt cx="0" cy="0"/>
+        </a:xfrm>
+      </p:grpSpPr>
+      <p:sp>
+        <p:nvSpPr>
+          <p:cNvPr id="449" name="Google Shape;449;g152175e3203_0_339:notes"/>
+          <p:cNvSpPr/>
+          <p:nvPr>
+            <p:ph idx="2" type="sldImg"/>
+          </p:nvPr>
+        </p:nvSpPr>
+        <p:spPr>
+          <a:xfrm>
+            <a:off x="381300" y="685800"/>
+            <a:ext cx="6096000" cy="3429000"/>
+          </a:xfrm>
+          <a:custGeom>
+            <a:rect b="b" l="l" r="r" t="t"/>
+            <a:pathLst>
+              <a:path extrusionOk="0" h="120000" w="120000">
+                <a:moveTo>
+                  <a:pt x="0" y="0"/>
+                </a:moveTo>
+                <a:lnTo>
+                  <a:pt x="120000" y="0"/>
+                </a:lnTo>
+                <a:lnTo>
+                  <a:pt x="120000" y="120000"/>
+                </a:lnTo>
+                <a:lnTo>
+                  <a:pt x="0" y="120000"/>
+                </a:lnTo>
+                <a:close/>
+              </a:path>
+            </a:pathLst>
+          </a:custGeom>
+        </p:spPr>
+      </p:sp>
+      <p:sp>
+        <p:nvSpPr>
+          <p:cNvPr id="450" name="Google Shape;450;g152175e3203_0_339:notes"/>
+          <p:cNvSpPr txBox="1"/>
+          <p:nvPr>
+            <p:ph idx="1" type="body"/>
+          </p:nvPr>
+        </p:nvSpPr>
+        <p:spPr>
+          <a:xfrm>
+            <a:off x="685800" y="4343400"/>
+            <a:ext cx="5486400" cy="4114800"/>
+          </a:xfrm>
+          <a:prstGeom prst="rect">
+            <a:avLst/>
+          </a:prstGeom>
+        </p:spPr>
+        <p:txBody>
+          <a:bodyPr anchorCtr="0" anchor="t" bIns="91425" lIns="91425" spcFirstLastPara="1" rIns="91425" wrap="square" tIns="91425">
+            <a:noAutofit/>
+          </a:bodyPr>
+          <a:lstStyle/>
+          <a:p>
+            <a:pPr indent="0" lvl="0" marL="0" rtl="0" algn="l">
+              <a:spcBef>
+                <a:spcPts val="0"/>
+              </a:spcBef>
+              <a:spcAft>
+                <a:spcPts val="0"/>
+              </a:spcAft>
+              <a:buNone/>
+            </a:pPr>
+            <a:r>
+              <a:rPr lang="en"/>
+              <a:t>Corrine: Please perform a live demo of the website at this slide. </a:t>
+            </a:r>
+            <a:r>
+              <a:rPr lang="en" u="sng">
+                <a:solidFill>
+                  <a:schemeClr val="hlink"/>
+                </a:solidFill>
+                <a:hlinkClick r:id="rId2"/>
+              </a:rPr>
+              <a:t>https://rulamia.github.io/Horrorscopes/</a:t>
+            </a:r>
+            <a:endParaRPr/>
+          </a:p>
+        </p:txBody>
+      </p:sp>
+    </p:spTree>
+  </p:cSld>
+  <p:clrMapOvr>
+    <a:masterClrMapping/>
+  </p:clrMapOvr>
+</p:notes>
+</file>
+
+<file path=ppt/notesSlides/notesSlide31.xml><?xml version="1.0" encoding="utf-8"?>
+<p:notes xmlns:a="http://schemas.openxmlformats.org/drawingml/2006/main" xmlns:r="http://schemas.openxmlformats.org/officeDocument/2006/relationships" xmlns:mc="http://schemas.openxmlformats.org/markup-compatibility/2006" xmlns:mv="urn:schemas-microsoft-com:mac:vml" xmlns:p="http://schemas.openxmlformats.org/presentationml/2006/main" xmlns:c="http://schemas.openxmlformats.org/drawingml/2006/chart" xmlns:dgm="http://schemas.openxmlformats.org/drawingml/2006/diagram" xmlns:o="urn:schemas-microsoft-com:office:office" xmlns:v="urn:schemas-microsoft-com:vml" xmlns:pvml="urn:schemas-microsoft-com:office:powerpoint" xmlns:com="http://schemas.openxmlformats.org/drawingml/2006/compatibility" xmlns:p14="http://schemas.microsoft.com/office/powerpoint/2010/main" xmlns:p15="http://schemas.microsoft.com/office/powerpoint/2012/main" xmlns:ahyp="http://schemas.microsoft.com/office/drawing/2018/hyperlinkcolor" showMasterPhAnim="0" showMasterSp="0">
+  <p:cSld>
+    <p:spTree>
+      <p:nvGrpSpPr>
+        <p:cNvPr id="467" name="Shape 467"/>
+        <p:cNvGrpSpPr/>
+        <p:nvPr/>
+      </p:nvGrpSpPr>
+      <p:grpSpPr>
+        <a:xfrm>
+          <a:off x="0" y="0"/>
+          <a:ext cx="0" cy="0"/>
+          <a:chOff x="0" y="0"/>
+          <a:chExt cx="0" cy="0"/>
+        </a:xfrm>
+      </p:grpSpPr>
+      <p:sp>
+        <p:nvSpPr>
+          <p:cNvPr id="468" name="Google Shape;468;g152175e3203_0_379:notes"/>
+          <p:cNvSpPr/>
+          <p:nvPr>
+            <p:ph idx="2" type="sldImg"/>
+          </p:nvPr>
+        </p:nvSpPr>
+        <p:spPr>
+          <a:xfrm>
+            <a:off x="381300" y="685800"/>
+            <a:ext cx="6096000" cy="3429000"/>
+          </a:xfrm>
+          <a:custGeom>
+            <a:rect b="b" l="l" r="r" t="t"/>
+            <a:pathLst>
+              <a:path extrusionOk="0" h="120000" w="120000">
+                <a:moveTo>
+                  <a:pt x="0" y="0"/>
+                </a:moveTo>
+                <a:lnTo>
+                  <a:pt x="120000" y="0"/>
+                </a:lnTo>
+                <a:lnTo>
+                  <a:pt x="120000" y="120000"/>
+                </a:lnTo>
+                <a:lnTo>
+                  <a:pt x="0" y="120000"/>
+                </a:lnTo>
+                <a:close/>
+              </a:path>
+            </a:pathLst>
+          </a:custGeom>
+        </p:spPr>
+      </p:sp>
+      <p:sp>
+        <p:nvSpPr>
+          <p:cNvPr id="469" name="Google Shape;469;g152175e3203_0_379:notes"/>
+          <p:cNvSpPr txBox="1"/>
+          <p:nvPr>
+            <p:ph idx="1" type="body"/>
+          </p:nvPr>
+        </p:nvSpPr>
+        <p:spPr>
+          <a:xfrm>
+            <a:off x="685800" y="4343400"/>
+            <a:ext cx="5486400" cy="4114800"/>
+          </a:xfrm>
+          <a:prstGeom prst="rect">
+            <a:avLst/>
+          </a:prstGeom>
+        </p:spPr>
+        <p:txBody>
+          <a:bodyPr anchorCtr="0" anchor="t" bIns="91425" lIns="91425" spcFirstLastPara="1" rIns="91425" wrap="square" tIns="91425">
+            <a:noAutofit/>
+          </a:bodyPr>
+          <a:lstStyle/>
+          <a:p>
+            <a:pPr indent="0" lvl="0" marL="0" rtl="0" algn="l">
+              <a:spcBef>
+                <a:spcPts val="0"/>
+              </a:spcBef>
+              <a:spcAft>
+                <a:spcPts val="0"/>
+              </a:spcAft>
+              <a:buNone/>
+            </a:pPr>
+            <a:r>
+              <a:rPr lang="en"/>
+              <a:t>Anyone: Thanks to all fellow students and instructors for a great 6 months!</a:t>
             </a:r>
             <a:endParaRPr/>
           </a:p>
@@ -3709,7 +3911,7 @@
       </p:grpSpPr>
       <p:sp>
         <p:nvSpPr>
-          <p:cNvPr id="177" name="Google Shape;177;g152175e3203_0_85:notes"/>
+          <p:cNvPr id="177" name="Google Shape;177;g152175e3203_0_402:notes"/>
           <p:cNvSpPr/>
           <p:nvPr>
             <p:ph idx="2" type="sldImg"/>
@@ -3744,7 +3946,7 @@
       </p:sp>
       <p:sp>
         <p:nvSpPr>
-          <p:cNvPr id="178" name="Google Shape;178;g152175e3203_0_85:notes"/>
+          <p:cNvPr id="178" name="Google Shape;178;g152175e3203_0_402:notes"/>
           <p:cNvSpPr txBox="1"/>
           <p:nvPr>
             <p:ph idx="1" type="body"/>
@@ -3776,7 +3978,7 @@
             </a:pPr>
             <a:r>
               <a:rPr lang="en"/>
-              <a:t>Angelique: Discuss our initial debate between what database type to go with, and why we chose an AWS PostgreSQL database.</a:t>
+              <a:t>Angelique: Speak to the schema and what connections there are</a:t>
             </a:r>
             <a:endParaRPr/>
           </a:p>
@@ -3795,7 +3997,7 @@
   <p:cSld>
     <p:spTree>
       <p:nvGrpSpPr>
-        <p:cNvPr id="196" name="Shape 196"/>
+        <p:cNvPr id="182" name="Shape 182"/>
         <p:cNvGrpSpPr/>
         <p:nvPr/>
       </p:nvGrpSpPr>
@@ -3809,7 +4011,7 @@
       </p:grpSpPr>
       <p:sp>
         <p:nvSpPr>
-          <p:cNvPr id="197" name="Google Shape;197;g152175e3203_0_90:notes"/>
+          <p:cNvPr id="183" name="Google Shape;183;g152175e3203_0_388:notes"/>
           <p:cNvSpPr/>
           <p:nvPr>
             <p:ph idx="2" type="sldImg"/>
@@ -3844,7 +4046,7 @@
       </p:sp>
       <p:sp>
         <p:nvSpPr>
-          <p:cNvPr id="198" name="Google Shape;198;g152175e3203_0_90:notes"/>
+          <p:cNvPr id="184" name="Google Shape;184;g152175e3203_0_388:notes"/>
           <p:cNvSpPr txBox="1"/>
           <p:nvPr>
             <p:ph idx="1" type="body"/>
@@ -3876,7 +4078,7 @@
             </a:pPr>
             <a:r>
               <a:rPr lang="en"/>
-              <a:t>Angelique: Feel free to elaborate here if you want to.</a:t>
+              <a:t>Angelique: Speak to our process here, explain the outline</a:t>
             </a:r>
             <a:endParaRPr/>
           </a:p>
@@ -8730,7 +8932,7 @@
     </p:bg>
     <p:spTree>
       <p:nvGrpSpPr>
-        <p:cNvPr id="219" name="Shape 219"/>
+        <p:cNvPr id="191" name="Shape 191"/>
         <p:cNvGrpSpPr/>
         <p:nvPr/>
       </p:nvGrpSpPr>
@@ -8744,7 +8946,1123 @@
       </p:grpSpPr>
       <p:sp>
         <p:nvSpPr>
-          <p:cNvPr id="220" name="Google Shape;220;p22"/>
+          <p:cNvPr id="192" name="Google Shape;192;p22"/>
+          <p:cNvSpPr txBox="1"/>
+          <p:nvPr>
+            <p:ph type="title"/>
+          </p:nvPr>
+        </p:nvSpPr>
+        <p:spPr>
+          <a:xfrm>
+            <a:off x="311700" y="1131600"/>
+            <a:ext cx="8520600" cy="572700"/>
+          </a:xfrm>
+          <a:prstGeom prst="rect">
+            <a:avLst/>
+          </a:prstGeom>
+        </p:spPr>
+        <p:txBody>
+          <a:bodyPr anchorCtr="0" anchor="t" bIns="91425" lIns="91425" spcFirstLastPara="1" rIns="91425" wrap="square" tIns="91425">
+            <a:normAutofit fontScale="90000"/>
+          </a:bodyPr>
+          <a:lstStyle/>
+          <a:p>
+            <a:pPr indent="0" lvl="0" marL="0" rtl="0" algn="l">
+              <a:spcBef>
+                <a:spcPts val="0"/>
+              </a:spcBef>
+              <a:spcAft>
+                <a:spcPts val="0"/>
+              </a:spcAft>
+              <a:buNone/>
+            </a:pPr>
+            <a:r>
+              <a:rPr b="1" lang="en">
+                <a:solidFill>
+                  <a:schemeClr val="lt1"/>
+                </a:solidFill>
+                <a:latin typeface="Times New Roman"/>
+                <a:ea typeface="Times New Roman"/>
+                <a:cs typeface="Times New Roman"/>
+                <a:sym typeface="Times New Roman"/>
+              </a:rPr>
+              <a:t>Database - Description of Database</a:t>
+            </a:r>
+            <a:endParaRPr b="1">
+              <a:solidFill>
+                <a:schemeClr val="lt1"/>
+              </a:solidFill>
+              <a:latin typeface="Times New Roman"/>
+              <a:ea typeface="Times New Roman"/>
+              <a:cs typeface="Times New Roman"/>
+              <a:sym typeface="Times New Roman"/>
+            </a:endParaRPr>
+          </a:p>
+        </p:txBody>
+      </p:sp>
+      <p:sp>
+        <p:nvSpPr>
+          <p:cNvPr id="193" name="Google Shape;193;p22"/>
+          <p:cNvSpPr txBox="1"/>
+          <p:nvPr>
+            <p:ph idx="1" type="body"/>
+          </p:nvPr>
+        </p:nvSpPr>
+        <p:spPr>
+          <a:xfrm>
+            <a:off x="311700" y="1876175"/>
+            <a:ext cx="8520600" cy="3416400"/>
+          </a:xfrm>
+          <a:prstGeom prst="rect">
+            <a:avLst/>
+          </a:prstGeom>
+        </p:spPr>
+        <p:txBody>
+          <a:bodyPr anchorCtr="0" anchor="t" bIns="91425" lIns="91425" spcFirstLastPara="1" rIns="91425" wrap="square" tIns="91425">
+            <a:normAutofit/>
+          </a:bodyPr>
+          <a:lstStyle/>
+          <a:p>
+            <a:pPr indent="-342900" lvl="0" marL="457200" rtl="0" algn="l">
+              <a:spcBef>
+                <a:spcPts val="0"/>
+              </a:spcBef>
+              <a:spcAft>
+                <a:spcPts val="0"/>
+              </a:spcAft>
+              <a:buClr>
+                <a:schemeClr val="lt1"/>
+              </a:buClr>
+              <a:buSzPts val="1800"/>
+              <a:buFont typeface="Times New Roman"/>
+              <a:buChar char="●"/>
+            </a:pPr>
+            <a:r>
+              <a:rPr lang="en">
+                <a:solidFill>
+                  <a:schemeClr val="lt1"/>
+                </a:solidFill>
+                <a:latin typeface="Times New Roman"/>
+                <a:ea typeface="Times New Roman"/>
+                <a:cs typeface="Times New Roman"/>
+                <a:sym typeface="Times New Roman"/>
+              </a:rPr>
+              <a:t>Hosted instance on Amazon Web Services, access through secure link with pgAdmin through a PostgreSQL database.</a:t>
+            </a:r>
+            <a:endParaRPr>
+              <a:solidFill>
+                <a:schemeClr val="lt1"/>
+              </a:solidFill>
+              <a:latin typeface="Times New Roman"/>
+              <a:ea typeface="Times New Roman"/>
+              <a:cs typeface="Times New Roman"/>
+              <a:sym typeface="Times New Roman"/>
+            </a:endParaRPr>
+          </a:p>
+          <a:p>
+            <a:pPr indent="-342900" lvl="0" marL="457200" rtl="0" algn="l">
+              <a:spcBef>
+                <a:spcPts val="0"/>
+              </a:spcBef>
+              <a:spcAft>
+                <a:spcPts val="0"/>
+              </a:spcAft>
+              <a:buClr>
+                <a:schemeClr val="lt1"/>
+              </a:buClr>
+              <a:buSzPts val="1800"/>
+              <a:buFont typeface="Times New Roman"/>
+              <a:buChar char="●"/>
+            </a:pPr>
+            <a:r>
+              <a:rPr lang="en">
+                <a:solidFill>
+                  <a:schemeClr val="lt1"/>
+                </a:solidFill>
+                <a:latin typeface="Times New Roman"/>
+                <a:ea typeface="Times New Roman"/>
+                <a:cs typeface="Times New Roman"/>
+                <a:sym typeface="Times New Roman"/>
+              </a:rPr>
+              <a:t>PostgreSQL </a:t>
+            </a:r>
+            <a:r>
+              <a:rPr lang="en">
+                <a:solidFill>
+                  <a:schemeClr val="lt1"/>
+                </a:solidFill>
+                <a:latin typeface="Times New Roman"/>
+                <a:ea typeface="Times New Roman"/>
+                <a:cs typeface="Times New Roman"/>
+                <a:sym typeface="Times New Roman"/>
+              </a:rPr>
+              <a:t>allows the entire team access to the database on their own terminal, reducing the need for data transfers.</a:t>
+            </a:r>
+            <a:endParaRPr>
+              <a:solidFill>
+                <a:schemeClr val="lt1"/>
+              </a:solidFill>
+              <a:latin typeface="Times New Roman"/>
+              <a:ea typeface="Times New Roman"/>
+              <a:cs typeface="Times New Roman"/>
+              <a:sym typeface="Times New Roman"/>
+            </a:endParaRPr>
+          </a:p>
+        </p:txBody>
+      </p:sp>
+      <p:grpSp>
+        <p:nvGrpSpPr>
+          <p:cNvPr id="194" name="Google Shape;194;p22"/>
+          <p:cNvGrpSpPr/>
+          <p:nvPr/>
+        </p:nvGrpSpPr>
+        <p:grpSpPr>
+          <a:xfrm>
+            <a:off x="18500" y="47675"/>
+            <a:ext cx="9106999" cy="1083925"/>
+            <a:chOff x="0" y="-14750"/>
+            <a:chExt cx="9106999" cy="1083925"/>
+          </a:xfrm>
+        </p:grpSpPr>
+        <p:pic>
+          <p:nvPicPr>
+            <p:cNvPr id="195" name="Google Shape;195;p22"/>
+            <p:cNvPicPr preferRelativeResize="0"/>
+            <p:nvPr/>
+          </p:nvPicPr>
+          <p:blipFill rotWithShape="1">
+            <a:blip r:embed="rId3">
+              <a:alphaModFix/>
+            </a:blip>
+            <a:srcRect b="9755" l="0" r="0" t="0"/>
+            <a:stretch/>
+          </p:blipFill>
+          <p:spPr>
+            <a:xfrm>
+              <a:off x="0" y="-14750"/>
+              <a:ext cx="1022125" cy="1029574"/>
+            </a:xfrm>
+            <a:prstGeom prst="rect">
+              <a:avLst/>
+            </a:prstGeom>
+            <a:noFill/>
+            <a:ln>
+              <a:noFill/>
+            </a:ln>
+          </p:spPr>
+        </p:pic>
+        <p:pic>
+          <p:nvPicPr>
+            <p:cNvPr id="196" name="Google Shape;196;p22"/>
+            <p:cNvPicPr preferRelativeResize="0"/>
+            <p:nvPr/>
+          </p:nvPicPr>
+          <p:blipFill rotWithShape="1">
+            <a:blip r:embed="rId4">
+              <a:alphaModFix/>
+            </a:blip>
+            <a:srcRect b="8700" l="0" r="0" t="0"/>
+            <a:stretch/>
+          </p:blipFill>
+          <p:spPr>
+            <a:xfrm>
+              <a:off x="1471076" y="-14750"/>
+              <a:ext cx="673249" cy="1029575"/>
+            </a:xfrm>
+            <a:prstGeom prst="rect">
+              <a:avLst/>
+            </a:prstGeom>
+            <a:noFill/>
+            <a:ln>
+              <a:noFill/>
+            </a:ln>
+          </p:spPr>
+        </p:pic>
+        <p:pic>
+          <p:nvPicPr>
+            <p:cNvPr id="197" name="Google Shape;197;p22"/>
+            <p:cNvPicPr preferRelativeResize="0"/>
+            <p:nvPr/>
+          </p:nvPicPr>
+          <p:blipFill rotWithShape="1">
+            <a:blip r:embed="rId5">
+              <a:alphaModFix/>
+            </a:blip>
+            <a:srcRect b="9041" l="0" r="0" t="0"/>
+            <a:stretch/>
+          </p:blipFill>
+          <p:spPr>
+            <a:xfrm>
+              <a:off x="4061899" y="-4825"/>
+              <a:ext cx="1493392" cy="1029575"/>
+            </a:xfrm>
+            <a:prstGeom prst="rect">
+              <a:avLst/>
+            </a:prstGeom>
+            <a:noFill/>
+            <a:ln>
+              <a:noFill/>
+            </a:ln>
+          </p:spPr>
+        </p:pic>
+        <p:pic>
+          <p:nvPicPr>
+            <p:cNvPr id="198" name="Google Shape;198;p22"/>
+            <p:cNvPicPr preferRelativeResize="0"/>
+            <p:nvPr/>
+          </p:nvPicPr>
+          <p:blipFill rotWithShape="1">
+            <a:blip r:embed="rId6">
+              <a:alphaModFix/>
+            </a:blip>
+            <a:srcRect b="13577" l="0" r="0" t="0"/>
+            <a:stretch/>
+          </p:blipFill>
+          <p:spPr>
+            <a:xfrm>
+              <a:off x="2540112" y="-4825"/>
+              <a:ext cx="1126013" cy="1029575"/>
+            </a:xfrm>
+            <a:prstGeom prst="rect">
+              <a:avLst/>
+            </a:prstGeom>
+            <a:noFill/>
+            <a:ln>
+              <a:noFill/>
+            </a:ln>
+          </p:spPr>
+        </p:pic>
+        <p:pic>
+          <p:nvPicPr>
+            <p:cNvPr id="199" name="Google Shape;199;p22"/>
+            <p:cNvPicPr preferRelativeResize="0"/>
+            <p:nvPr/>
+          </p:nvPicPr>
+          <p:blipFill rotWithShape="1">
+            <a:blip r:embed="rId7">
+              <a:alphaModFix/>
+            </a:blip>
+            <a:srcRect b="9853" l="0" r="0" t="0"/>
+            <a:stretch/>
+          </p:blipFill>
+          <p:spPr>
+            <a:xfrm>
+              <a:off x="6228649" y="-13951"/>
+              <a:ext cx="1126001" cy="1047837"/>
+            </a:xfrm>
+            <a:prstGeom prst="rect">
+              <a:avLst/>
+            </a:prstGeom>
+            <a:noFill/>
+            <a:ln>
+              <a:noFill/>
+            </a:ln>
+          </p:spPr>
+        </p:pic>
+        <p:pic>
+          <p:nvPicPr>
+            <p:cNvPr id="200" name="Google Shape;200;p22"/>
+            <p:cNvPicPr preferRelativeResize="0"/>
+            <p:nvPr/>
+          </p:nvPicPr>
+          <p:blipFill rotWithShape="1">
+            <a:blip r:embed="rId8">
+              <a:alphaModFix/>
+            </a:blip>
+            <a:srcRect b="9682" l="0" r="0" t="0"/>
+            <a:stretch/>
+          </p:blipFill>
+          <p:spPr>
+            <a:xfrm>
+              <a:off x="8055700" y="39600"/>
+              <a:ext cx="1051298" cy="1029575"/>
+            </a:xfrm>
+            <a:prstGeom prst="rect">
+              <a:avLst/>
+            </a:prstGeom>
+            <a:noFill/>
+            <a:ln>
+              <a:noFill/>
+            </a:ln>
+          </p:spPr>
+        </p:pic>
+      </p:grpSp>
+      <p:grpSp>
+        <p:nvGrpSpPr>
+          <p:cNvPr id="201" name="Google Shape;201;p22"/>
+          <p:cNvGrpSpPr/>
+          <p:nvPr/>
+        </p:nvGrpSpPr>
+        <p:grpSpPr>
+          <a:xfrm>
+            <a:off x="0" y="3987208"/>
+            <a:ext cx="9164450" cy="1156292"/>
+            <a:chOff x="0" y="3987208"/>
+            <a:chExt cx="9164450" cy="1156292"/>
+          </a:xfrm>
+        </p:grpSpPr>
+        <p:pic>
+          <p:nvPicPr>
+            <p:cNvPr id="202" name="Google Shape;202;p22"/>
+            <p:cNvPicPr preferRelativeResize="0"/>
+            <p:nvPr/>
+          </p:nvPicPr>
+          <p:blipFill rotWithShape="1">
+            <a:blip r:embed="rId9">
+              <a:alphaModFix/>
+            </a:blip>
+            <a:srcRect b="8138" l="0" r="0" t="0"/>
+            <a:stretch/>
+          </p:blipFill>
+          <p:spPr>
+            <a:xfrm>
+              <a:off x="0" y="4073253"/>
+              <a:ext cx="977025" cy="1070247"/>
+            </a:xfrm>
+            <a:prstGeom prst="rect">
+              <a:avLst/>
+            </a:prstGeom>
+            <a:noFill/>
+            <a:ln>
+              <a:noFill/>
+            </a:ln>
+          </p:spPr>
+        </p:pic>
+        <p:pic>
+          <p:nvPicPr>
+            <p:cNvPr id="203" name="Google Shape;203;p22"/>
+            <p:cNvPicPr preferRelativeResize="0"/>
+            <p:nvPr/>
+          </p:nvPicPr>
+          <p:blipFill rotWithShape="1">
+            <a:blip r:embed="rId10">
+              <a:alphaModFix/>
+            </a:blip>
+            <a:srcRect b="10650" l="0" r="0" t="0"/>
+            <a:stretch/>
+          </p:blipFill>
+          <p:spPr>
+            <a:xfrm>
+              <a:off x="1447800" y="4093067"/>
+              <a:ext cx="916625" cy="1050433"/>
+            </a:xfrm>
+            <a:prstGeom prst="rect">
+              <a:avLst/>
+            </a:prstGeom>
+            <a:noFill/>
+            <a:ln>
+              <a:noFill/>
+            </a:ln>
+          </p:spPr>
+        </p:pic>
+        <p:pic>
+          <p:nvPicPr>
+            <p:cNvPr id="204" name="Google Shape;204;p22"/>
+            <p:cNvPicPr preferRelativeResize="0"/>
+            <p:nvPr/>
+          </p:nvPicPr>
+          <p:blipFill rotWithShape="1">
+            <a:blip r:embed="rId11">
+              <a:alphaModFix/>
+            </a:blip>
+            <a:srcRect b="7510" l="0" r="0" t="0"/>
+            <a:stretch/>
+          </p:blipFill>
+          <p:spPr>
+            <a:xfrm>
+              <a:off x="2895600" y="4073250"/>
+              <a:ext cx="876183" cy="1070250"/>
+            </a:xfrm>
+            <a:prstGeom prst="rect">
+              <a:avLst/>
+            </a:prstGeom>
+            <a:noFill/>
+            <a:ln>
+              <a:noFill/>
+            </a:ln>
+          </p:spPr>
+        </p:pic>
+        <p:pic>
+          <p:nvPicPr>
+            <p:cNvPr id="205" name="Google Shape;205;p22"/>
+            <p:cNvPicPr preferRelativeResize="0"/>
+            <p:nvPr/>
+          </p:nvPicPr>
+          <p:blipFill rotWithShape="1">
+            <a:blip r:embed="rId12">
+              <a:alphaModFix/>
+            </a:blip>
+            <a:srcRect b="9600" l="0" r="0" t="0"/>
+            <a:stretch/>
+          </p:blipFill>
+          <p:spPr>
+            <a:xfrm>
+              <a:off x="4290500" y="4073250"/>
+              <a:ext cx="1310534" cy="1070250"/>
+            </a:xfrm>
+            <a:prstGeom prst="rect">
+              <a:avLst/>
+            </a:prstGeom>
+            <a:noFill/>
+            <a:ln>
+              <a:noFill/>
+            </a:ln>
+          </p:spPr>
+        </p:pic>
+        <p:pic>
+          <p:nvPicPr>
+            <p:cNvPr id="206" name="Google Shape;206;p22"/>
+            <p:cNvPicPr preferRelativeResize="0"/>
+            <p:nvPr/>
+          </p:nvPicPr>
+          <p:blipFill rotWithShape="1">
+            <a:blip r:embed="rId13">
+              <a:alphaModFix/>
+            </a:blip>
+            <a:srcRect b="9990" l="0" r="0" t="0"/>
+            <a:stretch/>
+          </p:blipFill>
+          <p:spPr>
+            <a:xfrm>
+              <a:off x="6012600" y="4073250"/>
+              <a:ext cx="1723450" cy="1070250"/>
+            </a:xfrm>
+            <a:prstGeom prst="rect">
+              <a:avLst/>
+            </a:prstGeom>
+            <a:noFill/>
+            <a:ln>
+              <a:noFill/>
+            </a:ln>
+          </p:spPr>
+        </p:pic>
+        <p:pic>
+          <p:nvPicPr>
+            <p:cNvPr id="207" name="Google Shape;207;p22"/>
+            <p:cNvPicPr preferRelativeResize="0"/>
+            <p:nvPr/>
+          </p:nvPicPr>
+          <p:blipFill rotWithShape="1">
+            <a:blip r:embed="rId14">
+              <a:alphaModFix/>
+            </a:blip>
+            <a:srcRect b="8575" l="0" r="0" t="0"/>
+            <a:stretch/>
+          </p:blipFill>
+          <p:spPr>
+            <a:xfrm>
+              <a:off x="8038450" y="3987208"/>
+              <a:ext cx="1126000" cy="1156292"/>
+            </a:xfrm>
+            <a:prstGeom prst="rect">
+              <a:avLst/>
+            </a:prstGeom>
+            <a:noFill/>
+            <a:ln>
+              <a:noFill/>
+            </a:ln>
+          </p:spPr>
+        </p:pic>
+      </p:grpSp>
+    </p:spTree>
+  </p:cSld>
+  <p:clrMapOvr>
+    <a:masterClrMapping/>
+  </p:clrMapOvr>
+</p:sld>
+</file>
+
+<file path=ppt/slides/slide11.xml><?xml version="1.0" encoding="utf-8"?>
+<p:sld xmlns:a="http://schemas.openxmlformats.org/drawingml/2006/main" xmlns:r="http://schemas.openxmlformats.org/officeDocument/2006/relationships" xmlns:mc="http://schemas.openxmlformats.org/markup-compatibility/2006" xmlns:mv="urn:schemas-microsoft-com:mac:vml" xmlns:p="http://schemas.openxmlformats.org/presentationml/2006/main" xmlns:c="http://schemas.openxmlformats.org/drawingml/2006/chart" xmlns:dgm="http://schemas.openxmlformats.org/drawingml/2006/diagram" xmlns:o="urn:schemas-microsoft-com:office:office" xmlns:v="urn:schemas-microsoft-com:vml" xmlns:pvml="urn:schemas-microsoft-com:office:powerpoint" xmlns:com="http://schemas.openxmlformats.org/drawingml/2006/compatibility" xmlns:p14="http://schemas.microsoft.com/office/powerpoint/2010/main" xmlns:p15="http://schemas.microsoft.com/office/powerpoint/2012/main" xmlns:ahyp="http://schemas.microsoft.com/office/drawing/2018/hyperlinkcolor">
+  <p:cSld>
+    <p:bg>
+      <p:bgPr>
+        <a:solidFill>
+          <a:srgbClr val="A7A4D1"/>
+        </a:solidFill>
+      </p:bgPr>
+    </p:bg>
+    <p:spTree>
+      <p:nvGrpSpPr>
+        <p:cNvPr id="211" name="Shape 211"/>
+        <p:cNvGrpSpPr/>
+        <p:nvPr/>
+      </p:nvGrpSpPr>
+      <p:grpSpPr>
+        <a:xfrm>
+          <a:off x="0" y="0"/>
+          <a:ext cx="0" cy="0"/>
+          <a:chOff x="0" y="0"/>
+          <a:chExt cx="0" cy="0"/>
+        </a:xfrm>
+      </p:grpSpPr>
+      <p:sp>
+        <p:nvSpPr>
+          <p:cNvPr id="212" name="Google Shape;212;p23"/>
+          <p:cNvSpPr txBox="1"/>
+          <p:nvPr>
+            <p:ph type="title"/>
+          </p:nvPr>
+        </p:nvSpPr>
+        <p:spPr>
+          <a:xfrm>
+            <a:off x="311700" y="1131600"/>
+            <a:ext cx="8520600" cy="572700"/>
+          </a:xfrm>
+          <a:prstGeom prst="rect">
+            <a:avLst/>
+          </a:prstGeom>
+        </p:spPr>
+        <p:txBody>
+          <a:bodyPr anchorCtr="0" anchor="t" bIns="91425" lIns="91425" spcFirstLastPara="1" rIns="91425" wrap="square" tIns="91425">
+            <a:normAutofit fontScale="90000"/>
+          </a:bodyPr>
+          <a:lstStyle/>
+          <a:p>
+            <a:pPr indent="0" lvl="0" marL="0" rtl="0" algn="l">
+              <a:spcBef>
+                <a:spcPts val="0"/>
+              </a:spcBef>
+              <a:spcAft>
+                <a:spcPts val="0"/>
+              </a:spcAft>
+              <a:buNone/>
+            </a:pPr>
+            <a:r>
+              <a:rPr b="1" lang="en">
+                <a:solidFill>
+                  <a:schemeClr val="lt1"/>
+                </a:solidFill>
+                <a:latin typeface="Times New Roman"/>
+                <a:ea typeface="Times New Roman"/>
+                <a:cs typeface="Times New Roman"/>
+                <a:sym typeface="Times New Roman"/>
+              </a:rPr>
+              <a:t>Database - Interfacing</a:t>
+            </a:r>
+            <a:endParaRPr b="1">
+              <a:solidFill>
+                <a:schemeClr val="lt1"/>
+              </a:solidFill>
+              <a:latin typeface="Times New Roman"/>
+              <a:ea typeface="Times New Roman"/>
+              <a:cs typeface="Times New Roman"/>
+              <a:sym typeface="Times New Roman"/>
+            </a:endParaRPr>
+          </a:p>
+        </p:txBody>
+      </p:sp>
+      <p:sp>
+        <p:nvSpPr>
+          <p:cNvPr id="213" name="Google Shape;213;p23"/>
+          <p:cNvSpPr txBox="1"/>
+          <p:nvPr>
+            <p:ph idx="1" type="body"/>
+          </p:nvPr>
+        </p:nvSpPr>
+        <p:spPr>
+          <a:xfrm>
+            <a:off x="311700" y="1922750"/>
+            <a:ext cx="8520600" cy="3416400"/>
+          </a:xfrm>
+          <a:prstGeom prst="rect">
+            <a:avLst/>
+          </a:prstGeom>
+        </p:spPr>
+        <p:txBody>
+          <a:bodyPr anchorCtr="0" anchor="t" bIns="91425" lIns="91425" spcFirstLastPara="1" rIns="91425" wrap="square" tIns="91425">
+            <a:normAutofit/>
+          </a:bodyPr>
+          <a:lstStyle/>
+          <a:p>
+            <a:pPr indent="-342900" lvl="0" marL="457200" rtl="0" algn="l">
+              <a:spcBef>
+                <a:spcPts val="0"/>
+              </a:spcBef>
+              <a:spcAft>
+                <a:spcPts val="0"/>
+              </a:spcAft>
+              <a:buClr>
+                <a:schemeClr val="lt1"/>
+              </a:buClr>
+              <a:buSzPts val="1800"/>
+              <a:buFont typeface="Times New Roman"/>
+              <a:buChar char="●"/>
+            </a:pPr>
+            <a:r>
+              <a:rPr lang="en">
+                <a:solidFill>
+                  <a:schemeClr val="lt1"/>
+                </a:solidFill>
+                <a:latin typeface="Times New Roman"/>
+                <a:ea typeface="Times New Roman"/>
+                <a:cs typeface="Times New Roman"/>
+                <a:sym typeface="Times New Roman"/>
+              </a:rPr>
+              <a:t>The </a:t>
+            </a:r>
+            <a:r>
+              <a:rPr lang="en">
+                <a:solidFill>
+                  <a:schemeClr val="lt1"/>
+                </a:solidFill>
+                <a:latin typeface="Times New Roman"/>
+                <a:ea typeface="Times New Roman"/>
+                <a:cs typeface="Times New Roman"/>
+                <a:sym typeface="Times New Roman"/>
+              </a:rPr>
+              <a:t>web scraping</a:t>
+            </a:r>
+            <a:r>
+              <a:rPr lang="en">
+                <a:solidFill>
+                  <a:schemeClr val="lt1"/>
+                </a:solidFill>
+                <a:latin typeface="Times New Roman"/>
+                <a:ea typeface="Times New Roman"/>
+                <a:cs typeface="Times New Roman"/>
+                <a:sym typeface="Times New Roman"/>
+              </a:rPr>
+              <a:t> file includes a connection string that imports the data directly to PostgreSQL, and, by proxy, to AWS</a:t>
+            </a:r>
+            <a:endParaRPr>
+              <a:solidFill>
+                <a:schemeClr val="lt1"/>
+              </a:solidFill>
+              <a:latin typeface="Times New Roman"/>
+              <a:ea typeface="Times New Roman"/>
+              <a:cs typeface="Times New Roman"/>
+              <a:sym typeface="Times New Roman"/>
+            </a:endParaRPr>
+          </a:p>
+          <a:p>
+            <a:pPr indent="-342900" lvl="0" marL="457200" rtl="0" algn="l">
+              <a:spcBef>
+                <a:spcPts val="0"/>
+              </a:spcBef>
+              <a:spcAft>
+                <a:spcPts val="0"/>
+              </a:spcAft>
+              <a:buClr>
+                <a:schemeClr val="lt1"/>
+              </a:buClr>
+              <a:buSzPts val="1800"/>
+              <a:buFont typeface="Times New Roman"/>
+              <a:buChar char="●"/>
+            </a:pPr>
+            <a:r>
+              <a:rPr lang="en">
+                <a:solidFill>
+                  <a:schemeClr val="lt1"/>
+                </a:solidFill>
+                <a:latin typeface="Times New Roman"/>
+                <a:ea typeface="Times New Roman"/>
+                <a:cs typeface="Times New Roman"/>
+                <a:sym typeface="Times New Roman"/>
+              </a:rPr>
+              <a:t>The machine learning model also includes a connection string that imports data directly from PostgreSQL.</a:t>
+            </a:r>
+            <a:endParaRPr>
+              <a:solidFill>
+                <a:schemeClr val="lt1"/>
+              </a:solidFill>
+              <a:latin typeface="Times New Roman"/>
+              <a:ea typeface="Times New Roman"/>
+              <a:cs typeface="Times New Roman"/>
+              <a:sym typeface="Times New Roman"/>
+            </a:endParaRPr>
+          </a:p>
+        </p:txBody>
+      </p:sp>
+      <p:grpSp>
+        <p:nvGrpSpPr>
+          <p:cNvPr id="214" name="Google Shape;214;p23"/>
+          <p:cNvGrpSpPr/>
+          <p:nvPr/>
+        </p:nvGrpSpPr>
+        <p:grpSpPr>
+          <a:xfrm>
+            <a:off x="18500" y="47675"/>
+            <a:ext cx="9106999" cy="1083925"/>
+            <a:chOff x="0" y="-14750"/>
+            <a:chExt cx="9106999" cy="1083925"/>
+          </a:xfrm>
+        </p:grpSpPr>
+        <p:pic>
+          <p:nvPicPr>
+            <p:cNvPr id="215" name="Google Shape;215;p23"/>
+            <p:cNvPicPr preferRelativeResize="0"/>
+            <p:nvPr/>
+          </p:nvPicPr>
+          <p:blipFill rotWithShape="1">
+            <a:blip r:embed="rId3">
+              <a:alphaModFix/>
+            </a:blip>
+            <a:srcRect b="9755" l="0" r="0" t="0"/>
+            <a:stretch/>
+          </p:blipFill>
+          <p:spPr>
+            <a:xfrm>
+              <a:off x="0" y="-14750"/>
+              <a:ext cx="1022125" cy="1029574"/>
+            </a:xfrm>
+            <a:prstGeom prst="rect">
+              <a:avLst/>
+            </a:prstGeom>
+            <a:noFill/>
+            <a:ln>
+              <a:noFill/>
+            </a:ln>
+          </p:spPr>
+        </p:pic>
+        <p:pic>
+          <p:nvPicPr>
+            <p:cNvPr id="216" name="Google Shape;216;p23"/>
+            <p:cNvPicPr preferRelativeResize="0"/>
+            <p:nvPr/>
+          </p:nvPicPr>
+          <p:blipFill rotWithShape="1">
+            <a:blip r:embed="rId4">
+              <a:alphaModFix/>
+            </a:blip>
+            <a:srcRect b="8700" l="0" r="0" t="0"/>
+            <a:stretch/>
+          </p:blipFill>
+          <p:spPr>
+            <a:xfrm>
+              <a:off x="1471076" y="-14750"/>
+              <a:ext cx="673249" cy="1029575"/>
+            </a:xfrm>
+            <a:prstGeom prst="rect">
+              <a:avLst/>
+            </a:prstGeom>
+            <a:noFill/>
+            <a:ln>
+              <a:noFill/>
+            </a:ln>
+          </p:spPr>
+        </p:pic>
+        <p:pic>
+          <p:nvPicPr>
+            <p:cNvPr id="217" name="Google Shape;217;p23"/>
+            <p:cNvPicPr preferRelativeResize="0"/>
+            <p:nvPr/>
+          </p:nvPicPr>
+          <p:blipFill rotWithShape="1">
+            <a:blip r:embed="rId5">
+              <a:alphaModFix/>
+            </a:blip>
+            <a:srcRect b="9041" l="0" r="0" t="0"/>
+            <a:stretch/>
+          </p:blipFill>
+          <p:spPr>
+            <a:xfrm>
+              <a:off x="4061899" y="-4825"/>
+              <a:ext cx="1493392" cy="1029575"/>
+            </a:xfrm>
+            <a:prstGeom prst="rect">
+              <a:avLst/>
+            </a:prstGeom>
+            <a:noFill/>
+            <a:ln>
+              <a:noFill/>
+            </a:ln>
+          </p:spPr>
+        </p:pic>
+        <p:pic>
+          <p:nvPicPr>
+            <p:cNvPr id="218" name="Google Shape;218;p23"/>
+            <p:cNvPicPr preferRelativeResize="0"/>
+            <p:nvPr/>
+          </p:nvPicPr>
+          <p:blipFill rotWithShape="1">
+            <a:blip r:embed="rId6">
+              <a:alphaModFix/>
+            </a:blip>
+            <a:srcRect b="13577" l="0" r="0" t="0"/>
+            <a:stretch/>
+          </p:blipFill>
+          <p:spPr>
+            <a:xfrm>
+              <a:off x="2540112" y="-4825"/>
+              <a:ext cx="1126013" cy="1029575"/>
+            </a:xfrm>
+            <a:prstGeom prst="rect">
+              <a:avLst/>
+            </a:prstGeom>
+            <a:noFill/>
+            <a:ln>
+              <a:noFill/>
+            </a:ln>
+          </p:spPr>
+        </p:pic>
+        <p:pic>
+          <p:nvPicPr>
+            <p:cNvPr id="219" name="Google Shape;219;p23"/>
+            <p:cNvPicPr preferRelativeResize="0"/>
+            <p:nvPr/>
+          </p:nvPicPr>
+          <p:blipFill rotWithShape="1">
+            <a:blip r:embed="rId7">
+              <a:alphaModFix/>
+            </a:blip>
+            <a:srcRect b="9853" l="0" r="0" t="0"/>
+            <a:stretch/>
+          </p:blipFill>
+          <p:spPr>
+            <a:xfrm>
+              <a:off x="6228649" y="-13951"/>
+              <a:ext cx="1126001" cy="1047837"/>
+            </a:xfrm>
+            <a:prstGeom prst="rect">
+              <a:avLst/>
+            </a:prstGeom>
+            <a:noFill/>
+            <a:ln>
+              <a:noFill/>
+            </a:ln>
+          </p:spPr>
+        </p:pic>
+        <p:pic>
+          <p:nvPicPr>
+            <p:cNvPr id="220" name="Google Shape;220;p23"/>
+            <p:cNvPicPr preferRelativeResize="0"/>
+            <p:nvPr/>
+          </p:nvPicPr>
+          <p:blipFill rotWithShape="1">
+            <a:blip r:embed="rId8">
+              <a:alphaModFix/>
+            </a:blip>
+            <a:srcRect b="9682" l="0" r="0" t="0"/>
+            <a:stretch/>
+          </p:blipFill>
+          <p:spPr>
+            <a:xfrm>
+              <a:off x="8055700" y="39600"/>
+              <a:ext cx="1051298" cy="1029575"/>
+            </a:xfrm>
+            <a:prstGeom prst="rect">
+              <a:avLst/>
+            </a:prstGeom>
+            <a:noFill/>
+            <a:ln>
+              <a:noFill/>
+            </a:ln>
+          </p:spPr>
+        </p:pic>
+      </p:grpSp>
+      <p:grpSp>
+        <p:nvGrpSpPr>
+          <p:cNvPr id="221" name="Google Shape;221;p23"/>
+          <p:cNvGrpSpPr/>
+          <p:nvPr/>
+        </p:nvGrpSpPr>
+        <p:grpSpPr>
+          <a:xfrm>
+            <a:off x="0" y="3987208"/>
+            <a:ext cx="9164450" cy="1156292"/>
+            <a:chOff x="0" y="3987208"/>
+            <a:chExt cx="9164450" cy="1156292"/>
+          </a:xfrm>
+        </p:grpSpPr>
+        <p:pic>
+          <p:nvPicPr>
+            <p:cNvPr id="222" name="Google Shape;222;p23"/>
+            <p:cNvPicPr preferRelativeResize="0"/>
+            <p:nvPr/>
+          </p:nvPicPr>
+          <p:blipFill rotWithShape="1">
+            <a:blip r:embed="rId9">
+              <a:alphaModFix/>
+            </a:blip>
+            <a:srcRect b="8138" l="0" r="0" t="0"/>
+            <a:stretch/>
+          </p:blipFill>
+          <p:spPr>
+            <a:xfrm>
+              <a:off x="0" y="4073253"/>
+              <a:ext cx="977025" cy="1070247"/>
+            </a:xfrm>
+            <a:prstGeom prst="rect">
+              <a:avLst/>
+            </a:prstGeom>
+            <a:noFill/>
+            <a:ln>
+              <a:noFill/>
+            </a:ln>
+          </p:spPr>
+        </p:pic>
+        <p:pic>
+          <p:nvPicPr>
+            <p:cNvPr id="223" name="Google Shape;223;p23"/>
+            <p:cNvPicPr preferRelativeResize="0"/>
+            <p:nvPr/>
+          </p:nvPicPr>
+          <p:blipFill rotWithShape="1">
+            <a:blip r:embed="rId10">
+              <a:alphaModFix/>
+            </a:blip>
+            <a:srcRect b="10650" l="0" r="0" t="0"/>
+            <a:stretch/>
+          </p:blipFill>
+          <p:spPr>
+            <a:xfrm>
+              <a:off x="1447800" y="4093067"/>
+              <a:ext cx="916625" cy="1050433"/>
+            </a:xfrm>
+            <a:prstGeom prst="rect">
+              <a:avLst/>
+            </a:prstGeom>
+            <a:noFill/>
+            <a:ln>
+              <a:noFill/>
+            </a:ln>
+          </p:spPr>
+        </p:pic>
+        <p:pic>
+          <p:nvPicPr>
+            <p:cNvPr id="224" name="Google Shape;224;p23"/>
+            <p:cNvPicPr preferRelativeResize="0"/>
+            <p:nvPr/>
+          </p:nvPicPr>
+          <p:blipFill rotWithShape="1">
+            <a:blip r:embed="rId11">
+              <a:alphaModFix/>
+            </a:blip>
+            <a:srcRect b="7510" l="0" r="0" t="0"/>
+            <a:stretch/>
+          </p:blipFill>
+          <p:spPr>
+            <a:xfrm>
+              <a:off x="2895600" y="4073250"/>
+              <a:ext cx="876183" cy="1070250"/>
+            </a:xfrm>
+            <a:prstGeom prst="rect">
+              <a:avLst/>
+            </a:prstGeom>
+            <a:noFill/>
+            <a:ln>
+              <a:noFill/>
+            </a:ln>
+          </p:spPr>
+        </p:pic>
+        <p:pic>
+          <p:nvPicPr>
+            <p:cNvPr id="225" name="Google Shape;225;p23"/>
+            <p:cNvPicPr preferRelativeResize="0"/>
+            <p:nvPr/>
+          </p:nvPicPr>
+          <p:blipFill rotWithShape="1">
+            <a:blip r:embed="rId12">
+              <a:alphaModFix/>
+            </a:blip>
+            <a:srcRect b="9600" l="0" r="0" t="0"/>
+            <a:stretch/>
+          </p:blipFill>
+          <p:spPr>
+            <a:xfrm>
+              <a:off x="4290500" y="4073250"/>
+              <a:ext cx="1310534" cy="1070250"/>
+            </a:xfrm>
+            <a:prstGeom prst="rect">
+              <a:avLst/>
+            </a:prstGeom>
+            <a:noFill/>
+            <a:ln>
+              <a:noFill/>
+            </a:ln>
+          </p:spPr>
+        </p:pic>
+        <p:pic>
+          <p:nvPicPr>
+            <p:cNvPr id="226" name="Google Shape;226;p23"/>
+            <p:cNvPicPr preferRelativeResize="0"/>
+            <p:nvPr/>
+          </p:nvPicPr>
+          <p:blipFill rotWithShape="1">
+            <a:blip r:embed="rId13">
+              <a:alphaModFix/>
+            </a:blip>
+            <a:srcRect b="9990" l="0" r="0" t="0"/>
+            <a:stretch/>
+          </p:blipFill>
+          <p:spPr>
+            <a:xfrm>
+              <a:off x="6012600" y="4073250"/>
+              <a:ext cx="1723450" cy="1070250"/>
+            </a:xfrm>
+            <a:prstGeom prst="rect">
+              <a:avLst/>
+            </a:prstGeom>
+            <a:noFill/>
+            <a:ln>
+              <a:noFill/>
+            </a:ln>
+          </p:spPr>
+        </p:pic>
+        <p:pic>
+          <p:nvPicPr>
+            <p:cNvPr id="227" name="Google Shape;227;p23"/>
+            <p:cNvPicPr preferRelativeResize="0"/>
+            <p:nvPr/>
+          </p:nvPicPr>
+          <p:blipFill rotWithShape="1">
+            <a:blip r:embed="rId14">
+              <a:alphaModFix/>
+            </a:blip>
+            <a:srcRect b="8575" l="0" r="0" t="0"/>
+            <a:stretch/>
+          </p:blipFill>
+          <p:spPr>
+            <a:xfrm>
+              <a:off x="8038450" y="3987208"/>
+              <a:ext cx="1126000" cy="1156292"/>
+            </a:xfrm>
+            <a:prstGeom prst="rect">
+              <a:avLst/>
+            </a:prstGeom>
+            <a:noFill/>
+            <a:ln>
+              <a:noFill/>
+            </a:ln>
+          </p:spPr>
+        </p:pic>
+      </p:grpSp>
+    </p:spTree>
+  </p:cSld>
+  <p:clrMapOvr>
+    <a:masterClrMapping/>
+  </p:clrMapOvr>
+</p:sld>
+</file>
+
+<file path=ppt/slides/slide12.xml><?xml version="1.0" encoding="utf-8"?>
+<p:sld xmlns:a="http://schemas.openxmlformats.org/drawingml/2006/main" xmlns:r="http://schemas.openxmlformats.org/officeDocument/2006/relationships" xmlns:mc="http://schemas.openxmlformats.org/markup-compatibility/2006" xmlns:mv="urn:schemas-microsoft-com:mac:vml" xmlns:p="http://schemas.openxmlformats.org/presentationml/2006/main" xmlns:c="http://schemas.openxmlformats.org/drawingml/2006/chart" xmlns:dgm="http://schemas.openxmlformats.org/drawingml/2006/diagram" xmlns:o="urn:schemas-microsoft-com:office:office" xmlns:v="urn:schemas-microsoft-com:vml" xmlns:pvml="urn:schemas-microsoft-com:office:powerpoint" xmlns:com="http://schemas.openxmlformats.org/drawingml/2006/compatibility" xmlns:p14="http://schemas.microsoft.com/office/powerpoint/2010/main" xmlns:p15="http://schemas.microsoft.com/office/powerpoint/2012/main" xmlns:ahyp="http://schemas.microsoft.com/office/drawing/2018/hyperlinkcolor">
+  <p:cSld>
+    <p:bg>
+      <p:bgPr>
+        <a:solidFill>
+          <a:srgbClr val="F4D58F"/>
+        </a:solidFill>
+      </p:bgPr>
+    </p:bg>
+    <p:spTree>
+      <p:nvGrpSpPr>
+        <p:cNvPr id="231" name="Shape 231"/>
+        <p:cNvGrpSpPr/>
+        <p:nvPr/>
+      </p:nvGrpSpPr>
+      <p:grpSpPr>
+        <a:xfrm>
+          <a:off x="0" y="0"/>
+          <a:ext cx="0" cy="0"/>
+          <a:chOff x="0" y="0"/>
+          <a:chExt cx="0" cy="0"/>
+        </a:xfrm>
+      </p:grpSpPr>
+      <p:sp>
+        <p:nvSpPr>
+          <p:cNvPr id="232" name="Google Shape;232;p24"/>
           <p:cNvSpPr txBox="1"/>
           <p:nvPr>
             <p:ph type="title"/>
@@ -8800,7 +10118,7 @@
       </p:sp>
       <p:sp>
         <p:nvSpPr>
-          <p:cNvPr id="221" name="Google Shape;221;p22"/>
+          <p:cNvPr id="233" name="Google Shape;233;p24"/>
           <p:cNvSpPr txBox="1"/>
           <p:nvPr>
             <p:ph idx="1" type="body"/>
@@ -9070,7 +10388,7 @@
       </p:sp>
       <p:grpSp>
         <p:nvGrpSpPr>
-          <p:cNvPr id="222" name="Google Shape;222;p22"/>
+          <p:cNvPr id="234" name="Google Shape;234;p24"/>
           <p:cNvGrpSpPr/>
           <p:nvPr/>
         </p:nvGrpSpPr>
@@ -9084,7 +10402,7 @@
         </p:grpSpPr>
         <p:pic>
           <p:nvPicPr>
-            <p:cNvPr id="223" name="Google Shape;223;p22"/>
+            <p:cNvPr id="235" name="Google Shape;235;p24"/>
             <p:cNvPicPr preferRelativeResize="0"/>
             <p:nvPr/>
           </p:nvPicPr>
@@ -9111,7 +10429,7 @@
         </p:pic>
         <p:pic>
           <p:nvPicPr>
-            <p:cNvPr id="224" name="Google Shape;224;p22"/>
+            <p:cNvPr id="236" name="Google Shape;236;p24"/>
             <p:cNvPicPr preferRelativeResize="0"/>
             <p:nvPr/>
           </p:nvPicPr>
@@ -9138,7 +10456,7 @@
         </p:pic>
         <p:pic>
           <p:nvPicPr>
-            <p:cNvPr id="225" name="Google Shape;225;p22"/>
+            <p:cNvPr id="237" name="Google Shape;237;p24"/>
             <p:cNvPicPr preferRelativeResize="0"/>
             <p:nvPr/>
           </p:nvPicPr>
@@ -9165,7 +10483,7 @@
         </p:pic>
         <p:pic>
           <p:nvPicPr>
-            <p:cNvPr id="226" name="Google Shape;226;p22"/>
+            <p:cNvPr id="238" name="Google Shape;238;p24"/>
             <p:cNvPicPr preferRelativeResize="0"/>
             <p:nvPr/>
           </p:nvPicPr>
@@ -9192,7 +10510,7 @@
         </p:pic>
         <p:pic>
           <p:nvPicPr>
-            <p:cNvPr id="227" name="Google Shape;227;p22"/>
+            <p:cNvPr id="239" name="Google Shape;239;p24"/>
             <p:cNvPicPr preferRelativeResize="0"/>
             <p:nvPr/>
           </p:nvPicPr>
@@ -9219,7 +10537,7 @@
         </p:pic>
         <p:pic>
           <p:nvPicPr>
-            <p:cNvPr id="228" name="Google Shape;228;p22"/>
+            <p:cNvPr id="240" name="Google Shape;240;p24"/>
             <p:cNvPicPr preferRelativeResize="0"/>
             <p:nvPr/>
           </p:nvPicPr>
@@ -9247,7 +10565,7 @@
       </p:grpSp>
       <p:grpSp>
         <p:nvGrpSpPr>
-          <p:cNvPr id="229" name="Google Shape;229;p22"/>
+          <p:cNvPr id="241" name="Google Shape;241;p24"/>
           <p:cNvGrpSpPr/>
           <p:nvPr/>
         </p:nvGrpSpPr>
@@ -9261,7 +10579,7 @@
         </p:grpSpPr>
         <p:pic>
           <p:nvPicPr>
-            <p:cNvPr id="230" name="Google Shape;230;p22"/>
+            <p:cNvPr id="242" name="Google Shape;242;p24"/>
             <p:cNvPicPr preferRelativeResize="0"/>
             <p:nvPr/>
           </p:nvPicPr>
@@ -9288,7 +10606,7 @@
         </p:pic>
         <p:pic>
           <p:nvPicPr>
-            <p:cNvPr id="231" name="Google Shape;231;p22"/>
+            <p:cNvPr id="243" name="Google Shape;243;p24"/>
             <p:cNvPicPr preferRelativeResize="0"/>
             <p:nvPr/>
           </p:nvPicPr>
@@ -9315,7 +10633,7 @@
         </p:pic>
         <p:pic>
           <p:nvPicPr>
-            <p:cNvPr id="232" name="Google Shape;232;p22"/>
+            <p:cNvPr id="244" name="Google Shape;244;p24"/>
             <p:cNvPicPr preferRelativeResize="0"/>
             <p:nvPr/>
           </p:nvPicPr>
@@ -9342,7 +10660,7 @@
         </p:pic>
         <p:pic>
           <p:nvPicPr>
-            <p:cNvPr id="233" name="Google Shape;233;p22"/>
+            <p:cNvPr id="245" name="Google Shape;245;p24"/>
             <p:cNvPicPr preferRelativeResize="0"/>
             <p:nvPr/>
           </p:nvPicPr>
@@ -9369,7 +10687,7 @@
         </p:pic>
         <p:pic>
           <p:nvPicPr>
-            <p:cNvPr id="234" name="Google Shape;234;p22"/>
+            <p:cNvPr id="246" name="Google Shape;246;p24"/>
             <p:cNvPicPr preferRelativeResize="0"/>
             <p:nvPr/>
           </p:nvPicPr>
@@ -9396,7 +10714,7 @@
         </p:pic>
         <p:pic>
           <p:nvPicPr>
-            <p:cNvPr id="235" name="Google Shape;235;p22"/>
+            <p:cNvPr id="247" name="Google Shape;247;p24"/>
             <p:cNvPicPr preferRelativeResize="0"/>
             <p:nvPr/>
           </p:nvPicPr>
@@ -9422,238 +10740,6 @@
           </p:spPr>
         </p:pic>
       </p:grpSp>
-    </p:spTree>
-  </p:cSld>
-  <p:clrMapOvr>
-    <a:masterClrMapping/>
-  </p:clrMapOvr>
-</p:sld>
-</file>
-
-<file path=ppt/slides/slide11.xml><?xml version="1.0" encoding="utf-8"?>
-<p:sld xmlns:a="http://schemas.openxmlformats.org/drawingml/2006/main" xmlns:r="http://schemas.openxmlformats.org/officeDocument/2006/relationships" xmlns:mc="http://schemas.openxmlformats.org/markup-compatibility/2006" xmlns:mv="urn:schemas-microsoft-com:mac:vml" xmlns:p="http://schemas.openxmlformats.org/presentationml/2006/main" xmlns:c="http://schemas.openxmlformats.org/drawingml/2006/chart" xmlns:dgm="http://schemas.openxmlformats.org/drawingml/2006/diagram" xmlns:o="urn:schemas-microsoft-com:office:office" xmlns:v="urn:schemas-microsoft-com:vml" xmlns:pvml="urn:schemas-microsoft-com:office:powerpoint" xmlns:com="http://schemas.openxmlformats.org/drawingml/2006/compatibility" xmlns:p14="http://schemas.microsoft.com/office/powerpoint/2010/main" xmlns:p15="http://schemas.microsoft.com/office/powerpoint/2012/main" xmlns:ahyp="http://schemas.microsoft.com/office/drawing/2018/hyperlinkcolor">
-  <p:cSld>
-    <p:bg>
-      <p:bgPr>
-        <a:solidFill>
-          <a:srgbClr val="A7A4D1"/>
-        </a:solidFill>
-      </p:bgPr>
-    </p:bg>
-    <p:spTree>
-      <p:nvGrpSpPr>
-        <p:cNvPr id="239" name="Shape 239"/>
-        <p:cNvGrpSpPr/>
-        <p:nvPr/>
-      </p:nvGrpSpPr>
-      <p:grpSpPr>
-        <a:xfrm>
-          <a:off x="0" y="0"/>
-          <a:ext cx="0" cy="0"/>
-          <a:chOff x="0" y="0"/>
-          <a:chExt cx="0" cy="0"/>
-        </a:xfrm>
-      </p:grpSpPr>
-      <p:sp>
-        <p:nvSpPr>
-          <p:cNvPr id="240" name="Google Shape;240;p23"/>
-          <p:cNvSpPr txBox="1"/>
-          <p:nvPr>
-            <p:ph type="title"/>
-          </p:nvPr>
-        </p:nvSpPr>
-        <p:spPr>
-          <a:xfrm>
-            <a:off x="311700" y="445025"/>
-            <a:ext cx="8520600" cy="572700"/>
-          </a:xfrm>
-          <a:prstGeom prst="rect">
-            <a:avLst/>
-          </a:prstGeom>
-        </p:spPr>
-        <p:txBody>
-          <a:bodyPr anchorCtr="0" anchor="t" bIns="91425" lIns="91425" spcFirstLastPara="1" rIns="91425" wrap="square" tIns="91425">
-            <a:normAutofit fontScale="90000"/>
-          </a:bodyPr>
-          <a:lstStyle/>
-          <a:p>
-            <a:pPr indent="0" lvl="0" marL="0" rtl="0" algn="l">
-              <a:spcBef>
-                <a:spcPts val="0"/>
-              </a:spcBef>
-              <a:spcAft>
-                <a:spcPts val="0"/>
-              </a:spcAft>
-              <a:buNone/>
-            </a:pPr>
-            <a:r>
-              <a:rPr b="1" lang="en">
-                <a:solidFill>
-                  <a:schemeClr val="lt1"/>
-                </a:solidFill>
-                <a:latin typeface="Times New Roman"/>
-                <a:ea typeface="Times New Roman"/>
-                <a:cs typeface="Times New Roman"/>
-                <a:sym typeface="Times New Roman"/>
-              </a:rPr>
-              <a:t>Analysis Phase - Wikipedia Data</a:t>
-            </a:r>
-            <a:endParaRPr b="1">
-              <a:solidFill>
-                <a:schemeClr val="lt1"/>
-              </a:solidFill>
-              <a:latin typeface="Times New Roman"/>
-              <a:ea typeface="Times New Roman"/>
-              <a:cs typeface="Times New Roman"/>
-              <a:sym typeface="Times New Roman"/>
-            </a:endParaRPr>
-          </a:p>
-        </p:txBody>
-      </p:sp>
-      <p:pic>
-        <p:nvPicPr>
-          <p:cNvPr id="241" name="Google Shape;241;p23"/>
-          <p:cNvPicPr preferRelativeResize="0"/>
-          <p:nvPr/>
-        </p:nvPicPr>
-        <p:blipFill>
-          <a:blip r:embed="rId3">
-            <a:alphaModFix/>
-          </a:blip>
-          <a:stretch>
-            <a:fillRect/>
-          </a:stretch>
-        </p:blipFill>
-        <p:spPr>
-          <a:xfrm>
-            <a:off x="152400" y="1068450"/>
-            <a:ext cx="8839200" cy="3950799"/>
-          </a:xfrm>
-          <a:prstGeom prst="rect">
-            <a:avLst/>
-          </a:prstGeom>
-          <a:noFill/>
-          <a:ln>
-            <a:noFill/>
-          </a:ln>
-        </p:spPr>
-      </p:pic>
-    </p:spTree>
-  </p:cSld>
-  <p:clrMapOvr>
-    <a:masterClrMapping/>
-  </p:clrMapOvr>
-</p:sld>
-</file>
-
-<file path=ppt/slides/slide12.xml><?xml version="1.0" encoding="utf-8"?>
-<p:sld xmlns:a="http://schemas.openxmlformats.org/drawingml/2006/main" xmlns:r="http://schemas.openxmlformats.org/officeDocument/2006/relationships" xmlns:mc="http://schemas.openxmlformats.org/markup-compatibility/2006" xmlns:mv="urn:schemas-microsoft-com:mac:vml" xmlns:p="http://schemas.openxmlformats.org/presentationml/2006/main" xmlns:c="http://schemas.openxmlformats.org/drawingml/2006/chart" xmlns:dgm="http://schemas.openxmlformats.org/drawingml/2006/diagram" xmlns:o="urn:schemas-microsoft-com:office:office" xmlns:v="urn:schemas-microsoft-com:vml" xmlns:pvml="urn:schemas-microsoft-com:office:powerpoint" xmlns:com="http://schemas.openxmlformats.org/drawingml/2006/compatibility" xmlns:p14="http://schemas.microsoft.com/office/powerpoint/2010/main" xmlns:p15="http://schemas.microsoft.com/office/powerpoint/2012/main" xmlns:ahyp="http://schemas.microsoft.com/office/drawing/2018/hyperlinkcolor">
-  <p:cSld>
-    <p:bg>
-      <p:bgPr>
-        <a:solidFill>
-          <a:srgbClr val="F4D58F"/>
-        </a:solidFill>
-      </p:bgPr>
-    </p:bg>
-    <p:spTree>
-      <p:nvGrpSpPr>
-        <p:cNvPr id="245" name="Shape 245"/>
-        <p:cNvGrpSpPr/>
-        <p:nvPr/>
-      </p:nvGrpSpPr>
-      <p:grpSpPr>
-        <a:xfrm>
-          <a:off x="0" y="0"/>
-          <a:ext cx="0" cy="0"/>
-          <a:chOff x="0" y="0"/>
-          <a:chExt cx="0" cy="0"/>
-        </a:xfrm>
-      </p:grpSpPr>
-      <p:sp>
-        <p:nvSpPr>
-          <p:cNvPr id="246" name="Google Shape;246;p24"/>
-          <p:cNvSpPr txBox="1"/>
-          <p:nvPr>
-            <p:ph type="title"/>
-          </p:nvPr>
-        </p:nvSpPr>
-        <p:spPr>
-          <a:xfrm>
-            <a:off x="311700" y="445025"/>
-            <a:ext cx="8520600" cy="572700"/>
-          </a:xfrm>
-          <a:prstGeom prst="rect">
-            <a:avLst/>
-          </a:prstGeom>
-        </p:spPr>
-        <p:txBody>
-          <a:bodyPr anchorCtr="0" anchor="t" bIns="91425" lIns="91425" spcFirstLastPara="1" rIns="91425" wrap="square" tIns="91425">
-            <a:normAutofit fontScale="90000"/>
-          </a:bodyPr>
-          <a:lstStyle/>
-          <a:p>
-            <a:pPr indent="0" lvl="0" marL="0" rtl="0" algn="l">
-              <a:spcBef>
-                <a:spcPts val="0"/>
-              </a:spcBef>
-              <a:spcAft>
-                <a:spcPts val="0"/>
-              </a:spcAft>
-              <a:buNone/>
-            </a:pPr>
-            <a:r>
-              <a:rPr b="1" lang="en">
-                <a:solidFill>
-                  <a:schemeClr val="lt1"/>
-                </a:solidFill>
-                <a:latin typeface="Times New Roman"/>
-                <a:ea typeface="Times New Roman"/>
-                <a:cs typeface="Times New Roman"/>
-                <a:sym typeface="Times New Roman"/>
-              </a:rPr>
-              <a:t>Analysis Phase - Wikipedia Data</a:t>
-            </a:r>
-            <a:endParaRPr b="1">
-              <a:solidFill>
-                <a:schemeClr val="lt1"/>
-              </a:solidFill>
-              <a:latin typeface="Times New Roman"/>
-              <a:ea typeface="Times New Roman"/>
-              <a:cs typeface="Times New Roman"/>
-              <a:sym typeface="Times New Roman"/>
-            </a:endParaRPr>
-          </a:p>
-        </p:txBody>
-      </p:sp>
-      <p:pic>
-        <p:nvPicPr>
-          <p:cNvPr id="247" name="Google Shape;247;p24"/>
-          <p:cNvPicPr preferRelativeResize="0"/>
-          <p:nvPr/>
-        </p:nvPicPr>
-        <p:blipFill>
-          <a:blip r:embed="rId3">
-            <a:alphaModFix/>
-          </a:blip>
-          <a:stretch>
-            <a:fillRect/>
-          </a:stretch>
-        </p:blipFill>
-        <p:spPr>
-          <a:xfrm>
-            <a:off x="152400" y="1170125"/>
-            <a:ext cx="8839200" cy="3861550"/>
-          </a:xfrm>
-          <a:prstGeom prst="rect">
-            <a:avLst/>
-          </a:prstGeom>
-          <a:noFill/>
-          <a:ln>
-            <a:noFill/>
-          </a:ln>
-        </p:spPr>
-      </p:pic>
     </p:spTree>
   </p:cSld>
   <p:clrMapOvr>
@@ -9758,8 +10844,8 @@
         </p:blipFill>
         <p:spPr>
           <a:xfrm>
-            <a:off x="152400" y="1170125"/>
-            <a:ext cx="8839200" cy="3787026"/>
+            <a:off x="152400" y="1068450"/>
+            <a:ext cx="8839200" cy="3950799"/>
           </a:xfrm>
           <a:prstGeom prst="rect">
             <a:avLst/>
@@ -9875,7 +10961,7 @@
         <p:spPr>
           <a:xfrm>
             <a:off x="152400" y="1170125"/>
-            <a:ext cx="8904626" cy="3787026"/>
+            <a:ext cx="8839200" cy="3861550"/>
           </a:xfrm>
           <a:prstGeom prst="rect">
             <a:avLst/>
@@ -9960,7 +11046,7 @@
                 <a:cs typeface="Times New Roman"/>
                 <a:sym typeface="Times New Roman"/>
               </a:rPr>
-              <a:t>Analysis Phase - KC Crime vs. Full Moon Data</a:t>
+              <a:t>Analysis Phase - Wikipedia Data</a:t>
             </a:r>
             <a:endParaRPr b="1">
               <a:solidFill>
@@ -9991,7 +11077,7 @@
         <p:spPr>
           <a:xfrm>
             <a:off x="152400" y="1170125"/>
-            <a:ext cx="8839200" cy="3873975"/>
+            <a:ext cx="8839200" cy="3787026"/>
           </a:xfrm>
           <a:prstGeom prst="rect">
             <a:avLst/>
@@ -10076,7 +11162,7 @@
                 <a:cs typeface="Times New Roman"/>
                 <a:sym typeface="Times New Roman"/>
               </a:rPr>
-              <a:t>Analysis Phase - KC Crime vs. Full Moon Data</a:t>
+              <a:t>Analysis Phase - Wikipedia Data</a:t>
             </a:r>
             <a:endParaRPr b="1">
               <a:solidFill>
@@ -10106,8 +11192,8 @@
         </p:blipFill>
         <p:spPr>
           <a:xfrm>
-            <a:off x="152400" y="1017725"/>
-            <a:ext cx="8839200" cy="3976699"/>
+            <a:off x="152400" y="1170125"/>
+            <a:ext cx="8904626" cy="3787026"/>
           </a:xfrm>
           <a:prstGeom prst="rect">
             <a:avLst/>
@@ -10223,7 +11309,7 @@
         <p:spPr>
           <a:xfrm>
             <a:off x="152400" y="1170125"/>
-            <a:ext cx="8839200" cy="3811875"/>
+            <a:ext cx="8839200" cy="3873975"/>
           </a:xfrm>
           <a:prstGeom prst="rect">
             <a:avLst/>
@@ -10338,8 +11424,8 @@
         </p:blipFill>
         <p:spPr>
           <a:xfrm>
-            <a:off x="152400" y="1170125"/>
-            <a:ext cx="8839200" cy="3849126"/>
+            <a:off x="152400" y="1017725"/>
+            <a:ext cx="8839200" cy="3976699"/>
           </a:xfrm>
           <a:prstGeom prst="rect">
             <a:avLst/>
@@ -10455,7 +11541,7 @@
         <p:spPr>
           <a:xfrm>
             <a:off x="152400" y="1170125"/>
-            <a:ext cx="8941898" cy="3774600"/>
+            <a:ext cx="8839200" cy="3811875"/>
           </a:xfrm>
           <a:prstGeom prst="rect">
             <a:avLst/>
@@ -11077,6 +12163,238 @@
         </p:nvSpPr>
         <p:spPr>
           <a:xfrm>
+            <a:off x="311700" y="445025"/>
+            <a:ext cx="8520600" cy="572700"/>
+          </a:xfrm>
+          <a:prstGeom prst="rect">
+            <a:avLst/>
+          </a:prstGeom>
+        </p:spPr>
+        <p:txBody>
+          <a:bodyPr anchorCtr="0" anchor="t" bIns="91425" lIns="91425" spcFirstLastPara="1" rIns="91425" wrap="square" tIns="91425">
+            <a:normAutofit fontScale="90000"/>
+          </a:bodyPr>
+          <a:lstStyle/>
+          <a:p>
+            <a:pPr indent="0" lvl="0" marL="0" rtl="0" algn="l">
+              <a:spcBef>
+                <a:spcPts val="0"/>
+              </a:spcBef>
+              <a:spcAft>
+                <a:spcPts val="0"/>
+              </a:spcAft>
+              <a:buNone/>
+            </a:pPr>
+            <a:r>
+              <a:rPr b="1" lang="en">
+                <a:solidFill>
+                  <a:schemeClr val="lt1"/>
+                </a:solidFill>
+                <a:latin typeface="Times New Roman"/>
+                <a:ea typeface="Times New Roman"/>
+                <a:cs typeface="Times New Roman"/>
+                <a:sym typeface="Times New Roman"/>
+              </a:rPr>
+              <a:t>Analysis Phase - KC Crime vs. Full Moon Data</a:t>
+            </a:r>
+            <a:endParaRPr b="1">
+              <a:solidFill>
+                <a:schemeClr val="lt1"/>
+              </a:solidFill>
+              <a:latin typeface="Times New Roman"/>
+              <a:ea typeface="Times New Roman"/>
+              <a:cs typeface="Times New Roman"/>
+              <a:sym typeface="Times New Roman"/>
+            </a:endParaRPr>
+          </a:p>
+        </p:txBody>
+      </p:sp>
+      <p:pic>
+        <p:nvPicPr>
+          <p:cNvPr id="295" name="Google Shape;295;p32"/>
+          <p:cNvPicPr preferRelativeResize="0"/>
+          <p:nvPr/>
+        </p:nvPicPr>
+        <p:blipFill>
+          <a:blip r:embed="rId3">
+            <a:alphaModFix/>
+          </a:blip>
+          <a:stretch>
+            <a:fillRect/>
+          </a:stretch>
+        </p:blipFill>
+        <p:spPr>
+          <a:xfrm>
+            <a:off x="152400" y="1170125"/>
+            <a:ext cx="8839200" cy="3849126"/>
+          </a:xfrm>
+          <a:prstGeom prst="rect">
+            <a:avLst/>
+          </a:prstGeom>
+          <a:noFill/>
+          <a:ln>
+            <a:noFill/>
+          </a:ln>
+        </p:spPr>
+      </p:pic>
+    </p:spTree>
+  </p:cSld>
+  <p:clrMapOvr>
+    <a:masterClrMapping/>
+  </p:clrMapOvr>
+</p:sld>
+</file>
+
+<file path=ppt/slides/slide21.xml><?xml version="1.0" encoding="utf-8"?>
+<p:sld xmlns:a="http://schemas.openxmlformats.org/drawingml/2006/main" xmlns:r="http://schemas.openxmlformats.org/officeDocument/2006/relationships" xmlns:mc="http://schemas.openxmlformats.org/markup-compatibility/2006" xmlns:mv="urn:schemas-microsoft-com:mac:vml" xmlns:p="http://schemas.openxmlformats.org/presentationml/2006/main" xmlns:c="http://schemas.openxmlformats.org/drawingml/2006/chart" xmlns:dgm="http://schemas.openxmlformats.org/drawingml/2006/diagram" xmlns:o="urn:schemas-microsoft-com:office:office" xmlns:v="urn:schemas-microsoft-com:vml" xmlns:pvml="urn:schemas-microsoft-com:office:powerpoint" xmlns:com="http://schemas.openxmlformats.org/drawingml/2006/compatibility" xmlns:p14="http://schemas.microsoft.com/office/powerpoint/2010/main" xmlns:p15="http://schemas.microsoft.com/office/powerpoint/2012/main" xmlns:ahyp="http://schemas.microsoft.com/office/drawing/2018/hyperlinkcolor">
+  <p:cSld>
+    <p:bg>
+      <p:bgPr>
+        <a:solidFill>
+          <a:srgbClr val="F4D58F"/>
+        </a:solidFill>
+      </p:bgPr>
+    </p:bg>
+    <p:spTree>
+      <p:nvGrpSpPr>
+        <p:cNvPr id="299" name="Shape 299"/>
+        <p:cNvGrpSpPr/>
+        <p:nvPr/>
+      </p:nvGrpSpPr>
+      <p:grpSpPr>
+        <a:xfrm>
+          <a:off x="0" y="0"/>
+          <a:ext cx="0" cy="0"/>
+          <a:chOff x="0" y="0"/>
+          <a:chExt cx="0" cy="0"/>
+        </a:xfrm>
+      </p:grpSpPr>
+      <p:sp>
+        <p:nvSpPr>
+          <p:cNvPr id="300" name="Google Shape;300;p33"/>
+          <p:cNvSpPr txBox="1"/>
+          <p:nvPr>
+            <p:ph type="title"/>
+          </p:nvPr>
+        </p:nvSpPr>
+        <p:spPr>
+          <a:xfrm>
+            <a:off x="311700" y="445025"/>
+            <a:ext cx="8520600" cy="572700"/>
+          </a:xfrm>
+          <a:prstGeom prst="rect">
+            <a:avLst/>
+          </a:prstGeom>
+        </p:spPr>
+        <p:txBody>
+          <a:bodyPr anchorCtr="0" anchor="t" bIns="91425" lIns="91425" spcFirstLastPara="1" rIns="91425" wrap="square" tIns="91425">
+            <a:normAutofit fontScale="90000"/>
+          </a:bodyPr>
+          <a:lstStyle/>
+          <a:p>
+            <a:pPr indent="0" lvl="0" marL="0" rtl="0" algn="l">
+              <a:spcBef>
+                <a:spcPts val="0"/>
+              </a:spcBef>
+              <a:spcAft>
+                <a:spcPts val="0"/>
+              </a:spcAft>
+              <a:buNone/>
+            </a:pPr>
+            <a:r>
+              <a:rPr b="1" lang="en">
+                <a:solidFill>
+                  <a:schemeClr val="lt1"/>
+                </a:solidFill>
+                <a:latin typeface="Times New Roman"/>
+                <a:ea typeface="Times New Roman"/>
+                <a:cs typeface="Times New Roman"/>
+                <a:sym typeface="Times New Roman"/>
+              </a:rPr>
+              <a:t>Analysis Phase - KC Crime vs. Full Moon Data</a:t>
+            </a:r>
+            <a:endParaRPr b="1">
+              <a:solidFill>
+                <a:schemeClr val="lt1"/>
+              </a:solidFill>
+              <a:latin typeface="Times New Roman"/>
+              <a:ea typeface="Times New Roman"/>
+              <a:cs typeface="Times New Roman"/>
+              <a:sym typeface="Times New Roman"/>
+            </a:endParaRPr>
+          </a:p>
+        </p:txBody>
+      </p:sp>
+      <p:pic>
+        <p:nvPicPr>
+          <p:cNvPr id="301" name="Google Shape;301;p33"/>
+          <p:cNvPicPr preferRelativeResize="0"/>
+          <p:nvPr/>
+        </p:nvPicPr>
+        <p:blipFill>
+          <a:blip r:embed="rId3">
+            <a:alphaModFix/>
+          </a:blip>
+          <a:stretch>
+            <a:fillRect/>
+          </a:stretch>
+        </p:blipFill>
+        <p:spPr>
+          <a:xfrm>
+            <a:off x="152400" y="1170125"/>
+            <a:ext cx="8941898" cy="3774600"/>
+          </a:xfrm>
+          <a:prstGeom prst="rect">
+            <a:avLst/>
+          </a:prstGeom>
+          <a:noFill/>
+          <a:ln>
+            <a:noFill/>
+          </a:ln>
+        </p:spPr>
+      </p:pic>
+    </p:spTree>
+  </p:cSld>
+  <p:clrMapOvr>
+    <a:masterClrMapping/>
+  </p:clrMapOvr>
+</p:sld>
+</file>
+
+<file path=ppt/slides/slide22.xml><?xml version="1.0" encoding="utf-8"?>
+<p:sld xmlns:a="http://schemas.openxmlformats.org/drawingml/2006/main" xmlns:r="http://schemas.openxmlformats.org/officeDocument/2006/relationships" xmlns:mc="http://schemas.openxmlformats.org/markup-compatibility/2006" xmlns:mv="urn:schemas-microsoft-com:mac:vml" xmlns:p="http://schemas.openxmlformats.org/presentationml/2006/main" xmlns:c="http://schemas.openxmlformats.org/drawingml/2006/chart" xmlns:dgm="http://schemas.openxmlformats.org/drawingml/2006/diagram" xmlns:o="urn:schemas-microsoft-com:office:office" xmlns:v="urn:schemas-microsoft-com:vml" xmlns:pvml="urn:schemas-microsoft-com:office:powerpoint" xmlns:com="http://schemas.openxmlformats.org/drawingml/2006/compatibility" xmlns:p14="http://schemas.microsoft.com/office/powerpoint/2010/main" xmlns:p15="http://schemas.microsoft.com/office/powerpoint/2012/main" xmlns:ahyp="http://schemas.microsoft.com/office/drawing/2018/hyperlinkcolor">
+  <p:cSld>
+    <p:bg>
+      <p:bgPr>
+        <a:solidFill>
+          <a:srgbClr val="75CEDE"/>
+        </a:solidFill>
+      </p:bgPr>
+    </p:bg>
+    <p:spTree>
+      <p:nvGrpSpPr>
+        <p:cNvPr id="305" name="Shape 305"/>
+        <p:cNvGrpSpPr/>
+        <p:nvPr/>
+      </p:nvGrpSpPr>
+      <p:grpSpPr>
+        <a:xfrm>
+          <a:off x="0" y="0"/>
+          <a:ext cx="0" cy="0"/>
+          <a:chOff x="0" y="0"/>
+          <a:chExt cx="0" cy="0"/>
+        </a:xfrm>
+      </p:grpSpPr>
+      <p:sp>
+        <p:nvSpPr>
+          <p:cNvPr id="306" name="Google Shape;306;p34"/>
+          <p:cNvSpPr txBox="1"/>
+          <p:nvPr>
+            <p:ph type="title"/>
+          </p:nvPr>
+        </p:nvSpPr>
+        <p:spPr>
+          <a:xfrm>
             <a:off x="311700" y="2150850"/>
             <a:ext cx="8520600" cy="841800"/>
           </a:xfrm>
@@ -11134,17 +12452,26 @@
             <a:r>
               <a:rPr lang="en" u="sng">
                 <a:solidFill>
-                  <a:schemeClr val="hlink"/>
+                  <a:srgbClr val="F4D58F"/>
                 </a:solidFill>
                 <a:latin typeface="Times New Roman"/>
                 <a:ea typeface="Times New Roman"/>
                 <a:cs typeface="Times New Roman"/>
                 <a:sym typeface="Times New Roman"/>
-                <a:hlinkClick r:id="rId3"/>
+                <a:hlinkClick r:id="rId3">
+                  <a:extLst>
+                    <a:ext uri="{A12FA001-AC4F-418D-AE19-62706E023703}">
+                      <ahyp:hlinkClr val="tx"/>
+                    </a:ext>
+                  </a:extLst>
+                </a:hlinkClick>
               </a:rPr>
               <a:t>Tableau Link Here</a:t>
             </a:r>
             <a:endParaRPr>
+              <a:solidFill>
+                <a:srgbClr val="F4D58F"/>
+              </a:solidFill>
               <a:latin typeface="Times New Roman"/>
               <a:ea typeface="Times New Roman"/>
               <a:cs typeface="Times New Roman"/>
@@ -11161,19 +12488,19 @@
 </p:sld>
 </file>
 
-<file path=ppt/slides/slide21.xml><?xml version="1.0" encoding="utf-8"?>
+<file path=ppt/slides/slide23.xml><?xml version="1.0" encoding="utf-8"?>
 <p:sld xmlns:a="http://schemas.openxmlformats.org/drawingml/2006/main" xmlns:r="http://schemas.openxmlformats.org/officeDocument/2006/relationships" xmlns:mc="http://schemas.openxmlformats.org/markup-compatibility/2006" xmlns:mv="urn:schemas-microsoft-com:mac:vml" xmlns:p="http://schemas.openxmlformats.org/presentationml/2006/main" xmlns:c="http://schemas.openxmlformats.org/drawingml/2006/chart" xmlns:dgm="http://schemas.openxmlformats.org/drawingml/2006/diagram" xmlns:o="urn:schemas-microsoft-com:office:office" xmlns:v="urn:schemas-microsoft-com:vml" xmlns:pvml="urn:schemas-microsoft-com:office:powerpoint" xmlns:com="http://schemas.openxmlformats.org/drawingml/2006/compatibility" xmlns:p14="http://schemas.microsoft.com/office/powerpoint/2010/main" xmlns:p15="http://schemas.microsoft.com/office/powerpoint/2012/main" xmlns:ahyp="http://schemas.microsoft.com/office/drawing/2018/hyperlinkcolor">
   <p:cSld>
     <p:bg>
       <p:bgPr>
         <a:solidFill>
-          <a:srgbClr val="F4D58F"/>
+          <a:srgbClr val="A7A4D1"/>
         </a:solidFill>
       </p:bgPr>
     </p:bg>
     <p:spTree>
       <p:nvGrpSpPr>
-        <p:cNvPr id="298" name="Shape 298"/>
+        <p:cNvPr id="310" name="Shape 310"/>
         <p:cNvGrpSpPr/>
         <p:nvPr/>
       </p:nvGrpSpPr>
@@ -11187,7 +12514,7 @@
       </p:grpSpPr>
       <p:sp>
         <p:nvSpPr>
-          <p:cNvPr id="299" name="Google Shape;299;p33"/>
+          <p:cNvPr id="311" name="Google Shape;311;p35"/>
           <p:cNvSpPr txBox="1"/>
           <p:nvPr>
             <p:ph type="title"/>
@@ -11243,7 +12570,7 @@
       </p:sp>
       <p:sp>
         <p:nvSpPr>
-          <p:cNvPr id="300" name="Google Shape;300;p33"/>
+          <p:cNvPr id="312" name="Google Shape;312;p35"/>
           <p:cNvSpPr txBox="1"/>
           <p:nvPr>
             <p:ph idx="1" type="body"/>
@@ -11549,7 +12876,7 @@
       </p:sp>
       <p:grpSp>
         <p:nvGrpSpPr>
-          <p:cNvPr id="301" name="Google Shape;301;p33"/>
+          <p:cNvPr id="313" name="Google Shape;313;p35"/>
           <p:cNvGrpSpPr/>
           <p:nvPr/>
         </p:nvGrpSpPr>
@@ -11563,7 +12890,7 @@
         </p:grpSpPr>
         <p:pic>
           <p:nvPicPr>
-            <p:cNvPr id="302" name="Google Shape;302;p33"/>
+            <p:cNvPr id="314" name="Google Shape;314;p35"/>
             <p:cNvPicPr preferRelativeResize="0"/>
             <p:nvPr/>
           </p:nvPicPr>
@@ -11590,7 +12917,7 @@
         </p:pic>
         <p:pic>
           <p:nvPicPr>
-            <p:cNvPr id="303" name="Google Shape;303;p33"/>
+            <p:cNvPr id="315" name="Google Shape;315;p35"/>
             <p:cNvPicPr preferRelativeResize="0"/>
             <p:nvPr/>
           </p:nvPicPr>
@@ -11617,7 +12944,7 @@
         </p:pic>
         <p:pic>
           <p:nvPicPr>
-            <p:cNvPr id="304" name="Google Shape;304;p33"/>
+            <p:cNvPr id="316" name="Google Shape;316;p35"/>
             <p:cNvPicPr preferRelativeResize="0"/>
             <p:nvPr/>
           </p:nvPicPr>
@@ -11644,7 +12971,7 @@
         </p:pic>
         <p:pic>
           <p:nvPicPr>
-            <p:cNvPr id="305" name="Google Shape;305;p33"/>
+            <p:cNvPr id="317" name="Google Shape;317;p35"/>
             <p:cNvPicPr preferRelativeResize="0"/>
             <p:nvPr/>
           </p:nvPicPr>
@@ -11671,7 +12998,7 @@
         </p:pic>
         <p:pic>
           <p:nvPicPr>
-            <p:cNvPr id="306" name="Google Shape;306;p33"/>
+            <p:cNvPr id="318" name="Google Shape;318;p35"/>
             <p:cNvPicPr preferRelativeResize="0"/>
             <p:nvPr/>
           </p:nvPicPr>
@@ -11698,7 +13025,7 @@
         </p:pic>
         <p:pic>
           <p:nvPicPr>
-            <p:cNvPr id="307" name="Google Shape;307;p33"/>
+            <p:cNvPr id="319" name="Google Shape;319;p35"/>
             <p:cNvPicPr preferRelativeResize="0"/>
             <p:nvPr/>
           </p:nvPicPr>
@@ -11726,7 +13053,7 @@
       </p:grpSp>
       <p:grpSp>
         <p:nvGrpSpPr>
-          <p:cNvPr id="308" name="Google Shape;308;p33"/>
+          <p:cNvPr id="320" name="Google Shape;320;p35"/>
           <p:cNvGrpSpPr/>
           <p:nvPr/>
         </p:nvGrpSpPr>
@@ -11740,7 +13067,7 @@
         </p:grpSpPr>
         <p:pic>
           <p:nvPicPr>
-            <p:cNvPr id="309" name="Google Shape;309;p33"/>
+            <p:cNvPr id="321" name="Google Shape;321;p35"/>
             <p:cNvPicPr preferRelativeResize="0"/>
             <p:nvPr/>
           </p:nvPicPr>
@@ -11767,7 +13094,7 @@
         </p:pic>
         <p:pic>
           <p:nvPicPr>
-            <p:cNvPr id="310" name="Google Shape;310;p33"/>
+            <p:cNvPr id="322" name="Google Shape;322;p35"/>
             <p:cNvPicPr preferRelativeResize="0"/>
             <p:nvPr/>
           </p:nvPicPr>
@@ -11794,7 +13121,7 @@
         </p:pic>
         <p:pic>
           <p:nvPicPr>
-            <p:cNvPr id="311" name="Google Shape;311;p33"/>
+            <p:cNvPr id="323" name="Google Shape;323;p35"/>
             <p:cNvPicPr preferRelativeResize="0"/>
             <p:nvPr/>
           </p:nvPicPr>
@@ -11821,7 +13148,7 @@
         </p:pic>
         <p:pic>
           <p:nvPicPr>
-            <p:cNvPr id="312" name="Google Shape;312;p33"/>
+            <p:cNvPr id="324" name="Google Shape;324;p35"/>
             <p:cNvPicPr preferRelativeResize="0"/>
             <p:nvPr/>
           </p:nvPicPr>
@@ -11848,7 +13175,7 @@
         </p:pic>
         <p:pic>
           <p:nvPicPr>
-            <p:cNvPr id="313" name="Google Shape;313;p33"/>
+            <p:cNvPr id="325" name="Google Shape;325;p35"/>
             <p:cNvPicPr preferRelativeResize="0"/>
             <p:nvPr/>
           </p:nvPicPr>
@@ -11875,7 +13202,7 @@
         </p:pic>
         <p:pic>
           <p:nvPicPr>
-            <p:cNvPr id="314" name="Google Shape;314;p33"/>
+            <p:cNvPr id="326" name="Google Shape;326;p35"/>
             <p:cNvPicPr preferRelativeResize="0"/>
             <p:nvPr/>
           </p:nvPicPr>
@@ -11903,7 +13230,7 @@
       </p:grpSp>
       <p:sp>
         <p:nvSpPr>
-          <p:cNvPr id="315" name="Google Shape;315;p33"/>
+          <p:cNvPr id="327" name="Google Shape;327;p35"/>
           <p:cNvSpPr txBox="1"/>
           <p:nvPr/>
         </p:nvSpPr>
@@ -12230,19 +13557,19 @@
 </p:sld>
 </file>
 
-<file path=ppt/slides/slide22.xml><?xml version="1.0" encoding="utf-8"?>
+<file path=ppt/slides/slide24.xml><?xml version="1.0" encoding="utf-8"?>
 <p:sld xmlns:a="http://schemas.openxmlformats.org/drawingml/2006/main" xmlns:r="http://schemas.openxmlformats.org/officeDocument/2006/relationships" xmlns:mc="http://schemas.openxmlformats.org/markup-compatibility/2006" xmlns:mv="urn:schemas-microsoft-com:mac:vml" xmlns:p="http://schemas.openxmlformats.org/presentationml/2006/main" xmlns:c="http://schemas.openxmlformats.org/drawingml/2006/chart" xmlns:dgm="http://schemas.openxmlformats.org/drawingml/2006/diagram" xmlns:o="urn:schemas-microsoft-com:office:office" xmlns:v="urn:schemas-microsoft-com:vml" xmlns:pvml="urn:schemas-microsoft-com:office:powerpoint" xmlns:com="http://schemas.openxmlformats.org/drawingml/2006/compatibility" xmlns:p14="http://schemas.microsoft.com/office/powerpoint/2010/main" xmlns:p15="http://schemas.microsoft.com/office/powerpoint/2012/main" xmlns:ahyp="http://schemas.microsoft.com/office/drawing/2018/hyperlinkcolor">
   <p:cSld>
     <p:bg>
       <p:bgPr>
         <a:solidFill>
-          <a:srgbClr val="75CEDE"/>
+          <a:srgbClr val="F4D58F"/>
         </a:solidFill>
       </p:bgPr>
     </p:bg>
     <p:spTree>
       <p:nvGrpSpPr>
-        <p:cNvPr id="319" name="Shape 319"/>
+        <p:cNvPr id="331" name="Shape 331"/>
         <p:cNvGrpSpPr/>
         <p:nvPr/>
       </p:nvGrpSpPr>
@@ -12256,7 +13583,7 @@
       </p:grpSpPr>
       <p:sp>
         <p:nvSpPr>
-          <p:cNvPr id="320" name="Google Shape;320;p34"/>
+          <p:cNvPr id="332" name="Google Shape;332;p36"/>
           <p:cNvSpPr txBox="1"/>
           <p:nvPr>
             <p:ph type="title"/>
@@ -12312,7 +13639,7 @@
       </p:sp>
       <p:sp>
         <p:nvSpPr>
-          <p:cNvPr id="321" name="Google Shape;321;p34"/>
+          <p:cNvPr id="333" name="Google Shape;333;p36"/>
           <p:cNvSpPr txBox="1"/>
           <p:nvPr>
             <p:ph idx="1" type="body"/>
@@ -12469,7 +13796,7 @@
       </p:sp>
       <p:grpSp>
         <p:nvGrpSpPr>
-          <p:cNvPr id="322" name="Google Shape;322;p34"/>
+          <p:cNvPr id="334" name="Google Shape;334;p36"/>
           <p:cNvGrpSpPr/>
           <p:nvPr/>
         </p:nvGrpSpPr>
@@ -12483,7 +13810,7 @@
         </p:grpSpPr>
         <p:pic>
           <p:nvPicPr>
-            <p:cNvPr id="323" name="Google Shape;323;p34"/>
+            <p:cNvPr id="335" name="Google Shape;335;p36"/>
             <p:cNvPicPr preferRelativeResize="0"/>
             <p:nvPr/>
           </p:nvPicPr>
@@ -12510,7 +13837,7 @@
         </p:pic>
         <p:pic>
           <p:nvPicPr>
-            <p:cNvPr id="324" name="Google Shape;324;p34"/>
+            <p:cNvPr id="336" name="Google Shape;336;p36"/>
             <p:cNvPicPr preferRelativeResize="0"/>
             <p:nvPr/>
           </p:nvPicPr>
@@ -12537,7 +13864,7 @@
         </p:pic>
         <p:pic>
           <p:nvPicPr>
-            <p:cNvPr id="325" name="Google Shape;325;p34"/>
+            <p:cNvPr id="337" name="Google Shape;337;p36"/>
             <p:cNvPicPr preferRelativeResize="0"/>
             <p:nvPr/>
           </p:nvPicPr>
@@ -12564,7 +13891,7 @@
         </p:pic>
         <p:pic>
           <p:nvPicPr>
-            <p:cNvPr id="326" name="Google Shape;326;p34"/>
+            <p:cNvPr id="338" name="Google Shape;338;p36"/>
             <p:cNvPicPr preferRelativeResize="0"/>
             <p:nvPr/>
           </p:nvPicPr>
@@ -12591,7 +13918,7 @@
         </p:pic>
         <p:pic>
           <p:nvPicPr>
-            <p:cNvPr id="327" name="Google Shape;327;p34"/>
+            <p:cNvPr id="339" name="Google Shape;339;p36"/>
             <p:cNvPicPr preferRelativeResize="0"/>
             <p:nvPr/>
           </p:nvPicPr>
@@ -12618,7 +13945,7 @@
         </p:pic>
         <p:pic>
           <p:nvPicPr>
-            <p:cNvPr id="328" name="Google Shape;328;p34"/>
+            <p:cNvPr id="340" name="Google Shape;340;p36"/>
             <p:cNvPicPr preferRelativeResize="0"/>
             <p:nvPr/>
           </p:nvPicPr>
@@ -12646,7 +13973,7 @@
       </p:grpSp>
       <p:grpSp>
         <p:nvGrpSpPr>
-          <p:cNvPr id="329" name="Google Shape;329;p34"/>
+          <p:cNvPr id="341" name="Google Shape;341;p36"/>
           <p:cNvGrpSpPr/>
           <p:nvPr/>
         </p:nvGrpSpPr>
@@ -12660,7 +13987,7 @@
         </p:grpSpPr>
         <p:pic>
           <p:nvPicPr>
-            <p:cNvPr id="330" name="Google Shape;330;p34"/>
+            <p:cNvPr id="342" name="Google Shape;342;p36"/>
             <p:cNvPicPr preferRelativeResize="0"/>
             <p:nvPr/>
           </p:nvPicPr>
@@ -12687,7 +14014,7 @@
         </p:pic>
         <p:pic>
           <p:nvPicPr>
-            <p:cNvPr id="331" name="Google Shape;331;p34"/>
+            <p:cNvPr id="343" name="Google Shape;343;p36"/>
             <p:cNvPicPr preferRelativeResize="0"/>
             <p:nvPr/>
           </p:nvPicPr>
@@ -12714,7 +14041,7 @@
         </p:pic>
         <p:pic>
           <p:nvPicPr>
-            <p:cNvPr id="332" name="Google Shape;332;p34"/>
+            <p:cNvPr id="344" name="Google Shape;344;p36"/>
             <p:cNvPicPr preferRelativeResize="0"/>
             <p:nvPr/>
           </p:nvPicPr>
@@ -12741,7 +14068,7 @@
         </p:pic>
         <p:pic>
           <p:nvPicPr>
-            <p:cNvPr id="333" name="Google Shape;333;p34"/>
+            <p:cNvPr id="345" name="Google Shape;345;p36"/>
             <p:cNvPicPr preferRelativeResize="0"/>
             <p:nvPr/>
           </p:nvPicPr>
@@ -12768,7 +14095,7 @@
         </p:pic>
         <p:pic>
           <p:nvPicPr>
-            <p:cNvPr id="334" name="Google Shape;334;p34"/>
+            <p:cNvPr id="346" name="Google Shape;346;p36"/>
             <p:cNvPicPr preferRelativeResize="0"/>
             <p:nvPr/>
           </p:nvPicPr>
@@ -12795,7 +14122,7 @@
         </p:pic>
         <p:pic>
           <p:nvPicPr>
-            <p:cNvPr id="335" name="Google Shape;335;p34"/>
+            <p:cNvPr id="347" name="Google Shape;347;p36"/>
             <p:cNvPicPr preferRelativeResize="0"/>
             <p:nvPr/>
           </p:nvPicPr>
@@ -12829,19 +14156,19 @@
 </p:sld>
 </file>
 
-<file path=ppt/slides/slide23.xml><?xml version="1.0" encoding="utf-8"?>
+<file path=ppt/slides/slide25.xml><?xml version="1.0" encoding="utf-8"?>
 <p:sld xmlns:a="http://schemas.openxmlformats.org/drawingml/2006/main" xmlns:r="http://schemas.openxmlformats.org/officeDocument/2006/relationships" xmlns:mc="http://schemas.openxmlformats.org/markup-compatibility/2006" xmlns:mv="urn:schemas-microsoft-com:mac:vml" xmlns:p="http://schemas.openxmlformats.org/presentationml/2006/main" xmlns:c="http://schemas.openxmlformats.org/drawingml/2006/chart" xmlns:dgm="http://schemas.openxmlformats.org/drawingml/2006/diagram" xmlns:o="urn:schemas-microsoft-com:office:office" xmlns:v="urn:schemas-microsoft-com:vml" xmlns:pvml="urn:schemas-microsoft-com:office:powerpoint" xmlns:com="http://schemas.openxmlformats.org/drawingml/2006/compatibility" xmlns:p14="http://schemas.microsoft.com/office/powerpoint/2010/main" xmlns:p15="http://schemas.microsoft.com/office/powerpoint/2012/main" xmlns:ahyp="http://schemas.microsoft.com/office/drawing/2018/hyperlinkcolor">
   <p:cSld>
     <p:bg>
       <p:bgPr>
         <a:solidFill>
-          <a:srgbClr val="A7A4D1"/>
+          <a:srgbClr val="75CEDE"/>
         </a:solidFill>
       </p:bgPr>
     </p:bg>
     <p:spTree>
       <p:nvGrpSpPr>
-        <p:cNvPr id="339" name="Shape 339"/>
+        <p:cNvPr id="351" name="Shape 351"/>
         <p:cNvGrpSpPr/>
         <p:nvPr/>
       </p:nvGrpSpPr>
@@ -12855,7 +14182,7 @@
       </p:grpSpPr>
       <p:sp>
         <p:nvSpPr>
-          <p:cNvPr id="340" name="Google Shape;340;p35"/>
+          <p:cNvPr id="352" name="Google Shape;352;p37"/>
           <p:cNvSpPr txBox="1"/>
           <p:nvPr>
             <p:ph type="title"/>
@@ -12911,7 +14238,7 @@
       </p:sp>
       <p:sp>
         <p:nvSpPr>
-          <p:cNvPr id="341" name="Google Shape;341;p35"/>
+          <p:cNvPr id="353" name="Google Shape;353;p37"/>
           <p:cNvSpPr txBox="1"/>
           <p:nvPr>
             <p:ph idx="1" type="body"/>
@@ -13009,7 +14336,7 @@
       </p:sp>
       <p:grpSp>
         <p:nvGrpSpPr>
-          <p:cNvPr id="342" name="Google Shape;342;p35"/>
+          <p:cNvPr id="354" name="Google Shape;354;p37"/>
           <p:cNvGrpSpPr/>
           <p:nvPr/>
         </p:nvGrpSpPr>
@@ -13023,7 +14350,7 @@
         </p:grpSpPr>
         <p:pic>
           <p:nvPicPr>
-            <p:cNvPr id="343" name="Google Shape;343;p35"/>
+            <p:cNvPr id="355" name="Google Shape;355;p37"/>
             <p:cNvPicPr preferRelativeResize="0"/>
             <p:nvPr/>
           </p:nvPicPr>
@@ -13050,7 +14377,7 @@
         </p:pic>
         <p:pic>
           <p:nvPicPr>
-            <p:cNvPr id="344" name="Google Shape;344;p35"/>
+            <p:cNvPr id="356" name="Google Shape;356;p37"/>
             <p:cNvPicPr preferRelativeResize="0"/>
             <p:nvPr/>
           </p:nvPicPr>
@@ -13077,7 +14404,7 @@
         </p:pic>
         <p:pic>
           <p:nvPicPr>
-            <p:cNvPr id="345" name="Google Shape;345;p35"/>
+            <p:cNvPr id="357" name="Google Shape;357;p37"/>
             <p:cNvPicPr preferRelativeResize="0"/>
             <p:nvPr/>
           </p:nvPicPr>
@@ -13104,7 +14431,7 @@
         </p:pic>
         <p:pic>
           <p:nvPicPr>
-            <p:cNvPr id="346" name="Google Shape;346;p35"/>
+            <p:cNvPr id="358" name="Google Shape;358;p37"/>
             <p:cNvPicPr preferRelativeResize="0"/>
             <p:nvPr/>
           </p:nvPicPr>
@@ -13131,7 +14458,7 @@
         </p:pic>
         <p:pic>
           <p:nvPicPr>
-            <p:cNvPr id="347" name="Google Shape;347;p35"/>
+            <p:cNvPr id="359" name="Google Shape;359;p37"/>
             <p:cNvPicPr preferRelativeResize="0"/>
             <p:nvPr/>
           </p:nvPicPr>
@@ -13158,7 +14485,7 @@
         </p:pic>
         <p:pic>
           <p:nvPicPr>
-            <p:cNvPr id="348" name="Google Shape;348;p35"/>
+            <p:cNvPr id="360" name="Google Shape;360;p37"/>
             <p:cNvPicPr preferRelativeResize="0"/>
             <p:nvPr/>
           </p:nvPicPr>
@@ -13186,7 +14513,7 @@
       </p:grpSp>
       <p:grpSp>
         <p:nvGrpSpPr>
-          <p:cNvPr id="349" name="Google Shape;349;p35"/>
+          <p:cNvPr id="361" name="Google Shape;361;p37"/>
           <p:cNvGrpSpPr/>
           <p:nvPr/>
         </p:nvGrpSpPr>
@@ -13200,7 +14527,7 @@
         </p:grpSpPr>
         <p:pic>
           <p:nvPicPr>
-            <p:cNvPr id="350" name="Google Shape;350;p35"/>
+            <p:cNvPr id="362" name="Google Shape;362;p37"/>
             <p:cNvPicPr preferRelativeResize="0"/>
             <p:nvPr/>
           </p:nvPicPr>
@@ -13227,7 +14554,7 @@
         </p:pic>
         <p:pic>
           <p:nvPicPr>
-            <p:cNvPr id="351" name="Google Shape;351;p35"/>
+            <p:cNvPr id="363" name="Google Shape;363;p37"/>
             <p:cNvPicPr preferRelativeResize="0"/>
             <p:nvPr/>
           </p:nvPicPr>
@@ -13254,7 +14581,7 @@
         </p:pic>
         <p:pic>
           <p:nvPicPr>
-            <p:cNvPr id="352" name="Google Shape;352;p35"/>
+            <p:cNvPr id="364" name="Google Shape;364;p37"/>
             <p:cNvPicPr preferRelativeResize="0"/>
             <p:nvPr/>
           </p:nvPicPr>
@@ -13281,7 +14608,7 @@
         </p:pic>
         <p:pic>
           <p:nvPicPr>
-            <p:cNvPr id="353" name="Google Shape;353;p35"/>
+            <p:cNvPr id="365" name="Google Shape;365;p37"/>
             <p:cNvPicPr preferRelativeResize="0"/>
             <p:nvPr/>
           </p:nvPicPr>
@@ -13308,7 +14635,7 @@
         </p:pic>
         <p:pic>
           <p:nvPicPr>
-            <p:cNvPr id="354" name="Google Shape;354;p35"/>
+            <p:cNvPr id="366" name="Google Shape;366;p37"/>
             <p:cNvPicPr preferRelativeResize="0"/>
             <p:nvPr/>
           </p:nvPicPr>
@@ -13335,7 +14662,7 @@
         </p:pic>
         <p:pic>
           <p:nvPicPr>
-            <p:cNvPr id="355" name="Google Shape;355;p35"/>
+            <p:cNvPr id="367" name="Google Shape;367;p37"/>
             <p:cNvPicPr preferRelativeResize="0"/>
             <p:nvPr/>
           </p:nvPicPr>
@@ -13369,19 +14696,19 @@
 </p:sld>
 </file>
 
-<file path=ppt/slides/slide24.xml><?xml version="1.0" encoding="utf-8"?>
+<file path=ppt/slides/slide26.xml><?xml version="1.0" encoding="utf-8"?>
 <p:sld xmlns:a="http://schemas.openxmlformats.org/drawingml/2006/main" xmlns:r="http://schemas.openxmlformats.org/officeDocument/2006/relationships" xmlns:mc="http://schemas.openxmlformats.org/markup-compatibility/2006" xmlns:mv="urn:schemas-microsoft-com:mac:vml" xmlns:p="http://schemas.openxmlformats.org/presentationml/2006/main" xmlns:c="http://schemas.openxmlformats.org/drawingml/2006/chart" xmlns:dgm="http://schemas.openxmlformats.org/drawingml/2006/diagram" xmlns:o="urn:schemas-microsoft-com:office:office" xmlns:v="urn:schemas-microsoft-com:vml" xmlns:pvml="urn:schemas-microsoft-com:office:powerpoint" xmlns:com="http://schemas.openxmlformats.org/drawingml/2006/compatibility" xmlns:p14="http://schemas.microsoft.com/office/powerpoint/2010/main" xmlns:p15="http://schemas.microsoft.com/office/powerpoint/2012/main" xmlns:ahyp="http://schemas.microsoft.com/office/drawing/2018/hyperlinkcolor">
   <p:cSld>
     <p:bg>
       <p:bgPr>
         <a:solidFill>
-          <a:srgbClr val="F4D58F"/>
+          <a:srgbClr val="A7A4D1"/>
         </a:solidFill>
       </p:bgPr>
     </p:bg>
     <p:spTree>
       <p:nvGrpSpPr>
-        <p:cNvPr id="359" name="Shape 359"/>
+        <p:cNvPr id="371" name="Shape 371"/>
         <p:cNvGrpSpPr/>
         <p:nvPr/>
       </p:nvGrpSpPr>
@@ -13395,7 +14722,7 @@
       </p:grpSpPr>
       <p:sp>
         <p:nvSpPr>
-          <p:cNvPr id="360" name="Google Shape;360;p36"/>
+          <p:cNvPr id="372" name="Google Shape;372;p38"/>
           <p:cNvSpPr txBox="1"/>
           <p:nvPr>
             <p:ph type="title"/>
@@ -13451,7 +14778,7 @@
       </p:sp>
       <p:sp>
         <p:nvSpPr>
-          <p:cNvPr id="361" name="Google Shape;361;p36"/>
+          <p:cNvPr id="373" name="Google Shape;373;p38"/>
           <p:cNvSpPr txBox="1"/>
           <p:nvPr>
             <p:ph idx="1" type="body"/>
@@ -13573,7 +14900,7 @@
       </p:sp>
       <p:grpSp>
         <p:nvGrpSpPr>
-          <p:cNvPr id="362" name="Google Shape;362;p36"/>
+          <p:cNvPr id="374" name="Google Shape;374;p38"/>
           <p:cNvGrpSpPr/>
           <p:nvPr/>
         </p:nvGrpSpPr>
@@ -13587,7 +14914,7 @@
         </p:grpSpPr>
         <p:pic>
           <p:nvPicPr>
-            <p:cNvPr id="363" name="Google Shape;363;p36"/>
+            <p:cNvPr id="375" name="Google Shape;375;p38"/>
             <p:cNvPicPr preferRelativeResize="0"/>
             <p:nvPr/>
           </p:nvPicPr>
@@ -13614,7 +14941,7 @@
         </p:pic>
         <p:pic>
           <p:nvPicPr>
-            <p:cNvPr id="364" name="Google Shape;364;p36"/>
+            <p:cNvPr id="376" name="Google Shape;376;p38"/>
             <p:cNvPicPr preferRelativeResize="0"/>
             <p:nvPr/>
           </p:nvPicPr>
@@ -13641,7 +14968,7 @@
         </p:pic>
         <p:pic>
           <p:nvPicPr>
-            <p:cNvPr id="365" name="Google Shape;365;p36"/>
+            <p:cNvPr id="377" name="Google Shape;377;p38"/>
             <p:cNvPicPr preferRelativeResize="0"/>
             <p:nvPr/>
           </p:nvPicPr>
@@ -13668,7 +14995,7 @@
         </p:pic>
         <p:pic>
           <p:nvPicPr>
-            <p:cNvPr id="366" name="Google Shape;366;p36"/>
+            <p:cNvPr id="378" name="Google Shape;378;p38"/>
             <p:cNvPicPr preferRelativeResize="0"/>
             <p:nvPr/>
           </p:nvPicPr>
@@ -13695,7 +15022,7 @@
         </p:pic>
         <p:pic>
           <p:nvPicPr>
-            <p:cNvPr id="367" name="Google Shape;367;p36"/>
+            <p:cNvPr id="379" name="Google Shape;379;p38"/>
             <p:cNvPicPr preferRelativeResize="0"/>
             <p:nvPr/>
           </p:nvPicPr>
@@ -13722,7 +15049,7 @@
         </p:pic>
         <p:pic>
           <p:nvPicPr>
-            <p:cNvPr id="368" name="Google Shape;368;p36"/>
+            <p:cNvPr id="380" name="Google Shape;380;p38"/>
             <p:cNvPicPr preferRelativeResize="0"/>
             <p:nvPr/>
           </p:nvPicPr>
@@ -13750,7 +15077,7 @@
       </p:grpSp>
       <p:grpSp>
         <p:nvGrpSpPr>
-          <p:cNvPr id="369" name="Google Shape;369;p36"/>
+          <p:cNvPr id="381" name="Google Shape;381;p38"/>
           <p:cNvGrpSpPr/>
           <p:nvPr/>
         </p:nvGrpSpPr>
@@ -13764,7 +15091,7 @@
         </p:grpSpPr>
         <p:pic>
           <p:nvPicPr>
-            <p:cNvPr id="370" name="Google Shape;370;p36"/>
+            <p:cNvPr id="382" name="Google Shape;382;p38"/>
             <p:cNvPicPr preferRelativeResize="0"/>
             <p:nvPr/>
           </p:nvPicPr>
@@ -13791,7 +15118,7 @@
         </p:pic>
         <p:pic>
           <p:nvPicPr>
-            <p:cNvPr id="371" name="Google Shape;371;p36"/>
+            <p:cNvPr id="383" name="Google Shape;383;p38"/>
             <p:cNvPicPr preferRelativeResize="0"/>
             <p:nvPr/>
           </p:nvPicPr>
@@ -13818,7 +15145,7 @@
         </p:pic>
         <p:pic>
           <p:nvPicPr>
-            <p:cNvPr id="372" name="Google Shape;372;p36"/>
+            <p:cNvPr id="384" name="Google Shape;384;p38"/>
             <p:cNvPicPr preferRelativeResize="0"/>
             <p:nvPr/>
           </p:nvPicPr>
@@ -13845,7 +15172,7 @@
         </p:pic>
         <p:pic>
           <p:nvPicPr>
-            <p:cNvPr id="373" name="Google Shape;373;p36"/>
+            <p:cNvPr id="385" name="Google Shape;385;p38"/>
             <p:cNvPicPr preferRelativeResize="0"/>
             <p:nvPr/>
           </p:nvPicPr>
@@ -13872,7 +15199,7 @@
         </p:pic>
         <p:pic>
           <p:nvPicPr>
-            <p:cNvPr id="374" name="Google Shape;374;p36"/>
+            <p:cNvPr id="386" name="Google Shape;386;p38"/>
             <p:cNvPicPr preferRelativeResize="0"/>
             <p:nvPr/>
           </p:nvPicPr>
@@ -13899,7 +15226,7 @@
         </p:pic>
         <p:pic>
           <p:nvPicPr>
-            <p:cNvPr id="375" name="Google Shape;375;p36"/>
+            <p:cNvPr id="387" name="Google Shape;387;p38"/>
             <p:cNvPicPr preferRelativeResize="0"/>
             <p:nvPr/>
           </p:nvPicPr>
@@ -13933,19 +15260,19 @@
 </p:sld>
 </file>
 
-<file path=ppt/slides/slide25.xml><?xml version="1.0" encoding="utf-8"?>
+<file path=ppt/slides/slide27.xml><?xml version="1.0" encoding="utf-8"?>
 <p:sld xmlns:a="http://schemas.openxmlformats.org/drawingml/2006/main" xmlns:r="http://schemas.openxmlformats.org/officeDocument/2006/relationships" xmlns:mc="http://schemas.openxmlformats.org/markup-compatibility/2006" xmlns:mv="urn:schemas-microsoft-com:mac:vml" xmlns:p="http://schemas.openxmlformats.org/presentationml/2006/main" xmlns:c="http://schemas.openxmlformats.org/drawingml/2006/chart" xmlns:dgm="http://schemas.openxmlformats.org/drawingml/2006/diagram" xmlns:o="urn:schemas-microsoft-com:office:office" xmlns:v="urn:schemas-microsoft-com:vml" xmlns:pvml="urn:schemas-microsoft-com:office:powerpoint" xmlns:com="http://schemas.openxmlformats.org/drawingml/2006/compatibility" xmlns:p14="http://schemas.microsoft.com/office/powerpoint/2010/main" xmlns:p15="http://schemas.microsoft.com/office/powerpoint/2012/main" xmlns:ahyp="http://schemas.microsoft.com/office/drawing/2018/hyperlinkcolor">
   <p:cSld>
     <p:bg>
       <p:bgPr>
         <a:solidFill>
-          <a:srgbClr val="75CEDE"/>
+          <a:srgbClr val="F4D58F"/>
         </a:solidFill>
       </p:bgPr>
     </p:bg>
     <p:spTree>
       <p:nvGrpSpPr>
-        <p:cNvPr id="379" name="Shape 379"/>
+        <p:cNvPr id="391" name="Shape 391"/>
         <p:cNvGrpSpPr/>
         <p:nvPr/>
       </p:nvGrpSpPr>
@@ -13959,7 +15286,7 @@
       </p:grpSpPr>
       <p:sp>
         <p:nvSpPr>
-          <p:cNvPr id="380" name="Google Shape;380;p37"/>
+          <p:cNvPr id="392" name="Google Shape;392;p39"/>
           <p:cNvSpPr txBox="1"/>
           <p:nvPr>
             <p:ph type="title"/>
@@ -14015,7 +15342,7 @@
       </p:sp>
       <p:sp>
         <p:nvSpPr>
-          <p:cNvPr id="381" name="Google Shape;381;p37"/>
+          <p:cNvPr id="393" name="Google Shape;393;p39"/>
           <p:cNvSpPr txBox="1"/>
           <p:nvPr>
             <p:ph idx="1" type="body"/>
@@ -14113,7 +15440,7 @@
       </p:sp>
       <p:grpSp>
         <p:nvGrpSpPr>
-          <p:cNvPr id="382" name="Google Shape;382;p37"/>
+          <p:cNvPr id="394" name="Google Shape;394;p39"/>
           <p:cNvGrpSpPr/>
           <p:nvPr/>
         </p:nvGrpSpPr>
@@ -14127,7 +15454,7 @@
         </p:grpSpPr>
         <p:pic>
           <p:nvPicPr>
-            <p:cNvPr id="383" name="Google Shape;383;p37"/>
+            <p:cNvPr id="395" name="Google Shape;395;p39"/>
             <p:cNvPicPr preferRelativeResize="0"/>
             <p:nvPr/>
           </p:nvPicPr>
@@ -14154,7 +15481,7 @@
         </p:pic>
         <p:pic>
           <p:nvPicPr>
-            <p:cNvPr id="384" name="Google Shape;384;p37"/>
+            <p:cNvPr id="396" name="Google Shape;396;p39"/>
             <p:cNvPicPr preferRelativeResize="0"/>
             <p:nvPr/>
           </p:nvPicPr>
@@ -14181,7 +15508,7 @@
         </p:pic>
         <p:pic>
           <p:nvPicPr>
-            <p:cNvPr id="385" name="Google Shape;385;p37"/>
+            <p:cNvPr id="397" name="Google Shape;397;p39"/>
             <p:cNvPicPr preferRelativeResize="0"/>
             <p:nvPr/>
           </p:nvPicPr>
@@ -14208,7 +15535,7 @@
         </p:pic>
         <p:pic>
           <p:nvPicPr>
-            <p:cNvPr id="386" name="Google Shape;386;p37"/>
+            <p:cNvPr id="398" name="Google Shape;398;p39"/>
             <p:cNvPicPr preferRelativeResize="0"/>
             <p:nvPr/>
           </p:nvPicPr>
@@ -14235,7 +15562,7 @@
         </p:pic>
         <p:pic>
           <p:nvPicPr>
-            <p:cNvPr id="387" name="Google Shape;387;p37"/>
+            <p:cNvPr id="399" name="Google Shape;399;p39"/>
             <p:cNvPicPr preferRelativeResize="0"/>
             <p:nvPr/>
           </p:nvPicPr>
@@ -14262,7 +15589,7 @@
         </p:pic>
         <p:pic>
           <p:nvPicPr>
-            <p:cNvPr id="388" name="Google Shape;388;p37"/>
+            <p:cNvPr id="400" name="Google Shape;400;p39"/>
             <p:cNvPicPr preferRelativeResize="0"/>
             <p:nvPr/>
           </p:nvPicPr>
@@ -14290,7 +15617,7 @@
       </p:grpSp>
       <p:grpSp>
         <p:nvGrpSpPr>
-          <p:cNvPr id="389" name="Google Shape;389;p37"/>
+          <p:cNvPr id="401" name="Google Shape;401;p39"/>
           <p:cNvGrpSpPr/>
           <p:nvPr/>
         </p:nvGrpSpPr>
@@ -14304,7 +15631,7 @@
         </p:grpSpPr>
         <p:pic>
           <p:nvPicPr>
-            <p:cNvPr id="390" name="Google Shape;390;p37"/>
+            <p:cNvPr id="402" name="Google Shape;402;p39"/>
             <p:cNvPicPr preferRelativeResize="0"/>
             <p:nvPr/>
           </p:nvPicPr>
@@ -14331,7 +15658,7 @@
         </p:pic>
         <p:pic>
           <p:nvPicPr>
-            <p:cNvPr id="391" name="Google Shape;391;p37"/>
+            <p:cNvPr id="403" name="Google Shape;403;p39"/>
             <p:cNvPicPr preferRelativeResize="0"/>
             <p:nvPr/>
           </p:nvPicPr>
@@ -14358,7 +15685,7 @@
         </p:pic>
         <p:pic>
           <p:nvPicPr>
-            <p:cNvPr id="392" name="Google Shape;392;p37"/>
+            <p:cNvPr id="404" name="Google Shape;404;p39"/>
             <p:cNvPicPr preferRelativeResize="0"/>
             <p:nvPr/>
           </p:nvPicPr>
@@ -14385,7 +15712,7 @@
         </p:pic>
         <p:pic>
           <p:nvPicPr>
-            <p:cNvPr id="393" name="Google Shape;393;p37"/>
+            <p:cNvPr id="405" name="Google Shape;405;p39"/>
             <p:cNvPicPr preferRelativeResize="0"/>
             <p:nvPr/>
           </p:nvPicPr>
@@ -14412,7 +15739,7 @@
         </p:pic>
         <p:pic>
           <p:nvPicPr>
-            <p:cNvPr id="394" name="Google Shape;394;p37"/>
+            <p:cNvPr id="406" name="Google Shape;406;p39"/>
             <p:cNvPicPr preferRelativeResize="0"/>
             <p:nvPr/>
           </p:nvPicPr>
@@ -14439,7 +15766,7 @@
         </p:pic>
         <p:pic>
           <p:nvPicPr>
-            <p:cNvPr id="395" name="Google Shape;395;p37"/>
+            <p:cNvPr id="407" name="Google Shape;407;p39"/>
             <p:cNvPicPr preferRelativeResize="0"/>
             <p:nvPr/>
           </p:nvPicPr>
@@ -14473,19 +15800,19 @@
 </p:sld>
 </file>
 
-<file path=ppt/slides/slide26.xml><?xml version="1.0" encoding="utf-8"?>
+<file path=ppt/slides/slide28.xml><?xml version="1.0" encoding="utf-8"?>
 <p:sld xmlns:a="http://schemas.openxmlformats.org/drawingml/2006/main" xmlns:r="http://schemas.openxmlformats.org/officeDocument/2006/relationships" xmlns:mc="http://schemas.openxmlformats.org/markup-compatibility/2006" xmlns:mv="urn:schemas-microsoft-com:mac:vml" xmlns:p="http://schemas.openxmlformats.org/presentationml/2006/main" xmlns:c="http://schemas.openxmlformats.org/drawingml/2006/chart" xmlns:dgm="http://schemas.openxmlformats.org/drawingml/2006/diagram" xmlns:o="urn:schemas-microsoft-com:office:office" xmlns:v="urn:schemas-microsoft-com:vml" xmlns:pvml="urn:schemas-microsoft-com:office:powerpoint" xmlns:com="http://schemas.openxmlformats.org/drawingml/2006/compatibility" xmlns:p14="http://schemas.microsoft.com/office/powerpoint/2010/main" xmlns:p15="http://schemas.microsoft.com/office/powerpoint/2012/main" xmlns:ahyp="http://schemas.microsoft.com/office/drawing/2018/hyperlinkcolor">
   <p:cSld>
     <p:bg>
       <p:bgPr>
         <a:solidFill>
-          <a:srgbClr val="A7A4D1"/>
+          <a:srgbClr val="75CEDE"/>
         </a:solidFill>
       </p:bgPr>
     </p:bg>
     <p:spTree>
       <p:nvGrpSpPr>
-        <p:cNvPr id="399" name="Shape 399"/>
+        <p:cNvPr id="411" name="Shape 411"/>
         <p:cNvGrpSpPr/>
         <p:nvPr/>
       </p:nvGrpSpPr>
@@ -14499,7 +15826,7 @@
       </p:grpSpPr>
       <p:sp>
         <p:nvSpPr>
-          <p:cNvPr id="400" name="Google Shape;400;p38"/>
+          <p:cNvPr id="412" name="Google Shape;412;p40"/>
           <p:cNvSpPr txBox="1"/>
           <p:nvPr>
             <p:ph type="title"/>
@@ -14555,7 +15882,7 @@
       </p:sp>
       <p:sp>
         <p:nvSpPr>
-          <p:cNvPr id="401" name="Google Shape;401;p38"/>
+          <p:cNvPr id="413" name="Google Shape;413;p40"/>
           <p:cNvSpPr txBox="1"/>
           <p:nvPr>
             <p:ph idx="1" type="body"/>
@@ -14760,7 +16087,7 @@
       </p:sp>
       <p:grpSp>
         <p:nvGrpSpPr>
-          <p:cNvPr id="402" name="Google Shape;402;p38"/>
+          <p:cNvPr id="414" name="Google Shape;414;p40"/>
           <p:cNvGrpSpPr/>
           <p:nvPr/>
         </p:nvGrpSpPr>
@@ -14774,7 +16101,7 @@
         </p:grpSpPr>
         <p:pic>
           <p:nvPicPr>
-            <p:cNvPr id="403" name="Google Shape;403;p38"/>
+            <p:cNvPr id="415" name="Google Shape;415;p40"/>
             <p:cNvPicPr preferRelativeResize="0"/>
             <p:nvPr/>
           </p:nvPicPr>
@@ -14801,7 +16128,7 @@
         </p:pic>
         <p:pic>
           <p:nvPicPr>
-            <p:cNvPr id="404" name="Google Shape;404;p38"/>
+            <p:cNvPr id="416" name="Google Shape;416;p40"/>
             <p:cNvPicPr preferRelativeResize="0"/>
             <p:nvPr/>
           </p:nvPicPr>
@@ -14828,7 +16155,7 @@
         </p:pic>
         <p:pic>
           <p:nvPicPr>
-            <p:cNvPr id="405" name="Google Shape;405;p38"/>
+            <p:cNvPr id="417" name="Google Shape;417;p40"/>
             <p:cNvPicPr preferRelativeResize="0"/>
             <p:nvPr/>
           </p:nvPicPr>
@@ -14855,7 +16182,7 @@
         </p:pic>
         <p:pic>
           <p:nvPicPr>
-            <p:cNvPr id="406" name="Google Shape;406;p38"/>
+            <p:cNvPr id="418" name="Google Shape;418;p40"/>
             <p:cNvPicPr preferRelativeResize="0"/>
             <p:nvPr/>
           </p:nvPicPr>
@@ -14882,7 +16209,7 @@
         </p:pic>
         <p:pic>
           <p:nvPicPr>
-            <p:cNvPr id="407" name="Google Shape;407;p38"/>
+            <p:cNvPr id="419" name="Google Shape;419;p40"/>
             <p:cNvPicPr preferRelativeResize="0"/>
             <p:nvPr/>
           </p:nvPicPr>
@@ -14909,7 +16236,7 @@
         </p:pic>
         <p:pic>
           <p:nvPicPr>
-            <p:cNvPr id="408" name="Google Shape;408;p38"/>
+            <p:cNvPr id="420" name="Google Shape;420;p40"/>
             <p:cNvPicPr preferRelativeResize="0"/>
             <p:nvPr/>
           </p:nvPicPr>
@@ -14937,7 +16264,7 @@
       </p:grpSp>
       <p:grpSp>
         <p:nvGrpSpPr>
-          <p:cNvPr id="409" name="Google Shape;409;p38"/>
+          <p:cNvPr id="421" name="Google Shape;421;p40"/>
           <p:cNvGrpSpPr/>
           <p:nvPr/>
         </p:nvGrpSpPr>
@@ -14951,7 +16278,7 @@
         </p:grpSpPr>
         <p:pic>
           <p:nvPicPr>
-            <p:cNvPr id="410" name="Google Shape;410;p38"/>
+            <p:cNvPr id="422" name="Google Shape;422;p40"/>
             <p:cNvPicPr preferRelativeResize="0"/>
             <p:nvPr/>
           </p:nvPicPr>
@@ -14978,7 +16305,7 @@
         </p:pic>
         <p:pic>
           <p:nvPicPr>
-            <p:cNvPr id="411" name="Google Shape;411;p38"/>
+            <p:cNvPr id="423" name="Google Shape;423;p40"/>
             <p:cNvPicPr preferRelativeResize="0"/>
             <p:nvPr/>
           </p:nvPicPr>
@@ -15005,7 +16332,7 @@
         </p:pic>
         <p:pic>
           <p:nvPicPr>
-            <p:cNvPr id="412" name="Google Shape;412;p38"/>
+            <p:cNvPr id="424" name="Google Shape;424;p40"/>
             <p:cNvPicPr preferRelativeResize="0"/>
             <p:nvPr/>
           </p:nvPicPr>
@@ -15032,7 +16359,7 @@
         </p:pic>
         <p:pic>
           <p:nvPicPr>
-            <p:cNvPr id="413" name="Google Shape;413;p38"/>
+            <p:cNvPr id="425" name="Google Shape;425;p40"/>
             <p:cNvPicPr preferRelativeResize="0"/>
             <p:nvPr/>
           </p:nvPicPr>
@@ -15059,7 +16386,7 @@
         </p:pic>
         <p:pic>
           <p:nvPicPr>
-            <p:cNvPr id="414" name="Google Shape;414;p38"/>
+            <p:cNvPr id="426" name="Google Shape;426;p40"/>
             <p:cNvPicPr preferRelativeResize="0"/>
             <p:nvPr/>
           </p:nvPicPr>
@@ -15086,7 +16413,7 @@
         </p:pic>
         <p:pic>
           <p:nvPicPr>
-            <p:cNvPr id="415" name="Google Shape;415;p38"/>
+            <p:cNvPr id="427" name="Google Shape;427;p40"/>
             <p:cNvPicPr preferRelativeResize="0"/>
             <p:nvPr/>
           </p:nvPicPr>
@@ -15120,19 +16447,19 @@
 </p:sld>
 </file>
 
-<file path=ppt/slides/slide27.xml><?xml version="1.0" encoding="utf-8"?>
+<file path=ppt/slides/slide29.xml><?xml version="1.0" encoding="utf-8"?>
 <p:sld xmlns:a="http://schemas.openxmlformats.org/drawingml/2006/main" xmlns:r="http://schemas.openxmlformats.org/officeDocument/2006/relationships" xmlns:mc="http://schemas.openxmlformats.org/markup-compatibility/2006" xmlns:mv="urn:schemas-microsoft-com:mac:vml" xmlns:p="http://schemas.openxmlformats.org/presentationml/2006/main" xmlns:c="http://schemas.openxmlformats.org/drawingml/2006/chart" xmlns:dgm="http://schemas.openxmlformats.org/drawingml/2006/diagram" xmlns:o="urn:schemas-microsoft-com:office:office" xmlns:v="urn:schemas-microsoft-com:vml" xmlns:pvml="urn:schemas-microsoft-com:office:powerpoint" xmlns:com="http://schemas.openxmlformats.org/drawingml/2006/compatibility" xmlns:p14="http://schemas.microsoft.com/office/powerpoint/2010/main" xmlns:p15="http://schemas.microsoft.com/office/powerpoint/2012/main" xmlns:ahyp="http://schemas.microsoft.com/office/drawing/2018/hyperlinkcolor">
   <p:cSld>
     <p:bg>
       <p:bgPr>
         <a:solidFill>
-          <a:srgbClr val="F4D58F"/>
+          <a:srgbClr val="A7A4D1"/>
         </a:solidFill>
       </p:bgPr>
     </p:bg>
     <p:spTree>
       <p:nvGrpSpPr>
-        <p:cNvPr id="419" name="Shape 419"/>
+        <p:cNvPr id="431" name="Shape 431"/>
         <p:cNvGrpSpPr/>
         <p:nvPr/>
       </p:nvGrpSpPr>
@@ -15146,7 +16473,7 @@
       </p:grpSpPr>
       <p:sp>
         <p:nvSpPr>
-          <p:cNvPr id="420" name="Google Shape;420;p39"/>
+          <p:cNvPr id="432" name="Google Shape;432;p41"/>
           <p:cNvSpPr txBox="1"/>
           <p:nvPr>
             <p:ph type="title"/>
@@ -15202,7 +16529,7 @@
       </p:sp>
       <p:sp>
         <p:nvSpPr>
-          <p:cNvPr id="421" name="Google Shape;421;p39"/>
+          <p:cNvPr id="433" name="Google Shape;433;p41"/>
           <p:cNvSpPr txBox="1"/>
           <p:nvPr>
             <p:ph idx="1" type="body"/>
@@ -15435,7 +16762,7 @@
       </p:sp>
       <p:grpSp>
         <p:nvGrpSpPr>
-          <p:cNvPr id="422" name="Google Shape;422;p39"/>
+          <p:cNvPr id="434" name="Google Shape;434;p41"/>
           <p:cNvGrpSpPr/>
           <p:nvPr/>
         </p:nvGrpSpPr>
@@ -15449,7 +16776,7 @@
         </p:grpSpPr>
         <p:pic>
           <p:nvPicPr>
-            <p:cNvPr id="423" name="Google Shape;423;p39"/>
+            <p:cNvPr id="435" name="Google Shape;435;p41"/>
             <p:cNvPicPr preferRelativeResize="0"/>
             <p:nvPr/>
           </p:nvPicPr>
@@ -15476,7 +16803,7 @@
         </p:pic>
         <p:pic>
           <p:nvPicPr>
-            <p:cNvPr id="424" name="Google Shape;424;p39"/>
+            <p:cNvPr id="436" name="Google Shape;436;p41"/>
             <p:cNvPicPr preferRelativeResize="0"/>
             <p:nvPr/>
           </p:nvPicPr>
@@ -15503,7 +16830,7 @@
         </p:pic>
         <p:pic>
           <p:nvPicPr>
-            <p:cNvPr id="425" name="Google Shape;425;p39"/>
+            <p:cNvPr id="437" name="Google Shape;437;p41"/>
             <p:cNvPicPr preferRelativeResize="0"/>
             <p:nvPr/>
           </p:nvPicPr>
@@ -15530,7 +16857,7 @@
         </p:pic>
         <p:pic>
           <p:nvPicPr>
-            <p:cNvPr id="426" name="Google Shape;426;p39"/>
+            <p:cNvPr id="438" name="Google Shape;438;p41"/>
             <p:cNvPicPr preferRelativeResize="0"/>
             <p:nvPr/>
           </p:nvPicPr>
@@ -15557,7 +16884,7 @@
         </p:pic>
         <p:pic>
           <p:nvPicPr>
-            <p:cNvPr id="427" name="Google Shape;427;p39"/>
+            <p:cNvPr id="439" name="Google Shape;439;p41"/>
             <p:cNvPicPr preferRelativeResize="0"/>
             <p:nvPr/>
           </p:nvPicPr>
@@ -15584,7 +16911,7 @@
         </p:pic>
         <p:pic>
           <p:nvPicPr>
-            <p:cNvPr id="428" name="Google Shape;428;p39"/>
+            <p:cNvPr id="440" name="Google Shape;440;p41"/>
             <p:cNvPicPr preferRelativeResize="0"/>
             <p:nvPr/>
           </p:nvPicPr>
@@ -15612,7 +16939,7 @@
       </p:grpSp>
       <p:grpSp>
         <p:nvGrpSpPr>
-          <p:cNvPr id="429" name="Google Shape;429;p39"/>
+          <p:cNvPr id="441" name="Google Shape;441;p41"/>
           <p:cNvGrpSpPr/>
           <p:nvPr/>
         </p:nvGrpSpPr>
@@ -15626,7 +16953,7 @@
         </p:grpSpPr>
         <p:pic>
           <p:nvPicPr>
-            <p:cNvPr id="430" name="Google Shape;430;p39"/>
+            <p:cNvPr id="442" name="Google Shape;442;p41"/>
             <p:cNvPicPr preferRelativeResize="0"/>
             <p:nvPr/>
           </p:nvPicPr>
@@ -15653,7 +16980,7 @@
         </p:pic>
         <p:pic>
           <p:nvPicPr>
-            <p:cNvPr id="431" name="Google Shape;431;p39"/>
+            <p:cNvPr id="443" name="Google Shape;443;p41"/>
             <p:cNvPicPr preferRelativeResize="0"/>
             <p:nvPr/>
           </p:nvPicPr>
@@ -15680,7 +17007,7 @@
         </p:pic>
         <p:pic>
           <p:nvPicPr>
-            <p:cNvPr id="432" name="Google Shape;432;p39"/>
+            <p:cNvPr id="444" name="Google Shape;444;p41"/>
             <p:cNvPicPr preferRelativeResize="0"/>
             <p:nvPr/>
           </p:nvPicPr>
@@ -15707,7 +17034,7 @@
         </p:pic>
         <p:pic>
           <p:nvPicPr>
-            <p:cNvPr id="433" name="Google Shape;433;p39"/>
+            <p:cNvPr id="445" name="Google Shape;445;p41"/>
             <p:cNvPicPr preferRelativeResize="0"/>
             <p:nvPr/>
           </p:nvPicPr>
@@ -15734,7 +17061,7 @@
         </p:pic>
         <p:pic>
           <p:nvPicPr>
-            <p:cNvPr id="434" name="Google Shape;434;p39"/>
+            <p:cNvPr id="446" name="Google Shape;446;p41"/>
             <p:cNvPicPr preferRelativeResize="0"/>
             <p:nvPr/>
           </p:nvPicPr>
@@ -15761,7 +17088,7 @@
         </p:pic>
         <p:pic>
           <p:nvPicPr>
-            <p:cNvPr id="435" name="Google Shape;435;p39"/>
+            <p:cNvPr id="447" name="Google Shape;447;p41"/>
             <p:cNvPicPr preferRelativeResize="0"/>
             <p:nvPr/>
           </p:nvPicPr>
@@ -15787,568 +17114,6 @@
           </p:spPr>
         </p:pic>
       </p:grpSp>
-    </p:spTree>
-  </p:cSld>
-  <p:clrMapOvr>
-    <a:masterClrMapping/>
-  </p:clrMapOvr>
-</p:sld>
-</file>
-
-<file path=ppt/slides/slide28.xml><?xml version="1.0" encoding="utf-8"?>
-<p:sld xmlns:a="http://schemas.openxmlformats.org/drawingml/2006/main" xmlns:r="http://schemas.openxmlformats.org/officeDocument/2006/relationships" xmlns:mc="http://schemas.openxmlformats.org/markup-compatibility/2006" xmlns:mv="urn:schemas-microsoft-com:mac:vml" xmlns:p="http://schemas.openxmlformats.org/presentationml/2006/main" xmlns:c="http://schemas.openxmlformats.org/drawingml/2006/chart" xmlns:dgm="http://schemas.openxmlformats.org/drawingml/2006/diagram" xmlns:o="urn:schemas-microsoft-com:office:office" xmlns:v="urn:schemas-microsoft-com:vml" xmlns:pvml="urn:schemas-microsoft-com:office:powerpoint" xmlns:com="http://schemas.openxmlformats.org/drawingml/2006/compatibility" xmlns:p14="http://schemas.microsoft.com/office/powerpoint/2010/main" xmlns:p15="http://schemas.microsoft.com/office/powerpoint/2012/main" xmlns:ahyp="http://schemas.microsoft.com/office/drawing/2018/hyperlinkcolor">
-  <p:cSld>
-    <p:bg>
-      <p:bgPr>
-        <a:solidFill>
-          <a:srgbClr val="75CEDE"/>
-        </a:solidFill>
-      </p:bgPr>
-    </p:bg>
-    <p:spTree>
-      <p:nvGrpSpPr>
-        <p:cNvPr id="439" name="Shape 439"/>
-        <p:cNvGrpSpPr/>
-        <p:nvPr/>
-      </p:nvGrpSpPr>
-      <p:grpSpPr>
-        <a:xfrm>
-          <a:off x="0" y="0"/>
-          <a:ext cx="0" cy="0"/>
-          <a:chOff x="0" y="0"/>
-          <a:chExt cx="0" cy="0"/>
-        </a:xfrm>
-      </p:grpSpPr>
-      <p:sp>
-        <p:nvSpPr>
-          <p:cNvPr id="440" name="Google Shape;440;p40"/>
-          <p:cNvSpPr txBox="1"/>
-          <p:nvPr>
-            <p:ph type="title"/>
-          </p:nvPr>
-        </p:nvSpPr>
-        <p:spPr>
-          <a:xfrm>
-            <a:off x="311700" y="2150850"/>
-            <a:ext cx="8520600" cy="841800"/>
-          </a:xfrm>
-          <a:prstGeom prst="rect">
-            <a:avLst/>
-          </a:prstGeom>
-        </p:spPr>
-        <p:txBody>
-          <a:bodyPr anchorCtr="0" anchor="ctr" bIns="91425" lIns="91425" spcFirstLastPara="1" rIns="91425" wrap="square" tIns="91425">
-            <a:normAutofit fontScale="90000"/>
-          </a:bodyPr>
-          <a:lstStyle/>
-          <a:p>
-            <a:pPr indent="0" lvl="0" marL="0" rtl="0" algn="ctr">
-              <a:spcBef>
-                <a:spcPts val="0"/>
-              </a:spcBef>
-              <a:spcAft>
-                <a:spcPts val="0"/>
-              </a:spcAft>
-              <a:buNone/>
-            </a:pPr>
-            <a:r>
-              <a:rPr b="1" lang="en">
-                <a:solidFill>
-                  <a:schemeClr val="lt1"/>
-                </a:solidFill>
-                <a:latin typeface="Times New Roman"/>
-                <a:ea typeface="Times New Roman"/>
-                <a:cs typeface="Times New Roman"/>
-                <a:sym typeface="Times New Roman"/>
-              </a:rPr>
-              <a:t>Dashboard - Live Demo</a:t>
-            </a:r>
-            <a:endParaRPr b="1">
-              <a:solidFill>
-                <a:schemeClr val="lt1"/>
-              </a:solidFill>
-              <a:latin typeface="Times New Roman"/>
-              <a:ea typeface="Times New Roman"/>
-              <a:cs typeface="Times New Roman"/>
-              <a:sym typeface="Times New Roman"/>
-            </a:endParaRPr>
-          </a:p>
-          <a:p>
-            <a:pPr indent="0" lvl="0" marL="0" rtl="0" algn="ctr">
-              <a:spcBef>
-                <a:spcPts val="0"/>
-              </a:spcBef>
-              <a:spcAft>
-                <a:spcPts val="0"/>
-              </a:spcAft>
-              <a:buNone/>
-            </a:pPr>
-            <a:r>
-              <a:rPr b="1" lang="en" u="sng">
-                <a:solidFill>
-                  <a:srgbClr val="A7A4D1"/>
-                </a:solidFill>
-                <a:latin typeface="Times New Roman"/>
-                <a:ea typeface="Times New Roman"/>
-                <a:cs typeface="Times New Roman"/>
-                <a:sym typeface="Times New Roman"/>
-                <a:hlinkClick r:id="rId3">
-                  <a:extLst>
-                    <a:ext uri="{A12FA001-AC4F-418D-AE19-62706E023703}">
-                      <ahyp:hlinkClr val="tx"/>
-                    </a:ext>
-                  </a:extLst>
-                </a:hlinkClick>
-              </a:rPr>
-              <a:t>https://rulamia.github.io/Horrorscopes/</a:t>
-            </a:r>
-            <a:endParaRPr b="1">
-              <a:solidFill>
-                <a:srgbClr val="A7A4D1"/>
-              </a:solidFill>
-              <a:latin typeface="Times New Roman"/>
-              <a:ea typeface="Times New Roman"/>
-              <a:cs typeface="Times New Roman"/>
-              <a:sym typeface="Times New Roman"/>
-            </a:endParaRPr>
-          </a:p>
-        </p:txBody>
-      </p:sp>
-      <p:grpSp>
-        <p:nvGrpSpPr>
-          <p:cNvPr id="441" name="Google Shape;441;p40"/>
-          <p:cNvGrpSpPr/>
-          <p:nvPr/>
-        </p:nvGrpSpPr>
-        <p:grpSpPr>
-          <a:xfrm>
-            <a:off x="0" y="0"/>
-            <a:ext cx="9106999" cy="1083925"/>
-            <a:chOff x="0" y="-14750"/>
-            <a:chExt cx="9106999" cy="1083925"/>
-          </a:xfrm>
-        </p:grpSpPr>
-        <p:pic>
-          <p:nvPicPr>
-            <p:cNvPr id="442" name="Google Shape;442;p40"/>
-            <p:cNvPicPr preferRelativeResize="0"/>
-            <p:nvPr/>
-          </p:nvPicPr>
-          <p:blipFill rotWithShape="1">
-            <a:blip r:embed="rId4">
-              <a:alphaModFix/>
-            </a:blip>
-            <a:srcRect b="9755" l="0" r="0" t="0"/>
-            <a:stretch/>
-          </p:blipFill>
-          <p:spPr>
-            <a:xfrm>
-              <a:off x="0" y="-14750"/>
-              <a:ext cx="1022125" cy="1029574"/>
-            </a:xfrm>
-            <a:prstGeom prst="rect">
-              <a:avLst/>
-            </a:prstGeom>
-            <a:noFill/>
-            <a:ln>
-              <a:noFill/>
-            </a:ln>
-          </p:spPr>
-        </p:pic>
-        <p:pic>
-          <p:nvPicPr>
-            <p:cNvPr id="443" name="Google Shape;443;p40"/>
-            <p:cNvPicPr preferRelativeResize="0"/>
-            <p:nvPr/>
-          </p:nvPicPr>
-          <p:blipFill rotWithShape="1">
-            <a:blip r:embed="rId5">
-              <a:alphaModFix/>
-            </a:blip>
-            <a:srcRect b="8700" l="0" r="0" t="0"/>
-            <a:stretch/>
-          </p:blipFill>
-          <p:spPr>
-            <a:xfrm>
-              <a:off x="1471076" y="-14750"/>
-              <a:ext cx="673249" cy="1029575"/>
-            </a:xfrm>
-            <a:prstGeom prst="rect">
-              <a:avLst/>
-            </a:prstGeom>
-            <a:noFill/>
-            <a:ln>
-              <a:noFill/>
-            </a:ln>
-          </p:spPr>
-        </p:pic>
-        <p:pic>
-          <p:nvPicPr>
-            <p:cNvPr id="444" name="Google Shape;444;p40"/>
-            <p:cNvPicPr preferRelativeResize="0"/>
-            <p:nvPr/>
-          </p:nvPicPr>
-          <p:blipFill rotWithShape="1">
-            <a:blip r:embed="rId6">
-              <a:alphaModFix/>
-            </a:blip>
-            <a:srcRect b="9041" l="0" r="0" t="0"/>
-            <a:stretch/>
-          </p:blipFill>
-          <p:spPr>
-            <a:xfrm>
-              <a:off x="4061899" y="-4825"/>
-              <a:ext cx="1493392" cy="1029575"/>
-            </a:xfrm>
-            <a:prstGeom prst="rect">
-              <a:avLst/>
-            </a:prstGeom>
-            <a:noFill/>
-            <a:ln>
-              <a:noFill/>
-            </a:ln>
-          </p:spPr>
-        </p:pic>
-        <p:pic>
-          <p:nvPicPr>
-            <p:cNvPr id="445" name="Google Shape;445;p40"/>
-            <p:cNvPicPr preferRelativeResize="0"/>
-            <p:nvPr/>
-          </p:nvPicPr>
-          <p:blipFill rotWithShape="1">
-            <a:blip r:embed="rId7">
-              <a:alphaModFix/>
-            </a:blip>
-            <a:srcRect b="13577" l="0" r="0" t="0"/>
-            <a:stretch/>
-          </p:blipFill>
-          <p:spPr>
-            <a:xfrm>
-              <a:off x="2540112" y="-4825"/>
-              <a:ext cx="1126013" cy="1029575"/>
-            </a:xfrm>
-            <a:prstGeom prst="rect">
-              <a:avLst/>
-            </a:prstGeom>
-            <a:noFill/>
-            <a:ln>
-              <a:noFill/>
-            </a:ln>
-          </p:spPr>
-        </p:pic>
-        <p:pic>
-          <p:nvPicPr>
-            <p:cNvPr id="446" name="Google Shape;446;p40"/>
-            <p:cNvPicPr preferRelativeResize="0"/>
-            <p:nvPr/>
-          </p:nvPicPr>
-          <p:blipFill rotWithShape="1">
-            <a:blip r:embed="rId8">
-              <a:alphaModFix/>
-            </a:blip>
-            <a:srcRect b="9853" l="0" r="0" t="0"/>
-            <a:stretch/>
-          </p:blipFill>
-          <p:spPr>
-            <a:xfrm>
-              <a:off x="6228649" y="-13951"/>
-              <a:ext cx="1126001" cy="1047837"/>
-            </a:xfrm>
-            <a:prstGeom prst="rect">
-              <a:avLst/>
-            </a:prstGeom>
-            <a:noFill/>
-            <a:ln>
-              <a:noFill/>
-            </a:ln>
-          </p:spPr>
-        </p:pic>
-        <p:pic>
-          <p:nvPicPr>
-            <p:cNvPr id="447" name="Google Shape;447;p40"/>
-            <p:cNvPicPr preferRelativeResize="0"/>
-            <p:nvPr/>
-          </p:nvPicPr>
-          <p:blipFill rotWithShape="1">
-            <a:blip r:embed="rId9">
-              <a:alphaModFix/>
-            </a:blip>
-            <a:srcRect b="9682" l="0" r="0" t="0"/>
-            <a:stretch/>
-          </p:blipFill>
-          <p:spPr>
-            <a:xfrm>
-              <a:off x="8055700" y="39600"/>
-              <a:ext cx="1051298" cy="1029575"/>
-            </a:xfrm>
-            <a:prstGeom prst="rect">
-              <a:avLst/>
-            </a:prstGeom>
-            <a:noFill/>
-            <a:ln>
-              <a:noFill/>
-            </a:ln>
-          </p:spPr>
-        </p:pic>
-      </p:grpSp>
-      <p:grpSp>
-        <p:nvGrpSpPr>
-          <p:cNvPr id="448" name="Google Shape;448;p40"/>
-          <p:cNvGrpSpPr/>
-          <p:nvPr/>
-        </p:nvGrpSpPr>
-        <p:grpSpPr>
-          <a:xfrm>
-            <a:off x="0" y="3987208"/>
-            <a:ext cx="9164450" cy="1156292"/>
-            <a:chOff x="0" y="3987208"/>
-            <a:chExt cx="9164450" cy="1156292"/>
-          </a:xfrm>
-        </p:grpSpPr>
-        <p:pic>
-          <p:nvPicPr>
-            <p:cNvPr id="449" name="Google Shape;449;p40"/>
-            <p:cNvPicPr preferRelativeResize="0"/>
-            <p:nvPr/>
-          </p:nvPicPr>
-          <p:blipFill rotWithShape="1">
-            <a:blip r:embed="rId10">
-              <a:alphaModFix/>
-            </a:blip>
-            <a:srcRect b="8138" l="0" r="0" t="0"/>
-            <a:stretch/>
-          </p:blipFill>
-          <p:spPr>
-            <a:xfrm>
-              <a:off x="0" y="4073253"/>
-              <a:ext cx="977025" cy="1070247"/>
-            </a:xfrm>
-            <a:prstGeom prst="rect">
-              <a:avLst/>
-            </a:prstGeom>
-            <a:noFill/>
-            <a:ln>
-              <a:noFill/>
-            </a:ln>
-          </p:spPr>
-        </p:pic>
-        <p:pic>
-          <p:nvPicPr>
-            <p:cNvPr id="450" name="Google Shape;450;p40"/>
-            <p:cNvPicPr preferRelativeResize="0"/>
-            <p:nvPr/>
-          </p:nvPicPr>
-          <p:blipFill rotWithShape="1">
-            <a:blip r:embed="rId11">
-              <a:alphaModFix/>
-            </a:blip>
-            <a:srcRect b="10650" l="0" r="0" t="0"/>
-            <a:stretch/>
-          </p:blipFill>
-          <p:spPr>
-            <a:xfrm>
-              <a:off x="1447800" y="4093067"/>
-              <a:ext cx="916625" cy="1050433"/>
-            </a:xfrm>
-            <a:prstGeom prst="rect">
-              <a:avLst/>
-            </a:prstGeom>
-            <a:noFill/>
-            <a:ln>
-              <a:noFill/>
-            </a:ln>
-          </p:spPr>
-        </p:pic>
-        <p:pic>
-          <p:nvPicPr>
-            <p:cNvPr id="451" name="Google Shape;451;p40"/>
-            <p:cNvPicPr preferRelativeResize="0"/>
-            <p:nvPr/>
-          </p:nvPicPr>
-          <p:blipFill rotWithShape="1">
-            <a:blip r:embed="rId12">
-              <a:alphaModFix/>
-            </a:blip>
-            <a:srcRect b="7510" l="0" r="0" t="0"/>
-            <a:stretch/>
-          </p:blipFill>
-          <p:spPr>
-            <a:xfrm>
-              <a:off x="2895600" y="4073250"/>
-              <a:ext cx="876183" cy="1070250"/>
-            </a:xfrm>
-            <a:prstGeom prst="rect">
-              <a:avLst/>
-            </a:prstGeom>
-            <a:noFill/>
-            <a:ln>
-              <a:noFill/>
-            </a:ln>
-          </p:spPr>
-        </p:pic>
-        <p:pic>
-          <p:nvPicPr>
-            <p:cNvPr id="452" name="Google Shape;452;p40"/>
-            <p:cNvPicPr preferRelativeResize="0"/>
-            <p:nvPr/>
-          </p:nvPicPr>
-          <p:blipFill rotWithShape="1">
-            <a:blip r:embed="rId13">
-              <a:alphaModFix/>
-            </a:blip>
-            <a:srcRect b="9600" l="0" r="0" t="0"/>
-            <a:stretch/>
-          </p:blipFill>
-          <p:spPr>
-            <a:xfrm>
-              <a:off x="4290500" y="4073250"/>
-              <a:ext cx="1310534" cy="1070250"/>
-            </a:xfrm>
-            <a:prstGeom prst="rect">
-              <a:avLst/>
-            </a:prstGeom>
-            <a:noFill/>
-            <a:ln>
-              <a:noFill/>
-            </a:ln>
-          </p:spPr>
-        </p:pic>
-        <p:pic>
-          <p:nvPicPr>
-            <p:cNvPr id="453" name="Google Shape;453;p40"/>
-            <p:cNvPicPr preferRelativeResize="0"/>
-            <p:nvPr/>
-          </p:nvPicPr>
-          <p:blipFill rotWithShape="1">
-            <a:blip r:embed="rId14">
-              <a:alphaModFix/>
-            </a:blip>
-            <a:srcRect b="9990" l="0" r="0" t="0"/>
-            <a:stretch/>
-          </p:blipFill>
-          <p:spPr>
-            <a:xfrm>
-              <a:off x="6012600" y="4073250"/>
-              <a:ext cx="1723450" cy="1070250"/>
-            </a:xfrm>
-            <a:prstGeom prst="rect">
-              <a:avLst/>
-            </a:prstGeom>
-            <a:noFill/>
-            <a:ln>
-              <a:noFill/>
-            </a:ln>
-          </p:spPr>
-        </p:pic>
-        <p:pic>
-          <p:nvPicPr>
-            <p:cNvPr id="454" name="Google Shape;454;p40"/>
-            <p:cNvPicPr preferRelativeResize="0"/>
-            <p:nvPr/>
-          </p:nvPicPr>
-          <p:blipFill rotWithShape="1">
-            <a:blip r:embed="rId15">
-              <a:alphaModFix/>
-            </a:blip>
-            <a:srcRect b="8575" l="0" r="0" t="0"/>
-            <a:stretch/>
-          </p:blipFill>
-          <p:spPr>
-            <a:xfrm>
-              <a:off x="8038450" y="3987208"/>
-              <a:ext cx="1126000" cy="1156292"/>
-            </a:xfrm>
-            <a:prstGeom prst="rect">
-              <a:avLst/>
-            </a:prstGeom>
-            <a:noFill/>
-            <a:ln>
-              <a:noFill/>
-            </a:ln>
-          </p:spPr>
-        </p:pic>
-      </p:grpSp>
-    </p:spTree>
-  </p:cSld>
-  <p:clrMapOvr>
-    <a:masterClrMapping/>
-  </p:clrMapOvr>
-</p:sld>
-</file>
-
-<file path=ppt/slides/slide29.xml><?xml version="1.0" encoding="utf-8"?>
-<p:sld xmlns:a="http://schemas.openxmlformats.org/drawingml/2006/main" xmlns:r="http://schemas.openxmlformats.org/officeDocument/2006/relationships" xmlns:mc="http://schemas.openxmlformats.org/markup-compatibility/2006" xmlns:mv="urn:schemas-microsoft-com:mac:vml" xmlns:p="http://schemas.openxmlformats.org/presentationml/2006/main" xmlns:c="http://schemas.openxmlformats.org/drawingml/2006/chart" xmlns:dgm="http://schemas.openxmlformats.org/drawingml/2006/diagram" xmlns:o="urn:schemas-microsoft-com:office:office" xmlns:v="urn:schemas-microsoft-com:vml" xmlns:pvml="urn:schemas-microsoft-com:office:powerpoint" xmlns:com="http://schemas.openxmlformats.org/drawingml/2006/compatibility" xmlns:p14="http://schemas.microsoft.com/office/powerpoint/2010/main" xmlns:p15="http://schemas.microsoft.com/office/powerpoint/2012/main" xmlns:ahyp="http://schemas.microsoft.com/office/drawing/2018/hyperlinkcolor">
-  <p:cSld>
-    <p:spTree>
-      <p:nvGrpSpPr>
-        <p:cNvPr id="458" name="Shape 458"/>
-        <p:cNvGrpSpPr/>
-        <p:nvPr/>
-      </p:nvGrpSpPr>
-      <p:grpSpPr>
-        <a:xfrm>
-          <a:off x="0" y="0"/>
-          <a:ext cx="0" cy="0"/>
-          <a:chOff x="0" y="0"/>
-          <a:chExt cx="0" cy="0"/>
-        </a:xfrm>
-      </p:grpSpPr>
-      <p:sp>
-        <p:nvSpPr>
-          <p:cNvPr id="459" name="Google Shape;459;p41"/>
-          <p:cNvSpPr txBox="1"/>
-          <p:nvPr>
-            <p:ph type="title"/>
-          </p:nvPr>
-        </p:nvSpPr>
-        <p:spPr>
-          <a:xfrm>
-            <a:off x="311700" y="2150850"/>
-            <a:ext cx="8520600" cy="841800"/>
-          </a:xfrm>
-          <a:prstGeom prst="rect">
-            <a:avLst/>
-          </a:prstGeom>
-        </p:spPr>
-        <p:txBody>
-          <a:bodyPr anchorCtr="0" anchor="ctr" bIns="91425" lIns="91425" spcFirstLastPara="1" rIns="91425" wrap="square" tIns="91425">
-            <a:normAutofit/>
-          </a:bodyPr>
-          <a:lstStyle/>
-          <a:p>
-            <a:pPr indent="0" lvl="0" marL="0" rtl="0" algn="ctr">
-              <a:spcBef>
-                <a:spcPts val="0"/>
-              </a:spcBef>
-              <a:spcAft>
-                <a:spcPts val="0"/>
-              </a:spcAft>
-              <a:buNone/>
-            </a:pPr>
-            <a:r>
-              <a:rPr b="1" lang="en">
-                <a:solidFill>
-                  <a:srgbClr val="A7A4D1"/>
-                </a:solidFill>
-                <a:latin typeface="Times New Roman"/>
-                <a:ea typeface="Times New Roman"/>
-                <a:cs typeface="Times New Roman"/>
-                <a:sym typeface="Times New Roman"/>
-              </a:rPr>
-              <a:t>Thank you!</a:t>
-            </a:r>
-            <a:endParaRPr b="1">
-              <a:solidFill>
-                <a:srgbClr val="A7A4D1"/>
-              </a:solidFill>
-              <a:latin typeface="Times New Roman"/>
-              <a:ea typeface="Times New Roman"/>
-              <a:cs typeface="Times New Roman"/>
-              <a:sym typeface="Times New Roman"/>
-            </a:endParaRPr>
-          </a:p>
-        </p:txBody>
-      </p:sp>
     </p:spTree>
   </p:cSld>
   <p:clrMapOvr>
@@ -16986,6 +17751,568 @@
           </p:spPr>
         </p:pic>
       </p:grpSp>
+    </p:spTree>
+  </p:cSld>
+  <p:clrMapOvr>
+    <a:masterClrMapping/>
+  </p:clrMapOvr>
+</p:sld>
+</file>
+
+<file path=ppt/slides/slide30.xml><?xml version="1.0" encoding="utf-8"?>
+<p:sld xmlns:a="http://schemas.openxmlformats.org/drawingml/2006/main" xmlns:r="http://schemas.openxmlformats.org/officeDocument/2006/relationships" xmlns:mc="http://schemas.openxmlformats.org/markup-compatibility/2006" xmlns:mv="urn:schemas-microsoft-com:mac:vml" xmlns:p="http://schemas.openxmlformats.org/presentationml/2006/main" xmlns:c="http://schemas.openxmlformats.org/drawingml/2006/chart" xmlns:dgm="http://schemas.openxmlformats.org/drawingml/2006/diagram" xmlns:o="urn:schemas-microsoft-com:office:office" xmlns:v="urn:schemas-microsoft-com:vml" xmlns:pvml="urn:schemas-microsoft-com:office:powerpoint" xmlns:com="http://schemas.openxmlformats.org/drawingml/2006/compatibility" xmlns:p14="http://schemas.microsoft.com/office/powerpoint/2010/main" xmlns:p15="http://schemas.microsoft.com/office/powerpoint/2012/main" xmlns:ahyp="http://schemas.microsoft.com/office/drawing/2018/hyperlinkcolor">
+  <p:cSld>
+    <p:bg>
+      <p:bgPr>
+        <a:solidFill>
+          <a:srgbClr val="F4D58F"/>
+        </a:solidFill>
+      </p:bgPr>
+    </p:bg>
+    <p:spTree>
+      <p:nvGrpSpPr>
+        <p:cNvPr id="451" name="Shape 451"/>
+        <p:cNvGrpSpPr/>
+        <p:nvPr/>
+      </p:nvGrpSpPr>
+      <p:grpSpPr>
+        <a:xfrm>
+          <a:off x="0" y="0"/>
+          <a:ext cx="0" cy="0"/>
+          <a:chOff x="0" y="0"/>
+          <a:chExt cx="0" cy="0"/>
+        </a:xfrm>
+      </p:grpSpPr>
+      <p:sp>
+        <p:nvSpPr>
+          <p:cNvPr id="452" name="Google Shape;452;p42"/>
+          <p:cNvSpPr txBox="1"/>
+          <p:nvPr>
+            <p:ph type="title"/>
+          </p:nvPr>
+        </p:nvSpPr>
+        <p:spPr>
+          <a:xfrm>
+            <a:off x="311700" y="2150850"/>
+            <a:ext cx="8520600" cy="841800"/>
+          </a:xfrm>
+          <a:prstGeom prst="rect">
+            <a:avLst/>
+          </a:prstGeom>
+        </p:spPr>
+        <p:txBody>
+          <a:bodyPr anchorCtr="0" anchor="ctr" bIns="91425" lIns="91425" spcFirstLastPara="1" rIns="91425" wrap="square" tIns="91425">
+            <a:normAutofit fontScale="90000"/>
+          </a:bodyPr>
+          <a:lstStyle/>
+          <a:p>
+            <a:pPr indent="0" lvl="0" marL="0" rtl="0" algn="ctr">
+              <a:spcBef>
+                <a:spcPts val="0"/>
+              </a:spcBef>
+              <a:spcAft>
+                <a:spcPts val="0"/>
+              </a:spcAft>
+              <a:buNone/>
+            </a:pPr>
+            <a:r>
+              <a:rPr b="1" lang="en">
+                <a:solidFill>
+                  <a:schemeClr val="lt1"/>
+                </a:solidFill>
+                <a:latin typeface="Times New Roman"/>
+                <a:ea typeface="Times New Roman"/>
+                <a:cs typeface="Times New Roman"/>
+                <a:sym typeface="Times New Roman"/>
+              </a:rPr>
+              <a:t>Dashboard - Live Demo</a:t>
+            </a:r>
+            <a:endParaRPr b="1">
+              <a:solidFill>
+                <a:schemeClr val="lt1"/>
+              </a:solidFill>
+              <a:latin typeface="Times New Roman"/>
+              <a:ea typeface="Times New Roman"/>
+              <a:cs typeface="Times New Roman"/>
+              <a:sym typeface="Times New Roman"/>
+            </a:endParaRPr>
+          </a:p>
+          <a:p>
+            <a:pPr indent="0" lvl="0" marL="0" rtl="0" algn="ctr">
+              <a:spcBef>
+                <a:spcPts val="0"/>
+              </a:spcBef>
+              <a:spcAft>
+                <a:spcPts val="0"/>
+              </a:spcAft>
+              <a:buNone/>
+            </a:pPr>
+            <a:r>
+              <a:rPr b="1" lang="en" u="sng">
+                <a:solidFill>
+                  <a:srgbClr val="A7A4D1"/>
+                </a:solidFill>
+                <a:latin typeface="Times New Roman"/>
+                <a:ea typeface="Times New Roman"/>
+                <a:cs typeface="Times New Roman"/>
+                <a:sym typeface="Times New Roman"/>
+                <a:hlinkClick r:id="rId3">
+                  <a:extLst>
+                    <a:ext uri="{A12FA001-AC4F-418D-AE19-62706E023703}">
+                      <ahyp:hlinkClr val="tx"/>
+                    </a:ext>
+                  </a:extLst>
+                </a:hlinkClick>
+              </a:rPr>
+              <a:t>https://rulamia.github.io/Horrorscopes/</a:t>
+            </a:r>
+            <a:endParaRPr b="1">
+              <a:solidFill>
+                <a:srgbClr val="A7A4D1"/>
+              </a:solidFill>
+              <a:latin typeface="Times New Roman"/>
+              <a:ea typeface="Times New Roman"/>
+              <a:cs typeface="Times New Roman"/>
+              <a:sym typeface="Times New Roman"/>
+            </a:endParaRPr>
+          </a:p>
+        </p:txBody>
+      </p:sp>
+      <p:grpSp>
+        <p:nvGrpSpPr>
+          <p:cNvPr id="453" name="Google Shape;453;p42"/>
+          <p:cNvGrpSpPr/>
+          <p:nvPr/>
+        </p:nvGrpSpPr>
+        <p:grpSpPr>
+          <a:xfrm>
+            <a:off x="0" y="0"/>
+            <a:ext cx="9106999" cy="1083925"/>
+            <a:chOff x="0" y="-14750"/>
+            <a:chExt cx="9106999" cy="1083925"/>
+          </a:xfrm>
+        </p:grpSpPr>
+        <p:pic>
+          <p:nvPicPr>
+            <p:cNvPr id="454" name="Google Shape;454;p42"/>
+            <p:cNvPicPr preferRelativeResize="0"/>
+            <p:nvPr/>
+          </p:nvPicPr>
+          <p:blipFill rotWithShape="1">
+            <a:blip r:embed="rId4">
+              <a:alphaModFix/>
+            </a:blip>
+            <a:srcRect b="9755" l="0" r="0" t="0"/>
+            <a:stretch/>
+          </p:blipFill>
+          <p:spPr>
+            <a:xfrm>
+              <a:off x="0" y="-14750"/>
+              <a:ext cx="1022125" cy="1029574"/>
+            </a:xfrm>
+            <a:prstGeom prst="rect">
+              <a:avLst/>
+            </a:prstGeom>
+            <a:noFill/>
+            <a:ln>
+              <a:noFill/>
+            </a:ln>
+          </p:spPr>
+        </p:pic>
+        <p:pic>
+          <p:nvPicPr>
+            <p:cNvPr id="455" name="Google Shape;455;p42"/>
+            <p:cNvPicPr preferRelativeResize="0"/>
+            <p:nvPr/>
+          </p:nvPicPr>
+          <p:blipFill rotWithShape="1">
+            <a:blip r:embed="rId5">
+              <a:alphaModFix/>
+            </a:blip>
+            <a:srcRect b="8700" l="0" r="0" t="0"/>
+            <a:stretch/>
+          </p:blipFill>
+          <p:spPr>
+            <a:xfrm>
+              <a:off x="1471076" y="-14750"/>
+              <a:ext cx="673249" cy="1029575"/>
+            </a:xfrm>
+            <a:prstGeom prst="rect">
+              <a:avLst/>
+            </a:prstGeom>
+            <a:noFill/>
+            <a:ln>
+              <a:noFill/>
+            </a:ln>
+          </p:spPr>
+        </p:pic>
+        <p:pic>
+          <p:nvPicPr>
+            <p:cNvPr id="456" name="Google Shape;456;p42"/>
+            <p:cNvPicPr preferRelativeResize="0"/>
+            <p:nvPr/>
+          </p:nvPicPr>
+          <p:blipFill rotWithShape="1">
+            <a:blip r:embed="rId6">
+              <a:alphaModFix/>
+            </a:blip>
+            <a:srcRect b="9041" l="0" r="0" t="0"/>
+            <a:stretch/>
+          </p:blipFill>
+          <p:spPr>
+            <a:xfrm>
+              <a:off x="4061899" y="-4825"/>
+              <a:ext cx="1493392" cy="1029575"/>
+            </a:xfrm>
+            <a:prstGeom prst="rect">
+              <a:avLst/>
+            </a:prstGeom>
+            <a:noFill/>
+            <a:ln>
+              <a:noFill/>
+            </a:ln>
+          </p:spPr>
+        </p:pic>
+        <p:pic>
+          <p:nvPicPr>
+            <p:cNvPr id="457" name="Google Shape;457;p42"/>
+            <p:cNvPicPr preferRelativeResize="0"/>
+            <p:nvPr/>
+          </p:nvPicPr>
+          <p:blipFill rotWithShape="1">
+            <a:blip r:embed="rId7">
+              <a:alphaModFix/>
+            </a:blip>
+            <a:srcRect b="13577" l="0" r="0" t="0"/>
+            <a:stretch/>
+          </p:blipFill>
+          <p:spPr>
+            <a:xfrm>
+              <a:off x="2540112" y="-4825"/>
+              <a:ext cx="1126013" cy="1029575"/>
+            </a:xfrm>
+            <a:prstGeom prst="rect">
+              <a:avLst/>
+            </a:prstGeom>
+            <a:noFill/>
+            <a:ln>
+              <a:noFill/>
+            </a:ln>
+          </p:spPr>
+        </p:pic>
+        <p:pic>
+          <p:nvPicPr>
+            <p:cNvPr id="458" name="Google Shape;458;p42"/>
+            <p:cNvPicPr preferRelativeResize="0"/>
+            <p:nvPr/>
+          </p:nvPicPr>
+          <p:blipFill rotWithShape="1">
+            <a:blip r:embed="rId8">
+              <a:alphaModFix/>
+            </a:blip>
+            <a:srcRect b="9853" l="0" r="0" t="0"/>
+            <a:stretch/>
+          </p:blipFill>
+          <p:spPr>
+            <a:xfrm>
+              <a:off x="6228649" y="-13951"/>
+              <a:ext cx="1126001" cy="1047837"/>
+            </a:xfrm>
+            <a:prstGeom prst="rect">
+              <a:avLst/>
+            </a:prstGeom>
+            <a:noFill/>
+            <a:ln>
+              <a:noFill/>
+            </a:ln>
+          </p:spPr>
+        </p:pic>
+        <p:pic>
+          <p:nvPicPr>
+            <p:cNvPr id="459" name="Google Shape;459;p42"/>
+            <p:cNvPicPr preferRelativeResize="0"/>
+            <p:nvPr/>
+          </p:nvPicPr>
+          <p:blipFill rotWithShape="1">
+            <a:blip r:embed="rId9">
+              <a:alphaModFix/>
+            </a:blip>
+            <a:srcRect b="9682" l="0" r="0" t="0"/>
+            <a:stretch/>
+          </p:blipFill>
+          <p:spPr>
+            <a:xfrm>
+              <a:off x="8055700" y="39600"/>
+              <a:ext cx="1051298" cy="1029575"/>
+            </a:xfrm>
+            <a:prstGeom prst="rect">
+              <a:avLst/>
+            </a:prstGeom>
+            <a:noFill/>
+            <a:ln>
+              <a:noFill/>
+            </a:ln>
+          </p:spPr>
+        </p:pic>
+      </p:grpSp>
+      <p:grpSp>
+        <p:nvGrpSpPr>
+          <p:cNvPr id="460" name="Google Shape;460;p42"/>
+          <p:cNvGrpSpPr/>
+          <p:nvPr/>
+        </p:nvGrpSpPr>
+        <p:grpSpPr>
+          <a:xfrm>
+            <a:off x="0" y="3987208"/>
+            <a:ext cx="9164450" cy="1156292"/>
+            <a:chOff x="0" y="3987208"/>
+            <a:chExt cx="9164450" cy="1156292"/>
+          </a:xfrm>
+        </p:grpSpPr>
+        <p:pic>
+          <p:nvPicPr>
+            <p:cNvPr id="461" name="Google Shape;461;p42"/>
+            <p:cNvPicPr preferRelativeResize="0"/>
+            <p:nvPr/>
+          </p:nvPicPr>
+          <p:blipFill rotWithShape="1">
+            <a:blip r:embed="rId10">
+              <a:alphaModFix/>
+            </a:blip>
+            <a:srcRect b="8138" l="0" r="0" t="0"/>
+            <a:stretch/>
+          </p:blipFill>
+          <p:spPr>
+            <a:xfrm>
+              <a:off x="0" y="4073253"/>
+              <a:ext cx="977025" cy="1070247"/>
+            </a:xfrm>
+            <a:prstGeom prst="rect">
+              <a:avLst/>
+            </a:prstGeom>
+            <a:noFill/>
+            <a:ln>
+              <a:noFill/>
+            </a:ln>
+          </p:spPr>
+        </p:pic>
+        <p:pic>
+          <p:nvPicPr>
+            <p:cNvPr id="462" name="Google Shape;462;p42"/>
+            <p:cNvPicPr preferRelativeResize="0"/>
+            <p:nvPr/>
+          </p:nvPicPr>
+          <p:blipFill rotWithShape="1">
+            <a:blip r:embed="rId11">
+              <a:alphaModFix/>
+            </a:blip>
+            <a:srcRect b="10650" l="0" r="0" t="0"/>
+            <a:stretch/>
+          </p:blipFill>
+          <p:spPr>
+            <a:xfrm>
+              <a:off x="1447800" y="4093067"/>
+              <a:ext cx="916625" cy="1050433"/>
+            </a:xfrm>
+            <a:prstGeom prst="rect">
+              <a:avLst/>
+            </a:prstGeom>
+            <a:noFill/>
+            <a:ln>
+              <a:noFill/>
+            </a:ln>
+          </p:spPr>
+        </p:pic>
+        <p:pic>
+          <p:nvPicPr>
+            <p:cNvPr id="463" name="Google Shape;463;p42"/>
+            <p:cNvPicPr preferRelativeResize="0"/>
+            <p:nvPr/>
+          </p:nvPicPr>
+          <p:blipFill rotWithShape="1">
+            <a:blip r:embed="rId12">
+              <a:alphaModFix/>
+            </a:blip>
+            <a:srcRect b="7510" l="0" r="0" t="0"/>
+            <a:stretch/>
+          </p:blipFill>
+          <p:spPr>
+            <a:xfrm>
+              <a:off x="2895600" y="4073250"/>
+              <a:ext cx="876183" cy="1070250"/>
+            </a:xfrm>
+            <a:prstGeom prst="rect">
+              <a:avLst/>
+            </a:prstGeom>
+            <a:noFill/>
+            <a:ln>
+              <a:noFill/>
+            </a:ln>
+          </p:spPr>
+        </p:pic>
+        <p:pic>
+          <p:nvPicPr>
+            <p:cNvPr id="464" name="Google Shape;464;p42"/>
+            <p:cNvPicPr preferRelativeResize="0"/>
+            <p:nvPr/>
+          </p:nvPicPr>
+          <p:blipFill rotWithShape="1">
+            <a:blip r:embed="rId13">
+              <a:alphaModFix/>
+            </a:blip>
+            <a:srcRect b="9600" l="0" r="0" t="0"/>
+            <a:stretch/>
+          </p:blipFill>
+          <p:spPr>
+            <a:xfrm>
+              <a:off x="4290500" y="4073250"/>
+              <a:ext cx="1310534" cy="1070250"/>
+            </a:xfrm>
+            <a:prstGeom prst="rect">
+              <a:avLst/>
+            </a:prstGeom>
+            <a:noFill/>
+            <a:ln>
+              <a:noFill/>
+            </a:ln>
+          </p:spPr>
+        </p:pic>
+        <p:pic>
+          <p:nvPicPr>
+            <p:cNvPr id="465" name="Google Shape;465;p42"/>
+            <p:cNvPicPr preferRelativeResize="0"/>
+            <p:nvPr/>
+          </p:nvPicPr>
+          <p:blipFill rotWithShape="1">
+            <a:blip r:embed="rId14">
+              <a:alphaModFix/>
+            </a:blip>
+            <a:srcRect b="9990" l="0" r="0" t="0"/>
+            <a:stretch/>
+          </p:blipFill>
+          <p:spPr>
+            <a:xfrm>
+              <a:off x="6012600" y="4073250"/>
+              <a:ext cx="1723450" cy="1070250"/>
+            </a:xfrm>
+            <a:prstGeom prst="rect">
+              <a:avLst/>
+            </a:prstGeom>
+            <a:noFill/>
+            <a:ln>
+              <a:noFill/>
+            </a:ln>
+          </p:spPr>
+        </p:pic>
+        <p:pic>
+          <p:nvPicPr>
+            <p:cNvPr id="466" name="Google Shape;466;p42"/>
+            <p:cNvPicPr preferRelativeResize="0"/>
+            <p:nvPr/>
+          </p:nvPicPr>
+          <p:blipFill rotWithShape="1">
+            <a:blip r:embed="rId15">
+              <a:alphaModFix/>
+            </a:blip>
+            <a:srcRect b="8575" l="0" r="0" t="0"/>
+            <a:stretch/>
+          </p:blipFill>
+          <p:spPr>
+            <a:xfrm>
+              <a:off x="8038450" y="3987208"/>
+              <a:ext cx="1126000" cy="1156292"/>
+            </a:xfrm>
+            <a:prstGeom prst="rect">
+              <a:avLst/>
+            </a:prstGeom>
+            <a:noFill/>
+            <a:ln>
+              <a:noFill/>
+            </a:ln>
+          </p:spPr>
+        </p:pic>
+      </p:grpSp>
+    </p:spTree>
+  </p:cSld>
+  <p:clrMapOvr>
+    <a:masterClrMapping/>
+  </p:clrMapOvr>
+</p:sld>
+</file>
+
+<file path=ppt/slides/slide31.xml><?xml version="1.0" encoding="utf-8"?>
+<p:sld xmlns:a="http://schemas.openxmlformats.org/drawingml/2006/main" xmlns:r="http://schemas.openxmlformats.org/officeDocument/2006/relationships" xmlns:mc="http://schemas.openxmlformats.org/markup-compatibility/2006" xmlns:mv="urn:schemas-microsoft-com:mac:vml" xmlns:p="http://schemas.openxmlformats.org/presentationml/2006/main" xmlns:c="http://schemas.openxmlformats.org/drawingml/2006/chart" xmlns:dgm="http://schemas.openxmlformats.org/drawingml/2006/diagram" xmlns:o="urn:schemas-microsoft-com:office:office" xmlns:v="urn:schemas-microsoft-com:vml" xmlns:pvml="urn:schemas-microsoft-com:office:powerpoint" xmlns:com="http://schemas.openxmlformats.org/drawingml/2006/compatibility" xmlns:p14="http://schemas.microsoft.com/office/powerpoint/2010/main" xmlns:p15="http://schemas.microsoft.com/office/powerpoint/2012/main" xmlns:ahyp="http://schemas.microsoft.com/office/drawing/2018/hyperlinkcolor">
+  <p:cSld>
+    <p:spTree>
+      <p:nvGrpSpPr>
+        <p:cNvPr id="470" name="Shape 470"/>
+        <p:cNvGrpSpPr/>
+        <p:nvPr/>
+      </p:nvGrpSpPr>
+      <p:grpSpPr>
+        <a:xfrm>
+          <a:off x="0" y="0"/>
+          <a:ext cx="0" cy="0"/>
+          <a:chOff x="0" y="0"/>
+          <a:chExt cx="0" cy="0"/>
+        </a:xfrm>
+      </p:grpSpPr>
+      <p:sp>
+        <p:nvSpPr>
+          <p:cNvPr id="471" name="Google Shape;471;p43"/>
+          <p:cNvSpPr txBox="1"/>
+          <p:nvPr>
+            <p:ph type="title"/>
+          </p:nvPr>
+        </p:nvSpPr>
+        <p:spPr>
+          <a:xfrm>
+            <a:off x="311700" y="2150850"/>
+            <a:ext cx="8520600" cy="841800"/>
+          </a:xfrm>
+          <a:prstGeom prst="rect">
+            <a:avLst/>
+          </a:prstGeom>
+        </p:spPr>
+        <p:txBody>
+          <a:bodyPr anchorCtr="0" anchor="ctr" bIns="91425" lIns="91425" spcFirstLastPara="1" rIns="91425" wrap="square" tIns="91425">
+            <a:normAutofit/>
+          </a:bodyPr>
+          <a:lstStyle/>
+          <a:p>
+            <a:pPr indent="0" lvl="0" marL="0" rtl="0" algn="ctr">
+              <a:spcBef>
+                <a:spcPts val="0"/>
+              </a:spcBef>
+              <a:spcAft>
+                <a:spcPts val="0"/>
+              </a:spcAft>
+              <a:buNone/>
+            </a:pPr>
+            <a:r>
+              <a:rPr b="1" lang="en">
+                <a:solidFill>
+                  <a:srgbClr val="A7A4D1"/>
+                </a:solidFill>
+                <a:latin typeface="Times New Roman"/>
+                <a:ea typeface="Times New Roman"/>
+                <a:cs typeface="Times New Roman"/>
+                <a:sym typeface="Times New Roman"/>
+              </a:rPr>
+              <a:t>Thank you!</a:t>
+            </a:r>
+            <a:endParaRPr b="1">
+              <a:solidFill>
+                <a:srgbClr val="A7A4D1"/>
+              </a:solidFill>
+              <a:latin typeface="Times New Roman"/>
+              <a:ea typeface="Times New Roman"/>
+              <a:cs typeface="Times New Roman"/>
+              <a:sym typeface="Times New Roman"/>
+            </a:endParaRPr>
+          </a:p>
+        </p:txBody>
+      </p:sp>
     </p:spTree>
   </p:cSld>
   <p:clrMapOvr>
@@ -19555,7 +20882,7 @@
         </p:nvSpPr>
         <p:spPr>
           <a:xfrm>
-            <a:off x="311700" y="1131600"/>
+            <a:off x="311700" y="445025"/>
             <a:ext cx="8520600" cy="572700"/>
           </a:xfrm>
           <a:prstGeom prst="rect">
@@ -19587,7 +20914,7 @@
                 <a:cs typeface="Times New Roman"/>
                 <a:sym typeface="Times New Roman"/>
               </a:rPr>
-              <a:t>Database - Description of Database</a:t>
+              <a:t>ETL - Schema</a:t>
             </a:r>
             <a:endParaRPr b="1">
               <a:solidFill>
@@ -19601,470 +20928,34 @@
           </a:p>
         </p:txBody>
       </p:sp>
-      <p:sp>
-        <p:nvSpPr>
+      <p:pic>
+        <p:nvPicPr>
           <p:cNvPr id="181" name="Google Shape;181;p20"/>
-          <p:cNvSpPr txBox="1"/>
-          <p:nvPr>
-            <p:ph idx="1" type="body"/>
-          </p:nvPr>
-        </p:nvSpPr>
+          <p:cNvPicPr preferRelativeResize="0"/>
+          <p:nvPr/>
+        </p:nvPicPr>
+        <p:blipFill>
+          <a:blip r:embed="rId3">
+            <a:alphaModFix/>
+          </a:blip>
+          <a:stretch>
+            <a:fillRect/>
+          </a:stretch>
+        </p:blipFill>
         <p:spPr>
           <a:xfrm>
-            <a:off x="311700" y="1876175"/>
-            <a:ext cx="8520600" cy="3416400"/>
+            <a:off x="610425" y="943175"/>
+            <a:ext cx="7923150" cy="3973375"/>
           </a:xfrm>
           <a:prstGeom prst="rect">
             <a:avLst/>
           </a:prstGeom>
+          <a:noFill/>
+          <a:ln>
+            <a:noFill/>
+          </a:ln>
         </p:spPr>
-        <p:txBody>
-          <a:bodyPr anchorCtr="0" anchor="t" bIns="91425" lIns="91425" spcFirstLastPara="1" rIns="91425" wrap="square" tIns="91425">
-            <a:normAutofit/>
-          </a:bodyPr>
-          <a:lstStyle/>
-          <a:p>
-            <a:pPr indent="-342900" lvl="0" marL="457200" rtl="0" algn="l">
-              <a:spcBef>
-                <a:spcPts val="0"/>
-              </a:spcBef>
-              <a:spcAft>
-                <a:spcPts val="0"/>
-              </a:spcAft>
-              <a:buClr>
-                <a:schemeClr val="lt1"/>
-              </a:buClr>
-              <a:buSzPts val="1800"/>
-              <a:buFont typeface="Times New Roman"/>
-              <a:buChar char="●"/>
-            </a:pPr>
-            <a:r>
-              <a:rPr lang="en">
-                <a:solidFill>
-                  <a:schemeClr val="lt1"/>
-                </a:solidFill>
-                <a:latin typeface="Times New Roman"/>
-                <a:ea typeface="Times New Roman"/>
-                <a:cs typeface="Times New Roman"/>
-                <a:sym typeface="Times New Roman"/>
-              </a:rPr>
-              <a:t>Hosted instance on Amazon Web Services, access through secure link with pgAdmin through a PostgreSQL database.</a:t>
-            </a:r>
-            <a:endParaRPr>
-              <a:solidFill>
-                <a:schemeClr val="lt1"/>
-              </a:solidFill>
-              <a:latin typeface="Times New Roman"/>
-              <a:ea typeface="Times New Roman"/>
-              <a:cs typeface="Times New Roman"/>
-              <a:sym typeface="Times New Roman"/>
-            </a:endParaRPr>
-          </a:p>
-          <a:p>
-            <a:pPr indent="-342900" lvl="0" marL="457200" rtl="0" algn="l">
-              <a:spcBef>
-                <a:spcPts val="0"/>
-              </a:spcBef>
-              <a:spcAft>
-                <a:spcPts val="0"/>
-              </a:spcAft>
-              <a:buClr>
-                <a:schemeClr val="lt1"/>
-              </a:buClr>
-              <a:buSzPts val="1800"/>
-              <a:buFont typeface="Times New Roman"/>
-              <a:buChar char="●"/>
-            </a:pPr>
-            <a:r>
-              <a:rPr lang="en">
-                <a:solidFill>
-                  <a:schemeClr val="lt1"/>
-                </a:solidFill>
-                <a:latin typeface="Times New Roman"/>
-                <a:ea typeface="Times New Roman"/>
-                <a:cs typeface="Times New Roman"/>
-                <a:sym typeface="Times New Roman"/>
-              </a:rPr>
-              <a:t>PostgreSQL </a:t>
-            </a:r>
-            <a:r>
-              <a:rPr lang="en">
-                <a:solidFill>
-                  <a:schemeClr val="lt1"/>
-                </a:solidFill>
-                <a:latin typeface="Times New Roman"/>
-                <a:ea typeface="Times New Roman"/>
-                <a:cs typeface="Times New Roman"/>
-                <a:sym typeface="Times New Roman"/>
-              </a:rPr>
-              <a:t>allows the entire team access to the database on their own terminal, reducing the need for data transfers.</a:t>
-            </a:r>
-            <a:endParaRPr>
-              <a:solidFill>
-                <a:schemeClr val="lt1"/>
-              </a:solidFill>
-              <a:latin typeface="Times New Roman"/>
-              <a:ea typeface="Times New Roman"/>
-              <a:cs typeface="Times New Roman"/>
-              <a:sym typeface="Times New Roman"/>
-            </a:endParaRPr>
-          </a:p>
-        </p:txBody>
-      </p:sp>
-      <p:grpSp>
-        <p:nvGrpSpPr>
-          <p:cNvPr id="182" name="Google Shape;182;p20"/>
-          <p:cNvGrpSpPr/>
-          <p:nvPr/>
-        </p:nvGrpSpPr>
-        <p:grpSpPr>
-          <a:xfrm>
-            <a:off x="18500" y="47675"/>
-            <a:ext cx="9106999" cy="1083925"/>
-            <a:chOff x="0" y="-14750"/>
-            <a:chExt cx="9106999" cy="1083925"/>
-          </a:xfrm>
-        </p:grpSpPr>
-        <p:pic>
-          <p:nvPicPr>
-            <p:cNvPr id="183" name="Google Shape;183;p20"/>
-            <p:cNvPicPr preferRelativeResize="0"/>
-            <p:nvPr/>
-          </p:nvPicPr>
-          <p:blipFill rotWithShape="1">
-            <a:blip r:embed="rId3">
-              <a:alphaModFix/>
-            </a:blip>
-            <a:srcRect b="9755" l="0" r="0" t="0"/>
-            <a:stretch/>
-          </p:blipFill>
-          <p:spPr>
-            <a:xfrm>
-              <a:off x="0" y="-14750"/>
-              <a:ext cx="1022125" cy="1029574"/>
-            </a:xfrm>
-            <a:prstGeom prst="rect">
-              <a:avLst/>
-            </a:prstGeom>
-            <a:noFill/>
-            <a:ln>
-              <a:noFill/>
-            </a:ln>
-          </p:spPr>
-        </p:pic>
-        <p:pic>
-          <p:nvPicPr>
-            <p:cNvPr id="184" name="Google Shape;184;p20"/>
-            <p:cNvPicPr preferRelativeResize="0"/>
-            <p:nvPr/>
-          </p:nvPicPr>
-          <p:blipFill rotWithShape="1">
-            <a:blip r:embed="rId4">
-              <a:alphaModFix/>
-            </a:blip>
-            <a:srcRect b="8700" l="0" r="0" t="0"/>
-            <a:stretch/>
-          </p:blipFill>
-          <p:spPr>
-            <a:xfrm>
-              <a:off x="1471076" y="-14750"/>
-              <a:ext cx="673249" cy="1029575"/>
-            </a:xfrm>
-            <a:prstGeom prst="rect">
-              <a:avLst/>
-            </a:prstGeom>
-            <a:noFill/>
-            <a:ln>
-              <a:noFill/>
-            </a:ln>
-          </p:spPr>
-        </p:pic>
-        <p:pic>
-          <p:nvPicPr>
-            <p:cNvPr id="185" name="Google Shape;185;p20"/>
-            <p:cNvPicPr preferRelativeResize="0"/>
-            <p:nvPr/>
-          </p:nvPicPr>
-          <p:blipFill rotWithShape="1">
-            <a:blip r:embed="rId5">
-              <a:alphaModFix/>
-            </a:blip>
-            <a:srcRect b="9041" l="0" r="0" t="0"/>
-            <a:stretch/>
-          </p:blipFill>
-          <p:spPr>
-            <a:xfrm>
-              <a:off x="4061899" y="-4825"/>
-              <a:ext cx="1493392" cy="1029575"/>
-            </a:xfrm>
-            <a:prstGeom prst="rect">
-              <a:avLst/>
-            </a:prstGeom>
-            <a:noFill/>
-            <a:ln>
-              <a:noFill/>
-            </a:ln>
-          </p:spPr>
-        </p:pic>
-        <p:pic>
-          <p:nvPicPr>
-            <p:cNvPr id="186" name="Google Shape;186;p20"/>
-            <p:cNvPicPr preferRelativeResize="0"/>
-            <p:nvPr/>
-          </p:nvPicPr>
-          <p:blipFill rotWithShape="1">
-            <a:blip r:embed="rId6">
-              <a:alphaModFix/>
-            </a:blip>
-            <a:srcRect b="13577" l="0" r="0" t="0"/>
-            <a:stretch/>
-          </p:blipFill>
-          <p:spPr>
-            <a:xfrm>
-              <a:off x="2540112" y="-4825"/>
-              <a:ext cx="1126013" cy="1029575"/>
-            </a:xfrm>
-            <a:prstGeom prst="rect">
-              <a:avLst/>
-            </a:prstGeom>
-            <a:noFill/>
-            <a:ln>
-              <a:noFill/>
-            </a:ln>
-          </p:spPr>
-        </p:pic>
-        <p:pic>
-          <p:nvPicPr>
-            <p:cNvPr id="187" name="Google Shape;187;p20"/>
-            <p:cNvPicPr preferRelativeResize="0"/>
-            <p:nvPr/>
-          </p:nvPicPr>
-          <p:blipFill rotWithShape="1">
-            <a:blip r:embed="rId7">
-              <a:alphaModFix/>
-            </a:blip>
-            <a:srcRect b="9853" l="0" r="0" t="0"/>
-            <a:stretch/>
-          </p:blipFill>
-          <p:spPr>
-            <a:xfrm>
-              <a:off x="6228649" y="-13951"/>
-              <a:ext cx="1126001" cy="1047837"/>
-            </a:xfrm>
-            <a:prstGeom prst="rect">
-              <a:avLst/>
-            </a:prstGeom>
-            <a:noFill/>
-            <a:ln>
-              <a:noFill/>
-            </a:ln>
-          </p:spPr>
-        </p:pic>
-        <p:pic>
-          <p:nvPicPr>
-            <p:cNvPr id="188" name="Google Shape;188;p20"/>
-            <p:cNvPicPr preferRelativeResize="0"/>
-            <p:nvPr/>
-          </p:nvPicPr>
-          <p:blipFill rotWithShape="1">
-            <a:blip r:embed="rId8">
-              <a:alphaModFix/>
-            </a:blip>
-            <a:srcRect b="9682" l="0" r="0" t="0"/>
-            <a:stretch/>
-          </p:blipFill>
-          <p:spPr>
-            <a:xfrm>
-              <a:off x="8055700" y="39600"/>
-              <a:ext cx="1051298" cy="1029575"/>
-            </a:xfrm>
-            <a:prstGeom prst="rect">
-              <a:avLst/>
-            </a:prstGeom>
-            <a:noFill/>
-            <a:ln>
-              <a:noFill/>
-            </a:ln>
-          </p:spPr>
-        </p:pic>
-      </p:grpSp>
-      <p:grpSp>
-        <p:nvGrpSpPr>
-          <p:cNvPr id="189" name="Google Shape;189;p20"/>
-          <p:cNvGrpSpPr/>
-          <p:nvPr/>
-        </p:nvGrpSpPr>
-        <p:grpSpPr>
-          <a:xfrm>
-            <a:off x="0" y="3987208"/>
-            <a:ext cx="9164450" cy="1156292"/>
-            <a:chOff x="0" y="3987208"/>
-            <a:chExt cx="9164450" cy="1156292"/>
-          </a:xfrm>
-        </p:grpSpPr>
-        <p:pic>
-          <p:nvPicPr>
-            <p:cNvPr id="190" name="Google Shape;190;p20"/>
-            <p:cNvPicPr preferRelativeResize="0"/>
-            <p:nvPr/>
-          </p:nvPicPr>
-          <p:blipFill rotWithShape="1">
-            <a:blip r:embed="rId9">
-              <a:alphaModFix/>
-            </a:blip>
-            <a:srcRect b="8138" l="0" r="0" t="0"/>
-            <a:stretch/>
-          </p:blipFill>
-          <p:spPr>
-            <a:xfrm>
-              <a:off x="0" y="4073253"/>
-              <a:ext cx="977025" cy="1070247"/>
-            </a:xfrm>
-            <a:prstGeom prst="rect">
-              <a:avLst/>
-            </a:prstGeom>
-            <a:noFill/>
-            <a:ln>
-              <a:noFill/>
-            </a:ln>
-          </p:spPr>
-        </p:pic>
-        <p:pic>
-          <p:nvPicPr>
-            <p:cNvPr id="191" name="Google Shape;191;p20"/>
-            <p:cNvPicPr preferRelativeResize="0"/>
-            <p:nvPr/>
-          </p:nvPicPr>
-          <p:blipFill rotWithShape="1">
-            <a:blip r:embed="rId10">
-              <a:alphaModFix/>
-            </a:blip>
-            <a:srcRect b="10650" l="0" r="0" t="0"/>
-            <a:stretch/>
-          </p:blipFill>
-          <p:spPr>
-            <a:xfrm>
-              <a:off x="1447800" y="4093067"/>
-              <a:ext cx="916625" cy="1050433"/>
-            </a:xfrm>
-            <a:prstGeom prst="rect">
-              <a:avLst/>
-            </a:prstGeom>
-            <a:noFill/>
-            <a:ln>
-              <a:noFill/>
-            </a:ln>
-          </p:spPr>
-        </p:pic>
-        <p:pic>
-          <p:nvPicPr>
-            <p:cNvPr id="192" name="Google Shape;192;p20"/>
-            <p:cNvPicPr preferRelativeResize="0"/>
-            <p:nvPr/>
-          </p:nvPicPr>
-          <p:blipFill rotWithShape="1">
-            <a:blip r:embed="rId11">
-              <a:alphaModFix/>
-            </a:blip>
-            <a:srcRect b="7510" l="0" r="0" t="0"/>
-            <a:stretch/>
-          </p:blipFill>
-          <p:spPr>
-            <a:xfrm>
-              <a:off x="2895600" y="4073250"/>
-              <a:ext cx="876183" cy="1070250"/>
-            </a:xfrm>
-            <a:prstGeom prst="rect">
-              <a:avLst/>
-            </a:prstGeom>
-            <a:noFill/>
-            <a:ln>
-              <a:noFill/>
-            </a:ln>
-          </p:spPr>
-        </p:pic>
-        <p:pic>
-          <p:nvPicPr>
-            <p:cNvPr id="193" name="Google Shape;193;p20"/>
-            <p:cNvPicPr preferRelativeResize="0"/>
-            <p:nvPr/>
-          </p:nvPicPr>
-          <p:blipFill rotWithShape="1">
-            <a:blip r:embed="rId12">
-              <a:alphaModFix/>
-            </a:blip>
-            <a:srcRect b="9600" l="0" r="0" t="0"/>
-            <a:stretch/>
-          </p:blipFill>
-          <p:spPr>
-            <a:xfrm>
-              <a:off x="4290500" y="4073250"/>
-              <a:ext cx="1310534" cy="1070250"/>
-            </a:xfrm>
-            <a:prstGeom prst="rect">
-              <a:avLst/>
-            </a:prstGeom>
-            <a:noFill/>
-            <a:ln>
-              <a:noFill/>
-            </a:ln>
-          </p:spPr>
-        </p:pic>
-        <p:pic>
-          <p:nvPicPr>
-            <p:cNvPr id="194" name="Google Shape;194;p20"/>
-            <p:cNvPicPr preferRelativeResize="0"/>
-            <p:nvPr/>
-          </p:nvPicPr>
-          <p:blipFill rotWithShape="1">
-            <a:blip r:embed="rId13">
-              <a:alphaModFix/>
-            </a:blip>
-            <a:srcRect b="9990" l="0" r="0" t="0"/>
-            <a:stretch/>
-          </p:blipFill>
-          <p:spPr>
-            <a:xfrm>
-              <a:off x="6012600" y="4073250"/>
-              <a:ext cx="1723450" cy="1070250"/>
-            </a:xfrm>
-            <a:prstGeom prst="rect">
-              <a:avLst/>
-            </a:prstGeom>
-            <a:noFill/>
-            <a:ln>
-              <a:noFill/>
-            </a:ln>
-          </p:spPr>
-        </p:pic>
-        <p:pic>
-          <p:nvPicPr>
-            <p:cNvPr id="195" name="Google Shape;195;p20"/>
-            <p:cNvPicPr preferRelativeResize="0"/>
-            <p:nvPr/>
-          </p:nvPicPr>
-          <p:blipFill rotWithShape="1">
-            <a:blip r:embed="rId14">
-              <a:alphaModFix/>
-            </a:blip>
-            <a:srcRect b="8575" l="0" r="0" t="0"/>
-            <a:stretch/>
-          </p:blipFill>
-          <p:spPr>
-            <a:xfrm>
-              <a:off x="8038450" y="3987208"/>
-              <a:ext cx="1126000" cy="1156292"/>
-            </a:xfrm>
-            <a:prstGeom prst="rect">
-              <a:avLst/>
-            </a:prstGeom>
-            <a:noFill/>
-            <a:ln>
-              <a:noFill/>
-            </a:ln>
-          </p:spPr>
-        </p:pic>
-      </p:grpSp>
+      </p:pic>
     </p:spTree>
   </p:cSld>
   <p:clrMapOvr>
@@ -20085,7 +20976,7 @@
     </p:bg>
     <p:spTree>
       <p:nvGrpSpPr>
-        <p:cNvPr id="199" name="Shape 199"/>
+        <p:cNvPr id="185" name="Shape 185"/>
         <p:cNvGrpSpPr/>
         <p:nvPr/>
       </p:nvGrpSpPr>
@@ -20099,7 +20990,7 @@
       </p:grpSpPr>
       <p:sp>
         <p:nvSpPr>
-          <p:cNvPr id="200" name="Google Shape;200;p21"/>
+          <p:cNvPr id="186" name="Google Shape;186;p21"/>
           <p:cNvSpPr txBox="1"/>
           <p:nvPr>
             <p:ph type="title"/>
@@ -20107,7 +20998,7 @@
         </p:nvSpPr>
         <p:spPr>
           <a:xfrm>
-            <a:off x="311700" y="1131600"/>
+            <a:off x="311700" y="445025"/>
             <a:ext cx="8520600" cy="572700"/>
           </a:xfrm>
           <a:prstGeom prst="rect">
@@ -20139,7 +21030,7 @@
                 <a:cs typeface="Times New Roman"/>
                 <a:sym typeface="Times New Roman"/>
               </a:rPr>
-              <a:t>Database - Interfacing</a:t>
+              <a:t>ETL - Outline</a:t>
             </a:r>
             <a:endParaRPr b="1">
               <a:solidFill>
@@ -20153,482 +21044,34 @@
           </a:p>
         </p:txBody>
       </p:sp>
-      <p:sp>
-        <p:nvSpPr>
-          <p:cNvPr id="201" name="Google Shape;201;p21"/>
-          <p:cNvSpPr txBox="1"/>
-          <p:nvPr>
-            <p:ph idx="1" type="body"/>
-          </p:nvPr>
-        </p:nvSpPr>
+      <p:pic>
+        <p:nvPicPr>
+          <p:cNvPr id="187" name="Google Shape;187;p21"/>
+          <p:cNvPicPr preferRelativeResize="0"/>
+          <p:nvPr/>
+        </p:nvPicPr>
+        <p:blipFill>
+          <a:blip r:embed="rId3">
+            <a:alphaModFix/>
+          </a:blip>
+          <a:stretch>
+            <a:fillRect/>
+          </a:stretch>
+        </p:blipFill>
         <p:spPr>
           <a:xfrm>
-            <a:off x="311700" y="1922750"/>
-            <a:ext cx="8520600" cy="3416400"/>
+            <a:off x="2388700" y="1017725"/>
+            <a:ext cx="3953825" cy="4047925"/>
           </a:xfrm>
           <a:prstGeom prst="rect">
             <a:avLst/>
           </a:prstGeom>
+          <a:noFill/>
+          <a:ln>
+            <a:noFill/>
+          </a:ln>
         </p:spPr>
-        <p:txBody>
-          <a:bodyPr anchorCtr="0" anchor="t" bIns="91425" lIns="91425" spcFirstLastPara="1" rIns="91425" wrap="square" tIns="91425">
-            <a:normAutofit/>
-          </a:bodyPr>
-          <a:lstStyle/>
-          <a:p>
-            <a:pPr indent="-342900" lvl="0" marL="457200" rtl="0" algn="l">
-              <a:spcBef>
-                <a:spcPts val="0"/>
-              </a:spcBef>
-              <a:spcAft>
-                <a:spcPts val="0"/>
-              </a:spcAft>
-              <a:buClr>
-                <a:schemeClr val="lt1"/>
-              </a:buClr>
-              <a:buSzPts val="1800"/>
-              <a:buFont typeface="Times New Roman"/>
-              <a:buChar char="●"/>
-            </a:pPr>
-            <a:r>
-              <a:rPr lang="en">
-                <a:solidFill>
-                  <a:schemeClr val="lt1"/>
-                </a:solidFill>
-                <a:latin typeface="Times New Roman"/>
-                <a:ea typeface="Times New Roman"/>
-                <a:cs typeface="Times New Roman"/>
-                <a:sym typeface="Times New Roman"/>
-              </a:rPr>
-              <a:t>The </a:t>
-            </a:r>
-            <a:r>
-              <a:rPr lang="en">
-                <a:solidFill>
-                  <a:schemeClr val="lt1"/>
-                </a:solidFill>
-                <a:latin typeface="Times New Roman"/>
-                <a:ea typeface="Times New Roman"/>
-                <a:cs typeface="Times New Roman"/>
-                <a:sym typeface="Times New Roman"/>
-              </a:rPr>
-              <a:t>web scraping</a:t>
-            </a:r>
-            <a:r>
-              <a:rPr lang="en">
-                <a:solidFill>
-                  <a:schemeClr val="lt1"/>
-                </a:solidFill>
-                <a:latin typeface="Times New Roman"/>
-                <a:ea typeface="Times New Roman"/>
-                <a:cs typeface="Times New Roman"/>
-                <a:sym typeface="Times New Roman"/>
-              </a:rPr>
-              <a:t> file includes a connection string that imports the data directly to PostgreSQL, and, by proxy, to AWS</a:t>
-            </a:r>
-            <a:endParaRPr>
-              <a:solidFill>
-                <a:schemeClr val="lt1"/>
-              </a:solidFill>
-              <a:latin typeface="Times New Roman"/>
-              <a:ea typeface="Times New Roman"/>
-              <a:cs typeface="Times New Roman"/>
-              <a:sym typeface="Times New Roman"/>
-            </a:endParaRPr>
-          </a:p>
-          <a:p>
-            <a:pPr indent="-342900" lvl="0" marL="457200" rtl="0" algn="l">
-              <a:spcBef>
-                <a:spcPts val="0"/>
-              </a:spcBef>
-              <a:spcAft>
-                <a:spcPts val="0"/>
-              </a:spcAft>
-              <a:buClr>
-                <a:schemeClr val="lt1"/>
-              </a:buClr>
-              <a:buSzPts val="1800"/>
-              <a:buFont typeface="Times New Roman"/>
-              <a:buChar char="●"/>
-            </a:pPr>
-            <a:r>
-              <a:rPr lang="en">
-                <a:solidFill>
-                  <a:schemeClr val="lt1"/>
-                </a:solidFill>
-                <a:latin typeface="Times New Roman"/>
-                <a:ea typeface="Times New Roman"/>
-                <a:cs typeface="Times New Roman"/>
-                <a:sym typeface="Times New Roman"/>
-              </a:rPr>
-              <a:t>The machine learning model also includes a connection string that imports data directly from PostgreSQL.</a:t>
-            </a:r>
-            <a:endParaRPr>
-              <a:solidFill>
-                <a:schemeClr val="lt1"/>
-              </a:solidFill>
-              <a:latin typeface="Times New Roman"/>
-              <a:ea typeface="Times New Roman"/>
-              <a:cs typeface="Times New Roman"/>
-              <a:sym typeface="Times New Roman"/>
-            </a:endParaRPr>
-          </a:p>
-        </p:txBody>
-      </p:sp>
-      <p:grpSp>
-        <p:nvGrpSpPr>
-          <p:cNvPr id="202" name="Google Shape;202;p21"/>
-          <p:cNvGrpSpPr/>
-          <p:nvPr/>
-        </p:nvGrpSpPr>
-        <p:grpSpPr>
-          <a:xfrm>
-            <a:off x="18500" y="47675"/>
-            <a:ext cx="9106999" cy="1083925"/>
-            <a:chOff x="0" y="-14750"/>
-            <a:chExt cx="9106999" cy="1083925"/>
-          </a:xfrm>
-        </p:grpSpPr>
-        <p:pic>
-          <p:nvPicPr>
-            <p:cNvPr id="203" name="Google Shape;203;p21"/>
-            <p:cNvPicPr preferRelativeResize="0"/>
-            <p:nvPr/>
-          </p:nvPicPr>
-          <p:blipFill rotWithShape="1">
-            <a:blip r:embed="rId3">
-              <a:alphaModFix/>
-            </a:blip>
-            <a:srcRect b="9755" l="0" r="0" t="0"/>
-            <a:stretch/>
-          </p:blipFill>
-          <p:spPr>
-            <a:xfrm>
-              <a:off x="0" y="-14750"/>
-              <a:ext cx="1022125" cy="1029574"/>
-            </a:xfrm>
-            <a:prstGeom prst="rect">
-              <a:avLst/>
-            </a:prstGeom>
-            <a:noFill/>
-            <a:ln>
-              <a:noFill/>
-            </a:ln>
-          </p:spPr>
-        </p:pic>
-        <p:pic>
-          <p:nvPicPr>
-            <p:cNvPr id="204" name="Google Shape;204;p21"/>
-            <p:cNvPicPr preferRelativeResize="0"/>
-            <p:nvPr/>
-          </p:nvPicPr>
-          <p:blipFill rotWithShape="1">
-            <a:blip r:embed="rId4">
-              <a:alphaModFix/>
-            </a:blip>
-            <a:srcRect b="8700" l="0" r="0" t="0"/>
-            <a:stretch/>
-          </p:blipFill>
-          <p:spPr>
-            <a:xfrm>
-              <a:off x="1471076" y="-14750"/>
-              <a:ext cx="673249" cy="1029575"/>
-            </a:xfrm>
-            <a:prstGeom prst="rect">
-              <a:avLst/>
-            </a:prstGeom>
-            <a:noFill/>
-            <a:ln>
-              <a:noFill/>
-            </a:ln>
-          </p:spPr>
-        </p:pic>
-        <p:pic>
-          <p:nvPicPr>
-            <p:cNvPr id="205" name="Google Shape;205;p21"/>
-            <p:cNvPicPr preferRelativeResize="0"/>
-            <p:nvPr/>
-          </p:nvPicPr>
-          <p:blipFill rotWithShape="1">
-            <a:blip r:embed="rId5">
-              <a:alphaModFix/>
-            </a:blip>
-            <a:srcRect b="9041" l="0" r="0" t="0"/>
-            <a:stretch/>
-          </p:blipFill>
-          <p:spPr>
-            <a:xfrm>
-              <a:off x="4061899" y="-4825"/>
-              <a:ext cx="1493392" cy="1029575"/>
-            </a:xfrm>
-            <a:prstGeom prst="rect">
-              <a:avLst/>
-            </a:prstGeom>
-            <a:noFill/>
-            <a:ln>
-              <a:noFill/>
-            </a:ln>
-          </p:spPr>
-        </p:pic>
-        <p:pic>
-          <p:nvPicPr>
-            <p:cNvPr id="206" name="Google Shape;206;p21"/>
-            <p:cNvPicPr preferRelativeResize="0"/>
-            <p:nvPr/>
-          </p:nvPicPr>
-          <p:blipFill rotWithShape="1">
-            <a:blip r:embed="rId6">
-              <a:alphaModFix/>
-            </a:blip>
-            <a:srcRect b="13577" l="0" r="0" t="0"/>
-            <a:stretch/>
-          </p:blipFill>
-          <p:spPr>
-            <a:xfrm>
-              <a:off x="2540112" y="-4825"/>
-              <a:ext cx="1126013" cy="1029575"/>
-            </a:xfrm>
-            <a:prstGeom prst="rect">
-              <a:avLst/>
-            </a:prstGeom>
-            <a:noFill/>
-            <a:ln>
-              <a:noFill/>
-            </a:ln>
-          </p:spPr>
-        </p:pic>
-        <p:pic>
-          <p:nvPicPr>
-            <p:cNvPr id="207" name="Google Shape;207;p21"/>
-            <p:cNvPicPr preferRelativeResize="0"/>
-            <p:nvPr/>
-          </p:nvPicPr>
-          <p:blipFill rotWithShape="1">
-            <a:blip r:embed="rId7">
-              <a:alphaModFix/>
-            </a:blip>
-            <a:srcRect b="9853" l="0" r="0" t="0"/>
-            <a:stretch/>
-          </p:blipFill>
-          <p:spPr>
-            <a:xfrm>
-              <a:off x="6228649" y="-13951"/>
-              <a:ext cx="1126001" cy="1047837"/>
-            </a:xfrm>
-            <a:prstGeom prst="rect">
-              <a:avLst/>
-            </a:prstGeom>
-            <a:noFill/>
-            <a:ln>
-              <a:noFill/>
-            </a:ln>
-          </p:spPr>
-        </p:pic>
-        <p:pic>
-          <p:nvPicPr>
-            <p:cNvPr id="208" name="Google Shape;208;p21"/>
-            <p:cNvPicPr preferRelativeResize="0"/>
-            <p:nvPr/>
-          </p:nvPicPr>
-          <p:blipFill rotWithShape="1">
-            <a:blip r:embed="rId8">
-              <a:alphaModFix/>
-            </a:blip>
-            <a:srcRect b="9682" l="0" r="0" t="0"/>
-            <a:stretch/>
-          </p:blipFill>
-          <p:spPr>
-            <a:xfrm>
-              <a:off x="8055700" y="39600"/>
-              <a:ext cx="1051298" cy="1029575"/>
-            </a:xfrm>
-            <a:prstGeom prst="rect">
-              <a:avLst/>
-            </a:prstGeom>
-            <a:noFill/>
-            <a:ln>
-              <a:noFill/>
-            </a:ln>
-          </p:spPr>
-        </p:pic>
-      </p:grpSp>
-      <p:grpSp>
-        <p:nvGrpSpPr>
-          <p:cNvPr id="209" name="Google Shape;209;p21"/>
-          <p:cNvGrpSpPr/>
-          <p:nvPr/>
-        </p:nvGrpSpPr>
-        <p:grpSpPr>
-          <a:xfrm>
-            <a:off x="0" y="3987208"/>
-            <a:ext cx="9164450" cy="1156292"/>
-            <a:chOff x="0" y="3987208"/>
-            <a:chExt cx="9164450" cy="1156292"/>
-          </a:xfrm>
-        </p:grpSpPr>
-        <p:pic>
-          <p:nvPicPr>
-            <p:cNvPr id="210" name="Google Shape;210;p21"/>
-            <p:cNvPicPr preferRelativeResize="0"/>
-            <p:nvPr/>
-          </p:nvPicPr>
-          <p:blipFill rotWithShape="1">
-            <a:blip r:embed="rId9">
-              <a:alphaModFix/>
-            </a:blip>
-            <a:srcRect b="8138" l="0" r="0" t="0"/>
-            <a:stretch/>
-          </p:blipFill>
-          <p:spPr>
-            <a:xfrm>
-              <a:off x="0" y="4073253"/>
-              <a:ext cx="977025" cy="1070247"/>
-            </a:xfrm>
-            <a:prstGeom prst="rect">
-              <a:avLst/>
-            </a:prstGeom>
-            <a:noFill/>
-            <a:ln>
-              <a:noFill/>
-            </a:ln>
-          </p:spPr>
-        </p:pic>
-        <p:pic>
-          <p:nvPicPr>
-            <p:cNvPr id="211" name="Google Shape;211;p21"/>
-            <p:cNvPicPr preferRelativeResize="0"/>
-            <p:nvPr/>
-          </p:nvPicPr>
-          <p:blipFill rotWithShape="1">
-            <a:blip r:embed="rId10">
-              <a:alphaModFix/>
-            </a:blip>
-            <a:srcRect b="10650" l="0" r="0" t="0"/>
-            <a:stretch/>
-          </p:blipFill>
-          <p:spPr>
-            <a:xfrm>
-              <a:off x="1447800" y="4093067"/>
-              <a:ext cx="916625" cy="1050433"/>
-            </a:xfrm>
-            <a:prstGeom prst="rect">
-              <a:avLst/>
-            </a:prstGeom>
-            <a:noFill/>
-            <a:ln>
-              <a:noFill/>
-            </a:ln>
-          </p:spPr>
-        </p:pic>
-        <p:pic>
-          <p:nvPicPr>
-            <p:cNvPr id="212" name="Google Shape;212;p21"/>
-            <p:cNvPicPr preferRelativeResize="0"/>
-            <p:nvPr/>
-          </p:nvPicPr>
-          <p:blipFill rotWithShape="1">
-            <a:blip r:embed="rId11">
-              <a:alphaModFix/>
-            </a:blip>
-            <a:srcRect b="7510" l="0" r="0" t="0"/>
-            <a:stretch/>
-          </p:blipFill>
-          <p:spPr>
-            <a:xfrm>
-              <a:off x="2895600" y="4073250"/>
-              <a:ext cx="876183" cy="1070250"/>
-            </a:xfrm>
-            <a:prstGeom prst="rect">
-              <a:avLst/>
-            </a:prstGeom>
-            <a:noFill/>
-            <a:ln>
-              <a:noFill/>
-            </a:ln>
-          </p:spPr>
-        </p:pic>
-        <p:pic>
-          <p:nvPicPr>
-            <p:cNvPr id="213" name="Google Shape;213;p21"/>
-            <p:cNvPicPr preferRelativeResize="0"/>
-            <p:nvPr/>
-          </p:nvPicPr>
-          <p:blipFill rotWithShape="1">
-            <a:blip r:embed="rId12">
-              <a:alphaModFix/>
-            </a:blip>
-            <a:srcRect b="9600" l="0" r="0" t="0"/>
-            <a:stretch/>
-          </p:blipFill>
-          <p:spPr>
-            <a:xfrm>
-              <a:off x="4290500" y="4073250"/>
-              <a:ext cx="1310534" cy="1070250"/>
-            </a:xfrm>
-            <a:prstGeom prst="rect">
-              <a:avLst/>
-            </a:prstGeom>
-            <a:noFill/>
-            <a:ln>
-              <a:noFill/>
-            </a:ln>
-          </p:spPr>
-        </p:pic>
-        <p:pic>
-          <p:nvPicPr>
-            <p:cNvPr id="214" name="Google Shape;214;p21"/>
-            <p:cNvPicPr preferRelativeResize="0"/>
-            <p:nvPr/>
-          </p:nvPicPr>
-          <p:blipFill rotWithShape="1">
-            <a:blip r:embed="rId13">
-              <a:alphaModFix/>
-            </a:blip>
-            <a:srcRect b="9990" l="0" r="0" t="0"/>
-            <a:stretch/>
-          </p:blipFill>
-          <p:spPr>
-            <a:xfrm>
-              <a:off x="6012600" y="4073250"/>
-              <a:ext cx="1723450" cy="1070250"/>
-            </a:xfrm>
-            <a:prstGeom prst="rect">
-              <a:avLst/>
-            </a:prstGeom>
-            <a:noFill/>
-            <a:ln>
-              <a:noFill/>
-            </a:ln>
-          </p:spPr>
-        </p:pic>
-        <p:pic>
-          <p:nvPicPr>
-            <p:cNvPr id="215" name="Google Shape;215;p21"/>
-            <p:cNvPicPr preferRelativeResize="0"/>
-            <p:nvPr/>
-          </p:nvPicPr>
-          <p:blipFill rotWithShape="1">
-            <a:blip r:embed="rId14">
-              <a:alphaModFix/>
-            </a:blip>
-            <a:srcRect b="8575" l="0" r="0" t="0"/>
-            <a:stretch/>
-          </p:blipFill>
-          <p:spPr>
-            <a:xfrm>
-              <a:off x="8038450" y="3987208"/>
-              <a:ext cx="1126000" cy="1156292"/>
-            </a:xfrm>
-            <a:prstGeom prst="rect">
-              <a:avLst/>
-            </a:prstGeom>
-            <a:noFill/>
-            <a:ln>
-              <a:noFill/>
-            </a:ln>
-          </p:spPr>
-        </p:pic>
-      </p:grpSp>
+      </p:pic>
     </p:spTree>
   </p:cSld>
   <p:clrMapOvr>
@@ -20638,6 +21081,285 @@
 </file>
 
 <file path=ppt/theme/theme1.xml><?xml version="1.0" encoding="utf-8"?>
+<a:theme xmlns:a="http://schemas.openxmlformats.org/drawingml/2006/main" xmlns:r="http://schemas.openxmlformats.org/officeDocument/2006/relationships">
+  <a:themeElements>
+    <a:clrScheme name="Default">
+      <a:dk1>
+        <a:srgbClr val="000000"/>
+      </a:dk1>
+      <a:lt1>
+        <a:srgbClr val="FFFFFF"/>
+      </a:lt1>
+      <a:dk2>
+        <a:srgbClr val="158158"/>
+      </a:dk2>
+      <a:lt2>
+        <a:srgbClr val="F3F3F3"/>
+      </a:lt2>
+      <a:accent1>
+        <a:srgbClr val="058DC7"/>
+      </a:accent1>
+      <a:accent2>
+        <a:srgbClr val="50B432"/>
+      </a:accent2>
+      <a:accent3>
+        <a:srgbClr val="ED561B"/>
+      </a:accent3>
+      <a:accent4>
+        <a:srgbClr val="EDEF00"/>
+      </a:accent4>
+      <a:accent5>
+        <a:srgbClr val="24CBE5"/>
+      </a:accent5>
+      <a:accent6>
+        <a:srgbClr val="64E572"/>
+      </a:accent6>
+      <a:hlink>
+        <a:srgbClr val="2200CC"/>
+      </a:hlink>
+      <a:folHlink>
+        <a:srgbClr val="551A8B"/>
+      </a:folHlink>
+    </a:clrScheme>
+    <a:fontScheme name="Office">
+      <a:majorFont>
+        <a:latin typeface="Arial"/>
+        <a:ea typeface=""/>
+        <a:cs typeface=""/>
+        <a:font script="Jpan" typeface="ＭＳ Ｐゴシック"/>
+        <a:font script="Hang" typeface="맑은 고딕"/>
+        <a:font script="Hans" typeface="宋体"/>
+        <a:font script="Hant" typeface="新細明體"/>
+        <a:font script="Arab" typeface="Times New Roman"/>
+        <a:font script="Hebr" typeface="Times New Roman"/>
+        <a:font script="Thai" typeface="Angsana New"/>
+        <a:font script="Ethi" typeface="Nyala"/>
+        <a:font script="Beng" typeface="Vrinda"/>
+        <a:font script="Gujr" typeface="Shruti"/>
+        <a:font script="Khmr" typeface="MoolBoran"/>
+        <a:font script="Knda" typeface="Tunga"/>
+        <a:font script="Guru" typeface="Raavi"/>
+        <a:font script="Cans" typeface="Euphemia"/>
+        <a:font script="Cher" typeface="Plantagenet Cherokee"/>
+        <a:font script="Yiii" typeface="Microsoft Yi Baiti"/>
+        <a:font script="Tibt" typeface="Microsoft Himalaya"/>
+        <a:font script="Thaa" typeface="MV Boli"/>
+        <a:font script="Deva" typeface="Mangal"/>
+        <a:font script="Telu" typeface="Gautami"/>
+        <a:font script="Taml" typeface="Latha"/>
+        <a:font script="Syrc" typeface="Estrangelo Edessa"/>
+        <a:font script="Orya" typeface="Kalinga"/>
+        <a:font script="Mlym" typeface="Kartika"/>
+        <a:font script="Laoo" typeface="DokChampa"/>
+        <a:font script="Sinh" typeface="Iskoola Pota"/>
+        <a:font script="Mong" typeface="Mongolian Baiti"/>
+        <a:font script="Viet" typeface="Times New Roman"/>
+        <a:font script="Uigh" typeface="Microsoft Uighur"/>
+        <a:font script="Geor" typeface="Sylfaen"/>
+      </a:majorFont>
+      <a:minorFont>
+        <a:latin typeface="Arial"/>
+        <a:ea typeface=""/>
+        <a:cs typeface=""/>
+        <a:font script="Jpan" typeface="ＭＳ Ｐゴシック"/>
+        <a:font script="Hang" typeface="맑은 고딕"/>
+        <a:font script="Hans" typeface="宋体"/>
+        <a:font script="Hant" typeface="新細明體"/>
+        <a:font script="Arab" typeface="Arial"/>
+        <a:font script="Hebr" typeface="Arial"/>
+        <a:font script="Thai" typeface="Cordia New"/>
+        <a:font script="Ethi" typeface="Nyala"/>
+        <a:font script="Beng" typeface="Vrinda"/>
+        <a:font script="Gujr" typeface="Shruti"/>
+        <a:font script="Khmr" typeface="DaunPenh"/>
+        <a:font script="Knda" typeface="Tunga"/>
+        <a:font script="Guru" typeface="Raavi"/>
+        <a:font script="Cans" typeface="Euphemia"/>
+        <a:font script="Cher" typeface="Plantagenet Cherokee"/>
+        <a:font script="Yiii" typeface="Microsoft Yi Baiti"/>
+        <a:font script="Tibt" typeface="Microsoft Himalaya"/>
+        <a:font script="Thaa" typeface="MV Boli"/>
+        <a:font script="Deva" typeface="Mangal"/>
+        <a:font script="Telu" typeface="Gautami"/>
+        <a:font script="Taml" typeface="Latha"/>
+        <a:font script="Syrc" typeface="Estrangelo Edessa"/>
+        <a:font script="Orya" typeface="Kalinga"/>
+        <a:font script="Mlym" typeface="Kartika"/>
+        <a:font script="Laoo" typeface="DokChampa"/>
+        <a:font script="Sinh" typeface="Iskoola Pota"/>
+        <a:font script="Mong" typeface="Mongolian Baiti"/>
+        <a:font script="Viet" typeface="Arial"/>
+        <a:font script="Uigh" typeface="Microsoft Uighur"/>
+        <a:font script="Geor" typeface="Sylfaen"/>
+      </a:minorFont>
+    </a:fontScheme>
+    <a:fmtScheme name="Office">
+      <a:fillStyleLst>
+        <a:solidFill>
+          <a:schemeClr val="phClr"/>
+        </a:solidFill>
+        <a:gradFill rotWithShape="1">
+          <a:gsLst>
+            <a:gs pos="0">
+              <a:schemeClr val="phClr">
+                <a:tint val="50000"/>
+                <a:satMod val="300000"/>
+              </a:schemeClr>
+            </a:gs>
+            <a:gs pos="35000">
+              <a:schemeClr val="phClr">
+                <a:tint val="37000"/>
+                <a:satMod val="300000"/>
+              </a:schemeClr>
+            </a:gs>
+            <a:gs pos="100000">
+              <a:schemeClr val="phClr">
+                <a:tint val="15000"/>
+                <a:satMod val="350000"/>
+              </a:schemeClr>
+            </a:gs>
+          </a:gsLst>
+          <a:lin ang="16200000" scaled="1"/>
+        </a:gradFill>
+        <a:gradFill rotWithShape="1">
+          <a:gsLst>
+            <a:gs pos="0">
+              <a:schemeClr val="phClr">
+                <a:tint val="100000"/>
+                <a:shade val="100000"/>
+                <a:satMod val="130000"/>
+              </a:schemeClr>
+            </a:gs>
+            <a:gs pos="100000">
+              <a:schemeClr val="phClr">
+                <a:tint val="50000"/>
+                <a:shade val="100000"/>
+                <a:satMod val="350000"/>
+              </a:schemeClr>
+            </a:gs>
+          </a:gsLst>
+          <a:lin ang="16200000" scaled="0"/>
+        </a:gradFill>
+      </a:fillStyleLst>
+      <a:lnStyleLst>
+        <a:ln w="9525" cap="flat" cmpd="sng" algn="ctr">
+          <a:solidFill>
+            <a:schemeClr val="phClr">
+              <a:shade val="95000"/>
+              <a:satMod val="105000"/>
+            </a:schemeClr>
+          </a:solidFill>
+          <a:prstDash val="solid"/>
+        </a:ln>
+        <a:ln w="25400" cap="flat" cmpd="sng" algn="ctr">
+          <a:solidFill>
+            <a:schemeClr val="phClr"/>
+          </a:solidFill>
+          <a:prstDash val="solid"/>
+        </a:ln>
+        <a:ln w="38100" cap="flat" cmpd="sng" algn="ctr">
+          <a:solidFill>
+            <a:schemeClr val="phClr"/>
+          </a:solidFill>
+          <a:prstDash val="solid"/>
+        </a:ln>
+      </a:lnStyleLst>
+      <a:effectStyleLst>
+        <a:effectStyle>
+          <a:effectLst>
+            <a:outerShdw blurRad="40000" dist="20000" dir="5400000" rotWithShape="0">
+              <a:srgbClr val="000000">
+                <a:alpha val="38000"/>
+              </a:srgbClr>
+            </a:outerShdw>
+          </a:effectLst>
+        </a:effectStyle>
+        <a:effectStyle>
+          <a:effectLst>
+            <a:outerShdw blurRad="40000" dist="23000" dir="5400000" rotWithShape="0">
+              <a:srgbClr val="000000">
+                <a:alpha val="35000"/>
+              </a:srgbClr>
+            </a:outerShdw>
+          </a:effectLst>
+        </a:effectStyle>
+        <a:effectStyle>
+          <a:effectLst>
+            <a:outerShdw blurRad="40000" dist="23000" dir="5400000" rotWithShape="0">
+              <a:srgbClr val="000000">
+                <a:alpha val="35000"/>
+              </a:srgbClr>
+            </a:outerShdw>
+          </a:effectLst>
+          <a:scene3d>
+            <a:camera prst="orthographicFront">
+              <a:rot lat="0" lon="0" rev="0"/>
+            </a:camera>
+            <a:lightRig rig="threePt" dir="t">
+              <a:rot lat="0" lon="0" rev="1200000"/>
+            </a:lightRig>
+          </a:scene3d>
+          <a:sp3d>
+            <a:bevelT w="63500" h="25400"/>
+          </a:sp3d>
+        </a:effectStyle>
+      </a:effectStyleLst>
+      <a:bgFillStyleLst>
+        <a:solidFill>
+          <a:schemeClr val="phClr"/>
+        </a:solidFill>
+        <a:gradFill rotWithShape="1">
+          <a:gsLst>
+            <a:gs pos="0">
+              <a:schemeClr val="phClr">
+                <a:tint val="40000"/>
+                <a:satMod val="350000"/>
+              </a:schemeClr>
+            </a:gs>
+            <a:gs pos="40000">
+              <a:schemeClr val="phClr">
+                <a:tint val="45000"/>
+                <a:shade val="99000"/>
+                <a:satMod val="350000"/>
+              </a:schemeClr>
+            </a:gs>
+            <a:gs pos="100000">
+              <a:schemeClr val="phClr">
+                <a:shade val="20000"/>
+                <a:satMod val="255000"/>
+              </a:schemeClr>
+            </a:gs>
+          </a:gsLst>
+          <a:path path="circle">
+            <a:fillToRect l="50000" t="-80000" r="50000" b="180000"/>
+          </a:path>
+        </a:gradFill>
+        <a:gradFill rotWithShape="1">
+          <a:gsLst>
+            <a:gs pos="0">
+              <a:schemeClr val="phClr">
+                <a:tint val="80000"/>
+                <a:satMod val="300000"/>
+              </a:schemeClr>
+            </a:gs>
+            <a:gs pos="100000">
+              <a:schemeClr val="phClr">
+                <a:shade val="30000"/>
+                <a:satMod val="200000"/>
+              </a:schemeClr>
+            </a:gs>
+          </a:gsLst>
+          <a:path path="circle">
+            <a:fillToRect l="50000" t="50000" r="50000" b="50000"/>
+          </a:path>
+        </a:gradFill>
+      </a:bgFillStyleLst>
+    </a:fmtScheme>
+  </a:themeElements>
+</a:theme>
+</file>
+
+<file path=ppt/theme/theme2.xml><?xml version="1.0" encoding="utf-8"?>
 <a:theme xmlns:a="http://schemas.openxmlformats.org/drawingml/2006/main" xmlns:r="http://schemas.openxmlformats.org/officeDocument/2006/relationships" name="Simple Dark">
   <a:themeElements>
     <a:clrScheme name="Simple Dark">
@@ -20914,283 +21636,4 @@
     </a:fmtScheme>
   </a:themeElements>
 </a:theme>
-</file>
-
-<file path=ppt/theme/theme2.xml><?xml version="1.0" encoding="utf-8"?>
-<a:theme xmlns:a="http://schemas.openxmlformats.org/drawingml/2006/main" xmlns:r="http://schemas.openxmlformats.org/officeDocument/2006/relationships">
-  <a:themeElements>
-    <a:clrScheme name="Default">
-      <a:dk1>
-        <a:srgbClr val="000000"/>
-      </a:dk1>
-      <a:lt1>
-        <a:srgbClr val="FFFFFF"/>
-      </a:lt1>
-      <a:dk2>
-        <a:srgbClr val="158158"/>
-      </a:dk2>
-      <a:lt2>
-        <a:srgbClr val="F3F3F3"/>
-      </a:lt2>
-      <a:accent1>
-        <a:srgbClr val="058DC7"/>
-      </a:accent1>
-      <a:accent2>
-        <a:srgbClr val="50B432"/>
-      </a:accent2>
-      <a:accent3>
-        <a:srgbClr val="ED561B"/>
-      </a:accent3>
-      <a:accent4>
-        <a:srgbClr val="EDEF00"/>
-      </a:accent4>
-      <a:accent5>
-        <a:srgbClr val="24CBE5"/>
-      </a:accent5>
-      <a:accent6>
-        <a:srgbClr val="64E572"/>
-      </a:accent6>
-      <a:hlink>
-        <a:srgbClr val="2200CC"/>
-      </a:hlink>
-      <a:folHlink>
-        <a:srgbClr val="551A8B"/>
-      </a:folHlink>
-    </a:clrScheme>
-    <a:fontScheme name="Office">
-      <a:majorFont>
-        <a:latin typeface="Arial"/>
-        <a:ea typeface=""/>
-        <a:cs typeface=""/>
-        <a:font script="Jpan" typeface="ＭＳ Ｐゴシック"/>
-        <a:font script="Hang" typeface="맑은 고딕"/>
-        <a:font script="Hans" typeface="宋体"/>
-        <a:font script="Hant" typeface="新細明體"/>
-        <a:font script="Arab" typeface="Times New Roman"/>
-        <a:font script="Hebr" typeface="Times New Roman"/>
-        <a:font script="Thai" typeface="Angsana New"/>
-        <a:font script="Ethi" typeface="Nyala"/>
-        <a:font script="Beng" typeface="Vrinda"/>
-        <a:font script="Gujr" typeface="Shruti"/>
-        <a:font script="Khmr" typeface="MoolBoran"/>
-        <a:font script="Knda" typeface="Tunga"/>
-        <a:font script="Guru" typeface="Raavi"/>
-        <a:font script="Cans" typeface="Euphemia"/>
-        <a:font script="Cher" typeface="Plantagenet Cherokee"/>
-        <a:font script="Yiii" typeface="Microsoft Yi Baiti"/>
-        <a:font script="Tibt" typeface="Microsoft Himalaya"/>
-        <a:font script="Thaa" typeface="MV Boli"/>
-        <a:font script="Deva" typeface="Mangal"/>
-        <a:font script="Telu" typeface="Gautami"/>
-        <a:font script="Taml" typeface="Latha"/>
-        <a:font script="Syrc" typeface="Estrangelo Edessa"/>
-        <a:font script="Orya" typeface="Kalinga"/>
-        <a:font script="Mlym" typeface="Kartika"/>
-        <a:font script="Laoo" typeface="DokChampa"/>
-        <a:font script="Sinh" typeface="Iskoola Pota"/>
-        <a:font script="Mong" typeface="Mongolian Baiti"/>
-        <a:font script="Viet" typeface="Times New Roman"/>
-        <a:font script="Uigh" typeface="Microsoft Uighur"/>
-        <a:font script="Geor" typeface="Sylfaen"/>
-      </a:majorFont>
-      <a:minorFont>
-        <a:latin typeface="Arial"/>
-        <a:ea typeface=""/>
-        <a:cs typeface=""/>
-        <a:font script="Jpan" typeface="ＭＳ Ｐゴシック"/>
-        <a:font script="Hang" typeface="맑은 고딕"/>
-        <a:font script="Hans" typeface="宋体"/>
-        <a:font script="Hant" typeface="新細明體"/>
-        <a:font script="Arab" typeface="Arial"/>
-        <a:font script="Hebr" typeface="Arial"/>
-        <a:font script="Thai" typeface="Cordia New"/>
-        <a:font script="Ethi" typeface="Nyala"/>
-        <a:font script="Beng" typeface="Vrinda"/>
-        <a:font script="Gujr" typeface="Shruti"/>
-        <a:font script="Khmr" typeface="DaunPenh"/>
-        <a:font script="Knda" typeface="Tunga"/>
-        <a:font script="Guru" typeface="Raavi"/>
-        <a:font script="Cans" typeface="Euphemia"/>
-        <a:font script="Cher" typeface="Plantagenet Cherokee"/>
-        <a:font script="Yiii" typeface="Microsoft Yi Baiti"/>
-        <a:font script="Tibt" typeface="Microsoft Himalaya"/>
-        <a:font script="Thaa" typeface="MV Boli"/>
-        <a:font script="Deva" typeface="Mangal"/>
-        <a:font script="Telu" typeface="Gautami"/>
-        <a:font script="Taml" typeface="Latha"/>
-        <a:font script="Syrc" typeface="Estrangelo Edessa"/>
-        <a:font script="Orya" typeface="Kalinga"/>
-        <a:font script="Mlym" typeface="Kartika"/>
-        <a:font script="Laoo" typeface="DokChampa"/>
-        <a:font script="Sinh" typeface="Iskoola Pota"/>
-        <a:font script="Mong" typeface="Mongolian Baiti"/>
-        <a:font script="Viet" typeface="Arial"/>
-        <a:font script="Uigh" typeface="Microsoft Uighur"/>
-        <a:font script="Geor" typeface="Sylfaen"/>
-      </a:minorFont>
-    </a:fontScheme>
-    <a:fmtScheme name="Office">
-      <a:fillStyleLst>
-        <a:solidFill>
-          <a:schemeClr val="phClr"/>
-        </a:solidFill>
-        <a:gradFill rotWithShape="1">
-          <a:gsLst>
-            <a:gs pos="0">
-              <a:schemeClr val="phClr">
-                <a:tint val="50000"/>
-                <a:satMod val="300000"/>
-              </a:schemeClr>
-            </a:gs>
-            <a:gs pos="35000">
-              <a:schemeClr val="phClr">
-                <a:tint val="37000"/>
-                <a:satMod val="300000"/>
-              </a:schemeClr>
-            </a:gs>
-            <a:gs pos="100000">
-              <a:schemeClr val="phClr">
-                <a:tint val="15000"/>
-                <a:satMod val="350000"/>
-              </a:schemeClr>
-            </a:gs>
-          </a:gsLst>
-          <a:lin ang="16200000" scaled="1"/>
-        </a:gradFill>
-        <a:gradFill rotWithShape="1">
-          <a:gsLst>
-            <a:gs pos="0">
-              <a:schemeClr val="phClr">
-                <a:tint val="100000"/>
-                <a:shade val="100000"/>
-                <a:satMod val="130000"/>
-              </a:schemeClr>
-            </a:gs>
-            <a:gs pos="100000">
-              <a:schemeClr val="phClr">
-                <a:tint val="50000"/>
-                <a:shade val="100000"/>
-                <a:satMod val="350000"/>
-              </a:schemeClr>
-            </a:gs>
-          </a:gsLst>
-          <a:lin ang="16200000" scaled="0"/>
-        </a:gradFill>
-      </a:fillStyleLst>
-      <a:lnStyleLst>
-        <a:ln w="9525" cap="flat" cmpd="sng" algn="ctr">
-          <a:solidFill>
-            <a:schemeClr val="phClr">
-              <a:shade val="95000"/>
-              <a:satMod val="105000"/>
-            </a:schemeClr>
-          </a:solidFill>
-          <a:prstDash val="solid"/>
-        </a:ln>
-        <a:ln w="25400" cap="flat" cmpd="sng" algn="ctr">
-          <a:solidFill>
-            <a:schemeClr val="phClr"/>
-          </a:solidFill>
-          <a:prstDash val="solid"/>
-        </a:ln>
-        <a:ln w="38100" cap="flat" cmpd="sng" algn="ctr">
-          <a:solidFill>
-            <a:schemeClr val="phClr"/>
-          </a:solidFill>
-          <a:prstDash val="solid"/>
-        </a:ln>
-      </a:lnStyleLst>
-      <a:effectStyleLst>
-        <a:effectStyle>
-          <a:effectLst>
-            <a:outerShdw blurRad="40000" dist="20000" dir="5400000" rotWithShape="0">
-              <a:srgbClr val="000000">
-                <a:alpha val="38000"/>
-              </a:srgbClr>
-            </a:outerShdw>
-          </a:effectLst>
-        </a:effectStyle>
-        <a:effectStyle>
-          <a:effectLst>
-            <a:outerShdw blurRad="40000" dist="23000" dir="5400000" rotWithShape="0">
-              <a:srgbClr val="000000">
-                <a:alpha val="35000"/>
-              </a:srgbClr>
-            </a:outerShdw>
-          </a:effectLst>
-        </a:effectStyle>
-        <a:effectStyle>
-          <a:effectLst>
-            <a:outerShdw blurRad="40000" dist="23000" dir="5400000" rotWithShape="0">
-              <a:srgbClr val="000000">
-                <a:alpha val="35000"/>
-              </a:srgbClr>
-            </a:outerShdw>
-          </a:effectLst>
-          <a:scene3d>
-            <a:camera prst="orthographicFront">
-              <a:rot lat="0" lon="0" rev="0"/>
-            </a:camera>
-            <a:lightRig rig="threePt" dir="t">
-              <a:rot lat="0" lon="0" rev="1200000"/>
-            </a:lightRig>
-          </a:scene3d>
-          <a:sp3d>
-            <a:bevelT w="63500" h="25400"/>
-          </a:sp3d>
-        </a:effectStyle>
-      </a:effectStyleLst>
-      <a:bgFillStyleLst>
-        <a:solidFill>
-          <a:schemeClr val="phClr"/>
-        </a:solidFill>
-        <a:gradFill rotWithShape="1">
-          <a:gsLst>
-            <a:gs pos="0">
-              <a:schemeClr val="phClr">
-                <a:tint val="40000"/>
-                <a:satMod val="350000"/>
-              </a:schemeClr>
-            </a:gs>
-            <a:gs pos="40000">
-              <a:schemeClr val="phClr">
-                <a:tint val="45000"/>
-                <a:shade val="99000"/>
-                <a:satMod val="350000"/>
-              </a:schemeClr>
-            </a:gs>
-            <a:gs pos="100000">
-              <a:schemeClr val="phClr">
-                <a:shade val="20000"/>
-                <a:satMod val="255000"/>
-              </a:schemeClr>
-            </a:gs>
-          </a:gsLst>
-          <a:path path="circle">
-            <a:fillToRect l="50000" t="-80000" r="50000" b="180000"/>
-          </a:path>
-        </a:gradFill>
-        <a:gradFill rotWithShape="1">
-          <a:gsLst>
-            <a:gs pos="0">
-              <a:schemeClr val="phClr">
-                <a:tint val="80000"/>
-                <a:satMod val="300000"/>
-              </a:schemeClr>
-            </a:gs>
-            <a:gs pos="100000">
-              <a:schemeClr val="phClr">
-                <a:shade val="30000"/>
-                <a:satMod val="200000"/>
-              </a:schemeClr>
-            </a:gs>
-          </a:gsLst>
-          <a:path path="circle">
-            <a:fillToRect l="50000" t="50000" r="50000" b="50000"/>
-          </a:path>
-        </a:gradFill>
-      </a:bgFillStyleLst>
-    </a:fmtScheme>
-  </a:themeElements>
-</a:theme>
 </file>
--- a/HorrorscopesFinal.pptx
+++ b/HorrorscopesFinal.pptx
@@ -901,7 +901,22 @@
             </a:pPr>
             <a:r>
               <a:rPr lang="en"/>
-              <a:t>Angelique: Discuss our initial debate between what database type to go with, and why we chose an AWS PostgreSQL database.</a:t>
+              <a:t>Angelique: Discuss our initial debate between what database type to go with, and why we chose an AWS PostgreSQL database.Once we had found our data, we needed to organize it and store it. For storage we opted for hosting on AWS. The Amazon RDS (Relational Database Service) provides dynamic storage that interfaces directly with PostgreSQL. With a connection to the host, all team members could access the data in PGAdmin through a PostgreSQL database. Although most of the cleaning and organizing was done primarily with Pandas and Python but a small amount was also accomplished in PostgreSQL. It’s is not only helpful for the team members to have direct access to the data, it also removes the need to send large data files by email. </a:t>
+            </a:r>
+            <a:endParaRPr/>
+          </a:p>
+          <a:p>
+            <a:pPr indent="0" lvl="0" marL="0" rtl="0" algn="l">
+              <a:spcBef>
+                <a:spcPts val="0"/>
+              </a:spcBef>
+              <a:spcAft>
+                <a:spcPts val="0"/>
+              </a:spcAft>
+              <a:buNone/>
+            </a:pPr>
+            <a:r>
+              <a:t/>
             </a:r>
             <a:endParaRPr/>
           </a:p>
@@ -1005,6 +1020,52 @@
             </a:r>
             <a:endParaRPr/>
           </a:p>
+          <a:p>
+            <a:pPr indent="0" lvl="0" marL="0" rtl="0" algn="l">
+              <a:spcBef>
+                <a:spcPts val="0"/>
+              </a:spcBef>
+              <a:spcAft>
+                <a:spcPts val="0"/>
+              </a:spcAft>
+              <a:buNone/>
+            </a:pPr>
+            <a:r>
+              <a:t/>
+            </a:r>
+            <a:endParaRPr/>
+          </a:p>
+          <a:p>
+            <a:pPr indent="0" lvl="0" marL="0" rtl="0" algn="l">
+              <a:spcBef>
+                <a:spcPts val="0"/>
+              </a:spcBef>
+              <a:spcAft>
+                <a:spcPts val="0"/>
+              </a:spcAft>
+              <a:buNone/>
+            </a:pPr>
+            <a:r>
+              <a:rPr lang="en"/>
+              <a:t>Once the database was built and connected to AWS, tables were built and data was loaded as a test. An inner join was used to combine data from separate tables. A connection string was created. Using a connection engine in the the webscraping file and the machine learning file, the database was integrated into the ETL. </a:t>
+            </a:r>
+            <a:endParaRPr/>
+          </a:p>
+          <a:p>
+            <a:pPr indent="0" lvl="0" marL="0" rtl="0" algn="l">
+              <a:spcBef>
+                <a:spcPts val="0"/>
+              </a:spcBef>
+              <a:spcAft>
+                <a:spcPts val="0"/>
+              </a:spcAft>
+              <a:buNone/>
+            </a:pPr>
+            <a:r>
+              <a:t/>
+            </a:r>
+            <a:endParaRPr/>
+          </a:p>
         </p:txBody>
       </p:sp>
     </p:spTree>
@@ -1110,6 +1171,204 @@
             <a:r>
               <a:rPr lang="en"/>
               <a:t> how we were finally able to perform an inner join after formatting the date columns for the full moon chart and the KCPD Crime data.</a:t>
+            </a:r>
+            <a:endParaRPr/>
+          </a:p>
+          <a:p>
+            <a:pPr indent="0" lvl="0" marL="0" rtl="0" algn="l">
+              <a:spcBef>
+                <a:spcPts val="0"/>
+              </a:spcBef>
+              <a:spcAft>
+                <a:spcPts val="0"/>
+              </a:spcAft>
+              <a:buNone/>
+            </a:pPr>
+            <a:r>
+              <a:t/>
+            </a:r>
+            <a:endParaRPr/>
+          </a:p>
+          <a:p>
+            <a:pPr indent="0" lvl="0" marL="0" rtl="0" algn="l">
+              <a:lnSpc>
+                <a:spcPct val="115000"/>
+              </a:lnSpc>
+              <a:spcBef>
+                <a:spcPts val="1200"/>
+              </a:spcBef>
+              <a:spcAft>
+                <a:spcPts val="0"/>
+              </a:spcAft>
+              <a:buClr>
+                <a:schemeClr val="dk1"/>
+              </a:buClr>
+              <a:buSzPts val="1100"/>
+              <a:buFont typeface="Arial"/>
+              <a:buNone/>
+            </a:pPr>
+            <a:r>
+              <a:rPr lang="en"/>
+              <a:t>Challenges</a:t>
+            </a:r>
+            <a:endParaRPr/>
+          </a:p>
+          <a:p>
+            <a:pPr indent="0" lvl="0" marL="0" rtl="0" algn="l">
+              <a:lnSpc>
+                <a:spcPct val="115000"/>
+              </a:lnSpc>
+              <a:spcBef>
+                <a:spcPts val="1200"/>
+              </a:spcBef>
+              <a:spcAft>
+                <a:spcPts val="0"/>
+              </a:spcAft>
+              <a:buClr>
+                <a:schemeClr val="dk1"/>
+              </a:buClr>
+              <a:buSzPts val="1100"/>
+              <a:buFont typeface="Arial"/>
+              <a:buNone/>
+            </a:pPr>
+            <a:r>
+              <a:rPr lang="en"/>
+              <a:t>Planning was the most important thing we could have done differently. I caught myself doing work that didn’t need to be done or had been done. There were also some junctures in the work that could have been planned out better.  </a:t>
+            </a:r>
+            <a:endParaRPr/>
+          </a:p>
+          <a:p>
+            <a:pPr indent="0" lvl="0" marL="0" rtl="0" algn="l">
+              <a:lnSpc>
+                <a:spcPct val="115000"/>
+              </a:lnSpc>
+              <a:spcBef>
+                <a:spcPts val="1200"/>
+              </a:spcBef>
+              <a:spcAft>
+                <a:spcPts val="0"/>
+              </a:spcAft>
+              <a:buClr>
+                <a:schemeClr val="dk1"/>
+              </a:buClr>
+              <a:buSzPts val="1100"/>
+              <a:buFont typeface="Arial"/>
+              <a:buNone/>
+            </a:pPr>
+            <a:r>
+              <a:rPr lang="en"/>
+              <a:t>Ex 1. Cleaning data that got removed.</a:t>
+            </a:r>
+            <a:endParaRPr/>
+          </a:p>
+          <a:p>
+            <a:pPr indent="0" lvl="0" marL="0" rtl="0" algn="l">
+              <a:lnSpc>
+                <a:spcPct val="115000"/>
+              </a:lnSpc>
+              <a:spcBef>
+                <a:spcPts val="1200"/>
+              </a:spcBef>
+              <a:spcAft>
+                <a:spcPts val="0"/>
+              </a:spcAft>
+              <a:buClr>
+                <a:schemeClr val="dk1"/>
+              </a:buClr>
+              <a:buSzPts val="1100"/>
+              <a:buFont typeface="Arial"/>
+              <a:buNone/>
+            </a:pPr>
+            <a:r>
+              <a:rPr lang="en"/>
+              <a:t>Ex 2. Cleaning data that is cleaned.</a:t>
+            </a:r>
+            <a:endParaRPr/>
+          </a:p>
+          <a:p>
+            <a:pPr indent="0" lvl="0" marL="0" rtl="0" algn="l">
+              <a:lnSpc>
+                <a:spcPct val="115000"/>
+              </a:lnSpc>
+              <a:spcBef>
+                <a:spcPts val="1200"/>
+              </a:spcBef>
+              <a:spcAft>
+                <a:spcPts val="0"/>
+              </a:spcAft>
+              <a:buClr>
+                <a:schemeClr val="dk1"/>
+              </a:buClr>
+              <a:buSzPts val="1100"/>
+              <a:buFont typeface="Arial"/>
+              <a:buNone/>
+            </a:pPr>
+            <a:r>
+              <a:rPr lang="en"/>
+              <a:t>Ex. 3 Clearly defined formats for all work that is to be passed to another team member.</a:t>
+            </a:r>
+            <a:endParaRPr/>
+          </a:p>
+          <a:p>
+            <a:pPr indent="0" lvl="0" marL="0" rtl="0" algn="l">
+              <a:lnSpc>
+                <a:spcPct val="115000"/>
+              </a:lnSpc>
+              <a:spcBef>
+                <a:spcPts val="1200"/>
+              </a:spcBef>
+              <a:spcAft>
+                <a:spcPts val="0"/>
+              </a:spcAft>
+              <a:buClr>
+                <a:schemeClr val="dk1"/>
+              </a:buClr>
+              <a:buSzPts val="1100"/>
+              <a:buFont typeface="Arial"/>
+              <a:buNone/>
+            </a:pPr>
+            <a:r>
+              <a:rPr lang="en"/>
+              <a:t>Successes</a:t>
+            </a:r>
+            <a:endParaRPr/>
+          </a:p>
+          <a:p>
+            <a:pPr indent="0" lvl="0" marL="0" rtl="0" algn="l">
+              <a:lnSpc>
+                <a:spcPct val="115000"/>
+              </a:lnSpc>
+              <a:spcBef>
+                <a:spcPts val="1200"/>
+              </a:spcBef>
+              <a:spcAft>
+                <a:spcPts val="0"/>
+              </a:spcAft>
+              <a:buClr>
+                <a:schemeClr val="dk1"/>
+              </a:buClr>
+              <a:buSzPts val="1100"/>
+              <a:buFont typeface="Arial"/>
+              <a:buNone/>
+            </a:pPr>
+            <a:r>
+              <a:rPr lang="en"/>
+              <a:t>Learning to have some insights into the work flow. Knowing more in-depth questions to think about in the planning phase of analytics projects.</a:t>
+            </a:r>
+            <a:endParaRPr/>
+          </a:p>
+          <a:p>
+            <a:pPr indent="0" lvl="0" marL="0" rtl="0" algn="l">
+              <a:spcBef>
+                <a:spcPts val="1200"/>
+              </a:spcBef>
+              <a:spcAft>
+                <a:spcPts val="0"/>
+              </a:spcAft>
+              <a:buNone/>
+            </a:pPr>
+            <a:r>
+              <a:t/>
             </a:r>
             <a:endParaRPr/>
           </a:p>
